--- a/präsentationen/Abschlusspräsentation_Entwurf.pptx
+++ b/präsentationen/Abschlusspräsentation_Entwurf.pptx
@@ -14615,7 +14615,7 @@
         <p:spPr>
           <a:xfrm>
             <a:off x="521207" y="1211766"/>
-            <a:ext cx="10245115" cy="4727988"/>
+            <a:ext cx="10712850" cy="4727988"/>
           </a:xfrm>
         </p:spPr>
         <p:txBody>
@@ -14626,7 +14626,7 @@
           <a:p>
             <a:r>
               <a:rPr lang="de-DE" sz="6000" dirty="0"/>
-              <a:t>3. Ergebnisse Meilenstein 2</a:t>
+              <a:t>3. Datenanalyse</a:t>
             </a:r>
           </a:p>
         </p:txBody>
@@ -24697,7 +24697,7 @@
           <a:p>
             <a:r>
               <a:rPr lang="de-DE" sz="6000" dirty="0"/>
-              <a:t>4. Ergebnisse Meilenstein 3</a:t>
+              <a:t>4. Modellierung</a:t>
             </a:r>
           </a:p>
         </p:txBody>

--- a/präsentationen/Abschlusspräsentation_Entwurf.pptx
+++ b/präsentationen/Abschlusspräsentation_Entwurf.pptx
@@ -12677,11 +12677,15 @@
               <a:rPr lang="de-DE" sz="3200" dirty="0"/>
             </a:br>
             <a:br>
-              <a:rPr lang="de-DE" sz="3200" dirty="0"/>
+              <a:rPr lang="de-DE" sz="3200"/>
             </a:br>
             <a:r>
+              <a:rPr lang="de-DE" sz="3200" b="0"/>
+              <a:t>Verlustprävention </a:t>
+            </a:r>
+            <a:r>
               <a:rPr lang="de-DE" sz="3200" b="0" dirty="0"/>
-              <a:t>Verlustprävention an Selbstbedienungskassen </a:t>
+              <a:t>an Selbstbedienungskassen </a:t>
             </a:r>
             <a:br>
               <a:rPr lang="de-DE" sz="3200" b="0" dirty="0"/>

--- a/präsentationen/Abschlusspräsentation_Entwurf.pptx
+++ b/präsentationen/Abschlusspräsentation_Entwurf.pptx
@@ -54,42 +54,42 @@
     <p:sldId id="2676" r:id="rId45"/>
     <p:sldId id="2727" r:id="rId46"/>
     <p:sldId id="2662" r:id="rId47"/>
-    <p:sldId id="2717" r:id="rId48"/>
-    <p:sldId id="2709" r:id="rId49"/>
-    <p:sldId id="2728" r:id="rId50"/>
-    <p:sldId id="2729" r:id="rId51"/>
-    <p:sldId id="2730" r:id="rId52"/>
-    <p:sldId id="2731" r:id="rId53"/>
-    <p:sldId id="2732" r:id="rId54"/>
-    <p:sldId id="2733" r:id="rId55"/>
-    <p:sldId id="2734" r:id="rId56"/>
-    <p:sldId id="2735" r:id="rId57"/>
-    <p:sldId id="2736" r:id="rId58"/>
-    <p:sldId id="2737" r:id="rId59"/>
-    <p:sldId id="2738" r:id="rId60"/>
-    <p:sldId id="2739" r:id="rId61"/>
-    <p:sldId id="2740" r:id="rId62"/>
-    <p:sldId id="2741" r:id="rId63"/>
-    <p:sldId id="2742" r:id="rId64"/>
-    <p:sldId id="2743" r:id="rId65"/>
-    <p:sldId id="2744" r:id="rId66"/>
-    <p:sldId id="2745" r:id="rId67"/>
-    <p:sldId id="2746" r:id="rId68"/>
-    <p:sldId id="2747" r:id="rId69"/>
-    <p:sldId id="2748" r:id="rId70"/>
-    <p:sldId id="2749" r:id="rId71"/>
-    <p:sldId id="2750" r:id="rId72"/>
-    <p:sldId id="2751" r:id="rId73"/>
-    <p:sldId id="2752" r:id="rId74"/>
-    <p:sldId id="2753" r:id="rId75"/>
-    <p:sldId id="2754" r:id="rId76"/>
-    <p:sldId id="2755" r:id="rId77"/>
-    <p:sldId id="2718" r:id="rId78"/>
-    <p:sldId id="2711" r:id="rId79"/>
-    <p:sldId id="2756" r:id="rId80"/>
-    <p:sldId id="2719" r:id="rId81"/>
-    <p:sldId id="2712" r:id="rId82"/>
-    <p:sldId id="2720" r:id="rId83"/>
+    <p:sldId id="2709" r:id="rId48"/>
+    <p:sldId id="2728" r:id="rId49"/>
+    <p:sldId id="2729" r:id="rId50"/>
+    <p:sldId id="2730" r:id="rId51"/>
+    <p:sldId id="2731" r:id="rId52"/>
+    <p:sldId id="2732" r:id="rId53"/>
+    <p:sldId id="2733" r:id="rId54"/>
+    <p:sldId id="2734" r:id="rId55"/>
+    <p:sldId id="2735" r:id="rId56"/>
+    <p:sldId id="2736" r:id="rId57"/>
+    <p:sldId id="2737" r:id="rId58"/>
+    <p:sldId id="2738" r:id="rId59"/>
+    <p:sldId id="2739" r:id="rId60"/>
+    <p:sldId id="2740" r:id="rId61"/>
+    <p:sldId id="2741" r:id="rId62"/>
+    <p:sldId id="2742" r:id="rId63"/>
+    <p:sldId id="2743" r:id="rId64"/>
+    <p:sldId id="2744" r:id="rId65"/>
+    <p:sldId id="2745" r:id="rId66"/>
+    <p:sldId id="2746" r:id="rId67"/>
+    <p:sldId id="2747" r:id="rId68"/>
+    <p:sldId id="2748" r:id="rId69"/>
+    <p:sldId id="2749" r:id="rId70"/>
+    <p:sldId id="2750" r:id="rId71"/>
+    <p:sldId id="2751" r:id="rId72"/>
+    <p:sldId id="2752" r:id="rId73"/>
+    <p:sldId id="2753" r:id="rId74"/>
+    <p:sldId id="2754" r:id="rId75"/>
+    <p:sldId id="2755" r:id="rId76"/>
+    <p:sldId id="2718" r:id="rId77"/>
+    <p:sldId id="2711" r:id="rId78"/>
+    <p:sldId id="2756" r:id="rId79"/>
+    <p:sldId id="2719" r:id="rId80"/>
+    <p:sldId id="2712" r:id="rId81"/>
+    <p:sldId id="2720" r:id="rId82"/>
+    <p:sldId id="2757" r:id="rId83"/>
     <p:sldId id="2632" r:id="rId84"/>
   </p:sldIdLst>
   <p:sldSz cx="12192000" cy="6858000"/>
@@ -240,7 +240,6 @@
             <p14:sldId id="2676"/>
             <p14:sldId id="2727"/>
             <p14:sldId id="2662"/>
-            <p14:sldId id="2717"/>
             <p14:sldId id="2709"/>
             <p14:sldId id="2728"/>
             <p14:sldId id="2729"/>
@@ -276,6 +275,7 @@
             <p14:sldId id="2719"/>
             <p14:sldId id="2712"/>
             <p14:sldId id="2720"/>
+            <p14:sldId id="2757"/>
             <p14:sldId id="2632"/>
           </p14:sldIdLst>
         </p14:section>
@@ -369,7 +369,7 @@
           </a:lstStyle>
           <a:p>
             <a:fld id="{75BEE995-72F4-482A-B547-037217EEA661}" type="datetimeFigureOut">
-              <a:t>25.06.2025</a:t>
+              <a:t>27.06.2025</a:t>
             </a:fld>
             <a:endParaRPr lang="de-DE"/>
           </a:p>
@@ -3447,7 +3447,7 @@
           <a:lstStyle/>
           <a:p>
             <a:fld id="{8C36BA74-7AA1-48ED-B9BC-0F570D47A936}" type="slidenum">
-              <a:t>48</a:t>
+              <a:t>47</a:t>
             </a:fld>
             <a:endParaRPr lang="de-DE"/>
           </a:p>
@@ -3520,6 +3520,170 @@
       <p:sp>
         <p:nvSpPr>
           <p:cNvPr id="1667253447" name="Slide Number Placeholder 3"/>
+          <p:cNvSpPr>
+            <a:spLocks noGrp="1"/>
+          </p:cNvSpPr>
+          <p:nvPr>
+            <p:ph type="sldNum" sz="quarter" idx="10"/>
+          </p:nvPr>
+        </p:nvSpPr>
+        <p:spPr bwMode="auto"/>
+        <p:txBody>
+          <a:bodyPr/>
+          <a:lstStyle/>
+          <a:p>
+            <a:pPr marL="0" marR="0" lvl="0" indent="0" algn="r" defTabSz="914400" eaLnBrk="1" fontAlgn="auto" latinLnBrk="0" hangingPunct="1">
+              <a:lnSpc>
+                <a:spcPct val="100000"/>
+              </a:lnSpc>
+              <a:spcBef>
+                <a:spcPts val="0"/>
+              </a:spcBef>
+              <a:spcAft>
+                <a:spcPts val="0"/>
+              </a:spcAft>
+              <a:buClrTx/>
+              <a:buSzTx/>
+              <a:buFontTx/>
+              <a:buNone/>
+              <a:tabLst/>
+              <a:defRPr/>
+            </a:pPr>
+            <a:fld id="{37F1F184-79D2-F4EC-467F-CF3EF60FA136}" type="slidenum">
+              <a:rPr kumimoji="0" sz="1200" b="0" i="0" u="none" strike="noStrike" kern="0" cap="none" spc="0" normalizeH="0" baseline="0" noProof="0">
+                <a:ln>
+                  <a:noFill/>
+                </a:ln>
+                <a:solidFill>
+                  <a:prstClr val="black"/>
+                </a:solidFill>
+                <a:effectLst/>
+                <a:uLnTx/>
+                <a:uFillTx/>
+                <a:latin typeface="Calibri"/>
+                <a:cs typeface="Arial"/>
+              </a:rPr>
+              <a:pPr marL="0" marR="0" lvl="0" indent="0" algn="r" defTabSz="914400" eaLnBrk="1" fontAlgn="auto" latinLnBrk="0" hangingPunct="1">
+                <a:lnSpc>
+                  <a:spcPct val="100000"/>
+                </a:lnSpc>
+                <a:spcBef>
+                  <a:spcPts val="0"/>
+                </a:spcBef>
+                <a:spcAft>
+                  <a:spcPts val="0"/>
+                </a:spcAft>
+                <a:buClrTx/>
+                <a:buSzTx/>
+                <a:buFontTx/>
+                <a:buNone/>
+                <a:tabLst/>
+                <a:defRPr/>
+              </a:pPr>
+              <a:t>58</a:t>
+            </a:fld>
+            <a:endParaRPr kumimoji="0" sz="1200" b="0" i="0" u="none" strike="noStrike" kern="0" cap="none" spc="0" normalizeH="0" baseline="0" noProof="0">
+              <a:ln>
+                <a:noFill/>
+              </a:ln>
+              <a:solidFill>
+                <a:prstClr val="black"/>
+              </a:solidFill>
+              <a:effectLst/>
+              <a:uLnTx/>
+              <a:uFillTx/>
+              <a:latin typeface="Calibri"/>
+              <a:cs typeface="Arial"/>
+            </a:endParaRPr>
+          </a:p>
+        </p:txBody>
+      </p:sp>
+    </p:spTree>
+  </p:cSld>
+  <p:clrMapOvr>
+    <a:masterClrMapping/>
+  </p:clrMapOvr>
+</p:notes>
+</file>
+
+<file path=ppt/notesSlides/notesSlide28.xml><?xml version="1.0" encoding="utf-8"?>
+<p:notes xmlns:a="http://schemas.openxmlformats.org/drawingml/2006/main" xmlns:r="http://schemas.openxmlformats.org/officeDocument/2006/relationships" xmlns:p="http://schemas.openxmlformats.org/presentationml/2006/main">
+  <p:cSld>
+    <p:spTree>
+      <p:nvGrpSpPr>
+        <p:cNvPr id="1" name="">
+          <a:extLst>
+            <a:ext uri="{FF2B5EF4-FFF2-40B4-BE49-F238E27FC236}">
+              <a16:creationId xmlns:a16="http://schemas.microsoft.com/office/drawing/2014/main" id="{789B3700-FB22-8ADE-F033-554F027A05E8}"/>
+            </a:ext>
+          </a:extLst>
+        </p:cNvPr>
+        <p:cNvGrpSpPr/>
+        <p:nvPr/>
+      </p:nvGrpSpPr>
+      <p:grpSpPr bwMode="auto">
+        <a:xfrm>
+          <a:off x="0" y="0"/>
+          <a:ext cx="0" cy="0"/>
+          <a:chOff x="0" y="0"/>
+          <a:chExt cx="0" cy="0"/>
+        </a:xfrm>
+      </p:grpSpPr>
+      <p:sp>
+        <p:nvSpPr>
+          <p:cNvPr id="1330014680" name="Slide Image Placeholder 1">
+            <a:extLst>
+              <a:ext uri="{FF2B5EF4-FFF2-40B4-BE49-F238E27FC236}">
+                <a16:creationId xmlns:a16="http://schemas.microsoft.com/office/drawing/2014/main" id="{3F736781-1889-BC5C-FB5F-F94DE5F74C59}"/>
+              </a:ext>
+            </a:extLst>
+          </p:cNvPr>
+          <p:cNvSpPr>
+            <a:spLocks noGrp="1" noRot="1" noChangeAspect="1"/>
+          </p:cNvSpPr>
+          <p:nvPr>
+            <p:ph type="sldImg"/>
+          </p:nvPr>
+        </p:nvSpPr>
+        <p:spPr bwMode="auto"/>
+      </p:sp>
+      <p:sp>
+        <p:nvSpPr>
+          <p:cNvPr id="1330354815" name="Notes Placeholder 2">
+            <a:extLst>
+              <a:ext uri="{FF2B5EF4-FFF2-40B4-BE49-F238E27FC236}">
+                <a16:creationId xmlns:a16="http://schemas.microsoft.com/office/drawing/2014/main" id="{FF20F60D-7F26-D4A8-74FD-54D044479092}"/>
+              </a:ext>
+            </a:extLst>
+          </p:cNvPr>
+          <p:cNvSpPr>
+            <a:spLocks noGrp="1"/>
+          </p:cNvSpPr>
+          <p:nvPr>
+            <p:ph type="body" idx="1"/>
+          </p:nvPr>
+        </p:nvSpPr>
+        <p:spPr bwMode="auto"/>
+        <p:txBody>
+          <a:bodyPr/>
+          <a:lstStyle/>
+          <a:p>
+            <a:pPr>
+              <a:defRPr/>
+            </a:pPr>
+            <a:endParaRPr/>
+          </a:p>
+        </p:txBody>
+      </p:sp>
+      <p:sp>
+        <p:nvSpPr>
+          <p:cNvPr id="1667253447" name="Slide Number Placeholder 3">
+            <a:extLst>
+              <a:ext uri="{FF2B5EF4-FFF2-40B4-BE49-F238E27FC236}">
+                <a16:creationId xmlns:a16="http://schemas.microsoft.com/office/drawing/2014/main" id="{FE15B35D-2E42-4F29-CE1E-E7107BA388F4}"/>
+              </a:ext>
+            </a:extLst>
+          </p:cNvPr>
           <p:cNvSpPr>
             <a:spLocks noGrp="1"/>
           </p:cNvSpPr>
@@ -3599,6 +3763,11 @@
         </p:txBody>
       </p:sp>
     </p:spTree>
+    <p:extLst>
+      <p:ext uri="{BB962C8B-B14F-4D97-AF65-F5344CB8AC3E}">
+        <p14:creationId xmlns:p14="http://schemas.microsoft.com/office/powerpoint/2010/main" val="237478640"/>
+      </p:ext>
+    </p:extLst>
   </p:cSld>
   <p:clrMapOvr>
     <a:masterClrMapping/>
@@ -3606,7 +3775,7 @@
 </p:notes>
 </file>
 
-<file path=ppt/notesSlides/notesSlide28.xml><?xml version="1.0" encoding="utf-8"?>
+<file path=ppt/notesSlides/notesSlide29.xml><?xml version="1.0" encoding="utf-8"?>
 <p:notes xmlns:a="http://schemas.openxmlformats.org/drawingml/2006/main" xmlns:r="http://schemas.openxmlformats.org/officeDocument/2006/relationships" xmlns:p="http://schemas.openxmlformats.org/presentationml/2006/main">
   <p:cSld>
     <p:spTree>
@@ -3614,7 +3783,7 @@
         <p:cNvPr id="1" name="">
           <a:extLst>
             <a:ext uri="{FF2B5EF4-FFF2-40B4-BE49-F238E27FC236}">
-              <a16:creationId xmlns:a16="http://schemas.microsoft.com/office/drawing/2014/main" id="{789B3700-FB22-8ADE-F033-554F027A05E8}"/>
+              <a16:creationId xmlns:a16="http://schemas.microsoft.com/office/drawing/2014/main" id="{5FBB5073-8EAD-4DFA-A13D-BA454D6B5EC9}"/>
             </a:ext>
           </a:extLst>
         </p:cNvPr>
@@ -3634,7 +3803,7 @@
           <p:cNvPr id="1330014680" name="Slide Image Placeholder 1">
             <a:extLst>
               <a:ext uri="{FF2B5EF4-FFF2-40B4-BE49-F238E27FC236}">
-                <a16:creationId xmlns:a16="http://schemas.microsoft.com/office/drawing/2014/main" id="{3F736781-1889-BC5C-FB5F-F94DE5F74C59}"/>
+                <a16:creationId xmlns:a16="http://schemas.microsoft.com/office/drawing/2014/main" id="{0F3AAEC4-0330-20A6-7B90-AA189194E4A8}"/>
               </a:ext>
             </a:extLst>
           </p:cNvPr>
@@ -3652,7 +3821,7 @@
           <p:cNvPr id="1330354815" name="Notes Placeholder 2">
             <a:extLst>
               <a:ext uri="{FF2B5EF4-FFF2-40B4-BE49-F238E27FC236}">
-                <a16:creationId xmlns:a16="http://schemas.microsoft.com/office/drawing/2014/main" id="{FF20F60D-7F26-D4A8-74FD-54D044479092}"/>
+                <a16:creationId xmlns:a16="http://schemas.microsoft.com/office/drawing/2014/main" id="{7DD02D89-D38A-E02C-40B2-674E42F84C54}"/>
               </a:ext>
             </a:extLst>
           </p:cNvPr>
@@ -3680,7 +3849,7 @@
           <p:cNvPr id="1667253447" name="Slide Number Placeholder 3">
             <a:extLst>
               <a:ext uri="{FF2B5EF4-FFF2-40B4-BE49-F238E27FC236}">
-                <a16:creationId xmlns:a16="http://schemas.microsoft.com/office/drawing/2014/main" id="{FE15B35D-2E42-4F29-CE1E-E7107BA388F4}"/>
+                <a16:creationId xmlns:a16="http://schemas.microsoft.com/office/drawing/2014/main" id="{07874E8D-BFD4-4A81-8379-BB3DD1B4FCE8}"/>
               </a:ext>
             </a:extLst>
           </p:cNvPr>
@@ -3765,7 +3934,7 @@
     </p:spTree>
     <p:extLst>
       <p:ext uri="{BB962C8B-B14F-4D97-AF65-F5344CB8AC3E}">
-        <p14:creationId xmlns:p14="http://schemas.microsoft.com/office/powerpoint/2010/main" val="237478640"/>
+        <p14:creationId xmlns:p14="http://schemas.microsoft.com/office/powerpoint/2010/main" val="1128678057"/>
       </p:ext>
     </p:extLst>
   </p:cSld>
@@ -3775,7 +3944,7 @@
 </p:notes>
 </file>
 
-<file path=ppt/notesSlides/notesSlide29.xml><?xml version="1.0" encoding="utf-8"?>
+<file path=ppt/notesSlides/notesSlide3.xml><?xml version="1.0" encoding="utf-8"?>
 <p:notes xmlns:a="http://schemas.openxmlformats.org/drawingml/2006/main" xmlns:r="http://schemas.openxmlformats.org/officeDocument/2006/relationships" xmlns:p="http://schemas.openxmlformats.org/presentationml/2006/main">
   <p:cSld>
     <p:spTree>
@@ -3783,7 +3952,117 @@
         <p:cNvPr id="1" name="">
           <a:extLst>
             <a:ext uri="{FF2B5EF4-FFF2-40B4-BE49-F238E27FC236}">
-              <a16:creationId xmlns:a16="http://schemas.microsoft.com/office/drawing/2014/main" id="{5FBB5073-8EAD-4DFA-A13D-BA454D6B5EC9}"/>
+              <a16:creationId xmlns:a16="http://schemas.microsoft.com/office/drawing/2014/main" id="{DD0E4D01-5CDC-CE7D-E5E4-F86685973C5E}"/>
+            </a:ext>
+          </a:extLst>
+        </p:cNvPr>
+        <p:cNvGrpSpPr/>
+        <p:nvPr/>
+      </p:nvGrpSpPr>
+      <p:grpSpPr>
+        <a:xfrm>
+          <a:off x="0" y="0"/>
+          <a:ext cx="0" cy="0"/>
+          <a:chOff x="0" y="0"/>
+          <a:chExt cx="0" cy="0"/>
+        </a:xfrm>
+      </p:grpSpPr>
+      <p:sp>
+        <p:nvSpPr>
+          <p:cNvPr id="2" name="Folienbildplatzhalter 1">
+            <a:extLst>
+              <a:ext uri="{FF2B5EF4-FFF2-40B4-BE49-F238E27FC236}">
+                <a16:creationId xmlns:a16="http://schemas.microsoft.com/office/drawing/2014/main" id="{926EE435-1720-B05E-2B05-3F201BC6FD29}"/>
+              </a:ext>
+            </a:extLst>
+          </p:cNvPr>
+          <p:cNvSpPr>
+            <a:spLocks noGrp="1" noRot="1" noChangeAspect="1"/>
+          </p:cNvSpPr>
+          <p:nvPr>
+            <p:ph type="sldImg"/>
+          </p:nvPr>
+        </p:nvSpPr>
+        <p:spPr/>
+      </p:sp>
+      <p:sp>
+        <p:nvSpPr>
+          <p:cNvPr id="3" name="Notizenplatzhalter 2">
+            <a:extLst>
+              <a:ext uri="{FF2B5EF4-FFF2-40B4-BE49-F238E27FC236}">
+                <a16:creationId xmlns:a16="http://schemas.microsoft.com/office/drawing/2014/main" id="{47426DCF-120D-1DA9-D396-BA121486E24A}"/>
+              </a:ext>
+            </a:extLst>
+          </p:cNvPr>
+          <p:cNvSpPr>
+            <a:spLocks noGrp="1"/>
+          </p:cNvSpPr>
+          <p:nvPr>
+            <p:ph type="body" idx="1"/>
+          </p:nvPr>
+        </p:nvSpPr>
+        <p:spPr/>
+        <p:txBody>
+          <a:bodyPr/>
+          <a:lstStyle/>
+          <a:p>
+            <a:r>
+              <a:rPr lang="de-DE"/>
+              <a:t>Hier beginnen wir mit dem Hintergrund und der Motivation für unser Projekt. Wir geben einen Überblick über die Einzelhandelsbranche und erläutern die Zielsetzung unseres Data Science Projekts, um Prozesse zu optimieren und die Effizienz zu steigern.</a:t>
+            </a:r>
+          </a:p>
+        </p:txBody>
+      </p:sp>
+      <p:sp>
+        <p:nvSpPr>
+          <p:cNvPr id="4" name="Foliennummernplatzhalter 3">
+            <a:extLst>
+              <a:ext uri="{FF2B5EF4-FFF2-40B4-BE49-F238E27FC236}">
+                <a16:creationId xmlns:a16="http://schemas.microsoft.com/office/drawing/2014/main" id="{FDA9403F-AEFE-9BE6-5A3E-EC050E2624E7}"/>
+              </a:ext>
+            </a:extLst>
+          </p:cNvPr>
+          <p:cNvSpPr>
+            <a:spLocks noGrp="1"/>
+          </p:cNvSpPr>
+          <p:nvPr>
+            <p:ph type="sldNum" sz="quarter" idx="5"/>
+          </p:nvPr>
+        </p:nvSpPr>
+        <p:spPr/>
+        <p:txBody>
+          <a:bodyPr/>
+          <a:lstStyle/>
+          <a:p>
+            <a:fld id="{8C36BA74-7AA1-48ED-B9BC-0F570D47A936}" type="slidenum">
+              <a:t>17</a:t>
+            </a:fld>
+            <a:endParaRPr lang="de-DE"/>
+          </a:p>
+        </p:txBody>
+      </p:sp>
+    </p:spTree>
+    <p:extLst>
+      <p:ext uri="{BB962C8B-B14F-4D97-AF65-F5344CB8AC3E}">
+        <p14:creationId xmlns:p14="http://schemas.microsoft.com/office/powerpoint/2010/main" val="1483038146"/>
+      </p:ext>
+    </p:extLst>
+  </p:cSld>
+  <p:clrMapOvr>
+    <a:masterClrMapping/>
+  </p:clrMapOvr>
+</p:notes>
+</file>
+
+<file path=ppt/notesSlides/notesSlide30.xml><?xml version="1.0" encoding="utf-8"?>
+<p:notes xmlns:a="http://schemas.openxmlformats.org/drawingml/2006/main" xmlns:r="http://schemas.openxmlformats.org/officeDocument/2006/relationships" xmlns:p="http://schemas.openxmlformats.org/presentationml/2006/main">
+  <p:cSld>
+    <p:spTree>
+      <p:nvGrpSpPr>
+        <p:cNvPr id="1" name="">
+          <a:extLst>
+            <a:ext uri="{FF2B5EF4-FFF2-40B4-BE49-F238E27FC236}">
+              <a16:creationId xmlns:a16="http://schemas.microsoft.com/office/drawing/2014/main" id="{FA592738-03C1-03C9-8025-30BDA45C610D}"/>
             </a:ext>
           </a:extLst>
         </p:cNvPr>
@@ -3803,7 +4082,7 @@
           <p:cNvPr id="1330014680" name="Slide Image Placeholder 1">
             <a:extLst>
               <a:ext uri="{FF2B5EF4-FFF2-40B4-BE49-F238E27FC236}">
-                <a16:creationId xmlns:a16="http://schemas.microsoft.com/office/drawing/2014/main" id="{0F3AAEC4-0330-20A6-7B90-AA189194E4A8}"/>
+                <a16:creationId xmlns:a16="http://schemas.microsoft.com/office/drawing/2014/main" id="{2EE1E529-DC86-D3B6-49A0-2D65FA11F5A0}"/>
               </a:ext>
             </a:extLst>
           </p:cNvPr>
@@ -3821,7 +4100,7 @@
           <p:cNvPr id="1330354815" name="Notes Placeholder 2">
             <a:extLst>
               <a:ext uri="{FF2B5EF4-FFF2-40B4-BE49-F238E27FC236}">
-                <a16:creationId xmlns:a16="http://schemas.microsoft.com/office/drawing/2014/main" id="{7DD02D89-D38A-E02C-40B2-674E42F84C54}"/>
+                <a16:creationId xmlns:a16="http://schemas.microsoft.com/office/drawing/2014/main" id="{17574C73-F3BE-B80D-02C9-271B05D4D288}"/>
               </a:ext>
             </a:extLst>
           </p:cNvPr>
@@ -3849,7 +4128,7 @@
           <p:cNvPr id="1667253447" name="Slide Number Placeholder 3">
             <a:extLst>
               <a:ext uri="{FF2B5EF4-FFF2-40B4-BE49-F238E27FC236}">
-                <a16:creationId xmlns:a16="http://schemas.microsoft.com/office/drawing/2014/main" id="{07874E8D-BFD4-4A81-8379-BB3DD1B4FCE8}"/>
+                <a16:creationId xmlns:a16="http://schemas.microsoft.com/office/drawing/2014/main" id="{8FB20F0B-AB34-14B8-4963-85EFB34A9B42}"/>
               </a:ext>
             </a:extLst>
           </p:cNvPr>
@@ -3934,7 +4213,7 @@
     </p:spTree>
     <p:extLst>
       <p:ext uri="{BB962C8B-B14F-4D97-AF65-F5344CB8AC3E}">
-        <p14:creationId xmlns:p14="http://schemas.microsoft.com/office/powerpoint/2010/main" val="1128678057"/>
+        <p14:creationId xmlns:p14="http://schemas.microsoft.com/office/powerpoint/2010/main" val="3902437308"/>
       </p:ext>
     </p:extLst>
   </p:cSld>
@@ -3944,7 +4223,7 @@
 </p:notes>
 </file>
 
-<file path=ppt/notesSlides/notesSlide3.xml><?xml version="1.0" encoding="utf-8"?>
+<file path=ppt/notesSlides/notesSlide31.xml><?xml version="1.0" encoding="utf-8"?>
 <p:notes xmlns:a="http://schemas.openxmlformats.org/drawingml/2006/main" xmlns:r="http://schemas.openxmlformats.org/officeDocument/2006/relationships" xmlns:p="http://schemas.openxmlformats.org/presentationml/2006/main">
   <p:cSld>
     <p:spTree>
@@ -3952,117 +4231,7 @@
         <p:cNvPr id="1" name="">
           <a:extLst>
             <a:ext uri="{FF2B5EF4-FFF2-40B4-BE49-F238E27FC236}">
-              <a16:creationId xmlns:a16="http://schemas.microsoft.com/office/drawing/2014/main" id="{DD0E4D01-5CDC-CE7D-E5E4-F86685973C5E}"/>
-            </a:ext>
-          </a:extLst>
-        </p:cNvPr>
-        <p:cNvGrpSpPr/>
-        <p:nvPr/>
-      </p:nvGrpSpPr>
-      <p:grpSpPr>
-        <a:xfrm>
-          <a:off x="0" y="0"/>
-          <a:ext cx="0" cy="0"/>
-          <a:chOff x="0" y="0"/>
-          <a:chExt cx="0" cy="0"/>
-        </a:xfrm>
-      </p:grpSpPr>
-      <p:sp>
-        <p:nvSpPr>
-          <p:cNvPr id="2" name="Folienbildplatzhalter 1">
-            <a:extLst>
-              <a:ext uri="{FF2B5EF4-FFF2-40B4-BE49-F238E27FC236}">
-                <a16:creationId xmlns:a16="http://schemas.microsoft.com/office/drawing/2014/main" id="{926EE435-1720-B05E-2B05-3F201BC6FD29}"/>
-              </a:ext>
-            </a:extLst>
-          </p:cNvPr>
-          <p:cNvSpPr>
-            <a:spLocks noGrp="1" noRot="1" noChangeAspect="1"/>
-          </p:cNvSpPr>
-          <p:nvPr>
-            <p:ph type="sldImg"/>
-          </p:nvPr>
-        </p:nvSpPr>
-        <p:spPr/>
-      </p:sp>
-      <p:sp>
-        <p:nvSpPr>
-          <p:cNvPr id="3" name="Notizenplatzhalter 2">
-            <a:extLst>
-              <a:ext uri="{FF2B5EF4-FFF2-40B4-BE49-F238E27FC236}">
-                <a16:creationId xmlns:a16="http://schemas.microsoft.com/office/drawing/2014/main" id="{47426DCF-120D-1DA9-D396-BA121486E24A}"/>
-              </a:ext>
-            </a:extLst>
-          </p:cNvPr>
-          <p:cNvSpPr>
-            <a:spLocks noGrp="1"/>
-          </p:cNvSpPr>
-          <p:nvPr>
-            <p:ph type="body" idx="1"/>
-          </p:nvPr>
-        </p:nvSpPr>
-        <p:spPr/>
-        <p:txBody>
-          <a:bodyPr/>
-          <a:lstStyle/>
-          <a:p>
-            <a:r>
-              <a:rPr lang="de-DE"/>
-              <a:t>Hier beginnen wir mit dem Hintergrund und der Motivation für unser Projekt. Wir geben einen Überblick über die Einzelhandelsbranche und erläutern die Zielsetzung unseres Data Science Projekts, um Prozesse zu optimieren und die Effizienz zu steigern.</a:t>
-            </a:r>
-          </a:p>
-        </p:txBody>
-      </p:sp>
-      <p:sp>
-        <p:nvSpPr>
-          <p:cNvPr id="4" name="Foliennummernplatzhalter 3">
-            <a:extLst>
-              <a:ext uri="{FF2B5EF4-FFF2-40B4-BE49-F238E27FC236}">
-                <a16:creationId xmlns:a16="http://schemas.microsoft.com/office/drawing/2014/main" id="{FDA9403F-AEFE-9BE6-5A3E-EC050E2624E7}"/>
-              </a:ext>
-            </a:extLst>
-          </p:cNvPr>
-          <p:cNvSpPr>
-            <a:spLocks noGrp="1"/>
-          </p:cNvSpPr>
-          <p:nvPr>
-            <p:ph type="sldNum" sz="quarter" idx="5"/>
-          </p:nvPr>
-        </p:nvSpPr>
-        <p:spPr/>
-        <p:txBody>
-          <a:bodyPr/>
-          <a:lstStyle/>
-          <a:p>
-            <a:fld id="{8C36BA74-7AA1-48ED-B9BC-0F570D47A936}" type="slidenum">
-              <a:t>17</a:t>
-            </a:fld>
-            <a:endParaRPr lang="de-DE"/>
-          </a:p>
-        </p:txBody>
-      </p:sp>
-    </p:spTree>
-    <p:extLst>
-      <p:ext uri="{BB962C8B-B14F-4D97-AF65-F5344CB8AC3E}">
-        <p14:creationId xmlns:p14="http://schemas.microsoft.com/office/powerpoint/2010/main" val="1483038146"/>
-      </p:ext>
-    </p:extLst>
-  </p:cSld>
-  <p:clrMapOvr>
-    <a:masterClrMapping/>
-  </p:clrMapOvr>
-</p:notes>
-</file>
-
-<file path=ppt/notesSlides/notesSlide30.xml><?xml version="1.0" encoding="utf-8"?>
-<p:notes xmlns:a="http://schemas.openxmlformats.org/drawingml/2006/main" xmlns:r="http://schemas.openxmlformats.org/officeDocument/2006/relationships" xmlns:p="http://schemas.openxmlformats.org/presentationml/2006/main">
-  <p:cSld>
-    <p:spTree>
-      <p:nvGrpSpPr>
-        <p:cNvPr id="1" name="">
-          <a:extLst>
-            <a:ext uri="{FF2B5EF4-FFF2-40B4-BE49-F238E27FC236}">
-              <a16:creationId xmlns:a16="http://schemas.microsoft.com/office/drawing/2014/main" id="{FA592738-03C1-03C9-8025-30BDA45C610D}"/>
+              <a16:creationId xmlns:a16="http://schemas.microsoft.com/office/drawing/2014/main" id="{BD5F7901-49F7-F12B-FFA5-DDF2CF4C64DE}"/>
             </a:ext>
           </a:extLst>
         </p:cNvPr>
@@ -4082,7 +4251,7 @@
           <p:cNvPr id="1330014680" name="Slide Image Placeholder 1">
             <a:extLst>
               <a:ext uri="{FF2B5EF4-FFF2-40B4-BE49-F238E27FC236}">
-                <a16:creationId xmlns:a16="http://schemas.microsoft.com/office/drawing/2014/main" id="{2EE1E529-DC86-D3B6-49A0-2D65FA11F5A0}"/>
+                <a16:creationId xmlns:a16="http://schemas.microsoft.com/office/drawing/2014/main" id="{1A0931BC-1901-D7B8-7B73-9665A5A74878}"/>
               </a:ext>
             </a:extLst>
           </p:cNvPr>
@@ -4100,7 +4269,7 @@
           <p:cNvPr id="1330354815" name="Notes Placeholder 2">
             <a:extLst>
               <a:ext uri="{FF2B5EF4-FFF2-40B4-BE49-F238E27FC236}">
-                <a16:creationId xmlns:a16="http://schemas.microsoft.com/office/drawing/2014/main" id="{17574C73-F3BE-B80D-02C9-271B05D4D288}"/>
+                <a16:creationId xmlns:a16="http://schemas.microsoft.com/office/drawing/2014/main" id="{BF382972-7254-CD67-0466-0D32973D79F3}"/>
               </a:ext>
             </a:extLst>
           </p:cNvPr>
@@ -4128,7 +4297,7 @@
           <p:cNvPr id="1667253447" name="Slide Number Placeholder 3">
             <a:extLst>
               <a:ext uri="{FF2B5EF4-FFF2-40B4-BE49-F238E27FC236}">
-                <a16:creationId xmlns:a16="http://schemas.microsoft.com/office/drawing/2014/main" id="{8FB20F0B-AB34-14B8-4963-85EFB34A9B42}"/>
+                <a16:creationId xmlns:a16="http://schemas.microsoft.com/office/drawing/2014/main" id="{BB35E0D4-6A49-C004-8EAD-EC5900E109CA}"/>
               </a:ext>
             </a:extLst>
           </p:cNvPr>
@@ -4213,7 +4382,7 @@
     </p:spTree>
     <p:extLst>
       <p:ext uri="{BB962C8B-B14F-4D97-AF65-F5344CB8AC3E}">
-        <p14:creationId xmlns:p14="http://schemas.microsoft.com/office/powerpoint/2010/main" val="3902437308"/>
+        <p14:creationId xmlns:p14="http://schemas.microsoft.com/office/powerpoint/2010/main" val="599269686"/>
       </p:ext>
     </p:extLst>
   </p:cSld>
@@ -4223,7 +4392,7 @@
 </p:notes>
 </file>
 
-<file path=ppt/notesSlides/notesSlide31.xml><?xml version="1.0" encoding="utf-8"?>
+<file path=ppt/notesSlides/notesSlide32.xml><?xml version="1.0" encoding="utf-8"?>
 <p:notes xmlns:a="http://schemas.openxmlformats.org/drawingml/2006/main" xmlns:r="http://schemas.openxmlformats.org/officeDocument/2006/relationships" xmlns:p="http://schemas.openxmlformats.org/presentationml/2006/main">
   <p:cSld>
     <p:spTree>
@@ -4231,7 +4400,7 @@
         <p:cNvPr id="1" name="">
           <a:extLst>
             <a:ext uri="{FF2B5EF4-FFF2-40B4-BE49-F238E27FC236}">
-              <a16:creationId xmlns:a16="http://schemas.microsoft.com/office/drawing/2014/main" id="{BD5F7901-49F7-F12B-FFA5-DDF2CF4C64DE}"/>
+              <a16:creationId xmlns:a16="http://schemas.microsoft.com/office/drawing/2014/main" id="{17C4D7CD-3D3F-EE5D-2B65-BC744F5F8820}"/>
             </a:ext>
           </a:extLst>
         </p:cNvPr>
@@ -4251,7 +4420,7 @@
           <p:cNvPr id="1330014680" name="Slide Image Placeholder 1">
             <a:extLst>
               <a:ext uri="{FF2B5EF4-FFF2-40B4-BE49-F238E27FC236}">
-                <a16:creationId xmlns:a16="http://schemas.microsoft.com/office/drawing/2014/main" id="{1A0931BC-1901-D7B8-7B73-9665A5A74878}"/>
+                <a16:creationId xmlns:a16="http://schemas.microsoft.com/office/drawing/2014/main" id="{486C0883-F4B1-6F2F-6707-76F6FC09F1B2}"/>
               </a:ext>
             </a:extLst>
           </p:cNvPr>
@@ -4269,7 +4438,7 @@
           <p:cNvPr id="1330354815" name="Notes Placeholder 2">
             <a:extLst>
               <a:ext uri="{FF2B5EF4-FFF2-40B4-BE49-F238E27FC236}">
-                <a16:creationId xmlns:a16="http://schemas.microsoft.com/office/drawing/2014/main" id="{BF382972-7254-CD67-0466-0D32973D79F3}"/>
+                <a16:creationId xmlns:a16="http://schemas.microsoft.com/office/drawing/2014/main" id="{30D83B0C-ECF8-B4E0-A3C5-DCEFE425F2D5}"/>
               </a:ext>
             </a:extLst>
           </p:cNvPr>
@@ -4297,7 +4466,7 @@
           <p:cNvPr id="1667253447" name="Slide Number Placeholder 3">
             <a:extLst>
               <a:ext uri="{FF2B5EF4-FFF2-40B4-BE49-F238E27FC236}">
-                <a16:creationId xmlns:a16="http://schemas.microsoft.com/office/drawing/2014/main" id="{BB35E0D4-6A49-C004-8EAD-EC5900E109CA}"/>
+                <a16:creationId xmlns:a16="http://schemas.microsoft.com/office/drawing/2014/main" id="{3F788EA0-AF0D-CFC7-4010-B5D1234D8D3B}"/>
               </a:ext>
             </a:extLst>
           </p:cNvPr>
@@ -4382,7 +4551,7 @@
     </p:spTree>
     <p:extLst>
       <p:ext uri="{BB962C8B-B14F-4D97-AF65-F5344CB8AC3E}">
-        <p14:creationId xmlns:p14="http://schemas.microsoft.com/office/powerpoint/2010/main" val="599269686"/>
+        <p14:creationId xmlns:p14="http://schemas.microsoft.com/office/powerpoint/2010/main" val="1901101225"/>
       </p:ext>
     </p:extLst>
   </p:cSld>
@@ -4392,7 +4561,7 @@
 </p:notes>
 </file>
 
-<file path=ppt/notesSlides/notesSlide32.xml><?xml version="1.0" encoding="utf-8"?>
+<file path=ppt/notesSlides/notesSlide33.xml><?xml version="1.0" encoding="utf-8"?>
 <p:notes xmlns:a="http://schemas.openxmlformats.org/drawingml/2006/main" xmlns:r="http://schemas.openxmlformats.org/officeDocument/2006/relationships" xmlns:p="http://schemas.openxmlformats.org/presentationml/2006/main">
   <p:cSld>
     <p:spTree>
@@ -4400,7 +4569,7 @@
         <p:cNvPr id="1" name="">
           <a:extLst>
             <a:ext uri="{FF2B5EF4-FFF2-40B4-BE49-F238E27FC236}">
-              <a16:creationId xmlns:a16="http://schemas.microsoft.com/office/drawing/2014/main" id="{17C4D7CD-3D3F-EE5D-2B65-BC744F5F8820}"/>
+              <a16:creationId xmlns:a16="http://schemas.microsoft.com/office/drawing/2014/main" id="{E38C4809-F518-3D7B-0C88-35B6C0FEF890}"/>
             </a:ext>
           </a:extLst>
         </p:cNvPr>
@@ -4420,7 +4589,7 @@
           <p:cNvPr id="1330014680" name="Slide Image Placeholder 1">
             <a:extLst>
               <a:ext uri="{FF2B5EF4-FFF2-40B4-BE49-F238E27FC236}">
-                <a16:creationId xmlns:a16="http://schemas.microsoft.com/office/drawing/2014/main" id="{486C0883-F4B1-6F2F-6707-76F6FC09F1B2}"/>
+                <a16:creationId xmlns:a16="http://schemas.microsoft.com/office/drawing/2014/main" id="{B96B8645-5645-4593-160E-971598332BC5}"/>
               </a:ext>
             </a:extLst>
           </p:cNvPr>
@@ -4438,7 +4607,7 @@
           <p:cNvPr id="1330354815" name="Notes Placeholder 2">
             <a:extLst>
               <a:ext uri="{FF2B5EF4-FFF2-40B4-BE49-F238E27FC236}">
-                <a16:creationId xmlns:a16="http://schemas.microsoft.com/office/drawing/2014/main" id="{30D83B0C-ECF8-B4E0-A3C5-DCEFE425F2D5}"/>
+                <a16:creationId xmlns:a16="http://schemas.microsoft.com/office/drawing/2014/main" id="{0090F4AE-0523-527F-2B4F-FDFD0581F537}"/>
               </a:ext>
             </a:extLst>
           </p:cNvPr>
@@ -4466,7 +4635,7 @@
           <p:cNvPr id="1667253447" name="Slide Number Placeholder 3">
             <a:extLst>
               <a:ext uri="{FF2B5EF4-FFF2-40B4-BE49-F238E27FC236}">
-                <a16:creationId xmlns:a16="http://schemas.microsoft.com/office/drawing/2014/main" id="{3F788EA0-AF0D-CFC7-4010-B5D1234D8D3B}"/>
+                <a16:creationId xmlns:a16="http://schemas.microsoft.com/office/drawing/2014/main" id="{F162A118-2C31-8A95-F2BB-A4149F752131}"/>
               </a:ext>
             </a:extLst>
           </p:cNvPr>
@@ -4551,7 +4720,7 @@
     </p:spTree>
     <p:extLst>
       <p:ext uri="{BB962C8B-B14F-4D97-AF65-F5344CB8AC3E}">
-        <p14:creationId xmlns:p14="http://schemas.microsoft.com/office/powerpoint/2010/main" val="1901101225"/>
+        <p14:creationId xmlns:p14="http://schemas.microsoft.com/office/powerpoint/2010/main" val="1890091100"/>
       </p:ext>
     </p:extLst>
   </p:cSld>
@@ -4561,7 +4730,7 @@
 </p:notes>
 </file>
 
-<file path=ppt/notesSlides/notesSlide33.xml><?xml version="1.0" encoding="utf-8"?>
+<file path=ppt/notesSlides/notesSlide34.xml><?xml version="1.0" encoding="utf-8"?>
 <p:notes xmlns:a="http://schemas.openxmlformats.org/drawingml/2006/main" xmlns:r="http://schemas.openxmlformats.org/officeDocument/2006/relationships" xmlns:p="http://schemas.openxmlformats.org/presentationml/2006/main">
   <p:cSld>
     <p:spTree>
@@ -4569,7 +4738,7 @@
         <p:cNvPr id="1" name="">
           <a:extLst>
             <a:ext uri="{FF2B5EF4-FFF2-40B4-BE49-F238E27FC236}">
-              <a16:creationId xmlns:a16="http://schemas.microsoft.com/office/drawing/2014/main" id="{E38C4809-F518-3D7B-0C88-35B6C0FEF890}"/>
+              <a16:creationId xmlns:a16="http://schemas.microsoft.com/office/drawing/2014/main" id="{CE5B9C85-AE9A-0B4C-3DDF-8F7EE7E7EFF2}"/>
             </a:ext>
           </a:extLst>
         </p:cNvPr>
@@ -4586,10 +4755,10 @@
       </p:grpSpPr>
       <p:sp>
         <p:nvSpPr>
-          <p:cNvPr id="1330014680" name="Slide Image Placeholder 1">
-            <a:extLst>
-              <a:ext uri="{FF2B5EF4-FFF2-40B4-BE49-F238E27FC236}">
-                <a16:creationId xmlns:a16="http://schemas.microsoft.com/office/drawing/2014/main" id="{B96B8645-5645-4593-160E-971598332BC5}"/>
+          <p:cNvPr id="139090186" name="Slide Image Placeholder 1">
+            <a:extLst>
+              <a:ext uri="{FF2B5EF4-FFF2-40B4-BE49-F238E27FC236}">
+                <a16:creationId xmlns:a16="http://schemas.microsoft.com/office/drawing/2014/main" id="{CA1EF806-6ADD-CD61-14D0-542D519DF096}"/>
               </a:ext>
             </a:extLst>
           </p:cNvPr>
@@ -4604,10 +4773,10 @@
       </p:sp>
       <p:sp>
         <p:nvSpPr>
-          <p:cNvPr id="1330354815" name="Notes Placeholder 2">
-            <a:extLst>
-              <a:ext uri="{FF2B5EF4-FFF2-40B4-BE49-F238E27FC236}">
-                <a16:creationId xmlns:a16="http://schemas.microsoft.com/office/drawing/2014/main" id="{0090F4AE-0523-527F-2B4F-FDFD0581F537}"/>
+          <p:cNvPr id="400293583" name="Notes Placeholder 2">
+            <a:extLst>
+              <a:ext uri="{FF2B5EF4-FFF2-40B4-BE49-F238E27FC236}">
+                <a16:creationId xmlns:a16="http://schemas.microsoft.com/office/drawing/2014/main" id="{A6E83C72-87D0-BB0F-CBF3-E614CE7ADC67}"/>
               </a:ext>
             </a:extLst>
           </p:cNvPr>
@@ -4632,10 +4801,10 @@
       </p:sp>
       <p:sp>
         <p:nvSpPr>
-          <p:cNvPr id="1667253447" name="Slide Number Placeholder 3">
-            <a:extLst>
-              <a:ext uri="{FF2B5EF4-FFF2-40B4-BE49-F238E27FC236}">
-                <a16:creationId xmlns:a16="http://schemas.microsoft.com/office/drawing/2014/main" id="{F162A118-2C31-8A95-F2BB-A4149F752131}"/>
+          <p:cNvPr id="1257388043" name="Slide Number Placeholder 3">
+            <a:extLst>
+              <a:ext uri="{FF2B5EF4-FFF2-40B4-BE49-F238E27FC236}">
+                <a16:creationId xmlns:a16="http://schemas.microsoft.com/office/drawing/2014/main" id="{BF9D2FA0-9A97-B5BB-2C32-0C999D597651}"/>
               </a:ext>
             </a:extLst>
           </p:cNvPr>
@@ -4668,7 +4837,7 @@
               <a:tabLst/>
               <a:defRPr/>
             </a:pPr>
-            <a:fld id="{37F1F184-79D2-F4EC-467F-CF3EF60FA136}" type="slidenum">
+            <a:fld id="{20073075-213A-DC53-9B24-1C6EF3B6ADAB}" type="slidenum">
               <a:rPr kumimoji="0" sz="1200" b="0" i="0" u="none" strike="noStrike" kern="0" cap="none" spc="0" normalizeH="0" baseline="0" noProof="0">
                 <a:ln>
                   <a:noFill/>
@@ -4720,7 +4889,7 @@
     </p:spTree>
     <p:extLst>
       <p:ext uri="{BB962C8B-B14F-4D97-AF65-F5344CB8AC3E}">
-        <p14:creationId xmlns:p14="http://schemas.microsoft.com/office/powerpoint/2010/main" val="1890091100"/>
+        <p14:creationId xmlns:p14="http://schemas.microsoft.com/office/powerpoint/2010/main" val="3523433093"/>
       </p:ext>
     </p:extLst>
   </p:cSld>
@@ -4730,7 +4899,7 @@
 </p:notes>
 </file>
 
-<file path=ppt/notesSlides/notesSlide34.xml><?xml version="1.0" encoding="utf-8"?>
+<file path=ppt/notesSlides/notesSlide35.xml><?xml version="1.0" encoding="utf-8"?>
 <p:notes xmlns:a="http://schemas.openxmlformats.org/drawingml/2006/main" xmlns:r="http://schemas.openxmlformats.org/officeDocument/2006/relationships" xmlns:p="http://schemas.openxmlformats.org/presentationml/2006/main">
   <p:cSld>
     <p:spTree>
@@ -4738,7 +4907,7 @@
         <p:cNvPr id="1" name="">
           <a:extLst>
             <a:ext uri="{FF2B5EF4-FFF2-40B4-BE49-F238E27FC236}">
-              <a16:creationId xmlns:a16="http://schemas.microsoft.com/office/drawing/2014/main" id="{CE5B9C85-AE9A-0B4C-3DDF-8F7EE7E7EFF2}"/>
+              <a16:creationId xmlns:a16="http://schemas.microsoft.com/office/drawing/2014/main" id="{3DDADE42-1D1F-CA82-7701-4EF6DAAB2343}"/>
             </a:ext>
           </a:extLst>
         </p:cNvPr>
@@ -4758,7 +4927,7 @@
           <p:cNvPr id="139090186" name="Slide Image Placeholder 1">
             <a:extLst>
               <a:ext uri="{FF2B5EF4-FFF2-40B4-BE49-F238E27FC236}">
-                <a16:creationId xmlns:a16="http://schemas.microsoft.com/office/drawing/2014/main" id="{CA1EF806-6ADD-CD61-14D0-542D519DF096}"/>
+                <a16:creationId xmlns:a16="http://schemas.microsoft.com/office/drawing/2014/main" id="{35147794-95D5-3EBE-B29E-0F301F254631}"/>
               </a:ext>
             </a:extLst>
           </p:cNvPr>
@@ -4776,7 +4945,7 @@
           <p:cNvPr id="400293583" name="Notes Placeholder 2">
             <a:extLst>
               <a:ext uri="{FF2B5EF4-FFF2-40B4-BE49-F238E27FC236}">
-                <a16:creationId xmlns:a16="http://schemas.microsoft.com/office/drawing/2014/main" id="{A6E83C72-87D0-BB0F-CBF3-E614CE7ADC67}"/>
+                <a16:creationId xmlns:a16="http://schemas.microsoft.com/office/drawing/2014/main" id="{DCF11677-E798-0730-353F-2C3485653D38}"/>
               </a:ext>
             </a:extLst>
           </p:cNvPr>
@@ -4804,7 +4973,7 @@
           <p:cNvPr id="1257388043" name="Slide Number Placeholder 3">
             <a:extLst>
               <a:ext uri="{FF2B5EF4-FFF2-40B4-BE49-F238E27FC236}">
-                <a16:creationId xmlns:a16="http://schemas.microsoft.com/office/drawing/2014/main" id="{BF9D2FA0-9A97-B5BB-2C32-0C999D597651}"/>
+                <a16:creationId xmlns:a16="http://schemas.microsoft.com/office/drawing/2014/main" id="{EC38EF4C-01D8-D704-EC75-8DB8FF1E8139}"/>
               </a:ext>
             </a:extLst>
           </p:cNvPr>
@@ -4889,7 +5058,7 @@
     </p:spTree>
     <p:extLst>
       <p:ext uri="{BB962C8B-B14F-4D97-AF65-F5344CB8AC3E}">
-        <p14:creationId xmlns:p14="http://schemas.microsoft.com/office/powerpoint/2010/main" val="3523433093"/>
+        <p14:creationId xmlns:p14="http://schemas.microsoft.com/office/powerpoint/2010/main" val="1986518323"/>
       </p:ext>
     </p:extLst>
   </p:cSld>
@@ -4899,7 +5068,7 @@
 </p:notes>
 </file>
 
-<file path=ppt/notesSlides/notesSlide35.xml><?xml version="1.0" encoding="utf-8"?>
+<file path=ppt/notesSlides/notesSlide36.xml><?xml version="1.0" encoding="utf-8"?>
 <p:notes xmlns:a="http://schemas.openxmlformats.org/drawingml/2006/main" xmlns:r="http://schemas.openxmlformats.org/officeDocument/2006/relationships" xmlns:p="http://schemas.openxmlformats.org/presentationml/2006/main">
   <p:cSld>
     <p:spTree>
@@ -4907,7 +5076,7 @@
         <p:cNvPr id="1" name="">
           <a:extLst>
             <a:ext uri="{FF2B5EF4-FFF2-40B4-BE49-F238E27FC236}">
-              <a16:creationId xmlns:a16="http://schemas.microsoft.com/office/drawing/2014/main" id="{3DDADE42-1D1F-CA82-7701-4EF6DAAB2343}"/>
+              <a16:creationId xmlns:a16="http://schemas.microsoft.com/office/drawing/2014/main" id="{54E4B3FB-A8BF-FE78-1355-F0237D106B7D}"/>
             </a:ext>
           </a:extLst>
         </p:cNvPr>
@@ -4927,7 +5096,7 @@
           <p:cNvPr id="139090186" name="Slide Image Placeholder 1">
             <a:extLst>
               <a:ext uri="{FF2B5EF4-FFF2-40B4-BE49-F238E27FC236}">
-                <a16:creationId xmlns:a16="http://schemas.microsoft.com/office/drawing/2014/main" id="{35147794-95D5-3EBE-B29E-0F301F254631}"/>
+                <a16:creationId xmlns:a16="http://schemas.microsoft.com/office/drawing/2014/main" id="{47572DA5-4A1F-FDD5-94BF-76FCF0F44D4D}"/>
               </a:ext>
             </a:extLst>
           </p:cNvPr>
@@ -4945,7 +5114,7 @@
           <p:cNvPr id="400293583" name="Notes Placeholder 2">
             <a:extLst>
               <a:ext uri="{FF2B5EF4-FFF2-40B4-BE49-F238E27FC236}">
-                <a16:creationId xmlns:a16="http://schemas.microsoft.com/office/drawing/2014/main" id="{DCF11677-E798-0730-353F-2C3485653D38}"/>
+                <a16:creationId xmlns:a16="http://schemas.microsoft.com/office/drawing/2014/main" id="{3AEFB35F-C11C-29BC-11FA-83AE8EED3E2C}"/>
               </a:ext>
             </a:extLst>
           </p:cNvPr>
@@ -4973,7 +5142,7 @@
           <p:cNvPr id="1257388043" name="Slide Number Placeholder 3">
             <a:extLst>
               <a:ext uri="{FF2B5EF4-FFF2-40B4-BE49-F238E27FC236}">
-                <a16:creationId xmlns:a16="http://schemas.microsoft.com/office/drawing/2014/main" id="{EC38EF4C-01D8-D704-EC75-8DB8FF1E8139}"/>
+                <a16:creationId xmlns:a16="http://schemas.microsoft.com/office/drawing/2014/main" id="{0DAC04F4-D0EA-1515-2C5E-3ADDCF840E5B}"/>
               </a:ext>
             </a:extLst>
           </p:cNvPr>
@@ -5058,7 +5227,7 @@
     </p:spTree>
     <p:extLst>
       <p:ext uri="{BB962C8B-B14F-4D97-AF65-F5344CB8AC3E}">
-        <p14:creationId xmlns:p14="http://schemas.microsoft.com/office/powerpoint/2010/main" val="1986518323"/>
+        <p14:creationId xmlns:p14="http://schemas.microsoft.com/office/powerpoint/2010/main" val="4222852445"/>
       </p:ext>
     </p:extLst>
   </p:cSld>
@@ -5068,7 +5237,7 @@
 </p:notes>
 </file>
 
-<file path=ppt/notesSlides/notesSlide36.xml><?xml version="1.0" encoding="utf-8"?>
+<file path=ppt/notesSlides/notesSlide37.xml><?xml version="1.0" encoding="utf-8"?>
 <p:notes xmlns:a="http://schemas.openxmlformats.org/drawingml/2006/main" xmlns:r="http://schemas.openxmlformats.org/officeDocument/2006/relationships" xmlns:p="http://schemas.openxmlformats.org/presentationml/2006/main">
   <p:cSld>
     <p:spTree>
@@ -5076,7 +5245,7 @@
         <p:cNvPr id="1" name="">
           <a:extLst>
             <a:ext uri="{FF2B5EF4-FFF2-40B4-BE49-F238E27FC236}">
-              <a16:creationId xmlns:a16="http://schemas.microsoft.com/office/drawing/2014/main" id="{54E4B3FB-A8BF-FE78-1355-F0237D106B7D}"/>
+              <a16:creationId xmlns:a16="http://schemas.microsoft.com/office/drawing/2014/main" id="{C472848F-AB5D-8100-D4FC-B0369624D857}"/>
             </a:ext>
           </a:extLst>
         </p:cNvPr>
@@ -5096,7 +5265,7 @@
           <p:cNvPr id="139090186" name="Slide Image Placeholder 1">
             <a:extLst>
               <a:ext uri="{FF2B5EF4-FFF2-40B4-BE49-F238E27FC236}">
-                <a16:creationId xmlns:a16="http://schemas.microsoft.com/office/drawing/2014/main" id="{47572DA5-4A1F-FDD5-94BF-76FCF0F44D4D}"/>
+                <a16:creationId xmlns:a16="http://schemas.microsoft.com/office/drawing/2014/main" id="{EA4F9FA6-0ABA-72AD-8931-02FFAE41E5B6}"/>
               </a:ext>
             </a:extLst>
           </p:cNvPr>
@@ -5114,7 +5283,7 @@
           <p:cNvPr id="400293583" name="Notes Placeholder 2">
             <a:extLst>
               <a:ext uri="{FF2B5EF4-FFF2-40B4-BE49-F238E27FC236}">
-                <a16:creationId xmlns:a16="http://schemas.microsoft.com/office/drawing/2014/main" id="{3AEFB35F-C11C-29BC-11FA-83AE8EED3E2C}"/>
+                <a16:creationId xmlns:a16="http://schemas.microsoft.com/office/drawing/2014/main" id="{1DB8AF28-8DB2-BBA8-1427-E61A79BFC192}"/>
               </a:ext>
             </a:extLst>
           </p:cNvPr>
@@ -5142,7 +5311,7 @@
           <p:cNvPr id="1257388043" name="Slide Number Placeholder 3">
             <a:extLst>
               <a:ext uri="{FF2B5EF4-FFF2-40B4-BE49-F238E27FC236}">
-                <a16:creationId xmlns:a16="http://schemas.microsoft.com/office/drawing/2014/main" id="{0DAC04F4-D0EA-1515-2C5E-3ADDCF840E5B}"/>
+                <a16:creationId xmlns:a16="http://schemas.microsoft.com/office/drawing/2014/main" id="{313F6753-B0A3-302F-A04C-03A379CE9458}"/>
               </a:ext>
             </a:extLst>
           </p:cNvPr>
@@ -5227,7 +5396,7 @@
     </p:spTree>
     <p:extLst>
       <p:ext uri="{BB962C8B-B14F-4D97-AF65-F5344CB8AC3E}">
-        <p14:creationId xmlns:p14="http://schemas.microsoft.com/office/powerpoint/2010/main" val="4222852445"/>
+        <p14:creationId xmlns:p14="http://schemas.microsoft.com/office/powerpoint/2010/main" val="1209080239"/>
       </p:ext>
     </p:extLst>
   </p:cSld>
@@ -5237,7 +5406,7 @@
 </p:notes>
 </file>
 
-<file path=ppt/notesSlides/notesSlide37.xml><?xml version="1.0" encoding="utf-8"?>
+<file path=ppt/notesSlides/notesSlide38.xml><?xml version="1.0" encoding="utf-8"?>
 <p:notes xmlns:a="http://schemas.openxmlformats.org/drawingml/2006/main" xmlns:r="http://schemas.openxmlformats.org/officeDocument/2006/relationships" xmlns:p="http://schemas.openxmlformats.org/presentationml/2006/main">
   <p:cSld>
     <p:spTree>
@@ -5245,7 +5414,7 @@
         <p:cNvPr id="1" name="">
           <a:extLst>
             <a:ext uri="{FF2B5EF4-FFF2-40B4-BE49-F238E27FC236}">
-              <a16:creationId xmlns:a16="http://schemas.microsoft.com/office/drawing/2014/main" id="{C472848F-AB5D-8100-D4FC-B0369624D857}"/>
+              <a16:creationId xmlns:a16="http://schemas.microsoft.com/office/drawing/2014/main" id="{3B1FF912-D4B6-1CEC-3109-5A46A657F9A8}"/>
             </a:ext>
           </a:extLst>
         </p:cNvPr>
@@ -5265,7 +5434,7 @@
           <p:cNvPr id="139090186" name="Slide Image Placeholder 1">
             <a:extLst>
               <a:ext uri="{FF2B5EF4-FFF2-40B4-BE49-F238E27FC236}">
-                <a16:creationId xmlns:a16="http://schemas.microsoft.com/office/drawing/2014/main" id="{EA4F9FA6-0ABA-72AD-8931-02FFAE41E5B6}"/>
+                <a16:creationId xmlns:a16="http://schemas.microsoft.com/office/drawing/2014/main" id="{2C804D89-D859-90B1-FA99-F2C6E3C8554F}"/>
               </a:ext>
             </a:extLst>
           </p:cNvPr>
@@ -5283,7 +5452,7 @@
           <p:cNvPr id="400293583" name="Notes Placeholder 2">
             <a:extLst>
               <a:ext uri="{FF2B5EF4-FFF2-40B4-BE49-F238E27FC236}">
-                <a16:creationId xmlns:a16="http://schemas.microsoft.com/office/drawing/2014/main" id="{1DB8AF28-8DB2-BBA8-1427-E61A79BFC192}"/>
+                <a16:creationId xmlns:a16="http://schemas.microsoft.com/office/drawing/2014/main" id="{63F06931-B822-4E01-8732-EF7B8505423D}"/>
               </a:ext>
             </a:extLst>
           </p:cNvPr>
@@ -5311,7 +5480,7 @@
           <p:cNvPr id="1257388043" name="Slide Number Placeholder 3">
             <a:extLst>
               <a:ext uri="{FF2B5EF4-FFF2-40B4-BE49-F238E27FC236}">
-                <a16:creationId xmlns:a16="http://schemas.microsoft.com/office/drawing/2014/main" id="{313F6753-B0A3-302F-A04C-03A379CE9458}"/>
+                <a16:creationId xmlns:a16="http://schemas.microsoft.com/office/drawing/2014/main" id="{4BBF9850-A72A-ACFD-7968-08C6DB530A1B}"/>
               </a:ext>
             </a:extLst>
           </p:cNvPr>
@@ -5396,7 +5565,7 @@
     </p:spTree>
     <p:extLst>
       <p:ext uri="{BB962C8B-B14F-4D97-AF65-F5344CB8AC3E}">
-        <p14:creationId xmlns:p14="http://schemas.microsoft.com/office/powerpoint/2010/main" val="1209080239"/>
+        <p14:creationId xmlns:p14="http://schemas.microsoft.com/office/powerpoint/2010/main" val="2928311505"/>
       </p:ext>
     </p:extLst>
   </p:cSld>
@@ -5406,7 +5575,7 @@
 </p:notes>
 </file>
 
-<file path=ppt/notesSlides/notesSlide38.xml><?xml version="1.0" encoding="utf-8"?>
+<file path=ppt/notesSlides/notesSlide39.xml><?xml version="1.0" encoding="utf-8"?>
 <p:notes xmlns:a="http://schemas.openxmlformats.org/drawingml/2006/main" xmlns:r="http://schemas.openxmlformats.org/officeDocument/2006/relationships" xmlns:p="http://schemas.openxmlformats.org/presentationml/2006/main">
   <p:cSld>
     <p:spTree>
@@ -5414,7 +5583,7 @@
         <p:cNvPr id="1" name="">
           <a:extLst>
             <a:ext uri="{FF2B5EF4-FFF2-40B4-BE49-F238E27FC236}">
-              <a16:creationId xmlns:a16="http://schemas.microsoft.com/office/drawing/2014/main" id="{3B1FF912-D4B6-1CEC-3109-5A46A657F9A8}"/>
+              <a16:creationId xmlns:a16="http://schemas.microsoft.com/office/drawing/2014/main" id="{D54197A9-3A08-8138-3B9E-2BB85FA21840}"/>
             </a:ext>
           </a:extLst>
         </p:cNvPr>
@@ -5434,7 +5603,7 @@
           <p:cNvPr id="139090186" name="Slide Image Placeholder 1">
             <a:extLst>
               <a:ext uri="{FF2B5EF4-FFF2-40B4-BE49-F238E27FC236}">
-                <a16:creationId xmlns:a16="http://schemas.microsoft.com/office/drawing/2014/main" id="{2C804D89-D859-90B1-FA99-F2C6E3C8554F}"/>
+                <a16:creationId xmlns:a16="http://schemas.microsoft.com/office/drawing/2014/main" id="{8AA4346E-9454-E11B-994F-C04C794218AC}"/>
               </a:ext>
             </a:extLst>
           </p:cNvPr>
@@ -5452,7 +5621,7 @@
           <p:cNvPr id="400293583" name="Notes Placeholder 2">
             <a:extLst>
               <a:ext uri="{FF2B5EF4-FFF2-40B4-BE49-F238E27FC236}">
-                <a16:creationId xmlns:a16="http://schemas.microsoft.com/office/drawing/2014/main" id="{63F06931-B822-4E01-8732-EF7B8505423D}"/>
+                <a16:creationId xmlns:a16="http://schemas.microsoft.com/office/drawing/2014/main" id="{CC09FF6F-C58C-896A-5D0B-3D139EC960CC}"/>
               </a:ext>
             </a:extLst>
           </p:cNvPr>
@@ -5480,7 +5649,7 @@
           <p:cNvPr id="1257388043" name="Slide Number Placeholder 3">
             <a:extLst>
               <a:ext uri="{FF2B5EF4-FFF2-40B4-BE49-F238E27FC236}">
-                <a16:creationId xmlns:a16="http://schemas.microsoft.com/office/drawing/2014/main" id="{4BBF9850-A72A-ACFD-7968-08C6DB530A1B}"/>
+                <a16:creationId xmlns:a16="http://schemas.microsoft.com/office/drawing/2014/main" id="{6F4E5B97-2792-0614-BD4C-B57075754CE8}"/>
               </a:ext>
             </a:extLst>
           </p:cNvPr>
@@ -5565,7 +5734,7 @@
     </p:spTree>
     <p:extLst>
       <p:ext uri="{BB962C8B-B14F-4D97-AF65-F5344CB8AC3E}">
-        <p14:creationId xmlns:p14="http://schemas.microsoft.com/office/powerpoint/2010/main" val="2928311505"/>
+        <p14:creationId xmlns:p14="http://schemas.microsoft.com/office/powerpoint/2010/main" val="1724071367"/>
       </p:ext>
     </p:extLst>
   </p:cSld>
@@ -5575,7 +5744,147 @@
 </p:notes>
 </file>
 
-<file path=ppt/notesSlides/notesSlide39.xml><?xml version="1.0" encoding="utf-8"?>
+<file path=ppt/notesSlides/notesSlide4.xml><?xml version="1.0" encoding="utf-8"?>
+<p:notes xmlns:a="http://schemas.openxmlformats.org/drawingml/2006/main" xmlns:r="http://schemas.openxmlformats.org/officeDocument/2006/relationships" xmlns:p="http://schemas.openxmlformats.org/presentationml/2006/main">
+  <p:cSld>
+    <p:spTree>
+      <p:nvGrpSpPr>
+        <p:cNvPr id="1" name=""/>
+        <p:cNvGrpSpPr/>
+        <p:nvPr/>
+      </p:nvGrpSpPr>
+      <p:grpSpPr bwMode="auto">
+        <a:xfrm>
+          <a:off x="0" y="0"/>
+          <a:ext cx="0" cy="0"/>
+          <a:chOff x="0" y="0"/>
+          <a:chExt cx="0" cy="0"/>
+        </a:xfrm>
+      </p:grpSpPr>
+      <p:sp>
+        <p:nvSpPr>
+          <p:cNvPr id="1330014680" name="Slide Image Placeholder 1"/>
+          <p:cNvSpPr>
+            <a:spLocks noGrp="1" noRot="1" noChangeAspect="1"/>
+          </p:cNvSpPr>
+          <p:nvPr>
+            <p:ph type="sldImg"/>
+          </p:nvPr>
+        </p:nvSpPr>
+        <p:spPr bwMode="auto"/>
+      </p:sp>
+      <p:sp>
+        <p:nvSpPr>
+          <p:cNvPr id="1330354815" name="Notes Placeholder 2"/>
+          <p:cNvSpPr>
+            <a:spLocks noGrp="1"/>
+          </p:cNvSpPr>
+          <p:nvPr>
+            <p:ph type="body" idx="1"/>
+          </p:nvPr>
+        </p:nvSpPr>
+        <p:spPr bwMode="auto"/>
+        <p:txBody>
+          <a:bodyPr/>
+          <a:lstStyle/>
+          <a:p>
+            <a:pPr>
+              <a:defRPr/>
+            </a:pPr>
+            <a:endParaRPr/>
+          </a:p>
+        </p:txBody>
+      </p:sp>
+      <p:sp>
+        <p:nvSpPr>
+          <p:cNvPr id="1667253447" name="Slide Number Placeholder 3"/>
+          <p:cNvSpPr>
+            <a:spLocks noGrp="1"/>
+          </p:cNvSpPr>
+          <p:nvPr>
+            <p:ph type="sldNum" sz="quarter" idx="10"/>
+          </p:nvPr>
+        </p:nvSpPr>
+        <p:spPr bwMode="auto"/>
+        <p:txBody>
+          <a:bodyPr/>
+          <a:lstStyle/>
+          <a:p>
+            <a:pPr marL="0" marR="0" lvl="0" indent="0" algn="r" defTabSz="914400" eaLnBrk="1" fontAlgn="auto" latinLnBrk="0" hangingPunct="1">
+              <a:lnSpc>
+                <a:spcPct val="100000"/>
+              </a:lnSpc>
+              <a:spcBef>
+                <a:spcPts val="0"/>
+              </a:spcBef>
+              <a:spcAft>
+                <a:spcPts val="0"/>
+              </a:spcAft>
+              <a:buClrTx/>
+              <a:buSzTx/>
+              <a:buFontTx/>
+              <a:buNone/>
+              <a:tabLst/>
+              <a:defRPr/>
+            </a:pPr>
+            <a:fld id="{37F1F184-79D2-F4EC-467F-CF3EF60FA136}" type="slidenum">
+              <a:rPr kumimoji="0" sz="1200" b="0" i="0" u="none" strike="noStrike" kern="0" cap="none" spc="0" normalizeH="0" baseline="0" noProof="0">
+                <a:ln>
+                  <a:noFill/>
+                </a:ln>
+                <a:solidFill>
+                  <a:prstClr val="black"/>
+                </a:solidFill>
+                <a:effectLst/>
+                <a:uLnTx/>
+                <a:uFillTx/>
+                <a:latin typeface="Calibri"/>
+                <a:cs typeface="Arial"/>
+              </a:rPr>
+              <a:pPr marL="0" marR="0" lvl="0" indent="0" algn="r" defTabSz="914400" eaLnBrk="1" fontAlgn="auto" latinLnBrk="0" hangingPunct="1">
+                <a:lnSpc>
+                  <a:spcPct val="100000"/>
+                </a:lnSpc>
+                <a:spcBef>
+                  <a:spcPts val="0"/>
+                </a:spcBef>
+                <a:spcAft>
+                  <a:spcPts val="0"/>
+                </a:spcAft>
+                <a:buClrTx/>
+                <a:buSzTx/>
+                <a:buFontTx/>
+                <a:buNone/>
+                <a:tabLst/>
+                <a:defRPr/>
+              </a:pPr>
+              <a:t>23</a:t>
+            </a:fld>
+            <a:endParaRPr kumimoji="0" sz="1200" b="0" i="0" u="none" strike="noStrike" kern="0" cap="none" spc="0" normalizeH="0" baseline="0" noProof="0">
+              <a:ln>
+                <a:noFill/>
+              </a:ln>
+              <a:solidFill>
+                <a:prstClr val="black"/>
+              </a:solidFill>
+              <a:effectLst/>
+              <a:uLnTx/>
+              <a:uFillTx/>
+              <a:latin typeface="Calibri"/>
+              <a:cs typeface="Arial"/>
+            </a:endParaRPr>
+          </a:p>
+        </p:txBody>
+      </p:sp>
+    </p:spTree>
+  </p:cSld>
+  <p:clrMapOvr>
+    <a:masterClrMapping/>
+  </p:clrMapOvr>
+</p:notes>
+</file>
+
+<file path=ppt/notesSlides/notesSlide40.xml><?xml version="1.0" encoding="utf-8"?>
 <p:notes xmlns:a="http://schemas.openxmlformats.org/drawingml/2006/main" xmlns:r="http://schemas.openxmlformats.org/officeDocument/2006/relationships" xmlns:p="http://schemas.openxmlformats.org/presentationml/2006/main">
   <p:cSld>
     <p:spTree>
@@ -5583,7 +5892,7 @@
         <p:cNvPr id="1" name="">
           <a:extLst>
             <a:ext uri="{FF2B5EF4-FFF2-40B4-BE49-F238E27FC236}">
-              <a16:creationId xmlns:a16="http://schemas.microsoft.com/office/drawing/2014/main" id="{D54197A9-3A08-8138-3B9E-2BB85FA21840}"/>
+              <a16:creationId xmlns:a16="http://schemas.microsoft.com/office/drawing/2014/main" id="{A2E9F3D3-D5A2-453D-4054-1B6ABEA6DF19}"/>
             </a:ext>
           </a:extLst>
         </p:cNvPr>
@@ -5603,7 +5912,7 @@
           <p:cNvPr id="139090186" name="Slide Image Placeholder 1">
             <a:extLst>
               <a:ext uri="{FF2B5EF4-FFF2-40B4-BE49-F238E27FC236}">
-                <a16:creationId xmlns:a16="http://schemas.microsoft.com/office/drawing/2014/main" id="{8AA4346E-9454-E11B-994F-C04C794218AC}"/>
+                <a16:creationId xmlns:a16="http://schemas.microsoft.com/office/drawing/2014/main" id="{13F44863-AC7B-8ABD-AAA9-D819BC1D70C8}"/>
               </a:ext>
             </a:extLst>
           </p:cNvPr>
@@ -5621,7 +5930,7 @@
           <p:cNvPr id="400293583" name="Notes Placeholder 2">
             <a:extLst>
               <a:ext uri="{FF2B5EF4-FFF2-40B4-BE49-F238E27FC236}">
-                <a16:creationId xmlns:a16="http://schemas.microsoft.com/office/drawing/2014/main" id="{CC09FF6F-C58C-896A-5D0B-3D139EC960CC}"/>
+                <a16:creationId xmlns:a16="http://schemas.microsoft.com/office/drawing/2014/main" id="{13B76D12-19FF-91AA-4941-782F0B7996F1}"/>
               </a:ext>
             </a:extLst>
           </p:cNvPr>
@@ -5649,7 +5958,7 @@
           <p:cNvPr id="1257388043" name="Slide Number Placeholder 3">
             <a:extLst>
               <a:ext uri="{FF2B5EF4-FFF2-40B4-BE49-F238E27FC236}">
-                <a16:creationId xmlns:a16="http://schemas.microsoft.com/office/drawing/2014/main" id="{6F4E5B97-2792-0614-BD4C-B57075754CE8}"/>
+                <a16:creationId xmlns:a16="http://schemas.microsoft.com/office/drawing/2014/main" id="{2DB14216-72B6-587D-8E1A-5F4B7D7AA16C}"/>
               </a:ext>
             </a:extLst>
           </p:cNvPr>
@@ -5734,7 +6043,7 @@
     </p:spTree>
     <p:extLst>
       <p:ext uri="{BB962C8B-B14F-4D97-AF65-F5344CB8AC3E}">
-        <p14:creationId xmlns:p14="http://schemas.microsoft.com/office/powerpoint/2010/main" val="1724071367"/>
+        <p14:creationId xmlns:p14="http://schemas.microsoft.com/office/powerpoint/2010/main" val="3871987960"/>
       </p:ext>
     </p:extLst>
   </p:cSld>
@@ -5744,147 +6053,7 @@
 </p:notes>
 </file>
 
-<file path=ppt/notesSlides/notesSlide4.xml><?xml version="1.0" encoding="utf-8"?>
-<p:notes xmlns:a="http://schemas.openxmlformats.org/drawingml/2006/main" xmlns:r="http://schemas.openxmlformats.org/officeDocument/2006/relationships" xmlns:p="http://schemas.openxmlformats.org/presentationml/2006/main">
-  <p:cSld>
-    <p:spTree>
-      <p:nvGrpSpPr>
-        <p:cNvPr id="1" name=""/>
-        <p:cNvGrpSpPr/>
-        <p:nvPr/>
-      </p:nvGrpSpPr>
-      <p:grpSpPr bwMode="auto">
-        <a:xfrm>
-          <a:off x="0" y="0"/>
-          <a:ext cx="0" cy="0"/>
-          <a:chOff x="0" y="0"/>
-          <a:chExt cx="0" cy="0"/>
-        </a:xfrm>
-      </p:grpSpPr>
-      <p:sp>
-        <p:nvSpPr>
-          <p:cNvPr id="1330014680" name="Slide Image Placeholder 1"/>
-          <p:cNvSpPr>
-            <a:spLocks noGrp="1" noRot="1" noChangeAspect="1"/>
-          </p:cNvSpPr>
-          <p:nvPr>
-            <p:ph type="sldImg"/>
-          </p:nvPr>
-        </p:nvSpPr>
-        <p:spPr bwMode="auto"/>
-      </p:sp>
-      <p:sp>
-        <p:nvSpPr>
-          <p:cNvPr id="1330354815" name="Notes Placeholder 2"/>
-          <p:cNvSpPr>
-            <a:spLocks noGrp="1"/>
-          </p:cNvSpPr>
-          <p:nvPr>
-            <p:ph type="body" idx="1"/>
-          </p:nvPr>
-        </p:nvSpPr>
-        <p:spPr bwMode="auto"/>
-        <p:txBody>
-          <a:bodyPr/>
-          <a:lstStyle/>
-          <a:p>
-            <a:pPr>
-              <a:defRPr/>
-            </a:pPr>
-            <a:endParaRPr/>
-          </a:p>
-        </p:txBody>
-      </p:sp>
-      <p:sp>
-        <p:nvSpPr>
-          <p:cNvPr id="1667253447" name="Slide Number Placeholder 3"/>
-          <p:cNvSpPr>
-            <a:spLocks noGrp="1"/>
-          </p:cNvSpPr>
-          <p:nvPr>
-            <p:ph type="sldNum" sz="quarter" idx="10"/>
-          </p:nvPr>
-        </p:nvSpPr>
-        <p:spPr bwMode="auto"/>
-        <p:txBody>
-          <a:bodyPr/>
-          <a:lstStyle/>
-          <a:p>
-            <a:pPr marL="0" marR="0" lvl="0" indent="0" algn="r" defTabSz="914400" eaLnBrk="1" fontAlgn="auto" latinLnBrk="0" hangingPunct="1">
-              <a:lnSpc>
-                <a:spcPct val="100000"/>
-              </a:lnSpc>
-              <a:spcBef>
-                <a:spcPts val="0"/>
-              </a:spcBef>
-              <a:spcAft>
-                <a:spcPts val="0"/>
-              </a:spcAft>
-              <a:buClrTx/>
-              <a:buSzTx/>
-              <a:buFontTx/>
-              <a:buNone/>
-              <a:tabLst/>
-              <a:defRPr/>
-            </a:pPr>
-            <a:fld id="{37F1F184-79D2-F4EC-467F-CF3EF60FA136}" type="slidenum">
-              <a:rPr kumimoji="0" sz="1200" b="0" i="0" u="none" strike="noStrike" kern="0" cap="none" spc="0" normalizeH="0" baseline="0" noProof="0">
-                <a:ln>
-                  <a:noFill/>
-                </a:ln>
-                <a:solidFill>
-                  <a:prstClr val="black"/>
-                </a:solidFill>
-                <a:effectLst/>
-                <a:uLnTx/>
-                <a:uFillTx/>
-                <a:latin typeface="Calibri"/>
-                <a:cs typeface="Arial"/>
-              </a:rPr>
-              <a:pPr marL="0" marR="0" lvl="0" indent="0" algn="r" defTabSz="914400" eaLnBrk="1" fontAlgn="auto" latinLnBrk="0" hangingPunct="1">
-                <a:lnSpc>
-                  <a:spcPct val="100000"/>
-                </a:lnSpc>
-                <a:spcBef>
-                  <a:spcPts val="0"/>
-                </a:spcBef>
-                <a:spcAft>
-                  <a:spcPts val="0"/>
-                </a:spcAft>
-                <a:buClrTx/>
-                <a:buSzTx/>
-                <a:buFontTx/>
-                <a:buNone/>
-                <a:tabLst/>
-                <a:defRPr/>
-              </a:pPr>
-              <a:t>23</a:t>
-            </a:fld>
-            <a:endParaRPr kumimoji="0" sz="1200" b="0" i="0" u="none" strike="noStrike" kern="0" cap="none" spc="0" normalizeH="0" baseline="0" noProof="0">
-              <a:ln>
-                <a:noFill/>
-              </a:ln>
-              <a:solidFill>
-                <a:prstClr val="black"/>
-              </a:solidFill>
-              <a:effectLst/>
-              <a:uLnTx/>
-              <a:uFillTx/>
-              <a:latin typeface="Calibri"/>
-              <a:cs typeface="Arial"/>
-            </a:endParaRPr>
-          </a:p>
-        </p:txBody>
-      </p:sp>
-    </p:spTree>
-  </p:cSld>
-  <p:clrMapOvr>
-    <a:masterClrMapping/>
-  </p:clrMapOvr>
-</p:notes>
-</file>
-
-<file path=ppt/notesSlides/notesSlide40.xml><?xml version="1.0" encoding="utf-8"?>
+<file path=ppt/notesSlides/notesSlide41.xml><?xml version="1.0" encoding="utf-8"?>
 <p:notes xmlns:a="http://schemas.openxmlformats.org/drawingml/2006/main" xmlns:r="http://schemas.openxmlformats.org/officeDocument/2006/relationships" xmlns:p="http://schemas.openxmlformats.org/presentationml/2006/main">
   <p:cSld>
     <p:spTree>
@@ -5892,7 +6061,7 @@
         <p:cNvPr id="1" name="">
           <a:extLst>
             <a:ext uri="{FF2B5EF4-FFF2-40B4-BE49-F238E27FC236}">
-              <a16:creationId xmlns:a16="http://schemas.microsoft.com/office/drawing/2014/main" id="{A2E9F3D3-D5A2-453D-4054-1B6ABEA6DF19}"/>
+              <a16:creationId xmlns:a16="http://schemas.microsoft.com/office/drawing/2014/main" id="{83E06739-1567-B389-27EB-96890F9ECD30}"/>
             </a:ext>
           </a:extLst>
         </p:cNvPr>
@@ -5912,7 +6081,7 @@
           <p:cNvPr id="139090186" name="Slide Image Placeholder 1">
             <a:extLst>
               <a:ext uri="{FF2B5EF4-FFF2-40B4-BE49-F238E27FC236}">
-                <a16:creationId xmlns:a16="http://schemas.microsoft.com/office/drawing/2014/main" id="{13F44863-AC7B-8ABD-AAA9-D819BC1D70C8}"/>
+                <a16:creationId xmlns:a16="http://schemas.microsoft.com/office/drawing/2014/main" id="{932D7566-9A6D-225F-EA98-70101BF44016}"/>
               </a:ext>
             </a:extLst>
           </p:cNvPr>
@@ -5930,7 +6099,7 @@
           <p:cNvPr id="400293583" name="Notes Placeholder 2">
             <a:extLst>
               <a:ext uri="{FF2B5EF4-FFF2-40B4-BE49-F238E27FC236}">
-                <a16:creationId xmlns:a16="http://schemas.microsoft.com/office/drawing/2014/main" id="{13B76D12-19FF-91AA-4941-782F0B7996F1}"/>
+                <a16:creationId xmlns:a16="http://schemas.microsoft.com/office/drawing/2014/main" id="{F2073CA3-EE16-2C99-C6C6-07A0340AA00B}"/>
               </a:ext>
             </a:extLst>
           </p:cNvPr>
@@ -5958,7 +6127,7 @@
           <p:cNvPr id="1257388043" name="Slide Number Placeholder 3">
             <a:extLst>
               <a:ext uri="{FF2B5EF4-FFF2-40B4-BE49-F238E27FC236}">
-                <a16:creationId xmlns:a16="http://schemas.microsoft.com/office/drawing/2014/main" id="{2DB14216-72B6-587D-8E1A-5F4B7D7AA16C}"/>
+                <a16:creationId xmlns:a16="http://schemas.microsoft.com/office/drawing/2014/main" id="{C8578FD1-B651-4D44-4A9A-EAAF684110CF}"/>
               </a:ext>
             </a:extLst>
           </p:cNvPr>
@@ -6043,7 +6212,7 @@
     </p:spTree>
     <p:extLst>
       <p:ext uri="{BB962C8B-B14F-4D97-AF65-F5344CB8AC3E}">
-        <p14:creationId xmlns:p14="http://schemas.microsoft.com/office/powerpoint/2010/main" val="3871987960"/>
+        <p14:creationId xmlns:p14="http://schemas.microsoft.com/office/powerpoint/2010/main" val="1821547892"/>
       </p:ext>
     </p:extLst>
   </p:cSld>
@@ -6053,7 +6222,7 @@
 </p:notes>
 </file>
 
-<file path=ppt/notesSlides/notesSlide41.xml><?xml version="1.0" encoding="utf-8"?>
+<file path=ppt/notesSlides/notesSlide42.xml><?xml version="1.0" encoding="utf-8"?>
 <p:notes xmlns:a="http://schemas.openxmlformats.org/drawingml/2006/main" xmlns:r="http://schemas.openxmlformats.org/officeDocument/2006/relationships" xmlns:p="http://schemas.openxmlformats.org/presentationml/2006/main">
   <p:cSld>
     <p:spTree>
@@ -6061,7 +6230,7 @@
         <p:cNvPr id="1" name="">
           <a:extLst>
             <a:ext uri="{FF2B5EF4-FFF2-40B4-BE49-F238E27FC236}">
-              <a16:creationId xmlns:a16="http://schemas.microsoft.com/office/drawing/2014/main" id="{83E06739-1567-B389-27EB-96890F9ECD30}"/>
+              <a16:creationId xmlns:a16="http://schemas.microsoft.com/office/drawing/2014/main" id="{071F79CF-CD17-6033-1FEF-05B17707F01A}"/>
             </a:ext>
           </a:extLst>
         </p:cNvPr>
@@ -6081,7 +6250,7 @@
           <p:cNvPr id="139090186" name="Slide Image Placeholder 1">
             <a:extLst>
               <a:ext uri="{FF2B5EF4-FFF2-40B4-BE49-F238E27FC236}">
-                <a16:creationId xmlns:a16="http://schemas.microsoft.com/office/drawing/2014/main" id="{932D7566-9A6D-225F-EA98-70101BF44016}"/>
+                <a16:creationId xmlns:a16="http://schemas.microsoft.com/office/drawing/2014/main" id="{EE683B9E-A0DE-86F4-BD95-319D8EBFE26F}"/>
               </a:ext>
             </a:extLst>
           </p:cNvPr>
@@ -6099,7 +6268,7 @@
           <p:cNvPr id="400293583" name="Notes Placeholder 2">
             <a:extLst>
               <a:ext uri="{FF2B5EF4-FFF2-40B4-BE49-F238E27FC236}">
-                <a16:creationId xmlns:a16="http://schemas.microsoft.com/office/drawing/2014/main" id="{F2073CA3-EE16-2C99-C6C6-07A0340AA00B}"/>
+                <a16:creationId xmlns:a16="http://schemas.microsoft.com/office/drawing/2014/main" id="{364C980E-94DA-1FD5-935B-F531D86CBDD4}"/>
               </a:ext>
             </a:extLst>
           </p:cNvPr>
@@ -6127,7 +6296,7 @@
           <p:cNvPr id="1257388043" name="Slide Number Placeholder 3">
             <a:extLst>
               <a:ext uri="{FF2B5EF4-FFF2-40B4-BE49-F238E27FC236}">
-                <a16:creationId xmlns:a16="http://schemas.microsoft.com/office/drawing/2014/main" id="{C8578FD1-B651-4D44-4A9A-EAAF684110CF}"/>
+                <a16:creationId xmlns:a16="http://schemas.microsoft.com/office/drawing/2014/main" id="{FFBE7416-06B8-8F75-A9EF-A9895DF8107A}"/>
               </a:ext>
             </a:extLst>
           </p:cNvPr>
@@ -6212,7 +6381,7 @@
     </p:spTree>
     <p:extLst>
       <p:ext uri="{BB962C8B-B14F-4D97-AF65-F5344CB8AC3E}">
-        <p14:creationId xmlns:p14="http://schemas.microsoft.com/office/powerpoint/2010/main" val="1821547892"/>
+        <p14:creationId xmlns:p14="http://schemas.microsoft.com/office/powerpoint/2010/main" val="2318382485"/>
       </p:ext>
     </p:extLst>
   </p:cSld>
@@ -6222,7 +6391,7 @@
 </p:notes>
 </file>
 
-<file path=ppt/notesSlides/notesSlide42.xml><?xml version="1.0" encoding="utf-8"?>
+<file path=ppt/notesSlides/notesSlide43.xml><?xml version="1.0" encoding="utf-8"?>
 <p:notes xmlns:a="http://schemas.openxmlformats.org/drawingml/2006/main" xmlns:r="http://schemas.openxmlformats.org/officeDocument/2006/relationships" xmlns:p="http://schemas.openxmlformats.org/presentationml/2006/main">
   <p:cSld>
     <p:spTree>
@@ -6230,7 +6399,7 @@
         <p:cNvPr id="1" name="">
           <a:extLst>
             <a:ext uri="{FF2B5EF4-FFF2-40B4-BE49-F238E27FC236}">
-              <a16:creationId xmlns:a16="http://schemas.microsoft.com/office/drawing/2014/main" id="{071F79CF-CD17-6033-1FEF-05B17707F01A}"/>
+              <a16:creationId xmlns:a16="http://schemas.microsoft.com/office/drawing/2014/main" id="{DA3283D2-DBF6-D5A5-0A46-10E5E73BF7F5}"/>
             </a:ext>
           </a:extLst>
         </p:cNvPr>
@@ -6250,7 +6419,7 @@
           <p:cNvPr id="139090186" name="Slide Image Placeholder 1">
             <a:extLst>
               <a:ext uri="{FF2B5EF4-FFF2-40B4-BE49-F238E27FC236}">
-                <a16:creationId xmlns:a16="http://schemas.microsoft.com/office/drawing/2014/main" id="{EE683B9E-A0DE-86F4-BD95-319D8EBFE26F}"/>
+                <a16:creationId xmlns:a16="http://schemas.microsoft.com/office/drawing/2014/main" id="{0A1192E9-FB02-CB2D-DBEF-1A1C4CFD871D}"/>
               </a:ext>
             </a:extLst>
           </p:cNvPr>
@@ -6268,7 +6437,7 @@
           <p:cNvPr id="400293583" name="Notes Placeholder 2">
             <a:extLst>
               <a:ext uri="{FF2B5EF4-FFF2-40B4-BE49-F238E27FC236}">
-                <a16:creationId xmlns:a16="http://schemas.microsoft.com/office/drawing/2014/main" id="{364C980E-94DA-1FD5-935B-F531D86CBDD4}"/>
+                <a16:creationId xmlns:a16="http://schemas.microsoft.com/office/drawing/2014/main" id="{9A9D6D79-C617-A95F-CB9A-C7E9C3EEACA9}"/>
               </a:ext>
             </a:extLst>
           </p:cNvPr>
@@ -6296,7 +6465,7 @@
           <p:cNvPr id="1257388043" name="Slide Number Placeholder 3">
             <a:extLst>
               <a:ext uri="{FF2B5EF4-FFF2-40B4-BE49-F238E27FC236}">
-                <a16:creationId xmlns:a16="http://schemas.microsoft.com/office/drawing/2014/main" id="{FFBE7416-06B8-8F75-A9EF-A9895DF8107A}"/>
+                <a16:creationId xmlns:a16="http://schemas.microsoft.com/office/drawing/2014/main" id="{2E5FC565-6F52-C6E6-2CE6-21A3593D4DDC}"/>
               </a:ext>
             </a:extLst>
           </p:cNvPr>
@@ -6381,7 +6550,7 @@
     </p:spTree>
     <p:extLst>
       <p:ext uri="{BB962C8B-B14F-4D97-AF65-F5344CB8AC3E}">
-        <p14:creationId xmlns:p14="http://schemas.microsoft.com/office/powerpoint/2010/main" val="2318382485"/>
+        <p14:creationId xmlns:p14="http://schemas.microsoft.com/office/powerpoint/2010/main" val="284837936"/>
       </p:ext>
     </p:extLst>
   </p:cSld>
@@ -6391,7 +6560,7 @@
 </p:notes>
 </file>
 
-<file path=ppt/notesSlides/notesSlide43.xml><?xml version="1.0" encoding="utf-8"?>
+<file path=ppt/notesSlides/notesSlide44.xml><?xml version="1.0" encoding="utf-8"?>
 <p:notes xmlns:a="http://schemas.openxmlformats.org/drawingml/2006/main" xmlns:r="http://schemas.openxmlformats.org/officeDocument/2006/relationships" xmlns:p="http://schemas.openxmlformats.org/presentationml/2006/main">
   <p:cSld>
     <p:spTree>
@@ -6399,7 +6568,7 @@
         <p:cNvPr id="1" name="">
           <a:extLst>
             <a:ext uri="{FF2B5EF4-FFF2-40B4-BE49-F238E27FC236}">
-              <a16:creationId xmlns:a16="http://schemas.microsoft.com/office/drawing/2014/main" id="{DA3283D2-DBF6-D5A5-0A46-10E5E73BF7F5}"/>
+              <a16:creationId xmlns:a16="http://schemas.microsoft.com/office/drawing/2014/main" id="{69F313CF-1FEC-98D5-3C31-CE6F4B8F6ABF}"/>
             </a:ext>
           </a:extLst>
         </p:cNvPr>
@@ -6419,7 +6588,7 @@
           <p:cNvPr id="139090186" name="Slide Image Placeholder 1">
             <a:extLst>
               <a:ext uri="{FF2B5EF4-FFF2-40B4-BE49-F238E27FC236}">
-                <a16:creationId xmlns:a16="http://schemas.microsoft.com/office/drawing/2014/main" id="{0A1192E9-FB02-CB2D-DBEF-1A1C4CFD871D}"/>
+                <a16:creationId xmlns:a16="http://schemas.microsoft.com/office/drawing/2014/main" id="{3E126841-CF9B-8112-14DF-EF343B2B21B4}"/>
               </a:ext>
             </a:extLst>
           </p:cNvPr>
@@ -6437,7 +6606,7 @@
           <p:cNvPr id="400293583" name="Notes Placeholder 2">
             <a:extLst>
               <a:ext uri="{FF2B5EF4-FFF2-40B4-BE49-F238E27FC236}">
-                <a16:creationId xmlns:a16="http://schemas.microsoft.com/office/drawing/2014/main" id="{9A9D6D79-C617-A95F-CB9A-C7E9C3EEACA9}"/>
+                <a16:creationId xmlns:a16="http://schemas.microsoft.com/office/drawing/2014/main" id="{BA1A9BCC-D8A0-8BD2-7F2A-D5FDE80127E6}"/>
               </a:ext>
             </a:extLst>
           </p:cNvPr>
@@ -6465,7 +6634,7 @@
           <p:cNvPr id="1257388043" name="Slide Number Placeholder 3">
             <a:extLst>
               <a:ext uri="{FF2B5EF4-FFF2-40B4-BE49-F238E27FC236}">
-                <a16:creationId xmlns:a16="http://schemas.microsoft.com/office/drawing/2014/main" id="{2E5FC565-6F52-C6E6-2CE6-21A3593D4DDC}"/>
+                <a16:creationId xmlns:a16="http://schemas.microsoft.com/office/drawing/2014/main" id="{258DFE2D-F19D-0F43-B42D-F1713DB9637F}"/>
               </a:ext>
             </a:extLst>
           </p:cNvPr>
@@ -6550,175 +6719,6 @@
     </p:spTree>
     <p:extLst>
       <p:ext uri="{BB962C8B-B14F-4D97-AF65-F5344CB8AC3E}">
-        <p14:creationId xmlns:p14="http://schemas.microsoft.com/office/powerpoint/2010/main" val="284837936"/>
-      </p:ext>
-    </p:extLst>
-  </p:cSld>
-  <p:clrMapOvr>
-    <a:masterClrMapping/>
-  </p:clrMapOvr>
-</p:notes>
-</file>
-
-<file path=ppt/notesSlides/notesSlide44.xml><?xml version="1.0" encoding="utf-8"?>
-<p:notes xmlns:a="http://schemas.openxmlformats.org/drawingml/2006/main" xmlns:r="http://schemas.openxmlformats.org/officeDocument/2006/relationships" xmlns:p="http://schemas.openxmlformats.org/presentationml/2006/main">
-  <p:cSld>
-    <p:spTree>
-      <p:nvGrpSpPr>
-        <p:cNvPr id="1" name="">
-          <a:extLst>
-            <a:ext uri="{FF2B5EF4-FFF2-40B4-BE49-F238E27FC236}">
-              <a16:creationId xmlns:a16="http://schemas.microsoft.com/office/drawing/2014/main" id="{69F313CF-1FEC-98D5-3C31-CE6F4B8F6ABF}"/>
-            </a:ext>
-          </a:extLst>
-        </p:cNvPr>
-        <p:cNvGrpSpPr/>
-        <p:nvPr/>
-      </p:nvGrpSpPr>
-      <p:grpSpPr bwMode="auto">
-        <a:xfrm>
-          <a:off x="0" y="0"/>
-          <a:ext cx="0" cy="0"/>
-          <a:chOff x="0" y="0"/>
-          <a:chExt cx="0" cy="0"/>
-        </a:xfrm>
-      </p:grpSpPr>
-      <p:sp>
-        <p:nvSpPr>
-          <p:cNvPr id="139090186" name="Slide Image Placeholder 1">
-            <a:extLst>
-              <a:ext uri="{FF2B5EF4-FFF2-40B4-BE49-F238E27FC236}">
-                <a16:creationId xmlns:a16="http://schemas.microsoft.com/office/drawing/2014/main" id="{3E126841-CF9B-8112-14DF-EF343B2B21B4}"/>
-              </a:ext>
-            </a:extLst>
-          </p:cNvPr>
-          <p:cNvSpPr>
-            <a:spLocks noGrp="1" noRot="1" noChangeAspect="1"/>
-          </p:cNvSpPr>
-          <p:nvPr>
-            <p:ph type="sldImg"/>
-          </p:nvPr>
-        </p:nvSpPr>
-        <p:spPr bwMode="auto"/>
-      </p:sp>
-      <p:sp>
-        <p:nvSpPr>
-          <p:cNvPr id="400293583" name="Notes Placeholder 2">
-            <a:extLst>
-              <a:ext uri="{FF2B5EF4-FFF2-40B4-BE49-F238E27FC236}">
-                <a16:creationId xmlns:a16="http://schemas.microsoft.com/office/drawing/2014/main" id="{BA1A9BCC-D8A0-8BD2-7F2A-D5FDE80127E6}"/>
-              </a:ext>
-            </a:extLst>
-          </p:cNvPr>
-          <p:cNvSpPr>
-            <a:spLocks noGrp="1"/>
-          </p:cNvSpPr>
-          <p:nvPr>
-            <p:ph type="body" idx="1"/>
-          </p:nvPr>
-        </p:nvSpPr>
-        <p:spPr bwMode="auto"/>
-        <p:txBody>
-          <a:bodyPr/>
-          <a:lstStyle/>
-          <a:p>
-            <a:pPr>
-              <a:defRPr/>
-            </a:pPr>
-            <a:endParaRPr/>
-          </a:p>
-        </p:txBody>
-      </p:sp>
-      <p:sp>
-        <p:nvSpPr>
-          <p:cNvPr id="1257388043" name="Slide Number Placeholder 3">
-            <a:extLst>
-              <a:ext uri="{FF2B5EF4-FFF2-40B4-BE49-F238E27FC236}">
-                <a16:creationId xmlns:a16="http://schemas.microsoft.com/office/drawing/2014/main" id="{258DFE2D-F19D-0F43-B42D-F1713DB9637F}"/>
-              </a:ext>
-            </a:extLst>
-          </p:cNvPr>
-          <p:cNvSpPr>
-            <a:spLocks noGrp="1"/>
-          </p:cNvSpPr>
-          <p:nvPr>
-            <p:ph type="sldNum" sz="quarter" idx="10"/>
-          </p:nvPr>
-        </p:nvSpPr>
-        <p:spPr bwMode="auto"/>
-        <p:txBody>
-          <a:bodyPr/>
-          <a:lstStyle/>
-          <a:p>
-            <a:pPr marL="0" marR="0" lvl="0" indent="0" algn="r" defTabSz="914400" eaLnBrk="1" fontAlgn="auto" latinLnBrk="0" hangingPunct="1">
-              <a:lnSpc>
-                <a:spcPct val="100000"/>
-              </a:lnSpc>
-              <a:spcBef>
-                <a:spcPts val="0"/>
-              </a:spcBef>
-              <a:spcAft>
-                <a:spcPts val="0"/>
-              </a:spcAft>
-              <a:buClrTx/>
-              <a:buSzTx/>
-              <a:buFontTx/>
-              <a:buNone/>
-              <a:tabLst/>
-              <a:defRPr/>
-            </a:pPr>
-            <a:fld id="{20073075-213A-DC53-9B24-1C6EF3B6ADAB}" type="slidenum">
-              <a:rPr kumimoji="0" sz="1200" b="0" i="0" u="none" strike="noStrike" kern="0" cap="none" spc="0" normalizeH="0" baseline="0" noProof="0">
-                <a:ln>
-                  <a:noFill/>
-                </a:ln>
-                <a:solidFill>
-                  <a:prstClr val="black"/>
-                </a:solidFill>
-                <a:effectLst/>
-                <a:uLnTx/>
-                <a:uFillTx/>
-                <a:latin typeface="Calibri"/>
-                <a:cs typeface="Arial"/>
-              </a:rPr>
-              <a:pPr marL="0" marR="0" lvl="0" indent="0" algn="r" defTabSz="914400" eaLnBrk="1" fontAlgn="auto" latinLnBrk="0" hangingPunct="1">
-                <a:lnSpc>
-                  <a:spcPct val="100000"/>
-                </a:lnSpc>
-                <a:spcBef>
-                  <a:spcPts val="0"/>
-                </a:spcBef>
-                <a:spcAft>
-                  <a:spcPts val="0"/>
-                </a:spcAft>
-                <a:buClrTx/>
-                <a:buSzTx/>
-                <a:buFontTx/>
-                <a:buNone/>
-                <a:tabLst/>
-                <a:defRPr/>
-              </a:pPr>
-              <a:t>76</a:t>
-            </a:fld>
-            <a:endParaRPr kumimoji="0" sz="1200" b="0" i="0" u="none" strike="noStrike" kern="0" cap="none" spc="0" normalizeH="0" baseline="0" noProof="0">
-              <a:ln>
-                <a:noFill/>
-              </a:ln>
-              <a:solidFill>
-                <a:prstClr val="black"/>
-              </a:solidFill>
-              <a:effectLst/>
-              <a:uLnTx/>
-              <a:uFillTx/>
-              <a:latin typeface="Calibri"/>
-              <a:cs typeface="Arial"/>
-            </a:endParaRPr>
-          </a:p>
-        </p:txBody>
-      </p:sp>
-    </p:spTree>
-    <p:extLst>
-      <p:ext uri="{BB962C8B-B14F-4D97-AF65-F5344CB8AC3E}">
         <p14:creationId xmlns:p14="http://schemas.microsoft.com/office/powerpoint/2010/main" val="785065613"/>
       </p:ext>
     </p:extLst>
@@ -6820,7 +6820,7 @@
           <a:lstStyle/>
           <a:p>
             <a:fld id="{8C36BA74-7AA1-48ED-B9BC-0F570D47A936}" type="slidenum">
-              <a:t>78</a:t>
+              <a:t>77</a:t>
             </a:fld>
             <a:endParaRPr lang="de-DE"/>
           </a:p>
@@ -6930,7 +6930,7 @@
           <a:lstStyle/>
           <a:p>
             <a:fld id="{8C36BA74-7AA1-48ED-B9BC-0F570D47A936}" type="slidenum">
-              <a:t>81</a:t>
+              <a:t>80</a:t>
             </a:fld>
             <a:endParaRPr lang="de-DE"/>
           </a:p>
@@ -8019,7 +8019,7 @@
           <a:p>
             <a:fld id="{4E96B16B-3D02-421E-9A22-E7AF4889F0FE}" type="datetime1">
               <a:rPr lang="en-US" smtClean="0"/>
-              <a:t>6/25/2025</a:t>
+              <a:t>6/27/2025</a:t>
             </a:fld>
             <a:endParaRPr lang="en-US"/>
           </a:p>
@@ -8221,7 +8221,7 @@
           <a:p>
             <a:fld id="{DB775AC6-EFC6-47B7-8612-9DA8DD25D955}" type="datetime1">
               <a:rPr lang="en-US" smtClean="0"/>
-              <a:t>6/25/2025</a:t>
+              <a:t>6/27/2025</a:t>
             </a:fld>
             <a:endParaRPr lang="en-US"/>
           </a:p>
@@ -8565,7 +8565,7 @@
           <a:p>
             <a:fld id="{6AA36526-50D6-4421-A203-614B20CF2703}" type="datetime1">
               <a:rPr lang="en-US" smtClean="0"/>
-              <a:t>6/25/2025</a:t>
+              <a:t>6/27/2025</a:t>
             </a:fld>
             <a:endParaRPr lang="en-US"/>
           </a:p>
@@ -8824,7 +8824,7 @@
           <a:p>
             <a:fld id="{75E84928-FE16-43B9-BC25-2859501720EA}" type="datetime1">
               <a:rPr lang="en-US" smtClean="0"/>
-              <a:t>6/25/2025</a:t>
+              <a:t>6/27/2025</a:t>
             </a:fld>
             <a:endParaRPr lang="en-US"/>
           </a:p>
@@ -9244,7 +9244,7 @@
           <a:p>
             <a:fld id="{52B94D21-0962-4C08-BB57-BC7507DEE084}" type="datetime1">
               <a:rPr lang="en-US" smtClean="0"/>
-              <a:t>6/25/2025</a:t>
+              <a:t>6/27/2025</a:t>
             </a:fld>
             <a:endParaRPr lang="en-US"/>
           </a:p>
@@ -9697,7 +9697,7 @@
           <a:p>
             <a:fld id="{EF075700-B54E-437C-8A31-0CC21845C39D}" type="datetime1">
               <a:rPr lang="en-US" smtClean="0"/>
-              <a:t>6/25/2025</a:t>
+              <a:t>6/27/2025</a:t>
             </a:fld>
             <a:endParaRPr lang="en-US"/>
           </a:p>
@@ -10249,7 +10249,7 @@
           <a:p>
             <a:fld id="{A7472505-C2E4-4560-87BD-F72139D98800}" type="datetime1">
               <a:rPr lang="en-US" smtClean="0"/>
-              <a:t>6/25/2025</a:t>
+              <a:t>6/27/2025</a:t>
             </a:fld>
             <a:endParaRPr lang="en-US"/>
           </a:p>
@@ -10526,7 +10526,7 @@
           <a:p>
             <a:fld id="{688C6202-6C0C-4936-9181-C3BAC183F367}" type="datetime1">
               <a:rPr lang="en-US" smtClean="0"/>
-              <a:t>6/25/2025</a:t>
+              <a:t>6/27/2025</a:t>
             </a:fld>
             <a:endParaRPr lang="en-US"/>
           </a:p>
@@ -10775,7 +10775,7 @@
           <a:p>
             <a:fld id="{B9C3A1C5-5A4D-40F5-AA30-2E2FA551A28A}" type="datetime1">
               <a:rPr lang="en-US" smtClean="0"/>
-              <a:t>6/25/2025</a:t>
+              <a:t>6/27/2025</a:t>
             </a:fld>
             <a:endParaRPr lang="en-US"/>
           </a:p>
@@ -11228,7 +11228,7 @@
           <a:p>
             <a:fld id="{A3AFC84A-6073-47BB-AA17-B11F88B48FFC}" type="datetime1">
               <a:rPr lang="en-US" smtClean="0"/>
-              <a:t>6/25/2025</a:t>
+              <a:t>6/27/2025</a:t>
             </a:fld>
             <a:endParaRPr lang="en-US"/>
           </a:p>
@@ -11656,7 +11656,7 @@
           <a:p>
             <a:fld id="{049970C6-98BD-4B9C-9DB4-A09FCA6FDD64}" type="datetime1">
               <a:rPr lang="en-US" smtClean="0"/>
-              <a:t>6/25/2025</a:t>
+              <a:t>6/27/2025</a:t>
             </a:fld>
             <a:endParaRPr lang="en-US"/>
           </a:p>
@@ -12234,7 +12234,7 @@
           <a:p>
             <a:fld id="{F21DBC69-2876-4ACB-95B6-39F77D4C7E0D}" type="datetime1">
               <a:rPr lang="en-US" smtClean="0"/>
-              <a:t>6/25/2025</a:t>
+              <a:t>6/27/2025</a:t>
             </a:fld>
             <a:r>
               <a:rPr lang="en-US"/>
@@ -24445,112 +24445,6 @@
 <file path=ppt/slides/slide47.xml><?xml version="1.0" encoding="utf-8"?>
 <p:sld xmlns:a="http://schemas.openxmlformats.org/drawingml/2006/main" xmlns:r="http://schemas.openxmlformats.org/officeDocument/2006/relationships" xmlns:p="http://schemas.openxmlformats.org/presentationml/2006/main">
   <p:cSld>
-    <p:spTree>
-      <p:nvGrpSpPr>
-        <p:cNvPr id="1" name="">
-          <a:extLst>
-            <a:ext uri="{FF2B5EF4-FFF2-40B4-BE49-F238E27FC236}">
-              <a16:creationId xmlns:a16="http://schemas.microsoft.com/office/drawing/2014/main" id="{3395403C-4CDB-5649-FE7B-77A37D57DA97}"/>
-            </a:ext>
-          </a:extLst>
-        </p:cNvPr>
-        <p:cNvGrpSpPr/>
-        <p:nvPr/>
-      </p:nvGrpSpPr>
-      <p:grpSpPr>
-        <a:xfrm>
-          <a:off x="0" y="0"/>
-          <a:ext cx="0" cy="0"/>
-          <a:chOff x="0" y="0"/>
-          <a:chExt cx="0" cy="0"/>
-        </a:xfrm>
-      </p:grpSpPr>
-      <p:sp>
-        <p:nvSpPr>
-          <p:cNvPr id="2" name="Title 1">
-            <a:extLst>
-              <a:ext uri="{FF2B5EF4-FFF2-40B4-BE49-F238E27FC236}">
-                <a16:creationId xmlns:a16="http://schemas.microsoft.com/office/drawing/2014/main" id="{F9ED0320-08B2-1A82-D428-D5E287C6ACF1}"/>
-              </a:ext>
-            </a:extLst>
-          </p:cNvPr>
-          <p:cNvSpPr>
-            <a:spLocks noGrp="1"/>
-          </p:cNvSpPr>
-          <p:nvPr>
-            <p:ph type="title"/>
-          </p:nvPr>
-        </p:nvSpPr>
-        <p:spPr/>
-        <p:txBody>
-          <a:bodyPr/>
-          <a:lstStyle/>
-          <a:p>
-            <a:r>
-              <a:rPr lang="de-DE" dirty="0" err="1"/>
-              <a:t>Dummyfolie</a:t>
-            </a:r>
-            <a:endParaRPr dirty="0"/>
-          </a:p>
-        </p:txBody>
-      </p:sp>
-      <p:sp>
-        <p:nvSpPr>
-          <p:cNvPr id="3" name="Content Placeholder 2">
-            <a:extLst>
-              <a:ext uri="{FF2B5EF4-FFF2-40B4-BE49-F238E27FC236}">
-                <a16:creationId xmlns:a16="http://schemas.microsoft.com/office/drawing/2014/main" id="{C797BFC2-CA4A-E34D-A6A0-11BE2D317CCA}"/>
-              </a:ext>
-            </a:extLst>
-          </p:cNvPr>
-          <p:cNvSpPr>
-            <a:spLocks noGrp="1"/>
-          </p:cNvSpPr>
-          <p:nvPr>
-            <p:ph idx="1"/>
-          </p:nvPr>
-        </p:nvSpPr>
-        <p:spPr>
-          <a:xfrm>
-            <a:off x="521208" y="2201535"/>
-            <a:ext cx="6549443" cy="4170127"/>
-          </a:xfrm>
-        </p:spPr>
-        <p:txBody>
-          <a:bodyPr/>
-          <a:lstStyle/>
-          <a:p>
-            <a:pPr>
-              <a:defRPr sz="1800">
-                <a:solidFill>
-                  <a:srgbClr val="000000"/>
-                </a:solidFill>
-              </a:defRPr>
-            </a:pPr>
-            <a:r>
-              <a:rPr lang="de-DE" dirty="0" err="1"/>
-              <a:t>Dummyfolie</a:t>
-            </a:r>
-            <a:endParaRPr lang="de-DE" dirty="0"/>
-          </a:p>
-        </p:txBody>
-      </p:sp>
-    </p:spTree>
-    <p:extLst>
-      <p:ext uri="{BB962C8B-B14F-4D97-AF65-F5344CB8AC3E}">
-        <p14:creationId xmlns:p14="http://schemas.microsoft.com/office/powerpoint/2010/main" val="6428617"/>
-      </p:ext>
-    </p:extLst>
-  </p:cSld>
-  <p:clrMapOvr>
-    <a:masterClrMapping/>
-  </p:clrMapOvr>
-</p:sld>
-</file>
-
-<file path=ppt/slides/slide48.xml><?xml version="1.0" encoding="utf-8"?>
-<p:sld xmlns:a="http://schemas.openxmlformats.org/drawingml/2006/main" xmlns:r="http://schemas.openxmlformats.org/officeDocument/2006/relationships" xmlns:p="http://schemas.openxmlformats.org/presentationml/2006/main">
-  <p:cSld>
     <p:bg>
       <p:bgPr>
         <a:solidFill>
@@ -24951,7 +24845,7 @@
 </p:sld>
 </file>
 
-<file path=ppt/slides/slide49.xml><?xml version="1.0" encoding="utf-8"?>
+<file path=ppt/slides/slide48.xml><?xml version="1.0" encoding="utf-8"?>
 <p:sld xmlns:a="http://schemas.openxmlformats.org/drawingml/2006/main" xmlns:r="http://schemas.openxmlformats.org/officeDocument/2006/relationships" xmlns:p="http://schemas.openxmlformats.org/presentationml/2006/main">
   <p:cSld>
     <p:spTree>
@@ -25175,6 +25069,184 @@
 </p:sld>
 </file>
 
+<file path=ppt/slides/slide49.xml><?xml version="1.0" encoding="utf-8"?>
+<p:sld xmlns:a="http://schemas.openxmlformats.org/drawingml/2006/main" xmlns:r="http://schemas.openxmlformats.org/officeDocument/2006/relationships" xmlns:p="http://schemas.openxmlformats.org/presentationml/2006/main">
+  <p:cSld>
+    <p:spTree>
+      <p:nvGrpSpPr>
+        <p:cNvPr id="1" name="">
+          <a:extLst>
+            <a:ext uri="{FF2B5EF4-FFF2-40B4-BE49-F238E27FC236}">
+              <a16:creationId xmlns:a16="http://schemas.microsoft.com/office/drawing/2014/main" id="{C539F013-13D7-607F-982B-9B26E2C84D30}"/>
+            </a:ext>
+          </a:extLst>
+        </p:cNvPr>
+        <p:cNvGrpSpPr/>
+        <p:nvPr/>
+      </p:nvGrpSpPr>
+      <p:grpSpPr>
+        <a:xfrm>
+          <a:off x="0" y="0"/>
+          <a:ext cx="0" cy="0"/>
+          <a:chOff x="0" y="0"/>
+          <a:chExt cx="0" cy="0"/>
+        </a:xfrm>
+      </p:grpSpPr>
+      <p:sp>
+        <p:nvSpPr>
+          <p:cNvPr id="2" name="Title 1">
+            <a:extLst>
+              <a:ext uri="{FF2B5EF4-FFF2-40B4-BE49-F238E27FC236}">
+                <a16:creationId xmlns:a16="http://schemas.microsoft.com/office/drawing/2014/main" id="{0673F3B5-F388-C86E-BB9C-E3DC7762938A}"/>
+              </a:ext>
+            </a:extLst>
+          </p:cNvPr>
+          <p:cNvSpPr>
+            <a:spLocks noGrp="1"/>
+          </p:cNvSpPr>
+          <p:nvPr>
+            <p:ph type="title"/>
+          </p:nvPr>
+        </p:nvSpPr>
+        <p:spPr/>
+        <p:txBody>
+          <a:bodyPr/>
+          <a:lstStyle/>
+          <a:p>
+            <a:r>
+              <a:rPr lang="de-DE" dirty="0"/>
+              <a:t>Ziele des Meilensteins (2)</a:t>
+            </a:r>
+            <a:endParaRPr dirty="0"/>
+          </a:p>
+        </p:txBody>
+      </p:sp>
+      <p:sp>
+        <p:nvSpPr>
+          <p:cNvPr id="3" name="Content Placeholder 2">
+            <a:extLst>
+              <a:ext uri="{FF2B5EF4-FFF2-40B4-BE49-F238E27FC236}">
+                <a16:creationId xmlns:a16="http://schemas.microsoft.com/office/drawing/2014/main" id="{55948A25-9B2F-5A38-C530-D11C2A6FFDF4}"/>
+              </a:ext>
+            </a:extLst>
+          </p:cNvPr>
+          <p:cNvSpPr>
+            <a:spLocks noGrp="1"/>
+          </p:cNvSpPr>
+          <p:nvPr>
+            <p:ph idx="1"/>
+          </p:nvPr>
+        </p:nvSpPr>
+        <p:spPr>
+          <a:xfrm>
+            <a:off x="521208" y="2441448"/>
+            <a:ext cx="11155680" cy="3921161"/>
+          </a:xfrm>
+        </p:spPr>
+        <p:txBody>
+          <a:bodyPr/>
+          <a:lstStyle/>
+          <a:p>
+            <a:pPr marL="0" indent="0">
+              <a:buNone/>
+            </a:pPr>
+            <a:r>
+              <a:rPr lang="de-DE" b="1" dirty="0"/>
+              <a:t>       Modellentwicklung in mehreren Schritten</a:t>
+            </a:r>
+            <a:r>
+              <a:rPr lang="de-DE" dirty="0"/>
+              <a:t>:</a:t>
+            </a:r>
+          </a:p>
+          <a:p>
+            <a:pPr lvl="1"/>
+            <a:r>
+              <a:rPr lang="de-DE" dirty="0"/>
+              <a:t>Einfache Regeln für offensichtliche Betrugsfälle</a:t>
+            </a:r>
+          </a:p>
+          <a:p>
+            <a:pPr lvl="1"/>
+            <a:r>
+              <a:rPr lang="de-DE" dirty="0"/>
+              <a:t>Klassifikator für </a:t>
+            </a:r>
+            <a:r>
+              <a:rPr lang="de-DE" b="1" dirty="0"/>
+              <a:t>Betrugswahrscheinlichkeit</a:t>
+            </a:r>
+            <a:endParaRPr lang="de-DE" dirty="0"/>
+          </a:p>
+          <a:p>
+            <a:pPr lvl="1"/>
+            <a:r>
+              <a:rPr lang="de-DE" dirty="0"/>
+              <a:t>Regressionsmodell zur </a:t>
+            </a:r>
+            <a:r>
+              <a:rPr lang="de-DE" b="1" dirty="0"/>
+              <a:t>Schadenshöhe</a:t>
+            </a:r>
+            <a:endParaRPr lang="de-DE" dirty="0"/>
+          </a:p>
+          <a:p>
+            <a:pPr lvl="1"/>
+            <a:r>
+              <a:rPr lang="de-DE" dirty="0"/>
+              <a:t>Kombination beider Modelle in </a:t>
+            </a:r>
+            <a:r>
+              <a:rPr lang="de-DE" b="1" dirty="0"/>
+              <a:t>Entscheidungslogik</a:t>
+            </a:r>
+            <a:endParaRPr lang="de-DE" dirty="0"/>
+          </a:p>
+          <a:p>
+            <a:pPr lvl="1"/>
+            <a:r>
+              <a:rPr lang="de-DE" b="1" dirty="0"/>
+              <a:t>Threshold- &amp; Sensitivitätsanalyse</a:t>
+            </a:r>
+            <a:r>
+              <a:rPr lang="de-DE" dirty="0"/>
+              <a:t> zur Strategieoptimierung</a:t>
+            </a:r>
+          </a:p>
+          <a:p>
+            <a:pPr lvl="1"/>
+            <a:endParaRPr lang="de-DE" dirty="0"/>
+          </a:p>
+          <a:p>
+            <a:pPr marL="457200" lvl="1" indent="0">
+              <a:buNone/>
+            </a:pPr>
+            <a:r>
+              <a:rPr lang="de-DE" sz="1800" b="1" dirty="0"/>
+              <a:t>Konkrete Handlungsempfehlungen für den operativen Einsatz</a:t>
+            </a:r>
+          </a:p>
+          <a:p>
+            <a:pPr marL="457200" lvl="1" indent="0">
+              <a:buNone/>
+            </a:pPr>
+            <a:endParaRPr lang="de-DE" dirty="0"/>
+          </a:p>
+        </p:txBody>
+      </p:sp>
+    </p:spTree>
+    <p:extLst>
+      <p:ext uri="{BB962C8B-B14F-4D97-AF65-F5344CB8AC3E}">
+        <p14:creationId xmlns:p14="http://schemas.microsoft.com/office/powerpoint/2010/main" val="1547750605"/>
+      </p:ext>
+    </p:extLst>
+  </p:cSld>
+  <p:clrMapOvr>
+    <a:masterClrMapping/>
+  </p:clrMapOvr>
+</p:sld>
+</file>
+
 <file path=ppt/slides/slide5.xml><?xml version="1.0" encoding="utf-8"?>
 <p:sld xmlns:a="http://schemas.openxmlformats.org/drawingml/2006/main" xmlns:r="http://schemas.openxmlformats.org/officeDocument/2006/relationships" xmlns:p="http://schemas.openxmlformats.org/presentationml/2006/main">
   <p:cSld>
@@ -25289,184 +25361,6 @@
         <p:cNvPr id="1" name="">
           <a:extLst>
             <a:ext uri="{FF2B5EF4-FFF2-40B4-BE49-F238E27FC236}">
-              <a16:creationId xmlns:a16="http://schemas.microsoft.com/office/drawing/2014/main" id="{C539F013-13D7-607F-982B-9B26E2C84D30}"/>
-            </a:ext>
-          </a:extLst>
-        </p:cNvPr>
-        <p:cNvGrpSpPr/>
-        <p:nvPr/>
-      </p:nvGrpSpPr>
-      <p:grpSpPr>
-        <a:xfrm>
-          <a:off x="0" y="0"/>
-          <a:ext cx="0" cy="0"/>
-          <a:chOff x="0" y="0"/>
-          <a:chExt cx="0" cy="0"/>
-        </a:xfrm>
-      </p:grpSpPr>
-      <p:sp>
-        <p:nvSpPr>
-          <p:cNvPr id="2" name="Title 1">
-            <a:extLst>
-              <a:ext uri="{FF2B5EF4-FFF2-40B4-BE49-F238E27FC236}">
-                <a16:creationId xmlns:a16="http://schemas.microsoft.com/office/drawing/2014/main" id="{0673F3B5-F388-C86E-BB9C-E3DC7762938A}"/>
-              </a:ext>
-            </a:extLst>
-          </p:cNvPr>
-          <p:cNvSpPr>
-            <a:spLocks noGrp="1"/>
-          </p:cNvSpPr>
-          <p:nvPr>
-            <p:ph type="title"/>
-          </p:nvPr>
-        </p:nvSpPr>
-        <p:spPr/>
-        <p:txBody>
-          <a:bodyPr/>
-          <a:lstStyle/>
-          <a:p>
-            <a:r>
-              <a:rPr lang="de-DE" dirty="0"/>
-              <a:t>Ziele des Meilensteins (2)</a:t>
-            </a:r>
-            <a:endParaRPr dirty="0"/>
-          </a:p>
-        </p:txBody>
-      </p:sp>
-      <p:sp>
-        <p:nvSpPr>
-          <p:cNvPr id="3" name="Content Placeholder 2">
-            <a:extLst>
-              <a:ext uri="{FF2B5EF4-FFF2-40B4-BE49-F238E27FC236}">
-                <a16:creationId xmlns:a16="http://schemas.microsoft.com/office/drawing/2014/main" id="{55948A25-9B2F-5A38-C530-D11C2A6FFDF4}"/>
-              </a:ext>
-            </a:extLst>
-          </p:cNvPr>
-          <p:cNvSpPr>
-            <a:spLocks noGrp="1"/>
-          </p:cNvSpPr>
-          <p:nvPr>
-            <p:ph idx="1"/>
-          </p:nvPr>
-        </p:nvSpPr>
-        <p:spPr>
-          <a:xfrm>
-            <a:off x="521208" y="2441448"/>
-            <a:ext cx="11155680" cy="3921161"/>
-          </a:xfrm>
-        </p:spPr>
-        <p:txBody>
-          <a:bodyPr/>
-          <a:lstStyle/>
-          <a:p>
-            <a:pPr marL="0" indent="0">
-              <a:buNone/>
-            </a:pPr>
-            <a:r>
-              <a:rPr lang="de-DE" b="1" dirty="0"/>
-              <a:t>       Modellentwicklung in mehreren Schritten</a:t>
-            </a:r>
-            <a:r>
-              <a:rPr lang="de-DE" dirty="0"/>
-              <a:t>:</a:t>
-            </a:r>
-          </a:p>
-          <a:p>
-            <a:pPr lvl="1"/>
-            <a:r>
-              <a:rPr lang="de-DE" dirty="0"/>
-              <a:t>Einfache Regeln für offensichtliche Betrugsfälle</a:t>
-            </a:r>
-          </a:p>
-          <a:p>
-            <a:pPr lvl="1"/>
-            <a:r>
-              <a:rPr lang="de-DE" dirty="0"/>
-              <a:t>Klassifikator für </a:t>
-            </a:r>
-            <a:r>
-              <a:rPr lang="de-DE" b="1" dirty="0"/>
-              <a:t>Betrugswahrscheinlichkeit</a:t>
-            </a:r>
-            <a:endParaRPr lang="de-DE" dirty="0"/>
-          </a:p>
-          <a:p>
-            <a:pPr lvl="1"/>
-            <a:r>
-              <a:rPr lang="de-DE" dirty="0"/>
-              <a:t>Regressionsmodell zur </a:t>
-            </a:r>
-            <a:r>
-              <a:rPr lang="de-DE" b="1" dirty="0"/>
-              <a:t>Schadenshöhe</a:t>
-            </a:r>
-            <a:endParaRPr lang="de-DE" dirty="0"/>
-          </a:p>
-          <a:p>
-            <a:pPr lvl="1"/>
-            <a:r>
-              <a:rPr lang="de-DE" dirty="0"/>
-              <a:t>Kombination beider Modelle in </a:t>
-            </a:r>
-            <a:r>
-              <a:rPr lang="de-DE" b="1" dirty="0"/>
-              <a:t>Entscheidungslogik</a:t>
-            </a:r>
-            <a:endParaRPr lang="de-DE" dirty="0"/>
-          </a:p>
-          <a:p>
-            <a:pPr lvl="1"/>
-            <a:r>
-              <a:rPr lang="de-DE" b="1" dirty="0"/>
-              <a:t>Threshold- &amp; Sensitivitätsanalyse</a:t>
-            </a:r>
-            <a:r>
-              <a:rPr lang="de-DE" dirty="0"/>
-              <a:t> zur Strategieoptimierung</a:t>
-            </a:r>
-          </a:p>
-          <a:p>
-            <a:pPr lvl="1"/>
-            <a:endParaRPr lang="de-DE" dirty="0"/>
-          </a:p>
-          <a:p>
-            <a:pPr marL="457200" lvl="1" indent="0">
-              <a:buNone/>
-            </a:pPr>
-            <a:r>
-              <a:rPr lang="de-DE" sz="1800" b="1" dirty="0"/>
-              <a:t>Konkrete Handlungsempfehlungen für den operativen Einsatz</a:t>
-            </a:r>
-          </a:p>
-          <a:p>
-            <a:pPr marL="457200" lvl="1" indent="0">
-              <a:buNone/>
-            </a:pPr>
-            <a:endParaRPr lang="de-DE" dirty="0"/>
-          </a:p>
-        </p:txBody>
-      </p:sp>
-    </p:spTree>
-    <p:extLst>
-      <p:ext uri="{BB962C8B-B14F-4D97-AF65-F5344CB8AC3E}">
-        <p14:creationId xmlns:p14="http://schemas.microsoft.com/office/powerpoint/2010/main" val="1547750605"/>
-      </p:ext>
-    </p:extLst>
-  </p:cSld>
-  <p:clrMapOvr>
-    <a:masterClrMapping/>
-  </p:clrMapOvr>
-</p:sld>
-</file>
-
-<file path=ppt/slides/slide51.xml><?xml version="1.0" encoding="utf-8"?>
-<p:sld xmlns:a="http://schemas.openxmlformats.org/drawingml/2006/main" xmlns:r="http://schemas.openxmlformats.org/officeDocument/2006/relationships" xmlns:p="http://schemas.openxmlformats.org/presentationml/2006/main">
-  <p:cSld>
-    <p:spTree>
-      <p:nvGrpSpPr>
-        <p:cNvPr id="1" name="">
-          <a:extLst>
-            <a:ext uri="{FF2B5EF4-FFF2-40B4-BE49-F238E27FC236}">
               <a16:creationId xmlns:a16="http://schemas.microsoft.com/office/drawing/2014/main" id="{B2E6AD0A-5B25-4931-F4E5-34E5345F2BA5}"/>
             </a:ext>
           </a:extLst>
@@ -25628,7 +25522,7 @@
 </p:sld>
 </file>
 
-<file path=ppt/slides/slide52.xml><?xml version="1.0" encoding="utf-8"?>
+<file path=ppt/slides/slide51.xml><?xml version="1.0" encoding="utf-8"?>
 <p:sld xmlns:a="http://schemas.openxmlformats.org/drawingml/2006/main" xmlns:r="http://schemas.openxmlformats.org/officeDocument/2006/relationships" xmlns:p="http://schemas.openxmlformats.org/presentationml/2006/main">
   <p:cSld>
     <p:spTree>
@@ -25779,7 +25673,7 @@
 </p:sld>
 </file>
 
-<file path=ppt/slides/slide53.xml><?xml version="1.0" encoding="utf-8"?>
+<file path=ppt/slides/slide52.xml><?xml version="1.0" encoding="utf-8"?>
 <p:sld xmlns:a="http://schemas.openxmlformats.org/drawingml/2006/main" xmlns:r="http://schemas.openxmlformats.org/officeDocument/2006/relationships" xmlns:p="http://schemas.openxmlformats.org/presentationml/2006/main">
   <p:cSld>
     <p:spTree>
@@ -25940,7 +25834,7 @@
 </p:sld>
 </file>
 
-<file path=ppt/slides/slide54.xml><?xml version="1.0" encoding="utf-8"?>
+<file path=ppt/slides/slide53.xml><?xml version="1.0" encoding="utf-8"?>
 <p:sld xmlns:a="http://schemas.openxmlformats.org/drawingml/2006/main" xmlns:r="http://schemas.openxmlformats.org/officeDocument/2006/relationships" xmlns:p="http://schemas.openxmlformats.org/presentationml/2006/main">
   <p:cSld>
     <p:spTree>
@@ -26076,7 +25970,7 @@
 </p:sld>
 </file>
 
-<file path=ppt/slides/slide55.xml><?xml version="1.0" encoding="utf-8"?>
+<file path=ppt/slides/slide54.xml><?xml version="1.0" encoding="utf-8"?>
 <p:sld xmlns:a="http://schemas.openxmlformats.org/drawingml/2006/main" xmlns:r="http://schemas.openxmlformats.org/officeDocument/2006/relationships" xmlns:p="http://schemas.openxmlformats.org/presentationml/2006/main">
   <p:cSld>
     <p:spTree>
@@ -26256,7 +26150,7 @@
 </p:sld>
 </file>
 
-<file path=ppt/slides/slide56.xml><?xml version="1.0" encoding="utf-8"?>
+<file path=ppt/slides/slide55.xml><?xml version="1.0" encoding="utf-8"?>
 <p:sld xmlns:a="http://schemas.openxmlformats.org/drawingml/2006/main" xmlns:r="http://schemas.openxmlformats.org/officeDocument/2006/relationships" xmlns:p="http://schemas.openxmlformats.org/presentationml/2006/main">
   <p:cSld>
     <p:spTree>
@@ -26396,7 +26290,7 @@
 </p:sld>
 </file>
 
-<file path=ppt/slides/slide57.xml><?xml version="1.0" encoding="utf-8"?>
+<file path=ppt/slides/slide56.xml><?xml version="1.0" encoding="utf-8"?>
 <p:sld xmlns:a="http://schemas.openxmlformats.org/drawingml/2006/main" xmlns:r="http://schemas.openxmlformats.org/officeDocument/2006/relationships" xmlns:p="http://schemas.openxmlformats.org/presentationml/2006/main">
   <p:cSld>
     <p:spTree>
@@ -26593,7 +26487,7 @@
 </p:sld>
 </file>
 
-<file path=ppt/slides/slide58.xml><?xml version="1.0" encoding="utf-8"?>
+<file path=ppt/slides/slide57.xml><?xml version="1.0" encoding="utf-8"?>
 <p:sld xmlns:a="http://schemas.openxmlformats.org/drawingml/2006/main" xmlns:r="http://schemas.openxmlformats.org/officeDocument/2006/relationships" xmlns:p="http://schemas.openxmlformats.org/presentationml/2006/main">
   <p:cSld>
     <p:spTree>
@@ -26780,7 +26674,7 @@
 </p:sld>
 </file>
 
-<file path=ppt/slides/slide59.xml><?xml version="1.0" encoding="utf-8"?>
+<file path=ppt/slides/slide58.xml><?xml version="1.0" encoding="utf-8"?>
 <p:sld xmlns:a="http://schemas.openxmlformats.org/drawingml/2006/main" xmlns:r="http://schemas.openxmlformats.org/officeDocument/2006/relationships" xmlns:p="http://schemas.openxmlformats.org/presentationml/2006/main" showMasterPhAnim="0">
   <p:cSld>
     <p:spTree>
@@ -26973,6 +26867,283 @@
         </p:txBody>
       </p:sp>
     </p:spTree>
+  </p:cSld>
+  <p:clrMapOvr>
+    <a:masterClrMapping/>
+  </p:clrMapOvr>
+</p:sld>
+</file>
+
+<file path=ppt/slides/slide59.xml><?xml version="1.0" encoding="utf-8"?>
+<p:sld xmlns:a="http://schemas.openxmlformats.org/drawingml/2006/main" xmlns:r="http://schemas.openxmlformats.org/officeDocument/2006/relationships" xmlns:p="http://schemas.openxmlformats.org/presentationml/2006/main" showMasterPhAnim="0">
+  <p:cSld>
+    <p:spTree>
+      <p:nvGrpSpPr>
+        <p:cNvPr id="1" name="">
+          <a:extLst>
+            <a:ext uri="{FF2B5EF4-FFF2-40B4-BE49-F238E27FC236}">
+              <a16:creationId xmlns:a16="http://schemas.microsoft.com/office/drawing/2014/main" id="{6F943EDE-DC25-DE99-A784-827E1CD93DEC}"/>
+            </a:ext>
+          </a:extLst>
+        </p:cNvPr>
+        <p:cNvGrpSpPr/>
+        <p:nvPr/>
+      </p:nvGrpSpPr>
+      <p:grpSpPr bwMode="auto">
+        <a:xfrm>
+          <a:off x="0" y="0"/>
+          <a:ext cx="0" cy="0"/>
+          <a:chOff x="0" y="0"/>
+          <a:chExt cx="0" cy="0"/>
+        </a:xfrm>
+      </p:grpSpPr>
+      <p:sp>
+        <p:nvSpPr>
+          <p:cNvPr id="1119884738" name="Title 1">
+            <a:extLst>
+              <a:ext uri="{FF2B5EF4-FFF2-40B4-BE49-F238E27FC236}">
+                <a16:creationId xmlns:a16="http://schemas.microsoft.com/office/drawing/2014/main" id="{37C1D781-57FA-5617-A136-2278952AF5D0}"/>
+              </a:ext>
+            </a:extLst>
+          </p:cNvPr>
+          <p:cNvSpPr>
+            <a:spLocks noGrp="1"/>
+          </p:cNvSpPr>
+          <p:nvPr>
+            <p:ph type="title"/>
+          </p:nvPr>
+        </p:nvSpPr>
+        <p:spPr bwMode="auto"/>
+        <p:txBody>
+          <a:bodyPr/>
+          <a:lstStyle/>
+          <a:p>
+            <a:pPr>
+              <a:defRPr/>
+            </a:pPr>
+            <a:r>
+              <a:rPr lang="de-DE" dirty="0"/>
+              <a:t>Modellentwicklung &amp; Evaluation</a:t>
+            </a:r>
+            <a:endParaRPr dirty="0"/>
+          </a:p>
+        </p:txBody>
+      </p:sp>
+      <p:sp>
+        <p:nvSpPr>
+          <p:cNvPr id="701458849" name="Content Placeholder 2">
+            <a:extLst>
+              <a:ext uri="{FF2B5EF4-FFF2-40B4-BE49-F238E27FC236}">
+                <a16:creationId xmlns:a16="http://schemas.microsoft.com/office/drawing/2014/main" id="{395FC52B-BB0B-0B8F-906D-21DE6E2E5807}"/>
+              </a:ext>
+            </a:extLst>
+          </p:cNvPr>
+          <p:cNvSpPr>
+            <a:spLocks noGrp="1"/>
+          </p:cNvSpPr>
+          <p:nvPr>
+            <p:ph idx="1"/>
+          </p:nvPr>
+        </p:nvSpPr>
+        <p:spPr bwMode="auto">
+          <a:xfrm>
+            <a:off x="518160" y="2078182"/>
+            <a:ext cx="11155680" cy="4010891"/>
+          </a:xfrm>
+        </p:spPr>
+        <p:txBody>
+          <a:bodyPr>
+            <a:normAutofit/>
+          </a:bodyPr>
+          <a:lstStyle/>
+          <a:p>
+            <a:pPr>
+              <a:defRPr/>
+            </a:pPr>
+            <a:r>
+              <a:rPr lang="de-DE" sz="1800" b="1" i="0" u="none" strike="noStrike" cap="none" spc="0" dirty="0">
+                <a:solidFill>
+                  <a:schemeClr val="tx1"/>
+                </a:solidFill>
+                <a:latin typeface="Bierstadt"/>
+                <a:cs typeface="Bierstadt"/>
+              </a:rPr>
+              <a:t>Iterativer Prozess </a:t>
+            </a:r>
+            <a:r>
+              <a:rPr lang="de-DE" sz="1800" b="0" i="0" u="none" strike="noStrike" cap="none" spc="0" dirty="0">
+                <a:solidFill>
+                  <a:schemeClr val="tx1"/>
+                </a:solidFill>
+                <a:latin typeface="Bierstadt"/>
+                <a:cs typeface="Bierstadt"/>
+              </a:rPr>
+              <a:t>mit gezielter Auswahl leistungsfähiger Klassifikationsmodelle</a:t>
+            </a:r>
+          </a:p>
+          <a:p>
+            <a:pPr>
+              <a:defRPr/>
+            </a:pPr>
+            <a:endParaRPr lang="de-DE" sz="1800" b="0" i="0" u="none" strike="noStrike" cap="none" spc="0" dirty="0">
+              <a:solidFill>
+                <a:schemeClr val="tx1"/>
+              </a:solidFill>
+              <a:latin typeface="Bierstadt"/>
+              <a:cs typeface="Bierstadt"/>
+            </a:endParaRPr>
+          </a:p>
+          <a:p>
+            <a:pPr>
+              <a:defRPr/>
+            </a:pPr>
+            <a:r>
+              <a:rPr lang="de-DE" sz="1800" b="1" i="0" u="none" strike="noStrike" cap="none" spc="0" dirty="0">
+                <a:solidFill>
+                  <a:schemeClr val="tx1"/>
+                </a:solidFill>
+                <a:latin typeface="Bierstadt"/>
+                <a:cs typeface="Bierstadt"/>
+              </a:rPr>
+              <a:t>4 zentrale Schritte</a:t>
+            </a:r>
+            <a:r>
+              <a:rPr lang="de-DE" sz="1800" b="0" i="0" u="none" strike="noStrike" cap="none" spc="0" dirty="0">
+                <a:solidFill>
+                  <a:schemeClr val="tx1"/>
+                </a:solidFill>
+                <a:latin typeface="Bierstadt"/>
+                <a:cs typeface="Bierstadt"/>
+              </a:rPr>
+              <a:t>:</a:t>
+            </a:r>
+          </a:p>
+          <a:p>
+            <a:pPr lvl="1">
+              <a:defRPr/>
+            </a:pPr>
+            <a:r>
+              <a:rPr lang="de-DE" b="1" i="0" u="none" strike="noStrike" cap="none" spc="0" dirty="0">
+                <a:solidFill>
+                  <a:schemeClr val="tx1"/>
+                </a:solidFill>
+                <a:latin typeface="Bierstadt"/>
+                <a:cs typeface="Bierstadt"/>
+              </a:rPr>
+              <a:t>Modellauswahl </a:t>
+            </a:r>
+            <a:r>
+              <a:rPr lang="de-DE" b="0" i="0" u="none" strike="noStrike" cap="none" spc="0" dirty="0">
+                <a:solidFill>
+                  <a:schemeClr val="tx1"/>
+                </a:solidFill>
+                <a:latin typeface="Bierstadt"/>
+                <a:cs typeface="Bierstadt"/>
+              </a:rPr>
+              <a:t>&amp; Vorabtests → ungeeignete Modelle ausgeschlossen</a:t>
+            </a:r>
+          </a:p>
+          <a:p>
+            <a:pPr lvl="1">
+              <a:defRPr/>
+            </a:pPr>
+            <a:r>
+              <a:rPr lang="de-DE" b="1" i="0" u="none" strike="noStrike" cap="none" spc="0" dirty="0">
+                <a:solidFill>
+                  <a:schemeClr val="tx1"/>
+                </a:solidFill>
+                <a:latin typeface="Bierstadt"/>
+                <a:cs typeface="Bierstadt"/>
+              </a:rPr>
+              <a:t>Hyperparameter-Optimierung</a:t>
+            </a:r>
+            <a:r>
+              <a:rPr lang="de-DE" b="0" i="0" u="none" strike="noStrike" cap="none" spc="0" dirty="0">
+                <a:solidFill>
+                  <a:schemeClr val="tx1"/>
+                </a:solidFill>
+                <a:latin typeface="Bierstadt"/>
+                <a:cs typeface="Bierstadt"/>
+              </a:rPr>
+              <a:t> &amp; Kalibrierung der Scores</a:t>
+            </a:r>
+          </a:p>
+          <a:p>
+            <a:pPr lvl="1">
+              <a:defRPr/>
+            </a:pPr>
+            <a:r>
+              <a:rPr lang="de-DE" b="1" i="0" u="none" strike="noStrike" cap="none" spc="0" dirty="0">
+                <a:solidFill>
+                  <a:schemeClr val="tx1"/>
+                </a:solidFill>
+                <a:latin typeface="Bierstadt"/>
+                <a:cs typeface="Bierstadt"/>
+              </a:rPr>
+              <a:t>Merkmalsauswahl</a:t>
+            </a:r>
+            <a:r>
+              <a:rPr lang="de-DE" b="0" i="0" u="none" strike="noStrike" cap="none" spc="0" dirty="0">
+                <a:solidFill>
+                  <a:schemeClr val="tx1"/>
+                </a:solidFill>
+                <a:latin typeface="Bierstadt"/>
+                <a:cs typeface="Bierstadt"/>
+              </a:rPr>
+              <a:t> zur Reduktion &amp; Robustheit</a:t>
+            </a:r>
+          </a:p>
+          <a:p>
+            <a:pPr lvl="1">
+              <a:defRPr/>
+            </a:pPr>
+            <a:r>
+              <a:rPr lang="de-DE" b="1" i="0" u="none" strike="noStrike" cap="none" spc="0" dirty="0">
+                <a:solidFill>
+                  <a:schemeClr val="tx1"/>
+                </a:solidFill>
+                <a:latin typeface="Bierstadt"/>
+                <a:cs typeface="Bierstadt"/>
+              </a:rPr>
+              <a:t>Evaluation</a:t>
+            </a:r>
+            <a:r>
+              <a:rPr lang="de-DE" b="0" i="0" u="none" strike="noStrike" cap="none" spc="0" dirty="0">
+                <a:solidFill>
+                  <a:schemeClr val="tx1"/>
+                </a:solidFill>
+                <a:latin typeface="Bierstadt"/>
+                <a:cs typeface="Bierstadt"/>
+              </a:rPr>
+              <a:t> mit </a:t>
+            </a:r>
+            <a:r>
+              <a:rPr lang="de-DE" dirty="0">
+                <a:latin typeface="Bierstadt"/>
+                <a:cs typeface="Bierstadt"/>
+              </a:rPr>
+              <a:t>mathematischen Verfahren</a:t>
+            </a:r>
+            <a:r>
+              <a:rPr lang="de-DE" b="0" i="0" u="none" strike="noStrike" cap="none" spc="0" dirty="0">
+                <a:solidFill>
+                  <a:schemeClr val="tx1"/>
+                </a:solidFill>
+                <a:latin typeface="Bierstadt"/>
+                <a:cs typeface="Bierstadt"/>
+              </a:rPr>
+              <a:t> &amp; betriebswirtschaftlicher Bewertungsfunktion</a:t>
+            </a:r>
+            <a:endParaRPr b="1" dirty="0"/>
+          </a:p>
+        </p:txBody>
+      </p:sp>
+    </p:spTree>
+    <p:extLst>
+      <p:ext uri="{BB962C8B-B14F-4D97-AF65-F5344CB8AC3E}">
+        <p14:creationId xmlns:p14="http://schemas.microsoft.com/office/powerpoint/2010/main" val="516860048"/>
+      </p:ext>
+    </p:extLst>
   </p:cSld>
   <p:clrMapOvr>
     <a:masterClrMapping/>
@@ -27094,283 +27265,6 @@
         <p:cNvPr id="1" name="">
           <a:extLst>
             <a:ext uri="{FF2B5EF4-FFF2-40B4-BE49-F238E27FC236}">
-              <a16:creationId xmlns:a16="http://schemas.microsoft.com/office/drawing/2014/main" id="{6F943EDE-DC25-DE99-A784-827E1CD93DEC}"/>
-            </a:ext>
-          </a:extLst>
-        </p:cNvPr>
-        <p:cNvGrpSpPr/>
-        <p:nvPr/>
-      </p:nvGrpSpPr>
-      <p:grpSpPr bwMode="auto">
-        <a:xfrm>
-          <a:off x="0" y="0"/>
-          <a:ext cx="0" cy="0"/>
-          <a:chOff x="0" y="0"/>
-          <a:chExt cx="0" cy="0"/>
-        </a:xfrm>
-      </p:grpSpPr>
-      <p:sp>
-        <p:nvSpPr>
-          <p:cNvPr id="1119884738" name="Title 1">
-            <a:extLst>
-              <a:ext uri="{FF2B5EF4-FFF2-40B4-BE49-F238E27FC236}">
-                <a16:creationId xmlns:a16="http://schemas.microsoft.com/office/drawing/2014/main" id="{37C1D781-57FA-5617-A136-2278952AF5D0}"/>
-              </a:ext>
-            </a:extLst>
-          </p:cNvPr>
-          <p:cNvSpPr>
-            <a:spLocks noGrp="1"/>
-          </p:cNvSpPr>
-          <p:nvPr>
-            <p:ph type="title"/>
-          </p:nvPr>
-        </p:nvSpPr>
-        <p:spPr bwMode="auto"/>
-        <p:txBody>
-          <a:bodyPr/>
-          <a:lstStyle/>
-          <a:p>
-            <a:pPr>
-              <a:defRPr/>
-            </a:pPr>
-            <a:r>
-              <a:rPr lang="de-DE" dirty="0"/>
-              <a:t>Modellentwicklung &amp; Evaluation</a:t>
-            </a:r>
-            <a:endParaRPr dirty="0"/>
-          </a:p>
-        </p:txBody>
-      </p:sp>
-      <p:sp>
-        <p:nvSpPr>
-          <p:cNvPr id="701458849" name="Content Placeholder 2">
-            <a:extLst>
-              <a:ext uri="{FF2B5EF4-FFF2-40B4-BE49-F238E27FC236}">
-                <a16:creationId xmlns:a16="http://schemas.microsoft.com/office/drawing/2014/main" id="{395FC52B-BB0B-0B8F-906D-21DE6E2E5807}"/>
-              </a:ext>
-            </a:extLst>
-          </p:cNvPr>
-          <p:cNvSpPr>
-            <a:spLocks noGrp="1"/>
-          </p:cNvSpPr>
-          <p:nvPr>
-            <p:ph idx="1"/>
-          </p:nvPr>
-        </p:nvSpPr>
-        <p:spPr bwMode="auto">
-          <a:xfrm>
-            <a:off x="518160" y="2078182"/>
-            <a:ext cx="11155680" cy="4010891"/>
-          </a:xfrm>
-        </p:spPr>
-        <p:txBody>
-          <a:bodyPr>
-            <a:normAutofit/>
-          </a:bodyPr>
-          <a:lstStyle/>
-          <a:p>
-            <a:pPr>
-              <a:defRPr/>
-            </a:pPr>
-            <a:r>
-              <a:rPr lang="de-DE" sz="1800" b="1" i="0" u="none" strike="noStrike" cap="none" spc="0" dirty="0">
-                <a:solidFill>
-                  <a:schemeClr val="tx1"/>
-                </a:solidFill>
-                <a:latin typeface="Bierstadt"/>
-                <a:cs typeface="Bierstadt"/>
-              </a:rPr>
-              <a:t>Iterativer Prozess </a:t>
-            </a:r>
-            <a:r>
-              <a:rPr lang="de-DE" sz="1800" b="0" i="0" u="none" strike="noStrike" cap="none" spc="0" dirty="0">
-                <a:solidFill>
-                  <a:schemeClr val="tx1"/>
-                </a:solidFill>
-                <a:latin typeface="Bierstadt"/>
-                <a:cs typeface="Bierstadt"/>
-              </a:rPr>
-              <a:t>mit gezielter Auswahl leistungsfähiger Klassifikationsmodelle</a:t>
-            </a:r>
-          </a:p>
-          <a:p>
-            <a:pPr>
-              <a:defRPr/>
-            </a:pPr>
-            <a:endParaRPr lang="de-DE" sz="1800" b="0" i="0" u="none" strike="noStrike" cap="none" spc="0" dirty="0">
-              <a:solidFill>
-                <a:schemeClr val="tx1"/>
-              </a:solidFill>
-              <a:latin typeface="Bierstadt"/>
-              <a:cs typeface="Bierstadt"/>
-            </a:endParaRPr>
-          </a:p>
-          <a:p>
-            <a:pPr>
-              <a:defRPr/>
-            </a:pPr>
-            <a:r>
-              <a:rPr lang="de-DE" sz="1800" b="1" i="0" u="none" strike="noStrike" cap="none" spc="0" dirty="0">
-                <a:solidFill>
-                  <a:schemeClr val="tx1"/>
-                </a:solidFill>
-                <a:latin typeface="Bierstadt"/>
-                <a:cs typeface="Bierstadt"/>
-              </a:rPr>
-              <a:t>4 zentrale Schritte</a:t>
-            </a:r>
-            <a:r>
-              <a:rPr lang="de-DE" sz="1800" b="0" i="0" u="none" strike="noStrike" cap="none" spc="0" dirty="0">
-                <a:solidFill>
-                  <a:schemeClr val="tx1"/>
-                </a:solidFill>
-                <a:latin typeface="Bierstadt"/>
-                <a:cs typeface="Bierstadt"/>
-              </a:rPr>
-              <a:t>:</a:t>
-            </a:r>
-          </a:p>
-          <a:p>
-            <a:pPr lvl="1">
-              <a:defRPr/>
-            </a:pPr>
-            <a:r>
-              <a:rPr lang="de-DE" b="1" i="0" u="none" strike="noStrike" cap="none" spc="0" dirty="0">
-                <a:solidFill>
-                  <a:schemeClr val="tx1"/>
-                </a:solidFill>
-                <a:latin typeface="Bierstadt"/>
-                <a:cs typeface="Bierstadt"/>
-              </a:rPr>
-              <a:t>Modellauswahl </a:t>
-            </a:r>
-            <a:r>
-              <a:rPr lang="de-DE" b="0" i="0" u="none" strike="noStrike" cap="none" spc="0" dirty="0">
-                <a:solidFill>
-                  <a:schemeClr val="tx1"/>
-                </a:solidFill>
-                <a:latin typeface="Bierstadt"/>
-                <a:cs typeface="Bierstadt"/>
-              </a:rPr>
-              <a:t>&amp; Vorabtests → ungeeignete Modelle ausgeschlossen</a:t>
-            </a:r>
-          </a:p>
-          <a:p>
-            <a:pPr lvl="1">
-              <a:defRPr/>
-            </a:pPr>
-            <a:r>
-              <a:rPr lang="de-DE" b="1" i="0" u="none" strike="noStrike" cap="none" spc="0" dirty="0">
-                <a:solidFill>
-                  <a:schemeClr val="tx1"/>
-                </a:solidFill>
-                <a:latin typeface="Bierstadt"/>
-                <a:cs typeface="Bierstadt"/>
-              </a:rPr>
-              <a:t>Hyperparameter-Optimierung</a:t>
-            </a:r>
-            <a:r>
-              <a:rPr lang="de-DE" b="0" i="0" u="none" strike="noStrike" cap="none" spc="0" dirty="0">
-                <a:solidFill>
-                  <a:schemeClr val="tx1"/>
-                </a:solidFill>
-                <a:latin typeface="Bierstadt"/>
-                <a:cs typeface="Bierstadt"/>
-              </a:rPr>
-              <a:t> &amp; Kalibrierung der Scores</a:t>
-            </a:r>
-          </a:p>
-          <a:p>
-            <a:pPr lvl="1">
-              <a:defRPr/>
-            </a:pPr>
-            <a:r>
-              <a:rPr lang="de-DE" b="1" i="0" u="none" strike="noStrike" cap="none" spc="0" dirty="0">
-                <a:solidFill>
-                  <a:schemeClr val="tx1"/>
-                </a:solidFill>
-                <a:latin typeface="Bierstadt"/>
-                <a:cs typeface="Bierstadt"/>
-              </a:rPr>
-              <a:t>Merkmalsauswahl</a:t>
-            </a:r>
-            <a:r>
-              <a:rPr lang="de-DE" b="0" i="0" u="none" strike="noStrike" cap="none" spc="0" dirty="0">
-                <a:solidFill>
-                  <a:schemeClr val="tx1"/>
-                </a:solidFill>
-                <a:latin typeface="Bierstadt"/>
-                <a:cs typeface="Bierstadt"/>
-              </a:rPr>
-              <a:t> zur Reduktion &amp; Robustheit</a:t>
-            </a:r>
-          </a:p>
-          <a:p>
-            <a:pPr lvl="1">
-              <a:defRPr/>
-            </a:pPr>
-            <a:r>
-              <a:rPr lang="de-DE" b="1" i="0" u="none" strike="noStrike" cap="none" spc="0" dirty="0">
-                <a:solidFill>
-                  <a:schemeClr val="tx1"/>
-                </a:solidFill>
-                <a:latin typeface="Bierstadt"/>
-                <a:cs typeface="Bierstadt"/>
-              </a:rPr>
-              <a:t>Evaluation</a:t>
-            </a:r>
-            <a:r>
-              <a:rPr lang="de-DE" b="0" i="0" u="none" strike="noStrike" cap="none" spc="0" dirty="0">
-                <a:solidFill>
-                  <a:schemeClr val="tx1"/>
-                </a:solidFill>
-                <a:latin typeface="Bierstadt"/>
-                <a:cs typeface="Bierstadt"/>
-              </a:rPr>
-              <a:t> mit </a:t>
-            </a:r>
-            <a:r>
-              <a:rPr lang="de-DE" dirty="0">
-                <a:latin typeface="Bierstadt"/>
-                <a:cs typeface="Bierstadt"/>
-              </a:rPr>
-              <a:t>mathematischen Verfahren</a:t>
-            </a:r>
-            <a:r>
-              <a:rPr lang="de-DE" b="0" i="0" u="none" strike="noStrike" cap="none" spc="0" dirty="0">
-                <a:solidFill>
-                  <a:schemeClr val="tx1"/>
-                </a:solidFill>
-                <a:latin typeface="Bierstadt"/>
-                <a:cs typeface="Bierstadt"/>
-              </a:rPr>
-              <a:t> &amp; betriebswirtschaftlicher Bewertungsfunktion</a:t>
-            </a:r>
-            <a:endParaRPr b="1" dirty="0"/>
-          </a:p>
-        </p:txBody>
-      </p:sp>
-    </p:spTree>
-    <p:extLst>
-      <p:ext uri="{BB962C8B-B14F-4D97-AF65-F5344CB8AC3E}">
-        <p14:creationId xmlns:p14="http://schemas.microsoft.com/office/powerpoint/2010/main" val="516860048"/>
-      </p:ext>
-    </p:extLst>
-  </p:cSld>
-  <p:clrMapOvr>
-    <a:masterClrMapping/>
-  </p:clrMapOvr>
-</p:sld>
-</file>
-
-<file path=ppt/slides/slide61.xml><?xml version="1.0" encoding="utf-8"?>
-<p:sld xmlns:a="http://schemas.openxmlformats.org/drawingml/2006/main" xmlns:r="http://schemas.openxmlformats.org/officeDocument/2006/relationships" xmlns:p="http://schemas.openxmlformats.org/presentationml/2006/main" showMasterPhAnim="0">
-  <p:cSld>
-    <p:spTree>
-      <p:nvGrpSpPr>
-        <p:cNvPr id="1" name="">
-          <a:extLst>
-            <a:ext uri="{FF2B5EF4-FFF2-40B4-BE49-F238E27FC236}">
               <a16:creationId xmlns:a16="http://schemas.microsoft.com/office/drawing/2014/main" id="{AC02D6DA-0DE0-2976-9182-BB752F7115F1}"/>
             </a:ext>
           </a:extLst>
@@ -27667,7 +27561,7 @@
 </p:sld>
 </file>
 
-<file path=ppt/slides/slide62.xml><?xml version="1.0" encoding="utf-8"?>
+<file path=ppt/slides/slide61.xml><?xml version="1.0" encoding="utf-8"?>
 <p:sld xmlns:a="http://schemas.openxmlformats.org/drawingml/2006/main" xmlns:r="http://schemas.openxmlformats.org/officeDocument/2006/relationships" xmlns:p="http://schemas.openxmlformats.org/presentationml/2006/main" showMasterPhAnim="0">
   <p:cSld>
     <p:spTree>
@@ -27968,7 +27862,7 @@
 </p:sld>
 </file>
 
-<file path=ppt/slides/slide63.xml><?xml version="1.0" encoding="utf-8"?>
+<file path=ppt/slides/slide62.xml><?xml version="1.0" encoding="utf-8"?>
 <p:sld xmlns:a="http://schemas.openxmlformats.org/drawingml/2006/main" xmlns:r="http://schemas.openxmlformats.org/officeDocument/2006/relationships" xmlns:p="http://schemas.openxmlformats.org/presentationml/2006/main" showMasterPhAnim="0">
   <p:cSld>
     <p:spTree>
@@ -28266,7 +28160,7 @@
 </p:sld>
 </file>
 
-<file path=ppt/slides/slide64.xml><?xml version="1.0" encoding="utf-8"?>
+<file path=ppt/slides/slide63.xml><?xml version="1.0" encoding="utf-8"?>
 <p:sld xmlns:a="http://schemas.openxmlformats.org/drawingml/2006/main" xmlns:r="http://schemas.openxmlformats.org/officeDocument/2006/relationships" xmlns:p="http://schemas.openxmlformats.org/presentationml/2006/main" showMasterPhAnim="0">
   <p:cSld>
     <p:spTree>
@@ -28551,7 +28445,7 @@
 </p:sld>
 </file>
 
-<file path=ppt/slides/slide65.xml><?xml version="1.0" encoding="utf-8"?>
+<file path=ppt/slides/slide64.xml><?xml version="1.0" encoding="utf-8"?>
 <p:sld xmlns:a="http://schemas.openxmlformats.org/drawingml/2006/main" xmlns:r="http://schemas.openxmlformats.org/officeDocument/2006/relationships" xmlns:p="http://schemas.openxmlformats.org/presentationml/2006/main" showMasterPhAnim="0">
   <p:cSld>
     <p:spTree>
@@ -28804,7 +28698,7 @@
 </p:sld>
 </file>
 
-<file path=ppt/slides/slide66.xml><?xml version="1.0" encoding="utf-8"?>
+<file path=ppt/slides/slide65.xml><?xml version="1.0" encoding="utf-8"?>
 <p:sld xmlns:a="http://schemas.openxmlformats.org/drawingml/2006/main" xmlns:r="http://schemas.openxmlformats.org/officeDocument/2006/relationships" xmlns:p="http://schemas.openxmlformats.org/presentationml/2006/main" showMasterPhAnim="0">
   <p:cSld>
     <p:spTree>
@@ -29304,7 +29198,7 @@
 </p:sld>
 </file>
 
-<file path=ppt/slides/slide67.xml><?xml version="1.0" encoding="utf-8"?>
+<file path=ppt/slides/slide66.xml><?xml version="1.0" encoding="utf-8"?>
 <p:sld xmlns:a="http://schemas.openxmlformats.org/drawingml/2006/main" xmlns:r="http://schemas.openxmlformats.org/officeDocument/2006/relationships" xmlns:p="http://schemas.openxmlformats.org/presentationml/2006/main" showMasterPhAnim="0">
   <p:cSld>
     <p:spTree>
@@ -29763,7 +29657,7 @@
 </p:sld>
 </file>
 
-<file path=ppt/slides/slide68.xml><?xml version="1.0" encoding="utf-8"?>
+<file path=ppt/slides/slide67.xml><?xml version="1.0" encoding="utf-8"?>
 <p:sld xmlns:a="http://schemas.openxmlformats.org/drawingml/2006/main" xmlns:r="http://schemas.openxmlformats.org/officeDocument/2006/relationships" xmlns:p="http://schemas.openxmlformats.org/presentationml/2006/main" showMasterPhAnim="0">
   <p:cSld>
     <p:spTree>
@@ -30019,7 +29913,7 @@
 </p:sld>
 </file>
 
-<file path=ppt/slides/slide69.xml><?xml version="1.0" encoding="utf-8"?>
+<file path=ppt/slides/slide68.xml><?xml version="1.0" encoding="utf-8"?>
 <p:sld xmlns:a="http://schemas.openxmlformats.org/drawingml/2006/main" xmlns:r="http://schemas.openxmlformats.org/officeDocument/2006/relationships" xmlns:p="http://schemas.openxmlformats.org/presentationml/2006/main" showMasterPhAnim="0">
   <p:cSld>
     <p:spTree>
@@ -30538,6 +30432,519 @@
     <p:extLst>
       <p:ext uri="{BB962C8B-B14F-4D97-AF65-F5344CB8AC3E}">
         <p14:creationId xmlns:p14="http://schemas.microsoft.com/office/powerpoint/2010/main" val="3135521793"/>
+      </p:ext>
+    </p:extLst>
+  </p:cSld>
+  <p:clrMapOvr>
+    <a:masterClrMapping/>
+  </p:clrMapOvr>
+</p:sld>
+</file>
+
+<file path=ppt/slides/slide69.xml><?xml version="1.0" encoding="utf-8"?>
+<p:sld xmlns:a="http://schemas.openxmlformats.org/drawingml/2006/main" xmlns:r="http://schemas.openxmlformats.org/officeDocument/2006/relationships" xmlns:p="http://schemas.openxmlformats.org/presentationml/2006/main" showMasterPhAnim="0">
+  <p:cSld>
+    <p:spTree>
+      <p:nvGrpSpPr>
+        <p:cNvPr id="1" name="">
+          <a:extLst>
+            <a:ext uri="{FF2B5EF4-FFF2-40B4-BE49-F238E27FC236}">
+              <a16:creationId xmlns:a16="http://schemas.microsoft.com/office/drawing/2014/main" id="{4C98DD18-58BF-7A0D-7812-643C43AC546E}"/>
+            </a:ext>
+          </a:extLst>
+        </p:cNvPr>
+        <p:cNvGrpSpPr/>
+        <p:nvPr/>
+      </p:nvGrpSpPr>
+      <p:grpSpPr bwMode="auto">
+        <a:xfrm>
+          <a:off x="0" y="0"/>
+          <a:ext cx="0" cy="0"/>
+          <a:chOff x="0" y="0"/>
+          <a:chExt cx="0" cy="0"/>
+        </a:xfrm>
+      </p:grpSpPr>
+      <p:sp>
+        <p:nvSpPr>
+          <p:cNvPr id="1770641224" name="Title 1">
+            <a:extLst>
+              <a:ext uri="{FF2B5EF4-FFF2-40B4-BE49-F238E27FC236}">
+                <a16:creationId xmlns:a16="http://schemas.microsoft.com/office/drawing/2014/main" id="{9AED189B-8A33-F151-E39B-E4E199B98B43}"/>
+              </a:ext>
+            </a:extLst>
+          </p:cNvPr>
+          <p:cNvSpPr>
+            <a:spLocks noGrp="1"/>
+          </p:cNvSpPr>
+          <p:nvPr>
+            <p:ph type="title"/>
+          </p:nvPr>
+        </p:nvSpPr>
+        <p:spPr bwMode="auto"/>
+        <p:txBody>
+          <a:bodyPr/>
+          <a:lstStyle/>
+          <a:p>
+            <a:pPr>
+              <a:defRPr/>
+            </a:pPr>
+            <a:r>
+              <a:rPr lang="de-DE" dirty="0"/>
+              <a:t>Simulierte Bewertungsfunktion </a:t>
+            </a:r>
+            <a:endParaRPr dirty="0"/>
+          </a:p>
+        </p:txBody>
+      </p:sp>
+      <p:sp>
+        <p:nvSpPr>
+          <p:cNvPr id="998545421" name="Content Placeholder 2">
+            <a:extLst>
+              <a:ext uri="{FF2B5EF4-FFF2-40B4-BE49-F238E27FC236}">
+                <a16:creationId xmlns:a16="http://schemas.microsoft.com/office/drawing/2014/main" id="{917A18F9-99CB-F19C-1254-987F9700082F}"/>
+              </a:ext>
+            </a:extLst>
+          </p:cNvPr>
+          <p:cNvSpPr>
+            <a:spLocks noGrp="1"/>
+          </p:cNvSpPr>
+          <p:nvPr>
+            <p:ph idx="1"/>
+          </p:nvPr>
+        </p:nvSpPr>
+        <p:spPr bwMode="auto">
+          <a:xfrm>
+            <a:off x="521208" y="2569555"/>
+            <a:ext cx="11155680" cy="3767328"/>
+          </a:xfrm>
+        </p:spPr>
+        <p:txBody>
+          <a:bodyPr/>
+          <a:lstStyle/>
+          <a:p>
+            <a:pPr>
+              <a:defRPr/>
+            </a:pPr>
+            <a:endParaRPr dirty="0"/>
+          </a:p>
+          <a:p>
+            <a:pPr>
+              <a:defRPr sz="1800">
+                <a:solidFill>
+                  <a:srgbClr val="000000"/>
+                </a:solidFill>
+              </a:defRPr>
+            </a:pPr>
+            <a:endParaRPr dirty="0"/>
+          </a:p>
+        </p:txBody>
+      </p:sp>
+      <p:sp>
+        <p:nvSpPr>
+          <p:cNvPr id="2147178039" name="Content Placeholder 2">
+            <a:extLst>
+              <a:ext uri="{FF2B5EF4-FFF2-40B4-BE49-F238E27FC236}">
+                <a16:creationId xmlns:a16="http://schemas.microsoft.com/office/drawing/2014/main" id="{4DE21F6F-C094-5EB1-D7AA-10280B011D33}"/>
+              </a:ext>
+            </a:extLst>
+          </p:cNvPr>
+          <p:cNvSpPr>
+            <a:spLocks noGrp="1"/>
+          </p:cNvSpPr>
+          <p:nvPr/>
+        </p:nvSpPr>
+        <p:spPr bwMode="auto">
+          <a:xfrm>
+            <a:off x="592205" y="1676731"/>
+            <a:ext cx="4894195" cy="4381168"/>
+          </a:xfrm>
+        </p:spPr>
+        <p:txBody>
+          <a:bodyPr vertOverflow="overflow" horzOverflow="overflow" vert="horz" wrap="square" lIns="91440" tIns="45720" rIns="91440" bIns="45720" numCol="1" spcCol="0" rtlCol="0" fromWordArt="0" anchor="t" anchorCtr="0" forceAA="0" compatLnSpc="0">
+            <a:normAutofit fontScale="95000" lnSpcReduction="10000"/>
+          </a:bodyPr>
+          <a:lstStyle>
+            <a:lvl1pPr marL="228600" indent="-228600" algn="l" defTabSz="914400">
+              <a:lnSpc>
+                <a:spcPct val="110000"/>
+              </a:lnSpc>
+              <a:spcBef>
+                <a:spcPts val="999"/>
+              </a:spcBef>
+              <a:buFont typeface="Arial"/>
+              <a:buChar char="•"/>
+              <a:defRPr sz="1800">
+                <a:solidFill>
+                  <a:schemeClr val="tx1"/>
+                </a:solidFill>
+                <a:latin typeface="+mn-lt"/>
+                <a:ea typeface="+mn-ea"/>
+                <a:cs typeface="+mn-cs"/>
+              </a:defRPr>
+            </a:lvl1pPr>
+            <a:lvl2pPr marL="685800" indent="-228600" algn="l" defTabSz="914400">
+              <a:lnSpc>
+                <a:spcPct val="110000"/>
+              </a:lnSpc>
+              <a:spcBef>
+                <a:spcPts val="499"/>
+              </a:spcBef>
+              <a:buFont typeface="Arial"/>
+              <a:buChar char="•"/>
+              <a:defRPr sz="1600">
+                <a:solidFill>
+                  <a:schemeClr val="tx1"/>
+                </a:solidFill>
+                <a:latin typeface="+mn-lt"/>
+                <a:ea typeface="+mn-ea"/>
+                <a:cs typeface="+mn-cs"/>
+              </a:defRPr>
+            </a:lvl2pPr>
+            <a:lvl3pPr marL="1143000" indent="-228600" algn="l" defTabSz="914400">
+              <a:lnSpc>
+                <a:spcPct val="110000"/>
+              </a:lnSpc>
+              <a:spcBef>
+                <a:spcPts val="499"/>
+              </a:spcBef>
+              <a:buFont typeface="Arial"/>
+              <a:buChar char="•"/>
+              <a:defRPr sz="1400">
+                <a:solidFill>
+                  <a:schemeClr val="tx1"/>
+                </a:solidFill>
+                <a:latin typeface="+mn-lt"/>
+                <a:ea typeface="+mn-ea"/>
+                <a:cs typeface="+mn-cs"/>
+              </a:defRPr>
+            </a:lvl3pPr>
+            <a:lvl4pPr marL="1600200" indent="-228600" algn="l" defTabSz="914400">
+              <a:lnSpc>
+                <a:spcPct val="110000"/>
+              </a:lnSpc>
+              <a:spcBef>
+                <a:spcPts val="499"/>
+              </a:spcBef>
+              <a:buFont typeface="Arial"/>
+              <a:buChar char="•"/>
+              <a:defRPr sz="1200">
+                <a:solidFill>
+                  <a:schemeClr val="tx1"/>
+                </a:solidFill>
+                <a:latin typeface="+mn-lt"/>
+                <a:ea typeface="+mn-ea"/>
+                <a:cs typeface="+mn-cs"/>
+              </a:defRPr>
+            </a:lvl4pPr>
+            <a:lvl5pPr marL="2057400" indent="-228600" algn="l" defTabSz="914400">
+              <a:lnSpc>
+                <a:spcPct val="110000"/>
+              </a:lnSpc>
+              <a:spcBef>
+                <a:spcPts val="499"/>
+              </a:spcBef>
+              <a:buFont typeface="Arial"/>
+              <a:buChar char="•"/>
+              <a:defRPr sz="1200">
+                <a:solidFill>
+                  <a:schemeClr val="tx1"/>
+                </a:solidFill>
+                <a:latin typeface="+mn-lt"/>
+                <a:ea typeface="+mn-ea"/>
+                <a:cs typeface="+mn-cs"/>
+              </a:defRPr>
+            </a:lvl5pPr>
+            <a:lvl6pPr marL="2514599" indent="-228600" algn="l" defTabSz="914400">
+              <a:lnSpc>
+                <a:spcPct val="90000"/>
+              </a:lnSpc>
+              <a:spcBef>
+                <a:spcPts val="499"/>
+              </a:spcBef>
+              <a:buFont typeface="Arial"/>
+              <a:buChar char="•"/>
+              <a:defRPr sz="1800">
+                <a:solidFill>
+                  <a:schemeClr val="tx1"/>
+                </a:solidFill>
+                <a:latin typeface="+mn-lt"/>
+                <a:ea typeface="+mn-ea"/>
+                <a:cs typeface="+mn-cs"/>
+              </a:defRPr>
+            </a:lvl6pPr>
+            <a:lvl7pPr marL="2971800" indent="-228600" algn="l" defTabSz="914400">
+              <a:lnSpc>
+                <a:spcPct val="90000"/>
+              </a:lnSpc>
+              <a:spcBef>
+                <a:spcPts val="499"/>
+              </a:spcBef>
+              <a:buFont typeface="Arial"/>
+              <a:buChar char="•"/>
+              <a:defRPr sz="1800">
+                <a:solidFill>
+                  <a:schemeClr val="tx1"/>
+                </a:solidFill>
+                <a:latin typeface="+mn-lt"/>
+                <a:ea typeface="+mn-ea"/>
+                <a:cs typeface="+mn-cs"/>
+              </a:defRPr>
+            </a:lvl7pPr>
+            <a:lvl8pPr marL="3429000" indent="-228600" algn="l" defTabSz="914400">
+              <a:lnSpc>
+                <a:spcPct val="90000"/>
+              </a:lnSpc>
+              <a:spcBef>
+                <a:spcPts val="499"/>
+              </a:spcBef>
+              <a:buFont typeface="Arial"/>
+              <a:buChar char="•"/>
+              <a:defRPr sz="1800">
+                <a:solidFill>
+                  <a:schemeClr val="tx1"/>
+                </a:solidFill>
+                <a:latin typeface="+mn-lt"/>
+                <a:ea typeface="+mn-ea"/>
+                <a:cs typeface="+mn-cs"/>
+              </a:defRPr>
+            </a:lvl8pPr>
+            <a:lvl9pPr marL="3886200" indent="-228600" algn="l" defTabSz="914400">
+              <a:lnSpc>
+                <a:spcPct val="90000"/>
+              </a:lnSpc>
+              <a:spcBef>
+                <a:spcPts val="499"/>
+              </a:spcBef>
+              <a:buFont typeface="Arial"/>
+              <a:buChar char="•"/>
+              <a:defRPr sz="1800">
+                <a:solidFill>
+                  <a:schemeClr val="tx1"/>
+                </a:solidFill>
+                <a:latin typeface="+mn-lt"/>
+                <a:ea typeface="+mn-ea"/>
+                <a:cs typeface="+mn-cs"/>
+              </a:defRPr>
+            </a:lvl9pPr>
+          </a:lstStyle>
+          <a:p>
+            <a:pPr marL="0" marR="0" lvl="0" indent="0" algn="l" defTabSz="914400" eaLnBrk="1" fontAlgn="auto" latinLnBrk="0" hangingPunct="1">
+              <a:lnSpc>
+                <a:spcPct val="110000"/>
+              </a:lnSpc>
+              <a:spcBef>
+                <a:spcPts val="999"/>
+              </a:spcBef>
+              <a:spcAft>
+                <a:spcPts val="0"/>
+              </a:spcAft>
+              <a:buClrTx/>
+              <a:buSzTx/>
+              <a:buFont typeface="Arial"/>
+              <a:buNone/>
+              <a:tabLst/>
+              <a:defRPr sz="1800">
+                <a:solidFill>
+                  <a:srgbClr val="000000"/>
+                </a:solidFill>
+              </a:defRPr>
+            </a:pPr>
+            <a:endParaRPr kumimoji="0" sz="1600" b="0" i="0" u="none" strike="noStrike" kern="0" cap="none" spc="0" normalizeH="0" baseline="0" noProof="0" dirty="0">
+              <a:ln>
+                <a:noFill/>
+              </a:ln>
+              <a:solidFill>
+                <a:srgbClr val="000000"/>
+              </a:solidFill>
+              <a:effectLst/>
+              <a:uLnTx/>
+              <a:uFillTx/>
+              <a:latin typeface="Bierstadt"/>
+              <a:cs typeface="Arial"/>
+            </a:endParaRPr>
+          </a:p>
+          <a:p>
+            <a:pPr marR="0" lvl="0" eaLnBrk="1" fontAlgn="auto" latinLnBrk="0" hangingPunct="1">
+              <a:lnSpc>
+                <a:spcPct val="111000"/>
+              </a:lnSpc>
+              <a:spcBef>
+                <a:spcPts val="999"/>
+              </a:spcBef>
+              <a:spcAft>
+                <a:spcPts val="0"/>
+              </a:spcAft>
+              <a:buClrTx/>
+              <a:buSzTx/>
+              <a:tabLst/>
+              <a:defRPr/>
+            </a:pPr>
+            <a:r>
+              <a:rPr lang="de-DE" sz="1900" dirty="0"/>
+              <a:t>Nur das Modell auf </a:t>
+            </a:r>
+            <a:r>
+              <a:rPr lang="de-DE" sz="1900" b="1" dirty="0"/>
+              <a:t>vollständigem Datensatz </a:t>
+            </a:r>
+            <a:r>
+              <a:rPr lang="de-DE" sz="1900" dirty="0"/>
+              <a:t>kann die tatsächliche Bewertungsfunktion realitätsnah approximieren</a:t>
+            </a:r>
+          </a:p>
+          <a:p>
+            <a:pPr marR="0" lvl="0" eaLnBrk="1" fontAlgn="auto" latinLnBrk="0" hangingPunct="1">
+              <a:lnSpc>
+                <a:spcPct val="111000"/>
+              </a:lnSpc>
+              <a:spcBef>
+                <a:spcPts val="999"/>
+              </a:spcBef>
+              <a:spcAft>
+                <a:spcPts val="0"/>
+              </a:spcAft>
+              <a:buClrTx/>
+              <a:buSzTx/>
+              <a:tabLst/>
+              <a:defRPr/>
+            </a:pPr>
+            <a:endParaRPr lang="de-DE" sz="1900" dirty="0"/>
+          </a:p>
+          <a:p>
+            <a:pPr marR="0" lvl="0" eaLnBrk="1" fontAlgn="auto" latinLnBrk="0" hangingPunct="1">
+              <a:lnSpc>
+                <a:spcPct val="111000"/>
+              </a:lnSpc>
+              <a:spcBef>
+                <a:spcPts val="999"/>
+              </a:spcBef>
+              <a:spcAft>
+                <a:spcPts val="0"/>
+              </a:spcAft>
+              <a:buClrTx/>
+              <a:buSzTx/>
+              <a:tabLst/>
+              <a:defRPr/>
+            </a:pPr>
+            <a:r>
+              <a:rPr lang="de-DE" sz="1900" dirty="0"/>
+              <a:t>Andere Varianten (</a:t>
+            </a:r>
+            <a:r>
+              <a:rPr lang="de-DE" sz="1900" dirty="0" err="1"/>
+              <a:t>balanced</a:t>
+            </a:r>
+            <a:r>
+              <a:rPr lang="de-DE" sz="1900" dirty="0"/>
+              <a:t> / </a:t>
+            </a:r>
+            <a:r>
+              <a:rPr lang="de-DE" sz="1900" dirty="0" err="1"/>
+              <a:t>damage-only</a:t>
+            </a:r>
+            <a:r>
+              <a:rPr lang="de-DE" sz="1900" dirty="0"/>
+              <a:t>) liefern massiv verzerrte Werte (falsche Mittelwerte: 5.1 / 4.7 statt 0.21)</a:t>
+            </a:r>
+          </a:p>
+          <a:p>
+            <a:pPr marR="0" lvl="0" eaLnBrk="1" fontAlgn="auto" latinLnBrk="0" hangingPunct="1">
+              <a:lnSpc>
+                <a:spcPct val="111000"/>
+              </a:lnSpc>
+              <a:spcBef>
+                <a:spcPts val="999"/>
+              </a:spcBef>
+              <a:spcAft>
+                <a:spcPts val="0"/>
+              </a:spcAft>
+              <a:buClrTx/>
+              <a:buSzTx/>
+              <a:tabLst/>
+              <a:defRPr/>
+            </a:pPr>
+            <a:endParaRPr lang="de-DE" sz="1900" dirty="0"/>
+          </a:p>
+          <a:p>
+            <a:pPr marR="0" lvl="0" eaLnBrk="1" fontAlgn="auto" latinLnBrk="0" hangingPunct="1">
+              <a:lnSpc>
+                <a:spcPct val="111000"/>
+              </a:lnSpc>
+              <a:spcBef>
+                <a:spcPts val="999"/>
+              </a:spcBef>
+              <a:spcAft>
+                <a:spcPts val="0"/>
+              </a:spcAft>
+              <a:buClrTx/>
+              <a:buSzTx/>
+              <a:tabLst/>
+              <a:defRPr/>
+            </a:pPr>
+            <a:r>
+              <a:rPr lang="de-DE" sz="1900" b="1" dirty="0"/>
+              <a:t>Modell ist leicht optimistisch</a:t>
+            </a:r>
+            <a:r>
+              <a:rPr lang="de-DE" sz="1900" dirty="0"/>
+              <a:t>, aber klar robustester Ansatz für praxisnahe Entscheidungen</a:t>
+            </a:r>
+            <a:endParaRPr lang="de-DE" sz="1700" dirty="0"/>
+          </a:p>
+          <a:p>
+            <a:pPr marR="0" lvl="0" eaLnBrk="1" fontAlgn="auto" latinLnBrk="0" hangingPunct="1">
+              <a:lnSpc>
+                <a:spcPct val="111000"/>
+              </a:lnSpc>
+              <a:spcBef>
+                <a:spcPts val="999"/>
+              </a:spcBef>
+              <a:spcAft>
+                <a:spcPts val="0"/>
+              </a:spcAft>
+              <a:buClrTx/>
+              <a:buSzTx/>
+              <a:tabLst/>
+              <a:defRPr/>
+            </a:pPr>
+            <a:endParaRPr lang="de-DE" sz="1900" dirty="0"/>
+          </a:p>
+        </p:txBody>
+      </p:sp>
+      <p:pic>
+        <p:nvPicPr>
+          <p:cNvPr id="3" name="Grafik 2">
+            <a:extLst>
+              <a:ext uri="{FF2B5EF4-FFF2-40B4-BE49-F238E27FC236}">
+                <a16:creationId xmlns:a16="http://schemas.microsoft.com/office/drawing/2014/main" id="{3B2ABD0D-86F2-ABF5-6CF1-0A1ED30B6727}"/>
+              </a:ext>
+            </a:extLst>
+          </p:cNvPr>
+          <p:cNvPicPr>
+            <a:picLocks noChangeAspect="1"/>
+          </p:cNvPicPr>
+          <p:nvPr/>
+        </p:nvPicPr>
+        <p:blipFill>
+          <a:blip r:embed="rId3"/>
+          <a:stretch>
+            <a:fillRect/>
+          </a:stretch>
+        </p:blipFill>
+        <p:spPr>
+          <a:xfrm>
+            <a:off x="6309822" y="1975600"/>
+            <a:ext cx="5005879" cy="3565440"/>
+          </a:xfrm>
+          <a:prstGeom prst="rect">
+            <a:avLst/>
+          </a:prstGeom>
+        </p:spPr>
+      </p:pic>
+    </p:spTree>
+    <p:extLst>
+      <p:ext uri="{BB962C8B-B14F-4D97-AF65-F5344CB8AC3E}">
+        <p14:creationId xmlns:p14="http://schemas.microsoft.com/office/powerpoint/2010/main" val="978811101"/>
       </p:ext>
     </p:extLst>
   </p:cSld>
@@ -30958,519 +31365,6 @@
         <p:cNvPr id="1" name="">
           <a:extLst>
             <a:ext uri="{FF2B5EF4-FFF2-40B4-BE49-F238E27FC236}">
-              <a16:creationId xmlns:a16="http://schemas.microsoft.com/office/drawing/2014/main" id="{4C98DD18-58BF-7A0D-7812-643C43AC546E}"/>
-            </a:ext>
-          </a:extLst>
-        </p:cNvPr>
-        <p:cNvGrpSpPr/>
-        <p:nvPr/>
-      </p:nvGrpSpPr>
-      <p:grpSpPr bwMode="auto">
-        <a:xfrm>
-          <a:off x="0" y="0"/>
-          <a:ext cx="0" cy="0"/>
-          <a:chOff x="0" y="0"/>
-          <a:chExt cx="0" cy="0"/>
-        </a:xfrm>
-      </p:grpSpPr>
-      <p:sp>
-        <p:nvSpPr>
-          <p:cNvPr id="1770641224" name="Title 1">
-            <a:extLst>
-              <a:ext uri="{FF2B5EF4-FFF2-40B4-BE49-F238E27FC236}">
-                <a16:creationId xmlns:a16="http://schemas.microsoft.com/office/drawing/2014/main" id="{9AED189B-8A33-F151-E39B-E4E199B98B43}"/>
-              </a:ext>
-            </a:extLst>
-          </p:cNvPr>
-          <p:cNvSpPr>
-            <a:spLocks noGrp="1"/>
-          </p:cNvSpPr>
-          <p:nvPr>
-            <p:ph type="title"/>
-          </p:nvPr>
-        </p:nvSpPr>
-        <p:spPr bwMode="auto"/>
-        <p:txBody>
-          <a:bodyPr/>
-          <a:lstStyle/>
-          <a:p>
-            <a:pPr>
-              <a:defRPr/>
-            </a:pPr>
-            <a:r>
-              <a:rPr lang="de-DE" dirty="0"/>
-              <a:t>Simulierte Bewertungsfunktion </a:t>
-            </a:r>
-            <a:endParaRPr dirty="0"/>
-          </a:p>
-        </p:txBody>
-      </p:sp>
-      <p:sp>
-        <p:nvSpPr>
-          <p:cNvPr id="998545421" name="Content Placeholder 2">
-            <a:extLst>
-              <a:ext uri="{FF2B5EF4-FFF2-40B4-BE49-F238E27FC236}">
-                <a16:creationId xmlns:a16="http://schemas.microsoft.com/office/drawing/2014/main" id="{917A18F9-99CB-F19C-1254-987F9700082F}"/>
-              </a:ext>
-            </a:extLst>
-          </p:cNvPr>
-          <p:cNvSpPr>
-            <a:spLocks noGrp="1"/>
-          </p:cNvSpPr>
-          <p:nvPr>
-            <p:ph idx="1"/>
-          </p:nvPr>
-        </p:nvSpPr>
-        <p:spPr bwMode="auto">
-          <a:xfrm>
-            <a:off x="521208" y="2569555"/>
-            <a:ext cx="11155680" cy="3767328"/>
-          </a:xfrm>
-        </p:spPr>
-        <p:txBody>
-          <a:bodyPr/>
-          <a:lstStyle/>
-          <a:p>
-            <a:pPr>
-              <a:defRPr/>
-            </a:pPr>
-            <a:endParaRPr dirty="0"/>
-          </a:p>
-          <a:p>
-            <a:pPr>
-              <a:defRPr sz="1800">
-                <a:solidFill>
-                  <a:srgbClr val="000000"/>
-                </a:solidFill>
-              </a:defRPr>
-            </a:pPr>
-            <a:endParaRPr dirty="0"/>
-          </a:p>
-        </p:txBody>
-      </p:sp>
-      <p:sp>
-        <p:nvSpPr>
-          <p:cNvPr id="2147178039" name="Content Placeholder 2">
-            <a:extLst>
-              <a:ext uri="{FF2B5EF4-FFF2-40B4-BE49-F238E27FC236}">
-                <a16:creationId xmlns:a16="http://schemas.microsoft.com/office/drawing/2014/main" id="{4DE21F6F-C094-5EB1-D7AA-10280B011D33}"/>
-              </a:ext>
-            </a:extLst>
-          </p:cNvPr>
-          <p:cNvSpPr>
-            <a:spLocks noGrp="1"/>
-          </p:cNvSpPr>
-          <p:nvPr/>
-        </p:nvSpPr>
-        <p:spPr bwMode="auto">
-          <a:xfrm>
-            <a:off x="592205" y="1676731"/>
-            <a:ext cx="4894195" cy="4381168"/>
-          </a:xfrm>
-        </p:spPr>
-        <p:txBody>
-          <a:bodyPr vertOverflow="overflow" horzOverflow="overflow" vert="horz" wrap="square" lIns="91440" tIns="45720" rIns="91440" bIns="45720" numCol="1" spcCol="0" rtlCol="0" fromWordArt="0" anchor="t" anchorCtr="0" forceAA="0" compatLnSpc="0">
-            <a:normAutofit fontScale="95000" lnSpcReduction="10000"/>
-          </a:bodyPr>
-          <a:lstStyle>
-            <a:lvl1pPr marL="228600" indent="-228600" algn="l" defTabSz="914400">
-              <a:lnSpc>
-                <a:spcPct val="110000"/>
-              </a:lnSpc>
-              <a:spcBef>
-                <a:spcPts val="999"/>
-              </a:spcBef>
-              <a:buFont typeface="Arial"/>
-              <a:buChar char="•"/>
-              <a:defRPr sz="1800">
-                <a:solidFill>
-                  <a:schemeClr val="tx1"/>
-                </a:solidFill>
-                <a:latin typeface="+mn-lt"/>
-                <a:ea typeface="+mn-ea"/>
-                <a:cs typeface="+mn-cs"/>
-              </a:defRPr>
-            </a:lvl1pPr>
-            <a:lvl2pPr marL="685800" indent="-228600" algn="l" defTabSz="914400">
-              <a:lnSpc>
-                <a:spcPct val="110000"/>
-              </a:lnSpc>
-              <a:spcBef>
-                <a:spcPts val="499"/>
-              </a:spcBef>
-              <a:buFont typeface="Arial"/>
-              <a:buChar char="•"/>
-              <a:defRPr sz="1600">
-                <a:solidFill>
-                  <a:schemeClr val="tx1"/>
-                </a:solidFill>
-                <a:latin typeface="+mn-lt"/>
-                <a:ea typeface="+mn-ea"/>
-                <a:cs typeface="+mn-cs"/>
-              </a:defRPr>
-            </a:lvl2pPr>
-            <a:lvl3pPr marL="1143000" indent="-228600" algn="l" defTabSz="914400">
-              <a:lnSpc>
-                <a:spcPct val="110000"/>
-              </a:lnSpc>
-              <a:spcBef>
-                <a:spcPts val="499"/>
-              </a:spcBef>
-              <a:buFont typeface="Arial"/>
-              <a:buChar char="•"/>
-              <a:defRPr sz="1400">
-                <a:solidFill>
-                  <a:schemeClr val="tx1"/>
-                </a:solidFill>
-                <a:latin typeface="+mn-lt"/>
-                <a:ea typeface="+mn-ea"/>
-                <a:cs typeface="+mn-cs"/>
-              </a:defRPr>
-            </a:lvl3pPr>
-            <a:lvl4pPr marL="1600200" indent="-228600" algn="l" defTabSz="914400">
-              <a:lnSpc>
-                <a:spcPct val="110000"/>
-              </a:lnSpc>
-              <a:spcBef>
-                <a:spcPts val="499"/>
-              </a:spcBef>
-              <a:buFont typeface="Arial"/>
-              <a:buChar char="•"/>
-              <a:defRPr sz="1200">
-                <a:solidFill>
-                  <a:schemeClr val="tx1"/>
-                </a:solidFill>
-                <a:latin typeface="+mn-lt"/>
-                <a:ea typeface="+mn-ea"/>
-                <a:cs typeface="+mn-cs"/>
-              </a:defRPr>
-            </a:lvl4pPr>
-            <a:lvl5pPr marL="2057400" indent="-228600" algn="l" defTabSz="914400">
-              <a:lnSpc>
-                <a:spcPct val="110000"/>
-              </a:lnSpc>
-              <a:spcBef>
-                <a:spcPts val="499"/>
-              </a:spcBef>
-              <a:buFont typeface="Arial"/>
-              <a:buChar char="•"/>
-              <a:defRPr sz="1200">
-                <a:solidFill>
-                  <a:schemeClr val="tx1"/>
-                </a:solidFill>
-                <a:latin typeface="+mn-lt"/>
-                <a:ea typeface="+mn-ea"/>
-                <a:cs typeface="+mn-cs"/>
-              </a:defRPr>
-            </a:lvl5pPr>
-            <a:lvl6pPr marL="2514599" indent="-228600" algn="l" defTabSz="914400">
-              <a:lnSpc>
-                <a:spcPct val="90000"/>
-              </a:lnSpc>
-              <a:spcBef>
-                <a:spcPts val="499"/>
-              </a:spcBef>
-              <a:buFont typeface="Arial"/>
-              <a:buChar char="•"/>
-              <a:defRPr sz="1800">
-                <a:solidFill>
-                  <a:schemeClr val="tx1"/>
-                </a:solidFill>
-                <a:latin typeface="+mn-lt"/>
-                <a:ea typeface="+mn-ea"/>
-                <a:cs typeface="+mn-cs"/>
-              </a:defRPr>
-            </a:lvl6pPr>
-            <a:lvl7pPr marL="2971800" indent="-228600" algn="l" defTabSz="914400">
-              <a:lnSpc>
-                <a:spcPct val="90000"/>
-              </a:lnSpc>
-              <a:spcBef>
-                <a:spcPts val="499"/>
-              </a:spcBef>
-              <a:buFont typeface="Arial"/>
-              <a:buChar char="•"/>
-              <a:defRPr sz="1800">
-                <a:solidFill>
-                  <a:schemeClr val="tx1"/>
-                </a:solidFill>
-                <a:latin typeface="+mn-lt"/>
-                <a:ea typeface="+mn-ea"/>
-                <a:cs typeface="+mn-cs"/>
-              </a:defRPr>
-            </a:lvl7pPr>
-            <a:lvl8pPr marL="3429000" indent="-228600" algn="l" defTabSz="914400">
-              <a:lnSpc>
-                <a:spcPct val="90000"/>
-              </a:lnSpc>
-              <a:spcBef>
-                <a:spcPts val="499"/>
-              </a:spcBef>
-              <a:buFont typeface="Arial"/>
-              <a:buChar char="•"/>
-              <a:defRPr sz="1800">
-                <a:solidFill>
-                  <a:schemeClr val="tx1"/>
-                </a:solidFill>
-                <a:latin typeface="+mn-lt"/>
-                <a:ea typeface="+mn-ea"/>
-                <a:cs typeface="+mn-cs"/>
-              </a:defRPr>
-            </a:lvl8pPr>
-            <a:lvl9pPr marL="3886200" indent="-228600" algn="l" defTabSz="914400">
-              <a:lnSpc>
-                <a:spcPct val="90000"/>
-              </a:lnSpc>
-              <a:spcBef>
-                <a:spcPts val="499"/>
-              </a:spcBef>
-              <a:buFont typeface="Arial"/>
-              <a:buChar char="•"/>
-              <a:defRPr sz="1800">
-                <a:solidFill>
-                  <a:schemeClr val="tx1"/>
-                </a:solidFill>
-                <a:latin typeface="+mn-lt"/>
-                <a:ea typeface="+mn-ea"/>
-                <a:cs typeface="+mn-cs"/>
-              </a:defRPr>
-            </a:lvl9pPr>
-          </a:lstStyle>
-          <a:p>
-            <a:pPr marL="0" marR="0" lvl="0" indent="0" algn="l" defTabSz="914400" eaLnBrk="1" fontAlgn="auto" latinLnBrk="0" hangingPunct="1">
-              <a:lnSpc>
-                <a:spcPct val="110000"/>
-              </a:lnSpc>
-              <a:spcBef>
-                <a:spcPts val="999"/>
-              </a:spcBef>
-              <a:spcAft>
-                <a:spcPts val="0"/>
-              </a:spcAft>
-              <a:buClrTx/>
-              <a:buSzTx/>
-              <a:buFont typeface="Arial"/>
-              <a:buNone/>
-              <a:tabLst/>
-              <a:defRPr sz="1800">
-                <a:solidFill>
-                  <a:srgbClr val="000000"/>
-                </a:solidFill>
-              </a:defRPr>
-            </a:pPr>
-            <a:endParaRPr kumimoji="0" sz="1600" b="0" i="0" u="none" strike="noStrike" kern="0" cap="none" spc="0" normalizeH="0" baseline="0" noProof="0" dirty="0">
-              <a:ln>
-                <a:noFill/>
-              </a:ln>
-              <a:solidFill>
-                <a:srgbClr val="000000"/>
-              </a:solidFill>
-              <a:effectLst/>
-              <a:uLnTx/>
-              <a:uFillTx/>
-              <a:latin typeface="Bierstadt"/>
-              <a:cs typeface="Arial"/>
-            </a:endParaRPr>
-          </a:p>
-          <a:p>
-            <a:pPr marR="0" lvl="0" eaLnBrk="1" fontAlgn="auto" latinLnBrk="0" hangingPunct="1">
-              <a:lnSpc>
-                <a:spcPct val="111000"/>
-              </a:lnSpc>
-              <a:spcBef>
-                <a:spcPts val="999"/>
-              </a:spcBef>
-              <a:spcAft>
-                <a:spcPts val="0"/>
-              </a:spcAft>
-              <a:buClrTx/>
-              <a:buSzTx/>
-              <a:tabLst/>
-              <a:defRPr/>
-            </a:pPr>
-            <a:r>
-              <a:rPr lang="de-DE" sz="1900" dirty="0"/>
-              <a:t>Nur das Modell auf </a:t>
-            </a:r>
-            <a:r>
-              <a:rPr lang="de-DE" sz="1900" b="1" dirty="0"/>
-              <a:t>vollständigem Datensatz </a:t>
-            </a:r>
-            <a:r>
-              <a:rPr lang="de-DE" sz="1900" dirty="0"/>
-              <a:t>kann die tatsächliche Bewertungsfunktion realitätsnah approximieren</a:t>
-            </a:r>
-          </a:p>
-          <a:p>
-            <a:pPr marR="0" lvl="0" eaLnBrk="1" fontAlgn="auto" latinLnBrk="0" hangingPunct="1">
-              <a:lnSpc>
-                <a:spcPct val="111000"/>
-              </a:lnSpc>
-              <a:spcBef>
-                <a:spcPts val="999"/>
-              </a:spcBef>
-              <a:spcAft>
-                <a:spcPts val="0"/>
-              </a:spcAft>
-              <a:buClrTx/>
-              <a:buSzTx/>
-              <a:tabLst/>
-              <a:defRPr/>
-            </a:pPr>
-            <a:endParaRPr lang="de-DE" sz="1900" dirty="0"/>
-          </a:p>
-          <a:p>
-            <a:pPr marR="0" lvl="0" eaLnBrk="1" fontAlgn="auto" latinLnBrk="0" hangingPunct="1">
-              <a:lnSpc>
-                <a:spcPct val="111000"/>
-              </a:lnSpc>
-              <a:spcBef>
-                <a:spcPts val="999"/>
-              </a:spcBef>
-              <a:spcAft>
-                <a:spcPts val="0"/>
-              </a:spcAft>
-              <a:buClrTx/>
-              <a:buSzTx/>
-              <a:tabLst/>
-              <a:defRPr/>
-            </a:pPr>
-            <a:r>
-              <a:rPr lang="de-DE" sz="1900" dirty="0"/>
-              <a:t>Andere Varianten (</a:t>
-            </a:r>
-            <a:r>
-              <a:rPr lang="de-DE" sz="1900" dirty="0" err="1"/>
-              <a:t>balanced</a:t>
-            </a:r>
-            <a:r>
-              <a:rPr lang="de-DE" sz="1900" dirty="0"/>
-              <a:t> / </a:t>
-            </a:r>
-            <a:r>
-              <a:rPr lang="de-DE" sz="1900" dirty="0" err="1"/>
-              <a:t>damage-only</a:t>
-            </a:r>
-            <a:r>
-              <a:rPr lang="de-DE" sz="1900" dirty="0"/>
-              <a:t>) liefern massiv verzerrte Werte (falsche Mittelwerte: 5.1 / 4.7 statt 0.21)</a:t>
-            </a:r>
-          </a:p>
-          <a:p>
-            <a:pPr marR="0" lvl="0" eaLnBrk="1" fontAlgn="auto" latinLnBrk="0" hangingPunct="1">
-              <a:lnSpc>
-                <a:spcPct val="111000"/>
-              </a:lnSpc>
-              <a:spcBef>
-                <a:spcPts val="999"/>
-              </a:spcBef>
-              <a:spcAft>
-                <a:spcPts val="0"/>
-              </a:spcAft>
-              <a:buClrTx/>
-              <a:buSzTx/>
-              <a:tabLst/>
-              <a:defRPr/>
-            </a:pPr>
-            <a:endParaRPr lang="de-DE" sz="1900" dirty="0"/>
-          </a:p>
-          <a:p>
-            <a:pPr marR="0" lvl="0" eaLnBrk="1" fontAlgn="auto" latinLnBrk="0" hangingPunct="1">
-              <a:lnSpc>
-                <a:spcPct val="111000"/>
-              </a:lnSpc>
-              <a:spcBef>
-                <a:spcPts val="999"/>
-              </a:spcBef>
-              <a:spcAft>
-                <a:spcPts val="0"/>
-              </a:spcAft>
-              <a:buClrTx/>
-              <a:buSzTx/>
-              <a:tabLst/>
-              <a:defRPr/>
-            </a:pPr>
-            <a:r>
-              <a:rPr lang="de-DE" sz="1900" b="1" dirty="0"/>
-              <a:t>Modell ist leicht optimistisch</a:t>
-            </a:r>
-            <a:r>
-              <a:rPr lang="de-DE" sz="1900" dirty="0"/>
-              <a:t>, aber klar robustester Ansatz für praxisnahe Entscheidungen</a:t>
-            </a:r>
-            <a:endParaRPr lang="de-DE" sz="1700" dirty="0"/>
-          </a:p>
-          <a:p>
-            <a:pPr marR="0" lvl="0" eaLnBrk="1" fontAlgn="auto" latinLnBrk="0" hangingPunct="1">
-              <a:lnSpc>
-                <a:spcPct val="111000"/>
-              </a:lnSpc>
-              <a:spcBef>
-                <a:spcPts val="999"/>
-              </a:spcBef>
-              <a:spcAft>
-                <a:spcPts val="0"/>
-              </a:spcAft>
-              <a:buClrTx/>
-              <a:buSzTx/>
-              <a:tabLst/>
-              <a:defRPr/>
-            </a:pPr>
-            <a:endParaRPr lang="de-DE" sz="1900" dirty="0"/>
-          </a:p>
-        </p:txBody>
-      </p:sp>
-      <p:pic>
-        <p:nvPicPr>
-          <p:cNvPr id="3" name="Grafik 2">
-            <a:extLst>
-              <a:ext uri="{FF2B5EF4-FFF2-40B4-BE49-F238E27FC236}">
-                <a16:creationId xmlns:a16="http://schemas.microsoft.com/office/drawing/2014/main" id="{3B2ABD0D-86F2-ABF5-6CF1-0A1ED30B6727}"/>
-              </a:ext>
-            </a:extLst>
-          </p:cNvPr>
-          <p:cNvPicPr>
-            <a:picLocks noChangeAspect="1"/>
-          </p:cNvPicPr>
-          <p:nvPr/>
-        </p:nvPicPr>
-        <p:blipFill>
-          <a:blip r:embed="rId3"/>
-          <a:stretch>
-            <a:fillRect/>
-          </a:stretch>
-        </p:blipFill>
-        <p:spPr>
-          <a:xfrm>
-            <a:off x="6309822" y="1975600"/>
-            <a:ext cx="5005879" cy="3565440"/>
-          </a:xfrm>
-          <a:prstGeom prst="rect">
-            <a:avLst/>
-          </a:prstGeom>
-        </p:spPr>
-      </p:pic>
-    </p:spTree>
-    <p:extLst>
-      <p:ext uri="{BB962C8B-B14F-4D97-AF65-F5344CB8AC3E}">
-        <p14:creationId xmlns:p14="http://schemas.microsoft.com/office/powerpoint/2010/main" val="978811101"/>
-      </p:ext>
-    </p:extLst>
-  </p:cSld>
-  <p:clrMapOvr>
-    <a:masterClrMapping/>
-  </p:clrMapOvr>
-</p:sld>
-</file>
-
-<file path=ppt/slides/slide71.xml><?xml version="1.0" encoding="utf-8"?>
-<p:sld xmlns:a="http://schemas.openxmlformats.org/drawingml/2006/main" xmlns:r="http://schemas.openxmlformats.org/officeDocument/2006/relationships" xmlns:p="http://schemas.openxmlformats.org/presentationml/2006/main" showMasterPhAnim="0">
-  <p:cSld>
-    <p:spTree>
-      <p:nvGrpSpPr>
-        <p:cNvPr id="1" name="">
-          <a:extLst>
-            <a:ext uri="{FF2B5EF4-FFF2-40B4-BE49-F238E27FC236}">
               <a16:creationId xmlns:a16="http://schemas.microsoft.com/office/drawing/2014/main" id="{6B1EE17C-AFCF-CC88-0F34-DD5AF551FC47}"/>
             </a:ext>
           </a:extLst>
@@ -31911,7 +31805,7 @@
 </p:sld>
 </file>
 
-<file path=ppt/slides/slide72.xml><?xml version="1.0" encoding="utf-8"?>
+<file path=ppt/slides/slide71.xml><?xml version="1.0" encoding="utf-8"?>
 <p:sld xmlns:a="http://schemas.openxmlformats.org/drawingml/2006/main" xmlns:r="http://schemas.openxmlformats.org/officeDocument/2006/relationships" xmlns:p="http://schemas.openxmlformats.org/presentationml/2006/main" showMasterPhAnim="0">
   <p:cSld>
     <p:spTree>
@@ -32359,7 +32253,7 @@
 </p:sld>
 </file>
 
-<file path=ppt/slides/slide73.xml><?xml version="1.0" encoding="utf-8"?>
+<file path=ppt/slides/slide72.xml><?xml version="1.0" encoding="utf-8"?>
 <p:sld xmlns:a="http://schemas.openxmlformats.org/drawingml/2006/main" xmlns:r="http://schemas.openxmlformats.org/officeDocument/2006/relationships" xmlns:p="http://schemas.openxmlformats.org/presentationml/2006/main" showMasterPhAnim="0">
   <p:cSld>
     <p:spTree>
@@ -32876,7 +32770,7 @@
 </p:sld>
 </file>
 
-<file path=ppt/slides/slide74.xml><?xml version="1.0" encoding="utf-8"?>
+<file path=ppt/slides/slide73.xml><?xml version="1.0" encoding="utf-8"?>
 <p:sld xmlns:a="http://schemas.openxmlformats.org/drawingml/2006/main" xmlns:r="http://schemas.openxmlformats.org/officeDocument/2006/relationships" xmlns:p="http://schemas.openxmlformats.org/presentationml/2006/main" showMasterPhAnim="0">
   <p:cSld>
     <p:spTree>
@@ -33453,7 +33347,7 @@
 </p:sld>
 </file>
 
-<file path=ppt/slides/slide75.xml><?xml version="1.0" encoding="utf-8"?>
+<file path=ppt/slides/slide74.xml><?xml version="1.0" encoding="utf-8"?>
 <p:sld xmlns:a="http://schemas.openxmlformats.org/drawingml/2006/main" xmlns:r="http://schemas.openxmlformats.org/officeDocument/2006/relationships" xmlns:p="http://schemas.openxmlformats.org/presentationml/2006/main" showMasterPhAnim="0">
   <p:cSld>
     <p:spTree>
@@ -33624,7 +33518,7 @@
 </p:sld>
 </file>
 
-<file path=ppt/slides/slide76.xml><?xml version="1.0" encoding="utf-8"?>
+<file path=ppt/slides/slide75.xml><?xml version="1.0" encoding="utf-8"?>
 <p:sld xmlns:a="http://schemas.openxmlformats.org/drawingml/2006/main" xmlns:r="http://schemas.openxmlformats.org/officeDocument/2006/relationships" xmlns:p="http://schemas.openxmlformats.org/presentationml/2006/main" showMasterPhAnim="0">
   <p:cSld>
     <p:spTree>
@@ -34123,7 +34017,7 @@
 </p:sld>
 </file>
 
-<file path=ppt/slides/slide77.xml><?xml version="1.0" encoding="utf-8"?>
+<file path=ppt/slides/slide76.xml><?xml version="1.0" encoding="utf-8"?>
 <p:sld xmlns:a="http://schemas.openxmlformats.org/drawingml/2006/main" xmlns:r="http://schemas.openxmlformats.org/officeDocument/2006/relationships" xmlns:p="http://schemas.openxmlformats.org/presentationml/2006/main">
   <p:cSld>
     <p:spTree>
@@ -34229,7 +34123,7 @@
 </p:sld>
 </file>
 
-<file path=ppt/slides/slide78.xml><?xml version="1.0" encoding="utf-8"?>
+<file path=ppt/slides/slide77.xml><?xml version="1.0" encoding="utf-8"?>
 <p:sld xmlns:a="http://schemas.openxmlformats.org/drawingml/2006/main" xmlns:r="http://schemas.openxmlformats.org/officeDocument/2006/relationships" xmlns:p="http://schemas.openxmlformats.org/presentationml/2006/main">
   <p:cSld>
     <p:bg>
@@ -34632,7 +34526,7 @@
 </p:sld>
 </file>
 
-<file path=ppt/slides/slide79.xml><?xml version="1.0" encoding="utf-8"?>
+<file path=ppt/slides/slide78.xml><?xml version="1.0" encoding="utf-8"?>
 <p:sld xmlns:a="http://schemas.openxmlformats.org/drawingml/2006/main" xmlns:r="http://schemas.openxmlformats.org/officeDocument/2006/relationships" xmlns:p="http://schemas.openxmlformats.org/presentationml/2006/main">
   <p:cSld>
     <p:spTree>
@@ -34831,6 +34725,214 @@
         </p:txBody>
       </p:sp>
     </p:spTree>
+  </p:cSld>
+  <p:clrMapOvr>
+    <a:masterClrMapping/>
+  </p:clrMapOvr>
+</p:sld>
+</file>
+
+<file path=ppt/slides/slide79.xml><?xml version="1.0" encoding="utf-8"?>
+<p:sld xmlns:a="http://schemas.openxmlformats.org/drawingml/2006/main" xmlns:r="http://schemas.openxmlformats.org/officeDocument/2006/relationships" xmlns:p="http://schemas.openxmlformats.org/presentationml/2006/main">
+  <p:cSld>
+    <p:spTree>
+      <p:nvGrpSpPr>
+        <p:cNvPr id="1" name="">
+          <a:extLst>
+            <a:ext uri="{FF2B5EF4-FFF2-40B4-BE49-F238E27FC236}">
+              <a16:creationId xmlns:a16="http://schemas.microsoft.com/office/drawing/2014/main" id="{2474167F-9826-6C2B-23C8-FBE04A1713B9}"/>
+            </a:ext>
+          </a:extLst>
+        </p:cNvPr>
+        <p:cNvGrpSpPr/>
+        <p:nvPr/>
+      </p:nvGrpSpPr>
+      <p:grpSpPr>
+        <a:xfrm>
+          <a:off x="0" y="0"/>
+          <a:ext cx="0" cy="0"/>
+          <a:chOff x="0" y="0"/>
+          <a:chExt cx="0" cy="0"/>
+        </a:xfrm>
+      </p:grpSpPr>
+      <p:sp>
+        <p:nvSpPr>
+          <p:cNvPr id="2" name="Title 1">
+            <a:extLst>
+              <a:ext uri="{FF2B5EF4-FFF2-40B4-BE49-F238E27FC236}">
+                <a16:creationId xmlns:a16="http://schemas.microsoft.com/office/drawing/2014/main" id="{328993E5-2E22-0D56-6A20-E8E73D796285}"/>
+              </a:ext>
+            </a:extLst>
+          </p:cNvPr>
+          <p:cNvSpPr>
+            <a:spLocks noGrp="1"/>
+          </p:cNvSpPr>
+          <p:nvPr>
+            <p:ph type="title"/>
+          </p:nvPr>
+        </p:nvSpPr>
+        <p:spPr/>
+        <p:txBody>
+          <a:bodyPr/>
+          <a:lstStyle/>
+          <a:p>
+            <a:r>
+              <a:rPr lang="de-DE" dirty="0"/>
+              <a:t>Schnittstelle im Detail</a:t>
+            </a:r>
+            <a:endParaRPr dirty="0"/>
+          </a:p>
+        </p:txBody>
+      </p:sp>
+      <p:sp>
+        <p:nvSpPr>
+          <p:cNvPr id="3" name="Content Placeholder 2">
+            <a:extLst>
+              <a:ext uri="{FF2B5EF4-FFF2-40B4-BE49-F238E27FC236}">
+                <a16:creationId xmlns:a16="http://schemas.microsoft.com/office/drawing/2014/main" id="{7B9D6259-6311-2412-EC61-E18E33AC1958}"/>
+              </a:ext>
+            </a:extLst>
+          </p:cNvPr>
+          <p:cNvSpPr>
+            <a:spLocks noGrp="1"/>
+          </p:cNvSpPr>
+          <p:nvPr>
+            <p:ph idx="1"/>
+          </p:nvPr>
+        </p:nvSpPr>
+        <p:spPr>
+          <a:xfrm>
+            <a:off x="521208" y="1959429"/>
+            <a:ext cx="11149584" cy="4412233"/>
+          </a:xfrm>
+        </p:spPr>
+        <p:txBody>
+          <a:bodyPr>
+            <a:normAutofit lnSpcReduction="10000"/>
+          </a:bodyPr>
+          <a:lstStyle/>
+          <a:p>
+            <a:pPr>
+              <a:defRPr sz="1800">
+                <a:solidFill>
+                  <a:srgbClr val="000000"/>
+                </a:solidFill>
+              </a:defRPr>
+            </a:pPr>
+            <a:r>
+              <a:rPr lang="de-DE" dirty="0"/>
+              <a:t>Die in der Schnittstelle genutzten Modelle sind die vortrainierten besten Modelle der Trainingsdaten. Es findet </a:t>
+            </a:r>
+            <a:r>
+              <a:rPr lang="de-DE" b="1" dirty="0"/>
+              <a:t>kein neues Training </a:t>
+            </a:r>
+            <a:r>
+              <a:rPr lang="de-DE" dirty="0"/>
+              <a:t>innerhalb der Schnittstelle statt.</a:t>
+            </a:r>
+          </a:p>
+          <a:p>
+            <a:pPr>
+              <a:defRPr sz="1800">
+                <a:solidFill>
+                  <a:srgbClr val="000000"/>
+                </a:solidFill>
+              </a:defRPr>
+            </a:pPr>
+            <a:endParaRPr lang="de-DE" dirty="0"/>
+          </a:p>
+          <a:p>
+            <a:pPr>
+              <a:defRPr sz="1800">
+                <a:solidFill>
+                  <a:srgbClr val="000000"/>
+                </a:solidFill>
+              </a:defRPr>
+            </a:pPr>
+            <a:r>
+              <a:rPr lang="de-DE" dirty="0"/>
+              <a:t>Per </a:t>
+            </a:r>
+            <a:r>
+              <a:rPr lang="de-DE" b="1" dirty="0"/>
+              <a:t>Konfigurationsdatei</a:t>
+            </a:r>
+            <a:r>
+              <a:rPr lang="de-DE" dirty="0"/>
+              <a:t> können beliebige Werte für die Bewertungsfunktion verwendet werden (anstelle der +5 bzw. -10)</a:t>
+            </a:r>
+          </a:p>
+          <a:p>
+            <a:pPr>
+              <a:defRPr sz="1800">
+                <a:solidFill>
+                  <a:srgbClr val="000000"/>
+                </a:solidFill>
+              </a:defRPr>
+            </a:pPr>
+            <a:endParaRPr lang="de-DE" dirty="0"/>
+          </a:p>
+          <a:p>
+            <a:pPr>
+              <a:defRPr sz="1800">
+                <a:solidFill>
+                  <a:srgbClr val="000000"/>
+                </a:solidFill>
+              </a:defRPr>
+            </a:pPr>
+            <a:r>
+              <a:rPr lang="de-DE" dirty="0"/>
+              <a:t>Eingehende Daten (auf Positions- und Transaktionsebene) müssen entsprechend </a:t>
+            </a:r>
+            <a:r>
+              <a:rPr lang="de-DE" b="1" dirty="0"/>
+              <a:t>zusammengeführt und aggregiert</a:t>
+            </a:r>
+            <a:r>
+              <a:rPr lang="de-DE" dirty="0"/>
+              <a:t> werden (nur eine Zeile pro Einkauf)</a:t>
+            </a:r>
+          </a:p>
+          <a:p>
+            <a:pPr>
+              <a:defRPr sz="1800">
+                <a:solidFill>
+                  <a:srgbClr val="000000"/>
+                </a:solidFill>
+              </a:defRPr>
+            </a:pPr>
+            <a:endParaRPr lang="de-DE" dirty="0"/>
+          </a:p>
+          <a:p>
+            <a:pPr>
+              <a:defRPr sz="1800">
+                <a:solidFill>
+                  <a:srgbClr val="000000"/>
+                </a:solidFill>
+              </a:defRPr>
+            </a:pPr>
+            <a:r>
+              <a:rPr lang="de-DE" dirty="0"/>
+              <a:t>Entscheidungen des Modells sind nur teilweise auf prägnante Merkmale zurückzuführen. Deshalb keine klare Begründung, warum eine Transaktion verdächtig ist. Lediglich </a:t>
+            </a:r>
+            <a:r>
+              <a:rPr lang="de-DE" b="1" dirty="0"/>
+              <a:t>Nennung der Parameter Schadensschätzung und FRAUD-Wahrscheinlichkeit</a:t>
+            </a:r>
+            <a:r>
+              <a:rPr lang="de-DE" dirty="0"/>
+              <a:t>.</a:t>
+            </a:r>
+          </a:p>
+        </p:txBody>
+      </p:sp>
+    </p:spTree>
+    <p:extLst>
+      <p:ext uri="{BB962C8B-B14F-4D97-AF65-F5344CB8AC3E}">
+        <p14:creationId xmlns:p14="http://schemas.microsoft.com/office/powerpoint/2010/main" val="953924686"/>
+      </p:ext>
+    </p:extLst>
   </p:cSld>
   <p:clrMapOvr>
     <a:masterClrMapping/>
@@ -35013,112 +35115,6 @@
 </file>
 
 <file path=ppt/slides/slide80.xml><?xml version="1.0" encoding="utf-8"?>
-<p:sld xmlns:a="http://schemas.openxmlformats.org/drawingml/2006/main" xmlns:r="http://schemas.openxmlformats.org/officeDocument/2006/relationships" xmlns:p="http://schemas.openxmlformats.org/presentationml/2006/main">
-  <p:cSld>
-    <p:spTree>
-      <p:nvGrpSpPr>
-        <p:cNvPr id="1" name="">
-          <a:extLst>
-            <a:ext uri="{FF2B5EF4-FFF2-40B4-BE49-F238E27FC236}">
-              <a16:creationId xmlns:a16="http://schemas.microsoft.com/office/drawing/2014/main" id="{2474167F-9826-6C2B-23C8-FBE04A1713B9}"/>
-            </a:ext>
-          </a:extLst>
-        </p:cNvPr>
-        <p:cNvGrpSpPr/>
-        <p:nvPr/>
-      </p:nvGrpSpPr>
-      <p:grpSpPr>
-        <a:xfrm>
-          <a:off x="0" y="0"/>
-          <a:ext cx="0" cy="0"/>
-          <a:chOff x="0" y="0"/>
-          <a:chExt cx="0" cy="0"/>
-        </a:xfrm>
-      </p:grpSpPr>
-      <p:sp>
-        <p:nvSpPr>
-          <p:cNvPr id="2" name="Title 1">
-            <a:extLst>
-              <a:ext uri="{FF2B5EF4-FFF2-40B4-BE49-F238E27FC236}">
-                <a16:creationId xmlns:a16="http://schemas.microsoft.com/office/drawing/2014/main" id="{328993E5-2E22-0D56-6A20-E8E73D796285}"/>
-              </a:ext>
-            </a:extLst>
-          </p:cNvPr>
-          <p:cNvSpPr>
-            <a:spLocks noGrp="1"/>
-          </p:cNvSpPr>
-          <p:nvPr>
-            <p:ph type="title"/>
-          </p:nvPr>
-        </p:nvSpPr>
-        <p:spPr/>
-        <p:txBody>
-          <a:bodyPr/>
-          <a:lstStyle/>
-          <a:p>
-            <a:r>
-              <a:rPr lang="de-DE" dirty="0" err="1"/>
-              <a:t>Dummyfolie</a:t>
-            </a:r>
-            <a:endParaRPr dirty="0"/>
-          </a:p>
-        </p:txBody>
-      </p:sp>
-      <p:sp>
-        <p:nvSpPr>
-          <p:cNvPr id="3" name="Content Placeholder 2">
-            <a:extLst>
-              <a:ext uri="{FF2B5EF4-FFF2-40B4-BE49-F238E27FC236}">
-                <a16:creationId xmlns:a16="http://schemas.microsoft.com/office/drawing/2014/main" id="{7B9D6259-6311-2412-EC61-E18E33AC1958}"/>
-              </a:ext>
-            </a:extLst>
-          </p:cNvPr>
-          <p:cNvSpPr>
-            <a:spLocks noGrp="1"/>
-          </p:cNvSpPr>
-          <p:nvPr>
-            <p:ph idx="1"/>
-          </p:nvPr>
-        </p:nvSpPr>
-        <p:spPr>
-          <a:xfrm>
-            <a:off x="521208" y="2201535"/>
-            <a:ext cx="6549443" cy="4170127"/>
-          </a:xfrm>
-        </p:spPr>
-        <p:txBody>
-          <a:bodyPr/>
-          <a:lstStyle/>
-          <a:p>
-            <a:pPr>
-              <a:defRPr sz="1800">
-                <a:solidFill>
-                  <a:srgbClr val="000000"/>
-                </a:solidFill>
-              </a:defRPr>
-            </a:pPr>
-            <a:r>
-              <a:rPr lang="de-DE" dirty="0" err="1"/>
-              <a:t>Dummyfolie</a:t>
-            </a:r>
-            <a:endParaRPr lang="de-DE" dirty="0"/>
-          </a:p>
-        </p:txBody>
-      </p:sp>
-    </p:spTree>
-    <p:extLst>
-      <p:ext uri="{BB962C8B-B14F-4D97-AF65-F5344CB8AC3E}">
-        <p14:creationId xmlns:p14="http://schemas.microsoft.com/office/powerpoint/2010/main" val="953924686"/>
-      </p:ext>
-    </p:extLst>
-  </p:cSld>
-  <p:clrMapOvr>
-    <a:masterClrMapping/>
-  </p:clrMapOvr>
-</p:sld>
-</file>
-
-<file path=ppt/slides/slide81.xml><?xml version="1.0" encoding="utf-8"?>
 <p:sld xmlns:a="http://schemas.openxmlformats.org/drawingml/2006/main" xmlns:r="http://schemas.openxmlformats.org/officeDocument/2006/relationships" xmlns:p="http://schemas.openxmlformats.org/presentationml/2006/main">
   <p:cSld>
     <p:bg>
@@ -35521,7 +35517,7 @@
 </p:sld>
 </file>
 
-<file path=ppt/slides/slide82.xml><?xml version="1.0" encoding="utf-8"?>
+<file path=ppt/slides/slide81.xml><?xml version="1.0" encoding="utf-8"?>
 <p:sld xmlns:a="http://schemas.openxmlformats.org/drawingml/2006/main" xmlns:r="http://schemas.openxmlformats.org/officeDocument/2006/relationships" xmlns:p="http://schemas.openxmlformats.org/presentationml/2006/main">
   <p:cSld>
     <p:spTree>
@@ -35566,8 +35562,8 @@
           <a:lstStyle/>
           <a:p>
             <a:r>
-              <a:rPr lang="de-DE" dirty="0" err="1"/>
-              <a:t>Dummyfolie</a:t>
+              <a:rPr lang="de-DE" dirty="0"/>
+              <a:t>Zusammenfassung Modell (1)</a:t>
             </a:r>
             <a:endParaRPr dirty="0"/>
           </a:p>
@@ -35591,12 +35587,14 @@
         </p:nvSpPr>
         <p:spPr>
           <a:xfrm>
-            <a:off x="521208" y="2201535"/>
-            <a:ext cx="6549443" cy="4170127"/>
+            <a:off x="521208" y="1937657"/>
+            <a:ext cx="11268021" cy="4434005"/>
           </a:xfrm>
         </p:spPr>
         <p:txBody>
-          <a:bodyPr/>
+          <a:bodyPr>
+            <a:normAutofit lnSpcReduction="10000"/>
+          </a:bodyPr>
           <a:lstStyle/>
           <a:p>
             <a:pPr>
@@ -35607,9 +35605,187 @@
               </a:defRPr>
             </a:pPr>
             <a:r>
-              <a:rPr lang="de-DE" dirty="0" err="1"/>
-              <a:t>Dummyfolie</a:t>
-            </a:r>
+              <a:rPr lang="de-DE" dirty="0"/>
+              <a:t>Klassifikation aller Transaktionen mit </a:t>
+            </a:r>
+            <a:r>
+              <a:rPr lang="de-DE" b="1" dirty="0" err="1"/>
+              <a:t>has_unscanned</a:t>
+            </a:r>
+            <a:r>
+              <a:rPr lang="de-DE" b="1" dirty="0"/>
+              <a:t> = TRUE oder </a:t>
+            </a:r>
+            <a:r>
+              <a:rPr lang="de-DE" b="1" dirty="0" err="1"/>
+              <a:t>has_missing</a:t>
+            </a:r>
+            <a:r>
+              <a:rPr lang="de-DE" b="1" dirty="0"/>
+              <a:t> = TRUE als FRAUD </a:t>
+            </a:r>
+            <a:r>
+              <a:rPr lang="de-DE" dirty="0"/>
+              <a:t>(100% TPR und knapp 400 Fällen in der Abdeckung auf den Trainingsdaten)</a:t>
+            </a:r>
+          </a:p>
+          <a:p>
+            <a:pPr>
+              <a:defRPr sz="1800">
+                <a:solidFill>
+                  <a:srgbClr val="000000"/>
+                </a:solidFill>
+              </a:defRPr>
+            </a:pPr>
+            <a:endParaRPr lang="de-DE" dirty="0"/>
+          </a:p>
+          <a:p>
+            <a:pPr>
+              <a:defRPr sz="1800">
+                <a:solidFill>
+                  <a:srgbClr val="000000"/>
+                </a:solidFill>
+              </a:defRPr>
+            </a:pPr>
+            <a:r>
+              <a:rPr lang="de-DE" dirty="0"/>
+              <a:t>Restliche Daten gehen in das </a:t>
+            </a:r>
+            <a:r>
+              <a:rPr lang="de-DE" b="1" dirty="0"/>
+              <a:t>Klassifikationsmodell (unkalibriertes </a:t>
+            </a:r>
+            <a:r>
+              <a:rPr lang="de-DE" b="1" dirty="0" err="1"/>
+              <a:t>XGBoost</a:t>
+            </a:r>
+            <a:r>
+              <a:rPr lang="de-DE" b="1" dirty="0"/>
+              <a:t>-Modell) </a:t>
+            </a:r>
+          </a:p>
+          <a:p>
+            <a:pPr marL="0" indent="0">
+              <a:buNone/>
+              <a:defRPr sz="1800">
+                <a:solidFill>
+                  <a:srgbClr val="000000"/>
+                </a:solidFill>
+              </a:defRPr>
+            </a:pPr>
+            <a:r>
+              <a:rPr lang="de-DE" dirty="0"/>
+              <a:t>und in das </a:t>
+            </a:r>
+          </a:p>
+          <a:p>
+            <a:pPr>
+              <a:defRPr sz="1800">
+                <a:solidFill>
+                  <a:srgbClr val="000000"/>
+                </a:solidFill>
+              </a:defRPr>
+            </a:pPr>
+            <a:r>
+              <a:rPr lang="de-DE" dirty="0"/>
+              <a:t>Modell für die Vorhersage der </a:t>
+            </a:r>
+            <a:r>
+              <a:rPr lang="de-DE" b="1" dirty="0"/>
+              <a:t>Schadenshöhe </a:t>
+            </a:r>
+            <a:r>
+              <a:rPr lang="de-DE" dirty="0"/>
+              <a:t>(</a:t>
+            </a:r>
+            <a:r>
+              <a:rPr lang="de-DE" sz="1800" b="1" dirty="0" err="1"/>
+              <a:t>XGBoost</a:t>
+            </a:r>
+            <a:r>
+              <a:rPr lang="de-DE" sz="1800" b="1" dirty="0"/>
+              <a:t>-Regressionsmodell </a:t>
+            </a:r>
+            <a:r>
+              <a:rPr lang="de-DE" sz="1800" dirty="0"/>
+              <a:t>trainiert auf allen Trainingsdaten)</a:t>
+            </a:r>
+          </a:p>
+          <a:p>
+            <a:pPr>
+              <a:defRPr sz="1800">
+                <a:solidFill>
+                  <a:srgbClr val="000000"/>
+                </a:solidFill>
+              </a:defRPr>
+            </a:pPr>
+            <a:endParaRPr lang="de-DE" dirty="0"/>
+          </a:p>
+          <a:p>
+            <a:pPr>
+              <a:defRPr sz="1800">
+                <a:solidFill>
+                  <a:srgbClr val="000000"/>
+                </a:solidFill>
+              </a:defRPr>
+            </a:pPr>
+            <a:r>
+              <a:rPr lang="de-DE" dirty="0"/>
+              <a:t>Schnittstelle: Echtzeitentscheidung für oder gegen eine Kontrolle mit Begründung und Schadenprognose</a:t>
+            </a:r>
+          </a:p>
+          <a:p>
+            <a:pPr lvl="2">
+              <a:defRPr sz="1800">
+                <a:solidFill>
+                  <a:srgbClr val="000000"/>
+                </a:solidFill>
+              </a:defRPr>
+            </a:pPr>
+            <a:r>
+              <a:rPr lang="de-DE" sz="1500" b="1" dirty="0"/>
+              <a:t>Keine Kontrolle </a:t>
+            </a:r>
+            <a:r>
+              <a:rPr lang="de-DE" sz="1500" dirty="0"/>
+              <a:t>→ potenzieller Schaden bei nicht erkanntem Betrugsfall:  P(FRAUD) * erwarteter Schaden </a:t>
+            </a:r>
+          </a:p>
+          <a:p>
+            <a:pPr lvl="2">
+              <a:lnSpc>
+                <a:spcPct val="111000"/>
+              </a:lnSpc>
+              <a:spcBef>
+                <a:spcPts val="999"/>
+              </a:spcBef>
+              <a:defRPr/>
+            </a:pPr>
+            <a:r>
+              <a:rPr lang="de-DE" sz="1500" b="1" dirty="0"/>
+              <a:t>Kontrolle</a:t>
+            </a:r>
+            <a:r>
+              <a:rPr lang="de-DE" sz="1500" dirty="0"/>
+              <a:t> → Mischung aus erwarteter Fraud-Prämie (bei richtiger Klassifikation) &amp; </a:t>
+            </a:r>
+            <a:r>
+              <a:rPr lang="de-DE" sz="1500" dirty="0" err="1"/>
+              <a:t>False</a:t>
+            </a:r>
+            <a:r>
+              <a:rPr lang="de-DE" sz="1500" dirty="0"/>
+              <a:t>-Positive-Kosten (bei Falschklassifikation):  P(FRAUD) * 5 € − P(NORMAL) * 10 €</a:t>
+            </a:r>
+          </a:p>
+          <a:p>
+            <a:pPr lvl="2">
+              <a:defRPr sz="1800">
+                <a:solidFill>
+                  <a:srgbClr val="000000"/>
+                </a:solidFill>
+              </a:defRPr>
+            </a:pPr>
             <a:endParaRPr lang="de-DE" dirty="0"/>
           </a:p>
         </p:txBody>
@@ -35618,6 +35794,270 @@
     <p:extLst>
       <p:ext uri="{BB962C8B-B14F-4D97-AF65-F5344CB8AC3E}">
         <p14:creationId xmlns:p14="http://schemas.microsoft.com/office/powerpoint/2010/main" val="2566949038"/>
+      </p:ext>
+    </p:extLst>
+  </p:cSld>
+  <p:clrMapOvr>
+    <a:masterClrMapping/>
+  </p:clrMapOvr>
+</p:sld>
+</file>
+
+<file path=ppt/slides/slide82.xml><?xml version="1.0" encoding="utf-8"?>
+<p:sld xmlns:a="http://schemas.openxmlformats.org/drawingml/2006/main" xmlns:r="http://schemas.openxmlformats.org/officeDocument/2006/relationships" xmlns:p="http://schemas.openxmlformats.org/presentationml/2006/main">
+  <p:cSld>
+    <p:spTree>
+      <p:nvGrpSpPr>
+        <p:cNvPr id="1" name="">
+          <a:extLst>
+            <a:ext uri="{FF2B5EF4-FFF2-40B4-BE49-F238E27FC236}">
+              <a16:creationId xmlns:a16="http://schemas.microsoft.com/office/drawing/2014/main" id="{5DFA77EB-CE49-EA65-9A40-E23FDDD462A6}"/>
+            </a:ext>
+          </a:extLst>
+        </p:cNvPr>
+        <p:cNvGrpSpPr/>
+        <p:nvPr/>
+      </p:nvGrpSpPr>
+      <p:grpSpPr>
+        <a:xfrm>
+          <a:off x="0" y="0"/>
+          <a:ext cx="0" cy="0"/>
+          <a:chOff x="0" y="0"/>
+          <a:chExt cx="0" cy="0"/>
+        </a:xfrm>
+      </p:grpSpPr>
+      <p:sp>
+        <p:nvSpPr>
+          <p:cNvPr id="2" name="Title 1">
+            <a:extLst>
+              <a:ext uri="{FF2B5EF4-FFF2-40B4-BE49-F238E27FC236}">
+                <a16:creationId xmlns:a16="http://schemas.microsoft.com/office/drawing/2014/main" id="{F622923B-97AB-DA07-28B5-54CA6A0A48CE}"/>
+              </a:ext>
+            </a:extLst>
+          </p:cNvPr>
+          <p:cNvSpPr>
+            <a:spLocks noGrp="1"/>
+          </p:cNvSpPr>
+          <p:nvPr>
+            <p:ph type="title"/>
+          </p:nvPr>
+        </p:nvSpPr>
+        <p:spPr/>
+        <p:txBody>
+          <a:bodyPr/>
+          <a:lstStyle/>
+          <a:p>
+            <a:r>
+              <a:rPr lang="de-DE" dirty="0"/>
+              <a:t>Zusammenfassung Modell (2)</a:t>
+            </a:r>
+            <a:endParaRPr dirty="0"/>
+          </a:p>
+        </p:txBody>
+      </p:sp>
+      <p:sp>
+        <p:nvSpPr>
+          <p:cNvPr id="3" name="Content Placeholder 2">
+            <a:extLst>
+              <a:ext uri="{FF2B5EF4-FFF2-40B4-BE49-F238E27FC236}">
+                <a16:creationId xmlns:a16="http://schemas.microsoft.com/office/drawing/2014/main" id="{1667ACD4-722F-4C60-6A40-B9C44EBA157E}"/>
+              </a:ext>
+            </a:extLst>
+          </p:cNvPr>
+          <p:cNvSpPr>
+            <a:spLocks noGrp="1"/>
+          </p:cNvSpPr>
+          <p:nvPr>
+            <p:ph idx="1"/>
+          </p:nvPr>
+        </p:nvSpPr>
+        <p:spPr>
+          <a:xfrm>
+            <a:off x="521208" y="1937657"/>
+            <a:ext cx="11268021" cy="4434005"/>
+          </a:xfrm>
+        </p:spPr>
+        <p:txBody>
+          <a:bodyPr>
+            <a:normAutofit/>
+          </a:bodyPr>
+          <a:lstStyle/>
+          <a:p>
+            <a:pPr>
+              <a:defRPr sz="1800">
+                <a:solidFill>
+                  <a:srgbClr val="000000"/>
+                </a:solidFill>
+              </a:defRPr>
+            </a:pPr>
+            <a:r>
+              <a:rPr lang="de-DE" b="1" dirty="0"/>
+              <a:t>Aufgeteiltes Modell </a:t>
+            </a:r>
+            <a:r>
+              <a:rPr lang="de-DE" dirty="0"/>
+              <a:t>(Trennung von statischen Regeln, Regressions- und Klassifikationsmodell) ist:</a:t>
+            </a:r>
+          </a:p>
+          <a:p>
+            <a:pPr lvl="1">
+              <a:defRPr sz="1800">
+                <a:solidFill>
+                  <a:srgbClr val="000000"/>
+                </a:solidFill>
+              </a:defRPr>
+            </a:pPr>
+            <a:r>
+              <a:rPr lang="de-DE" dirty="0"/>
+              <a:t>ökonomisch </a:t>
+            </a:r>
+            <a:r>
+              <a:rPr lang="de-DE" b="1" dirty="0"/>
+              <a:t>nachvollziehbar</a:t>
+            </a:r>
+          </a:p>
+          <a:p>
+            <a:pPr lvl="1">
+              <a:defRPr sz="1800">
+                <a:solidFill>
+                  <a:srgbClr val="000000"/>
+                </a:solidFill>
+              </a:defRPr>
+            </a:pPr>
+            <a:r>
+              <a:rPr lang="de-DE" dirty="0"/>
+              <a:t>Zeigt </a:t>
+            </a:r>
+            <a:r>
+              <a:rPr lang="de-DE" b="1" dirty="0"/>
+              <a:t>solide Prognosegüte</a:t>
+            </a:r>
+          </a:p>
+          <a:p>
+            <a:pPr lvl="1">
+              <a:defRPr sz="1800">
+                <a:solidFill>
+                  <a:srgbClr val="000000"/>
+                </a:solidFill>
+              </a:defRPr>
+            </a:pPr>
+            <a:r>
+              <a:rPr lang="de-DE" dirty="0"/>
+              <a:t>Lässt </a:t>
+            </a:r>
+            <a:r>
+              <a:rPr lang="de-DE" b="1" dirty="0"/>
+              <a:t>Echtzeitentscheidungen </a:t>
+            </a:r>
+            <a:r>
+              <a:rPr lang="de-DE" dirty="0"/>
+              <a:t>zu</a:t>
+            </a:r>
+          </a:p>
+          <a:p>
+            <a:pPr lvl="1">
+              <a:defRPr sz="1800">
+                <a:solidFill>
+                  <a:srgbClr val="000000"/>
+                </a:solidFill>
+              </a:defRPr>
+            </a:pPr>
+            <a:r>
+              <a:rPr lang="de-DE" dirty="0"/>
+              <a:t>Lässt sich </a:t>
+            </a:r>
+            <a:r>
+              <a:rPr lang="de-DE" b="1" dirty="0"/>
+              <a:t>flexibel </a:t>
+            </a:r>
+            <a:r>
+              <a:rPr lang="de-DE" dirty="0"/>
+              <a:t>mit anderen Straf- und Belohnungstermen (als die aktuelle Bewertungsfunktion) </a:t>
+            </a:r>
+            <a:r>
+              <a:rPr lang="de-DE" b="1" dirty="0"/>
+              <a:t>konfigurieren</a:t>
+            </a:r>
+            <a:r>
+              <a:rPr lang="de-DE" dirty="0"/>
+              <a:t>, ohne erneut trainiert werden zu müssen</a:t>
+            </a:r>
+          </a:p>
+          <a:p>
+            <a:pPr lvl="1">
+              <a:defRPr sz="1800">
+                <a:solidFill>
+                  <a:srgbClr val="000000"/>
+                </a:solidFill>
+              </a:defRPr>
+            </a:pPr>
+            <a:endParaRPr lang="de-DE" dirty="0"/>
+          </a:p>
+          <a:p>
+            <a:pPr>
+              <a:defRPr sz="1800">
+                <a:solidFill>
+                  <a:srgbClr val="000000"/>
+                </a:solidFill>
+              </a:defRPr>
+            </a:pPr>
+            <a:r>
+              <a:rPr lang="de-DE" dirty="0"/>
+              <a:t>Zusätzlich sind alle einzelnen </a:t>
+            </a:r>
+            <a:r>
+              <a:rPr lang="de-DE" b="1" dirty="0"/>
+              <a:t>Module </a:t>
+            </a:r>
+            <a:r>
+              <a:rPr lang="de-DE" dirty="0"/>
+              <a:t>weitestgehend </a:t>
+            </a:r>
+            <a:r>
+              <a:rPr lang="de-DE" b="1" dirty="0"/>
+              <a:t>unabhängig voneinander </a:t>
+            </a:r>
+            <a:r>
+              <a:rPr lang="de-DE" dirty="0"/>
+              <a:t>und auch isoliert weiter optimierbar</a:t>
+            </a:r>
+          </a:p>
+          <a:p>
+            <a:pPr>
+              <a:defRPr sz="1800">
+                <a:solidFill>
+                  <a:srgbClr val="000000"/>
+                </a:solidFill>
+              </a:defRPr>
+            </a:pPr>
+            <a:endParaRPr lang="de-DE" dirty="0"/>
+          </a:p>
+          <a:p>
+            <a:pPr>
+              <a:defRPr sz="1800">
+                <a:solidFill>
+                  <a:srgbClr val="000000"/>
+                </a:solidFill>
+              </a:defRPr>
+            </a:pPr>
+            <a:endParaRPr lang="de-DE" dirty="0"/>
+          </a:p>
+          <a:p>
+            <a:pPr lvl="2">
+              <a:defRPr sz="1800">
+                <a:solidFill>
+                  <a:srgbClr val="000000"/>
+                </a:solidFill>
+              </a:defRPr>
+            </a:pPr>
+            <a:endParaRPr lang="de-DE" dirty="0"/>
+          </a:p>
+        </p:txBody>
+      </p:sp>
+    </p:spTree>
+    <p:extLst>
+      <p:ext uri="{BB962C8B-B14F-4D97-AF65-F5344CB8AC3E}">
+        <p14:creationId xmlns:p14="http://schemas.microsoft.com/office/powerpoint/2010/main" val="1711434682"/>
       </p:ext>
     </p:extLst>
   </p:cSld>

--- a/präsentationen/Abschlusspräsentation_Entwurf.pptx
+++ b/präsentationen/Abschlusspräsentation_Entwurf.pptx
@@ -16,25 +16,25 @@
     <p:sldId id="2723" r:id="rId7"/>
     <p:sldId id="2708" r:id="rId8"/>
     <p:sldId id="2588" r:id="rId9"/>
-    <p:sldId id="2599" r:id="rId10"/>
-    <p:sldId id="2600" r:id="rId11"/>
-    <p:sldId id="2601" r:id="rId12"/>
-    <p:sldId id="2602" r:id="rId13"/>
-    <p:sldId id="2722" r:id="rId14"/>
-    <p:sldId id="2604" r:id="rId15"/>
-    <p:sldId id="2721" r:id="rId16"/>
-    <p:sldId id="2716" r:id="rId17"/>
-    <p:sldId id="2710" r:id="rId18"/>
-    <p:sldId id="2724" r:id="rId19"/>
-    <p:sldId id="2642" r:id="rId20"/>
-    <p:sldId id="2627" r:id="rId21"/>
-    <p:sldId id="2656" r:id="rId22"/>
-    <p:sldId id="2657" r:id="rId23"/>
-    <p:sldId id="2725" r:id="rId24"/>
-    <p:sldId id="258" r:id="rId25"/>
-    <p:sldId id="259" r:id="rId26"/>
-    <p:sldId id="2663" r:id="rId27"/>
-    <p:sldId id="2726" r:id="rId28"/>
+    <p:sldId id="2600" r:id="rId10"/>
+    <p:sldId id="2601" r:id="rId11"/>
+    <p:sldId id="2602" r:id="rId12"/>
+    <p:sldId id="2722" r:id="rId13"/>
+    <p:sldId id="2721" r:id="rId14"/>
+    <p:sldId id="2605" r:id="rId15"/>
+    <p:sldId id="2591" r:id="rId16"/>
+    <p:sldId id="2710" r:id="rId17"/>
+    <p:sldId id="2724" r:id="rId18"/>
+    <p:sldId id="2642" r:id="rId19"/>
+    <p:sldId id="2627" r:id="rId20"/>
+    <p:sldId id="2725" r:id="rId21"/>
+    <p:sldId id="258" r:id="rId22"/>
+    <p:sldId id="259" r:id="rId23"/>
+    <p:sldId id="2663" r:id="rId24"/>
+    <p:sldId id="2726" r:id="rId25"/>
+    <p:sldId id="2757" r:id="rId26"/>
+    <p:sldId id="2656" r:id="rId27"/>
+    <p:sldId id="2657" r:id="rId28"/>
     <p:sldId id="2665" r:id="rId29"/>
     <p:sldId id="2667" r:id="rId30"/>
     <p:sldId id="271" r:id="rId31"/>
@@ -85,11 +85,11 @@
     <p:sldId id="2755" r:id="rId76"/>
     <p:sldId id="2718" r:id="rId77"/>
     <p:sldId id="2711" r:id="rId78"/>
-    <p:sldId id="2756" r:id="rId79"/>
-    <p:sldId id="2719" r:id="rId80"/>
+    <p:sldId id="2758" r:id="rId79"/>
+    <p:sldId id="2759" r:id="rId80"/>
     <p:sldId id="2712" r:id="rId81"/>
-    <p:sldId id="2720" r:id="rId82"/>
-    <p:sldId id="2757" r:id="rId83"/>
+    <p:sldId id="2760" r:id="rId82"/>
+    <p:sldId id="2761" r:id="rId83"/>
     <p:sldId id="2632" r:id="rId84"/>
   </p:sldIdLst>
   <p:sldSz cx="12192000" cy="6858000"/>
@@ -202,25 +202,25 @@
             <p14:sldId id="2723"/>
             <p14:sldId id="2708"/>
             <p14:sldId id="2588"/>
-            <p14:sldId id="2599"/>
             <p14:sldId id="2600"/>
             <p14:sldId id="2601"/>
             <p14:sldId id="2602"/>
             <p14:sldId id="2722"/>
-            <p14:sldId id="2604"/>
             <p14:sldId id="2721"/>
-            <p14:sldId id="2716"/>
+            <p14:sldId id="2605"/>
+            <p14:sldId id="2591"/>
             <p14:sldId id="2710"/>
             <p14:sldId id="2724"/>
             <p14:sldId id="2642"/>
             <p14:sldId id="2627"/>
-            <p14:sldId id="2656"/>
-            <p14:sldId id="2657"/>
             <p14:sldId id="2725"/>
             <p14:sldId id="258"/>
             <p14:sldId id="259"/>
             <p14:sldId id="2663"/>
             <p14:sldId id="2726"/>
+            <p14:sldId id="2757"/>
+            <p14:sldId id="2656"/>
+            <p14:sldId id="2657"/>
             <p14:sldId id="2665"/>
             <p14:sldId id="2667"/>
             <p14:sldId id="271"/>
@@ -271,11 +271,11 @@
             <p14:sldId id="2755"/>
             <p14:sldId id="2718"/>
             <p14:sldId id="2711"/>
-            <p14:sldId id="2756"/>
-            <p14:sldId id="2719"/>
+            <p14:sldId id="2758"/>
+            <p14:sldId id="2759"/>
             <p14:sldId id="2712"/>
-            <p14:sldId id="2720"/>
-            <p14:sldId id="2757"/>
+            <p14:sldId id="2760"/>
+            <p14:sldId id="2761"/>
             <p14:sldId id="2632"/>
           </p14:sldIdLst>
         </p14:section>
@@ -369,7 +369,7 @@
           </a:lstStyle>
           <a:p>
             <a:fld id="{75BEE995-72F4-482A-B547-037217EEA661}" type="datetimeFigureOut">
-              <a:t>27.06.2025</a:t>
+              <a:t>28.06.2025</a:t>
             </a:fld>
             <a:endParaRPr lang="de-DE"/>
           </a:p>
@@ -753,6 +753,175 @@
         <p:cNvPr id="1" name="">
           <a:extLst>
             <a:ext uri="{FF2B5EF4-FFF2-40B4-BE49-F238E27FC236}">
+              <a16:creationId xmlns:a16="http://schemas.microsoft.com/office/drawing/2014/main" id="{1B45F5B5-A2BB-1EE7-36D4-9319D2F7AFA3}"/>
+            </a:ext>
+          </a:extLst>
+        </p:cNvPr>
+        <p:cNvGrpSpPr/>
+        <p:nvPr/>
+      </p:nvGrpSpPr>
+      <p:grpSpPr bwMode="auto">
+        <a:xfrm>
+          <a:off x="0" y="0"/>
+          <a:ext cx="0" cy="0"/>
+          <a:chOff x="0" y="0"/>
+          <a:chExt cx="0" cy="0"/>
+        </a:xfrm>
+      </p:grpSpPr>
+      <p:sp>
+        <p:nvSpPr>
+          <p:cNvPr id="139090186" name="Slide Image Placeholder 1">
+            <a:extLst>
+              <a:ext uri="{FF2B5EF4-FFF2-40B4-BE49-F238E27FC236}">
+                <a16:creationId xmlns:a16="http://schemas.microsoft.com/office/drawing/2014/main" id="{C2ED693B-4892-7057-57AA-7A3FB92DEC5B}"/>
+              </a:ext>
+            </a:extLst>
+          </p:cNvPr>
+          <p:cNvSpPr>
+            <a:spLocks noGrp="1" noRot="1" noChangeAspect="1"/>
+          </p:cNvSpPr>
+          <p:nvPr>
+            <p:ph type="sldImg"/>
+          </p:nvPr>
+        </p:nvSpPr>
+        <p:spPr bwMode="auto"/>
+      </p:sp>
+      <p:sp>
+        <p:nvSpPr>
+          <p:cNvPr id="400293583" name="Notes Placeholder 2">
+            <a:extLst>
+              <a:ext uri="{FF2B5EF4-FFF2-40B4-BE49-F238E27FC236}">
+                <a16:creationId xmlns:a16="http://schemas.microsoft.com/office/drawing/2014/main" id="{24C73041-51B0-856A-F33C-516C80E7DA50}"/>
+              </a:ext>
+            </a:extLst>
+          </p:cNvPr>
+          <p:cNvSpPr>
+            <a:spLocks noGrp="1"/>
+          </p:cNvSpPr>
+          <p:nvPr>
+            <p:ph type="body" idx="1"/>
+          </p:nvPr>
+        </p:nvSpPr>
+        <p:spPr bwMode="auto"/>
+        <p:txBody>
+          <a:bodyPr/>
+          <a:lstStyle/>
+          <a:p>
+            <a:pPr>
+              <a:defRPr/>
+            </a:pPr>
+            <a:endParaRPr/>
+          </a:p>
+        </p:txBody>
+      </p:sp>
+      <p:sp>
+        <p:nvSpPr>
+          <p:cNvPr id="1257388043" name="Slide Number Placeholder 3">
+            <a:extLst>
+              <a:ext uri="{FF2B5EF4-FFF2-40B4-BE49-F238E27FC236}">
+                <a16:creationId xmlns:a16="http://schemas.microsoft.com/office/drawing/2014/main" id="{2108814C-39DC-01D7-BF31-993D4641800F}"/>
+              </a:ext>
+            </a:extLst>
+          </p:cNvPr>
+          <p:cNvSpPr>
+            <a:spLocks noGrp="1"/>
+          </p:cNvSpPr>
+          <p:nvPr>
+            <p:ph type="sldNum" sz="quarter" idx="10"/>
+          </p:nvPr>
+        </p:nvSpPr>
+        <p:spPr bwMode="auto"/>
+        <p:txBody>
+          <a:bodyPr/>
+          <a:lstStyle/>
+          <a:p>
+            <a:pPr marL="0" marR="0" lvl="0" indent="0" algn="r" defTabSz="914400" eaLnBrk="1" fontAlgn="auto" latinLnBrk="0" hangingPunct="1">
+              <a:lnSpc>
+                <a:spcPct val="100000"/>
+              </a:lnSpc>
+              <a:spcBef>
+                <a:spcPts val="0"/>
+              </a:spcBef>
+              <a:spcAft>
+                <a:spcPts val="0"/>
+              </a:spcAft>
+              <a:buClrTx/>
+              <a:buSzTx/>
+              <a:buFontTx/>
+              <a:buNone/>
+              <a:tabLst/>
+              <a:defRPr/>
+            </a:pPr>
+            <a:fld id="{20073075-213A-DC53-9B24-1C6EF3B6ADAB}" type="slidenum">
+              <a:rPr kumimoji="0" sz="1200" b="0" i="0" u="none" strike="noStrike" kern="0" cap="none" spc="0" normalizeH="0" baseline="0" noProof="0">
+                <a:ln>
+                  <a:noFill/>
+                </a:ln>
+                <a:solidFill>
+                  <a:prstClr val="black"/>
+                </a:solidFill>
+                <a:effectLst/>
+                <a:uLnTx/>
+                <a:uFillTx/>
+                <a:latin typeface="Calibri"/>
+                <a:cs typeface="Arial"/>
+              </a:rPr>
+              <a:pPr marL="0" marR="0" lvl="0" indent="0" algn="r" defTabSz="914400" eaLnBrk="1" fontAlgn="auto" latinLnBrk="0" hangingPunct="1">
+                <a:lnSpc>
+                  <a:spcPct val="100000"/>
+                </a:lnSpc>
+                <a:spcBef>
+                  <a:spcPts val="0"/>
+                </a:spcBef>
+                <a:spcAft>
+                  <a:spcPts val="0"/>
+                </a:spcAft>
+                <a:buClrTx/>
+                <a:buSzTx/>
+                <a:buFontTx/>
+                <a:buNone/>
+                <a:tabLst/>
+                <a:defRPr/>
+              </a:pPr>
+              <a:t>28</a:t>
+            </a:fld>
+            <a:endParaRPr kumimoji="0" sz="1200" b="0" i="0" u="none" strike="noStrike" kern="0" cap="none" spc="0" normalizeH="0" baseline="0" noProof="0">
+              <a:ln>
+                <a:noFill/>
+              </a:ln>
+              <a:solidFill>
+                <a:prstClr val="black"/>
+              </a:solidFill>
+              <a:effectLst/>
+              <a:uLnTx/>
+              <a:uFillTx/>
+              <a:latin typeface="Calibri"/>
+              <a:cs typeface="Arial"/>
+            </a:endParaRPr>
+          </a:p>
+        </p:txBody>
+      </p:sp>
+    </p:spTree>
+    <p:extLst>
+      <p:ext uri="{BB962C8B-B14F-4D97-AF65-F5344CB8AC3E}">
+        <p14:creationId xmlns:p14="http://schemas.microsoft.com/office/powerpoint/2010/main" val="1842253085"/>
+      </p:ext>
+    </p:extLst>
+  </p:cSld>
+  <p:clrMapOvr>
+    <a:masterClrMapping/>
+  </p:clrMapOvr>
+</p:notes>
+</file>
+
+<file path=ppt/notesSlides/notesSlide11.xml><?xml version="1.0" encoding="utf-8"?>
+<p:notes xmlns:a="http://schemas.openxmlformats.org/drawingml/2006/main" xmlns:r="http://schemas.openxmlformats.org/officeDocument/2006/relationships" xmlns:p="http://schemas.openxmlformats.org/presentationml/2006/main">
+  <p:cSld>
+    <p:spTree>
+      <p:nvGrpSpPr>
+        <p:cNvPr id="1" name="">
+          <a:extLst>
+            <a:ext uri="{FF2B5EF4-FFF2-40B4-BE49-F238E27FC236}">
               <a16:creationId xmlns:a16="http://schemas.microsoft.com/office/drawing/2014/main" id="{913360F4-5A38-9608-D9AA-60B706E66FE7}"/>
             </a:ext>
           </a:extLst>
@@ -914,7 +1083,7 @@
 </p:notes>
 </file>
 
-<file path=ppt/notesSlides/notesSlide11.xml><?xml version="1.0" encoding="utf-8"?>
+<file path=ppt/notesSlides/notesSlide12.xml><?xml version="1.0" encoding="utf-8"?>
 <p:notes xmlns:a="http://schemas.openxmlformats.org/drawingml/2006/main" xmlns:r="http://schemas.openxmlformats.org/officeDocument/2006/relationships" xmlns:p="http://schemas.openxmlformats.org/presentationml/2006/main">
   <p:cSld>
     <p:spTree>
@@ -1054,7 +1223,7 @@
 </p:notes>
 </file>
 
-<file path=ppt/notesSlides/notesSlide12.xml><?xml version="1.0" encoding="utf-8"?>
+<file path=ppt/notesSlides/notesSlide13.xml><?xml version="1.0" encoding="utf-8"?>
 <p:notes xmlns:a="http://schemas.openxmlformats.org/drawingml/2006/main" xmlns:r="http://schemas.openxmlformats.org/officeDocument/2006/relationships" xmlns:p="http://schemas.openxmlformats.org/presentationml/2006/main">
   <p:cSld>
     <p:spTree>
@@ -1223,7 +1392,7 @@
 </p:notes>
 </file>
 
-<file path=ppt/notesSlides/notesSlide13.xml><?xml version="1.0" encoding="utf-8"?>
+<file path=ppt/notesSlides/notesSlide14.xml><?xml version="1.0" encoding="utf-8"?>
 <p:notes xmlns:a="http://schemas.openxmlformats.org/drawingml/2006/main" xmlns:r="http://schemas.openxmlformats.org/officeDocument/2006/relationships" xmlns:p="http://schemas.openxmlformats.org/presentationml/2006/main">
   <p:cSld>
     <p:spTree>
@@ -1392,7 +1561,7 @@
 </p:notes>
 </file>
 
-<file path=ppt/notesSlides/notesSlide14.xml><?xml version="1.0" encoding="utf-8"?>
+<file path=ppt/notesSlides/notesSlide15.xml><?xml version="1.0" encoding="utf-8"?>
 <p:notes xmlns:a="http://schemas.openxmlformats.org/drawingml/2006/main" xmlns:r="http://schemas.openxmlformats.org/officeDocument/2006/relationships" xmlns:p="http://schemas.openxmlformats.org/presentationml/2006/main">
   <p:cSld>
     <p:spTree>
@@ -1561,7 +1730,7 @@
 </p:notes>
 </file>
 
-<file path=ppt/notesSlides/notesSlide15.xml><?xml version="1.0" encoding="utf-8"?>
+<file path=ppt/notesSlides/notesSlide16.xml><?xml version="1.0" encoding="utf-8"?>
 <p:notes xmlns:a="http://schemas.openxmlformats.org/drawingml/2006/main" xmlns:r="http://schemas.openxmlformats.org/officeDocument/2006/relationships" xmlns:p="http://schemas.openxmlformats.org/presentationml/2006/main">
   <p:cSld>
     <p:spTree>
@@ -1730,7 +1899,7 @@
 </p:notes>
 </file>
 
-<file path=ppt/notesSlides/notesSlide16.xml><?xml version="1.0" encoding="utf-8"?>
+<file path=ppt/notesSlides/notesSlide17.xml><?xml version="1.0" encoding="utf-8"?>
 <p:notes xmlns:a="http://schemas.openxmlformats.org/drawingml/2006/main" xmlns:r="http://schemas.openxmlformats.org/officeDocument/2006/relationships" xmlns:p="http://schemas.openxmlformats.org/presentationml/2006/main">
   <p:cSld>
     <p:spTree>
@@ -1870,7 +2039,7 @@
 </p:notes>
 </file>
 
-<file path=ppt/notesSlides/notesSlide17.xml><?xml version="1.0" encoding="utf-8"?>
+<file path=ppt/notesSlides/notesSlide18.xml><?xml version="1.0" encoding="utf-8"?>
 <p:notes xmlns:a="http://schemas.openxmlformats.org/drawingml/2006/main" xmlns:r="http://schemas.openxmlformats.org/officeDocument/2006/relationships" xmlns:p="http://schemas.openxmlformats.org/presentationml/2006/main">
   <p:cSld>
     <p:spTree>
@@ -2010,7 +2179,7 @@
 </p:notes>
 </file>
 
-<file path=ppt/notesSlides/notesSlide18.xml><?xml version="1.0" encoding="utf-8"?>
+<file path=ppt/notesSlides/notesSlide19.xml><?xml version="1.0" encoding="utf-8"?>
 <p:notes xmlns:a="http://schemas.openxmlformats.org/drawingml/2006/main" xmlns:r="http://schemas.openxmlformats.org/officeDocument/2006/relationships" xmlns:p="http://schemas.openxmlformats.org/presentationml/2006/main">
   <p:cSld>
     <p:spTree>
@@ -2150,7 +2319,117 @@
 </p:notes>
 </file>
 
-<file path=ppt/notesSlides/notesSlide19.xml><?xml version="1.0" encoding="utf-8"?>
+<file path=ppt/notesSlides/notesSlide2.xml><?xml version="1.0" encoding="utf-8"?>
+<p:notes xmlns:a="http://schemas.openxmlformats.org/drawingml/2006/main" xmlns:r="http://schemas.openxmlformats.org/officeDocument/2006/relationships" xmlns:p="http://schemas.openxmlformats.org/presentationml/2006/main">
+  <p:cSld>
+    <p:spTree>
+      <p:nvGrpSpPr>
+        <p:cNvPr id="1" name="">
+          <a:extLst>
+            <a:ext uri="{FF2B5EF4-FFF2-40B4-BE49-F238E27FC236}">
+              <a16:creationId xmlns:a16="http://schemas.microsoft.com/office/drawing/2014/main" id="{45498A78-3B9B-48F2-3244-4F5FBF8456E9}"/>
+            </a:ext>
+          </a:extLst>
+        </p:cNvPr>
+        <p:cNvGrpSpPr/>
+        <p:nvPr/>
+      </p:nvGrpSpPr>
+      <p:grpSpPr>
+        <a:xfrm>
+          <a:off x="0" y="0"/>
+          <a:ext cx="0" cy="0"/>
+          <a:chOff x="0" y="0"/>
+          <a:chExt cx="0" cy="0"/>
+        </a:xfrm>
+      </p:grpSpPr>
+      <p:sp>
+        <p:nvSpPr>
+          <p:cNvPr id="2" name="Folienbildplatzhalter 1">
+            <a:extLst>
+              <a:ext uri="{FF2B5EF4-FFF2-40B4-BE49-F238E27FC236}">
+                <a16:creationId xmlns:a16="http://schemas.microsoft.com/office/drawing/2014/main" id="{4FF4455D-A27E-BF10-1AA0-C1012C551432}"/>
+              </a:ext>
+            </a:extLst>
+          </p:cNvPr>
+          <p:cNvSpPr>
+            <a:spLocks noGrp="1" noRot="1" noChangeAspect="1"/>
+          </p:cNvSpPr>
+          <p:nvPr>
+            <p:ph type="sldImg"/>
+          </p:nvPr>
+        </p:nvSpPr>
+        <p:spPr/>
+      </p:sp>
+      <p:sp>
+        <p:nvSpPr>
+          <p:cNvPr id="3" name="Notizenplatzhalter 2">
+            <a:extLst>
+              <a:ext uri="{FF2B5EF4-FFF2-40B4-BE49-F238E27FC236}">
+                <a16:creationId xmlns:a16="http://schemas.microsoft.com/office/drawing/2014/main" id="{46BDBC45-FBA2-A492-08C5-9FEF1B7C155B}"/>
+              </a:ext>
+            </a:extLst>
+          </p:cNvPr>
+          <p:cNvSpPr>
+            <a:spLocks noGrp="1"/>
+          </p:cNvSpPr>
+          <p:nvPr>
+            <p:ph type="body" idx="1"/>
+          </p:nvPr>
+        </p:nvSpPr>
+        <p:spPr/>
+        <p:txBody>
+          <a:bodyPr/>
+          <a:lstStyle/>
+          <a:p>
+            <a:r>
+              <a:rPr lang="de-DE"/>
+              <a:t>Hier beginnen wir mit dem Hintergrund und der Motivation für unser Projekt. Wir geben einen Überblick über die Einzelhandelsbranche und erläutern die Zielsetzung unseres Data Science Projekts, um Prozesse zu optimieren und die Effizienz zu steigern.</a:t>
+            </a:r>
+          </a:p>
+        </p:txBody>
+      </p:sp>
+      <p:sp>
+        <p:nvSpPr>
+          <p:cNvPr id="4" name="Foliennummernplatzhalter 3">
+            <a:extLst>
+              <a:ext uri="{FF2B5EF4-FFF2-40B4-BE49-F238E27FC236}">
+                <a16:creationId xmlns:a16="http://schemas.microsoft.com/office/drawing/2014/main" id="{0945E3CB-3DF3-AE2B-E34E-6C7F6A19DB13}"/>
+              </a:ext>
+            </a:extLst>
+          </p:cNvPr>
+          <p:cNvSpPr>
+            <a:spLocks noGrp="1"/>
+          </p:cNvSpPr>
+          <p:nvPr>
+            <p:ph type="sldNum" sz="quarter" idx="5"/>
+          </p:nvPr>
+        </p:nvSpPr>
+        <p:spPr/>
+        <p:txBody>
+          <a:bodyPr/>
+          <a:lstStyle/>
+          <a:p>
+            <a:fld id="{8C36BA74-7AA1-48ED-B9BC-0F570D47A936}" type="slidenum">
+              <a:t>7</a:t>
+            </a:fld>
+            <a:endParaRPr lang="de-DE"/>
+          </a:p>
+        </p:txBody>
+      </p:sp>
+    </p:spTree>
+    <p:extLst>
+      <p:ext uri="{BB962C8B-B14F-4D97-AF65-F5344CB8AC3E}">
+        <p14:creationId xmlns:p14="http://schemas.microsoft.com/office/powerpoint/2010/main" val="1883176884"/>
+      </p:ext>
+    </p:extLst>
+  </p:cSld>
+  <p:clrMapOvr>
+    <a:masterClrMapping/>
+  </p:clrMapOvr>
+</p:notes>
+</file>
+
+<file path=ppt/notesSlides/notesSlide20.xml><?xml version="1.0" encoding="utf-8"?>
 <p:notes xmlns:a="http://schemas.openxmlformats.org/drawingml/2006/main" xmlns:r="http://schemas.openxmlformats.org/officeDocument/2006/relationships" xmlns:p="http://schemas.openxmlformats.org/presentationml/2006/main">
   <p:cSld>
     <p:spTree>
@@ -2290,117 +2569,7 @@
 </p:notes>
 </file>
 
-<file path=ppt/notesSlides/notesSlide2.xml><?xml version="1.0" encoding="utf-8"?>
-<p:notes xmlns:a="http://schemas.openxmlformats.org/drawingml/2006/main" xmlns:r="http://schemas.openxmlformats.org/officeDocument/2006/relationships" xmlns:p="http://schemas.openxmlformats.org/presentationml/2006/main">
-  <p:cSld>
-    <p:spTree>
-      <p:nvGrpSpPr>
-        <p:cNvPr id="1" name="">
-          <a:extLst>
-            <a:ext uri="{FF2B5EF4-FFF2-40B4-BE49-F238E27FC236}">
-              <a16:creationId xmlns:a16="http://schemas.microsoft.com/office/drawing/2014/main" id="{45498A78-3B9B-48F2-3244-4F5FBF8456E9}"/>
-            </a:ext>
-          </a:extLst>
-        </p:cNvPr>
-        <p:cNvGrpSpPr/>
-        <p:nvPr/>
-      </p:nvGrpSpPr>
-      <p:grpSpPr>
-        <a:xfrm>
-          <a:off x="0" y="0"/>
-          <a:ext cx="0" cy="0"/>
-          <a:chOff x="0" y="0"/>
-          <a:chExt cx="0" cy="0"/>
-        </a:xfrm>
-      </p:grpSpPr>
-      <p:sp>
-        <p:nvSpPr>
-          <p:cNvPr id="2" name="Folienbildplatzhalter 1">
-            <a:extLst>
-              <a:ext uri="{FF2B5EF4-FFF2-40B4-BE49-F238E27FC236}">
-                <a16:creationId xmlns:a16="http://schemas.microsoft.com/office/drawing/2014/main" id="{4FF4455D-A27E-BF10-1AA0-C1012C551432}"/>
-              </a:ext>
-            </a:extLst>
-          </p:cNvPr>
-          <p:cNvSpPr>
-            <a:spLocks noGrp="1" noRot="1" noChangeAspect="1"/>
-          </p:cNvSpPr>
-          <p:nvPr>
-            <p:ph type="sldImg"/>
-          </p:nvPr>
-        </p:nvSpPr>
-        <p:spPr/>
-      </p:sp>
-      <p:sp>
-        <p:nvSpPr>
-          <p:cNvPr id="3" name="Notizenplatzhalter 2">
-            <a:extLst>
-              <a:ext uri="{FF2B5EF4-FFF2-40B4-BE49-F238E27FC236}">
-                <a16:creationId xmlns:a16="http://schemas.microsoft.com/office/drawing/2014/main" id="{46BDBC45-FBA2-A492-08C5-9FEF1B7C155B}"/>
-              </a:ext>
-            </a:extLst>
-          </p:cNvPr>
-          <p:cNvSpPr>
-            <a:spLocks noGrp="1"/>
-          </p:cNvSpPr>
-          <p:nvPr>
-            <p:ph type="body" idx="1"/>
-          </p:nvPr>
-        </p:nvSpPr>
-        <p:spPr/>
-        <p:txBody>
-          <a:bodyPr/>
-          <a:lstStyle/>
-          <a:p>
-            <a:r>
-              <a:rPr lang="de-DE"/>
-              <a:t>Hier beginnen wir mit dem Hintergrund und der Motivation für unser Projekt. Wir geben einen Überblick über die Einzelhandelsbranche und erläutern die Zielsetzung unseres Data Science Projekts, um Prozesse zu optimieren und die Effizienz zu steigern.</a:t>
-            </a:r>
-          </a:p>
-        </p:txBody>
-      </p:sp>
-      <p:sp>
-        <p:nvSpPr>
-          <p:cNvPr id="4" name="Foliennummernplatzhalter 3">
-            <a:extLst>
-              <a:ext uri="{FF2B5EF4-FFF2-40B4-BE49-F238E27FC236}">
-                <a16:creationId xmlns:a16="http://schemas.microsoft.com/office/drawing/2014/main" id="{0945E3CB-3DF3-AE2B-E34E-6C7F6A19DB13}"/>
-              </a:ext>
-            </a:extLst>
-          </p:cNvPr>
-          <p:cNvSpPr>
-            <a:spLocks noGrp="1"/>
-          </p:cNvSpPr>
-          <p:nvPr>
-            <p:ph type="sldNum" sz="quarter" idx="5"/>
-          </p:nvPr>
-        </p:nvSpPr>
-        <p:spPr/>
-        <p:txBody>
-          <a:bodyPr/>
-          <a:lstStyle/>
-          <a:p>
-            <a:fld id="{8C36BA74-7AA1-48ED-B9BC-0F570D47A936}" type="slidenum">
-              <a:t>7</a:t>
-            </a:fld>
-            <a:endParaRPr lang="de-DE"/>
-          </a:p>
-        </p:txBody>
-      </p:sp>
-    </p:spTree>
-    <p:extLst>
-      <p:ext uri="{BB962C8B-B14F-4D97-AF65-F5344CB8AC3E}">
-        <p14:creationId xmlns:p14="http://schemas.microsoft.com/office/powerpoint/2010/main" val="1883176884"/>
-      </p:ext>
-    </p:extLst>
-  </p:cSld>
-  <p:clrMapOvr>
-    <a:masterClrMapping/>
-  </p:clrMapOvr>
-</p:notes>
-</file>
-
-<file path=ppt/notesSlides/notesSlide20.xml><?xml version="1.0" encoding="utf-8"?>
+<file path=ppt/notesSlides/notesSlide21.xml><?xml version="1.0" encoding="utf-8"?>
 <p:notes xmlns:a="http://schemas.openxmlformats.org/drawingml/2006/main" xmlns:r="http://schemas.openxmlformats.org/officeDocument/2006/relationships" xmlns:p="http://schemas.openxmlformats.org/presentationml/2006/main">
   <p:cSld>
     <p:spTree>
@@ -2540,7 +2709,7 @@
 </p:notes>
 </file>
 
-<file path=ppt/notesSlides/notesSlide21.xml><?xml version="1.0" encoding="utf-8"?>
+<file path=ppt/notesSlides/notesSlide22.xml><?xml version="1.0" encoding="utf-8"?>
 <p:notes xmlns:a="http://schemas.openxmlformats.org/drawingml/2006/main" xmlns:r="http://schemas.openxmlformats.org/officeDocument/2006/relationships" xmlns:p="http://schemas.openxmlformats.org/presentationml/2006/main">
   <p:cSld>
     <p:spTree>
@@ -2680,7 +2849,7 @@
 </p:notes>
 </file>
 
-<file path=ppt/notesSlides/notesSlide22.xml><?xml version="1.0" encoding="utf-8"?>
+<file path=ppt/notesSlides/notesSlide23.xml><?xml version="1.0" encoding="utf-8"?>
 <p:notes xmlns:a="http://schemas.openxmlformats.org/drawingml/2006/main" xmlns:r="http://schemas.openxmlformats.org/officeDocument/2006/relationships" xmlns:p="http://schemas.openxmlformats.org/presentationml/2006/main">
   <p:cSld>
     <p:spTree>
@@ -2849,7 +3018,7 @@
 </p:notes>
 </file>
 
-<file path=ppt/notesSlides/notesSlide23.xml><?xml version="1.0" encoding="utf-8"?>
+<file path=ppt/notesSlides/notesSlide24.xml><?xml version="1.0" encoding="utf-8"?>
 <p:notes xmlns:a="http://schemas.openxmlformats.org/drawingml/2006/main" xmlns:r="http://schemas.openxmlformats.org/officeDocument/2006/relationships" xmlns:p="http://schemas.openxmlformats.org/presentationml/2006/main">
   <p:cSld>
     <p:spTree>
@@ -3018,7 +3187,7 @@
 </p:notes>
 </file>
 
-<file path=ppt/notesSlides/notesSlide24.xml><?xml version="1.0" encoding="utf-8"?>
+<file path=ppt/notesSlides/notesSlide25.xml><?xml version="1.0" encoding="utf-8"?>
 <p:notes xmlns:a="http://schemas.openxmlformats.org/drawingml/2006/main" xmlns:r="http://schemas.openxmlformats.org/officeDocument/2006/relationships" xmlns:p="http://schemas.openxmlformats.org/presentationml/2006/main">
   <p:cSld>
     <p:spTree>
@@ -3187,7 +3356,7 @@
 </p:notes>
 </file>
 
-<file path=ppt/notesSlides/notesSlide25.xml><?xml version="1.0" encoding="utf-8"?>
+<file path=ppt/notesSlides/notesSlide26.xml><?xml version="1.0" encoding="utf-8"?>
 <p:notes xmlns:a="http://schemas.openxmlformats.org/drawingml/2006/main" xmlns:r="http://schemas.openxmlformats.org/officeDocument/2006/relationships" xmlns:p="http://schemas.openxmlformats.org/presentationml/2006/main">
   <p:cSld>
     <p:spTree>
@@ -3356,7 +3525,7 @@
 </p:notes>
 </file>
 
-<file path=ppt/notesSlides/notesSlide26.xml><?xml version="1.0" encoding="utf-8"?>
+<file path=ppt/notesSlides/notesSlide27.xml><?xml version="1.0" encoding="utf-8"?>
 <p:notes xmlns:a="http://schemas.openxmlformats.org/drawingml/2006/main" xmlns:r="http://schemas.openxmlformats.org/officeDocument/2006/relationships" xmlns:p="http://schemas.openxmlformats.org/presentationml/2006/main">
   <p:cSld>
     <p:spTree>
@@ -3466,7 +3635,7 @@
 </p:notes>
 </file>
 
-<file path=ppt/notesSlides/notesSlide27.xml><?xml version="1.0" encoding="utf-8"?>
+<file path=ppt/notesSlides/notesSlide28.xml><?xml version="1.0" encoding="utf-8"?>
 <p:notes xmlns:a="http://schemas.openxmlformats.org/drawingml/2006/main" xmlns:r="http://schemas.openxmlformats.org/officeDocument/2006/relationships" xmlns:p="http://schemas.openxmlformats.org/presentationml/2006/main">
   <p:cSld>
     <p:spTree>
@@ -3606,7 +3775,7 @@
 </p:notes>
 </file>
 
-<file path=ppt/notesSlides/notesSlide28.xml><?xml version="1.0" encoding="utf-8"?>
+<file path=ppt/notesSlides/notesSlide29.xml><?xml version="1.0" encoding="utf-8"?>
 <p:notes xmlns:a="http://schemas.openxmlformats.org/drawingml/2006/main" xmlns:r="http://schemas.openxmlformats.org/officeDocument/2006/relationships" xmlns:p="http://schemas.openxmlformats.org/presentationml/2006/main">
   <p:cSld>
     <p:spTree>
@@ -3775,7 +3944,117 @@
 </p:notes>
 </file>
 
-<file path=ppt/notesSlides/notesSlide29.xml><?xml version="1.0" encoding="utf-8"?>
+<file path=ppt/notesSlides/notesSlide3.xml><?xml version="1.0" encoding="utf-8"?>
+<p:notes xmlns:a="http://schemas.openxmlformats.org/drawingml/2006/main" xmlns:r="http://schemas.openxmlformats.org/officeDocument/2006/relationships" xmlns:p="http://schemas.openxmlformats.org/presentationml/2006/main">
+  <p:cSld>
+    <p:spTree>
+      <p:nvGrpSpPr>
+        <p:cNvPr id="1" name="">
+          <a:extLst>
+            <a:ext uri="{FF2B5EF4-FFF2-40B4-BE49-F238E27FC236}">
+              <a16:creationId xmlns:a16="http://schemas.microsoft.com/office/drawing/2014/main" id="{DD0E4D01-5CDC-CE7D-E5E4-F86685973C5E}"/>
+            </a:ext>
+          </a:extLst>
+        </p:cNvPr>
+        <p:cNvGrpSpPr/>
+        <p:nvPr/>
+      </p:nvGrpSpPr>
+      <p:grpSpPr>
+        <a:xfrm>
+          <a:off x="0" y="0"/>
+          <a:ext cx="0" cy="0"/>
+          <a:chOff x="0" y="0"/>
+          <a:chExt cx="0" cy="0"/>
+        </a:xfrm>
+      </p:grpSpPr>
+      <p:sp>
+        <p:nvSpPr>
+          <p:cNvPr id="2" name="Folienbildplatzhalter 1">
+            <a:extLst>
+              <a:ext uri="{FF2B5EF4-FFF2-40B4-BE49-F238E27FC236}">
+                <a16:creationId xmlns:a16="http://schemas.microsoft.com/office/drawing/2014/main" id="{926EE435-1720-B05E-2B05-3F201BC6FD29}"/>
+              </a:ext>
+            </a:extLst>
+          </p:cNvPr>
+          <p:cNvSpPr>
+            <a:spLocks noGrp="1" noRot="1" noChangeAspect="1"/>
+          </p:cNvSpPr>
+          <p:nvPr>
+            <p:ph type="sldImg"/>
+          </p:nvPr>
+        </p:nvSpPr>
+        <p:spPr/>
+      </p:sp>
+      <p:sp>
+        <p:nvSpPr>
+          <p:cNvPr id="3" name="Notizenplatzhalter 2">
+            <a:extLst>
+              <a:ext uri="{FF2B5EF4-FFF2-40B4-BE49-F238E27FC236}">
+                <a16:creationId xmlns:a16="http://schemas.microsoft.com/office/drawing/2014/main" id="{47426DCF-120D-1DA9-D396-BA121486E24A}"/>
+              </a:ext>
+            </a:extLst>
+          </p:cNvPr>
+          <p:cNvSpPr>
+            <a:spLocks noGrp="1"/>
+          </p:cNvSpPr>
+          <p:nvPr>
+            <p:ph type="body" idx="1"/>
+          </p:nvPr>
+        </p:nvSpPr>
+        <p:spPr/>
+        <p:txBody>
+          <a:bodyPr/>
+          <a:lstStyle/>
+          <a:p>
+            <a:r>
+              <a:rPr lang="de-DE"/>
+              <a:t>Hier beginnen wir mit dem Hintergrund und der Motivation für unser Projekt. Wir geben einen Überblick über die Einzelhandelsbranche und erläutern die Zielsetzung unseres Data Science Projekts, um Prozesse zu optimieren und die Effizienz zu steigern.</a:t>
+            </a:r>
+          </a:p>
+        </p:txBody>
+      </p:sp>
+      <p:sp>
+        <p:nvSpPr>
+          <p:cNvPr id="4" name="Foliennummernplatzhalter 3">
+            <a:extLst>
+              <a:ext uri="{FF2B5EF4-FFF2-40B4-BE49-F238E27FC236}">
+                <a16:creationId xmlns:a16="http://schemas.microsoft.com/office/drawing/2014/main" id="{FDA9403F-AEFE-9BE6-5A3E-EC050E2624E7}"/>
+              </a:ext>
+            </a:extLst>
+          </p:cNvPr>
+          <p:cNvSpPr>
+            <a:spLocks noGrp="1"/>
+          </p:cNvSpPr>
+          <p:nvPr>
+            <p:ph type="sldNum" sz="quarter" idx="5"/>
+          </p:nvPr>
+        </p:nvSpPr>
+        <p:spPr/>
+        <p:txBody>
+          <a:bodyPr/>
+          <a:lstStyle/>
+          <a:p>
+            <a:fld id="{8C36BA74-7AA1-48ED-B9BC-0F570D47A936}" type="slidenum">
+              <a:t>16</a:t>
+            </a:fld>
+            <a:endParaRPr lang="de-DE"/>
+          </a:p>
+        </p:txBody>
+      </p:sp>
+    </p:spTree>
+    <p:extLst>
+      <p:ext uri="{BB962C8B-B14F-4D97-AF65-F5344CB8AC3E}">
+        <p14:creationId xmlns:p14="http://schemas.microsoft.com/office/powerpoint/2010/main" val="1483038146"/>
+      </p:ext>
+    </p:extLst>
+  </p:cSld>
+  <p:clrMapOvr>
+    <a:masterClrMapping/>
+  </p:clrMapOvr>
+</p:notes>
+</file>
+
+<file path=ppt/notesSlides/notesSlide30.xml><?xml version="1.0" encoding="utf-8"?>
 <p:notes xmlns:a="http://schemas.openxmlformats.org/drawingml/2006/main" xmlns:r="http://schemas.openxmlformats.org/officeDocument/2006/relationships" xmlns:p="http://schemas.openxmlformats.org/presentationml/2006/main">
   <p:cSld>
     <p:spTree>
@@ -3944,117 +4223,7 @@
 </p:notes>
 </file>
 
-<file path=ppt/notesSlides/notesSlide3.xml><?xml version="1.0" encoding="utf-8"?>
-<p:notes xmlns:a="http://schemas.openxmlformats.org/drawingml/2006/main" xmlns:r="http://schemas.openxmlformats.org/officeDocument/2006/relationships" xmlns:p="http://schemas.openxmlformats.org/presentationml/2006/main">
-  <p:cSld>
-    <p:spTree>
-      <p:nvGrpSpPr>
-        <p:cNvPr id="1" name="">
-          <a:extLst>
-            <a:ext uri="{FF2B5EF4-FFF2-40B4-BE49-F238E27FC236}">
-              <a16:creationId xmlns:a16="http://schemas.microsoft.com/office/drawing/2014/main" id="{DD0E4D01-5CDC-CE7D-E5E4-F86685973C5E}"/>
-            </a:ext>
-          </a:extLst>
-        </p:cNvPr>
-        <p:cNvGrpSpPr/>
-        <p:nvPr/>
-      </p:nvGrpSpPr>
-      <p:grpSpPr>
-        <a:xfrm>
-          <a:off x="0" y="0"/>
-          <a:ext cx="0" cy="0"/>
-          <a:chOff x="0" y="0"/>
-          <a:chExt cx="0" cy="0"/>
-        </a:xfrm>
-      </p:grpSpPr>
-      <p:sp>
-        <p:nvSpPr>
-          <p:cNvPr id="2" name="Folienbildplatzhalter 1">
-            <a:extLst>
-              <a:ext uri="{FF2B5EF4-FFF2-40B4-BE49-F238E27FC236}">
-                <a16:creationId xmlns:a16="http://schemas.microsoft.com/office/drawing/2014/main" id="{926EE435-1720-B05E-2B05-3F201BC6FD29}"/>
-              </a:ext>
-            </a:extLst>
-          </p:cNvPr>
-          <p:cNvSpPr>
-            <a:spLocks noGrp="1" noRot="1" noChangeAspect="1"/>
-          </p:cNvSpPr>
-          <p:nvPr>
-            <p:ph type="sldImg"/>
-          </p:nvPr>
-        </p:nvSpPr>
-        <p:spPr/>
-      </p:sp>
-      <p:sp>
-        <p:nvSpPr>
-          <p:cNvPr id="3" name="Notizenplatzhalter 2">
-            <a:extLst>
-              <a:ext uri="{FF2B5EF4-FFF2-40B4-BE49-F238E27FC236}">
-                <a16:creationId xmlns:a16="http://schemas.microsoft.com/office/drawing/2014/main" id="{47426DCF-120D-1DA9-D396-BA121486E24A}"/>
-              </a:ext>
-            </a:extLst>
-          </p:cNvPr>
-          <p:cNvSpPr>
-            <a:spLocks noGrp="1"/>
-          </p:cNvSpPr>
-          <p:nvPr>
-            <p:ph type="body" idx="1"/>
-          </p:nvPr>
-        </p:nvSpPr>
-        <p:spPr/>
-        <p:txBody>
-          <a:bodyPr/>
-          <a:lstStyle/>
-          <a:p>
-            <a:r>
-              <a:rPr lang="de-DE"/>
-              <a:t>Hier beginnen wir mit dem Hintergrund und der Motivation für unser Projekt. Wir geben einen Überblick über die Einzelhandelsbranche und erläutern die Zielsetzung unseres Data Science Projekts, um Prozesse zu optimieren und die Effizienz zu steigern.</a:t>
-            </a:r>
-          </a:p>
-        </p:txBody>
-      </p:sp>
-      <p:sp>
-        <p:nvSpPr>
-          <p:cNvPr id="4" name="Foliennummernplatzhalter 3">
-            <a:extLst>
-              <a:ext uri="{FF2B5EF4-FFF2-40B4-BE49-F238E27FC236}">
-                <a16:creationId xmlns:a16="http://schemas.microsoft.com/office/drawing/2014/main" id="{FDA9403F-AEFE-9BE6-5A3E-EC050E2624E7}"/>
-              </a:ext>
-            </a:extLst>
-          </p:cNvPr>
-          <p:cNvSpPr>
-            <a:spLocks noGrp="1"/>
-          </p:cNvSpPr>
-          <p:nvPr>
-            <p:ph type="sldNum" sz="quarter" idx="5"/>
-          </p:nvPr>
-        </p:nvSpPr>
-        <p:spPr/>
-        <p:txBody>
-          <a:bodyPr/>
-          <a:lstStyle/>
-          <a:p>
-            <a:fld id="{8C36BA74-7AA1-48ED-B9BC-0F570D47A936}" type="slidenum">
-              <a:t>17</a:t>
-            </a:fld>
-            <a:endParaRPr lang="de-DE"/>
-          </a:p>
-        </p:txBody>
-      </p:sp>
-    </p:spTree>
-    <p:extLst>
-      <p:ext uri="{BB962C8B-B14F-4D97-AF65-F5344CB8AC3E}">
-        <p14:creationId xmlns:p14="http://schemas.microsoft.com/office/powerpoint/2010/main" val="1483038146"/>
-      </p:ext>
-    </p:extLst>
-  </p:cSld>
-  <p:clrMapOvr>
-    <a:masterClrMapping/>
-  </p:clrMapOvr>
-</p:notes>
-</file>
-
-<file path=ppt/notesSlides/notesSlide30.xml><?xml version="1.0" encoding="utf-8"?>
+<file path=ppt/notesSlides/notesSlide31.xml><?xml version="1.0" encoding="utf-8"?>
 <p:notes xmlns:a="http://schemas.openxmlformats.org/drawingml/2006/main" xmlns:r="http://schemas.openxmlformats.org/officeDocument/2006/relationships" xmlns:p="http://schemas.openxmlformats.org/presentationml/2006/main">
   <p:cSld>
     <p:spTree>
@@ -4223,7 +4392,7 @@
 </p:notes>
 </file>
 
-<file path=ppt/notesSlides/notesSlide31.xml><?xml version="1.0" encoding="utf-8"?>
+<file path=ppt/notesSlides/notesSlide32.xml><?xml version="1.0" encoding="utf-8"?>
 <p:notes xmlns:a="http://schemas.openxmlformats.org/drawingml/2006/main" xmlns:r="http://schemas.openxmlformats.org/officeDocument/2006/relationships" xmlns:p="http://schemas.openxmlformats.org/presentationml/2006/main">
   <p:cSld>
     <p:spTree>
@@ -4392,7 +4561,7 @@
 </p:notes>
 </file>
 
-<file path=ppt/notesSlides/notesSlide32.xml><?xml version="1.0" encoding="utf-8"?>
+<file path=ppt/notesSlides/notesSlide33.xml><?xml version="1.0" encoding="utf-8"?>
 <p:notes xmlns:a="http://schemas.openxmlformats.org/drawingml/2006/main" xmlns:r="http://schemas.openxmlformats.org/officeDocument/2006/relationships" xmlns:p="http://schemas.openxmlformats.org/presentationml/2006/main">
   <p:cSld>
     <p:spTree>
@@ -4561,7 +4730,7 @@
 </p:notes>
 </file>
 
-<file path=ppt/notesSlides/notesSlide33.xml><?xml version="1.0" encoding="utf-8"?>
+<file path=ppt/notesSlides/notesSlide34.xml><?xml version="1.0" encoding="utf-8"?>
 <p:notes xmlns:a="http://schemas.openxmlformats.org/drawingml/2006/main" xmlns:r="http://schemas.openxmlformats.org/officeDocument/2006/relationships" xmlns:p="http://schemas.openxmlformats.org/presentationml/2006/main">
   <p:cSld>
     <p:spTree>
@@ -4730,7 +4899,7 @@
 </p:notes>
 </file>
 
-<file path=ppt/notesSlides/notesSlide34.xml><?xml version="1.0" encoding="utf-8"?>
+<file path=ppt/notesSlides/notesSlide35.xml><?xml version="1.0" encoding="utf-8"?>
 <p:notes xmlns:a="http://schemas.openxmlformats.org/drawingml/2006/main" xmlns:r="http://schemas.openxmlformats.org/officeDocument/2006/relationships" xmlns:p="http://schemas.openxmlformats.org/presentationml/2006/main">
   <p:cSld>
     <p:spTree>
@@ -4899,7 +5068,7 @@
 </p:notes>
 </file>
 
-<file path=ppt/notesSlides/notesSlide35.xml><?xml version="1.0" encoding="utf-8"?>
+<file path=ppt/notesSlides/notesSlide36.xml><?xml version="1.0" encoding="utf-8"?>
 <p:notes xmlns:a="http://schemas.openxmlformats.org/drawingml/2006/main" xmlns:r="http://schemas.openxmlformats.org/officeDocument/2006/relationships" xmlns:p="http://schemas.openxmlformats.org/presentationml/2006/main">
   <p:cSld>
     <p:spTree>
@@ -5068,7 +5237,7 @@
 </p:notes>
 </file>
 
-<file path=ppt/notesSlides/notesSlide36.xml><?xml version="1.0" encoding="utf-8"?>
+<file path=ppt/notesSlides/notesSlide37.xml><?xml version="1.0" encoding="utf-8"?>
 <p:notes xmlns:a="http://schemas.openxmlformats.org/drawingml/2006/main" xmlns:r="http://schemas.openxmlformats.org/officeDocument/2006/relationships" xmlns:p="http://schemas.openxmlformats.org/presentationml/2006/main">
   <p:cSld>
     <p:spTree>
@@ -5237,7 +5406,7 @@
 </p:notes>
 </file>
 
-<file path=ppt/notesSlides/notesSlide37.xml><?xml version="1.0" encoding="utf-8"?>
+<file path=ppt/notesSlides/notesSlide38.xml><?xml version="1.0" encoding="utf-8"?>
 <p:notes xmlns:a="http://schemas.openxmlformats.org/drawingml/2006/main" xmlns:r="http://schemas.openxmlformats.org/officeDocument/2006/relationships" xmlns:p="http://schemas.openxmlformats.org/presentationml/2006/main">
   <p:cSld>
     <p:spTree>
@@ -5406,7 +5575,7 @@
 </p:notes>
 </file>
 
-<file path=ppt/notesSlides/notesSlide38.xml><?xml version="1.0" encoding="utf-8"?>
+<file path=ppt/notesSlides/notesSlide39.xml><?xml version="1.0" encoding="utf-8"?>
 <p:notes xmlns:a="http://schemas.openxmlformats.org/drawingml/2006/main" xmlns:r="http://schemas.openxmlformats.org/officeDocument/2006/relationships" xmlns:p="http://schemas.openxmlformats.org/presentationml/2006/main">
   <p:cSld>
     <p:spTree>
@@ -5575,7 +5744,147 @@
 </p:notes>
 </file>
 
-<file path=ppt/notesSlides/notesSlide39.xml><?xml version="1.0" encoding="utf-8"?>
+<file path=ppt/notesSlides/notesSlide4.xml><?xml version="1.0" encoding="utf-8"?>
+<p:notes xmlns:a="http://schemas.openxmlformats.org/drawingml/2006/main" xmlns:r="http://schemas.openxmlformats.org/officeDocument/2006/relationships" xmlns:p="http://schemas.openxmlformats.org/presentationml/2006/main">
+  <p:cSld>
+    <p:spTree>
+      <p:nvGrpSpPr>
+        <p:cNvPr id="1" name=""/>
+        <p:cNvGrpSpPr/>
+        <p:nvPr/>
+      </p:nvGrpSpPr>
+      <p:grpSpPr bwMode="auto">
+        <a:xfrm>
+          <a:off x="0" y="0"/>
+          <a:ext cx="0" cy="0"/>
+          <a:chOff x="0" y="0"/>
+          <a:chExt cx="0" cy="0"/>
+        </a:xfrm>
+      </p:grpSpPr>
+      <p:sp>
+        <p:nvSpPr>
+          <p:cNvPr id="1330014680" name="Slide Image Placeholder 1"/>
+          <p:cNvSpPr>
+            <a:spLocks noGrp="1" noRot="1" noChangeAspect="1"/>
+          </p:cNvSpPr>
+          <p:nvPr>
+            <p:ph type="sldImg"/>
+          </p:nvPr>
+        </p:nvSpPr>
+        <p:spPr bwMode="auto"/>
+      </p:sp>
+      <p:sp>
+        <p:nvSpPr>
+          <p:cNvPr id="1330354815" name="Notes Placeholder 2"/>
+          <p:cNvSpPr>
+            <a:spLocks noGrp="1"/>
+          </p:cNvSpPr>
+          <p:nvPr>
+            <p:ph type="body" idx="1"/>
+          </p:nvPr>
+        </p:nvSpPr>
+        <p:spPr bwMode="auto"/>
+        <p:txBody>
+          <a:bodyPr/>
+          <a:lstStyle/>
+          <a:p>
+            <a:pPr>
+              <a:defRPr/>
+            </a:pPr>
+            <a:endParaRPr/>
+          </a:p>
+        </p:txBody>
+      </p:sp>
+      <p:sp>
+        <p:nvSpPr>
+          <p:cNvPr id="1667253447" name="Slide Number Placeholder 3"/>
+          <p:cNvSpPr>
+            <a:spLocks noGrp="1"/>
+          </p:cNvSpPr>
+          <p:nvPr>
+            <p:ph type="sldNum" sz="quarter" idx="10"/>
+          </p:nvPr>
+        </p:nvSpPr>
+        <p:spPr bwMode="auto"/>
+        <p:txBody>
+          <a:bodyPr/>
+          <a:lstStyle/>
+          <a:p>
+            <a:pPr marL="0" marR="0" lvl="0" indent="0" algn="r" defTabSz="914400" eaLnBrk="1" fontAlgn="auto" latinLnBrk="0" hangingPunct="1">
+              <a:lnSpc>
+                <a:spcPct val="100000"/>
+              </a:lnSpc>
+              <a:spcBef>
+                <a:spcPts val="0"/>
+              </a:spcBef>
+              <a:spcAft>
+                <a:spcPts val="0"/>
+              </a:spcAft>
+              <a:buClrTx/>
+              <a:buSzTx/>
+              <a:buFontTx/>
+              <a:buNone/>
+              <a:tabLst/>
+              <a:defRPr/>
+            </a:pPr>
+            <a:fld id="{37F1F184-79D2-F4EC-467F-CF3EF60FA136}" type="slidenum">
+              <a:rPr kumimoji="0" sz="1200" b="0" i="0" u="none" strike="noStrike" kern="0" cap="none" spc="0" normalizeH="0" baseline="0" noProof="0">
+                <a:ln>
+                  <a:noFill/>
+                </a:ln>
+                <a:solidFill>
+                  <a:prstClr val="black"/>
+                </a:solidFill>
+                <a:effectLst/>
+                <a:uLnTx/>
+                <a:uFillTx/>
+                <a:latin typeface="Calibri"/>
+                <a:cs typeface="Arial"/>
+              </a:rPr>
+              <a:pPr marL="0" marR="0" lvl="0" indent="0" algn="r" defTabSz="914400" eaLnBrk="1" fontAlgn="auto" latinLnBrk="0" hangingPunct="1">
+                <a:lnSpc>
+                  <a:spcPct val="100000"/>
+                </a:lnSpc>
+                <a:spcBef>
+                  <a:spcPts val="0"/>
+                </a:spcBef>
+                <a:spcAft>
+                  <a:spcPts val="0"/>
+                </a:spcAft>
+                <a:buClrTx/>
+                <a:buSzTx/>
+                <a:buFontTx/>
+                <a:buNone/>
+                <a:tabLst/>
+                <a:defRPr/>
+              </a:pPr>
+              <a:t>20</a:t>
+            </a:fld>
+            <a:endParaRPr kumimoji="0" sz="1200" b="0" i="0" u="none" strike="noStrike" kern="0" cap="none" spc="0" normalizeH="0" baseline="0" noProof="0">
+              <a:ln>
+                <a:noFill/>
+              </a:ln>
+              <a:solidFill>
+                <a:prstClr val="black"/>
+              </a:solidFill>
+              <a:effectLst/>
+              <a:uLnTx/>
+              <a:uFillTx/>
+              <a:latin typeface="Calibri"/>
+              <a:cs typeface="Arial"/>
+            </a:endParaRPr>
+          </a:p>
+        </p:txBody>
+      </p:sp>
+    </p:spTree>
+  </p:cSld>
+  <p:clrMapOvr>
+    <a:masterClrMapping/>
+  </p:clrMapOvr>
+</p:notes>
+</file>
+
+<file path=ppt/notesSlides/notesSlide40.xml><?xml version="1.0" encoding="utf-8"?>
 <p:notes xmlns:a="http://schemas.openxmlformats.org/drawingml/2006/main" xmlns:r="http://schemas.openxmlformats.org/officeDocument/2006/relationships" xmlns:p="http://schemas.openxmlformats.org/presentationml/2006/main">
   <p:cSld>
     <p:spTree>
@@ -5744,7 +6053,1072 @@
 </p:notes>
 </file>
 
-<file path=ppt/notesSlides/notesSlide4.xml><?xml version="1.0" encoding="utf-8"?>
+<file path=ppt/notesSlides/notesSlide41.xml><?xml version="1.0" encoding="utf-8"?>
+<p:notes xmlns:a="http://schemas.openxmlformats.org/drawingml/2006/main" xmlns:r="http://schemas.openxmlformats.org/officeDocument/2006/relationships" xmlns:p="http://schemas.openxmlformats.org/presentationml/2006/main">
+  <p:cSld>
+    <p:spTree>
+      <p:nvGrpSpPr>
+        <p:cNvPr id="1" name="">
+          <a:extLst>
+            <a:ext uri="{FF2B5EF4-FFF2-40B4-BE49-F238E27FC236}">
+              <a16:creationId xmlns:a16="http://schemas.microsoft.com/office/drawing/2014/main" id="{A2E9F3D3-D5A2-453D-4054-1B6ABEA6DF19}"/>
+            </a:ext>
+          </a:extLst>
+        </p:cNvPr>
+        <p:cNvGrpSpPr/>
+        <p:nvPr/>
+      </p:nvGrpSpPr>
+      <p:grpSpPr bwMode="auto">
+        <a:xfrm>
+          <a:off x="0" y="0"/>
+          <a:ext cx="0" cy="0"/>
+          <a:chOff x="0" y="0"/>
+          <a:chExt cx="0" cy="0"/>
+        </a:xfrm>
+      </p:grpSpPr>
+      <p:sp>
+        <p:nvSpPr>
+          <p:cNvPr id="139090186" name="Slide Image Placeholder 1">
+            <a:extLst>
+              <a:ext uri="{FF2B5EF4-FFF2-40B4-BE49-F238E27FC236}">
+                <a16:creationId xmlns:a16="http://schemas.microsoft.com/office/drawing/2014/main" id="{13F44863-AC7B-8ABD-AAA9-D819BC1D70C8}"/>
+              </a:ext>
+            </a:extLst>
+          </p:cNvPr>
+          <p:cNvSpPr>
+            <a:spLocks noGrp="1" noRot="1" noChangeAspect="1"/>
+          </p:cNvSpPr>
+          <p:nvPr>
+            <p:ph type="sldImg"/>
+          </p:nvPr>
+        </p:nvSpPr>
+        <p:spPr bwMode="auto"/>
+      </p:sp>
+      <p:sp>
+        <p:nvSpPr>
+          <p:cNvPr id="400293583" name="Notes Placeholder 2">
+            <a:extLst>
+              <a:ext uri="{FF2B5EF4-FFF2-40B4-BE49-F238E27FC236}">
+                <a16:creationId xmlns:a16="http://schemas.microsoft.com/office/drawing/2014/main" id="{13B76D12-19FF-91AA-4941-782F0B7996F1}"/>
+              </a:ext>
+            </a:extLst>
+          </p:cNvPr>
+          <p:cNvSpPr>
+            <a:spLocks noGrp="1"/>
+          </p:cNvSpPr>
+          <p:nvPr>
+            <p:ph type="body" idx="1"/>
+          </p:nvPr>
+        </p:nvSpPr>
+        <p:spPr bwMode="auto"/>
+        <p:txBody>
+          <a:bodyPr/>
+          <a:lstStyle/>
+          <a:p>
+            <a:pPr>
+              <a:defRPr/>
+            </a:pPr>
+            <a:endParaRPr/>
+          </a:p>
+        </p:txBody>
+      </p:sp>
+      <p:sp>
+        <p:nvSpPr>
+          <p:cNvPr id="1257388043" name="Slide Number Placeholder 3">
+            <a:extLst>
+              <a:ext uri="{FF2B5EF4-FFF2-40B4-BE49-F238E27FC236}">
+                <a16:creationId xmlns:a16="http://schemas.microsoft.com/office/drawing/2014/main" id="{2DB14216-72B6-587D-8E1A-5F4B7D7AA16C}"/>
+              </a:ext>
+            </a:extLst>
+          </p:cNvPr>
+          <p:cNvSpPr>
+            <a:spLocks noGrp="1"/>
+          </p:cNvSpPr>
+          <p:nvPr>
+            <p:ph type="sldNum" sz="quarter" idx="10"/>
+          </p:nvPr>
+        </p:nvSpPr>
+        <p:spPr bwMode="auto"/>
+        <p:txBody>
+          <a:bodyPr/>
+          <a:lstStyle/>
+          <a:p>
+            <a:pPr marL="0" marR="0" lvl="0" indent="0" algn="r" defTabSz="914400" eaLnBrk="1" fontAlgn="auto" latinLnBrk="0" hangingPunct="1">
+              <a:lnSpc>
+                <a:spcPct val="100000"/>
+              </a:lnSpc>
+              <a:spcBef>
+                <a:spcPts val="0"/>
+              </a:spcBef>
+              <a:spcAft>
+                <a:spcPts val="0"/>
+              </a:spcAft>
+              <a:buClrTx/>
+              <a:buSzTx/>
+              <a:buFontTx/>
+              <a:buNone/>
+              <a:tabLst/>
+              <a:defRPr/>
+            </a:pPr>
+            <a:fld id="{20073075-213A-DC53-9B24-1C6EF3B6ADAB}" type="slidenum">
+              <a:rPr kumimoji="0" sz="1200" b="0" i="0" u="none" strike="noStrike" kern="0" cap="none" spc="0" normalizeH="0" baseline="0" noProof="0">
+                <a:ln>
+                  <a:noFill/>
+                </a:ln>
+                <a:solidFill>
+                  <a:prstClr val="black"/>
+                </a:solidFill>
+                <a:effectLst/>
+                <a:uLnTx/>
+                <a:uFillTx/>
+                <a:latin typeface="Calibri"/>
+                <a:cs typeface="Arial"/>
+              </a:rPr>
+              <a:pPr marL="0" marR="0" lvl="0" indent="0" algn="r" defTabSz="914400" eaLnBrk="1" fontAlgn="auto" latinLnBrk="0" hangingPunct="1">
+                <a:lnSpc>
+                  <a:spcPct val="100000"/>
+                </a:lnSpc>
+                <a:spcBef>
+                  <a:spcPts val="0"/>
+                </a:spcBef>
+                <a:spcAft>
+                  <a:spcPts val="0"/>
+                </a:spcAft>
+                <a:buClrTx/>
+                <a:buSzTx/>
+                <a:buFontTx/>
+                <a:buNone/>
+                <a:tabLst/>
+                <a:defRPr/>
+              </a:pPr>
+              <a:t>71</a:t>
+            </a:fld>
+            <a:endParaRPr kumimoji="0" sz="1200" b="0" i="0" u="none" strike="noStrike" kern="0" cap="none" spc="0" normalizeH="0" baseline="0" noProof="0">
+              <a:ln>
+                <a:noFill/>
+              </a:ln>
+              <a:solidFill>
+                <a:prstClr val="black"/>
+              </a:solidFill>
+              <a:effectLst/>
+              <a:uLnTx/>
+              <a:uFillTx/>
+              <a:latin typeface="Calibri"/>
+              <a:cs typeface="Arial"/>
+            </a:endParaRPr>
+          </a:p>
+        </p:txBody>
+      </p:sp>
+    </p:spTree>
+    <p:extLst>
+      <p:ext uri="{BB962C8B-B14F-4D97-AF65-F5344CB8AC3E}">
+        <p14:creationId xmlns:p14="http://schemas.microsoft.com/office/powerpoint/2010/main" val="3871987960"/>
+      </p:ext>
+    </p:extLst>
+  </p:cSld>
+  <p:clrMapOvr>
+    <a:masterClrMapping/>
+  </p:clrMapOvr>
+</p:notes>
+</file>
+
+<file path=ppt/notesSlides/notesSlide42.xml><?xml version="1.0" encoding="utf-8"?>
+<p:notes xmlns:a="http://schemas.openxmlformats.org/drawingml/2006/main" xmlns:r="http://schemas.openxmlformats.org/officeDocument/2006/relationships" xmlns:p="http://schemas.openxmlformats.org/presentationml/2006/main">
+  <p:cSld>
+    <p:spTree>
+      <p:nvGrpSpPr>
+        <p:cNvPr id="1" name="">
+          <a:extLst>
+            <a:ext uri="{FF2B5EF4-FFF2-40B4-BE49-F238E27FC236}">
+              <a16:creationId xmlns:a16="http://schemas.microsoft.com/office/drawing/2014/main" id="{83E06739-1567-B389-27EB-96890F9ECD30}"/>
+            </a:ext>
+          </a:extLst>
+        </p:cNvPr>
+        <p:cNvGrpSpPr/>
+        <p:nvPr/>
+      </p:nvGrpSpPr>
+      <p:grpSpPr bwMode="auto">
+        <a:xfrm>
+          <a:off x="0" y="0"/>
+          <a:ext cx="0" cy="0"/>
+          <a:chOff x="0" y="0"/>
+          <a:chExt cx="0" cy="0"/>
+        </a:xfrm>
+      </p:grpSpPr>
+      <p:sp>
+        <p:nvSpPr>
+          <p:cNvPr id="139090186" name="Slide Image Placeholder 1">
+            <a:extLst>
+              <a:ext uri="{FF2B5EF4-FFF2-40B4-BE49-F238E27FC236}">
+                <a16:creationId xmlns:a16="http://schemas.microsoft.com/office/drawing/2014/main" id="{932D7566-9A6D-225F-EA98-70101BF44016}"/>
+              </a:ext>
+            </a:extLst>
+          </p:cNvPr>
+          <p:cNvSpPr>
+            <a:spLocks noGrp="1" noRot="1" noChangeAspect="1"/>
+          </p:cNvSpPr>
+          <p:nvPr>
+            <p:ph type="sldImg"/>
+          </p:nvPr>
+        </p:nvSpPr>
+        <p:spPr bwMode="auto"/>
+      </p:sp>
+      <p:sp>
+        <p:nvSpPr>
+          <p:cNvPr id="400293583" name="Notes Placeholder 2">
+            <a:extLst>
+              <a:ext uri="{FF2B5EF4-FFF2-40B4-BE49-F238E27FC236}">
+                <a16:creationId xmlns:a16="http://schemas.microsoft.com/office/drawing/2014/main" id="{F2073CA3-EE16-2C99-C6C6-07A0340AA00B}"/>
+              </a:ext>
+            </a:extLst>
+          </p:cNvPr>
+          <p:cNvSpPr>
+            <a:spLocks noGrp="1"/>
+          </p:cNvSpPr>
+          <p:nvPr>
+            <p:ph type="body" idx="1"/>
+          </p:nvPr>
+        </p:nvSpPr>
+        <p:spPr bwMode="auto"/>
+        <p:txBody>
+          <a:bodyPr/>
+          <a:lstStyle/>
+          <a:p>
+            <a:pPr>
+              <a:defRPr/>
+            </a:pPr>
+            <a:endParaRPr/>
+          </a:p>
+        </p:txBody>
+      </p:sp>
+      <p:sp>
+        <p:nvSpPr>
+          <p:cNvPr id="1257388043" name="Slide Number Placeholder 3">
+            <a:extLst>
+              <a:ext uri="{FF2B5EF4-FFF2-40B4-BE49-F238E27FC236}">
+                <a16:creationId xmlns:a16="http://schemas.microsoft.com/office/drawing/2014/main" id="{C8578FD1-B651-4D44-4A9A-EAAF684110CF}"/>
+              </a:ext>
+            </a:extLst>
+          </p:cNvPr>
+          <p:cNvSpPr>
+            <a:spLocks noGrp="1"/>
+          </p:cNvSpPr>
+          <p:nvPr>
+            <p:ph type="sldNum" sz="quarter" idx="10"/>
+          </p:nvPr>
+        </p:nvSpPr>
+        <p:spPr bwMode="auto"/>
+        <p:txBody>
+          <a:bodyPr/>
+          <a:lstStyle/>
+          <a:p>
+            <a:pPr marL="0" marR="0" lvl="0" indent="0" algn="r" defTabSz="914400" eaLnBrk="1" fontAlgn="auto" latinLnBrk="0" hangingPunct="1">
+              <a:lnSpc>
+                <a:spcPct val="100000"/>
+              </a:lnSpc>
+              <a:spcBef>
+                <a:spcPts val="0"/>
+              </a:spcBef>
+              <a:spcAft>
+                <a:spcPts val="0"/>
+              </a:spcAft>
+              <a:buClrTx/>
+              <a:buSzTx/>
+              <a:buFontTx/>
+              <a:buNone/>
+              <a:tabLst/>
+              <a:defRPr/>
+            </a:pPr>
+            <a:fld id="{20073075-213A-DC53-9B24-1C6EF3B6ADAB}" type="slidenum">
+              <a:rPr kumimoji="0" sz="1200" b="0" i="0" u="none" strike="noStrike" kern="0" cap="none" spc="0" normalizeH="0" baseline="0" noProof="0">
+                <a:ln>
+                  <a:noFill/>
+                </a:ln>
+                <a:solidFill>
+                  <a:prstClr val="black"/>
+                </a:solidFill>
+                <a:effectLst/>
+                <a:uLnTx/>
+                <a:uFillTx/>
+                <a:latin typeface="Calibri"/>
+                <a:cs typeface="Arial"/>
+              </a:rPr>
+              <a:pPr marL="0" marR="0" lvl="0" indent="0" algn="r" defTabSz="914400" eaLnBrk="1" fontAlgn="auto" latinLnBrk="0" hangingPunct="1">
+                <a:lnSpc>
+                  <a:spcPct val="100000"/>
+                </a:lnSpc>
+                <a:spcBef>
+                  <a:spcPts val="0"/>
+                </a:spcBef>
+                <a:spcAft>
+                  <a:spcPts val="0"/>
+                </a:spcAft>
+                <a:buClrTx/>
+                <a:buSzTx/>
+                <a:buFontTx/>
+                <a:buNone/>
+                <a:tabLst/>
+                <a:defRPr/>
+              </a:pPr>
+              <a:t>72</a:t>
+            </a:fld>
+            <a:endParaRPr kumimoji="0" sz="1200" b="0" i="0" u="none" strike="noStrike" kern="0" cap="none" spc="0" normalizeH="0" baseline="0" noProof="0">
+              <a:ln>
+                <a:noFill/>
+              </a:ln>
+              <a:solidFill>
+                <a:prstClr val="black"/>
+              </a:solidFill>
+              <a:effectLst/>
+              <a:uLnTx/>
+              <a:uFillTx/>
+              <a:latin typeface="Calibri"/>
+              <a:cs typeface="Arial"/>
+            </a:endParaRPr>
+          </a:p>
+        </p:txBody>
+      </p:sp>
+    </p:spTree>
+    <p:extLst>
+      <p:ext uri="{BB962C8B-B14F-4D97-AF65-F5344CB8AC3E}">
+        <p14:creationId xmlns:p14="http://schemas.microsoft.com/office/powerpoint/2010/main" val="1821547892"/>
+      </p:ext>
+    </p:extLst>
+  </p:cSld>
+  <p:clrMapOvr>
+    <a:masterClrMapping/>
+  </p:clrMapOvr>
+</p:notes>
+</file>
+
+<file path=ppt/notesSlides/notesSlide43.xml><?xml version="1.0" encoding="utf-8"?>
+<p:notes xmlns:a="http://schemas.openxmlformats.org/drawingml/2006/main" xmlns:r="http://schemas.openxmlformats.org/officeDocument/2006/relationships" xmlns:p="http://schemas.openxmlformats.org/presentationml/2006/main">
+  <p:cSld>
+    <p:spTree>
+      <p:nvGrpSpPr>
+        <p:cNvPr id="1" name="">
+          <a:extLst>
+            <a:ext uri="{FF2B5EF4-FFF2-40B4-BE49-F238E27FC236}">
+              <a16:creationId xmlns:a16="http://schemas.microsoft.com/office/drawing/2014/main" id="{071F79CF-CD17-6033-1FEF-05B17707F01A}"/>
+            </a:ext>
+          </a:extLst>
+        </p:cNvPr>
+        <p:cNvGrpSpPr/>
+        <p:nvPr/>
+      </p:nvGrpSpPr>
+      <p:grpSpPr bwMode="auto">
+        <a:xfrm>
+          <a:off x="0" y="0"/>
+          <a:ext cx="0" cy="0"/>
+          <a:chOff x="0" y="0"/>
+          <a:chExt cx="0" cy="0"/>
+        </a:xfrm>
+      </p:grpSpPr>
+      <p:sp>
+        <p:nvSpPr>
+          <p:cNvPr id="139090186" name="Slide Image Placeholder 1">
+            <a:extLst>
+              <a:ext uri="{FF2B5EF4-FFF2-40B4-BE49-F238E27FC236}">
+                <a16:creationId xmlns:a16="http://schemas.microsoft.com/office/drawing/2014/main" id="{EE683B9E-A0DE-86F4-BD95-319D8EBFE26F}"/>
+              </a:ext>
+            </a:extLst>
+          </p:cNvPr>
+          <p:cNvSpPr>
+            <a:spLocks noGrp="1" noRot="1" noChangeAspect="1"/>
+          </p:cNvSpPr>
+          <p:nvPr>
+            <p:ph type="sldImg"/>
+          </p:nvPr>
+        </p:nvSpPr>
+        <p:spPr bwMode="auto"/>
+      </p:sp>
+      <p:sp>
+        <p:nvSpPr>
+          <p:cNvPr id="400293583" name="Notes Placeholder 2">
+            <a:extLst>
+              <a:ext uri="{FF2B5EF4-FFF2-40B4-BE49-F238E27FC236}">
+                <a16:creationId xmlns:a16="http://schemas.microsoft.com/office/drawing/2014/main" id="{364C980E-94DA-1FD5-935B-F531D86CBDD4}"/>
+              </a:ext>
+            </a:extLst>
+          </p:cNvPr>
+          <p:cNvSpPr>
+            <a:spLocks noGrp="1"/>
+          </p:cNvSpPr>
+          <p:nvPr>
+            <p:ph type="body" idx="1"/>
+          </p:nvPr>
+        </p:nvSpPr>
+        <p:spPr bwMode="auto"/>
+        <p:txBody>
+          <a:bodyPr/>
+          <a:lstStyle/>
+          <a:p>
+            <a:pPr>
+              <a:defRPr/>
+            </a:pPr>
+            <a:endParaRPr/>
+          </a:p>
+        </p:txBody>
+      </p:sp>
+      <p:sp>
+        <p:nvSpPr>
+          <p:cNvPr id="1257388043" name="Slide Number Placeholder 3">
+            <a:extLst>
+              <a:ext uri="{FF2B5EF4-FFF2-40B4-BE49-F238E27FC236}">
+                <a16:creationId xmlns:a16="http://schemas.microsoft.com/office/drawing/2014/main" id="{FFBE7416-06B8-8F75-A9EF-A9895DF8107A}"/>
+              </a:ext>
+            </a:extLst>
+          </p:cNvPr>
+          <p:cNvSpPr>
+            <a:spLocks noGrp="1"/>
+          </p:cNvSpPr>
+          <p:nvPr>
+            <p:ph type="sldNum" sz="quarter" idx="10"/>
+          </p:nvPr>
+        </p:nvSpPr>
+        <p:spPr bwMode="auto"/>
+        <p:txBody>
+          <a:bodyPr/>
+          <a:lstStyle/>
+          <a:p>
+            <a:pPr marL="0" marR="0" lvl="0" indent="0" algn="r" defTabSz="914400" eaLnBrk="1" fontAlgn="auto" latinLnBrk="0" hangingPunct="1">
+              <a:lnSpc>
+                <a:spcPct val="100000"/>
+              </a:lnSpc>
+              <a:spcBef>
+                <a:spcPts val="0"/>
+              </a:spcBef>
+              <a:spcAft>
+                <a:spcPts val="0"/>
+              </a:spcAft>
+              <a:buClrTx/>
+              <a:buSzTx/>
+              <a:buFontTx/>
+              <a:buNone/>
+              <a:tabLst/>
+              <a:defRPr/>
+            </a:pPr>
+            <a:fld id="{20073075-213A-DC53-9B24-1C6EF3B6ADAB}" type="slidenum">
+              <a:rPr kumimoji="0" sz="1200" b="0" i="0" u="none" strike="noStrike" kern="0" cap="none" spc="0" normalizeH="0" baseline="0" noProof="0">
+                <a:ln>
+                  <a:noFill/>
+                </a:ln>
+                <a:solidFill>
+                  <a:prstClr val="black"/>
+                </a:solidFill>
+                <a:effectLst/>
+                <a:uLnTx/>
+                <a:uFillTx/>
+                <a:latin typeface="Calibri"/>
+                <a:cs typeface="Arial"/>
+              </a:rPr>
+              <a:pPr marL="0" marR="0" lvl="0" indent="0" algn="r" defTabSz="914400" eaLnBrk="1" fontAlgn="auto" latinLnBrk="0" hangingPunct="1">
+                <a:lnSpc>
+                  <a:spcPct val="100000"/>
+                </a:lnSpc>
+                <a:spcBef>
+                  <a:spcPts val="0"/>
+                </a:spcBef>
+                <a:spcAft>
+                  <a:spcPts val="0"/>
+                </a:spcAft>
+                <a:buClrTx/>
+                <a:buSzTx/>
+                <a:buFontTx/>
+                <a:buNone/>
+                <a:tabLst/>
+                <a:defRPr/>
+              </a:pPr>
+              <a:t>73</a:t>
+            </a:fld>
+            <a:endParaRPr kumimoji="0" sz="1200" b="0" i="0" u="none" strike="noStrike" kern="0" cap="none" spc="0" normalizeH="0" baseline="0" noProof="0">
+              <a:ln>
+                <a:noFill/>
+              </a:ln>
+              <a:solidFill>
+                <a:prstClr val="black"/>
+              </a:solidFill>
+              <a:effectLst/>
+              <a:uLnTx/>
+              <a:uFillTx/>
+              <a:latin typeface="Calibri"/>
+              <a:cs typeface="Arial"/>
+            </a:endParaRPr>
+          </a:p>
+        </p:txBody>
+      </p:sp>
+    </p:spTree>
+    <p:extLst>
+      <p:ext uri="{BB962C8B-B14F-4D97-AF65-F5344CB8AC3E}">
+        <p14:creationId xmlns:p14="http://schemas.microsoft.com/office/powerpoint/2010/main" val="2318382485"/>
+      </p:ext>
+    </p:extLst>
+  </p:cSld>
+  <p:clrMapOvr>
+    <a:masterClrMapping/>
+  </p:clrMapOvr>
+</p:notes>
+</file>
+
+<file path=ppt/notesSlides/notesSlide44.xml><?xml version="1.0" encoding="utf-8"?>
+<p:notes xmlns:a="http://schemas.openxmlformats.org/drawingml/2006/main" xmlns:r="http://schemas.openxmlformats.org/officeDocument/2006/relationships" xmlns:p="http://schemas.openxmlformats.org/presentationml/2006/main">
+  <p:cSld>
+    <p:spTree>
+      <p:nvGrpSpPr>
+        <p:cNvPr id="1" name="">
+          <a:extLst>
+            <a:ext uri="{FF2B5EF4-FFF2-40B4-BE49-F238E27FC236}">
+              <a16:creationId xmlns:a16="http://schemas.microsoft.com/office/drawing/2014/main" id="{DA3283D2-DBF6-D5A5-0A46-10E5E73BF7F5}"/>
+            </a:ext>
+          </a:extLst>
+        </p:cNvPr>
+        <p:cNvGrpSpPr/>
+        <p:nvPr/>
+      </p:nvGrpSpPr>
+      <p:grpSpPr bwMode="auto">
+        <a:xfrm>
+          <a:off x="0" y="0"/>
+          <a:ext cx="0" cy="0"/>
+          <a:chOff x="0" y="0"/>
+          <a:chExt cx="0" cy="0"/>
+        </a:xfrm>
+      </p:grpSpPr>
+      <p:sp>
+        <p:nvSpPr>
+          <p:cNvPr id="139090186" name="Slide Image Placeholder 1">
+            <a:extLst>
+              <a:ext uri="{FF2B5EF4-FFF2-40B4-BE49-F238E27FC236}">
+                <a16:creationId xmlns:a16="http://schemas.microsoft.com/office/drawing/2014/main" id="{0A1192E9-FB02-CB2D-DBEF-1A1C4CFD871D}"/>
+              </a:ext>
+            </a:extLst>
+          </p:cNvPr>
+          <p:cNvSpPr>
+            <a:spLocks noGrp="1" noRot="1" noChangeAspect="1"/>
+          </p:cNvSpPr>
+          <p:nvPr>
+            <p:ph type="sldImg"/>
+          </p:nvPr>
+        </p:nvSpPr>
+        <p:spPr bwMode="auto"/>
+      </p:sp>
+      <p:sp>
+        <p:nvSpPr>
+          <p:cNvPr id="400293583" name="Notes Placeholder 2">
+            <a:extLst>
+              <a:ext uri="{FF2B5EF4-FFF2-40B4-BE49-F238E27FC236}">
+                <a16:creationId xmlns:a16="http://schemas.microsoft.com/office/drawing/2014/main" id="{9A9D6D79-C617-A95F-CB9A-C7E9C3EEACA9}"/>
+              </a:ext>
+            </a:extLst>
+          </p:cNvPr>
+          <p:cNvSpPr>
+            <a:spLocks noGrp="1"/>
+          </p:cNvSpPr>
+          <p:nvPr>
+            <p:ph type="body" idx="1"/>
+          </p:nvPr>
+        </p:nvSpPr>
+        <p:spPr bwMode="auto"/>
+        <p:txBody>
+          <a:bodyPr/>
+          <a:lstStyle/>
+          <a:p>
+            <a:pPr>
+              <a:defRPr/>
+            </a:pPr>
+            <a:endParaRPr/>
+          </a:p>
+        </p:txBody>
+      </p:sp>
+      <p:sp>
+        <p:nvSpPr>
+          <p:cNvPr id="1257388043" name="Slide Number Placeholder 3">
+            <a:extLst>
+              <a:ext uri="{FF2B5EF4-FFF2-40B4-BE49-F238E27FC236}">
+                <a16:creationId xmlns:a16="http://schemas.microsoft.com/office/drawing/2014/main" id="{2E5FC565-6F52-C6E6-2CE6-21A3593D4DDC}"/>
+              </a:ext>
+            </a:extLst>
+          </p:cNvPr>
+          <p:cNvSpPr>
+            <a:spLocks noGrp="1"/>
+          </p:cNvSpPr>
+          <p:nvPr>
+            <p:ph type="sldNum" sz="quarter" idx="10"/>
+          </p:nvPr>
+        </p:nvSpPr>
+        <p:spPr bwMode="auto"/>
+        <p:txBody>
+          <a:bodyPr/>
+          <a:lstStyle/>
+          <a:p>
+            <a:pPr marL="0" marR="0" lvl="0" indent="0" algn="r" defTabSz="914400" eaLnBrk="1" fontAlgn="auto" latinLnBrk="0" hangingPunct="1">
+              <a:lnSpc>
+                <a:spcPct val="100000"/>
+              </a:lnSpc>
+              <a:spcBef>
+                <a:spcPts val="0"/>
+              </a:spcBef>
+              <a:spcAft>
+                <a:spcPts val="0"/>
+              </a:spcAft>
+              <a:buClrTx/>
+              <a:buSzTx/>
+              <a:buFontTx/>
+              <a:buNone/>
+              <a:tabLst/>
+              <a:defRPr/>
+            </a:pPr>
+            <a:fld id="{20073075-213A-DC53-9B24-1C6EF3B6ADAB}" type="slidenum">
+              <a:rPr kumimoji="0" sz="1200" b="0" i="0" u="none" strike="noStrike" kern="0" cap="none" spc="0" normalizeH="0" baseline="0" noProof="0">
+                <a:ln>
+                  <a:noFill/>
+                </a:ln>
+                <a:solidFill>
+                  <a:prstClr val="black"/>
+                </a:solidFill>
+                <a:effectLst/>
+                <a:uLnTx/>
+                <a:uFillTx/>
+                <a:latin typeface="Calibri"/>
+                <a:cs typeface="Arial"/>
+              </a:rPr>
+              <a:pPr marL="0" marR="0" lvl="0" indent="0" algn="r" defTabSz="914400" eaLnBrk="1" fontAlgn="auto" latinLnBrk="0" hangingPunct="1">
+                <a:lnSpc>
+                  <a:spcPct val="100000"/>
+                </a:lnSpc>
+                <a:spcBef>
+                  <a:spcPts val="0"/>
+                </a:spcBef>
+                <a:spcAft>
+                  <a:spcPts val="0"/>
+                </a:spcAft>
+                <a:buClrTx/>
+                <a:buSzTx/>
+                <a:buFontTx/>
+                <a:buNone/>
+                <a:tabLst/>
+                <a:defRPr/>
+              </a:pPr>
+              <a:t>74</a:t>
+            </a:fld>
+            <a:endParaRPr kumimoji="0" sz="1200" b="0" i="0" u="none" strike="noStrike" kern="0" cap="none" spc="0" normalizeH="0" baseline="0" noProof="0">
+              <a:ln>
+                <a:noFill/>
+              </a:ln>
+              <a:solidFill>
+                <a:prstClr val="black"/>
+              </a:solidFill>
+              <a:effectLst/>
+              <a:uLnTx/>
+              <a:uFillTx/>
+              <a:latin typeface="Calibri"/>
+              <a:cs typeface="Arial"/>
+            </a:endParaRPr>
+          </a:p>
+        </p:txBody>
+      </p:sp>
+    </p:spTree>
+    <p:extLst>
+      <p:ext uri="{BB962C8B-B14F-4D97-AF65-F5344CB8AC3E}">
+        <p14:creationId xmlns:p14="http://schemas.microsoft.com/office/powerpoint/2010/main" val="284837936"/>
+      </p:ext>
+    </p:extLst>
+  </p:cSld>
+  <p:clrMapOvr>
+    <a:masterClrMapping/>
+  </p:clrMapOvr>
+</p:notes>
+</file>
+
+<file path=ppt/notesSlides/notesSlide45.xml><?xml version="1.0" encoding="utf-8"?>
+<p:notes xmlns:a="http://schemas.openxmlformats.org/drawingml/2006/main" xmlns:r="http://schemas.openxmlformats.org/officeDocument/2006/relationships" xmlns:p="http://schemas.openxmlformats.org/presentationml/2006/main">
+  <p:cSld>
+    <p:spTree>
+      <p:nvGrpSpPr>
+        <p:cNvPr id="1" name="">
+          <a:extLst>
+            <a:ext uri="{FF2B5EF4-FFF2-40B4-BE49-F238E27FC236}">
+              <a16:creationId xmlns:a16="http://schemas.microsoft.com/office/drawing/2014/main" id="{69F313CF-1FEC-98D5-3C31-CE6F4B8F6ABF}"/>
+            </a:ext>
+          </a:extLst>
+        </p:cNvPr>
+        <p:cNvGrpSpPr/>
+        <p:nvPr/>
+      </p:nvGrpSpPr>
+      <p:grpSpPr bwMode="auto">
+        <a:xfrm>
+          <a:off x="0" y="0"/>
+          <a:ext cx="0" cy="0"/>
+          <a:chOff x="0" y="0"/>
+          <a:chExt cx="0" cy="0"/>
+        </a:xfrm>
+      </p:grpSpPr>
+      <p:sp>
+        <p:nvSpPr>
+          <p:cNvPr id="139090186" name="Slide Image Placeholder 1">
+            <a:extLst>
+              <a:ext uri="{FF2B5EF4-FFF2-40B4-BE49-F238E27FC236}">
+                <a16:creationId xmlns:a16="http://schemas.microsoft.com/office/drawing/2014/main" id="{3E126841-CF9B-8112-14DF-EF343B2B21B4}"/>
+              </a:ext>
+            </a:extLst>
+          </p:cNvPr>
+          <p:cNvSpPr>
+            <a:spLocks noGrp="1" noRot="1" noChangeAspect="1"/>
+          </p:cNvSpPr>
+          <p:nvPr>
+            <p:ph type="sldImg"/>
+          </p:nvPr>
+        </p:nvSpPr>
+        <p:spPr bwMode="auto"/>
+      </p:sp>
+      <p:sp>
+        <p:nvSpPr>
+          <p:cNvPr id="400293583" name="Notes Placeholder 2">
+            <a:extLst>
+              <a:ext uri="{FF2B5EF4-FFF2-40B4-BE49-F238E27FC236}">
+                <a16:creationId xmlns:a16="http://schemas.microsoft.com/office/drawing/2014/main" id="{BA1A9BCC-D8A0-8BD2-7F2A-D5FDE80127E6}"/>
+              </a:ext>
+            </a:extLst>
+          </p:cNvPr>
+          <p:cNvSpPr>
+            <a:spLocks noGrp="1"/>
+          </p:cNvSpPr>
+          <p:nvPr>
+            <p:ph type="body" idx="1"/>
+          </p:nvPr>
+        </p:nvSpPr>
+        <p:spPr bwMode="auto"/>
+        <p:txBody>
+          <a:bodyPr/>
+          <a:lstStyle/>
+          <a:p>
+            <a:pPr>
+              <a:defRPr/>
+            </a:pPr>
+            <a:endParaRPr/>
+          </a:p>
+        </p:txBody>
+      </p:sp>
+      <p:sp>
+        <p:nvSpPr>
+          <p:cNvPr id="1257388043" name="Slide Number Placeholder 3">
+            <a:extLst>
+              <a:ext uri="{FF2B5EF4-FFF2-40B4-BE49-F238E27FC236}">
+                <a16:creationId xmlns:a16="http://schemas.microsoft.com/office/drawing/2014/main" id="{258DFE2D-F19D-0F43-B42D-F1713DB9637F}"/>
+              </a:ext>
+            </a:extLst>
+          </p:cNvPr>
+          <p:cNvSpPr>
+            <a:spLocks noGrp="1"/>
+          </p:cNvSpPr>
+          <p:nvPr>
+            <p:ph type="sldNum" sz="quarter" idx="10"/>
+          </p:nvPr>
+        </p:nvSpPr>
+        <p:spPr bwMode="auto"/>
+        <p:txBody>
+          <a:bodyPr/>
+          <a:lstStyle/>
+          <a:p>
+            <a:pPr marL="0" marR="0" lvl="0" indent="0" algn="r" defTabSz="914400" eaLnBrk="1" fontAlgn="auto" latinLnBrk="0" hangingPunct="1">
+              <a:lnSpc>
+                <a:spcPct val="100000"/>
+              </a:lnSpc>
+              <a:spcBef>
+                <a:spcPts val="0"/>
+              </a:spcBef>
+              <a:spcAft>
+                <a:spcPts val="0"/>
+              </a:spcAft>
+              <a:buClrTx/>
+              <a:buSzTx/>
+              <a:buFontTx/>
+              <a:buNone/>
+              <a:tabLst/>
+              <a:defRPr/>
+            </a:pPr>
+            <a:fld id="{20073075-213A-DC53-9B24-1C6EF3B6ADAB}" type="slidenum">
+              <a:rPr kumimoji="0" sz="1200" b="0" i="0" u="none" strike="noStrike" kern="0" cap="none" spc="0" normalizeH="0" baseline="0" noProof="0">
+                <a:ln>
+                  <a:noFill/>
+                </a:ln>
+                <a:solidFill>
+                  <a:prstClr val="black"/>
+                </a:solidFill>
+                <a:effectLst/>
+                <a:uLnTx/>
+                <a:uFillTx/>
+                <a:latin typeface="Calibri"/>
+                <a:cs typeface="Arial"/>
+              </a:rPr>
+              <a:pPr marL="0" marR="0" lvl="0" indent="0" algn="r" defTabSz="914400" eaLnBrk="1" fontAlgn="auto" latinLnBrk="0" hangingPunct="1">
+                <a:lnSpc>
+                  <a:spcPct val="100000"/>
+                </a:lnSpc>
+                <a:spcBef>
+                  <a:spcPts val="0"/>
+                </a:spcBef>
+                <a:spcAft>
+                  <a:spcPts val="0"/>
+                </a:spcAft>
+                <a:buClrTx/>
+                <a:buSzTx/>
+                <a:buFontTx/>
+                <a:buNone/>
+                <a:tabLst/>
+                <a:defRPr/>
+              </a:pPr>
+              <a:t>75</a:t>
+            </a:fld>
+            <a:endParaRPr kumimoji="0" sz="1200" b="0" i="0" u="none" strike="noStrike" kern="0" cap="none" spc="0" normalizeH="0" baseline="0" noProof="0">
+              <a:ln>
+                <a:noFill/>
+              </a:ln>
+              <a:solidFill>
+                <a:prstClr val="black"/>
+              </a:solidFill>
+              <a:effectLst/>
+              <a:uLnTx/>
+              <a:uFillTx/>
+              <a:latin typeface="Calibri"/>
+              <a:cs typeface="Arial"/>
+            </a:endParaRPr>
+          </a:p>
+        </p:txBody>
+      </p:sp>
+    </p:spTree>
+    <p:extLst>
+      <p:ext uri="{BB962C8B-B14F-4D97-AF65-F5344CB8AC3E}">
+        <p14:creationId xmlns:p14="http://schemas.microsoft.com/office/powerpoint/2010/main" val="785065613"/>
+      </p:ext>
+    </p:extLst>
+  </p:cSld>
+  <p:clrMapOvr>
+    <a:masterClrMapping/>
+  </p:clrMapOvr>
+</p:notes>
+</file>
+
+<file path=ppt/notesSlides/notesSlide46.xml><?xml version="1.0" encoding="utf-8"?>
+<p:notes xmlns:a="http://schemas.openxmlformats.org/drawingml/2006/main" xmlns:r="http://schemas.openxmlformats.org/officeDocument/2006/relationships" xmlns:p="http://schemas.openxmlformats.org/presentationml/2006/main">
+  <p:cSld>
+    <p:spTree>
+      <p:nvGrpSpPr>
+        <p:cNvPr id="1" name="">
+          <a:extLst>
+            <a:ext uri="{FF2B5EF4-FFF2-40B4-BE49-F238E27FC236}">
+              <a16:creationId xmlns:a16="http://schemas.microsoft.com/office/drawing/2014/main" id="{01155213-AA63-F124-084E-1DEE2ACA3F3B}"/>
+            </a:ext>
+          </a:extLst>
+        </p:cNvPr>
+        <p:cNvGrpSpPr/>
+        <p:nvPr/>
+      </p:nvGrpSpPr>
+      <p:grpSpPr>
+        <a:xfrm>
+          <a:off x="0" y="0"/>
+          <a:ext cx="0" cy="0"/>
+          <a:chOff x="0" y="0"/>
+          <a:chExt cx="0" cy="0"/>
+        </a:xfrm>
+      </p:grpSpPr>
+      <p:sp>
+        <p:nvSpPr>
+          <p:cNvPr id="2" name="Folienbildplatzhalter 1">
+            <a:extLst>
+              <a:ext uri="{FF2B5EF4-FFF2-40B4-BE49-F238E27FC236}">
+                <a16:creationId xmlns:a16="http://schemas.microsoft.com/office/drawing/2014/main" id="{CCD7F13C-1EE2-8A72-2E3D-AFB62863C3E1}"/>
+              </a:ext>
+            </a:extLst>
+          </p:cNvPr>
+          <p:cNvSpPr>
+            <a:spLocks noGrp="1" noRot="1" noChangeAspect="1"/>
+          </p:cNvSpPr>
+          <p:nvPr>
+            <p:ph type="sldImg"/>
+          </p:nvPr>
+        </p:nvSpPr>
+        <p:spPr/>
+      </p:sp>
+      <p:sp>
+        <p:nvSpPr>
+          <p:cNvPr id="3" name="Notizenplatzhalter 2">
+            <a:extLst>
+              <a:ext uri="{FF2B5EF4-FFF2-40B4-BE49-F238E27FC236}">
+                <a16:creationId xmlns:a16="http://schemas.microsoft.com/office/drawing/2014/main" id="{E970CB8D-FE70-EDD3-7F23-50F68CFEC238}"/>
+              </a:ext>
+            </a:extLst>
+          </p:cNvPr>
+          <p:cNvSpPr>
+            <a:spLocks noGrp="1"/>
+          </p:cNvSpPr>
+          <p:nvPr>
+            <p:ph type="body" idx="1"/>
+          </p:nvPr>
+        </p:nvSpPr>
+        <p:spPr/>
+        <p:txBody>
+          <a:bodyPr/>
+          <a:lstStyle/>
+          <a:p>
+            <a:r>
+              <a:rPr lang="de-DE"/>
+              <a:t>Hier beginnen wir mit dem Hintergrund und der Motivation für unser Projekt. Wir geben einen Überblick über die Einzelhandelsbranche und erläutern die Zielsetzung unseres Data Science Projekts, um Prozesse zu optimieren und die Effizienz zu steigern.</a:t>
+            </a:r>
+          </a:p>
+        </p:txBody>
+      </p:sp>
+      <p:sp>
+        <p:nvSpPr>
+          <p:cNvPr id="4" name="Foliennummernplatzhalter 3">
+            <a:extLst>
+              <a:ext uri="{FF2B5EF4-FFF2-40B4-BE49-F238E27FC236}">
+                <a16:creationId xmlns:a16="http://schemas.microsoft.com/office/drawing/2014/main" id="{35F252C1-8337-6194-C0B3-9EC0151B4FE5}"/>
+              </a:ext>
+            </a:extLst>
+          </p:cNvPr>
+          <p:cNvSpPr>
+            <a:spLocks noGrp="1"/>
+          </p:cNvSpPr>
+          <p:nvPr>
+            <p:ph type="sldNum" sz="quarter" idx="5"/>
+          </p:nvPr>
+        </p:nvSpPr>
+        <p:spPr/>
+        <p:txBody>
+          <a:bodyPr/>
+          <a:lstStyle/>
+          <a:p>
+            <a:fld id="{8C36BA74-7AA1-48ED-B9BC-0F570D47A936}" type="slidenum">
+              <a:t>77</a:t>
+            </a:fld>
+            <a:endParaRPr lang="de-DE"/>
+          </a:p>
+        </p:txBody>
+      </p:sp>
+    </p:spTree>
+    <p:extLst>
+      <p:ext uri="{BB962C8B-B14F-4D97-AF65-F5344CB8AC3E}">
+        <p14:creationId xmlns:p14="http://schemas.microsoft.com/office/powerpoint/2010/main" val="2728093091"/>
+      </p:ext>
+    </p:extLst>
+  </p:cSld>
+  <p:clrMapOvr>
+    <a:masterClrMapping/>
+  </p:clrMapOvr>
+</p:notes>
+</file>
+
+<file path=ppt/notesSlides/notesSlide47.xml><?xml version="1.0" encoding="utf-8"?>
+<p:notes xmlns:a="http://schemas.openxmlformats.org/drawingml/2006/main" xmlns:r="http://schemas.openxmlformats.org/officeDocument/2006/relationships" xmlns:p="http://schemas.openxmlformats.org/presentationml/2006/main">
+  <p:cSld>
+    <p:spTree>
+      <p:nvGrpSpPr>
+        <p:cNvPr id="1" name="">
+          <a:extLst>
+            <a:ext uri="{FF2B5EF4-FFF2-40B4-BE49-F238E27FC236}">
+              <a16:creationId xmlns:a16="http://schemas.microsoft.com/office/drawing/2014/main" id="{53F84C27-ECFA-E7E4-DD8A-7C209B33023E}"/>
+            </a:ext>
+          </a:extLst>
+        </p:cNvPr>
+        <p:cNvGrpSpPr/>
+        <p:nvPr/>
+      </p:nvGrpSpPr>
+      <p:grpSpPr>
+        <a:xfrm>
+          <a:off x="0" y="0"/>
+          <a:ext cx="0" cy="0"/>
+          <a:chOff x="0" y="0"/>
+          <a:chExt cx="0" cy="0"/>
+        </a:xfrm>
+      </p:grpSpPr>
+      <p:sp>
+        <p:nvSpPr>
+          <p:cNvPr id="2" name="Folienbildplatzhalter 1">
+            <a:extLst>
+              <a:ext uri="{FF2B5EF4-FFF2-40B4-BE49-F238E27FC236}">
+                <a16:creationId xmlns:a16="http://schemas.microsoft.com/office/drawing/2014/main" id="{6A09471C-5071-5126-09DD-26BBE8CB4530}"/>
+              </a:ext>
+            </a:extLst>
+          </p:cNvPr>
+          <p:cNvSpPr>
+            <a:spLocks noGrp="1" noRot="1" noChangeAspect="1"/>
+          </p:cNvSpPr>
+          <p:nvPr>
+            <p:ph type="sldImg"/>
+          </p:nvPr>
+        </p:nvSpPr>
+        <p:spPr/>
+      </p:sp>
+      <p:sp>
+        <p:nvSpPr>
+          <p:cNvPr id="3" name="Notizenplatzhalter 2">
+            <a:extLst>
+              <a:ext uri="{FF2B5EF4-FFF2-40B4-BE49-F238E27FC236}">
+                <a16:creationId xmlns:a16="http://schemas.microsoft.com/office/drawing/2014/main" id="{AA58846C-3EAD-0B81-21AE-B63B8EFF62ED}"/>
+              </a:ext>
+            </a:extLst>
+          </p:cNvPr>
+          <p:cNvSpPr>
+            <a:spLocks noGrp="1"/>
+          </p:cNvSpPr>
+          <p:nvPr>
+            <p:ph type="body" idx="1"/>
+          </p:nvPr>
+        </p:nvSpPr>
+        <p:spPr/>
+        <p:txBody>
+          <a:bodyPr/>
+          <a:lstStyle/>
+          <a:p>
+            <a:r>
+              <a:rPr lang="de-DE"/>
+              <a:t>Hier beginnen wir mit dem Hintergrund und der Motivation für unser Projekt. Wir geben einen Überblick über die Einzelhandelsbranche und erläutern die Zielsetzung unseres Data Science Projekts, um Prozesse zu optimieren und die Effizienz zu steigern.</a:t>
+            </a:r>
+          </a:p>
+        </p:txBody>
+      </p:sp>
+      <p:sp>
+        <p:nvSpPr>
+          <p:cNvPr id="4" name="Foliennummernplatzhalter 3">
+            <a:extLst>
+              <a:ext uri="{FF2B5EF4-FFF2-40B4-BE49-F238E27FC236}">
+                <a16:creationId xmlns:a16="http://schemas.microsoft.com/office/drawing/2014/main" id="{FA89DB32-C831-4AC4-7530-AE775BD0D30B}"/>
+              </a:ext>
+            </a:extLst>
+          </p:cNvPr>
+          <p:cNvSpPr>
+            <a:spLocks noGrp="1"/>
+          </p:cNvSpPr>
+          <p:nvPr>
+            <p:ph type="sldNum" sz="quarter" idx="5"/>
+          </p:nvPr>
+        </p:nvSpPr>
+        <p:spPr/>
+        <p:txBody>
+          <a:bodyPr/>
+          <a:lstStyle/>
+          <a:p>
+            <a:fld id="{8C36BA74-7AA1-48ED-B9BC-0F570D47A936}" type="slidenum">
+              <a:t>80</a:t>
+            </a:fld>
+            <a:endParaRPr lang="de-DE"/>
+          </a:p>
+        </p:txBody>
+      </p:sp>
+    </p:spTree>
+    <p:extLst>
+      <p:ext uri="{BB962C8B-B14F-4D97-AF65-F5344CB8AC3E}">
+        <p14:creationId xmlns:p14="http://schemas.microsoft.com/office/powerpoint/2010/main" val="1615771480"/>
+      </p:ext>
+    </p:extLst>
+  </p:cSld>
+  <p:clrMapOvr>
+    <a:masterClrMapping/>
+  </p:clrMapOvr>
+</p:notes>
+</file>
+
+<file path=ppt/notesSlides/notesSlide5.xml><?xml version="1.0" encoding="utf-8"?>
 <p:notes xmlns:a="http://schemas.openxmlformats.org/drawingml/2006/main" xmlns:r="http://schemas.openxmlformats.org/officeDocument/2006/relationships" xmlns:p="http://schemas.openxmlformats.org/presentationml/2006/main">
   <p:cSld>
     <p:spTree>
@@ -5763,7 +7137,7 @@
       </p:grpSpPr>
       <p:sp>
         <p:nvSpPr>
-          <p:cNvPr id="1330014680" name="Slide Image Placeholder 1"/>
+          <p:cNvPr id="1510186508" name="Slide Image Placeholder 1"/>
           <p:cNvSpPr>
             <a:spLocks noGrp="1" noRot="1" noChangeAspect="1"/>
           </p:cNvSpPr>
@@ -5775,7 +7149,7 @@
       </p:sp>
       <p:sp>
         <p:nvSpPr>
-          <p:cNvPr id="1330354815" name="Notes Placeholder 2"/>
+          <p:cNvPr id="1659927198" name="Notes Placeholder 2"/>
           <p:cNvSpPr>
             <a:spLocks noGrp="1"/>
           </p:cNvSpPr>
@@ -5797,7 +7171,7 @@
       </p:sp>
       <p:sp>
         <p:nvSpPr>
-          <p:cNvPr id="1667253447" name="Slide Number Placeholder 3"/>
+          <p:cNvPr id="2071636362" name="Slide Number Placeholder 3"/>
           <p:cNvSpPr>
             <a:spLocks noGrp="1"/>
           </p:cNvSpPr>
@@ -5827,7 +7201,311 @@
               <a:tabLst/>
               <a:defRPr/>
             </a:pPr>
-            <a:fld id="{37F1F184-79D2-F4EC-467F-CF3EF60FA136}" type="slidenum">
+            <a:fld id="{8BF48A40-2010-B16B-2873-732956E2F463}" type="slidenum">
+              <a:rPr kumimoji="0" sz="1200" b="0" i="0" u="none" strike="noStrike" kern="0" cap="none" spc="0" normalizeH="0" baseline="0" noProof="0">
+                <a:ln>
+                  <a:noFill/>
+                </a:ln>
+                <a:solidFill>
+                  <a:prstClr val="black"/>
+                </a:solidFill>
+                <a:effectLst/>
+                <a:uLnTx/>
+                <a:uFillTx/>
+                <a:latin typeface="Calibri"/>
+                <a:cs typeface="Arial"/>
+              </a:rPr>
+              <a:pPr marL="0" marR="0" lvl="0" indent="0" algn="r" defTabSz="914400" eaLnBrk="1" fontAlgn="auto" latinLnBrk="0" hangingPunct="1">
+                <a:lnSpc>
+                  <a:spcPct val="100000"/>
+                </a:lnSpc>
+                <a:spcBef>
+                  <a:spcPts val="0"/>
+                </a:spcBef>
+                <a:spcAft>
+                  <a:spcPts val="0"/>
+                </a:spcAft>
+                <a:buClrTx/>
+                <a:buSzTx/>
+                <a:buFontTx/>
+                <a:buNone/>
+                <a:tabLst/>
+                <a:defRPr/>
+              </a:pPr>
+              <a:t>21</a:t>
+            </a:fld>
+            <a:endParaRPr kumimoji="0" sz="1200" b="0" i="0" u="none" strike="noStrike" kern="0" cap="none" spc="0" normalizeH="0" baseline="0" noProof="0">
+              <a:ln>
+                <a:noFill/>
+              </a:ln>
+              <a:solidFill>
+                <a:prstClr val="black"/>
+              </a:solidFill>
+              <a:effectLst/>
+              <a:uLnTx/>
+              <a:uFillTx/>
+              <a:latin typeface="Calibri"/>
+              <a:cs typeface="Arial"/>
+            </a:endParaRPr>
+          </a:p>
+        </p:txBody>
+      </p:sp>
+    </p:spTree>
+  </p:cSld>
+  <p:clrMapOvr>
+    <a:masterClrMapping/>
+  </p:clrMapOvr>
+</p:notes>
+</file>
+
+<file path=ppt/notesSlides/notesSlide6.xml><?xml version="1.0" encoding="utf-8"?>
+<p:notes xmlns:a="http://schemas.openxmlformats.org/drawingml/2006/main" xmlns:r="http://schemas.openxmlformats.org/officeDocument/2006/relationships" xmlns:p="http://schemas.openxmlformats.org/presentationml/2006/main">
+  <p:cSld>
+    <p:spTree>
+      <p:nvGrpSpPr>
+        <p:cNvPr id="1" name=""/>
+        <p:cNvGrpSpPr/>
+        <p:nvPr/>
+      </p:nvGrpSpPr>
+      <p:grpSpPr bwMode="auto">
+        <a:xfrm>
+          <a:off x="0" y="0"/>
+          <a:ext cx="0" cy="0"/>
+          <a:chOff x="0" y="0"/>
+          <a:chExt cx="0" cy="0"/>
+        </a:xfrm>
+      </p:grpSpPr>
+      <p:sp>
+        <p:nvSpPr>
+          <p:cNvPr id="139090186" name="Slide Image Placeholder 1"/>
+          <p:cNvSpPr>
+            <a:spLocks noGrp="1" noRot="1" noChangeAspect="1"/>
+          </p:cNvSpPr>
+          <p:nvPr>
+            <p:ph type="sldImg"/>
+          </p:nvPr>
+        </p:nvSpPr>
+        <p:spPr bwMode="auto"/>
+      </p:sp>
+      <p:sp>
+        <p:nvSpPr>
+          <p:cNvPr id="400293583" name="Notes Placeholder 2"/>
+          <p:cNvSpPr>
+            <a:spLocks noGrp="1"/>
+          </p:cNvSpPr>
+          <p:nvPr>
+            <p:ph type="body" idx="1"/>
+          </p:nvPr>
+        </p:nvSpPr>
+        <p:spPr bwMode="auto"/>
+        <p:txBody>
+          <a:bodyPr/>
+          <a:lstStyle/>
+          <a:p>
+            <a:pPr>
+              <a:defRPr/>
+            </a:pPr>
+            <a:endParaRPr/>
+          </a:p>
+        </p:txBody>
+      </p:sp>
+      <p:sp>
+        <p:nvSpPr>
+          <p:cNvPr id="1257388043" name="Slide Number Placeholder 3"/>
+          <p:cNvSpPr>
+            <a:spLocks noGrp="1"/>
+          </p:cNvSpPr>
+          <p:nvPr>
+            <p:ph type="sldNum" sz="quarter" idx="10"/>
+          </p:nvPr>
+        </p:nvSpPr>
+        <p:spPr bwMode="auto"/>
+        <p:txBody>
+          <a:bodyPr/>
+          <a:lstStyle/>
+          <a:p>
+            <a:pPr marL="0" marR="0" lvl="0" indent="0" algn="r" defTabSz="914400" eaLnBrk="1" fontAlgn="auto" latinLnBrk="0" hangingPunct="1">
+              <a:lnSpc>
+                <a:spcPct val="100000"/>
+              </a:lnSpc>
+              <a:spcBef>
+                <a:spcPts val="0"/>
+              </a:spcBef>
+              <a:spcAft>
+                <a:spcPts val="0"/>
+              </a:spcAft>
+              <a:buClrTx/>
+              <a:buSzTx/>
+              <a:buFontTx/>
+              <a:buNone/>
+              <a:tabLst/>
+              <a:defRPr/>
+            </a:pPr>
+            <a:fld id="{20073075-213A-DC53-9B24-1C6EF3B6ADAB}" type="slidenum">
+              <a:rPr kumimoji="0" sz="1200" b="0" i="0" u="none" strike="noStrike" kern="0" cap="none" spc="0" normalizeH="0" baseline="0" noProof="0">
+                <a:ln>
+                  <a:noFill/>
+                </a:ln>
+                <a:solidFill>
+                  <a:prstClr val="black"/>
+                </a:solidFill>
+                <a:effectLst/>
+                <a:uLnTx/>
+                <a:uFillTx/>
+                <a:latin typeface="Calibri"/>
+                <a:cs typeface="Arial"/>
+              </a:rPr>
+              <a:pPr marL="0" marR="0" lvl="0" indent="0" algn="r" defTabSz="914400" eaLnBrk="1" fontAlgn="auto" latinLnBrk="0" hangingPunct="1">
+                <a:lnSpc>
+                  <a:spcPct val="100000"/>
+                </a:lnSpc>
+                <a:spcBef>
+                  <a:spcPts val="0"/>
+                </a:spcBef>
+                <a:spcAft>
+                  <a:spcPts val="0"/>
+                </a:spcAft>
+                <a:buClrTx/>
+                <a:buSzTx/>
+                <a:buFontTx/>
+                <a:buNone/>
+                <a:tabLst/>
+                <a:defRPr/>
+              </a:pPr>
+              <a:t>22</a:t>
+            </a:fld>
+            <a:endParaRPr kumimoji="0" sz="1200" b="0" i="0" u="none" strike="noStrike" kern="0" cap="none" spc="0" normalizeH="0" baseline="0" noProof="0">
+              <a:ln>
+                <a:noFill/>
+              </a:ln>
+              <a:solidFill>
+                <a:prstClr val="black"/>
+              </a:solidFill>
+              <a:effectLst/>
+              <a:uLnTx/>
+              <a:uFillTx/>
+              <a:latin typeface="Calibri"/>
+              <a:cs typeface="Arial"/>
+            </a:endParaRPr>
+          </a:p>
+        </p:txBody>
+      </p:sp>
+    </p:spTree>
+  </p:cSld>
+  <p:clrMapOvr>
+    <a:masterClrMapping/>
+  </p:clrMapOvr>
+</p:notes>
+</file>
+
+<file path=ppt/notesSlides/notesSlide7.xml><?xml version="1.0" encoding="utf-8"?>
+<p:notes xmlns:a="http://schemas.openxmlformats.org/drawingml/2006/main" xmlns:r="http://schemas.openxmlformats.org/officeDocument/2006/relationships" xmlns:p="http://schemas.openxmlformats.org/presentationml/2006/main">
+  <p:cSld>
+    <p:spTree>
+      <p:nvGrpSpPr>
+        <p:cNvPr id="1" name="">
+          <a:extLst>
+            <a:ext uri="{FF2B5EF4-FFF2-40B4-BE49-F238E27FC236}">
+              <a16:creationId xmlns:a16="http://schemas.microsoft.com/office/drawing/2014/main" id="{8445F11D-6FF4-9518-2431-C0D83E890CE4}"/>
+            </a:ext>
+          </a:extLst>
+        </p:cNvPr>
+        <p:cNvGrpSpPr/>
+        <p:nvPr/>
+      </p:nvGrpSpPr>
+      <p:grpSpPr bwMode="auto">
+        <a:xfrm>
+          <a:off x="0" y="0"/>
+          <a:ext cx="0" cy="0"/>
+          <a:chOff x="0" y="0"/>
+          <a:chExt cx="0" cy="0"/>
+        </a:xfrm>
+      </p:grpSpPr>
+      <p:sp>
+        <p:nvSpPr>
+          <p:cNvPr id="139090186" name="Slide Image Placeholder 1">
+            <a:extLst>
+              <a:ext uri="{FF2B5EF4-FFF2-40B4-BE49-F238E27FC236}">
+                <a16:creationId xmlns:a16="http://schemas.microsoft.com/office/drawing/2014/main" id="{91B4F771-DCAA-7589-982D-7526BF9AB53F}"/>
+              </a:ext>
+            </a:extLst>
+          </p:cNvPr>
+          <p:cNvSpPr>
+            <a:spLocks noGrp="1" noRot="1" noChangeAspect="1"/>
+          </p:cNvSpPr>
+          <p:nvPr>
+            <p:ph type="sldImg"/>
+          </p:nvPr>
+        </p:nvSpPr>
+        <p:spPr bwMode="auto"/>
+      </p:sp>
+      <p:sp>
+        <p:nvSpPr>
+          <p:cNvPr id="400293583" name="Notes Placeholder 2">
+            <a:extLst>
+              <a:ext uri="{FF2B5EF4-FFF2-40B4-BE49-F238E27FC236}">
+                <a16:creationId xmlns:a16="http://schemas.microsoft.com/office/drawing/2014/main" id="{CD71D6DB-A356-59F9-4832-6B13E18E1658}"/>
+              </a:ext>
+            </a:extLst>
+          </p:cNvPr>
+          <p:cNvSpPr>
+            <a:spLocks noGrp="1"/>
+          </p:cNvSpPr>
+          <p:nvPr>
+            <p:ph type="body" idx="1"/>
+          </p:nvPr>
+        </p:nvSpPr>
+        <p:spPr bwMode="auto"/>
+        <p:txBody>
+          <a:bodyPr/>
+          <a:lstStyle/>
+          <a:p>
+            <a:pPr>
+              <a:defRPr/>
+            </a:pPr>
+            <a:endParaRPr/>
+          </a:p>
+        </p:txBody>
+      </p:sp>
+      <p:sp>
+        <p:nvSpPr>
+          <p:cNvPr id="1257388043" name="Slide Number Placeholder 3">
+            <a:extLst>
+              <a:ext uri="{FF2B5EF4-FFF2-40B4-BE49-F238E27FC236}">
+                <a16:creationId xmlns:a16="http://schemas.microsoft.com/office/drawing/2014/main" id="{12ADCC37-A286-63D5-CED0-BF80EC5FB8CE}"/>
+              </a:ext>
+            </a:extLst>
+          </p:cNvPr>
+          <p:cNvSpPr>
+            <a:spLocks noGrp="1"/>
+          </p:cNvSpPr>
+          <p:nvPr>
+            <p:ph type="sldNum" sz="quarter" idx="10"/>
+          </p:nvPr>
+        </p:nvSpPr>
+        <p:spPr bwMode="auto"/>
+        <p:txBody>
+          <a:bodyPr/>
+          <a:lstStyle/>
+          <a:p>
+            <a:pPr marL="0" marR="0" lvl="0" indent="0" algn="r" defTabSz="914400" eaLnBrk="1" fontAlgn="auto" latinLnBrk="0" hangingPunct="1">
+              <a:lnSpc>
+                <a:spcPct val="100000"/>
+              </a:lnSpc>
+              <a:spcBef>
+                <a:spcPts val="0"/>
+              </a:spcBef>
+              <a:spcAft>
+                <a:spcPts val="0"/>
+              </a:spcAft>
+              <a:buClrTx/>
+              <a:buSzTx/>
+              <a:buFontTx/>
+              <a:buNone/>
+              <a:tabLst/>
+              <a:defRPr/>
+            </a:pPr>
+            <a:fld id="{20073075-213A-DC53-9B24-1C6EF3B6ADAB}" type="slidenum">
               <a:rPr kumimoji="0" sz="1200" b="0" i="0" u="none" strike="noStrike" kern="0" cap="none" spc="0" normalizeH="0" baseline="0" noProof="0">
                 <a:ln>
                   <a:noFill/>
@@ -5877,6 +7555,11 @@
         </p:txBody>
       </p:sp>
     </p:spTree>
+    <p:extLst>
+      <p:ext uri="{BB962C8B-B14F-4D97-AF65-F5344CB8AC3E}">
+        <p14:creationId xmlns:p14="http://schemas.microsoft.com/office/powerpoint/2010/main" val="2580138341"/>
+      </p:ext>
+    </p:extLst>
   </p:cSld>
   <p:clrMapOvr>
     <a:masterClrMapping/>
@@ -5884,7 +7567,7 @@
 </p:notes>
 </file>
 
-<file path=ppt/notesSlides/notesSlide40.xml><?xml version="1.0" encoding="utf-8"?>
+<file path=ppt/notesSlides/notesSlide8.xml><?xml version="1.0" encoding="utf-8"?>
 <p:notes xmlns:a="http://schemas.openxmlformats.org/drawingml/2006/main" xmlns:r="http://schemas.openxmlformats.org/officeDocument/2006/relationships" xmlns:p="http://schemas.openxmlformats.org/presentationml/2006/main">
   <p:cSld>
     <p:spTree>
@@ -5892,7 +7575,7 @@
         <p:cNvPr id="1" name="">
           <a:extLst>
             <a:ext uri="{FF2B5EF4-FFF2-40B4-BE49-F238E27FC236}">
-              <a16:creationId xmlns:a16="http://schemas.microsoft.com/office/drawing/2014/main" id="{A2E9F3D3-D5A2-453D-4054-1B6ABEA6DF19}"/>
+              <a16:creationId xmlns:a16="http://schemas.microsoft.com/office/drawing/2014/main" id="{CE5B9C85-AE9A-0B4C-3DDF-8F7EE7E7EFF2}"/>
             </a:ext>
           </a:extLst>
         </p:cNvPr>
@@ -5912,7 +7595,7 @@
           <p:cNvPr id="139090186" name="Slide Image Placeholder 1">
             <a:extLst>
               <a:ext uri="{FF2B5EF4-FFF2-40B4-BE49-F238E27FC236}">
-                <a16:creationId xmlns:a16="http://schemas.microsoft.com/office/drawing/2014/main" id="{13F44863-AC7B-8ABD-AAA9-D819BC1D70C8}"/>
+                <a16:creationId xmlns:a16="http://schemas.microsoft.com/office/drawing/2014/main" id="{CA1EF806-6ADD-CD61-14D0-542D519DF096}"/>
               </a:ext>
             </a:extLst>
           </p:cNvPr>
@@ -5930,7 +7613,7 @@
           <p:cNvPr id="400293583" name="Notes Placeholder 2">
             <a:extLst>
               <a:ext uri="{FF2B5EF4-FFF2-40B4-BE49-F238E27FC236}">
-                <a16:creationId xmlns:a16="http://schemas.microsoft.com/office/drawing/2014/main" id="{13B76D12-19FF-91AA-4941-782F0B7996F1}"/>
+                <a16:creationId xmlns:a16="http://schemas.microsoft.com/office/drawing/2014/main" id="{A6E83C72-87D0-BB0F-CBF3-E614CE7ADC67}"/>
               </a:ext>
             </a:extLst>
           </p:cNvPr>
@@ -5958,7 +7641,7 @@
           <p:cNvPr id="1257388043" name="Slide Number Placeholder 3">
             <a:extLst>
               <a:ext uri="{FF2B5EF4-FFF2-40B4-BE49-F238E27FC236}">
-                <a16:creationId xmlns:a16="http://schemas.microsoft.com/office/drawing/2014/main" id="{2DB14216-72B6-587D-8E1A-5F4B7D7AA16C}"/>
+                <a16:creationId xmlns:a16="http://schemas.microsoft.com/office/drawing/2014/main" id="{BF9D2FA0-9A97-B5BB-2C32-0C999D597651}"/>
               </a:ext>
             </a:extLst>
           </p:cNvPr>
@@ -5992,1047 +7675,6 @@
               <a:defRPr/>
             </a:pPr>
             <a:fld id="{20073075-213A-DC53-9B24-1C6EF3B6ADAB}" type="slidenum">
-              <a:rPr kumimoji="0" sz="1200" b="0" i="0" u="none" strike="noStrike" kern="0" cap="none" spc="0" normalizeH="0" baseline="0" noProof="0">
-                <a:ln>
-                  <a:noFill/>
-                </a:ln>
-                <a:solidFill>
-                  <a:prstClr val="black"/>
-                </a:solidFill>
-                <a:effectLst/>
-                <a:uLnTx/>
-                <a:uFillTx/>
-                <a:latin typeface="Calibri"/>
-                <a:cs typeface="Arial"/>
-              </a:rPr>
-              <a:pPr marL="0" marR="0" lvl="0" indent="0" algn="r" defTabSz="914400" eaLnBrk="1" fontAlgn="auto" latinLnBrk="0" hangingPunct="1">
-                <a:lnSpc>
-                  <a:spcPct val="100000"/>
-                </a:lnSpc>
-                <a:spcBef>
-                  <a:spcPts val="0"/>
-                </a:spcBef>
-                <a:spcAft>
-                  <a:spcPts val="0"/>
-                </a:spcAft>
-                <a:buClrTx/>
-                <a:buSzTx/>
-                <a:buFontTx/>
-                <a:buNone/>
-                <a:tabLst/>
-                <a:defRPr/>
-              </a:pPr>
-              <a:t>71</a:t>
-            </a:fld>
-            <a:endParaRPr kumimoji="0" sz="1200" b="0" i="0" u="none" strike="noStrike" kern="0" cap="none" spc="0" normalizeH="0" baseline="0" noProof="0">
-              <a:ln>
-                <a:noFill/>
-              </a:ln>
-              <a:solidFill>
-                <a:prstClr val="black"/>
-              </a:solidFill>
-              <a:effectLst/>
-              <a:uLnTx/>
-              <a:uFillTx/>
-              <a:latin typeface="Calibri"/>
-              <a:cs typeface="Arial"/>
-            </a:endParaRPr>
-          </a:p>
-        </p:txBody>
-      </p:sp>
-    </p:spTree>
-    <p:extLst>
-      <p:ext uri="{BB962C8B-B14F-4D97-AF65-F5344CB8AC3E}">
-        <p14:creationId xmlns:p14="http://schemas.microsoft.com/office/powerpoint/2010/main" val="3871987960"/>
-      </p:ext>
-    </p:extLst>
-  </p:cSld>
-  <p:clrMapOvr>
-    <a:masterClrMapping/>
-  </p:clrMapOvr>
-</p:notes>
-</file>
-
-<file path=ppt/notesSlides/notesSlide41.xml><?xml version="1.0" encoding="utf-8"?>
-<p:notes xmlns:a="http://schemas.openxmlformats.org/drawingml/2006/main" xmlns:r="http://schemas.openxmlformats.org/officeDocument/2006/relationships" xmlns:p="http://schemas.openxmlformats.org/presentationml/2006/main">
-  <p:cSld>
-    <p:spTree>
-      <p:nvGrpSpPr>
-        <p:cNvPr id="1" name="">
-          <a:extLst>
-            <a:ext uri="{FF2B5EF4-FFF2-40B4-BE49-F238E27FC236}">
-              <a16:creationId xmlns:a16="http://schemas.microsoft.com/office/drawing/2014/main" id="{83E06739-1567-B389-27EB-96890F9ECD30}"/>
-            </a:ext>
-          </a:extLst>
-        </p:cNvPr>
-        <p:cNvGrpSpPr/>
-        <p:nvPr/>
-      </p:nvGrpSpPr>
-      <p:grpSpPr bwMode="auto">
-        <a:xfrm>
-          <a:off x="0" y="0"/>
-          <a:ext cx="0" cy="0"/>
-          <a:chOff x="0" y="0"/>
-          <a:chExt cx="0" cy="0"/>
-        </a:xfrm>
-      </p:grpSpPr>
-      <p:sp>
-        <p:nvSpPr>
-          <p:cNvPr id="139090186" name="Slide Image Placeholder 1">
-            <a:extLst>
-              <a:ext uri="{FF2B5EF4-FFF2-40B4-BE49-F238E27FC236}">
-                <a16:creationId xmlns:a16="http://schemas.microsoft.com/office/drawing/2014/main" id="{932D7566-9A6D-225F-EA98-70101BF44016}"/>
-              </a:ext>
-            </a:extLst>
-          </p:cNvPr>
-          <p:cNvSpPr>
-            <a:spLocks noGrp="1" noRot="1" noChangeAspect="1"/>
-          </p:cNvSpPr>
-          <p:nvPr>
-            <p:ph type="sldImg"/>
-          </p:nvPr>
-        </p:nvSpPr>
-        <p:spPr bwMode="auto"/>
-      </p:sp>
-      <p:sp>
-        <p:nvSpPr>
-          <p:cNvPr id="400293583" name="Notes Placeholder 2">
-            <a:extLst>
-              <a:ext uri="{FF2B5EF4-FFF2-40B4-BE49-F238E27FC236}">
-                <a16:creationId xmlns:a16="http://schemas.microsoft.com/office/drawing/2014/main" id="{F2073CA3-EE16-2C99-C6C6-07A0340AA00B}"/>
-              </a:ext>
-            </a:extLst>
-          </p:cNvPr>
-          <p:cNvSpPr>
-            <a:spLocks noGrp="1"/>
-          </p:cNvSpPr>
-          <p:nvPr>
-            <p:ph type="body" idx="1"/>
-          </p:nvPr>
-        </p:nvSpPr>
-        <p:spPr bwMode="auto"/>
-        <p:txBody>
-          <a:bodyPr/>
-          <a:lstStyle/>
-          <a:p>
-            <a:pPr>
-              <a:defRPr/>
-            </a:pPr>
-            <a:endParaRPr/>
-          </a:p>
-        </p:txBody>
-      </p:sp>
-      <p:sp>
-        <p:nvSpPr>
-          <p:cNvPr id="1257388043" name="Slide Number Placeholder 3">
-            <a:extLst>
-              <a:ext uri="{FF2B5EF4-FFF2-40B4-BE49-F238E27FC236}">
-                <a16:creationId xmlns:a16="http://schemas.microsoft.com/office/drawing/2014/main" id="{C8578FD1-B651-4D44-4A9A-EAAF684110CF}"/>
-              </a:ext>
-            </a:extLst>
-          </p:cNvPr>
-          <p:cNvSpPr>
-            <a:spLocks noGrp="1"/>
-          </p:cNvSpPr>
-          <p:nvPr>
-            <p:ph type="sldNum" sz="quarter" idx="10"/>
-          </p:nvPr>
-        </p:nvSpPr>
-        <p:spPr bwMode="auto"/>
-        <p:txBody>
-          <a:bodyPr/>
-          <a:lstStyle/>
-          <a:p>
-            <a:pPr marL="0" marR="0" lvl="0" indent="0" algn="r" defTabSz="914400" eaLnBrk="1" fontAlgn="auto" latinLnBrk="0" hangingPunct="1">
-              <a:lnSpc>
-                <a:spcPct val="100000"/>
-              </a:lnSpc>
-              <a:spcBef>
-                <a:spcPts val="0"/>
-              </a:spcBef>
-              <a:spcAft>
-                <a:spcPts val="0"/>
-              </a:spcAft>
-              <a:buClrTx/>
-              <a:buSzTx/>
-              <a:buFontTx/>
-              <a:buNone/>
-              <a:tabLst/>
-              <a:defRPr/>
-            </a:pPr>
-            <a:fld id="{20073075-213A-DC53-9B24-1C6EF3B6ADAB}" type="slidenum">
-              <a:rPr kumimoji="0" sz="1200" b="0" i="0" u="none" strike="noStrike" kern="0" cap="none" spc="0" normalizeH="0" baseline="0" noProof="0">
-                <a:ln>
-                  <a:noFill/>
-                </a:ln>
-                <a:solidFill>
-                  <a:prstClr val="black"/>
-                </a:solidFill>
-                <a:effectLst/>
-                <a:uLnTx/>
-                <a:uFillTx/>
-                <a:latin typeface="Calibri"/>
-                <a:cs typeface="Arial"/>
-              </a:rPr>
-              <a:pPr marL="0" marR="0" lvl="0" indent="0" algn="r" defTabSz="914400" eaLnBrk="1" fontAlgn="auto" latinLnBrk="0" hangingPunct="1">
-                <a:lnSpc>
-                  <a:spcPct val="100000"/>
-                </a:lnSpc>
-                <a:spcBef>
-                  <a:spcPts val="0"/>
-                </a:spcBef>
-                <a:spcAft>
-                  <a:spcPts val="0"/>
-                </a:spcAft>
-                <a:buClrTx/>
-                <a:buSzTx/>
-                <a:buFontTx/>
-                <a:buNone/>
-                <a:tabLst/>
-                <a:defRPr/>
-              </a:pPr>
-              <a:t>72</a:t>
-            </a:fld>
-            <a:endParaRPr kumimoji="0" sz="1200" b="0" i="0" u="none" strike="noStrike" kern="0" cap="none" spc="0" normalizeH="0" baseline="0" noProof="0">
-              <a:ln>
-                <a:noFill/>
-              </a:ln>
-              <a:solidFill>
-                <a:prstClr val="black"/>
-              </a:solidFill>
-              <a:effectLst/>
-              <a:uLnTx/>
-              <a:uFillTx/>
-              <a:latin typeface="Calibri"/>
-              <a:cs typeface="Arial"/>
-            </a:endParaRPr>
-          </a:p>
-        </p:txBody>
-      </p:sp>
-    </p:spTree>
-    <p:extLst>
-      <p:ext uri="{BB962C8B-B14F-4D97-AF65-F5344CB8AC3E}">
-        <p14:creationId xmlns:p14="http://schemas.microsoft.com/office/powerpoint/2010/main" val="1821547892"/>
-      </p:ext>
-    </p:extLst>
-  </p:cSld>
-  <p:clrMapOvr>
-    <a:masterClrMapping/>
-  </p:clrMapOvr>
-</p:notes>
-</file>
-
-<file path=ppt/notesSlides/notesSlide42.xml><?xml version="1.0" encoding="utf-8"?>
-<p:notes xmlns:a="http://schemas.openxmlformats.org/drawingml/2006/main" xmlns:r="http://schemas.openxmlformats.org/officeDocument/2006/relationships" xmlns:p="http://schemas.openxmlformats.org/presentationml/2006/main">
-  <p:cSld>
-    <p:spTree>
-      <p:nvGrpSpPr>
-        <p:cNvPr id="1" name="">
-          <a:extLst>
-            <a:ext uri="{FF2B5EF4-FFF2-40B4-BE49-F238E27FC236}">
-              <a16:creationId xmlns:a16="http://schemas.microsoft.com/office/drawing/2014/main" id="{071F79CF-CD17-6033-1FEF-05B17707F01A}"/>
-            </a:ext>
-          </a:extLst>
-        </p:cNvPr>
-        <p:cNvGrpSpPr/>
-        <p:nvPr/>
-      </p:nvGrpSpPr>
-      <p:grpSpPr bwMode="auto">
-        <a:xfrm>
-          <a:off x="0" y="0"/>
-          <a:ext cx="0" cy="0"/>
-          <a:chOff x="0" y="0"/>
-          <a:chExt cx="0" cy="0"/>
-        </a:xfrm>
-      </p:grpSpPr>
-      <p:sp>
-        <p:nvSpPr>
-          <p:cNvPr id="139090186" name="Slide Image Placeholder 1">
-            <a:extLst>
-              <a:ext uri="{FF2B5EF4-FFF2-40B4-BE49-F238E27FC236}">
-                <a16:creationId xmlns:a16="http://schemas.microsoft.com/office/drawing/2014/main" id="{EE683B9E-A0DE-86F4-BD95-319D8EBFE26F}"/>
-              </a:ext>
-            </a:extLst>
-          </p:cNvPr>
-          <p:cNvSpPr>
-            <a:spLocks noGrp="1" noRot="1" noChangeAspect="1"/>
-          </p:cNvSpPr>
-          <p:nvPr>
-            <p:ph type="sldImg"/>
-          </p:nvPr>
-        </p:nvSpPr>
-        <p:spPr bwMode="auto"/>
-      </p:sp>
-      <p:sp>
-        <p:nvSpPr>
-          <p:cNvPr id="400293583" name="Notes Placeholder 2">
-            <a:extLst>
-              <a:ext uri="{FF2B5EF4-FFF2-40B4-BE49-F238E27FC236}">
-                <a16:creationId xmlns:a16="http://schemas.microsoft.com/office/drawing/2014/main" id="{364C980E-94DA-1FD5-935B-F531D86CBDD4}"/>
-              </a:ext>
-            </a:extLst>
-          </p:cNvPr>
-          <p:cNvSpPr>
-            <a:spLocks noGrp="1"/>
-          </p:cNvSpPr>
-          <p:nvPr>
-            <p:ph type="body" idx="1"/>
-          </p:nvPr>
-        </p:nvSpPr>
-        <p:spPr bwMode="auto"/>
-        <p:txBody>
-          <a:bodyPr/>
-          <a:lstStyle/>
-          <a:p>
-            <a:pPr>
-              <a:defRPr/>
-            </a:pPr>
-            <a:endParaRPr/>
-          </a:p>
-        </p:txBody>
-      </p:sp>
-      <p:sp>
-        <p:nvSpPr>
-          <p:cNvPr id="1257388043" name="Slide Number Placeholder 3">
-            <a:extLst>
-              <a:ext uri="{FF2B5EF4-FFF2-40B4-BE49-F238E27FC236}">
-                <a16:creationId xmlns:a16="http://schemas.microsoft.com/office/drawing/2014/main" id="{FFBE7416-06B8-8F75-A9EF-A9895DF8107A}"/>
-              </a:ext>
-            </a:extLst>
-          </p:cNvPr>
-          <p:cNvSpPr>
-            <a:spLocks noGrp="1"/>
-          </p:cNvSpPr>
-          <p:nvPr>
-            <p:ph type="sldNum" sz="quarter" idx="10"/>
-          </p:nvPr>
-        </p:nvSpPr>
-        <p:spPr bwMode="auto"/>
-        <p:txBody>
-          <a:bodyPr/>
-          <a:lstStyle/>
-          <a:p>
-            <a:pPr marL="0" marR="0" lvl="0" indent="0" algn="r" defTabSz="914400" eaLnBrk="1" fontAlgn="auto" latinLnBrk="0" hangingPunct="1">
-              <a:lnSpc>
-                <a:spcPct val="100000"/>
-              </a:lnSpc>
-              <a:spcBef>
-                <a:spcPts val="0"/>
-              </a:spcBef>
-              <a:spcAft>
-                <a:spcPts val="0"/>
-              </a:spcAft>
-              <a:buClrTx/>
-              <a:buSzTx/>
-              <a:buFontTx/>
-              <a:buNone/>
-              <a:tabLst/>
-              <a:defRPr/>
-            </a:pPr>
-            <a:fld id="{20073075-213A-DC53-9B24-1C6EF3B6ADAB}" type="slidenum">
-              <a:rPr kumimoji="0" sz="1200" b="0" i="0" u="none" strike="noStrike" kern="0" cap="none" spc="0" normalizeH="0" baseline="0" noProof="0">
-                <a:ln>
-                  <a:noFill/>
-                </a:ln>
-                <a:solidFill>
-                  <a:prstClr val="black"/>
-                </a:solidFill>
-                <a:effectLst/>
-                <a:uLnTx/>
-                <a:uFillTx/>
-                <a:latin typeface="Calibri"/>
-                <a:cs typeface="Arial"/>
-              </a:rPr>
-              <a:pPr marL="0" marR="0" lvl="0" indent="0" algn="r" defTabSz="914400" eaLnBrk="1" fontAlgn="auto" latinLnBrk="0" hangingPunct="1">
-                <a:lnSpc>
-                  <a:spcPct val="100000"/>
-                </a:lnSpc>
-                <a:spcBef>
-                  <a:spcPts val="0"/>
-                </a:spcBef>
-                <a:spcAft>
-                  <a:spcPts val="0"/>
-                </a:spcAft>
-                <a:buClrTx/>
-                <a:buSzTx/>
-                <a:buFontTx/>
-                <a:buNone/>
-                <a:tabLst/>
-                <a:defRPr/>
-              </a:pPr>
-              <a:t>73</a:t>
-            </a:fld>
-            <a:endParaRPr kumimoji="0" sz="1200" b="0" i="0" u="none" strike="noStrike" kern="0" cap="none" spc="0" normalizeH="0" baseline="0" noProof="0">
-              <a:ln>
-                <a:noFill/>
-              </a:ln>
-              <a:solidFill>
-                <a:prstClr val="black"/>
-              </a:solidFill>
-              <a:effectLst/>
-              <a:uLnTx/>
-              <a:uFillTx/>
-              <a:latin typeface="Calibri"/>
-              <a:cs typeface="Arial"/>
-            </a:endParaRPr>
-          </a:p>
-        </p:txBody>
-      </p:sp>
-    </p:spTree>
-    <p:extLst>
-      <p:ext uri="{BB962C8B-B14F-4D97-AF65-F5344CB8AC3E}">
-        <p14:creationId xmlns:p14="http://schemas.microsoft.com/office/powerpoint/2010/main" val="2318382485"/>
-      </p:ext>
-    </p:extLst>
-  </p:cSld>
-  <p:clrMapOvr>
-    <a:masterClrMapping/>
-  </p:clrMapOvr>
-</p:notes>
-</file>
-
-<file path=ppt/notesSlides/notesSlide43.xml><?xml version="1.0" encoding="utf-8"?>
-<p:notes xmlns:a="http://schemas.openxmlformats.org/drawingml/2006/main" xmlns:r="http://schemas.openxmlformats.org/officeDocument/2006/relationships" xmlns:p="http://schemas.openxmlformats.org/presentationml/2006/main">
-  <p:cSld>
-    <p:spTree>
-      <p:nvGrpSpPr>
-        <p:cNvPr id="1" name="">
-          <a:extLst>
-            <a:ext uri="{FF2B5EF4-FFF2-40B4-BE49-F238E27FC236}">
-              <a16:creationId xmlns:a16="http://schemas.microsoft.com/office/drawing/2014/main" id="{DA3283D2-DBF6-D5A5-0A46-10E5E73BF7F5}"/>
-            </a:ext>
-          </a:extLst>
-        </p:cNvPr>
-        <p:cNvGrpSpPr/>
-        <p:nvPr/>
-      </p:nvGrpSpPr>
-      <p:grpSpPr bwMode="auto">
-        <a:xfrm>
-          <a:off x="0" y="0"/>
-          <a:ext cx="0" cy="0"/>
-          <a:chOff x="0" y="0"/>
-          <a:chExt cx="0" cy="0"/>
-        </a:xfrm>
-      </p:grpSpPr>
-      <p:sp>
-        <p:nvSpPr>
-          <p:cNvPr id="139090186" name="Slide Image Placeholder 1">
-            <a:extLst>
-              <a:ext uri="{FF2B5EF4-FFF2-40B4-BE49-F238E27FC236}">
-                <a16:creationId xmlns:a16="http://schemas.microsoft.com/office/drawing/2014/main" id="{0A1192E9-FB02-CB2D-DBEF-1A1C4CFD871D}"/>
-              </a:ext>
-            </a:extLst>
-          </p:cNvPr>
-          <p:cNvSpPr>
-            <a:spLocks noGrp="1" noRot="1" noChangeAspect="1"/>
-          </p:cNvSpPr>
-          <p:nvPr>
-            <p:ph type="sldImg"/>
-          </p:nvPr>
-        </p:nvSpPr>
-        <p:spPr bwMode="auto"/>
-      </p:sp>
-      <p:sp>
-        <p:nvSpPr>
-          <p:cNvPr id="400293583" name="Notes Placeholder 2">
-            <a:extLst>
-              <a:ext uri="{FF2B5EF4-FFF2-40B4-BE49-F238E27FC236}">
-                <a16:creationId xmlns:a16="http://schemas.microsoft.com/office/drawing/2014/main" id="{9A9D6D79-C617-A95F-CB9A-C7E9C3EEACA9}"/>
-              </a:ext>
-            </a:extLst>
-          </p:cNvPr>
-          <p:cNvSpPr>
-            <a:spLocks noGrp="1"/>
-          </p:cNvSpPr>
-          <p:nvPr>
-            <p:ph type="body" idx="1"/>
-          </p:nvPr>
-        </p:nvSpPr>
-        <p:spPr bwMode="auto"/>
-        <p:txBody>
-          <a:bodyPr/>
-          <a:lstStyle/>
-          <a:p>
-            <a:pPr>
-              <a:defRPr/>
-            </a:pPr>
-            <a:endParaRPr/>
-          </a:p>
-        </p:txBody>
-      </p:sp>
-      <p:sp>
-        <p:nvSpPr>
-          <p:cNvPr id="1257388043" name="Slide Number Placeholder 3">
-            <a:extLst>
-              <a:ext uri="{FF2B5EF4-FFF2-40B4-BE49-F238E27FC236}">
-                <a16:creationId xmlns:a16="http://schemas.microsoft.com/office/drawing/2014/main" id="{2E5FC565-6F52-C6E6-2CE6-21A3593D4DDC}"/>
-              </a:ext>
-            </a:extLst>
-          </p:cNvPr>
-          <p:cNvSpPr>
-            <a:spLocks noGrp="1"/>
-          </p:cNvSpPr>
-          <p:nvPr>
-            <p:ph type="sldNum" sz="quarter" idx="10"/>
-          </p:nvPr>
-        </p:nvSpPr>
-        <p:spPr bwMode="auto"/>
-        <p:txBody>
-          <a:bodyPr/>
-          <a:lstStyle/>
-          <a:p>
-            <a:pPr marL="0" marR="0" lvl="0" indent="0" algn="r" defTabSz="914400" eaLnBrk="1" fontAlgn="auto" latinLnBrk="0" hangingPunct="1">
-              <a:lnSpc>
-                <a:spcPct val="100000"/>
-              </a:lnSpc>
-              <a:spcBef>
-                <a:spcPts val="0"/>
-              </a:spcBef>
-              <a:spcAft>
-                <a:spcPts val="0"/>
-              </a:spcAft>
-              <a:buClrTx/>
-              <a:buSzTx/>
-              <a:buFontTx/>
-              <a:buNone/>
-              <a:tabLst/>
-              <a:defRPr/>
-            </a:pPr>
-            <a:fld id="{20073075-213A-DC53-9B24-1C6EF3B6ADAB}" type="slidenum">
-              <a:rPr kumimoji="0" sz="1200" b="0" i="0" u="none" strike="noStrike" kern="0" cap="none" spc="0" normalizeH="0" baseline="0" noProof="0">
-                <a:ln>
-                  <a:noFill/>
-                </a:ln>
-                <a:solidFill>
-                  <a:prstClr val="black"/>
-                </a:solidFill>
-                <a:effectLst/>
-                <a:uLnTx/>
-                <a:uFillTx/>
-                <a:latin typeface="Calibri"/>
-                <a:cs typeface="Arial"/>
-              </a:rPr>
-              <a:pPr marL="0" marR="0" lvl="0" indent="0" algn="r" defTabSz="914400" eaLnBrk="1" fontAlgn="auto" latinLnBrk="0" hangingPunct="1">
-                <a:lnSpc>
-                  <a:spcPct val="100000"/>
-                </a:lnSpc>
-                <a:spcBef>
-                  <a:spcPts val="0"/>
-                </a:spcBef>
-                <a:spcAft>
-                  <a:spcPts val="0"/>
-                </a:spcAft>
-                <a:buClrTx/>
-                <a:buSzTx/>
-                <a:buFontTx/>
-                <a:buNone/>
-                <a:tabLst/>
-                <a:defRPr/>
-              </a:pPr>
-              <a:t>74</a:t>
-            </a:fld>
-            <a:endParaRPr kumimoji="0" sz="1200" b="0" i="0" u="none" strike="noStrike" kern="0" cap="none" spc="0" normalizeH="0" baseline="0" noProof="0">
-              <a:ln>
-                <a:noFill/>
-              </a:ln>
-              <a:solidFill>
-                <a:prstClr val="black"/>
-              </a:solidFill>
-              <a:effectLst/>
-              <a:uLnTx/>
-              <a:uFillTx/>
-              <a:latin typeface="Calibri"/>
-              <a:cs typeface="Arial"/>
-            </a:endParaRPr>
-          </a:p>
-        </p:txBody>
-      </p:sp>
-    </p:spTree>
-    <p:extLst>
-      <p:ext uri="{BB962C8B-B14F-4D97-AF65-F5344CB8AC3E}">
-        <p14:creationId xmlns:p14="http://schemas.microsoft.com/office/powerpoint/2010/main" val="284837936"/>
-      </p:ext>
-    </p:extLst>
-  </p:cSld>
-  <p:clrMapOvr>
-    <a:masterClrMapping/>
-  </p:clrMapOvr>
-</p:notes>
-</file>
-
-<file path=ppt/notesSlides/notesSlide44.xml><?xml version="1.0" encoding="utf-8"?>
-<p:notes xmlns:a="http://schemas.openxmlformats.org/drawingml/2006/main" xmlns:r="http://schemas.openxmlformats.org/officeDocument/2006/relationships" xmlns:p="http://schemas.openxmlformats.org/presentationml/2006/main">
-  <p:cSld>
-    <p:spTree>
-      <p:nvGrpSpPr>
-        <p:cNvPr id="1" name="">
-          <a:extLst>
-            <a:ext uri="{FF2B5EF4-FFF2-40B4-BE49-F238E27FC236}">
-              <a16:creationId xmlns:a16="http://schemas.microsoft.com/office/drawing/2014/main" id="{69F313CF-1FEC-98D5-3C31-CE6F4B8F6ABF}"/>
-            </a:ext>
-          </a:extLst>
-        </p:cNvPr>
-        <p:cNvGrpSpPr/>
-        <p:nvPr/>
-      </p:nvGrpSpPr>
-      <p:grpSpPr bwMode="auto">
-        <a:xfrm>
-          <a:off x="0" y="0"/>
-          <a:ext cx="0" cy="0"/>
-          <a:chOff x="0" y="0"/>
-          <a:chExt cx="0" cy="0"/>
-        </a:xfrm>
-      </p:grpSpPr>
-      <p:sp>
-        <p:nvSpPr>
-          <p:cNvPr id="139090186" name="Slide Image Placeholder 1">
-            <a:extLst>
-              <a:ext uri="{FF2B5EF4-FFF2-40B4-BE49-F238E27FC236}">
-                <a16:creationId xmlns:a16="http://schemas.microsoft.com/office/drawing/2014/main" id="{3E126841-CF9B-8112-14DF-EF343B2B21B4}"/>
-              </a:ext>
-            </a:extLst>
-          </p:cNvPr>
-          <p:cNvSpPr>
-            <a:spLocks noGrp="1" noRot="1" noChangeAspect="1"/>
-          </p:cNvSpPr>
-          <p:nvPr>
-            <p:ph type="sldImg"/>
-          </p:nvPr>
-        </p:nvSpPr>
-        <p:spPr bwMode="auto"/>
-      </p:sp>
-      <p:sp>
-        <p:nvSpPr>
-          <p:cNvPr id="400293583" name="Notes Placeholder 2">
-            <a:extLst>
-              <a:ext uri="{FF2B5EF4-FFF2-40B4-BE49-F238E27FC236}">
-                <a16:creationId xmlns:a16="http://schemas.microsoft.com/office/drawing/2014/main" id="{BA1A9BCC-D8A0-8BD2-7F2A-D5FDE80127E6}"/>
-              </a:ext>
-            </a:extLst>
-          </p:cNvPr>
-          <p:cNvSpPr>
-            <a:spLocks noGrp="1"/>
-          </p:cNvSpPr>
-          <p:nvPr>
-            <p:ph type="body" idx="1"/>
-          </p:nvPr>
-        </p:nvSpPr>
-        <p:spPr bwMode="auto"/>
-        <p:txBody>
-          <a:bodyPr/>
-          <a:lstStyle/>
-          <a:p>
-            <a:pPr>
-              <a:defRPr/>
-            </a:pPr>
-            <a:endParaRPr/>
-          </a:p>
-        </p:txBody>
-      </p:sp>
-      <p:sp>
-        <p:nvSpPr>
-          <p:cNvPr id="1257388043" name="Slide Number Placeholder 3">
-            <a:extLst>
-              <a:ext uri="{FF2B5EF4-FFF2-40B4-BE49-F238E27FC236}">
-                <a16:creationId xmlns:a16="http://schemas.microsoft.com/office/drawing/2014/main" id="{258DFE2D-F19D-0F43-B42D-F1713DB9637F}"/>
-              </a:ext>
-            </a:extLst>
-          </p:cNvPr>
-          <p:cNvSpPr>
-            <a:spLocks noGrp="1"/>
-          </p:cNvSpPr>
-          <p:nvPr>
-            <p:ph type="sldNum" sz="quarter" idx="10"/>
-          </p:nvPr>
-        </p:nvSpPr>
-        <p:spPr bwMode="auto"/>
-        <p:txBody>
-          <a:bodyPr/>
-          <a:lstStyle/>
-          <a:p>
-            <a:pPr marL="0" marR="0" lvl="0" indent="0" algn="r" defTabSz="914400" eaLnBrk="1" fontAlgn="auto" latinLnBrk="0" hangingPunct="1">
-              <a:lnSpc>
-                <a:spcPct val="100000"/>
-              </a:lnSpc>
-              <a:spcBef>
-                <a:spcPts val="0"/>
-              </a:spcBef>
-              <a:spcAft>
-                <a:spcPts val="0"/>
-              </a:spcAft>
-              <a:buClrTx/>
-              <a:buSzTx/>
-              <a:buFontTx/>
-              <a:buNone/>
-              <a:tabLst/>
-              <a:defRPr/>
-            </a:pPr>
-            <a:fld id="{20073075-213A-DC53-9B24-1C6EF3B6ADAB}" type="slidenum">
-              <a:rPr kumimoji="0" sz="1200" b="0" i="0" u="none" strike="noStrike" kern="0" cap="none" spc="0" normalizeH="0" baseline="0" noProof="0">
-                <a:ln>
-                  <a:noFill/>
-                </a:ln>
-                <a:solidFill>
-                  <a:prstClr val="black"/>
-                </a:solidFill>
-                <a:effectLst/>
-                <a:uLnTx/>
-                <a:uFillTx/>
-                <a:latin typeface="Calibri"/>
-                <a:cs typeface="Arial"/>
-              </a:rPr>
-              <a:pPr marL="0" marR="0" lvl="0" indent="0" algn="r" defTabSz="914400" eaLnBrk="1" fontAlgn="auto" latinLnBrk="0" hangingPunct="1">
-                <a:lnSpc>
-                  <a:spcPct val="100000"/>
-                </a:lnSpc>
-                <a:spcBef>
-                  <a:spcPts val="0"/>
-                </a:spcBef>
-                <a:spcAft>
-                  <a:spcPts val="0"/>
-                </a:spcAft>
-                <a:buClrTx/>
-                <a:buSzTx/>
-                <a:buFontTx/>
-                <a:buNone/>
-                <a:tabLst/>
-                <a:defRPr/>
-              </a:pPr>
-              <a:t>75</a:t>
-            </a:fld>
-            <a:endParaRPr kumimoji="0" sz="1200" b="0" i="0" u="none" strike="noStrike" kern="0" cap="none" spc="0" normalizeH="0" baseline="0" noProof="0">
-              <a:ln>
-                <a:noFill/>
-              </a:ln>
-              <a:solidFill>
-                <a:prstClr val="black"/>
-              </a:solidFill>
-              <a:effectLst/>
-              <a:uLnTx/>
-              <a:uFillTx/>
-              <a:latin typeface="Calibri"/>
-              <a:cs typeface="Arial"/>
-            </a:endParaRPr>
-          </a:p>
-        </p:txBody>
-      </p:sp>
-    </p:spTree>
-    <p:extLst>
-      <p:ext uri="{BB962C8B-B14F-4D97-AF65-F5344CB8AC3E}">
-        <p14:creationId xmlns:p14="http://schemas.microsoft.com/office/powerpoint/2010/main" val="785065613"/>
-      </p:ext>
-    </p:extLst>
-  </p:cSld>
-  <p:clrMapOvr>
-    <a:masterClrMapping/>
-  </p:clrMapOvr>
-</p:notes>
-</file>
-
-<file path=ppt/notesSlides/notesSlide45.xml><?xml version="1.0" encoding="utf-8"?>
-<p:notes xmlns:a="http://schemas.openxmlformats.org/drawingml/2006/main" xmlns:r="http://schemas.openxmlformats.org/officeDocument/2006/relationships" xmlns:p="http://schemas.openxmlformats.org/presentationml/2006/main">
-  <p:cSld>
-    <p:spTree>
-      <p:nvGrpSpPr>
-        <p:cNvPr id="1" name="">
-          <a:extLst>
-            <a:ext uri="{FF2B5EF4-FFF2-40B4-BE49-F238E27FC236}">
-              <a16:creationId xmlns:a16="http://schemas.microsoft.com/office/drawing/2014/main" id="{01155213-AA63-F124-084E-1DEE2ACA3F3B}"/>
-            </a:ext>
-          </a:extLst>
-        </p:cNvPr>
-        <p:cNvGrpSpPr/>
-        <p:nvPr/>
-      </p:nvGrpSpPr>
-      <p:grpSpPr>
-        <a:xfrm>
-          <a:off x="0" y="0"/>
-          <a:ext cx="0" cy="0"/>
-          <a:chOff x="0" y="0"/>
-          <a:chExt cx="0" cy="0"/>
-        </a:xfrm>
-      </p:grpSpPr>
-      <p:sp>
-        <p:nvSpPr>
-          <p:cNvPr id="2" name="Folienbildplatzhalter 1">
-            <a:extLst>
-              <a:ext uri="{FF2B5EF4-FFF2-40B4-BE49-F238E27FC236}">
-                <a16:creationId xmlns:a16="http://schemas.microsoft.com/office/drawing/2014/main" id="{CCD7F13C-1EE2-8A72-2E3D-AFB62863C3E1}"/>
-              </a:ext>
-            </a:extLst>
-          </p:cNvPr>
-          <p:cNvSpPr>
-            <a:spLocks noGrp="1" noRot="1" noChangeAspect="1"/>
-          </p:cNvSpPr>
-          <p:nvPr>
-            <p:ph type="sldImg"/>
-          </p:nvPr>
-        </p:nvSpPr>
-        <p:spPr/>
-      </p:sp>
-      <p:sp>
-        <p:nvSpPr>
-          <p:cNvPr id="3" name="Notizenplatzhalter 2">
-            <a:extLst>
-              <a:ext uri="{FF2B5EF4-FFF2-40B4-BE49-F238E27FC236}">
-                <a16:creationId xmlns:a16="http://schemas.microsoft.com/office/drawing/2014/main" id="{E970CB8D-FE70-EDD3-7F23-50F68CFEC238}"/>
-              </a:ext>
-            </a:extLst>
-          </p:cNvPr>
-          <p:cNvSpPr>
-            <a:spLocks noGrp="1"/>
-          </p:cNvSpPr>
-          <p:nvPr>
-            <p:ph type="body" idx="1"/>
-          </p:nvPr>
-        </p:nvSpPr>
-        <p:spPr/>
-        <p:txBody>
-          <a:bodyPr/>
-          <a:lstStyle/>
-          <a:p>
-            <a:r>
-              <a:rPr lang="de-DE"/>
-              <a:t>Hier beginnen wir mit dem Hintergrund und der Motivation für unser Projekt. Wir geben einen Überblick über die Einzelhandelsbranche und erläutern die Zielsetzung unseres Data Science Projekts, um Prozesse zu optimieren und die Effizienz zu steigern.</a:t>
-            </a:r>
-          </a:p>
-        </p:txBody>
-      </p:sp>
-      <p:sp>
-        <p:nvSpPr>
-          <p:cNvPr id="4" name="Foliennummernplatzhalter 3">
-            <a:extLst>
-              <a:ext uri="{FF2B5EF4-FFF2-40B4-BE49-F238E27FC236}">
-                <a16:creationId xmlns:a16="http://schemas.microsoft.com/office/drawing/2014/main" id="{35F252C1-8337-6194-C0B3-9EC0151B4FE5}"/>
-              </a:ext>
-            </a:extLst>
-          </p:cNvPr>
-          <p:cNvSpPr>
-            <a:spLocks noGrp="1"/>
-          </p:cNvSpPr>
-          <p:nvPr>
-            <p:ph type="sldNum" sz="quarter" idx="5"/>
-          </p:nvPr>
-        </p:nvSpPr>
-        <p:spPr/>
-        <p:txBody>
-          <a:bodyPr/>
-          <a:lstStyle/>
-          <a:p>
-            <a:fld id="{8C36BA74-7AA1-48ED-B9BC-0F570D47A936}" type="slidenum">
-              <a:t>77</a:t>
-            </a:fld>
-            <a:endParaRPr lang="de-DE"/>
-          </a:p>
-        </p:txBody>
-      </p:sp>
-    </p:spTree>
-    <p:extLst>
-      <p:ext uri="{BB962C8B-B14F-4D97-AF65-F5344CB8AC3E}">
-        <p14:creationId xmlns:p14="http://schemas.microsoft.com/office/powerpoint/2010/main" val="2728093091"/>
-      </p:ext>
-    </p:extLst>
-  </p:cSld>
-  <p:clrMapOvr>
-    <a:masterClrMapping/>
-  </p:clrMapOvr>
-</p:notes>
-</file>
-
-<file path=ppt/notesSlides/notesSlide46.xml><?xml version="1.0" encoding="utf-8"?>
-<p:notes xmlns:a="http://schemas.openxmlformats.org/drawingml/2006/main" xmlns:r="http://schemas.openxmlformats.org/officeDocument/2006/relationships" xmlns:p="http://schemas.openxmlformats.org/presentationml/2006/main">
-  <p:cSld>
-    <p:spTree>
-      <p:nvGrpSpPr>
-        <p:cNvPr id="1" name="">
-          <a:extLst>
-            <a:ext uri="{FF2B5EF4-FFF2-40B4-BE49-F238E27FC236}">
-              <a16:creationId xmlns:a16="http://schemas.microsoft.com/office/drawing/2014/main" id="{53F84C27-ECFA-E7E4-DD8A-7C209B33023E}"/>
-            </a:ext>
-          </a:extLst>
-        </p:cNvPr>
-        <p:cNvGrpSpPr/>
-        <p:nvPr/>
-      </p:nvGrpSpPr>
-      <p:grpSpPr>
-        <a:xfrm>
-          <a:off x="0" y="0"/>
-          <a:ext cx="0" cy="0"/>
-          <a:chOff x="0" y="0"/>
-          <a:chExt cx="0" cy="0"/>
-        </a:xfrm>
-      </p:grpSpPr>
-      <p:sp>
-        <p:nvSpPr>
-          <p:cNvPr id="2" name="Folienbildplatzhalter 1">
-            <a:extLst>
-              <a:ext uri="{FF2B5EF4-FFF2-40B4-BE49-F238E27FC236}">
-                <a16:creationId xmlns:a16="http://schemas.microsoft.com/office/drawing/2014/main" id="{6A09471C-5071-5126-09DD-26BBE8CB4530}"/>
-              </a:ext>
-            </a:extLst>
-          </p:cNvPr>
-          <p:cNvSpPr>
-            <a:spLocks noGrp="1" noRot="1" noChangeAspect="1"/>
-          </p:cNvSpPr>
-          <p:nvPr>
-            <p:ph type="sldImg"/>
-          </p:nvPr>
-        </p:nvSpPr>
-        <p:spPr/>
-      </p:sp>
-      <p:sp>
-        <p:nvSpPr>
-          <p:cNvPr id="3" name="Notizenplatzhalter 2">
-            <a:extLst>
-              <a:ext uri="{FF2B5EF4-FFF2-40B4-BE49-F238E27FC236}">
-                <a16:creationId xmlns:a16="http://schemas.microsoft.com/office/drawing/2014/main" id="{AA58846C-3EAD-0B81-21AE-B63B8EFF62ED}"/>
-              </a:ext>
-            </a:extLst>
-          </p:cNvPr>
-          <p:cNvSpPr>
-            <a:spLocks noGrp="1"/>
-          </p:cNvSpPr>
-          <p:nvPr>
-            <p:ph type="body" idx="1"/>
-          </p:nvPr>
-        </p:nvSpPr>
-        <p:spPr/>
-        <p:txBody>
-          <a:bodyPr/>
-          <a:lstStyle/>
-          <a:p>
-            <a:r>
-              <a:rPr lang="de-DE"/>
-              <a:t>Hier beginnen wir mit dem Hintergrund und der Motivation für unser Projekt. Wir geben einen Überblick über die Einzelhandelsbranche und erläutern die Zielsetzung unseres Data Science Projekts, um Prozesse zu optimieren und die Effizienz zu steigern.</a:t>
-            </a:r>
-          </a:p>
-        </p:txBody>
-      </p:sp>
-      <p:sp>
-        <p:nvSpPr>
-          <p:cNvPr id="4" name="Foliennummernplatzhalter 3">
-            <a:extLst>
-              <a:ext uri="{FF2B5EF4-FFF2-40B4-BE49-F238E27FC236}">
-                <a16:creationId xmlns:a16="http://schemas.microsoft.com/office/drawing/2014/main" id="{FA89DB32-C831-4AC4-7530-AE775BD0D30B}"/>
-              </a:ext>
-            </a:extLst>
-          </p:cNvPr>
-          <p:cNvSpPr>
-            <a:spLocks noGrp="1"/>
-          </p:cNvSpPr>
-          <p:nvPr>
-            <p:ph type="sldNum" sz="quarter" idx="5"/>
-          </p:nvPr>
-        </p:nvSpPr>
-        <p:spPr/>
-        <p:txBody>
-          <a:bodyPr/>
-          <a:lstStyle/>
-          <a:p>
-            <a:fld id="{8C36BA74-7AA1-48ED-B9BC-0F570D47A936}" type="slidenum">
-              <a:t>80</a:t>
-            </a:fld>
-            <a:endParaRPr lang="de-DE"/>
-          </a:p>
-        </p:txBody>
-      </p:sp>
-    </p:spTree>
-    <p:extLst>
-      <p:ext uri="{BB962C8B-B14F-4D97-AF65-F5344CB8AC3E}">
-        <p14:creationId xmlns:p14="http://schemas.microsoft.com/office/powerpoint/2010/main" val="1615771480"/>
-      </p:ext>
-    </p:extLst>
-  </p:cSld>
-  <p:clrMapOvr>
-    <a:masterClrMapping/>
-  </p:clrMapOvr>
-</p:notes>
-</file>
-
-<file path=ppt/notesSlides/notesSlide5.xml><?xml version="1.0" encoding="utf-8"?>
-<p:notes xmlns:a="http://schemas.openxmlformats.org/drawingml/2006/main" xmlns:r="http://schemas.openxmlformats.org/officeDocument/2006/relationships" xmlns:p="http://schemas.openxmlformats.org/presentationml/2006/main">
-  <p:cSld>
-    <p:spTree>
-      <p:nvGrpSpPr>
-        <p:cNvPr id="1" name=""/>
-        <p:cNvGrpSpPr/>
-        <p:nvPr/>
-      </p:nvGrpSpPr>
-      <p:grpSpPr bwMode="auto">
-        <a:xfrm>
-          <a:off x="0" y="0"/>
-          <a:ext cx="0" cy="0"/>
-          <a:chOff x="0" y="0"/>
-          <a:chExt cx="0" cy="0"/>
-        </a:xfrm>
-      </p:grpSpPr>
-      <p:sp>
-        <p:nvSpPr>
-          <p:cNvPr id="1510186508" name="Slide Image Placeholder 1"/>
-          <p:cNvSpPr>
-            <a:spLocks noGrp="1" noRot="1" noChangeAspect="1"/>
-          </p:cNvSpPr>
-          <p:nvPr>
-            <p:ph type="sldImg"/>
-          </p:nvPr>
-        </p:nvSpPr>
-        <p:spPr bwMode="auto"/>
-      </p:sp>
-      <p:sp>
-        <p:nvSpPr>
-          <p:cNvPr id="1659927198" name="Notes Placeholder 2"/>
-          <p:cNvSpPr>
-            <a:spLocks noGrp="1"/>
-          </p:cNvSpPr>
-          <p:nvPr>
-            <p:ph type="body" idx="1"/>
-          </p:nvPr>
-        </p:nvSpPr>
-        <p:spPr bwMode="auto"/>
-        <p:txBody>
-          <a:bodyPr/>
-          <a:lstStyle/>
-          <a:p>
-            <a:pPr>
-              <a:defRPr/>
-            </a:pPr>
-            <a:endParaRPr/>
-          </a:p>
-        </p:txBody>
-      </p:sp>
-      <p:sp>
-        <p:nvSpPr>
-          <p:cNvPr id="2071636362" name="Slide Number Placeholder 3"/>
-          <p:cNvSpPr>
-            <a:spLocks noGrp="1"/>
-          </p:cNvSpPr>
-          <p:nvPr>
-            <p:ph type="sldNum" sz="quarter" idx="10"/>
-          </p:nvPr>
-        </p:nvSpPr>
-        <p:spPr bwMode="auto"/>
-        <p:txBody>
-          <a:bodyPr/>
-          <a:lstStyle/>
-          <a:p>
-            <a:pPr marL="0" marR="0" lvl="0" indent="0" algn="r" defTabSz="914400" eaLnBrk="1" fontAlgn="auto" latinLnBrk="0" hangingPunct="1">
-              <a:lnSpc>
-                <a:spcPct val="100000"/>
-              </a:lnSpc>
-              <a:spcBef>
-                <a:spcPts val="0"/>
-              </a:spcBef>
-              <a:spcAft>
-                <a:spcPts val="0"/>
-              </a:spcAft>
-              <a:buClrTx/>
-              <a:buSzTx/>
-              <a:buFontTx/>
-              <a:buNone/>
-              <a:tabLst/>
-              <a:defRPr/>
-            </a:pPr>
-            <a:fld id="{8BF48A40-2010-B16B-2873-732956E2F463}" type="slidenum">
               <a:rPr kumimoji="0" sz="1200" b="0" i="0" u="none" strike="noStrike" kern="0" cap="none" spc="0" normalizeH="0" baseline="0" noProof="0">
                 <a:ln>
                   <a:noFill/>
@@ -7082,6 +7724,11 @@
         </p:txBody>
       </p:sp>
     </p:spTree>
+    <p:extLst>
+      <p:ext uri="{BB962C8B-B14F-4D97-AF65-F5344CB8AC3E}">
+        <p14:creationId xmlns:p14="http://schemas.microsoft.com/office/powerpoint/2010/main" val="3523433093"/>
+      </p:ext>
+    </p:extLst>
   </p:cSld>
   <p:clrMapOvr>
     <a:masterClrMapping/>
@@ -7089,12 +7736,18 @@
 </p:notes>
 </file>
 
-<file path=ppt/notesSlides/notesSlide6.xml><?xml version="1.0" encoding="utf-8"?>
+<file path=ppt/notesSlides/notesSlide9.xml><?xml version="1.0" encoding="utf-8"?>
 <p:notes xmlns:a="http://schemas.openxmlformats.org/drawingml/2006/main" xmlns:r="http://schemas.openxmlformats.org/officeDocument/2006/relationships" xmlns:p="http://schemas.openxmlformats.org/presentationml/2006/main">
   <p:cSld>
     <p:spTree>
       <p:nvGrpSpPr>
-        <p:cNvPr id="1" name=""/>
+        <p:cNvPr id="1" name="">
+          <a:extLst>
+            <a:ext uri="{FF2B5EF4-FFF2-40B4-BE49-F238E27FC236}">
+              <a16:creationId xmlns:a16="http://schemas.microsoft.com/office/drawing/2014/main" id="{195A4816-39D1-245E-7CD8-A048CE00ED7D}"/>
+            </a:ext>
+          </a:extLst>
+        </p:cNvPr>
         <p:cNvGrpSpPr/>
         <p:nvPr/>
       </p:nvGrpSpPr>
@@ -7108,7 +7761,13 @@
       </p:grpSpPr>
       <p:sp>
         <p:nvSpPr>
-          <p:cNvPr id="139090186" name="Slide Image Placeholder 1"/>
+          <p:cNvPr id="139090186" name="Slide Image Placeholder 1">
+            <a:extLst>
+              <a:ext uri="{FF2B5EF4-FFF2-40B4-BE49-F238E27FC236}">
+                <a16:creationId xmlns:a16="http://schemas.microsoft.com/office/drawing/2014/main" id="{7BC8C6BD-B66C-34E5-F4DE-752E955F3CDE}"/>
+              </a:ext>
+            </a:extLst>
+          </p:cNvPr>
           <p:cNvSpPr>
             <a:spLocks noGrp="1" noRot="1" noChangeAspect="1"/>
           </p:cNvSpPr>
@@ -7120,7 +7779,13 @@
       </p:sp>
       <p:sp>
         <p:nvSpPr>
-          <p:cNvPr id="400293583" name="Notes Placeholder 2"/>
+          <p:cNvPr id="400293583" name="Notes Placeholder 2">
+            <a:extLst>
+              <a:ext uri="{FF2B5EF4-FFF2-40B4-BE49-F238E27FC236}">
+                <a16:creationId xmlns:a16="http://schemas.microsoft.com/office/drawing/2014/main" id="{F085DCDF-5635-1357-2A2C-0938E82DF249}"/>
+              </a:ext>
+            </a:extLst>
+          </p:cNvPr>
           <p:cNvSpPr>
             <a:spLocks noGrp="1"/>
           </p:cNvSpPr>
@@ -7142,7 +7807,13 @@
       </p:sp>
       <p:sp>
         <p:nvSpPr>
-          <p:cNvPr id="1257388043" name="Slide Number Placeholder 3"/>
+          <p:cNvPr id="1257388043" name="Slide Number Placeholder 3">
+            <a:extLst>
+              <a:ext uri="{FF2B5EF4-FFF2-40B4-BE49-F238E27FC236}">
+                <a16:creationId xmlns:a16="http://schemas.microsoft.com/office/drawing/2014/main" id="{FE7DC78C-7C24-830C-B579-5E32FB19327E}"/>
+              </a:ext>
+            </a:extLst>
+          </p:cNvPr>
           <p:cNvSpPr>
             <a:spLocks noGrp="1"/>
           </p:cNvSpPr>
@@ -7222,511 +7893,9 @@
         </p:txBody>
       </p:sp>
     </p:spTree>
-  </p:cSld>
-  <p:clrMapOvr>
-    <a:masterClrMapping/>
-  </p:clrMapOvr>
-</p:notes>
-</file>
-
-<file path=ppt/notesSlides/notesSlide7.xml><?xml version="1.0" encoding="utf-8"?>
-<p:notes xmlns:a="http://schemas.openxmlformats.org/drawingml/2006/main" xmlns:r="http://schemas.openxmlformats.org/officeDocument/2006/relationships" xmlns:p="http://schemas.openxmlformats.org/presentationml/2006/main">
-  <p:cSld>
-    <p:spTree>
-      <p:nvGrpSpPr>
-        <p:cNvPr id="1" name="">
-          <a:extLst>
-            <a:ext uri="{FF2B5EF4-FFF2-40B4-BE49-F238E27FC236}">
-              <a16:creationId xmlns:a16="http://schemas.microsoft.com/office/drawing/2014/main" id="{8445F11D-6FF4-9518-2431-C0D83E890CE4}"/>
-            </a:ext>
-          </a:extLst>
-        </p:cNvPr>
-        <p:cNvGrpSpPr/>
-        <p:nvPr/>
-      </p:nvGrpSpPr>
-      <p:grpSpPr bwMode="auto">
-        <a:xfrm>
-          <a:off x="0" y="0"/>
-          <a:ext cx="0" cy="0"/>
-          <a:chOff x="0" y="0"/>
-          <a:chExt cx="0" cy="0"/>
-        </a:xfrm>
-      </p:grpSpPr>
-      <p:sp>
-        <p:nvSpPr>
-          <p:cNvPr id="139090186" name="Slide Image Placeholder 1">
-            <a:extLst>
-              <a:ext uri="{FF2B5EF4-FFF2-40B4-BE49-F238E27FC236}">
-                <a16:creationId xmlns:a16="http://schemas.microsoft.com/office/drawing/2014/main" id="{91B4F771-DCAA-7589-982D-7526BF9AB53F}"/>
-              </a:ext>
-            </a:extLst>
-          </p:cNvPr>
-          <p:cNvSpPr>
-            <a:spLocks noGrp="1" noRot="1" noChangeAspect="1"/>
-          </p:cNvSpPr>
-          <p:nvPr>
-            <p:ph type="sldImg"/>
-          </p:nvPr>
-        </p:nvSpPr>
-        <p:spPr bwMode="auto"/>
-      </p:sp>
-      <p:sp>
-        <p:nvSpPr>
-          <p:cNvPr id="400293583" name="Notes Placeholder 2">
-            <a:extLst>
-              <a:ext uri="{FF2B5EF4-FFF2-40B4-BE49-F238E27FC236}">
-                <a16:creationId xmlns:a16="http://schemas.microsoft.com/office/drawing/2014/main" id="{CD71D6DB-A356-59F9-4832-6B13E18E1658}"/>
-              </a:ext>
-            </a:extLst>
-          </p:cNvPr>
-          <p:cNvSpPr>
-            <a:spLocks noGrp="1"/>
-          </p:cNvSpPr>
-          <p:nvPr>
-            <p:ph type="body" idx="1"/>
-          </p:nvPr>
-        </p:nvSpPr>
-        <p:spPr bwMode="auto"/>
-        <p:txBody>
-          <a:bodyPr/>
-          <a:lstStyle/>
-          <a:p>
-            <a:pPr>
-              <a:defRPr/>
-            </a:pPr>
-            <a:endParaRPr/>
-          </a:p>
-        </p:txBody>
-      </p:sp>
-      <p:sp>
-        <p:nvSpPr>
-          <p:cNvPr id="1257388043" name="Slide Number Placeholder 3">
-            <a:extLst>
-              <a:ext uri="{FF2B5EF4-FFF2-40B4-BE49-F238E27FC236}">
-                <a16:creationId xmlns:a16="http://schemas.microsoft.com/office/drawing/2014/main" id="{12ADCC37-A286-63D5-CED0-BF80EC5FB8CE}"/>
-              </a:ext>
-            </a:extLst>
-          </p:cNvPr>
-          <p:cNvSpPr>
-            <a:spLocks noGrp="1"/>
-          </p:cNvSpPr>
-          <p:nvPr>
-            <p:ph type="sldNum" sz="quarter" idx="10"/>
-          </p:nvPr>
-        </p:nvSpPr>
-        <p:spPr bwMode="auto"/>
-        <p:txBody>
-          <a:bodyPr/>
-          <a:lstStyle/>
-          <a:p>
-            <a:pPr marL="0" marR="0" lvl="0" indent="0" algn="r" defTabSz="914400" eaLnBrk="1" fontAlgn="auto" latinLnBrk="0" hangingPunct="1">
-              <a:lnSpc>
-                <a:spcPct val="100000"/>
-              </a:lnSpc>
-              <a:spcBef>
-                <a:spcPts val="0"/>
-              </a:spcBef>
-              <a:spcAft>
-                <a:spcPts val="0"/>
-              </a:spcAft>
-              <a:buClrTx/>
-              <a:buSzTx/>
-              <a:buFontTx/>
-              <a:buNone/>
-              <a:tabLst/>
-              <a:defRPr/>
-            </a:pPr>
-            <a:fld id="{20073075-213A-DC53-9B24-1C6EF3B6ADAB}" type="slidenum">
-              <a:rPr kumimoji="0" sz="1200" b="0" i="0" u="none" strike="noStrike" kern="0" cap="none" spc="0" normalizeH="0" baseline="0" noProof="0">
-                <a:ln>
-                  <a:noFill/>
-                </a:ln>
-                <a:solidFill>
-                  <a:prstClr val="black"/>
-                </a:solidFill>
-                <a:effectLst/>
-                <a:uLnTx/>
-                <a:uFillTx/>
-                <a:latin typeface="Calibri"/>
-                <a:cs typeface="Arial"/>
-              </a:rPr>
-              <a:pPr marL="0" marR="0" lvl="0" indent="0" algn="r" defTabSz="914400" eaLnBrk="1" fontAlgn="auto" latinLnBrk="0" hangingPunct="1">
-                <a:lnSpc>
-                  <a:spcPct val="100000"/>
-                </a:lnSpc>
-                <a:spcBef>
-                  <a:spcPts val="0"/>
-                </a:spcBef>
-                <a:spcAft>
-                  <a:spcPts val="0"/>
-                </a:spcAft>
-                <a:buClrTx/>
-                <a:buSzTx/>
-                <a:buFontTx/>
-                <a:buNone/>
-                <a:tabLst/>
-                <a:defRPr/>
-              </a:pPr>
-              <a:t>26</a:t>
-            </a:fld>
-            <a:endParaRPr kumimoji="0" sz="1200" b="0" i="0" u="none" strike="noStrike" kern="0" cap="none" spc="0" normalizeH="0" baseline="0" noProof="0">
-              <a:ln>
-                <a:noFill/>
-              </a:ln>
-              <a:solidFill>
-                <a:prstClr val="black"/>
-              </a:solidFill>
-              <a:effectLst/>
-              <a:uLnTx/>
-              <a:uFillTx/>
-              <a:latin typeface="Calibri"/>
-              <a:cs typeface="Arial"/>
-            </a:endParaRPr>
-          </a:p>
-        </p:txBody>
-      </p:sp>
-    </p:spTree>
     <p:extLst>
       <p:ext uri="{BB962C8B-B14F-4D97-AF65-F5344CB8AC3E}">
-        <p14:creationId xmlns:p14="http://schemas.microsoft.com/office/powerpoint/2010/main" val="2580138341"/>
-      </p:ext>
-    </p:extLst>
-  </p:cSld>
-  <p:clrMapOvr>
-    <a:masterClrMapping/>
-  </p:clrMapOvr>
-</p:notes>
-</file>
-
-<file path=ppt/notesSlides/notesSlide8.xml><?xml version="1.0" encoding="utf-8"?>
-<p:notes xmlns:a="http://schemas.openxmlformats.org/drawingml/2006/main" xmlns:r="http://schemas.openxmlformats.org/officeDocument/2006/relationships" xmlns:p="http://schemas.openxmlformats.org/presentationml/2006/main">
-  <p:cSld>
-    <p:spTree>
-      <p:nvGrpSpPr>
-        <p:cNvPr id="1" name="">
-          <a:extLst>
-            <a:ext uri="{FF2B5EF4-FFF2-40B4-BE49-F238E27FC236}">
-              <a16:creationId xmlns:a16="http://schemas.microsoft.com/office/drawing/2014/main" id="{CE5B9C85-AE9A-0B4C-3DDF-8F7EE7E7EFF2}"/>
-            </a:ext>
-          </a:extLst>
-        </p:cNvPr>
-        <p:cNvGrpSpPr/>
-        <p:nvPr/>
-      </p:nvGrpSpPr>
-      <p:grpSpPr bwMode="auto">
-        <a:xfrm>
-          <a:off x="0" y="0"/>
-          <a:ext cx="0" cy="0"/>
-          <a:chOff x="0" y="0"/>
-          <a:chExt cx="0" cy="0"/>
-        </a:xfrm>
-      </p:grpSpPr>
-      <p:sp>
-        <p:nvSpPr>
-          <p:cNvPr id="139090186" name="Slide Image Placeholder 1">
-            <a:extLst>
-              <a:ext uri="{FF2B5EF4-FFF2-40B4-BE49-F238E27FC236}">
-                <a16:creationId xmlns:a16="http://schemas.microsoft.com/office/drawing/2014/main" id="{CA1EF806-6ADD-CD61-14D0-542D519DF096}"/>
-              </a:ext>
-            </a:extLst>
-          </p:cNvPr>
-          <p:cNvSpPr>
-            <a:spLocks noGrp="1" noRot="1" noChangeAspect="1"/>
-          </p:cNvSpPr>
-          <p:nvPr>
-            <p:ph type="sldImg"/>
-          </p:nvPr>
-        </p:nvSpPr>
-        <p:spPr bwMode="auto"/>
-      </p:sp>
-      <p:sp>
-        <p:nvSpPr>
-          <p:cNvPr id="400293583" name="Notes Placeholder 2">
-            <a:extLst>
-              <a:ext uri="{FF2B5EF4-FFF2-40B4-BE49-F238E27FC236}">
-                <a16:creationId xmlns:a16="http://schemas.microsoft.com/office/drawing/2014/main" id="{A6E83C72-87D0-BB0F-CBF3-E614CE7ADC67}"/>
-              </a:ext>
-            </a:extLst>
-          </p:cNvPr>
-          <p:cNvSpPr>
-            <a:spLocks noGrp="1"/>
-          </p:cNvSpPr>
-          <p:nvPr>
-            <p:ph type="body" idx="1"/>
-          </p:nvPr>
-        </p:nvSpPr>
-        <p:spPr bwMode="auto"/>
-        <p:txBody>
-          <a:bodyPr/>
-          <a:lstStyle/>
-          <a:p>
-            <a:pPr>
-              <a:defRPr/>
-            </a:pPr>
-            <a:endParaRPr/>
-          </a:p>
-        </p:txBody>
-      </p:sp>
-      <p:sp>
-        <p:nvSpPr>
-          <p:cNvPr id="1257388043" name="Slide Number Placeholder 3">
-            <a:extLst>
-              <a:ext uri="{FF2B5EF4-FFF2-40B4-BE49-F238E27FC236}">
-                <a16:creationId xmlns:a16="http://schemas.microsoft.com/office/drawing/2014/main" id="{BF9D2FA0-9A97-B5BB-2C32-0C999D597651}"/>
-              </a:ext>
-            </a:extLst>
-          </p:cNvPr>
-          <p:cNvSpPr>
-            <a:spLocks noGrp="1"/>
-          </p:cNvSpPr>
-          <p:nvPr>
-            <p:ph type="sldNum" sz="quarter" idx="10"/>
-          </p:nvPr>
-        </p:nvSpPr>
-        <p:spPr bwMode="auto"/>
-        <p:txBody>
-          <a:bodyPr/>
-          <a:lstStyle/>
-          <a:p>
-            <a:pPr marL="0" marR="0" lvl="0" indent="0" algn="r" defTabSz="914400" eaLnBrk="1" fontAlgn="auto" latinLnBrk="0" hangingPunct="1">
-              <a:lnSpc>
-                <a:spcPct val="100000"/>
-              </a:lnSpc>
-              <a:spcBef>
-                <a:spcPts val="0"/>
-              </a:spcBef>
-              <a:spcAft>
-                <a:spcPts val="0"/>
-              </a:spcAft>
-              <a:buClrTx/>
-              <a:buSzTx/>
-              <a:buFontTx/>
-              <a:buNone/>
-              <a:tabLst/>
-              <a:defRPr/>
-            </a:pPr>
-            <a:fld id="{20073075-213A-DC53-9B24-1C6EF3B6ADAB}" type="slidenum">
-              <a:rPr kumimoji="0" sz="1200" b="0" i="0" u="none" strike="noStrike" kern="0" cap="none" spc="0" normalizeH="0" baseline="0" noProof="0">
-                <a:ln>
-                  <a:noFill/>
-                </a:ln>
-                <a:solidFill>
-                  <a:prstClr val="black"/>
-                </a:solidFill>
-                <a:effectLst/>
-                <a:uLnTx/>
-                <a:uFillTx/>
-                <a:latin typeface="Calibri"/>
-                <a:cs typeface="Arial"/>
-              </a:rPr>
-              <a:pPr marL="0" marR="0" lvl="0" indent="0" algn="r" defTabSz="914400" eaLnBrk="1" fontAlgn="auto" latinLnBrk="0" hangingPunct="1">
-                <a:lnSpc>
-                  <a:spcPct val="100000"/>
-                </a:lnSpc>
-                <a:spcBef>
-                  <a:spcPts val="0"/>
-                </a:spcBef>
-                <a:spcAft>
-                  <a:spcPts val="0"/>
-                </a:spcAft>
-                <a:buClrTx/>
-                <a:buSzTx/>
-                <a:buFontTx/>
-                <a:buNone/>
-                <a:tabLst/>
-                <a:defRPr/>
-              </a:pPr>
-              <a:t>27</a:t>
-            </a:fld>
-            <a:endParaRPr kumimoji="0" sz="1200" b="0" i="0" u="none" strike="noStrike" kern="0" cap="none" spc="0" normalizeH="0" baseline="0" noProof="0">
-              <a:ln>
-                <a:noFill/>
-              </a:ln>
-              <a:solidFill>
-                <a:prstClr val="black"/>
-              </a:solidFill>
-              <a:effectLst/>
-              <a:uLnTx/>
-              <a:uFillTx/>
-              <a:latin typeface="Calibri"/>
-              <a:cs typeface="Arial"/>
-            </a:endParaRPr>
-          </a:p>
-        </p:txBody>
-      </p:sp>
-    </p:spTree>
-    <p:extLst>
-      <p:ext uri="{BB962C8B-B14F-4D97-AF65-F5344CB8AC3E}">
-        <p14:creationId xmlns:p14="http://schemas.microsoft.com/office/powerpoint/2010/main" val="3523433093"/>
-      </p:ext>
-    </p:extLst>
-  </p:cSld>
-  <p:clrMapOvr>
-    <a:masterClrMapping/>
-  </p:clrMapOvr>
-</p:notes>
-</file>
-
-<file path=ppt/notesSlides/notesSlide9.xml><?xml version="1.0" encoding="utf-8"?>
-<p:notes xmlns:a="http://schemas.openxmlformats.org/drawingml/2006/main" xmlns:r="http://schemas.openxmlformats.org/officeDocument/2006/relationships" xmlns:p="http://schemas.openxmlformats.org/presentationml/2006/main">
-  <p:cSld>
-    <p:spTree>
-      <p:nvGrpSpPr>
-        <p:cNvPr id="1" name="">
-          <a:extLst>
-            <a:ext uri="{FF2B5EF4-FFF2-40B4-BE49-F238E27FC236}">
-              <a16:creationId xmlns:a16="http://schemas.microsoft.com/office/drawing/2014/main" id="{1B45F5B5-A2BB-1EE7-36D4-9319D2F7AFA3}"/>
-            </a:ext>
-          </a:extLst>
-        </p:cNvPr>
-        <p:cNvGrpSpPr/>
-        <p:nvPr/>
-      </p:nvGrpSpPr>
-      <p:grpSpPr bwMode="auto">
-        <a:xfrm>
-          <a:off x="0" y="0"/>
-          <a:ext cx="0" cy="0"/>
-          <a:chOff x="0" y="0"/>
-          <a:chExt cx="0" cy="0"/>
-        </a:xfrm>
-      </p:grpSpPr>
-      <p:sp>
-        <p:nvSpPr>
-          <p:cNvPr id="139090186" name="Slide Image Placeholder 1">
-            <a:extLst>
-              <a:ext uri="{FF2B5EF4-FFF2-40B4-BE49-F238E27FC236}">
-                <a16:creationId xmlns:a16="http://schemas.microsoft.com/office/drawing/2014/main" id="{C2ED693B-4892-7057-57AA-7A3FB92DEC5B}"/>
-              </a:ext>
-            </a:extLst>
-          </p:cNvPr>
-          <p:cNvSpPr>
-            <a:spLocks noGrp="1" noRot="1" noChangeAspect="1"/>
-          </p:cNvSpPr>
-          <p:nvPr>
-            <p:ph type="sldImg"/>
-          </p:nvPr>
-        </p:nvSpPr>
-        <p:spPr bwMode="auto"/>
-      </p:sp>
-      <p:sp>
-        <p:nvSpPr>
-          <p:cNvPr id="400293583" name="Notes Placeholder 2">
-            <a:extLst>
-              <a:ext uri="{FF2B5EF4-FFF2-40B4-BE49-F238E27FC236}">
-                <a16:creationId xmlns:a16="http://schemas.microsoft.com/office/drawing/2014/main" id="{24C73041-51B0-856A-F33C-516C80E7DA50}"/>
-              </a:ext>
-            </a:extLst>
-          </p:cNvPr>
-          <p:cNvSpPr>
-            <a:spLocks noGrp="1"/>
-          </p:cNvSpPr>
-          <p:nvPr>
-            <p:ph type="body" idx="1"/>
-          </p:nvPr>
-        </p:nvSpPr>
-        <p:spPr bwMode="auto"/>
-        <p:txBody>
-          <a:bodyPr/>
-          <a:lstStyle/>
-          <a:p>
-            <a:pPr>
-              <a:defRPr/>
-            </a:pPr>
-            <a:endParaRPr/>
-          </a:p>
-        </p:txBody>
-      </p:sp>
-      <p:sp>
-        <p:nvSpPr>
-          <p:cNvPr id="1257388043" name="Slide Number Placeholder 3">
-            <a:extLst>
-              <a:ext uri="{FF2B5EF4-FFF2-40B4-BE49-F238E27FC236}">
-                <a16:creationId xmlns:a16="http://schemas.microsoft.com/office/drawing/2014/main" id="{2108814C-39DC-01D7-BF31-993D4641800F}"/>
-              </a:ext>
-            </a:extLst>
-          </p:cNvPr>
-          <p:cNvSpPr>
-            <a:spLocks noGrp="1"/>
-          </p:cNvSpPr>
-          <p:nvPr>
-            <p:ph type="sldNum" sz="quarter" idx="10"/>
-          </p:nvPr>
-        </p:nvSpPr>
-        <p:spPr bwMode="auto"/>
-        <p:txBody>
-          <a:bodyPr/>
-          <a:lstStyle/>
-          <a:p>
-            <a:pPr marL="0" marR="0" lvl="0" indent="0" algn="r" defTabSz="914400" eaLnBrk="1" fontAlgn="auto" latinLnBrk="0" hangingPunct="1">
-              <a:lnSpc>
-                <a:spcPct val="100000"/>
-              </a:lnSpc>
-              <a:spcBef>
-                <a:spcPts val="0"/>
-              </a:spcBef>
-              <a:spcAft>
-                <a:spcPts val="0"/>
-              </a:spcAft>
-              <a:buClrTx/>
-              <a:buSzTx/>
-              <a:buFontTx/>
-              <a:buNone/>
-              <a:tabLst/>
-              <a:defRPr/>
-            </a:pPr>
-            <a:fld id="{20073075-213A-DC53-9B24-1C6EF3B6ADAB}" type="slidenum">
-              <a:rPr kumimoji="0" sz="1200" b="0" i="0" u="none" strike="noStrike" kern="0" cap="none" spc="0" normalizeH="0" baseline="0" noProof="0">
-                <a:ln>
-                  <a:noFill/>
-                </a:ln>
-                <a:solidFill>
-                  <a:prstClr val="black"/>
-                </a:solidFill>
-                <a:effectLst/>
-                <a:uLnTx/>
-                <a:uFillTx/>
-                <a:latin typeface="Calibri"/>
-                <a:cs typeface="Arial"/>
-              </a:rPr>
-              <a:pPr marL="0" marR="0" lvl="0" indent="0" algn="r" defTabSz="914400" eaLnBrk="1" fontAlgn="auto" latinLnBrk="0" hangingPunct="1">
-                <a:lnSpc>
-                  <a:spcPct val="100000"/>
-                </a:lnSpc>
-                <a:spcBef>
-                  <a:spcPts val="0"/>
-                </a:spcBef>
-                <a:spcAft>
-                  <a:spcPts val="0"/>
-                </a:spcAft>
-                <a:buClrTx/>
-                <a:buSzTx/>
-                <a:buFontTx/>
-                <a:buNone/>
-                <a:tabLst/>
-                <a:defRPr/>
-              </a:pPr>
-              <a:t>28</a:t>
-            </a:fld>
-            <a:endParaRPr kumimoji="0" sz="1200" b="0" i="0" u="none" strike="noStrike" kern="0" cap="none" spc="0" normalizeH="0" baseline="0" noProof="0">
-              <a:ln>
-                <a:noFill/>
-              </a:ln>
-              <a:solidFill>
-                <a:prstClr val="black"/>
-              </a:solidFill>
-              <a:effectLst/>
-              <a:uLnTx/>
-              <a:uFillTx/>
-              <a:latin typeface="Calibri"/>
-              <a:cs typeface="Arial"/>
-            </a:endParaRPr>
-          </a:p>
-        </p:txBody>
-      </p:sp>
-    </p:spTree>
-    <p:extLst>
-      <p:ext uri="{BB962C8B-B14F-4D97-AF65-F5344CB8AC3E}">
-        <p14:creationId xmlns:p14="http://schemas.microsoft.com/office/powerpoint/2010/main" val="1842253085"/>
+        <p14:creationId xmlns:p14="http://schemas.microsoft.com/office/powerpoint/2010/main" val="2256702635"/>
       </p:ext>
     </p:extLst>
   </p:cSld>
@@ -8019,7 +8188,7 @@
           <a:p>
             <a:fld id="{4E96B16B-3D02-421E-9A22-E7AF4889F0FE}" type="datetime1">
               <a:rPr lang="en-US" smtClean="0"/>
-              <a:t>6/27/2025</a:t>
+              <a:t>6/28/2025</a:t>
             </a:fld>
             <a:endParaRPr lang="en-US"/>
           </a:p>
@@ -8221,7 +8390,7 @@
           <a:p>
             <a:fld id="{DB775AC6-EFC6-47B7-8612-9DA8DD25D955}" type="datetime1">
               <a:rPr lang="en-US" smtClean="0"/>
-              <a:t>6/27/2025</a:t>
+              <a:t>6/28/2025</a:t>
             </a:fld>
             <a:endParaRPr lang="en-US"/>
           </a:p>
@@ -8565,7 +8734,7 @@
           <a:p>
             <a:fld id="{6AA36526-50D6-4421-A203-614B20CF2703}" type="datetime1">
               <a:rPr lang="en-US" smtClean="0"/>
-              <a:t>6/27/2025</a:t>
+              <a:t>6/28/2025</a:t>
             </a:fld>
             <a:endParaRPr lang="en-US"/>
           </a:p>
@@ -8824,7 +8993,7 @@
           <a:p>
             <a:fld id="{75E84928-FE16-43B9-BC25-2859501720EA}" type="datetime1">
               <a:rPr lang="en-US" smtClean="0"/>
-              <a:t>6/27/2025</a:t>
+              <a:t>6/28/2025</a:t>
             </a:fld>
             <a:endParaRPr lang="en-US"/>
           </a:p>
@@ -9244,7 +9413,7 @@
           <a:p>
             <a:fld id="{52B94D21-0962-4C08-BB57-BC7507DEE084}" type="datetime1">
               <a:rPr lang="en-US" smtClean="0"/>
-              <a:t>6/27/2025</a:t>
+              <a:t>6/28/2025</a:t>
             </a:fld>
             <a:endParaRPr lang="en-US"/>
           </a:p>
@@ -9697,7 +9866,7 @@
           <a:p>
             <a:fld id="{EF075700-B54E-437C-8A31-0CC21845C39D}" type="datetime1">
               <a:rPr lang="en-US" smtClean="0"/>
-              <a:t>6/27/2025</a:t>
+              <a:t>6/28/2025</a:t>
             </a:fld>
             <a:endParaRPr lang="en-US"/>
           </a:p>
@@ -10249,7 +10418,7 @@
           <a:p>
             <a:fld id="{A7472505-C2E4-4560-87BD-F72139D98800}" type="datetime1">
               <a:rPr lang="en-US" smtClean="0"/>
-              <a:t>6/27/2025</a:t>
+              <a:t>6/28/2025</a:t>
             </a:fld>
             <a:endParaRPr lang="en-US"/>
           </a:p>
@@ -10526,7 +10695,7 @@
           <a:p>
             <a:fld id="{688C6202-6C0C-4936-9181-C3BAC183F367}" type="datetime1">
               <a:rPr lang="en-US" smtClean="0"/>
-              <a:t>6/27/2025</a:t>
+              <a:t>6/28/2025</a:t>
             </a:fld>
             <a:endParaRPr lang="en-US"/>
           </a:p>
@@ -10775,7 +10944,7 @@
           <a:p>
             <a:fld id="{B9C3A1C5-5A4D-40F5-AA30-2E2FA551A28A}" type="datetime1">
               <a:rPr lang="en-US" smtClean="0"/>
-              <a:t>6/27/2025</a:t>
+              <a:t>6/28/2025</a:t>
             </a:fld>
             <a:endParaRPr lang="en-US"/>
           </a:p>
@@ -11228,7 +11397,7 @@
           <a:p>
             <a:fld id="{A3AFC84A-6073-47BB-AA17-B11F88B48FFC}" type="datetime1">
               <a:rPr lang="en-US" smtClean="0"/>
-              <a:t>6/27/2025</a:t>
+              <a:t>6/28/2025</a:t>
             </a:fld>
             <a:endParaRPr lang="en-US"/>
           </a:p>
@@ -11656,7 +11825,7 @@
           <a:p>
             <a:fld id="{049970C6-98BD-4B9C-9DB4-A09FCA6FDD64}" type="datetime1">
               <a:rPr lang="en-US" smtClean="0"/>
-              <a:t>6/27/2025</a:t>
+              <a:t>6/28/2025</a:t>
             </a:fld>
             <a:endParaRPr lang="en-US"/>
           </a:p>
@@ -12234,7 +12403,7 @@
           <a:p>
             <a:fld id="{F21DBC69-2876-4ACB-95B6-39F77D4C7E0D}" type="datetime1">
               <a:rPr lang="en-US" smtClean="0"/>
-              <a:t>6/27/2025</a:t>
+              <a:t>6/28/2025</a:t>
             </a:fld>
             <a:r>
               <a:rPr lang="en-US"/>
@@ -13142,178 +13311,6 @@
         <p:cNvPr id="1" name="">
           <a:extLst>
             <a:ext uri="{FF2B5EF4-FFF2-40B4-BE49-F238E27FC236}">
-              <a16:creationId xmlns:a16="http://schemas.microsoft.com/office/drawing/2014/main" id="{2F3D18C3-0EE9-A532-01C5-A5C160B26D4B}"/>
-            </a:ext>
-          </a:extLst>
-        </p:cNvPr>
-        <p:cNvGrpSpPr/>
-        <p:nvPr/>
-      </p:nvGrpSpPr>
-      <p:grpSpPr>
-        <a:xfrm>
-          <a:off x="0" y="0"/>
-          <a:ext cx="0" cy="0"/>
-          <a:chOff x="0" y="0"/>
-          <a:chExt cx="0" cy="0"/>
-        </a:xfrm>
-      </p:grpSpPr>
-      <p:sp>
-        <p:nvSpPr>
-          <p:cNvPr id="2" name="Titel 1">
-            <a:extLst>
-              <a:ext uri="{FF2B5EF4-FFF2-40B4-BE49-F238E27FC236}">
-                <a16:creationId xmlns:a16="http://schemas.microsoft.com/office/drawing/2014/main" id="{83C139C0-BD43-E4AD-0047-6CBCDD4B8439}"/>
-              </a:ext>
-            </a:extLst>
-          </p:cNvPr>
-          <p:cNvSpPr>
-            <a:spLocks noGrp="1"/>
-          </p:cNvSpPr>
-          <p:nvPr>
-            <p:ph type="title"/>
-          </p:nvPr>
-        </p:nvSpPr>
-        <p:spPr/>
-        <p:txBody>
-          <a:bodyPr/>
-          <a:lstStyle/>
-          <a:p>
-            <a:r>
-              <a:rPr lang="de-DE" dirty="0"/>
-              <a:t>Meilenstein 2: Datenzugang &amp; Analyse</a:t>
-            </a:r>
-          </a:p>
-        </p:txBody>
-      </p:sp>
-      <p:sp>
-        <p:nvSpPr>
-          <p:cNvPr id="3" name="Inhaltsplatzhalter 2">
-            <a:extLst>
-              <a:ext uri="{FF2B5EF4-FFF2-40B4-BE49-F238E27FC236}">
-                <a16:creationId xmlns:a16="http://schemas.microsoft.com/office/drawing/2014/main" id="{9CA6553E-A712-900B-0EEC-FBBDA0785F34}"/>
-              </a:ext>
-            </a:extLst>
-          </p:cNvPr>
-          <p:cNvSpPr>
-            <a:spLocks noGrp="1"/>
-          </p:cNvSpPr>
-          <p:nvPr>
-            <p:ph idx="1"/>
-          </p:nvPr>
-        </p:nvSpPr>
-        <p:spPr>
-          <a:xfrm>
-            <a:off x="521208" y="2703007"/>
-            <a:ext cx="11155680" cy="3472109"/>
-          </a:xfrm>
-        </p:spPr>
-        <p:txBody>
-          <a:bodyPr>
-            <a:normAutofit/>
-          </a:bodyPr>
-          <a:lstStyle/>
-          <a:p>
-            <a:r>
-              <a:rPr lang="de-DE" b="1" dirty="0"/>
-              <a:t>Zugang</a:t>
-            </a:r>
-            <a:r>
-              <a:rPr lang="de-DE" dirty="0"/>
-              <a:t> zu Kassendaten (Transaktion, Artikel, Filiale)</a:t>
-            </a:r>
-          </a:p>
-          <a:p>
-            <a:r>
-              <a:rPr lang="de-DE" b="1" dirty="0"/>
-              <a:t>Prüfung</a:t>
-            </a:r>
-            <a:r>
-              <a:rPr lang="de-DE" dirty="0"/>
-              <a:t> auf Vollständigkeit, Struktur, Konsistenz</a:t>
-            </a:r>
-          </a:p>
-          <a:p>
-            <a:r>
-              <a:rPr lang="de-DE" dirty="0"/>
-              <a:t>Erste </a:t>
-            </a:r>
-            <a:r>
-              <a:rPr lang="de-DE" b="1" dirty="0"/>
-              <a:t>explorative Analysen </a:t>
-            </a:r>
-            <a:r>
-              <a:rPr lang="de-DE" dirty="0"/>
-              <a:t>&amp; Hypothesenbildung</a:t>
-            </a:r>
-          </a:p>
-          <a:p>
-            <a:r>
-              <a:rPr lang="de-DE" b="1" dirty="0"/>
-              <a:t>Evaluierung </a:t>
-            </a:r>
-            <a:r>
-              <a:rPr lang="de-DE" dirty="0"/>
-              <a:t>der Modellierbarkeit (z. B. </a:t>
-            </a:r>
-            <a:r>
-              <a:rPr lang="de-DE" dirty="0" err="1"/>
-              <a:t>Labelverteilung</a:t>
-            </a:r>
-            <a:r>
-              <a:rPr lang="de-DE" dirty="0"/>
-              <a:t>, Datenqualität)</a:t>
-            </a:r>
-          </a:p>
-          <a:p>
-            <a:r>
-              <a:rPr lang="de-DE" dirty="0"/>
-              <a:t>Definition der </a:t>
-            </a:r>
-            <a:r>
-              <a:rPr lang="de-DE" b="1" dirty="0"/>
-              <a:t>REST-Schnittstelle</a:t>
-            </a:r>
-            <a:r>
-              <a:rPr lang="de-DE" dirty="0"/>
-              <a:t> für späteren Modellzugriff</a:t>
-            </a:r>
-          </a:p>
-          <a:p>
-            <a:r>
-              <a:rPr lang="de-DE" b="1" dirty="0"/>
-              <a:t>Präsentation</a:t>
-            </a:r>
-            <a:r>
-              <a:rPr lang="de-DE" dirty="0"/>
-              <a:t> erster Erkenntnisse &amp; ggfs. Projektanpassung</a:t>
-            </a:r>
-          </a:p>
-          <a:p>
-            <a:endParaRPr lang="de-DE" dirty="0"/>
-          </a:p>
-        </p:txBody>
-      </p:sp>
-    </p:spTree>
-    <p:extLst>
-      <p:ext uri="{BB962C8B-B14F-4D97-AF65-F5344CB8AC3E}">
-        <p14:creationId xmlns:p14="http://schemas.microsoft.com/office/powerpoint/2010/main" val="2329380691"/>
-      </p:ext>
-    </p:extLst>
-  </p:cSld>
-  <p:clrMapOvr>
-    <a:masterClrMapping/>
-  </p:clrMapOvr>
-</p:sld>
-</file>
-
-<file path=ppt/slides/slide11.xml><?xml version="1.0" encoding="utf-8"?>
-<p:sld xmlns:a="http://schemas.openxmlformats.org/drawingml/2006/main" xmlns:r="http://schemas.openxmlformats.org/officeDocument/2006/relationships" xmlns:p="http://schemas.openxmlformats.org/presentationml/2006/main">
-  <p:cSld>
-    <p:spTree>
-      <p:nvGrpSpPr>
-        <p:cNvPr id="1" name="">
-          <a:extLst>
-            <a:ext uri="{FF2B5EF4-FFF2-40B4-BE49-F238E27FC236}">
               <a16:creationId xmlns:a16="http://schemas.microsoft.com/office/drawing/2014/main" id="{E82DF8E8-33E5-7B35-8033-1E0731D454F8}"/>
             </a:ext>
           </a:extLst>
@@ -13352,7 +13349,7 @@
           <a:p>
             <a:r>
               <a:rPr lang="de-DE" dirty="0"/>
-              <a:t>5.3 Meilenstein 3: Datenaufbereitung &amp; Modellierung</a:t>
+              <a:t>Meilenstein 3: Datenaufbereitung &amp; Modellierung</a:t>
             </a:r>
           </a:p>
         </p:txBody>
@@ -13470,7 +13467,7 @@
 </p:sld>
 </file>
 
-<file path=ppt/slides/slide12.xml><?xml version="1.0" encoding="utf-8"?>
+<file path=ppt/slides/slide11.xml><?xml version="1.0" encoding="utf-8"?>
 <p:sld xmlns:a="http://schemas.openxmlformats.org/drawingml/2006/main" xmlns:r="http://schemas.openxmlformats.org/officeDocument/2006/relationships" xmlns:p="http://schemas.openxmlformats.org/presentationml/2006/main">
   <p:cSld>
     <p:spTree>
@@ -13594,7 +13591,7 @@
 </p:sld>
 </file>
 
-<file path=ppt/slides/slide13.xml><?xml version="1.0" encoding="utf-8"?>
+<file path=ppt/slides/slide12.xml><?xml version="1.0" encoding="utf-8"?>
 <p:sld xmlns:a="http://schemas.openxmlformats.org/drawingml/2006/main" xmlns:r="http://schemas.openxmlformats.org/officeDocument/2006/relationships" xmlns:p="http://schemas.openxmlformats.org/presentationml/2006/main">
   <p:cSld>
     <p:spTree>
@@ -13669,13 +13666,24 @@
           </a:xfrm>
         </p:spPr>
         <p:txBody>
-          <a:bodyPr/>
+          <a:bodyPr>
+            <a:normAutofit lnSpcReduction="10000"/>
+          </a:bodyPr>
           <a:lstStyle/>
           <a:p>
             <a:pPr marL="0" indent="0">
               <a:buNone/>
             </a:pPr>
             <a:r>
+              <a:rPr lang="de-DE" sz="1600" b="1" dirty="0"/>
+              <a:t>Meilenstein 1:</a:t>
+            </a:r>
+          </a:p>
+          <a:p>
+            <a:pPr marL="0" indent="0">
+              <a:buNone/>
+            </a:pPr>
+            <a:r>
               <a:rPr lang="de-DE" sz="1600" dirty="0"/>
               <a:t>1. abgestimmter Projektauftrag (PDF)</a:t>
             </a:r>
@@ -13687,6 +13695,15 @@
             <a:r>
               <a:rPr lang="de-DE" sz="1600" dirty="0"/>
               <a:t>2. Präsentationsfolien über den Projektauftrag und die Projektstruktur  (PowerPoint oder PDF)</a:t>
+            </a:r>
+          </a:p>
+          <a:p>
+            <a:pPr marL="0" indent="0">
+              <a:buNone/>
+            </a:pPr>
+            <a:r>
+              <a:rPr lang="de-DE" sz="1600" b="1" dirty="0"/>
+              <a:t>Meilenstein 2:</a:t>
             </a:r>
           </a:p>
           <a:p>
@@ -13935,6 +13952,16 @@
               <a:buNone/>
             </a:pPr>
             <a:r>
+              <a:rPr lang="de-DE" sz="1600" b="1" dirty="0"/>
+              <a:t>Meilenstein 3:</a:t>
+            </a:r>
+            <a:endParaRPr lang="de-DE" sz="1600" dirty="0"/>
+          </a:p>
+          <a:p>
+            <a:pPr marL="0" indent="0">
+              <a:buNone/>
+            </a:pPr>
+            <a:r>
               <a:rPr lang="de-DE" sz="1600" dirty="0"/>
               <a:t>7. Feature-Katalog mit Beschreibung, Typ und Berechnungsmethode</a:t>
             </a:r>
@@ -13988,6 +14015,15 @@
             <a:r>
               <a:rPr lang="de-DE" sz="1600" dirty="0"/>
               <a:t>10. Visualisierung der Modelllogik</a:t>
+            </a:r>
+          </a:p>
+          <a:p>
+            <a:pPr marL="0" indent="0">
+              <a:buNone/>
+            </a:pPr>
+            <a:r>
+              <a:rPr lang="de-DE" sz="1600" b="1" dirty="0"/>
+              <a:t>Meilenstein 4:</a:t>
             </a:r>
           </a:p>
           <a:p>
@@ -14045,106 +14081,7 @@
 </p:sld>
 </file>
 
-<file path=ppt/slides/slide14.xml><?xml version="1.0" encoding="utf-8"?>
-<p:sld xmlns:a="http://schemas.openxmlformats.org/drawingml/2006/main" xmlns:r="http://schemas.openxmlformats.org/officeDocument/2006/relationships" xmlns:p="http://schemas.openxmlformats.org/presentationml/2006/main">
-  <p:cSld>
-    <p:spTree>
-      <p:nvGrpSpPr>
-        <p:cNvPr id="1" name="">
-          <a:extLst>
-            <a:ext uri="{FF2B5EF4-FFF2-40B4-BE49-F238E27FC236}">
-              <a16:creationId xmlns:a16="http://schemas.microsoft.com/office/drawing/2014/main" id="{1D6009FA-C522-F0BC-338D-3B5EA2DB2931}"/>
-            </a:ext>
-          </a:extLst>
-        </p:cNvPr>
-        <p:cNvGrpSpPr/>
-        <p:nvPr/>
-      </p:nvGrpSpPr>
-      <p:grpSpPr>
-        <a:xfrm>
-          <a:off x="0" y="0"/>
-          <a:ext cx="0" cy="0"/>
-          <a:chOff x="0" y="0"/>
-          <a:chExt cx="0" cy="0"/>
-        </a:xfrm>
-      </p:grpSpPr>
-      <p:sp>
-        <p:nvSpPr>
-          <p:cNvPr id="2" name="Titel 1">
-            <a:extLst>
-              <a:ext uri="{FF2B5EF4-FFF2-40B4-BE49-F238E27FC236}">
-                <a16:creationId xmlns:a16="http://schemas.microsoft.com/office/drawing/2014/main" id="{AE9FC2A1-262D-9CFD-F632-1C8834914FDF}"/>
-              </a:ext>
-            </a:extLst>
-          </p:cNvPr>
-          <p:cNvSpPr>
-            <a:spLocks noGrp="1"/>
-          </p:cNvSpPr>
-          <p:nvPr>
-            <p:ph type="title"/>
-          </p:nvPr>
-        </p:nvSpPr>
-        <p:spPr/>
-        <p:txBody>
-          <a:bodyPr/>
-          <a:lstStyle/>
-          <a:p>
-            <a:r>
-              <a:rPr lang="de-DE" dirty="0"/>
-              <a:t>Ursprüngliche Meilensteinplanung</a:t>
-            </a:r>
-          </a:p>
-        </p:txBody>
-      </p:sp>
-      <p:pic>
-        <p:nvPicPr>
-          <p:cNvPr id="5" name="Inhaltsplatzhalter 4" descr="Ein Bild, das Text, Screenshot, Schrift, Reihe enthält.&#10;&#10;KI-generierte Inhalte können fehlerhaft sein.">
-            <a:extLst>
-              <a:ext uri="{FF2B5EF4-FFF2-40B4-BE49-F238E27FC236}">
-                <a16:creationId xmlns:a16="http://schemas.microsoft.com/office/drawing/2014/main" id="{8DBAF8B2-61EE-BF6C-A1CC-8C9FB782D907}"/>
-              </a:ext>
-            </a:extLst>
-          </p:cNvPr>
-          <p:cNvPicPr>
-            <a:picLocks noGrp="1" noChangeAspect="1"/>
-          </p:cNvPicPr>
-          <p:nvPr>
-            <p:ph idx="1"/>
-          </p:nvPr>
-        </p:nvPicPr>
-        <p:blipFill>
-          <a:blip r:embed="rId2">
-            <a:extLst>
-              <a:ext uri="{28A0092B-C50C-407E-A947-70E740481C1C}">
-                <a14:useLocalDpi xmlns:a14="http://schemas.microsoft.com/office/drawing/2010/main" val="0"/>
-              </a:ext>
-            </a:extLst>
-          </a:blip>
-          <a:stretch>
-            <a:fillRect/>
-          </a:stretch>
-        </p:blipFill>
-        <p:spPr>
-          <a:xfrm>
-            <a:off x="515112" y="2286094"/>
-            <a:ext cx="10171312" cy="3178535"/>
-          </a:xfrm>
-        </p:spPr>
-      </p:pic>
-    </p:spTree>
-    <p:extLst>
-      <p:ext uri="{BB962C8B-B14F-4D97-AF65-F5344CB8AC3E}">
-        <p14:creationId xmlns:p14="http://schemas.microsoft.com/office/powerpoint/2010/main" val="725499290"/>
-      </p:ext>
-    </p:extLst>
-  </p:cSld>
-  <p:clrMapOvr>
-    <a:masterClrMapping/>
-  </p:clrMapOvr>
-</p:sld>
-</file>
-
-<file path=ppt/slides/slide15.xml><?xml version="1.0" encoding="utf-8"?>
+<file path=ppt/slides/slide13.xml><?xml version="1.0" encoding="utf-8"?>
 <p:sld xmlns:a="http://schemas.openxmlformats.org/drawingml/2006/main" xmlns:r="http://schemas.openxmlformats.org/officeDocument/2006/relationships" xmlns:p="http://schemas.openxmlformats.org/presentationml/2006/main">
   <p:cSld>
     <p:spTree>
@@ -14190,7 +14127,7 @@
           <a:p>
             <a:r>
               <a:rPr lang="de-DE" dirty="0"/>
-              <a:t>Tatsächlicher Meilensteinverlauf</a:t>
+              <a:t>Meilensteinverlauf</a:t>
             </a:r>
           </a:p>
         </p:txBody>
@@ -14371,7 +14308,7 @@
 </p:sld>
 </file>
 
-<file path=ppt/slides/slide16.xml><?xml version="1.0" encoding="utf-8"?>
+<file path=ppt/slides/slide14.xml><?xml version="1.0" encoding="utf-8"?>
 <p:sld xmlns:a="http://schemas.openxmlformats.org/drawingml/2006/main" xmlns:r="http://schemas.openxmlformats.org/officeDocument/2006/relationships" xmlns:p="http://schemas.openxmlformats.org/presentationml/2006/main">
   <p:cSld>
     <p:spTree>
@@ -14379,7 +14316,7 @@
         <p:cNvPr id="1" name="">
           <a:extLst>
             <a:ext uri="{FF2B5EF4-FFF2-40B4-BE49-F238E27FC236}">
-              <a16:creationId xmlns:a16="http://schemas.microsoft.com/office/drawing/2014/main" id="{06EC4C36-8DA3-11BD-F62F-D868EEDD901C}"/>
+              <a16:creationId xmlns:a16="http://schemas.microsoft.com/office/drawing/2014/main" id="{3414FD77-D073-AE92-4528-ABE7433623C2}"/>
             </a:ext>
           </a:extLst>
         </p:cNvPr>
@@ -14396,10 +14333,10 @@
       </p:grpSpPr>
       <p:sp>
         <p:nvSpPr>
-          <p:cNvPr id="2" name="Title 1">
-            <a:extLst>
-              <a:ext uri="{FF2B5EF4-FFF2-40B4-BE49-F238E27FC236}">
-                <a16:creationId xmlns:a16="http://schemas.microsoft.com/office/drawing/2014/main" id="{E1800CF4-BE1D-7DB6-FEDE-26A86D88A39F}"/>
+          <p:cNvPr id="2" name="Titel 1">
+            <a:extLst>
+              <a:ext uri="{FF2B5EF4-FFF2-40B4-BE49-F238E27FC236}">
+                <a16:creationId xmlns:a16="http://schemas.microsoft.com/office/drawing/2014/main" id="{95351D7D-772A-9EBE-DB67-D2C2A4477FAF}"/>
               </a:ext>
             </a:extLst>
           </p:cNvPr>
@@ -14416,19 +14353,18 @@
           <a:lstStyle/>
           <a:p>
             <a:r>
-              <a:rPr lang="de-DE" dirty="0" err="1"/>
-              <a:t>Dummyfolie</a:t>
-            </a:r>
-            <a:endParaRPr dirty="0"/>
+              <a:rPr lang="de-DE" dirty="0"/>
+              <a:t>Risiken &amp; Herausforderungen</a:t>
+            </a:r>
           </a:p>
         </p:txBody>
       </p:sp>
       <p:sp>
         <p:nvSpPr>
-          <p:cNvPr id="3" name="Content Placeholder 2">
-            <a:extLst>
-              <a:ext uri="{FF2B5EF4-FFF2-40B4-BE49-F238E27FC236}">
-                <a16:creationId xmlns:a16="http://schemas.microsoft.com/office/drawing/2014/main" id="{51AF14CA-F885-C85B-07F8-76BC29CDE748}"/>
+          <p:cNvPr id="3" name="Inhaltsplatzhalter 2">
+            <a:extLst>
+              <a:ext uri="{FF2B5EF4-FFF2-40B4-BE49-F238E27FC236}">
+                <a16:creationId xmlns:a16="http://schemas.microsoft.com/office/drawing/2014/main" id="{90FA0EDE-DACC-220A-25D8-B5614E1A88E3}"/>
               </a:ext>
             </a:extLst>
           </p:cNvPr>
@@ -14441,25 +14377,65 @@
         </p:nvSpPr>
         <p:spPr>
           <a:xfrm>
-            <a:off x="521208" y="2201535"/>
-            <a:ext cx="6549443" cy="4170127"/>
+            <a:off x="521208" y="2586772"/>
+            <a:ext cx="11155680" cy="3767328"/>
           </a:xfrm>
         </p:spPr>
         <p:txBody>
-          <a:bodyPr/>
+          <a:bodyPr>
+            <a:normAutofit/>
+          </a:bodyPr>
           <a:lstStyle/>
           <a:p>
-            <a:pPr>
-              <a:defRPr sz="1800">
-                <a:solidFill>
-                  <a:srgbClr val="000000"/>
-                </a:solidFill>
-              </a:defRPr>
-            </a:pPr>
-            <a:r>
-              <a:rPr lang="de-DE" dirty="0" err="1"/>
-              <a:t>Dummyfolie</a:t>
-            </a:r>
+            <a:r>
+              <a:rPr lang="de-DE" b="1" dirty="0"/>
+              <a:t>Grenzen der Bewertungslogik </a:t>
+            </a:r>
+            <a:r>
+              <a:rPr lang="de-DE" dirty="0"/>
+              <a:t>→ Kleine Diebstähle könnten systematisch „übersehen“ werden</a:t>
+            </a:r>
+          </a:p>
+          <a:p>
+            <a:endParaRPr lang="de-DE" dirty="0"/>
+          </a:p>
+          <a:p>
+            <a:r>
+              <a:rPr lang="de-DE" b="1" dirty="0"/>
+              <a:t>Wenig gelabelte Daten </a:t>
+            </a:r>
+            <a:r>
+              <a:rPr lang="de-DE" dirty="0"/>
+              <a:t>(≈ 3 %) → Gefahr eingeschränkter Modellgeneralisation, v. a. bei komplexen Methoden</a:t>
+            </a:r>
+          </a:p>
+          <a:p>
+            <a:endParaRPr lang="de-DE" dirty="0"/>
+          </a:p>
+          <a:p>
+            <a:r>
+              <a:rPr lang="de-DE" b="1" dirty="0"/>
+              <a:t>Übertragbarkeit auf andere Filialen fraglich </a:t>
+            </a:r>
+            <a:r>
+              <a:rPr lang="de-DE" dirty="0"/>
+              <a:t>→ Unterschiedliche Technik &amp; Kundenverhalten</a:t>
+            </a:r>
+          </a:p>
+          <a:p>
+            <a:endParaRPr lang="de-DE" dirty="0"/>
+          </a:p>
+          <a:p>
+            <a:r>
+              <a:rPr lang="de-DE" b="1" dirty="0"/>
+              <a:t>Nur Schadensfälle </a:t>
+            </a:r>
+            <a:r>
+              <a:rPr lang="de-DE" dirty="0"/>
+              <a:t>→ auch „negative“ Schäden denkbar</a:t>
+            </a:r>
+          </a:p>
+          <a:p>
             <a:endParaRPr lang="de-DE" dirty="0"/>
           </a:p>
         </p:txBody>
@@ -14467,7 +14443,7 @@
     </p:spTree>
     <p:extLst>
       <p:ext uri="{BB962C8B-B14F-4D97-AF65-F5344CB8AC3E}">
-        <p14:creationId xmlns:p14="http://schemas.microsoft.com/office/powerpoint/2010/main" val="352243684"/>
+        <p14:creationId xmlns:p14="http://schemas.microsoft.com/office/powerpoint/2010/main" val="2355734047"/>
       </p:ext>
     </p:extLst>
   </p:cSld>
@@ -14477,7 +14453,166 @@
 </p:sld>
 </file>
 
-<file path=ppt/slides/slide17.xml><?xml version="1.0" encoding="utf-8"?>
+<file path=ppt/slides/slide15.xml><?xml version="1.0" encoding="utf-8"?>
+<p:sld xmlns:a="http://schemas.openxmlformats.org/drawingml/2006/main" xmlns:r="http://schemas.openxmlformats.org/officeDocument/2006/relationships" xmlns:p="http://schemas.openxmlformats.org/presentationml/2006/main">
+  <p:cSld>
+    <p:spTree>
+      <p:nvGrpSpPr>
+        <p:cNvPr id="1" name="">
+          <a:extLst>
+            <a:ext uri="{FF2B5EF4-FFF2-40B4-BE49-F238E27FC236}">
+              <a16:creationId xmlns:a16="http://schemas.microsoft.com/office/drawing/2014/main" id="{F4BD3856-2495-FD1F-676A-90578B330A52}"/>
+            </a:ext>
+          </a:extLst>
+        </p:cNvPr>
+        <p:cNvGrpSpPr/>
+        <p:nvPr/>
+      </p:nvGrpSpPr>
+      <p:grpSpPr>
+        <a:xfrm>
+          <a:off x="0" y="0"/>
+          <a:ext cx="0" cy="0"/>
+          <a:chOff x="0" y="0"/>
+          <a:chExt cx="0" cy="0"/>
+        </a:xfrm>
+      </p:grpSpPr>
+      <p:sp>
+        <p:nvSpPr>
+          <p:cNvPr id="2" name="Titel 1">
+            <a:extLst>
+              <a:ext uri="{FF2B5EF4-FFF2-40B4-BE49-F238E27FC236}">
+                <a16:creationId xmlns:a16="http://schemas.microsoft.com/office/drawing/2014/main" id="{63C98364-4CF0-125C-C82A-EACF70CF960F}"/>
+              </a:ext>
+            </a:extLst>
+          </p:cNvPr>
+          <p:cNvSpPr>
+            <a:spLocks noGrp="1"/>
+          </p:cNvSpPr>
+          <p:nvPr>
+            <p:ph type="title"/>
+          </p:nvPr>
+        </p:nvSpPr>
+        <p:spPr/>
+        <p:txBody>
+          <a:bodyPr/>
+          <a:lstStyle/>
+          <a:p>
+            <a:r>
+              <a:rPr lang="de-DE" dirty="0"/>
+              <a:t>Abgrenzung des Projektumfangs </a:t>
+            </a:r>
+          </a:p>
+        </p:txBody>
+      </p:sp>
+      <p:sp>
+        <p:nvSpPr>
+          <p:cNvPr id="3" name="Inhaltsplatzhalter 2">
+            <a:extLst>
+              <a:ext uri="{FF2B5EF4-FFF2-40B4-BE49-F238E27FC236}">
+                <a16:creationId xmlns:a16="http://schemas.microsoft.com/office/drawing/2014/main" id="{73B06145-DF45-0F75-74F9-64E96AC3D9CB}"/>
+              </a:ext>
+            </a:extLst>
+          </p:cNvPr>
+          <p:cNvSpPr>
+            <a:spLocks noGrp="1"/>
+          </p:cNvSpPr>
+          <p:nvPr>
+            <p:ph idx="1"/>
+          </p:nvPr>
+        </p:nvSpPr>
+        <p:spPr/>
+        <p:txBody>
+          <a:bodyPr>
+            <a:normAutofit/>
+          </a:bodyPr>
+          <a:lstStyle/>
+          <a:p>
+            <a:r>
+              <a:rPr lang="de-DE" b="1" dirty="0"/>
+              <a:t>Keine Entwicklung </a:t>
+            </a:r>
+            <a:r>
+              <a:rPr lang="de-DE" dirty="0"/>
+              <a:t>oder Empfehlung von:</a:t>
+            </a:r>
+          </a:p>
+          <a:p>
+            <a:endParaRPr lang="de-DE" dirty="0"/>
+          </a:p>
+          <a:p>
+            <a:pPr lvl="1"/>
+            <a:r>
+              <a:rPr lang="de-DE" b="1" dirty="0"/>
+              <a:t>Hardware-Komponenten</a:t>
+            </a:r>
+            <a:r>
+              <a:rPr lang="de-DE" dirty="0"/>
+              <a:t> (z. B. Gewichtssensoren, Kamerasysteme)</a:t>
+            </a:r>
+          </a:p>
+          <a:p>
+            <a:pPr lvl="1"/>
+            <a:r>
+              <a:rPr lang="de-DE" b="1" dirty="0"/>
+              <a:t>Optischen Auswertungssystemen</a:t>
+            </a:r>
+          </a:p>
+          <a:p>
+            <a:endParaRPr lang="de-DE" dirty="0"/>
+          </a:p>
+          <a:p>
+            <a:r>
+              <a:rPr lang="de-DE" b="1" dirty="0"/>
+              <a:t>Keine juristische </a:t>
+            </a:r>
+            <a:r>
+              <a:rPr lang="de-DE" dirty="0"/>
+              <a:t>Bewertung:</a:t>
+            </a:r>
+          </a:p>
+          <a:p>
+            <a:pPr marL="0" indent="0">
+              <a:buNone/>
+            </a:pPr>
+            <a:endParaRPr lang="de-DE" dirty="0"/>
+          </a:p>
+          <a:p>
+            <a:pPr lvl="1"/>
+            <a:r>
+              <a:rPr lang="de-DE" b="1" dirty="0"/>
+              <a:t>Datenschutzfragen</a:t>
+            </a:r>
+          </a:p>
+          <a:p>
+            <a:pPr lvl="1"/>
+            <a:r>
+              <a:rPr lang="de-DE" b="1" dirty="0"/>
+              <a:t>Zulässigkeit </a:t>
+            </a:r>
+            <a:r>
+              <a:rPr lang="de-DE" dirty="0"/>
+              <a:t>von Kontrollvorgängen</a:t>
+            </a:r>
+          </a:p>
+          <a:p>
+            <a:endParaRPr lang="de-DE" dirty="0"/>
+          </a:p>
+        </p:txBody>
+      </p:sp>
+    </p:spTree>
+    <p:extLst>
+      <p:ext uri="{BB962C8B-B14F-4D97-AF65-F5344CB8AC3E}">
+        <p14:creationId xmlns:p14="http://schemas.microsoft.com/office/powerpoint/2010/main" val="3263081419"/>
+      </p:ext>
+    </p:extLst>
+  </p:cSld>
+  <p:clrMapOvr>
+    <a:masterClrMapping/>
+  </p:clrMapOvr>
+</p:sld>
+</file>
+
+<file path=ppt/slides/slide16.xml><?xml version="1.0" encoding="utf-8"?>
 <p:sld xmlns:a="http://schemas.openxmlformats.org/drawingml/2006/main" xmlns:r="http://schemas.openxmlformats.org/officeDocument/2006/relationships" xmlns:p="http://schemas.openxmlformats.org/presentationml/2006/main">
   <p:cSld>
     <p:bg>
@@ -14880,7 +15015,7 @@
 </p:sld>
 </file>
 
-<file path=ppt/slides/slide18.xml><?xml version="1.0" encoding="utf-8"?>
+<file path=ppt/slides/slide17.xml><?xml version="1.0" encoding="utf-8"?>
 <p:sld xmlns:a="http://schemas.openxmlformats.org/drawingml/2006/main" xmlns:r="http://schemas.openxmlformats.org/officeDocument/2006/relationships" xmlns:p="http://schemas.openxmlformats.org/presentationml/2006/main">
   <p:cSld>
     <p:spTree>
@@ -15079,7 +15214,7 @@
 </p:sld>
 </file>
 
-<file path=ppt/slides/slide19.xml><?xml version="1.0" encoding="utf-8"?>
+<file path=ppt/slides/slide18.xml><?xml version="1.0" encoding="utf-8"?>
 <p:sld xmlns:a="http://schemas.openxmlformats.org/drawingml/2006/main" xmlns:r="http://schemas.openxmlformats.org/officeDocument/2006/relationships" xmlns:p="http://schemas.openxmlformats.org/presentationml/2006/main">
   <p:cSld>
     <p:spTree>
@@ -15333,6 +15468,160 @@
         <p14:creationId xmlns:p14="http://schemas.microsoft.com/office/powerpoint/2010/main" val="1691424410"/>
       </p:ext>
     </p:extLst>
+  </p:cSld>
+  <p:clrMapOvr>
+    <a:masterClrMapping/>
+  </p:clrMapOvr>
+</p:sld>
+</file>
+
+<file path=ppt/slides/slide19.xml><?xml version="1.0" encoding="utf-8"?>
+<p:sld xmlns:a="http://schemas.openxmlformats.org/drawingml/2006/main" xmlns:r="http://schemas.openxmlformats.org/officeDocument/2006/relationships" xmlns:p="http://schemas.openxmlformats.org/presentationml/2006/main">
+  <p:cSld>
+    <p:spTree>
+      <p:nvGrpSpPr>
+        <p:cNvPr id="1" name=""/>
+        <p:cNvGrpSpPr/>
+        <p:nvPr/>
+      </p:nvGrpSpPr>
+      <p:grpSpPr>
+        <a:xfrm>
+          <a:off x="0" y="0"/>
+          <a:ext cx="0" cy="0"/>
+          <a:chOff x="0" y="0"/>
+          <a:chExt cx="0" cy="0"/>
+        </a:xfrm>
+      </p:grpSpPr>
+      <p:sp>
+        <p:nvSpPr>
+          <p:cNvPr id="2" name="Title 1"/>
+          <p:cNvSpPr>
+            <a:spLocks noGrp="1"/>
+          </p:cNvSpPr>
+          <p:nvPr>
+            <p:ph type="title"/>
+          </p:nvPr>
+        </p:nvSpPr>
+        <p:spPr/>
+        <p:txBody>
+          <a:bodyPr/>
+          <a:lstStyle/>
+          <a:p>
+            <a:r>
+              <a:rPr dirty="0" err="1"/>
+              <a:t>Plausibilit</a:t>
+            </a:r>
+            <a:r>
+              <a:rPr lang="de-DE" dirty="0" err="1"/>
+              <a:t>ät</a:t>
+            </a:r>
+            <a:endParaRPr dirty="0"/>
+          </a:p>
+        </p:txBody>
+      </p:sp>
+      <p:sp>
+        <p:nvSpPr>
+          <p:cNvPr id="3" name="Content Placeholder 2"/>
+          <p:cNvSpPr>
+            <a:spLocks noGrp="1"/>
+          </p:cNvSpPr>
+          <p:nvPr>
+            <p:ph idx="1"/>
+          </p:nvPr>
+        </p:nvSpPr>
+        <p:spPr>
+          <a:xfrm>
+            <a:off x="515112" y="1998505"/>
+            <a:ext cx="11155680" cy="3767328"/>
+          </a:xfrm>
+        </p:spPr>
+        <p:txBody>
+          <a:bodyPr/>
+          <a:lstStyle/>
+          <a:p>
+            <a:pPr marL="0" indent="0">
+              <a:buNone/>
+            </a:pPr>
+            <a:endParaRPr lang="de-DE" dirty="0"/>
+          </a:p>
+          <a:p>
+            <a:pPr>
+              <a:defRPr sz="1800">
+                <a:solidFill>
+                  <a:srgbClr val="000000"/>
+                </a:solidFill>
+              </a:defRPr>
+            </a:pPr>
+            <a:r>
+              <a:rPr lang="de-DE" dirty="0"/>
+              <a:t>Daten im Wesentlichen konsistent, aber:</a:t>
+            </a:r>
+          </a:p>
+          <a:p>
+            <a:pPr lvl="1">
+              <a:defRPr sz="1800">
+                <a:solidFill>
+                  <a:srgbClr val="000000"/>
+                </a:solidFill>
+              </a:defRPr>
+            </a:pPr>
+            <a:r>
+              <a:rPr lang="de-DE" b="1" dirty="0"/>
+              <a:t>Komplexe Stornothematik </a:t>
+            </a:r>
+            <a:r>
+              <a:rPr lang="de-DE" sz="1800" dirty="0"/>
+              <a:t>→ konnte in Meilenstein 2 nicht abschließend geklärt werden, muss in Meilenstein 3 erneut aufgenommen werden</a:t>
+            </a:r>
+          </a:p>
+          <a:p>
+            <a:pPr lvl="1">
+              <a:defRPr sz="1800">
+                <a:solidFill>
+                  <a:srgbClr val="000000"/>
+                </a:solidFill>
+              </a:defRPr>
+            </a:pPr>
+            <a:r>
+              <a:rPr lang="de-DE" sz="1800" dirty="0"/>
+              <a:t>Durch statische Regeln lassen sich viele als „FRAUD“ deklarierte Transaktionen </a:t>
+            </a:r>
+            <a:r>
+              <a:rPr lang="de-DE" sz="1800" b="1" dirty="0"/>
+              <a:t>sehr sicher vorhersagen</a:t>
+            </a:r>
+          </a:p>
+          <a:p>
+            <a:pPr lvl="1">
+              <a:defRPr sz="1800">
+                <a:solidFill>
+                  <a:srgbClr val="000000"/>
+                </a:solidFill>
+              </a:defRPr>
+            </a:pPr>
+            <a:endParaRPr lang="de-DE" sz="1800" dirty="0"/>
+          </a:p>
+          <a:p>
+            <a:pPr>
+              <a:defRPr sz="1800">
+                <a:solidFill>
+                  <a:srgbClr val="000000"/>
+                </a:solidFill>
+              </a:defRPr>
+            </a:pPr>
+            <a:r>
+              <a:rPr lang="de-DE" dirty="0"/>
+              <a:t>Berücksichtigung bei </a:t>
+            </a:r>
+            <a:r>
+              <a:rPr lang="de-DE" b="1" dirty="0"/>
+              <a:t>späterer Modellbildung</a:t>
+            </a:r>
+            <a:endParaRPr b="1" dirty="0"/>
+          </a:p>
+        </p:txBody>
+      </p:sp>
+    </p:spTree>
   </p:cSld>
   <p:clrMapOvr>
     <a:masterClrMapping/>
@@ -15405,7 +15694,7 @@
             </a:pPr>
             <a:r>
               <a:rPr lang="de-DE" b="1" dirty="0"/>
-              <a:t>Vorbemerkung</a:t>
+              <a:t>Vorbemerkungen</a:t>
             </a:r>
           </a:p>
           <a:p>
@@ -15450,7 +15739,7 @@
             </a:pPr>
             <a:r>
               <a:rPr lang="de-DE" b="1" dirty="0"/>
-              <a:t>Abschlussbemerkung</a:t>
+              <a:t>Abschlussbemerkungen</a:t>
             </a:r>
           </a:p>
         </p:txBody>
@@ -15505,7 +15794,7 @@
 </file>
 
 <file path=ppt/slides/slide20.xml><?xml version="1.0" encoding="utf-8"?>
-<p:sld xmlns:a="http://schemas.openxmlformats.org/drawingml/2006/main" xmlns:r="http://schemas.openxmlformats.org/officeDocument/2006/relationships" xmlns:p="http://schemas.openxmlformats.org/presentationml/2006/main">
+<p:sld xmlns:a="http://schemas.openxmlformats.org/drawingml/2006/main" xmlns:r="http://schemas.openxmlformats.org/officeDocument/2006/relationships" xmlns:p="http://schemas.openxmlformats.org/presentationml/2006/main" showMasterPhAnim="0">
   <p:cSld>
     <p:spTree>
       <p:nvGrpSpPr>
@@ -15513,7 +15802,7 @@
         <p:cNvGrpSpPr/>
         <p:nvPr/>
       </p:nvGrpSpPr>
-      <p:grpSpPr>
+      <p:grpSpPr bwMode="auto">
         <a:xfrm>
           <a:off x="0" y="0"/>
           <a:ext cx="0" cy="0"/>
@@ -15523,7 +15812,7 @@
       </p:grpSpPr>
       <p:sp>
         <p:nvSpPr>
-          <p:cNvPr id="2" name="Title 1"/>
+          <p:cNvPr id="1119884738" name="Title 1"/>
           <p:cNvSpPr>
             <a:spLocks noGrp="1"/>
           </p:cNvSpPr>
@@ -15531,18 +15820,17 @@
             <p:ph type="title"/>
           </p:nvPr>
         </p:nvSpPr>
-        <p:spPr/>
+        <p:spPr bwMode="auto"/>
         <p:txBody>
           <a:bodyPr/>
           <a:lstStyle/>
           <a:p>
-            <a:r>
-              <a:rPr dirty="0" err="1"/>
-              <a:t>Plausibilit</a:t>
-            </a:r>
-            <a:r>
-              <a:rPr lang="de-DE" dirty="0" err="1"/>
-              <a:t>ät</a:t>
+            <a:pPr>
+              <a:defRPr/>
+            </a:pPr>
+            <a:r>
+              <a:rPr lang="de-DE" dirty="0"/>
+              <a:t>Transformation der Daten</a:t>
             </a:r>
             <a:endParaRPr dirty="0"/>
           </a:p>
@@ -15550,7 +15838,7 @@
       </p:sp>
       <p:sp>
         <p:nvSpPr>
-          <p:cNvPr id="3" name="Content Placeholder 2"/>
+          <p:cNvPr id="701458849" name="Content Placeholder 2"/>
           <p:cNvSpPr>
             <a:spLocks noGrp="1"/>
           </p:cNvSpPr>
@@ -15558,93 +15846,195 @@
             <p:ph idx="1"/>
           </p:nvPr>
         </p:nvSpPr>
-        <p:spPr>
+        <p:spPr bwMode="auto">
           <a:xfrm>
-            <a:off x="515112" y="1998505"/>
+            <a:off x="518160" y="2112264"/>
             <a:ext cx="11155680" cy="3767328"/>
           </a:xfrm>
         </p:spPr>
         <p:txBody>
-          <a:bodyPr/>
+          <a:bodyPr>
+            <a:normAutofit lnSpcReduction="10000"/>
+          </a:bodyPr>
           <a:lstStyle/>
           <a:p>
-            <a:pPr marL="0" indent="0">
-              <a:buNone/>
-            </a:pPr>
-            <a:endParaRPr lang="de-DE" dirty="0"/>
-          </a:p>
-          <a:p>
             <a:pPr>
-              <a:defRPr sz="1800">
-                <a:solidFill>
-                  <a:srgbClr val="000000"/>
-                </a:solidFill>
-              </a:defRPr>
-            </a:pPr>
-            <a:r>
-              <a:rPr lang="de-DE" dirty="0"/>
-              <a:t>Daten im Wesentlichen konsistent, aber:</a:t>
-            </a:r>
-          </a:p>
-          <a:p>
-            <a:pPr lvl="1">
-              <a:defRPr sz="1800">
-                <a:solidFill>
-                  <a:srgbClr val="000000"/>
-                </a:solidFill>
-              </a:defRPr>
-            </a:pPr>
-            <a:r>
-              <a:rPr lang="de-DE" b="1" dirty="0"/>
-              <a:t>Komplexe Stornothematik </a:t>
-            </a:r>
-            <a:r>
-              <a:rPr lang="de-DE" sz="1800" dirty="0"/>
-              <a:t>→ konnte in Meilenstein 2 nicht abschließend geklärt werden, muss in Meilenstein 3 erneut aufgenommen werden</a:t>
-            </a:r>
-          </a:p>
-          <a:p>
-            <a:pPr lvl="1">
-              <a:defRPr sz="1800">
-                <a:solidFill>
-                  <a:srgbClr val="000000"/>
-                </a:solidFill>
-              </a:defRPr>
-            </a:pPr>
-            <a:r>
-              <a:rPr lang="de-DE" sz="1800" dirty="0"/>
-              <a:t>Durch statische Regeln lassen sich viele als „FRAUD“ deklarierte Transaktionen </a:t>
-            </a:r>
-            <a:r>
-              <a:rPr lang="de-DE" sz="1800" b="1" dirty="0"/>
-              <a:t>sehr sicher vorhersagen</a:t>
-            </a:r>
-          </a:p>
-          <a:p>
-            <a:pPr lvl="1">
-              <a:defRPr sz="1800">
-                <a:solidFill>
-                  <a:srgbClr val="000000"/>
-                </a:solidFill>
-              </a:defRPr>
-            </a:pPr>
-            <a:endParaRPr lang="de-DE" sz="1800" dirty="0"/>
+              <a:defRPr/>
+            </a:pPr>
+            <a:r>
+              <a:rPr lang="de-CH" sz="1800" b="0" i="0" u="none" strike="noStrike" cap="none" spc="0" dirty="0">
+                <a:solidFill>
+                  <a:schemeClr val="tx1"/>
+                </a:solidFill>
+                <a:latin typeface="Bierstadt"/>
+                <a:cs typeface="Bierstadt"/>
+              </a:rPr>
+              <a:t>4 Datentabellen Tabellen in </a:t>
+            </a:r>
+            <a:r>
+              <a:rPr lang="de-CH" sz="1800" b="1" i="0" u="none" strike="noStrike" cap="none" spc="0" dirty="0">
+                <a:solidFill>
+                  <a:schemeClr val="tx1"/>
+                </a:solidFill>
+                <a:latin typeface="Bierstadt"/>
+                <a:cs typeface="Bierstadt"/>
+              </a:rPr>
+              <a:t>eine einzige Datentabelle </a:t>
+            </a:r>
+            <a:r>
+              <a:rPr lang="de-CH" sz="1800" b="0" i="0" u="none" strike="noStrike" cap="none" spc="0" dirty="0">
+                <a:solidFill>
+                  <a:schemeClr val="tx1"/>
+                </a:solidFill>
+                <a:latin typeface="Bierstadt"/>
+                <a:cs typeface="Bierstadt"/>
+              </a:rPr>
+              <a:t>überführt</a:t>
+            </a:r>
           </a:p>
           <a:p>
             <a:pPr>
-              <a:defRPr sz="1800">
-                <a:solidFill>
-                  <a:srgbClr val="000000"/>
-                </a:solidFill>
-              </a:defRPr>
-            </a:pPr>
-            <a:r>
-              <a:rPr lang="de-DE" dirty="0"/>
-              <a:t>Berücksichtigung bei </a:t>
-            </a:r>
-            <a:r>
-              <a:rPr lang="de-DE" b="1" dirty="0"/>
-              <a:t>späterer Modellbildung</a:t>
+              <a:defRPr/>
+            </a:pPr>
+            <a:endParaRPr lang="de-DE" sz="1800" b="0" i="0" u="none" strike="noStrike" cap="none" spc="0" dirty="0">
+              <a:solidFill>
+                <a:schemeClr val="tx1"/>
+              </a:solidFill>
+              <a:latin typeface="Bierstadt"/>
+              <a:cs typeface="Bierstadt"/>
+            </a:endParaRPr>
+          </a:p>
+          <a:p>
+            <a:pPr>
+              <a:defRPr/>
+            </a:pPr>
+            <a:r>
+              <a:rPr lang="de-DE" sz="1800" b="0" i="0" u="none" strike="noStrike" cap="none" spc="0" dirty="0">
+                <a:solidFill>
+                  <a:schemeClr val="tx1"/>
+                </a:solidFill>
+                <a:latin typeface="Bierstadt"/>
+                <a:ea typeface="Bierstadt"/>
+                <a:cs typeface="Bierstadt"/>
+              </a:rPr>
+              <a:t>Relevante Transaktions- und Artikeldaten extrahiert</a:t>
+            </a:r>
+            <a:r>
+              <a:rPr lang="de-CH" sz="1800" b="0" i="0" u="none" strike="noStrike" cap="none" spc="0" dirty="0">
+                <a:solidFill>
+                  <a:schemeClr val="tx1"/>
+                </a:solidFill>
+                <a:latin typeface="Bierstadt"/>
+                <a:cs typeface="Bierstadt"/>
+              </a:rPr>
+              <a:t> bzw. berechnet</a:t>
+            </a:r>
+          </a:p>
+          <a:p>
+            <a:pPr>
+              <a:defRPr/>
+            </a:pPr>
+            <a:endParaRPr lang="de-CH" sz="1800" b="0" i="0" u="none" strike="noStrike" cap="none" spc="0" dirty="0">
+              <a:solidFill>
+                <a:schemeClr val="tx1"/>
+              </a:solidFill>
+              <a:latin typeface="Bierstadt"/>
+              <a:cs typeface="Bierstadt"/>
+            </a:endParaRPr>
+          </a:p>
+          <a:p>
+            <a:pPr>
+              <a:defRPr/>
+            </a:pPr>
+            <a:r>
+              <a:rPr lang="de-DE" sz="1800" b="0" i="0" u="none" strike="noStrike" cap="none" spc="0" dirty="0">
+                <a:solidFill>
+                  <a:schemeClr val="tx1"/>
+                </a:solidFill>
+                <a:latin typeface="Bierstadt"/>
+                <a:ea typeface="Bierstadt"/>
+                <a:cs typeface="Bierstadt"/>
+              </a:rPr>
+              <a:t>Formatbereinigung und Überführung in analysierbare Tabellenstruktur</a:t>
+            </a:r>
+          </a:p>
+          <a:p>
+            <a:pPr>
+              <a:defRPr/>
+            </a:pPr>
+            <a:endParaRPr lang="de-DE" sz="1800" b="0" i="0" u="none" strike="noStrike" cap="none" spc="0" dirty="0">
+              <a:solidFill>
+                <a:schemeClr val="tx1"/>
+              </a:solidFill>
+              <a:latin typeface="Bierstadt"/>
+              <a:ea typeface="Bierstadt"/>
+              <a:cs typeface="Bierstadt"/>
+            </a:endParaRPr>
+          </a:p>
+          <a:p>
+            <a:pPr>
+              <a:defRPr/>
+            </a:pPr>
+            <a:r>
+              <a:rPr lang="de-DE" sz="1800" b="1" i="0" u="none" strike="noStrike" cap="none" spc="0" dirty="0">
+                <a:solidFill>
+                  <a:schemeClr val="tx1"/>
+                </a:solidFill>
+                <a:latin typeface="Bierstadt"/>
+                <a:ea typeface="Bierstadt"/>
+                <a:cs typeface="Bierstadt"/>
+              </a:rPr>
+              <a:t>Pro Transaktion eine Zeile </a:t>
+            </a:r>
+            <a:r>
+              <a:rPr lang="de-DE" sz="1800" b="0" i="0" u="none" strike="noStrike" cap="none" spc="0" dirty="0">
+                <a:solidFill>
+                  <a:schemeClr val="tx1"/>
+                </a:solidFill>
+                <a:latin typeface="Bierstadt"/>
+                <a:ea typeface="Bierstadt"/>
+                <a:cs typeface="Bierstadt"/>
+              </a:rPr>
+              <a:t>erzeugt</a:t>
+            </a:r>
+          </a:p>
+          <a:p>
+            <a:pPr>
+              <a:defRPr/>
+            </a:pPr>
+            <a:endParaRPr lang="de-DE" sz="1800" b="0" i="0" u="none" strike="noStrike" cap="none" spc="0" dirty="0">
+              <a:solidFill>
+                <a:schemeClr val="tx1"/>
+              </a:solidFill>
+              <a:latin typeface="Bierstadt"/>
+              <a:cs typeface="Bierstadt"/>
+            </a:endParaRPr>
+          </a:p>
+          <a:p>
+            <a:pPr>
+              <a:defRPr/>
+            </a:pPr>
+            <a:r>
+              <a:rPr lang="de-DE" sz="1800" b="0" i="0" u="none" strike="noStrike" cap="none" spc="0" dirty="0">
+                <a:solidFill>
+                  <a:schemeClr val="tx1"/>
+                </a:solidFill>
+                <a:latin typeface="Bierstadt"/>
+                <a:ea typeface="Bierstadt"/>
+                <a:cs typeface="Bierstadt"/>
+              </a:rPr>
+              <a:t>Artikelpositionen je Transaktion </a:t>
+            </a:r>
+            <a:r>
+              <a:rPr lang="de-DE" sz="1800" b="1" i="0" u="none" strike="noStrike" cap="none" spc="0" dirty="0">
+                <a:solidFill>
+                  <a:schemeClr val="tx1"/>
+                </a:solidFill>
+                <a:latin typeface="Bierstadt"/>
+                <a:ea typeface="Bierstadt"/>
+                <a:cs typeface="Bierstadt"/>
+              </a:rPr>
+              <a:t>zu Merkmalen aggregiert</a:t>
             </a:r>
             <a:endParaRPr b="1" dirty="0"/>
           </a:p>
@@ -15659,6 +16049,1622 @@
 </file>
 
 <file path=ppt/slides/slide21.xml><?xml version="1.0" encoding="utf-8"?>
+<p:sld xmlns:a="http://schemas.openxmlformats.org/drawingml/2006/main" xmlns:r="http://schemas.openxmlformats.org/officeDocument/2006/relationships" xmlns:p="http://schemas.openxmlformats.org/presentationml/2006/main" showMasterPhAnim="0">
+  <p:cSld>
+    <p:spTree>
+      <p:nvGrpSpPr>
+        <p:cNvPr id="1" name=""/>
+        <p:cNvGrpSpPr/>
+        <p:nvPr/>
+      </p:nvGrpSpPr>
+      <p:grpSpPr bwMode="auto">
+        <a:xfrm>
+          <a:off x="0" y="0"/>
+          <a:ext cx="0" cy="0"/>
+          <a:chOff x="0" y="0"/>
+          <a:chExt cx="0" cy="0"/>
+        </a:xfrm>
+      </p:grpSpPr>
+      <p:sp>
+        <p:nvSpPr>
+          <p:cNvPr id="1156514672" name="Title 1"/>
+          <p:cNvSpPr>
+            <a:spLocks noGrp="1"/>
+          </p:cNvSpPr>
+          <p:nvPr>
+            <p:ph type="title"/>
+          </p:nvPr>
+        </p:nvSpPr>
+        <p:spPr bwMode="auto"/>
+        <p:txBody>
+          <a:bodyPr/>
+          <a:lstStyle/>
+          <a:p>
+            <a:pPr>
+              <a:defRPr/>
+            </a:pPr>
+            <a:r>
+              <a:rPr lang="de-CH" sz="4400" b="1" i="0" u="none" strike="noStrike" cap="none" spc="0" dirty="0">
+                <a:solidFill>
+                  <a:schemeClr val="tx1"/>
+                </a:solidFill>
+                <a:latin typeface="Bierstadt"/>
+                <a:ea typeface="Bierstadt"/>
+                <a:cs typeface="Bierstadt"/>
+              </a:rPr>
+              <a:t>Aggregation der Daten</a:t>
+            </a:r>
+            <a:endParaRPr dirty="0"/>
+          </a:p>
+        </p:txBody>
+      </p:sp>
+      <p:sp>
+        <p:nvSpPr>
+          <p:cNvPr id="236047956" name="Content Placeholder 2"/>
+          <p:cNvSpPr>
+            <a:spLocks noGrp="1"/>
+          </p:cNvSpPr>
+          <p:nvPr>
+            <p:ph idx="1"/>
+          </p:nvPr>
+        </p:nvSpPr>
+        <p:spPr bwMode="auto">
+          <a:xfrm>
+            <a:off x="518160" y="2166432"/>
+            <a:ext cx="11155680" cy="3767328"/>
+          </a:xfrm>
+        </p:spPr>
+        <p:txBody>
+          <a:bodyPr/>
+          <a:lstStyle/>
+          <a:p>
+            <a:pPr>
+              <a:defRPr/>
+            </a:pPr>
+            <a:r>
+              <a:rPr lang="de-CH" b="1" dirty="0"/>
+              <a:t>Positionsdaten zu Merkmalen aggregiert </a:t>
+            </a:r>
+            <a:r>
+              <a:rPr lang="de-CH" dirty="0"/>
+              <a:t>(z.B. enthält Snacks, durchschnittliche </a:t>
+            </a:r>
+            <a:r>
+              <a:rPr lang="de-CH" dirty="0" err="1"/>
+              <a:t>Scanzeit</a:t>
+            </a:r>
+            <a:r>
+              <a:rPr lang="de-CH" dirty="0"/>
+              <a:t> pro Artikel etc.)</a:t>
+            </a:r>
+          </a:p>
+          <a:p>
+            <a:pPr>
+              <a:defRPr/>
+            </a:pPr>
+            <a:endParaRPr lang="de-CH" dirty="0"/>
+          </a:p>
+          <a:p>
+            <a:pPr>
+              <a:defRPr/>
+            </a:pPr>
+            <a:r>
+              <a:rPr lang="de-CH" dirty="0"/>
+              <a:t>Sowohl </a:t>
+            </a:r>
+            <a:r>
+              <a:rPr lang="de-CH" b="1" dirty="0"/>
+              <a:t>kategoriale Merkmale</a:t>
+            </a:r>
+            <a:r>
+              <a:rPr lang="de-CH" dirty="0"/>
+              <a:t> als auch </a:t>
+            </a:r>
+            <a:r>
+              <a:rPr lang="de-CH" b="1" dirty="0"/>
+              <a:t>numerische</a:t>
+            </a:r>
+            <a:r>
+              <a:rPr lang="de-CH" dirty="0"/>
+              <a:t>:</a:t>
+            </a:r>
+          </a:p>
+          <a:p>
+            <a:pPr lvl="1">
+              <a:defRPr/>
+            </a:pPr>
+            <a:r>
+              <a:rPr lang="de-CH" dirty="0"/>
+              <a:t>Tritt eine Kategorie in der Transaktion auf? Ja / nein</a:t>
+            </a:r>
+          </a:p>
+          <a:p>
+            <a:pPr lvl="1">
+              <a:defRPr/>
+            </a:pPr>
+            <a:r>
+              <a:rPr lang="de-CH" dirty="0"/>
+              <a:t> Wie viele Fälle? Anzahl</a:t>
+            </a:r>
+          </a:p>
+          <a:p>
+            <a:pPr lvl="1">
+              <a:defRPr/>
+            </a:pPr>
+            <a:endParaRPr lang="de-CH" dirty="0"/>
+          </a:p>
+          <a:p>
+            <a:pPr>
+              <a:defRPr/>
+            </a:pPr>
+            <a:r>
+              <a:rPr lang="de-CH" b="1" dirty="0"/>
+              <a:t>Transformation der Produktkategorien:</a:t>
+            </a:r>
+          </a:p>
+          <a:p>
+            <a:pPr lvl="1">
+              <a:defRPr/>
+            </a:pPr>
+            <a:r>
+              <a:rPr lang="de-CH" dirty="0"/>
+              <a:t>Ist eine Produktkategorie vorhanden oder nicht (Getränke, Snacks, usw.)</a:t>
+            </a:r>
+          </a:p>
+          <a:p>
+            <a:pPr lvl="1">
+              <a:defRPr/>
+            </a:pPr>
+            <a:endParaRPr lang="de-CH" dirty="0"/>
+          </a:p>
+          <a:p>
+            <a:pPr>
+              <a:defRPr/>
+            </a:pPr>
+            <a:r>
+              <a:rPr lang="de-CH" dirty="0"/>
+              <a:t>Minimum/Maximum/Mittelwert (Preis, Popularität, Zeit zwischen Scans)</a:t>
+            </a:r>
+          </a:p>
+          <a:p>
+            <a:pPr>
+              <a:defRPr sz="1800">
+                <a:solidFill>
+                  <a:srgbClr val="000000"/>
+                </a:solidFill>
+              </a:defRPr>
+            </a:pPr>
+            <a:endParaRPr dirty="0"/>
+          </a:p>
+        </p:txBody>
+      </p:sp>
+    </p:spTree>
+  </p:cSld>
+  <p:clrMapOvr>
+    <a:masterClrMapping/>
+  </p:clrMapOvr>
+</p:sld>
+</file>
+
+<file path=ppt/slides/slide22.xml><?xml version="1.0" encoding="utf-8"?>
+<p:sld xmlns:a="http://schemas.openxmlformats.org/drawingml/2006/main" xmlns:r="http://schemas.openxmlformats.org/officeDocument/2006/relationships" xmlns:p="http://schemas.openxmlformats.org/presentationml/2006/main" showMasterPhAnim="0">
+  <p:cSld>
+    <p:spTree>
+      <p:nvGrpSpPr>
+        <p:cNvPr id="1" name=""/>
+        <p:cNvGrpSpPr/>
+        <p:nvPr/>
+      </p:nvGrpSpPr>
+      <p:grpSpPr bwMode="auto">
+        <a:xfrm>
+          <a:off x="0" y="0"/>
+          <a:ext cx="0" cy="0"/>
+          <a:chOff x="0" y="0"/>
+          <a:chExt cx="0" cy="0"/>
+        </a:xfrm>
+      </p:grpSpPr>
+      <p:sp>
+        <p:nvSpPr>
+          <p:cNvPr id="1770641224" name="Title 1"/>
+          <p:cNvSpPr>
+            <a:spLocks noGrp="1"/>
+          </p:cNvSpPr>
+          <p:nvPr>
+            <p:ph type="title"/>
+          </p:nvPr>
+        </p:nvSpPr>
+        <p:spPr bwMode="auto"/>
+        <p:txBody>
+          <a:bodyPr/>
+          <a:lstStyle/>
+          <a:p>
+            <a:pPr>
+              <a:defRPr/>
+            </a:pPr>
+            <a:r>
+              <a:rPr lang="de-CH" sz="4400" b="1" i="0" u="none" strike="noStrike" cap="none" spc="0" dirty="0">
+                <a:solidFill>
+                  <a:schemeClr val="tx1"/>
+                </a:solidFill>
+                <a:latin typeface="Bierstadt"/>
+                <a:ea typeface="Bierstadt"/>
+                <a:cs typeface="Bierstadt"/>
+              </a:rPr>
+              <a:t>Umgang mit unvollständigen Daten (1)</a:t>
+            </a:r>
+            <a:endParaRPr dirty="0"/>
+          </a:p>
+        </p:txBody>
+      </p:sp>
+      <p:sp>
+        <p:nvSpPr>
+          <p:cNvPr id="998545421" name="Content Placeholder 2"/>
+          <p:cNvSpPr>
+            <a:spLocks noGrp="1"/>
+          </p:cNvSpPr>
+          <p:nvPr>
+            <p:ph idx="1"/>
+          </p:nvPr>
+        </p:nvSpPr>
+        <p:spPr bwMode="auto">
+          <a:xfrm>
+            <a:off x="521208" y="2569555"/>
+            <a:ext cx="11155680" cy="3767328"/>
+          </a:xfrm>
+        </p:spPr>
+        <p:txBody>
+          <a:bodyPr/>
+          <a:lstStyle/>
+          <a:p>
+            <a:pPr>
+              <a:defRPr/>
+            </a:pPr>
+            <a:endParaRPr dirty="0"/>
+          </a:p>
+          <a:p>
+            <a:pPr>
+              <a:defRPr sz="1800">
+                <a:solidFill>
+                  <a:srgbClr val="000000"/>
+                </a:solidFill>
+              </a:defRPr>
+            </a:pPr>
+            <a:endParaRPr dirty="0"/>
+          </a:p>
+        </p:txBody>
+      </p:sp>
+      <p:sp>
+        <p:nvSpPr>
+          <p:cNvPr id="2147178039" name="Content Placeholder 2"/>
+          <p:cNvSpPr>
+            <a:spLocks noGrp="1"/>
+          </p:cNvSpPr>
+          <p:nvPr/>
+        </p:nvSpPr>
+        <p:spPr bwMode="auto">
+          <a:xfrm>
+            <a:off x="592205" y="1842988"/>
+            <a:ext cx="11155680" cy="3767328"/>
+          </a:xfrm>
+        </p:spPr>
+        <p:txBody>
+          <a:bodyPr vertOverflow="overflow" horzOverflow="overflow" vert="horz" wrap="square" lIns="91440" tIns="45720" rIns="91440" bIns="45720" numCol="1" spcCol="0" rtlCol="0" fromWordArt="0" anchor="t" anchorCtr="0" forceAA="0" compatLnSpc="0">
+            <a:normAutofit fontScale="95000" lnSpcReduction="1000"/>
+          </a:bodyPr>
+          <a:lstStyle>
+            <a:lvl1pPr marL="228600" indent="-228600" algn="l" defTabSz="914400">
+              <a:lnSpc>
+                <a:spcPct val="110000"/>
+              </a:lnSpc>
+              <a:spcBef>
+                <a:spcPts val="999"/>
+              </a:spcBef>
+              <a:buFont typeface="Arial"/>
+              <a:buChar char="•"/>
+              <a:defRPr sz="1800">
+                <a:solidFill>
+                  <a:schemeClr val="tx1"/>
+                </a:solidFill>
+                <a:latin typeface="+mn-lt"/>
+                <a:ea typeface="+mn-ea"/>
+                <a:cs typeface="+mn-cs"/>
+              </a:defRPr>
+            </a:lvl1pPr>
+            <a:lvl2pPr marL="685800" indent="-228600" algn="l" defTabSz="914400">
+              <a:lnSpc>
+                <a:spcPct val="110000"/>
+              </a:lnSpc>
+              <a:spcBef>
+                <a:spcPts val="499"/>
+              </a:spcBef>
+              <a:buFont typeface="Arial"/>
+              <a:buChar char="•"/>
+              <a:defRPr sz="1600">
+                <a:solidFill>
+                  <a:schemeClr val="tx1"/>
+                </a:solidFill>
+                <a:latin typeface="+mn-lt"/>
+                <a:ea typeface="+mn-ea"/>
+                <a:cs typeface="+mn-cs"/>
+              </a:defRPr>
+            </a:lvl2pPr>
+            <a:lvl3pPr marL="1143000" indent="-228600" algn="l" defTabSz="914400">
+              <a:lnSpc>
+                <a:spcPct val="110000"/>
+              </a:lnSpc>
+              <a:spcBef>
+                <a:spcPts val="499"/>
+              </a:spcBef>
+              <a:buFont typeface="Arial"/>
+              <a:buChar char="•"/>
+              <a:defRPr sz="1400">
+                <a:solidFill>
+                  <a:schemeClr val="tx1"/>
+                </a:solidFill>
+                <a:latin typeface="+mn-lt"/>
+                <a:ea typeface="+mn-ea"/>
+                <a:cs typeface="+mn-cs"/>
+              </a:defRPr>
+            </a:lvl3pPr>
+            <a:lvl4pPr marL="1600200" indent="-228600" algn="l" defTabSz="914400">
+              <a:lnSpc>
+                <a:spcPct val="110000"/>
+              </a:lnSpc>
+              <a:spcBef>
+                <a:spcPts val="499"/>
+              </a:spcBef>
+              <a:buFont typeface="Arial"/>
+              <a:buChar char="•"/>
+              <a:defRPr sz="1200">
+                <a:solidFill>
+                  <a:schemeClr val="tx1"/>
+                </a:solidFill>
+                <a:latin typeface="+mn-lt"/>
+                <a:ea typeface="+mn-ea"/>
+                <a:cs typeface="+mn-cs"/>
+              </a:defRPr>
+            </a:lvl4pPr>
+            <a:lvl5pPr marL="2057400" indent="-228600" algn="l" defTabSz="914400">
+              <a:lnSpc>
+                <a:spcPct val="110000"/>
+              </a:lnSpc>
+              <a:spcBef>
+                <a:spcPts val="499"/>
+              </a:spcBef>
+              <a:buFont typeface="Arial"/>
+              <a:buChar char="•"/>
+              <a:defRPr sz="1200">
+                <a:solidFill>
+                  <a:schemeClr val="tx1"/>
+                </a:solidFill>
+                <a:latin typeface="+mn-lt"/>
+                <a:ea typeface="+mn-ea"/>
+                <a:cs typeface="+mn-cs"/>
+              </a:defRPr>
+            </a:lvl5pPr>
+            <a:lvl6pPr marL="2514599" indent="-228600" algn="l" defTabSz="914400">
+              <a:lnSpc>
+                <a:spcPct val="90000"/>
+              </a:lnSpc>
+              <a:spcBef>
+                <a:spcPts val="499"/>
+              </a:spcBef>
+              <a:buFont typeface="Arial"/>
+              <a:buChar char="•"/>
+              <a:defRPr sz="1800">
+                <a:solidFill>
+                  <a:schemeClr val="tx1"/>
+                </a:solidFill>
+                <a:latin typeface="+mn-lt"/>
+                <a:ea typeface="+mn-ea"/>
+                <a:cs typeface="+mn-cs"/>
+              </a:defRPr>
+            </a:lvl6pPr>
+            <a:lvl7pPr marL="2971800" indent="-228600" algn="l" defTabSz="914400">
+              <a:lnSpc>
+                <a:spcPct val="90000"/>
+              </a:lnSpc>
+              <a:spcBef>
+                <a:spcPts val="499"/>
+              </a:spcBef>
+              <a:buFont typeface="Arial"/>
+              <a:buChar char="•"/>
+              <a:defRPr sz="1800">
+                <a:solidFill>
+                  <a:schemeClr val="tx1"/>
+                </a:solidFill>
+                <a:latin typeface="+mn-lt"/>
+                <a:ea typeface="+mn-ea"/>
+                <a:cs typeface="+mn-cs"/>
+              </a:defRPr>
+            </a:lvl7pPr>
+            <a:lvl8pPr marL="3429000" indent="-228600" algn="l" defTabSz="914400">
+              <a:lnSpc>
+                <a:spcPct val="90000"/>
+              </a:lnSpc>
+              <a:spcBef>
+                <a:spcPts val="499"/>
+              </a:spcBef>
+              <a:buFont typeface="Arial"/>
+              <a:buChar char="•"/>
+              <a:defRPr sz="1800">
+                <a:solidFill>
+                  <a:schemeClr val="tx1"/>
+                </a:solidFill>
+                <a:latin typeface="+mn-lt"/>
+                <a:ea typeface="+mn-ea"/>
+                <a:cs typeface="+mn-cs"/>
+              </a:defRPr>
+            </a:lvl8pPr>
+            <a:lvl9pPr marL="3886200" indent="-228600" algn="l" defTabSz="914400">
+              <a:lnSpc>
+                <a:spcPct val="90000"/>
+              </a:lnSpc>
+              <a:spcBef>
+                <a:spcPts val="499"/>
+              </a:spcBef>
+              <a:buFont typeface="Arial"/>
+              <a:buChar char="•"/>
+              <a:defRPr sz="1800">
+                <a:solidFill>
+                  <a:schemeClr val="tx1"/>
+                </a:solidFill>
+                <a:latin typeface="+mn-lt"/>
+                <a:ea typeface="+mn-ea"/>
+                <a:cs typeface="+mn-cs"/>
+              </a:defRPr>
+            </a:lvl9pPr>
+          </a:lstStyle>
+          <a:p>
+            <a:pPr marL="0" marR="0" lvl="0" indent="0" algn="l" defTabSz="914400" eaLnBrk="1" fontAlgn="auto" latinLnBrk="0" hangingPunct="1">
+              <a:lnSpc>
+                <a:spcPct val="110000"/>
+              </a:lnSpc>
+              <a:spcBef>
+                <a:spcPts val="999"/>
+              </a:spcBef>
+              <a:spcAft>
+                <a:spcPts val="0"/>
+              </a:spcAft>
+              <a:buClrTx/>
+              <a:buSzTx/>
+              <a:buFont typeface="Arial"/>
+              <a:buNone/>
+              <a:tabLst/>
+              <a:defRPr sz="1800">
+                <a:solidFill>
+                  <a:srgbClr val="000000"/>
+                </a:solidFill>
+              </a:defRPr>
+            </a:pPr>
+            <a:endParaRPr kumimoji="0" sz="1600" b="0" i="0" u="none" strike="noStrike" kern="0" cap="none" spc="0" normalizeH="0" baseline="0" noProof="0" dirty="0">
+              <a:ln>
+                <a:noFill/>
+              </a:ln>
+              <a:solidFill>
+                <a:srgbClr val="000000"/>
+              </a:solidFill>
+              <a:effectLst/>
+              <a:uLnTx/>
+              <a:uFillTx/>
+              <a:latin typeface="Bierstadt"/>
+              <a:cs typeface="Arial"/>
+            </a:endParaRPr>
+          </a:p>
+          <a:p>
+            <a:pPr lvl="0">
+              <a:lnSpc>
+                <a:spcPct val="111000"/>
+              </a:lnSpc>
+              <a:defRPr/>
+            </a:pPr>
+            <a:r>
+              <a:rPr lang="de-CH" sz="1900" dirty="0"/>
+              <a:t>Feedback: nur in </a:t>
+            </a:r>
+            <a:r>
+              <a:rPr lang="de-CH" sz="1900" b="1" dirty="0"/>
+              <a:t>7,6 % der Fälle vorhanden</a:t>
+            </a:r>
+          </a:p>
+          <a:p>
+            <a:pPr lvl="1">
+              <a:lnSpc>
+                <a:spcPct val="111000"/>
+              </a:lnSpc>
+              <a:defRPr/>
+            </a:pPr>
+            <a:r>
+              <a:rPr lang="de-CH" sz="1700" dirty="0"/>
+              <a:t>Transformation zu kategorialen Ausprägungen (sehr gut, gut, mittel, schlecht, überhaupt vorhanden)</a:t>
+            </a:r>
+          </a:p>
+          <a:p>
+            <a:pPr lvl="0">
+              <a:lnSpc>
+                <a:spcPct val="111000"/>
+              </a:lnSpc>
+              <a:defRPr/>
+            </a:pPr>
+            <a:endParaRPr lang="de-CH" sz="1900" dirty="0"/>
+          </a:p>
+          <a:p>
+            <a:pPr marR="0" lvl="0" eaLnBrk="1" fontAlgn="auto" latinLnBrk="0" hangingPunct="1">
+              <a:lnSpc>
+                <a:spcPct val="111000"/>
+              </a:lnSpc>
+              <a:spcBef>
+                <a:spcPts val="999"/>
+              </a:spcBef>
+              <a:spcAft>
+                <a:spcPts val="0"/>
+              </a:spcAft>
+              <a:buClrTx/>
+              <a:buSzTx/>
+              <a:tabLst/>
+              <a:defRPr/>
+            </a:pPr>
+            <a:r>
+              <a:rPr lang="de-CH" sz="1900" dirty="0"/>
+              <a:t>11.479 Fälle mit fehlenden Werten für mittlere und maximale Zeit zwischen Scans</a:t>
+            </a:r>
+          </a:p>
+          <a:p>
+            <a:pPr lvl="1">
+              <a:lnSpc>
+                <a:spcPct val="111000"/>
+              </a:lnSpc>
+              <a:spcBef>
+                <a:spcPts val="999"/>
+              </a:spcBef>
+              <a:defRPr/>
+            </a:pPr>
+            <a:r>
+              <a:rPr lang="de-CH" sz="1700" dirty="0"/>
+              <a:t>Ursache: Nur ein Scan vorhanden</a:t>
+            </a:r>
+          </a:p>
+          <a:p>
+            <a:pPr lvl="1">
+              <a:lnSpc>
+                <a:spcPct val="111000"/>
+              </a:lnSpc>
+              <a:spcBef>
+                <a:spcPts val="999"/>
+              </a:spcBef>
+              <a:defRPr/>
+            </a:pPr>
+            <a:r>
+              <a:rPr lang="de-CH" sz="1700" dirty="0"/>
+              <a:t>Ersetzt durch Mittelwert</a:t>
+            </a:r>
+            <a:endParaRPr sz="1700" dirty="0"/>
+          </a:p>
+        </p:txBody>
+      </p:sp>
+    </p:spTree>
+  </p:cSld>
+  <p:clrMapOvr>
+    <a:masterClrMapping/>
+  </p:clrMapOvr>
+</p:sld>
+</file>
+
+<file path=ppt/slides/slide23.xml><?xml version="1.0" encoding="utf-8"?>
+<p:sld xmlns:a="http://schemas.openxmlformats.org/drawingml/2006/main" xmlns:r="http://schemas.openxmlformats.org/officeDocument/2006/relationships" xmlns:p="http://schemas.openxmlformats.org/presentationml/2006/main" showMasterPhAnim="0">
+  <p:cSld>
+    <p:spTree>
+      <p:nvGrpSpPr>
+        <p:cNvPr id="1" name="">
+          <a:extLst>
+            <a:ext uri="{FF2B5EF4-FFF2-40B4-BE49-F238E27FC236}">
+              <a16:creationId xmlns:a16="http://schemas.microsoft.com/office/drawing/2014/main" id="{34CE635F-2013-B8BE-5111-762FD1326BE4}"/>
+            </a:ext>
+          </a:extLst>
+        </p:cNvPr>
+        <p:cNvGrpSpPr/>
+        <p:nvPr/>
+      </p:nvGrpSpPr>
+      <p:grpSpPr bwMode="auto">
+        <a:xfrm>
+          <a:off x="0" y="0"/>
+          <a:ext cx="0" cy="0"/>
+          <a:chOff x="0" y="0"/>
+          <a:chExt cx="0" cy="0"/>
+        </a:xfrm>
+      </p:grpSpPr>
+      <p:sp>
+        <p:nvSpPr>
+          <p:cNvPr id="1770641224" name="Title 1">
+            <a:extLst>
+              <a:ext uri="{FF2B5EF4-FFF2-40B4-BE49-F238E27FC236}">
+                <a16:creationId xmlns:a16="http://schemas.microsoft.com/office/drawing/2014/main" id="{0CA35EDE-DD44-AE72-DFF3-1F06336974E3}"/>
+              </a:ext>
+            </a:extLst>
+          </p:cNvPr>
+          <p:cNvSpPr>
+            <a:spLocks noGrp="1"/>
+          </p:cNvSpPr>
+          <p:nvPr>
+            <p:ph type="title"/>
+          </p:nvPr>
+        </p:nvSpPr>
+        <p:spPr bwMode="auto"/>
+        <p:txBody>
+          <a:bodyPr/>
+          <a:lstStyle/>
+          <a:p>
+            <a:pPr>
+              <a:defRPr/>
+            </a:pPr>
+            <a:r>
+              <a:rPr lang="de-CH" sz="4400" b="1" i="0" u="none" strike="noStrike" cap="none" spc="0">
+                <a:solidFill>
+                  <a:schemeClr val="tx1"/>
+                </a:solidFill>
+                <a:latin typeface="Bierstadt"/>
+                <a:ea typeface="Bierstadt"/>
+                <a:cs typeface="Bierstadt"/>
+              </a:rPr>
+              <a:t>Umgang mit unvollständigen Daten</a:t>
+            </a:r>
+            <a:endParaRPr/>
+          </a:p>
+        </p:txBody>
+      </p:sp>
+      <p:sp>
+        <p:nvSpPr>
+          <p:cNvPr id="998545421" name="Content Placeholder 2">
+            <a:extLst>
+              <a:ext uri="{FF2B5EF4-FFF2-40B4-BE49-F238E27FC236}">
+                <a16:creationId xmlns:a16="http://schemas.microsoft.com/office/drawing/2014/main" id="{9B6CF9BA-6A63-0D10-C257-FBCF95E9976B}"/>
+              </a:ext>
+            </a:extLst>
+          </p:cNvPr>
+          <p:cNvSpPr>
+            <a:spLocks noGrp="1"/>
+          </p:cNvSpPr>
+          <p:nvPr>
+            <p:ph idx="1"/>
+          </p:nvPr>
+        </p:nvSpPr>
+        <p:spPr bwMode="auto">
+          <a:xfrm>
+            <a:off x="521208" y="2569555"/>
+            <a:ext cx="11155680" cy="3767328"/>
+          </a:xfrm>
+        </p:spPr>
+        <p:txBody>
+          <a:bodyPr/>
+          <a:lstStyle/>
+          <a:p>
+            <a:pPr>
+              <a:defRPr/>
+            </a:pPr>
+            <a:endParaRPr/>
+          </a:p>
+          <a:p>
+            <a:pPr>
+              <a:defRPr sz="1800">
+                <a:solidFill>
+                  <a:srgbClr val="000000"/>
+                </a:solidFill>
+              </a:defRPr>
+            </a:pPr>
+            <a:endParaRPr/>
+          </a:p>
+        </p:txBody>
+      </p:sp>
+      <p:sp>
+        <p:nvSpPr>
+          <p:cNvPr id="2147178039" name="Content Placeholder 2">
+            <a:extLst>
+              <a:ext uri="{FF2B5EF4-FFF2-40B4-BE49-F238E27FC236}">
+                <a16:creationId xmlns:a16="http://schemas.microsoft.com/office/drawing/2014/main" id="{FF63A134-521D-896E-1701-E3281A03A12E}"/>
+              </a:ext>
+            </a:extLst>
+          </p:cNvPr>
+          <p:cNvSpPr>
+            <a:spLocks noGrp="1"/>
+          </p:cNvSpPr>
+          <p:nvPr/>
+        </p:nvSpPr>
+        <p:spPr bwMode="auto">
+          <a:xfrm>
+            <a:off x="592205" y="1842988"/>
+            <a:ext cx="11155680" cy="3767328"/>
+          </a:xfrm>
+        </p:spPr>
+        <p:txBody>
+          <a:bodyPr vertOverflow="overflow" horzOverflow="overflow" vert="horz" wrap="square" lIns="91440" tIns="45720" rIns="91440" bIns="45720" numCol="1" spcCol="0" rtlCol="0" fromWordArt="0" anchor="t" anchorCtr="0" forceAA="0" compatLnSpc="0">
+            <a:normAutofit fontScale="95000" lnSpcReduction="1000"/>
+          </a:bodyPr>
+          <a:lstStyle>
+            <a:lvl1pPr marL="228600" indent="-228600" algn="l" defTabSz="914400">
+              <a:lnSpc>
+                <a:spcPct val="110000"/>
+              </a:lnSpc>
+              <a:spcBef>
+                <a:spcPts val="999"/>
+              </a:spcBef>
+              <a:buFont typeface="Arial"/>
+              <a:buChar char="•"/>
+              <a:defRPr sz="1800">
+                <a:solidFill>
+                  <a:schemeClr val="tx1"/>
+                </a:solidFill>
+                <a:latin typeface="+mn-lt"/>
+                <a:ea typeface="+mn-ea"/>
+                <a:cs typeface="+mn-cs"/>
+              </a:defRPr>
+            </a:lvl1pPr>
+            <a:lvl2pPr marL="685800" indent="-228600" algn="l" defTabSz="914400">
+              <a:lnSpc>
+                <a:spcPct val="110000"/>
+              </a:lnSpc>
+              <a:spcBef>
+                <a:spcPts val="499"/>
+              </a:spcBef>
+              <a:buFont typeface="Arial"/>
+              <a:buChar char="•"/>
+              <a:defRPr sz="1600">
+                <a:solidFill>
+                  <a:schemeClr val="tx1"/>
+                </a:solidFill>
+                <a:latin typeface="+mn-lt"/>
+                <a:ea typeface="+mn-ea"/>
+                <a:cs typeface="+mn-cs"/>
+              </a:defRPr>
+            </a:lvl2pPr>
+            <a:lvl3pPr marL="1143000" indent="-228600" algn="l" defTabSz="914400">
+              <a:lnSpc>
+                <a:spcPct val="110000"/>
+              </a:lnSpc>
+              <a:spcBef>
+                <a:spcPts val="499"/>
+              </a:spcBef>
+              <a:buFont typeface="Arial"/>
+              <a:buChar char="•"/>
+              <a:defRPr sz="1400">
+                <a:solidFill>
+                  <a:schemeClr val="tx1"/>
+                </a:solidFill>
+                <a:latin typeface="+mn-lt"/>
+                <a:ea typeface="+mn-ea"/>
+                <a:cs typeface="+mn-cs"/>
+              </a:defRPr>
+            </a:lvl3pPr>
+            <a:lvl4pPr marL="1600200" indent="-228600" algn="l" defTabSz="914400">
+              <a:lnSpc>
+                <a:spcPct val="110000"/>
+              </a:lnSpc>
+              <a:spcBef>
+                <a:spcPts val="499"/>
+              </a:spcBef>
+              <a:buFont typeface="Arial"/>
+              <a:buChar char="•"/>
+              <a:defRPr sz="1200">
+                <a:solidFill>
+                  <a:schemeClr val="tx1"/>
+                </a:solidFill>
+                <a:latin typeface="+mn-lt"/>
+                <a:ea typeface="+mn-ea"/>
+                <a:cs typeface="+mn-cs"/>
+              </a:defRPr>
+            </a:lvl4pPr>
+            <a:lvl5pPr marL="2057400" indent="-228600" algn="l" defTabSz="914400">
+              <a:lnSpc>
+                <a:spcPct val="110000"/>
+              </a:lnSpc>
+              <a:spcBef>
+                <a:spcPts val="499"/>
+              </a:spcBef>
+              <a:buFont typeface="Arial"/>
+              <a:buChar char="•"/>
+              <a:defRPr sz="1200">
+                <a:solidFill>
+                  <a:schemeClr val="tx1"/>
+                </a:solidFill>
+                <a:latin typeface="+mn-lt"/>
+                <a:ea typeface="+mn-ea"/>
+                <a:cs typeface="+mn-cs"/>
+              </a:defRPr>
+            </a:lvl5pPr>
+            <a:lvl6pPr marL="2514599" indent="-228600" algn="l" defTabSz="914400">
+              <a:lnSpc>
+                <a:spcPct val="90000"/>
+              </a:lnSpc>
+              <a:spcBef>
+                <a:spcPts val="499"/>
+              </a:spcBef>
+              <a:buFont typeface="Arial"/>
+              <a:buChar char="•"/>
+              <a:defRPr sz="1800">
+                <a:solidFill>
+                  <a:schemeClr val="tx1"/>
+                </a:solidFill>
+                <a:latin typeface="+mn-lt"/>
+                <a:ea typeface="+mn-ea"/>
+                <a:cs typeface="+mn-cs"/>
+              </a:defRPr>
+            </a:lvl6pPr>
+            <a:lvl7pPr marL="2971800" indent="-228600" algn="l" defTabSz="914400">
+              <a:lnSpc>
+                <a:spcPct val="90000"/>
+              </a:lnSpc>
+              <a:spcBef>
+                <a:spcPts val="499"/>
+              </a:spcBef>
+              <a:buFont typeface="Arial"/>
+              <a:buChar char="•"/>
+              <a:defRPr sz="1800">
+                <a:solidFill>
+                  <a:schemeClr val="tx1"/>
+                </a:solidFill>
+                <a:latin typeface="+mn-lt"/>
+                <a:ea typeface="+mn-ea"/>
+                <a:cs typeface="+mn-cs"/>
+              </a:defRPr>
+            </a:lvl7pPr>
+            <a:lvl8pPr marL="3429000" indent="-228600" algn="l" defTabSz="914400">
+              <a:lnSpc>
+                <a:spcPct val="90000"/>
+              </a:lnSpc>
+              <a:spcBef>
+                <a:spcPts val="499"/>
+              </a:spcBef>
+              <a:buFont typeface="Arial"/>
+              <a:buChar char="•"/>
+              <a:defRPr sz="1800">
+                <a:solidFill>
+                  <a:schemeClr val="tx1"/>
+                </a:solidFill>
+                <a:latin typeface="+mn-lt"/>
+                <a:ea typeface="+mn-ea"/>
+                <a:cs typeface="+mn-cs"/>
+              </a:defRPr>
+            </a:lvl8pPr>
+            <a:lvl9pPr marL="3886200" indent="-228600" algn="l" defTabSz="914400">
+              <a:lnSpc>
+                <a:spcPct val="90000"/>
+              </a:lnSpc>
+              <a:spcBef>
+                <a:spcPts val="499"/>
+              </a:spcBef>
+              <a:buFont typeface="Arial"/>
+              <a:buChar char="•"/>
+              <a:defRPr sz="1800">
+                <a:solidFill>
+                  <a:schemeClr val="tx1"/>
+                </a:solidFill>
+                <a:latin typeface="+mn-lt"/>
+                <a:ea typeface="+mn-ea"/>
+                <a:cs typeface="+mn-cs"/>
+              </a:defRPr>
+            </a:lvl9pPr>
+          </a:lstStyle>
+          <a:p>
+            <a:pPr marL="0" marR="0" lvl="0" indent="0" algn="l" defTabSz="914400" eaLnBrk="1" fontAlgn="auto" latinLnBrk="0" hangingPunct="1">
+              <a:lnSpc>
+                <a:spcPct val="110000"/>
+              </a:lnSpc>
+              <a:spcBef>
+                <a:spcPts val="999"/>
+              </a:spcBef>
+              <a:spcAft>
+                <a:spcPts val="0"/>
+              </a:spcAft>
+              <a:buClrTx/>
+              <a:buSzTx/>
+              <a:buFont typeface="Arial"/>
+              <a:buNone/>
+              <a:tabLst/>
+              <a:defRPr sz="1800">
+                <a:solidFill>
+                  <a:srgbClr val="000000"/>
+                </a:solidFill>
+              </a:defRPr>
+            </a:pPr>
+            <a:endParaRPr kumimoji="0" sz="1600" b="0" i="0" u="none" strike="noStrike" kern="0" cap="none" spc="0" normalizeH="0" baseline="0" noProof="0" dirty="0">
+              <a:ln>
+                <a:noFill/>
+              </a:ln>
+              <a:solidFill>
+                <a:srgbClr val="000000"/>
+              </a:solidFill>
+              <a:effectLst/>
+              <a:uLnTx/>
+              <a:uFillTx/>
+              <a:latin typeface="Bierstadt"/>
+              <a:cs typeface="Arial"/>
+            </a:endParaRPr>
+          </a:p>
+          <a:p>
+            <a:pPr marR="0" lvl="0" eaLnBrk="1" fontAlgn="auto" latinLnBrk="0" hangingPunct="1">
+              <a:lnSpc>
+                <a:spcPct val="111000"/>
+              </a:lnSpc>
+              <a:spcBef>
+                <a:spcPts val="999"/>
+              </a:spcBef>
+              <a:spcAft>
+                <a:spcPts val="0"/>
+              </a:spcAft>
+              <a:buClrTx/>
+              <a:buSzTx/>
+              <a:tabLst/>
+              <a:defRPr/>
+            </a:pPr>
+            <a:r>
+              <a:rPr lang="de-CH" sz="1900" dirty="0"/>
+              <a:t>114 Fälle mit </a:t>
+            </a:r>
+            <a:r>
+              <a:rPr lang="de-CH" sz="1900" b="1" dirty="0"/>
+              <a:t>fehlenden Werten des Kamerasystems</a:t>
+            </a:r>
+          </a:p>
+          <a:p>
+            <a:pPr lvl="1">
+              <a:lnSpc>
+                <a:spcPct val="111000"/>
+              </a:lnSpc>
+              <a:spcBef>
+                <a:spcPts val="999"/>
+              </a:spcBef>
+              <a:defRPr/>
+            </a:pPr>
+            <a:r>
+              <a:rPr lang="de-CH" sz="1700" dirty="0"/>
+              <a:t>Ersetzt durch den Modus</a:t>
+            </a:r>
+          </a:p>
+          <a:p>
+            <a:pPr lvl="1">
+              <a:lnSpc>
+                <a:spcPct val="111000"/>
+              </a:lnSpc>
+              <a:spcBef>
+                <a:spcPts val="999"/>
+              </a:spcBef>
+              <a:defRPr/>
+            </a:pPr>
+            <a:endParaRPr sz="1900" dirty="0"/>
+          </a:p>
+          <a:p>
+            <a:pPr lvl="0">
+              <a:lnSpc>
+                <a:spcPct val="111000"/>
+              </a:lnSpc>
+              <a:defRPr/>
+            </a:pPr>
+            <a:r>
+              <a:rPr lang="de-CH" sz="1900" dirty="0"/>
+              <a:t>Ein Fall mit mehreren fehlenden Spaltenwerten aufgrund fehlender Produkt-ID </a:t>
+            </a:r>
+            <a:r>
+              <a:rPr lang="de-DE" sz="2000" dirty="0"/>
+              <a:t>→  </a:t>
+            </a:r>
+            <a:r>
+              <a:rPr lang="de-CH" sz="1900" dirty="0"/>
+              <a:t>entfernt</a:t>
+            </a:r>
+          </a:p>
+          <a:p>
+            <a:pPr marR="0" lvl="1" eaLnBrk="1" fontAlgn="auto" latinLnBrk="0" hangingPunct="1">
+              <a:lnSpc>
+                <a:spcPct val="111000"/>
+              </a:lnSpc>
+              <a:spcBef>
+                <a:spcPts val="499"/>
+              </a:spcBef>
+              <a:spcAft>
+                <a:spcPts val="0"/>
+              </a:spcAft>
+              <a:buClrTx/>
+              <a:buSzTx/>
+              <a:tabLst/>
+              <a:defRPr/>
+            </a:pPr>
+            <a:endParaRPr sz="1900" dirty="0"/>
+          </a:p>
+          <a:p>
+            <a:pPr lvl="0">
+              <a:lnSpc>
+                <a:spcPct val="111000"/>
+              </a:lnSpc>
+              <a:defRPr/>
+            </a:pPr>
+            <a:r>
+              <a:rPr lang="de-CH" sz="1900" dirty="0"/>
+              <a:t>Da wir nur die klassifizierten Daten betrachten </a:t>
+            </a:r>
+            <a:r>
+              <a:rPr lang="de-DE" sz="2000" dirty="0"/>
+              <a:t>→ </a:t>
+            </a:r>
+            <a:r>
+              <a:rPr lang="de-DE" sz="2000" b="1" dirty="0"/>
+              <a:t>keine Veränderung der nicht-klassifizierten Daten</a:t>
+            </a:r>
+            <a:endParaRPr sz="1900" b="1" dirty="0"/>
+          </a:p>
+        </p:txBody>
+      </p:sp>
+    </p:spTree>
+    <p:extLst>
+      <p:ext uri="{BB962C8B-B14F-4D97-AF65-F5344CB8AC3E}">
+        <p14:creationId xmlns:p14="http://schemas.microsoft.com/office/powerpoint/2010/main" val="280535437"/>
+      </p:ext>
+    </p:extLst>
+  </p:cSld>
+  <p:clrMapOvr>
+    <a:masterClrMapping/>
+  </p:clrMapOvr>
+</p:sld>
+</file>
+
+<file path=ppt/slides/slide24.xml><?xml version="1.0" encoding="utf-8"?>
+<p:sld xmlns:a="http://schemas.openxmlformats.org/drawingml/2006/main" xmlns:r="http://schemas.openxmlformats.org/officeDocument/2006/relationships" xmlns:p="http://schemas.openxmlformats.org/presentationml/2006/main" showMasterPhAnim="0">
+  <p:cSld>
+    <p:spTree>
+      <p:nvGrpSpPr>
+        <p:cNvPr id="1" name="">
+          <a:extLst>
+            <a:ext uri="{FF2B5EF4-FFF2-40B4-BE49-F238E27FC236}">
+              <a16:creationId xmlns:a16="http://schemas.microsoft.com/office/drawing/2014/main" id="{13783D9D-38F6-9631-21C7-B417F3E0C896}"/>
+            </a:ext>
+          </a:extLst>
+        </p:cNvPr>
+        <p:cNvGrpSpPr/>
+        <p:nvPr/>
+      </p:nvGrpSpPr>
+      <p:grpSpPr bwMode="auto">
+        <a:xfrm>
+          <a:off x="0" y="0"/>
+          <a:ext cx="0" cy="0"/>
+          <a:chOff x="0" y="0"/>
+          <a:chExt cx="0" cy="0"/>
+        </a:xfrm>
+      </p:grpSpPr>
+      <p:sp>
+        <p:nvSpPr>
+          <p:cNvPr id="998545421" name="Content Placeholder 2">
+            <a:extLst>
+              <a:ext uri="{FF2B5EF4-FFF2-40B4-BE49-F238E27FC236}">
+                <a16:creationId xmlns:a16="http://schemas.microsoft.com/office/drawing/2014/main" id="{3B35FDCB-EF3A-D4F3-5851-84C679EBE720}"/>
+              </a:ext>
+            </a:extLst>
+          </p:cNvPr>
+          <p:cNvSpPr>
+            <a:spLocks noGrp="1"/>
+          </p:cNvSpPr>
+          <p:nvPr>
+            <p:ph idx="1"/>
+          </p:nvPr>
+        </p:nvSpPr>
+        <p:spPr bwMode="auto">
+          <a:xfrm>
+            <a:off x="521208" y="2569555"/>
+            <a:ext cx="11155680" cy="3767328"/>
+          </a:xfrm>
+        </p:spPr>
+        <p:txBody>
+          <a:bodyPr/>
+          <a:lstStyle/>
+          <a:p>
+            <a:pPr>
+              <a:defRPr/>
+            </a:pPr>
+            <a:endParaRPr dirty="0"/>
+          </a:p>
+          <a:p>
+            <a:pPr>
+              <a:defRPr sz="1800">
+                <a:solidFill>
+                  <a:srgbClr val="000000"/>
+                </a:solidFill>
+              </a:defRPr>
+            </a:pPr>
+            <a:endParaRPr dirty="0"/>
+          </a:p>
+        </p:txBody>
+      </p:sp>
+      <p:sp>
+        <p:nvSpPr>
+          <p:cNvPr id="3" name="Titel 2">
+            <a:extLst>
+              <a:ext uri="{FF2B5EF4-FFF2-40B4-BE49-F238E27FC236}">
+                <a16:creationId xmlns:a16="http://schemas.microsoft.com/office/drawing/2014/main" id="{598BF239-745A-BB51-E4AE-C64CB7D0BD1D}"/>
+              </a:ext>
+            </a:extLst>
+          </p:cNvPr>
+          <p:cNvSpPr>
+            <a:spLocks noGrp="1"/>
+          </p:cNvSpPr>
+          <p:nvPr>
+            <p:ph type="title"/>
+          </p:nvPr>
+        </p:nvSpPr>
+        <p:spPr/>
+        <p:txBody>
+          <a:bodyPr/>
+          <a:lstStyle/>
+          <a:p>
+            <a:r>
+              <a:rPr lang="de-DE" dirty="0"/>
+              <a:t>Ab hier: </a:t>
+            </a:r>
+            <a:r>
+              <a:rPr lang="de-DE" dirty="0" err="1"/>
+              <a:t>Rapahael</a:t>
+            </a:r>
+            <a:endParaRPr lang="de-DE" dirty="0"/>
+          </a:p>
+        </p:txBody>
+      </p:sp>
+    </p:spTree>
+    <p:extLst>
+      <p:ext uri="{BB962C8B-B14F-4D97-AF65-F5344CB8AC3E}">
+        <p14:creationId xmlns:p14="http://schemas.microsoft.com/office/powerpoint/2010/main" val="1823346686"/>
+      </p:ext>
+    </p:extLst>
+  </p:cSld>
+  <p:clrMapOvr>
+    <a:masterClrMapping/>
+  </p:clrMapOvr>
+</p:sld>
+</file>
+
+<file path=ppt/slides/slide25.xml><?xml version="1.0" encoding="utf-8"?>
+<p:sld xmlns:a="http://schemas.openxmlformats.org/drawingml/2006/main" xmlns:r="http://schemas.openxmlformats.org/officeDocument/2006/relationships" xmlns:p="http://schemas.openxmlformats.org/presentationml/2006/main" showMasterPhAnim="0">
+  <p:cSld>
+    <p:spTree>
+      <p:nvGrpSpPr>
+        <p:cNvPr id="1" name="">
+          <a:extLst>
+            <a:ext uri="{FF2B5EF4-FFF2-40B4-BE49-F238E27FC236}">
+              <a16:creationId xmlns:a16="http://schemas.microsoft.com/office/drawing/2014/main" id="{61B6BD64-33CA-5643-0E04-577423542800}"/>
+            </a:ext>
+          </a:extLst>
+        </p:cNvPr>
+        <p:cNvGrpSpPr/>
+        <p:nvPr/>
+      </p:nvGrpSpPr>
+      <p:grpSpPr bwMode="auto">
+        <a:xfrm>
+          <a:off x="0" y="0"/>
+          <a:ext cx="0" cy="0"/>
+          <a:chOff x="0" y="0"/>
+          <a:chExt cx="0" cy="0"/>
+        </a:xfrm>
+      </p:grpSpPr>
+      <p:sp>
+        <p:nvSpPr>
+          <p:cNvPr id="1770641224" name="Title 1">
+            <a:extLst>
+              <a:ext uri="{FF2B5EF4-FFF2-40B4-BE49-F238E27FC236}">
+                <a16:creationId xmlns:a16="http://schemas.microsoft.com/office/drawing/2014/main" id="{156DA3FC-6D27-D038-3D20-1FCA02758375}"/>
+              </a:ext>
+            </a:extLst>
+          </p:cNvPr>
+          <p:cNvSpPr>
+            <a:spLocks noGrp="1"/>
+          </p:cNvSpPr>
+          <p:nvPr>
+            <p:ph type="title"/>
+          </p:nvPr>
+        </p:nvSpPr>
+        <p:spPr bwMode="auto"/>
+        <p:txBody>
+          <a:bodyPr/>
+          <a:lstStyle/>
+          <a:p>
+            <a:pPr>
+              <a:defRPr/>
+            </a:pPr>
+            <a:r>
+              <a:rPr lang="de-CH" sz="4400" b="1" i="0" u="none" strike="noStrike" cap="none" spc="0" dirty="0">
+                <a:solidFill>
+                  <a:schemeClr val="tx1"/>
+                </a:solidFill>
+                <a:latin typeface="Bierstadt"/>
+                <a:ea typeface="Bierstadt"/>
+                <a:cs typeface="Bierstadt"/>
+              </a:rPr>
+              <a:t>Übersicht</a:t>
+            </a:r>
+            <a:endParaRPr dirty="0"/>
+          </a:p>
+        </p:txBody>
+      </p:sp>
+      <p:sp>
+        <p:nvSpPr>
+          <p:cNvPr id="998545421" name="Content Placeholder 2">
+            <a:extLst>
+              <a:ext uri="{FF2B5EF4-FFF2-40B4-BE49-F238E27FC236}">
+                <a16:creationId xmlns:a16="http://schemas.microsoft.com/office/drawing/2014/main" id="{E9C6BCE2-0880-9C1C-B024-D6B7ABE0864B}"/>
+              </a:ext>
+            </a:extLst>
+          </p:cNvPr>
+          <p:cNvSpPr>
+            <a:spLocks noGrp="1"/>
+          </p:cNvSpPr>
+          <p:nvPr>
+            <p:ph idx="1"/>
+          </p:nvPr>
+        </p:nvSpPr>
+        <p:spPr bwMode="auto">
+          <a:xfrm>
+            <a:off x="521208" y="2569555"/>
+            <a:ext cx="11155680" cy="3767328"/>
+          </a:xfrm>
+        </p:spPr>
+        <p:txBody>
+          <a:bodyPr/>
+          <a:lstStyle/>
+          <a:p>
+            <a:pPr>
+              <a:defRPr/>
+            </a:pPr>
+            <a:endParaRPr dirty="0"/>
+          </a:p>
+          <a:p>
+            <a:pPr>
+              <a:defRPr sz="1800">
+                <a:solidFill>
+                  <a:srgbClr val="000000"/>
+                </a:solidFill>
+              </a:defRPr>
+            </a:pPr>
+            <a:endParaRPr dirty="0"/>
+          </a:p>
+        </p:txBody>
+      </p:sp>
+      <p:sp>
+        <p:nvSpPr>
+          <p:cNvPr id="2147178039" name="Content Placeholder 2">
+            <a:extLst>
+              <a:ext uri="{FF2B5EF4-FFF2-40B4-BE49-F238E27FC236}">
+                <a16:creationId xmlns:a16="http://schemas.microsoft.com/office/drawing/2014/main" id="{9C8674D6-C4C5-5A4A-83E4-84A3A3B7EBD5}"/>
+              </a:ext>
+            </a:extLst>
+          </p:cNvPr>
+          <p:cNvSpPr>
+            <a:spLocks noGrp="1"/>
+          </p:cNvSpPr>
+          <p:nvPr/>
+        </p:nvSpPr>
+        <p:spPr bwMode="auto">
+          <a:xfrm>
+            <a:off x="592205" y="1842988"/>
+            <a:ext cx="11155680" cy="3767328"/>
+          </a:xfrm>
+        </p:spPr>
+        <p:txBody>
+          <a:bodyPr vertOverflow="overflow" horzOverflow="overflow" vert="horz" wrap="square" lIns="91440" tIns="45720" rIns="91440" bIns="45720" numCol="1" spcCol="0" rtlCol="0" fromWordArt="0" anchor="t" anchorCtr="0" forceAA="0" compatLnSpc="0">
+            <a:normAutofit fontScale="95000" lnSpcReduction="1000"/>
+          </a:bodyPr>
+          <a:lstStyle>
+            <a:lvl1pPr marL="228600" indent="-228600" algn="l" defTabSz="914400">
+              <a:lnSpc>
+                <a:spcPct val="110000"/>
+              </a:lnSpc>
+              <a:spcBef>
+                <a:spcPts val="999"/>
+              </a:spcBef>
+              <a:buFont typeface="Arial"/>
+              <a:buChar char="•"/>
+              <a:defRPr sz="1800">
+                <a:solidFill>
+                  <a:schemeClr val="tx1"/>
+                </a:solidFill>
+                <a:latin typeface="+mn-lt"/>
+                <a:ea typeface="+mn-ea"/>
+                <a:cs typeface="+mn-cs"/>
+              </a:defRPr>
+            </a:lvl1pPr>
+            <a:lvl2pPr marL="685800" indent="-228600" algn="l" defTabSz="914400">
+              <a:lnSpc>
+                <a:spcPct val="110000"/>
+              </a:lnSpc>
+              <a:spcBef>
+                <a:spcPts val="499"/>
+              </a:spcBef>
+              <a:buFont typeface="Arial"/>
+              <a:buChar char="•"/>
+              <a:defRPr sz="1600">
+                <a:solidFill>
+                  <a:schemeClr val="tx1"/>
+                </a:solidFill>
+                <a:latin typeface="+mn-lt"/>
+                <a:ea typeface="+mn-ea"/>
+                <a:cs typeface="+mn-cs"/>
+              </a:defRPr>
+            </a:lvl2pPr>
+            <a:lvl3pPr marL="1143000" indent="-228600" algn="l" defTabSz="914400">
+              <a:lnSpc>
+                <a:spcPct val="110000"/>
+              </a:lnSpc>
+              <a:spcBef>
+                <a:spcPts val="499"/>
+              </a:spcBef>
+              <a:buFont typeface="Arial"/>
+              <a:buChar char="•"/>
+              <a:defRPr sz="1400">
+                <a:solidFill>
+                  <a:schemeClr val="tx1"/>
+                </a:solidFill>
+                <a:latin typeface="+mn-lt"/>
+                <a:ea typeface="+mn-ea"/>
+                <a:cs typeface="+mn-cs"/>
+              </a:defRPr>
+            </a:lvl3pPr>
+            <a:lvl4pPr marL="1600200" indent="-228600" algn="l" defTabSz="914400">
+              <a:lnSpc>
+                <a:spcPct val="110000"/>
+              </a:lnSpc>
+              <a:spcBef>
+                <a:spcPts val="499"/>
+              </a:spcBef>
+              <a:buFont typeface="Arial"/>
+              <a:buChar char="•"/>
+              <a:defRPr sz="1200">
+                <a:solidFill>
+                  <a:schemeClr val="tx1"/>
+                </a:solidFill>
+                <a:latin typeface="+mn-lt"/>
+                <a:ea typeface="+mn-ea"/>
+                <a:cs typeface="+mn-cs"/>
+              </a:defRPr>
+            </a:lvl4pPr>
+            <a:lvl5pPr marL="2057400" indent="-228600" algn="l" defTabSz="914400">
+              <a:lnSpc>
+                <a:spcPct val="110000"/>
+              </a:lnSpc>
+              <a:spcBef>
+                <a:spcPts val="499"/>
+              </a:spcBef>
+              <a:buFont typeface="Arial"/>
+              <a:buChar char="•"/>
+              <a:defRPr sz="1200">
+                <a:solidFill>
+                  <a:schemeClr val="tx1"/>
+                </a:solidFill>
+                <a:latin typeface="+mn-lt"/>
+                <a:ea typeface="+mn-ea"/>
+                <a:cs typeface="+mn-cs"/>
+              </a:defRPr>
+            </a:lvl5pPr>
+            <a:lvl6pPr marL="2514599" indent="-228600" algn="l" defTabSz="914400">
+              <a:lnSpc>
+                <a:spcPct val="90000"/>
+              </a:lnSpc>
+              <a:spcBef>
+                <a:spcPts val="499"/>
+              </a:spcBef>
+              <a:buFont typeface="Arial"/>
+              <a:buChar char="•"/>
+              <a:defRPr sz="1800">
+                <a:solidFill>
+                  <a:schemeClr val="tx1"/>
+                </a:solidFill>
+                <a:latin typeface="+mn-lt"/>
+                <a:ea typeface="+mn-ea"/>
+                <a:cs typeface="+mn-cs"/>
+              </a:defRPr>
+            </a:lvl6pPr>
+            <a:lvl7pPr marL="2971800" indent="-228600" algn="l" defTabSz="914400">
+              <a:lnSpc>
+                <a:spcPct val="90000"/>
+              </a:lnSpc>
+              <a:spcBef>
+                <a:spcPts val="499"/>
+              </a:spcBef>
+              <a:buFont typeface="Arial"/>
+              <a:buChar char="•"/>
+              <a:defRPr sz="1800">
+                <a:solidFill>
+                  <a:schemeClr val="tx1"/>
+                </a:solidFill>
+                <a:latin typeface="+mn-lt"/>
+                <a:ea typeface="+mn-ea"/>
+                <a:cs typeface="+mn-cs"/>
+              </a:defRPr>
+            </a:lvl7pPr>
+            <a:lvl8pPr marL="3429000" indent="-228600" algn="l" defTabSz="914400">
+              <a:lnSpc>
+                <a:spcPct val="90000"/>
+              </a:lnSpc>
+              <a:spcBef>
+                <a:spcPts val="499"/>
+              </a:spcBef>
+              <a:buFont typeface="Arial"/>
+              <a:buChar char="•"/>
+              <a:defRPr sz="1800">
+                <a:solidFill>
+                  <a:schemeClr val="tx1"/>
+                </a:solidFill>
+                <a:latin typeface="+mn-lt"/>
+                <a:ea typeface="+mn-ea"/>
+                <a:cs typeface="+mn-cs"/>
+              </a:defRPr>
+            </a:lvl8pPr>
+            <a:lvl9pPr marL="3886200" indent="-228600" algn="l" defTabSz="914400">
+              <a:lnSpc>
+                <a:spcPct val="90000"/>
+              </a:lnSpc>
+              <a:spcBef>
+                <a:spcPts val="499"/>
+              </a:spcBef>
+              <a:buFont typeface="Arial"/>
+              <a:buChar char="•"/>
+              <a:defRPr sz="1800">
+                <a:solidFill>
+                  <a:schemeClr val="tx1"/>
+                </a:solidFill>
+                <a:latin typeface="+mn-lt"/>
+                <a:ea typeface="+mn-ea"/>
+                <a:cs typeface="+mn-cs"/>
+              </a:defRPr>
+            </a:lvl9pPr>
+          </a:lstStyle>
+          <a:p>
+            <a:pPr marL="0" marR="0" lvl="0" indent="0" algn="l" defTabSz="914400" eaLnBrk="1" fontAlgn="auto" latinLnBrk="0" hangingPunct="1">
+              <a:lnSpc>
+                <a:spcPct val="110000"/>
+              </a:lnSpc>
+              <a:spcBef>
+                <a:spcPts val="999"/>
+              </a:spcBef>
+              <a:spcAft>
+                <a:spcPts val="0"/>
+              </a:spcAft>
+              <a:buClrTx/>
+              <a:buSzTx/>
+              <a:buFont typeface="Arial"/>
+              <a:buNone/>
+              <a:tabLst/>
+              <a:defRPr sz="1800">
+                <a:solidFill>
+                  <a:srgbClr val="000000"/>
+                </a:solidFill>
+              </a:defRPr>
+            </a:pPr>
+            <a:endParaRPr kumimoji="0" sz="1600" b="0" i="0" u="none" strike="noStrike" kern="0" cap="none" spc="0" normalizeH="0" baseline="0" noProof="0" dirty="0">
+              <a:ln>
+                <a:noFill/>
+              </a:ln>
+              <a:solidFill>
+                <a:srgbClr val="000000"/>
+              </a:solidFill>
+              <a:effectLst/>
+              <a:uLnTx/>
+              <a:uFillTx/>
+              <a:latin typeface="Bierstadt"/>
+              <a:cs typeface="Arial"/>
+            </a:endParaRPr>
+          </a:p>
+          <a:p>
+            <a:pPr marR="0" lvl="0" eaLnBrk="1" fontAlgn="auto" latinLnBrk="0" hangingPunct="1">
+              <a:lnSpc>
+                <a:spcPct val="111000"/>
+              </a:lnSpc>
+              <a:spcBef>
+                <a:spcPts val="999"/>
+              </a:spcBef>
+              <a:spcAft>
+                <a:spcPts val="0"/>
+              </a:spcAft>
+              <a:buClrTx/>
+              <a:buSzTx/>
+              <a:tabLst/>
+              <a:defRPr/>
+            </a:pPr>
+            <a:r>
+              <a:rPr lang="de-DE" sz="1900" dirty="0"/>
+              <a:t>4 Schritte in der explorativen Datenanalyse:</a:t>
+            </a:r>
+          </a:p>
+          <a:p>
+            <a:pPr lvl="1">
+              <a:lnSpc>
+                <a:spcPct val="111000"/>
+              </a:lnSpc>
+              <a:spcBef>
+                <a:spcPts val="999"/>
+              </a:spcBef>
+              <a:defRPr/>
+            </a:pPr>
+            <a:r>
+              <a:rPr lang="de-DE" b="1" dirty="0"/>
+              <a:t>Verteilungsanalyse </a:t>
+            </a:r>
+            <a:r>
+              <a:rPr lang="de-DE" dirty="0"/>
+              <a:t>und Ausreißer </a:t>
+            </a:r>
+            <a:r>
+              <a:rPr lang="de-DE" b="1" dirty="0"/>
+              <a:t>numerischer</a:t>
+            </a:r>
+            <a:r>
+              <a:rPr lang="de-DE" dirty="0"/>
+              <a:t> Attribute</a:t>
+            </a:r>
+          </a:p>
+          <a:p>
+            <a:pPr lvl="1">
+              <a:lnSpc>
+                <a:spcPct val="111000"/>
+              </a:lnSpc>
+              <a:spcBef>
+                <a:spcPts val="999"/>
+              </a:spcBef>
+              <a:defRPr/>
+            </a:pPr>
+            <a:r>
+              <a:rPr lang="de-DE" dirty="0"/>
+              <a:t>Analyse</a:t>
+            </a:r>
+            <a:r>
+              <a:rPr lang="de-DE" b="1" dirty="0"/>
+              <a:t> kategorialer Attribute</a:t>
+            </a:r>
+            <a:endParaRPr lang="de-DE" dirty="0"/>
+          </a:p>
+          <a:p>
+            <a:pPr lvl="1">
+              <a:lnSpc>
+                <a:spcPct val="111000"/>
+              </a:lnSpc>
+              <a:spcBef>
+                <a:spcPts val="999"/>
+              </a:spcBef>
+              <a:defRPr/>
+            </a:pPr>
+            <a:r>
+              <a:rPr lang="de-DE" b="1" dirty="0"/>
+              <a:t>Nichtlineare Zusammenhänge </a:t>
+            </a:r>
+            <a:r>
+              <a:rPr lang="de-DE" dirty="0"/>
+              <a:t>zwischen Attributen und Schadenshöhe</a:t>
+            </a:r>
+          </a:p>
+          <a:p>
+            <a:pPr lvl="1">
+              <a:lnSpc>
+                <a:spcPct val="111000"/>
+              </a:lnSpc>
+              <a:spcBef>
+                <a:spcPts val="999"/>
+              </a:spcBef>
+              <a:defRPr/>
+            </a:pPr>
+            <a:r>
+              <a:rPr lang="de-DE" b="1" dirty="0"/>
+              <a:t>Regressionsmodellierung</a:t>
+            </a:r>
+            <a:endParaRPr lang="de-DE" dirty="0"/>
+          </a:p>
+        </p:txBody>
+      </p:sp>
+    </p:spTree>
+    <p:extLst>
+      <p:ext uri="{BB962C8B-B14F-4D97-AF65-F5344CB8AC3E}">
+        <p14:creationId xmlns:p14="http://schemas.microsoft.com/office/powerpoint/2010/main" val="3293692722"/>
+      </p:ext>
+    </p:extLst>
+  </p:cSld>
+  <p:clrMapOvr>
+    <a:masterClrMapping/>
+  </p:clrMapOvr>
+</p:sld>
+</file>
+
+<file path=ppt/slides/slide26.xml><?xml version="1.0" encoding="utf-8"?>
 <p:sld xmlns:a="http://schemas.openxmlformats.org/drawingml/2006/main" xmlns:r="http://schemas.openxmlformats.org/officeDocument/2006/relationships" xmlns:p="http://schemas.openxmlformats.org/presentationml/2006/main">
   <p:cSld>
     <p:spTree>
@@ -15852,7 +17858,7 @@
 </p:sld>
 </file>
 
-<file path=ppt/slides/slide22.xml><?xml version="1.0" encoding="utf-8"?>
+<file path=ppt/slides/slide27.xml><?xml version="1.0" encoding="utf-8"?>
 <p:sld xmlns:a="http://schemas.openxmlformats.org/drawingml/2006/main" xmlns:r="http://schemas.openxmlformats.org/officeDocument/2006/relationships" xmlns:p="http://schemas.openxmlformats.org/presentationml/2006/main">
   <p:cSld>
     <p:spTree>
@@ -16275,1765 +18281,6 @@
     <p:extLst>
       <p:ext uri="{BB962C8B-B14F-4D97-AF65-F5344CB8AC3E}">
         <p14:creationId xmlns:p14="http://schemas.microsoft.com/office/powerpoint/2010/main" val="2499297123"/>
-      </p:ext>
-    </p:extLst>
-  </p:cSld>
-  <p:clrMapOvr>
-    <a:masterClrMapping/>
-  </p:clrMapOvr>
-</p:sld>
-</file>
-
-<file path=ppt/slides/slide23.xml><?xml version="1.0" encoding="utf-8"?>
-<p:sld xmlns:a="http://schemas.openxmlformats.org/drawingml/2006/main" xmlns:r="http://schemas.openxmlformats.org/officeDocument/2006/relationships" xmlns:p="http://schemas.openxmlformats.org/presentationml/2006/main" showMasterPhAnim="0">
-  <p:cSld>
-    <p:spTree>
-      <p:nvGrpSpPr>
-        <p:cNvPr id="1" name=""/>
-        <p:cNvGrpSpPr/>
-        <p:nvPr/>
-      </p:nvGrpSpPr>
-      <p:grpSpPr bwMode="auto">
-        <a:xfrm>
-          <a:off x="0" y="0"/>
-          <a:ext cx="0" cy="0"/>
-          <a:chOff x="0" y="0"/>
-          <a:chExt cx="0" cy="0"/>
-        </a:xfrm>
-      </p:grpSpPr>
-      <p:sp>
-        <p:nvSpPr>
-          <p:cNvPr id="1119884738" name="Title 1"/>
-          <p:cNvSpPr>
-            <a:spLocks noGrp="1"/>
-          </p:cNvSpPr>
-          <p:nvPr>
-            <p:ph type="title"/>
-          </p:nvPr>
-        </p:nvSpPr>
-        <p:spPr bwMode="auto"/>
-        <p:txBody>
-          <a:bodyPr/>
-          <a:lstStyle/>
-          <a:p>
-            <a:pPr>
-              <a:defRPr/>
-            </a:pPr>
-            <a:r>
-              <a:rPr lang="de-DE" dirty="0"/>
-              <a:t>Transformation der Daten</a:t>
-            </a:r>
-            <a:endParaRPr dirty="0"/>
-          </a:p>
-        </p:txBody>
-      </p:sp>
-      <p:sp>
-        <p:nvSpPr>
-          <p:cNvPr id="701458849" name="Content Placeholder 2"/>
-          <p:cNvSpPr>
-            <a:spLocks noGrp="1"/>
-          </p:cNvSpPr>
-          <p:nvPr>
-            <p:ph idx="1"/>
-          </p:nvPr>
-        </p:nvSpPr>
-        <p:spPr bwMode="auto">
-          <a:xfrm>
-            <a:off x="518160" y="2112264"/>
-            <a:ext cx="11155680" cy="3767328"/>
-          </a:xfrm>
-        </p:spPr>
-        <p:txBody>
-          <a:bodyPr>
-            <a:normAutofit lnSpcReduction="10000"/>
-          </a:bodyPr>
-          <a:lstStyle/>
-          <a:p>
-            <a:pPr>
-              <a:defRPr/>
-            </a:pPr>
-            <a:r>
-              <a:rPr lang="de-CH" sz="1800" b="0" i="0" u="none" strike="noStrike" cap="none" spc="0" dirty="0">
-                <a:solidFill>
-                  <a:schemeClr val="tx1"/>
-                </a:solidFill>
-                <a:latin typeface="Bierstadt"/>
-                <a:cs typeface="Bierstadt"/>
-              </a:rPr>
-              <a:t>4 Datentabellen Tabellen in </a:t>
-            </a:r>
-            <a:r>
-              <a:rPr lang="de-CH" sz="1800" b="1" i="0" u="none" strike="noStrike" cap="none" spc="0" dirty="0">
-                <a:solidFill>
-                  <a:schemeClr val="tx1"/>
-                </a:solidFill>
-                <a:latin typeface="Bierstadt"/>
-                <a:cs typeface="Bierstadt"/>
-              </a:rPr>
-              <a:t>eine einzige Datentabelle </a:t>
-            </a:r>
-            <a:r>
-              <a:rPr lang="de-CH" sz="1800" b="0" i="0" u="none" strike="noStrike" cap="none" spc="0" dirty="0">
-                <a:solidFill>
-                  <a:schemeClr val="tx1"/>
-                </a:solidFill>
-                <a:latin typeface="Bierstadt"/>
-                <a:cs typeface="Bierstadt"/>
-              </a:rPr>
-              <a:t>überführt</a:t>
-            </a:r>
-          </a:p>
-          <a:p>
-            <a:pPr>
-              <a:defRPr/>
-            </a:pPr>
-            <a:endParaRPr lang="de-DE" sz="1800" b="0" i="0" u="none" strike="noStrike" cap="none" spc="0" dirty="0">
-              <a:solidFill>
-                <a:schemeClr val="tx1"/>
-              </a:solidFill>
-              <a:latin typeface="Bierstadt"/>
-              <a:cs typeface="Bierstadt"/>
-            </a:endParaRPr>
-          </a:p>
-          <a:p>
-            <a:pPr>
-              <a:defRPr/>
-            </a:pPr>
-            <a:r>
-              <a:rPr lang="de-DE" sz="1800" b="0" i="0" u="none" strike="noStrike" cap="none" spc="0" dirty="0">
-                <a:solidFill>
-                  <a:schemeClr val="tx1"/>
-                </a:solidFill>
-                <a:latin typeface="Bierstadt"/>
-                <a:ea typeface="Bierstadt"/>
-                <a:cs typeface="Bierstadt"/>
-              </a:rPr>
-              <a:t>Relevante Transaktions- und Artikeldaten extrahiert</a:t>
-            </a:r>
-            <a:r>
-              <a:rPr lang="de-CH" sz="1800" b="0" i="0" u="none" strike="noStrike" cap="none" spc="0" dirty="0">
-                <a:solidFill>
-                  <a:schemeClr val="tx1"/>
-                </a:solidFill>
-                <a:latin typeface="Bierstadt"/>
-                <a:cs typeface="Bierstadt"/>
-              </a:rPr>
-              <a:t> bzw. berechnet</a:t>
-            </a:r>
-          </a:p>
-          <a:p>
-            <a:pPr>
-              <a:defRPr/>
-            </a:pPr>
-            <a:endParaRPr lang="de-CH" sz="1800" b="0" i="0" u="none" strike="noStrike" cap="none" spc="0" dirty="0">
-              <a:solidFill>
-                <a:schemeClr val="tx1"/>
-              </a:solidFill>
-              <a:latin typeface="Bierstadt"/>
-              <a:cs typeface="Bierstadt"/>
-            </a:endParaRPr>
-          </a:p>
-          <a:p>
-            <a:pPr>
-              <a:defRPr/>
-            </a:pPr>
-            <a:r>
-              <a:rPr lang="de-DE" sz="1800" b="0" i="0" u="none" strike="noStrike" cap="none" spc="0" dirty="0">
-                <a:solidFill>
-                  <a:schemeClr val="tx1"/>
-                </a:solidFill>
-                <a:latin typeface="Bierstadt"/>
-                <a:ea typeface="Bierstadt"/>
-                <a:cs typeface="Bierstadt"/>
-              </a:rPr>
-              <a:t>Formatbereinigung und Überführung in analysierbare Tabellenstruktur</a:t>
-            </a:r>
-          </a:p>
-          <a:p>
-            <a:pPr>
-              <a:defRPr/>
-            </a:pPr>
-            <a:endParaRPr lang="de-DE" sz="1800" b="0" i="0" u="none" strike="noStrike" cap="none" spc="0" dirty="0">
-              <a:solidFill>
-                <a:schemeClr val="tx1"/>
-              </a:solidFill>
-              <a:latin typeface="Bierstadt"/>
-              <a:ea typeface="Bierstadt"/>
-              <a:cs typeface="Bierstadt"/>
-            </a:endParaRPr>
-          </a:p>
-          <a:p>
-            <a:pPr>
-              <a:defRPr/>
-            </a:pPr>
-            <a:r>
-              <a:rPr lang="de-DE" sz="1800" b="1" i="0" u="none" strike="noStrike" cap="none" spc="0" dirty="0">
-                <a:solidFill>
-                  <a:schemeClr val="tx1"/>
-                </a:solidFill>
-                <a:latin typeface="Bierstadt"/>
-                <a:ea typeface="Bierstadt"/>
-                <a:cs typeface="Bierstadt"/>
-              </a:rPr>
-              <a:t>Pro Transaktion eine Zeile </a:t>
-            </a:r>
-            <a:r>
-              <a:rPr lang="de-DE" sz="1800" b="0" i="0" u="none" strike="noStrike" cap="none" spc="0" dirty="0">
-                <a:solidFill>
-                  <a:schemeClr val="tx1"/>
-                </a:solidFill>
-                <a:latin typeface="Bierstadt"/>
-                <a:ea typeface="Bierstadt"/>
-                <a:cs typeface="Bierstadt"/>
-              </a:rPr>
-              <a:t>erzeugt</a:t>
-            </a:r>
-          </a:p>
-          <a:p>
-            <a:pPr>
-              <a:defRPr/>
-            </a:pPr>
-            <a:endParaRPr lang="de-DE" sz="1800" b="0" i="0" u="none" strike="noStrike" cap="none" spc="0" dirty="0">
-              <a:solidFill>
-                <a:schemeClr val="tx1"/>
-              </a:solidFill>
-              <a:latin typeface="Bierstadt"/>
-              <a:cs typeface="Bierstadt"/>
-            </a:endParaRPr>
-          </a:p>
-          <a:p>
-            <a:pPr>
-              <a:defRPr/>
-            </a:pPr>
-            <a:r>
-              <a:rPr lang="de-DE" sz="1800" b="0" i="0" u="none" strike="noStrike" cap="none" spc="0" dirty="0">
-                <a:solidFill>
-                  <a:schemeClr val="tx1"/>
-                </a:solidFill>
-                <a:latin typeface="Bierstadt"/>
-                <a:ea typeface="Bierstadt"/>
-                <a:cs typeface="Bierstadt"/>
-              </a:rPr>
-              <a:t>Artikelpositionen je Transaktion </a:t>
-            </a:r>
-            <a:r>
-              <a:rPr lang="de-DE" sz="1800" b="1" i="0" u="none" strike="noStrike" cap="none" spc="0" dirty="0">
-                <a:solidFill>
-                  <a:schemeClr val="tx1"/>
-                </a:solidFill>
-                <a:latin typeface="Bierstadt"/>
-                <a:ea typeface="Bierstadt"/>
-                <a:cs typeface="Bierstadt"/>
-              </a:rPr>
-              <a:t>zu Merkmalen aggregiert</a:t>
-            </a:r>
-            <a:endParaRPr b="1" dirty="0"/>
-          </a:p>
-        </p:txBody>
-      </p:sp>
-    </p:spTree>
-  </p:cSld>
-  <p:clrMapOvr>
-    <a:masterClrMapping/>
-  </p:clrMapOvr>
-</p:sld>
-</file>
-
-<file path=ppt/slides/slide24.xml><?xml version="1.0" encoding="utf-8"?>
-<p:sld xmlns:a="http://schemas.openxmlformats.org/drawingml/2006/main" xmlns:r="http://schemas.openxmlformats.org/officeDocument/2006/relationships" xmlns:p="http://schemas.openxmlformats.org/presentationml/2006/main" showMasterPhAnim="0">
-  <p:cSld>
-    <p:spTree>
-      <p:nvGrpSpPr>
-        <p:cNvPr id="1" name=""/>
-        <p:cNvGrpSpPr/>
-        <p:nvPr/>
-      </p:nvGrpSpPr>
-      <p:grpSpPr bwMode="auto">
-        <a:xfrm>
-          <a:off x="0" y="0"/>
-          <a:ext cx="0" cy="0"/>
-          <a:chOff x="0" y="0"/>
-          <a:chExt cx="0" cy="0"/>
-        </a:xfrm>
-      </p:grpSpPr>
-      <p:sp>
-        <p:nvSpPr>
-          <p:cNvPr id="1156514672" name="Title 1"/>
-          <p:cNvSpPr>
-            <a:spLocks noGrp="1"/>
-          </p:cNvSpPr>
-          <p:nvPr>
-            <p:ph type="title"/>
-          </p:nvPr>
-        </p:nvSpPr>
-        <p:spPr bwMode="auto"/>
-        <p:txBody>
-          <a:bodyPr/>
-          <a:lstStyle/>
-          <a:p>
-            <a:pPr>
-              <a:defRPr/>
-            </a:pPr>
-            <a:r>
-              <a:rPr lang="de-CH" sz="4400" b="1" i="0" u="none" strike="noStrike" cap="none" spc="0" dirty="0">
-                <a:solidFill>
-                  <a:schemeClr val="tx1"/>
-                </a:solidFill>
-                <a:latin typeface="Bierstadt"/>
-                <a:ea typeface="Bierstadt"/>
-                <a:cs typeface="Bierstadt"/>
-              </a:rPr>
-              <a:t>Aggregation der Daten</a:t>
-            </a:r>
-            <a:endParaRPr dirty="0"/>
-          </a:p>
-        </p:txBody>
-      </p:sp>
-      <p:sp>
-        <p:nvSpPr>
-          <p:cNvPr id="236047956" name="Content Placeholder 2"/>
-          <p:cNvSpPr>
-            <a:spLocks noGrp="1"/>
-          </p:cNvSpPr>
-          <p:nvPr>
-            <p:ph idx="1"/>
-          </p:nvPr>
-        </p:nvSpPr>
-        <p:spPr bwMode="auto">
-          <a:xfrm>
-            <a:off x="518160" y="2166432"/>
-            <a:ext cx="11155680" cy="3767328"/>
-          </a:xfrm>
-        </p:spPr>
-        <p:txBody>
-          <a:bodyPr/>
-          <a:lstStyle/>
-          <a:p>
-            <a:pPr>
-              <a:defRPr/>
-            </a:pPr>
-            <a:r>
-              <a:rPr lang="de-CH" b="1" dirty="0"/>
-              <a:t>Positionsdaten zu Merkmalen aggregiert </a:t>
-            </a:r>
-            <a:r>
-              <a:rPr lang="de-CH" dirty="0"/>
-              <a:t>(z.B. enthält Snacks, durchschnittliche </a:t>
-            </a:r>
-            <a:r>
-              <a:rPr lang="de-CH" dirty="0" err="1"/>
-              <a:t>Scanzeit</a:t>
-            </a:r>
-            <a:r>
-              <a:rPr lang="de-CH" dirty="0"/>
-              <a:t> pro Artikel etc.)</a:t>
-            </a:r>
-          </a:p>
-          <a:p>
-            <a:pPr>
-              <a:defRPr/>
-            </a:pPr>
-            <a:endParaRPr lang="de-CH" dirty="0"/>
-          </a:p>
-          <a:p>
-            <a:pPr>
-              <a:defRPr/>
-            </a:pPr>
-            <a:r>
-              <a:rPr lang="de-CH" dirty="0"/>
-              <a:t>Sowohl </a:t>
-            </a:r>
-            <a:r>
-              <a:rPr lang="de-CH" b="1" dirty="0"/>
-              <a:t>kategoriale Merkmale</a:t>
-            </a:r>
-            <a:r>
-              <a:rPr lang="de-CH" dirty="0"/>
-              <a:t> als auch </a:t>
-            </a:r>
-            <a:r>
-              <a:rPr lang="de-CH" b="1" dirty="0"/>
-              <a:t>numerische</a:t>
-            </a:r>
-            <a:r>
-              <a:rPr lang="de-CH" dirty="0"/>
-              <a:t>:</a:t>
-            </a:r>
-          </a:p>
-          <a:p>
-            <a:pPr lvl="1">
-              <a:defRPr/>
-            </a:pPr>
-            <a:r>
-              <a:rPr lang="de-CH" dirty="0"/>
-              <a:t>Tritt eine Kategorie in der Transaktion auf? Ja / nein</a:t>
-            </a:r>
-          </a:p>
-          <a:p>
-            <a:pPr lvl="1">
-              <a:defRPr/>
-            </a:pPr>
-            <a:r>
-              <a:rPr lang="de-CH" dirty="0"/>
-              <a:t> Wie viele Fälle? Anzahl</a:t>
-            </a:r>
-          </a:p>
-          <a:p>
-            <a:pPr lvl="1">
-              <a:defRPr/>
-            </a:pPr>
-            <a:endParaRPr lang="de-CH" dirty="0"/>
-          </a:p>
-          <a:p>
-            <a:pPr>
-              <a:defRPr/>
-            </a:pPr>
-            <a:r>
-              <a:rPr lang="de-CH" b="1" dirty="0"/>
-              <a:t>Transformation der Produktkategorien:</a:t>
-            </a:r>
-          </a:p>
-          <a:p>
-            <a:pPr lvl="1">
-              <a:defRPr/>
-            </a:pPr>
-            <a:r>
-              <a:rPr lang="de-CH" dirty="0"/>
-              <a:t>Ist eine Produktkategorie vorhanden oder nicht (Getränke, Snacks, usw.)</a:t>
-            </a:r>
-          </a:p>
-          <a:p>
-            <a:pPr lvl="1">
-              <a:defRPr/>
-            </a:pPr>
-            <a:endParaRPr lang="de-CH" dirty="0"/>
-          </a:p>
-          <a:p>
-            <a:pPr>
-              <a:defRPr/>
-            </a:pPr>
-            <a:r>
-              <a:rPr lang="de-CH" dirty="0"/>
-              <a:t>Minimum/Maximum/Mittelwert (Preis, Popularität, Zeit zwischen Scans)</a:t>
-            </a:r>
-          </a:p>
-          <a:p>
-            <a:pPr>
-              <a:defRPr sz="1800">
-                <a:solidFill>
-                  <a:srgbClr val="000000"/>
-                </a:solidFill>
-              </a:defRPr>
-            </a:pPr>
-            <a:endParaRPr dirty="0"/>
-          </a:p>
-        </p:txBody>
-      </p:sp>
-    </p:spTree>
-  </p:cSld>
-  <p:clrMapOvr>
-    <a:masterClrMapping/>
-  </p:clrMapOvr>
-</p:sld>
-</file>
-
-<file path=ppt/slides/slide25.xml><?xml version="1.0" encoding="utf-8"?>
-<p:sld xmlns:a="http://schemas.openxmlformats.org/drawingml/2006/main" xmlns:r="http://schemas.openxmlformats.org/officeDocument/2006/relationships" xmlns:p="http://schemas.openxmlformats.org/presentationml/2006/main" showMasterPhAnim="0">
-  <p:cSld>
-    <p:spTree>
-      <p:nvGrpSpPr>
-        <p:cNvPr id="1" name=""/>
-        <p:cNvGrpSpPr/>
-        <p:nvPr/>
-      </p:nvGrpSpPr>
-      <p:grpSpPr bwMode="auto">
-        <a:xfrm>
-          <a:off x="0" y="0"/>
-          <a:ext cx="0" cy="0"/>
-          <a:chOff x="0" y="0"/>
-          <a:chExt cx="0" cy="0"/>
-        </a:xfrm>
-      </p:grpSpPr>
-      <p:sp>
-        <p:nvSpPr>
-          <p:cNvPr id="1770641224" name="Title 1"/>
-          <p:cNvSpPr>
-            <a:spLocks noGrp="1"/>
-          </p:cNvSpPr>
-          <p:nvPr>
-            <p:ph type="title"/>
-          </p:nvPr>
-        </p:nvSpPr>
-        <p:spPr bwMode="auto"/>
-        <p:txBody>
-          <a:bodyPr/>
-          <a:lstStyle/>
-          <a:p>
-            <a:pPr>
-              <a:defRPr/>
-            </a:pPr>
-            <a:r>
-              <a:rPr lang="de-CH" sz="4400" b="1" i="0" u="none" strike="noStrike" cap="none" spc="0" dirty="0">
-                <a:solidFill>
-                  <a:schemeClr val="tx1"/>
-                </a:solidFill>
-                <a:latin typeface="Bierstadt"/>
-                <a:ea typeface="Bierstadt"/>
-                <a:cs typeface="Bierstadt"/>
-              </a:rPr>
-              <a:t>Umgang mit unvollständigen Daten (1)</a:t>
-            </a:r>
-            <a:endParaRPr dirty="0"/>
-          </a:p>
-        </p:txBody>
-      </p:sp>
-      <p:sp>
-        <p:nvSpPr>
-          <p:cNvPr id="998545421" name="Content Placeholder 2"/>
-          <p:cNvSpPr>
-            <a:spLocks noGrp="1"/>
-          </p:cNvSpPr>
-          <p:nvPr>
-            <p:ph idx="1"/>
-          </p:nvPr>
-        </p:nvSpPr>
-        <p:spPr bwMode="auto">
-          <a:xfrm>
-            <a:off x="521208" y="2569555"/>
-            <a:ext cx="11155680" cy="3767328"/>
-          </a:xfrm>
-        </p:spPr>
-        <p:txBody>
-          <a:bodyPr/>
-          <a:lstStyle/>
-          <a:p>
-            <a:pPr>
-              <a:defRPr/>
-            </a:pPr>
-            <a:endParaRPr dirty="0"/>
-          </a:p>
-          <a:p>
-            <a:pPr>
-              <a:defRPr sz="1800">
-                <a:solidFill>
-                  <a:srgbClr val="000000"/>
-                </a:solidFill>
-              </a:defRPr>
-            </a:pPr>
-            <a:endParaRPr dirty="0"/>
-          </a:p>
-        </p:txBody>
-      </p:sp>
-      <p:sp>
-        <p:nvSpPr>
-          <p:cNvPr id="2147178039" name="Content Placeholder 2"/>
-          <p:cNvSpPr>
-            <a:spLocks noGrp="1"/>
-          </p:cNvSpPr>
-          <p:nvPr/>
-        </p:nvSpPr>
-        <p:spPr bwMode="auto">
-          <a:xfrm>
-            <a:off x="592205" y="1842988"/>
-            <a:ext cx="11155680" cy="3767328"/>
-          </a:xfrm>
-        </p:spPr>
-        <p:txBody>
-          <a:bodyPr vertOverflow="overflow" horzOverflow="overflow" vert="horz" wrap="square" lIns="91440" tIns="45720" rIns="91440" bIns="45720" numCol="1" spcCol="0" rtlCol="0" fromWordArt="0" anchor="t" anchorCtr="0" forceAA="0" compatLnSpc="0">
-            <a:normAutofit fontScale="95000" lnSpcReduction="1000"/>
-          </a:bodyPr>
-          <a:lstStyle>
-            <a:lvl1pPr marL="228600" indent="-228600" algn="l" defTabSz="914400">
-              <a:lnSpc>
-                <a:spcPct val="110000"/>
-              </a:lnSpc>
-              <a:spcBef>
-                <a:spcPts val="999"/>
-              </a:spcBef>
-              <a:buFont typeface="Arial"/>
-              <a:buChar char="•"/>
-              <a:defRPr sz="1800">
-                <a:solidFill>
-                  <a:schemeClr val="tx1"/>
-                </a:solidFill>
-                <a:latin typeface="+mn-lt"/>
-                <a:ea typeface="+mn-ea"/>
-                <a:cs typeface="+mn-cs"/>
-              </a:defRPr>
-            </a:lvl1pPr>
-            <a:lvl2pPr marL="685800" indent="-228600" algn="l" defTabSz="914400">
-              <a:lnSpc>
-                <a:spcPct val="110000"/>
-              </a:lnSpc>
-              <a:spcBef>
-                <a:spcPts val="499"/>
-              </a:spcBef>
-              <a:buFont typeface="Arial"/>
-              <a:buChar char="•"/>
-              <a:defRPr sz="1600">
-                <a:solidFill>
-                  <a:schemeClr val="tx1"/>
-                </a:solidFill>
-                <a:latin typeface="+mn-lt"/>
-                <a:ea typeface="+mn-ea"/>
-                <a:cs typeface="+mn-cs"/>
-              </a:defRPr>
-            </a:lvl2pPr>
-            <a:lvl3pPr marL="1143000" indent="-228600" algn="l" defTabSz="914400">
-              <a:lnSpc>
-                <a:spcPct val="110000"/>
-              </a:lnSpc>
-              <a:spcBef>
-                <a:spcPts val="499"/>
-              </a:spcBef>
-              <a:buFont typeface="Arial"/>
-              <a:buChar char="•"/>
-              <a:defRPr sz="1400">
-                <a:solidFill>
-                  <a:schemeClr val="tx1"/>
-                </a:solidFill>
-                <a:latin typeface="+mn-lt"/>
-                <a:ea typeface="+mn-ea"/>
-                <a:cs typeface="+mn-cs"/>
-              </a:defRPr>
-            </a:lvl3pPr>
-            <a:lvl4pPr marL="1600200" indent="-228600" algn="l" defTabSz="914400">
-              <a:lnSpc>
-                <a:spcPct val="110000"/>
-              </a:lnSpc>
-              <a:spcBef>
-                <a:spcPts val="499"/>
-              </a:spcBef>
-              <a:buFont typeface="Arial"/>
-              <a:buChar char="•"/>
-              <a:defRPr sz="1200">
-                <a:solidFill>
-                  <a:schemeClr val="tx1"/>
-                </a:solidFill>
-                <a:latin typeface="+mn-lt"/>
-                <a:ea typeface="+mn-ea"/>
-                <a:cs typeface="+mn-cs"/>
-              </a:defRPr>
-            </a:lvl4pPr>
-            <a:lvl5pPr marL="2057400" indent="-228600" algn="l" defTabSz="914400">
-              <a:lnSpc>
-                <a:spcPct val="110000"/>
-              </a:lnSpc>
-              <a:spcBef>
-                <a:spcPts val="499"/>
-              </a:spcBef>
-              <a:buFont typeface="Arial"/>
-              <a:buChar char="•"/>
-              <a:defRPr sz="1200">
-                <a:solidFill>
-                  <a:schemeClr val="tx1"/>
-                </a:solidFill>
-                <a:latin typeface="+mn-lt"/>
-                <a:ea typeface="+mn-ea"/>
-                <a:cs typeface="+mn-cs"/>
-              </a:defRPr>
-            </a:lvl5pPr>
-            <a:lvl6pPr marL="2514599" indent="-228600" algn="l" defTabSz="914400">
-              <a:lnSpc>
-                <a:spcPct val="90000"/>
-              </a:lnSpc>
-              <a:spcBef>
-                <a:spcPts val="499"/>
-              </a:spcBef>
-              <a:buFont typeface="Arial"/>
-              <a:buChar char="•"/>
-              <a:defRPr sz="1800">
-                <a:solidFill>
-                  <a:schemeClr val="tx1"/>
-                </a:solidFill>
-                <a:latin typeface="+mn-lt"/>
-                <a:ea typeface="+mn-ea"/>
-                <a:cs typeface="+mn-cs"/>
-              </a:defRPr>
-            </a:lvl6pPr>
-            <a:lvl7pPr marL="2971800" indent="-228600" algn="l" defTabSz="914400">
-              <a:lnSpc>
-                <a:spcPct val="90000"/>
-              </a:lnSpc>
-              <a:spcBef>
-                <a:spcPts val="499"/>
-              </a:spcBef>
-              <a:buFont typeface="Arial"/>
-              <a:buChar char="•"/>
-              <a:defRPr sz="1800">
-                <a:solidFill>
-                  <a:schemeClr val="tx1"/>
-                </a:solidFill>
-                <a:latin typeface="+mn-lt"/>
-                <a:ea typeface="+mn-ea"/>
-                <a:cs typeface="+mn-cs"/>
-              </a:defRPr>
-            </a:lvl7pPr>
-            <a:lvl8pPr marL="3429000" indent="-228600" algn="l" defTabSz="914400">
-              <a:lnSpc>
-                <a:spcPct val="90000"/>
-              </a:lnSpc>
-              <a:spcBef>
-                <a:spcPts val="499"/>
-              </a:spcBef>
-              <a:buFont typeface="Arial"/>
-              <a:buChar char="•"/>
-              <a:defRPr sz="1800">
-                <a:solidFill>
-                  <a:schemeClr val="tx1"/>
-                </a:solidFill>
-                <a:latin typeface="+mn-lt"/>
-                <a:ea typeface="+mn-ea"/>
-                <a:cs typeface="+mn-cs"/>
-              </a:defRPr>
-            </a:lvl8pPr>
-            <a:lvl9pPr marL="3886200" indent="-228600" algn="l" defTabSz="914400">
-              <a:lnSpc>
-                <a:spcPct val="90000"/>
-              </a:lnSpc>
-              <a:spcBef>
-                <a:spcPts val="499"/>
-              </a:spcBef>
-              <a:buFont typeface="Arial"/>
-              <a:buChar char="•"/>
-              <a:defRPr sz="1800">
-                <a:solidFill>
-                  <a:schemeClr val="tx1"/>
-                </a:solidFill>
-                <a:latin typeface="+mn-lt"/>
-                <a:ea typeface="+mn-ea"/>
-                <a:cs typeface="+mn-cs"/>
-              </a:defRPr>
-            </a:lvl9pPr>
-          </a:lstStyle>
-          <a:p>
-            <a:pPr marL="0" marR="0" lvl="0" indent="0" algn="l" defTabSz="914400" eaLnBrk="1" fontAlgn="auto" latinLnBrk="0" hangingPunct="1">
-              <a:lnSpc>
-                <a:spcPct val="110000"/>
-              </a:lnSpc>
-              <a:spcBef>
-                <a:spcPts val="999"/>
-              </a:spcBef>
-              <a:spcAft>
-                <a:spcPts val="0"/>
-              </a:spcAft>
-              <a:buClrTx/>
-              <a:buSzTx/>
-              <a:buFont typeface="Arial"/>
-              <a:buNone/>
-              <a:tabLst/>
-              <a:defRPr sz="1800">
-                <a:solidFill>
-                  <a:srgbClr val="000000"/>
-                </a:solidFill>
-              </a:defRPr>
-            </a:pPr>
-            <a:endParaRPr kumimoji="0" sz="1600" b="0" i="0" u="none" strike="noStrike" kern="0" cap="none" spc="0" normalizeH="0" baseline="0" noProof="0" dirty="0">
-              <a:ln>
-                <a:noFill/>
-              </a:ln>
-              <a:solidFill>
-                <a:srgbClr val="000000"/>
-              </a:solidFill>
-              <a:effectLst/>
-              <a:uLnTx/>
-              <a:uFillTx/>
-              <a:latin typeface="Bierstadt"/>
-              <a:cs typeface="Arial"/>
-            </a:endParaRPr>
-          </a:p>
-          <a:p>
-            <a:pPr lvl="0">
-              <a:lnSpc>
-                <a:spcPct val="111000"/>
-              </a:lnSpc>
-              <a:defRPr/>
-            </a:pPr>
-            <a:r>
-              <a:rPr lang="de-CH" sz="1900" dirty="0"/>
-              <a:t>Feedback: nur in </a:t>
-            </a:r>
-            <a:r>
-              <a:rPr lang="de-CH" sz="1900" b="1" dirty="0"/>
-              <a:t>7,6 % der Fälle vorhanden</a:t>
-            </a:r>
-          </a:p>
-          <a:p>
-            <a:pPr lvl="1">
-              <a:lnSpc>
-                <a:spcPct val="111000"/>
-              </a:lnSpc>
-              <a:defRPr/>
-            </a:pPr>
-            <a:r>
-              <a:rPr lang="de-CH" sz="1700" dirty="0"/>
-              <a:t>Transformation zu kategorialen Ausprägungen (sehr gut, gut, mittel, schlecht, überhaupt vorhanden)</a:t>
-            </a:r>
-          </a:p>
-          <a:p>
-            <a:pPr lvl="0">
-              <a:lnSpc>
-                <a:spcPct val="111000"/>
-              </a:lnSpc>
-              <a:defRPr/>
-            </a:pPr>
-            <a:endParaRPr lang="de-CH" sz="1900" dirty="0"/>
-          </a:p>
-          <a:p>
-            <a:pPr marR="0" lvl="0" eaLnBrk="1" fontAlgn="auto" latinLnBrk="0" hangingPunct="1">
-              <a:lnSpc>
-                <a:spcPct val="111000"/>
-              </a:lnSpc>
-              <a:spcBef>
-                <a:spcPts val="999"/>
-              </a:spcBef>
-              <a:spcAft>
-                <a:spcPts val="0"/>
-              </a:spcAft>
-              <a:buClrTx/>
-              <a:buSzTx/>
-              <a:tabLst/>
-              <a:defRPr/>
-            </a:pPr>
-            <a:r>
-              <a:rPr lang="de-CH" sz="1900" dirty="0"/>
-              <a:t>11.479 Fälle mit fehlenden Werten für mittlere und maximale Zeit zwischen Scans</a:t>
-            </a:r>
-          </a:p>
-          <a:p>
-            <a:pPr lvl="1">
-              <a:lnSpc>
-                <a:spcPct val="111000"/>
-              </a:lnSpc>
-              <a:spcBef>
-                <a:spcPts val="999"/>
-              </a:spcBef>
-              <a:defRPr/>
-            </a:pPr>
-            <a:r>
-              <a:rPr lang="de-CH" sz="1700" dirty="0"/>
-              <a:t>Ursache: Nur ein Scan vorhanden</a:t>
-            </a:r>
-          </a:p>
-          <a:p>
-            <a:pPr lvl="1">
-              <a:lnSpc>
-                <a:spcPct val="111000"/>
-              </a:lnSpc>
-              <a:spcBef>
-                <a:spcPts val="999"/>
-              </a:spcBef>
-              <a:defRPr/>
-            </a:pPr>
-            <a:r>
-              <a:rPr lang="de-CH" sz="1700" dirty="0"/>
-              <a:t>Ersetzt durch Mittelwert</a:t>
-            </a:r>
-            <a:endParaRPr sz="1700" dirty="0"/>
-          </a:p>
-        </p:txBody>
-      </p:sp>
-    </p:spTree>
-  </p:cSld>
-  <p:clrMapOvr>
-    <a:masterClrMapping/>
-  </p:clrMapOvr>
-</p:sld>
-</file>
-
-<file path=ppt/slides/slide26.xml><?xml version="1.0" encoding="utf-8"?>
-<p:sld xmlns:a="http://schemas.openxmlformats.org/drawingml/2006/main" xmlns:r="http://schemas.openxmlformats.org/officeDocument/2006/relationships" xmlns:p="http://schemas.openxmlformats.org/presentationml/2006/main" showMasterPhAnim="0">
-  <p:cSld>
-    <p:spTree>
-      <p:nvGrpSpPr>
-        <p:cNvPr id="1" name="">
-          <a:extLst>
-            <a:ext uri="{FF2B5EF4-FFF2-40B4-BE49-F238E27FC236}">
-              <a16:creationId xmlns:a16="http://schemas.microsoft.com/office/drawing/2014/main" id="{34CE635F-2013-B8BE-5111-762FD1326BE4}"/>
-            </a:ext>
-          </a:extLst>
-        </p:cNvPr>
-        <p:cNvGrpSpPr/>
-        <p:nvPr/>
-      </p:nvGrpSpPr>
-      <p:grpSpPr bwMode="auto">
-        <a:xfrm>
-          <a:off x="0" y="0"/>
-          <a:ext cx="0" cy="0"/>
-          <a:chOff x="0" y="0"/>
-          <a:chExt cx="0" cy="0"/>
-        </a:xfrm>
-      </p:grpSpPr>
-      <p:sp>
-        <p:nvSpPr>
-          <p:cNvPr id="1770641224" name="Title 1">
-            <a:extLst>
-              <a:ext uri="{FF2B5EF4-FFF2-40B4-BE49-F238E27FC236}">
-                <a16:creationId xmlns:a16="http://schemas.microsoft.com/office/drawing/2014/main" id="{0CA35EDE-DD44-AE72-DFF3-1F06336974E3}"/>
-              </a:ext>
-            </a:extLst>
-          </p:cNvPr>
-          <p:cNvSpPr>
-            <a:spLocks noGrp="1"/>
-          </p:cNvSpPr>
-          <p:nvPr>
-            <p:ph type="title"/>
-          </p:nvPr>
-        </p:nvSpPr>
-        <p:spPr bwMode="auto"/>
-        <p:txBody>
-          <a:bodyPr/>
-          <a:lstStyle/>
-          <a:p>
-            <a:pPr>
-              <a:defRPr/>
-            </a:pPr>
-            <a:r>
-              <a:rPr lang="de-CH" sz="4400" b="1" i="0" u="none" strike="noStrike" cap="none" spc="0">
-                <a:solidFill>
-                  <a:schemeClr val="tx1"/>
-                </a:solidFill>
-                <a:latin typeface="Bierstadt"/>
-                <a:ea typeface="Bierstadt"/>
-                <a:cs typeface="Bierstadt"/>
-              </a:rPr>
-              <a:t>Umgang mit unvollständigen Daten</a:t>
-            </a:r>
-            <a:endParaRPr/>
-          </a:p>
-        </p:txBody>
-      </p:sp>
-      <p:sp>
-        <p:nvSpPr>
-          <p:cNvPr id="998545421" name="Content Placeholder 2">
-            <a:extLst>
-              <a:ext uri="{FF2B5EF4-FFF2-40B4-BE49-F238E27FC236}">
-                <a16:creationId xmlns:a16="http://schemas.microsoft.com/office/drawing/2014/main" id="{9B6CF9BA-6A63-0D10-C257-FBCF95E9976B}"/>
-              </a:ext>
-            </a:extLst>
-          </p:cNvPr>
-          <p:cNvSpPr>
-            <a:spLocks noGrp="1"/>
-          </p:cNvSpPr>
-          <p:nvPr>
-            <p:ph idx="1"/>
-          </p:nvPr>
-        </p:nvSpPr>
-        <p:spPr bwMode="auto">
-          <a:xfrm>
-            <a:off x="521208" y="2569555"/>
-            <a:ext cx="11155680" cy="3767328"/>
-          </a:xfrm>
-        </p:spPr>
-        <p:txBody>
-          <a:bodyPr/>
-          <a:lstStyle/>
-          <a:p>
-            <a:pPr>
-              <a:defRPr/>
-            </a:pPr>
-            <a:endParaRPr/>
-          </a:p>
-          <a:p>
-            <a:pPr>
-              <a:defRPr sz="1800">
-                <a:solidFill>
-                  <a:srgbClr val="000000"/>
-                </a:solidFill>
-              </a:defRPr>
-            </a:pPr>
-            <a:endParaRPr/>
-          </a:p>
-        </p:txBody>
-      </p:sp>
-      <p:sp>
-        <p:nvSpPr>
-          <p:cNvPr id="2147178039" name="Content Placeholder 2">
-            <a:extLst>
-              <a:ext uri="{FF2B5EF4-FFF2-40B4-BE49-F238E27FC236}">
-                <a16:creationId xmlns:a16="http://schemas.microsoft.com/office/drawing/2014/main" id="{FF63A134-521D-896E-1701-E3281A03A12E}"/>
-              </a:ext>
-            </a:extLst>
-          </p:cNvPr>
-          <p:cNvSpPr>
-            <a:spLocks noGrp="1"/>
-          </p:cNvSpPr>
-          <p:nvPr/>
-        </p:nvSpPr>
-        <p:spPr bwMode="auto">
-          <a:xfrm>
-            <a:off x="592205" y="1842988"/>
-            <a:ext cx="11155680" cy="3767328"/>
-          </a:xfrm>
-        </p:spPr>
-        <p:txBody>
-          <a:bodyPr vertOverflow="overflow" horzOverflow="overflow" vert="horz" wrap="square" lIns="91440" tIns="45720" rIns="91440" bIns="45720" numCol="1" spcCol="0" rtlCol="0" fromWordArt="0" anchor="t" anchorCtr="0" forceAA="0" compatLnSpc="0">
-            <a:normAutofit fontScale="95000" lnSpcReduction="1000"/>
-          </a:bodyPr>
-          <a:lstStyle>
-            <a:lvl1pPr marL="228600" indent="-228600" algn="l" defTabSz="914400">
-              <a:lnSpc>
-                <a:spcPct val="110000"/>
-              </a:lnSpc>
-              <a:spcBef>
-                <a:spcPts val="999"/>
-              </a:spcBef>
-              <a:buFont typeface="Arial"/>
-              <a:buChar char="•"/>
-              <a:defRPr sz="1800">
-                <a:solidFill>
-                  <a:schemeClr val="tx1"/>
-                </a:solidFill>
-                <a:latin typeface="+mn-lt"/>
-                <a:ea typeface="+mn-ea"/>
-                <a:cs typeface="+mn-cs"/>
-              </a:defRPr>
-            </a:lvl1pPr>
-            <a:lvl2pPr marL="685800" indent="-228600" algn="l" defTabSz="914400">
-              <a:lnSpc>
-                <a:spcPct val="110000"/>
-              </a:lnSpc>
-              <a:spcBef>
-                <a:spcPts val="499"/>
-              </a:spcBef>
-              <a:buFont typeface="Arial"/>
-              <a:buChar char="•"/>
-              <a:defRPr sz="1600">
-                <a:solidFill>
-                  <a:schemeClr val="tx1"/>
-                </a:solidFill>
-                <a:latin typeface="+mn-lt"/>
-                <a:ea typeface="+mn-ea"/>
-                <a:cs typeface="+mn-cs"/>
-              </a:defRPr>
-            </a:lvl2pPr>
-            <a:lvl3pPr marL="1143000" indent="-228600" algn="l" defTabSz="914400">
-              <a:lnSpc>
-                <a:spcPct val="110000"/>
-              </a:lnSpc>
-              <a:spcBef>
-                <a:spcPts val="499"/>
-              </a:spcBef>
-              <a:buFont typeface="Arial"/>
-              <a:buChar char="•"/>
-              <a:defRPr sz="1400">
-                <a:solidFill>
-                  <a:schemeClr val="tx1"/>
-                </a:solidFill>
-                <a:latin typeface="+mn-lt"/>
-                <a:ea typeface="+mn-ea"/>
-                <a:cs typeface="+mn-cs"/>
-              </a:defRPr>
-            </a:lvl3pPr>
-            <a:lvl4pPr marL="1600200" indent="-228600" algn="l" defTabSz="914400">
-              <a:lnSpc>
-                <a:spcPct val="110000"/>
-              </a:lnSpc>
-              <a:spcBef>
-                <a:spcPts val="499"/>
-              </a:spcBef>
-              <a:buFont typeface="Arial"/>
-              <a:buChar char="•"/>
-              <a:defRPr sz="1200">
-                <a:solidFill>
-                  <a:schemeClr val="tx1"/>
-                </a:solidFill>
-                <a:latin typeface="+mn-lt"/>
-                <a:ea typeface="+mn-ea"/>
-                <a:cs typeface="+mn-cs"/>
-              </a:defRPr>
-            </a:lvl4pPr>
-            <a:lvl5pPr marL="2057400" indent="-228600" algn="l" defTabSz="914400">
-              <a:lnSpc>
-                <a:spcPct val="110000"/>
-              </a:lnSpc>
-              <a:spcBef>
-                <a:spcPts val="499"/>
-              </a:spcBef>
-              <a:buFont typeface="Arial"/>
-              <a:buChar char="•"/>
-              <a:defRPr sz="1200">
-                <a:solidFill>
-                  <a:schemeClr val="tx1"/>
-                </a:solidFill>
-                <a:latin typeface="+mn-lt"/>
-                <a:ea typeface="+mn-ea"/>
-                <a:cs typeface="+mn-cs"/>
-              </a:defRPr>
-            </a:lvl5pPr>
-            <a:lvl6pPr marL="2514599" indent="-228600" algn="l" defTabSz="914400">
-              <a:lnSpc>
-                <a:spcPct val="90000"/>
-              </a:lnSpc>
-              <a:spcBef>
-                <a:spcPts val="499"/>
-              </a:spcBef>
-              <a:buFont typeface="Arial"/>
-              <a:buChar char="•"/>
-              <a:defRPr sz="1800">
-                <a:solidFill>
-                  <a:schemeClr val="tx1"/>
-                </a:solidFill>
-                <a:latin typeface="+mn-lt"/>
-                <a:ea typeface="+mn-ea"/>
-                <a:cs typeface="+mn-cs"/>
-              </a:defRPr>
-            </a:lvl6pPr>
-            <a:lvl7pPr marL="2971800" indent="-228600" algn="l" defTabSz="914400">
-              <a:lnSpc>
-                <a:spcPct val="90000"/>
-              </a:lnSpc>
-              <a:spcBef>
-                <a:spcPts val="499"/>
-              </a:spcBef>
-              <a:buFont typeface="Arial"/>
-              <a:buChar char="•"/>
-              <a:defRPr sz="1800">
-                <a:solidFill>
-                  <a:schemeClr val="tx1"/>
-                </a:solidFill>
-                <a:latin typeface="+mn-lt"/>
-                <a:ea typeface="+mn-ea"/>
-                <a:cs typeface="+mn-cs"/>
-              </a:defRPr>
-            </a:lvl7pPr>
-            <a:lvl8pPr marL="3429000" indent="-228600" algn="l" defTabSz="914400">
-              <a:lnSpc>
-                <a:spcPct val="90000"/>
-              </a:lnSpc>
-              <a:spcBef>
-                <a:spcPts val="499"/>
-              </a:spcBef>
-              <a:buFont typeface="Arial"/>
-              <a:buChar char="•"/>
-              <a:defRPr sz="1800">
-                <a:solidFill>
-                  <a:schemeClr val="tx1"/>
-                </a:solidFill>
-                <a:latin typeface="+mn-lt"/>
-                <a:ea typeface="+mn-ea"/>
-                <a:cs typeface="+mn-cs"/>
-              </a:defRPr>
-            </a:lvl8pPr>
-            <a:lvl9pPr marL="3886200" indent="-228600" algn="l" defTabSz="914400">
-              <a:lnSpc>
-                <a:spcPct val="90000"/>
-              </a:lnSpc>
-              <a:spcBef>
-                <a:spcPts val="499"/>
-              </a:spcBef>
-              <a:buFont typeface="Arial"/>
-              <a:buChar char="•"/>
-              <a:defRPr sz="1800">
-                <a:solidFill>
-                  <a:schemeClr val="tx1"/>
-                </a:solidFill>
-                <a:latin typeface="+mn-lt"/>
-                <a:ea typeface="+mn-ea"/>
-                <a:cs typeface="+mn-cs"/>
-              </a:defRPr>
-            </a:lvl9pPr>
-          </a:lstStyle>
-          <a:p>
-            <a:pPr marL="0" marR="0" lvl="0" indent="0" algn="l" defTabSz="914400" eaLnBrk="1" fontAlgn="auto" latinLnBrk="0" hangingPunct="1">
-              <a:lnSpc>
-                <a:spcPct val="110000"/>
-              </a:lnSpc>
-              <a:spcBef>
-                <a:spcPts val="999"/>
-              </a:spcBef>
-              <a:spcAft>
-                <a:spcPts val="0"/>
-              </a:spcAft>
-              <a:buClrTx/>
-              <a:buSzTx/>
-              <a:buFont typeface="Arial"/>
-              <a:buNone/>
-              <a:tabLst/>
-              <a:defRPr sz="1800">
-                <a:solidFill>
-                  <a:srgbClr val="000000"/>
-                </a:solidFill>
-              </a:defRPr>
-            </a:pPr>
-            <a:endParaRPr kumimoji="0" sz="1600" b="0" i="0" u="none" strike="noStrike" kern="0" cap="none" spc="0" normalizeH="0" baseline="0" noProof="0" dirty="0">
-              <a:ln>
-                <a:noFill/>
-              </a:ln>
-              <a:solidFill>
-                <a:srgbClr val="000000"/>
-              </a:solidFill>
-              <a:effectLst/>
-              <a:uLnTx/>
-              <a:uFillTx/>
-              <a:latin typeface="Bierstadt"/>
-              <a:cs typeface="Arial"/>
-            </a:endParaRPr>
-          </a:p>
-          <a:p>
-            <a:pPr marR="0" lvl="0" eaLnBrk="1" fontAlgn="auto" latinLnBrk="0" hangingPunct="1">
-              <a:lnSpc>
-                <a:spcPct val="111000"/>
-              </a:lnSpc>
-              <a:spcBef>
-                <a:spcPts val="999"/>
-              </a:spcBef>
-              <a:spcAft>
-                <a:spcPts val="0"/>
-              </a:spcAft>
-              <a:buClrTx/>
-              <a:buSzTx/>
-              <a:tabLst/>
-              <a:defRPr/>
-            </a:pPr>
-            <a:r>
-              <a:rPr lang="de-CH" sz="1900" dirty="0"/>
-              <a:t>114 Fälle mit </a:t>
-            </a:r>
-            <a:r>
-              <a:rPr lang="de-CH" sz="1900" b="1" dirty="0"/>
-              <a:t>fehlenden Werten des Kamerasystems</a:t>
-            </a:r>
-          </a:p>
-          <a:p>
-            <a:pPr lvl="1">
-              <a:lnSpc>
-                <a:spcPct val="111000"/>
-              </a:lnSpc>
-              <a:spcBef>
-                <a:spcPts val="999"/>
-              </a:spcBef>
-              <a:defRPr/>
-            </a:pPr>
-            <a:r>
-              <a:rPr lang="de-CH" sz="1700" dirty="0"/>
-              <a:t>Ersetzt durch den Modus</a:t>
-            </a:r>
-          </a:p>
-          <a:p>
-            <a:pPr lvl="1">
-              <a:lnSpc>
-                <a:spcPct val="111000"/>
-              </a:lnSpc>
-              <a:spcBef>
-                <a:spcPts val="999"/>
-              </a:spcBef>
-              <a:defRPr/>
-            </a:pPr>
-            <a:endParaRPr sz="1900" dirty="0"/>
-          </a:p>
-          <a:p>
-            <a:pPr lvl="0">
-              <a:lnSpc>
-                <a:spcPct val="111000"/>
-              </a:lnSpc>
-              <a:defRPr/>
-            </a:pPr>
-            <a:r>
-              <a:rPr lang="de-CH" sz="1900" dirty="0"/>
-              <a:t>Ein Fall mit mehreren fehlenden Spaltenwerten aufgrund fehlender Produkt-ID </a:t>
-            </a:r>
-            <a:r>
-              <a:rPr lang="de-DE" sz="2000" dirty="0"/>
-              <a:t>→  </a:t>
-            </a:r>
-            <a:r>
-              <a:rPr lang="de-CH" sz="1900" dirty="0"/>
-              <a:t>entfernt</a:t>
-            </a:r>
-          </a:p>
-          <a:p>
-            <a:pPr marR="0" lvl="1" eaLnBrk="1" fontAlgn="auto" latinLnBrk="0" hangingPunct="1">
-              <a:lnSpc>
-                <a:spcPct val="111000"/>
-              </a:lnSpc>
-              <a:spcBef>
-                <a:spcPts val="499"/>
-              </a:spcBef>
-              <a:spcAft>
-                <a:spcPts val="0"/>
-              </a:spcAft>
-              <a:buClrTx/>
-              <a:buSzTx/>
-              <a:tabLst/>
-              <a:defRPr/>
-            </a:pPr>
-            <a:endParaRPr sz="1900" dirty="0"/>
-          </a:p>
-          <a:p>
-            <a:pPr lvl="0">
-              <a:lnSpc>
-                <a:spcPct val="111000"/>
-              </a:lnSpc>
-              <a:defRPr/>
-            </a:pPr>
-            <a:r>
-              <a:rPr lang="de-CH" sz="1900" dirty="0"/>
-              <a:t>Da wir nur die klassifizierten Daten betrachten </a:t>
-            </a:r>
-            <a:r>
-              <a:rPr lang="de-DE" sz="2000" dirty="0"/>
-              <a:t>→ </a:t>
-            </a:r>
-            <a:r>
-              <a:rPr lang="de-DE" sz="2000" b="1" dirty="0"/>
-              <a:t>keine Veränderung der nicht-klassifizierten Daten</a:t>
-            </a:r>
-            <a:endParaRPr sz="1900" b="1" dirty="0"/>
-          </a:p>
-        </p:txBody>
-      </p:sp>
-    </p:spTree>
-    <p:extLst>
-      <p:ext uri="{BB962C8B-B14F-4D97-AF65-F5344CB8AC3E}">
-        <p14:creationId xmlns:p14="http://schemas.microsoft.com/office/powerpoint/2010/main" val="280535437"/>
-      </p:ext>
-    </p:extLst>
-  </p:cSld>
-  <p:clrMapOvr>
-    <a:masterClrMapping/>
-  </p:clrMapOvr>
-</p:sld>
-</file>
-
-<file path=ppt/slides/slide27.xml><?xml version="1.0" encoding="utf-8"?>
-<p:sld xmlns:a="http://schemas.openxmlformats.org/drawingml/2006/main" xmlns:r="http://schemas.openxmlformats.org/officeDocument/2006/relationships" xmlns:p="http://schemas.openxmlformats.org/presentationml/2006/main" showMasterPhAnim="0">
-  <p:cSld>
-    <p:spTree>
-      <p:nvGrpSpPr>
-        <p:cNvPr id="1" name="">
-          <a:extLst>
-            <a:ext uri="{FF2B5EF4-FFF2-40B4-BE49-F238E27FC236}">
-              <a16:creationId xmlns:a16="http://schemas.microsoft.com/office/drawing/2014/main" id="{13783D9D-38F6-9631-21C7-B417F3E0C896}"/>
-            </a:ext>
-          </a:extLst>
-        </p:cNvPr>
-        <p:cNvGrpSpPr/>
-        <p:nvPr/>
-      </p:nvGrpSpPr>
-      <p:grpSpPr bwMode="auto">
-        <a:xfrm>
-          <a:off x="0" y="0"/>
-          <a:ext cx="0" cy="0"/>
-          <a:chOff x="0" y="0"/>
-          <a:chExt cx="0" cy="0"/>
-        </a:xfrm>
-      </p:grpSpPr>
-      <p:sp>
-        <p:nvSpPr>
-          <p:cNvPr id="1770641224" name="Title 1">
-            <a:extLst>
-              <a:ext uri="{FF2B5EF4-FFF2-40B4-BE49-F238E27FC236}">
-                <a16:creationId xmlns:a16="http://schemas.microsoft.com/office/drawing/2014/main" id="{41BC8546-16E0-C3D3-ED91-AF220DCD53A2}"/>
-              </a:ext>
-            </a:extLst>
-          </p:cNvPr>
-          <p:cNvSpPr>
-            <a:spLocks noGrp="1"/>
-          </p:cNvSpPr>
-          <p:nvPr>
-            <p:ph type="title"/>
-          </p:nvPr>
-        </p:nvSpPr>
-        <p:spPr bwMode="auto"/>
-        <p:txBody>
-          <a:bodyPr/>
-          <a:lstStyle/>
-          <a:p>
-            <a:pPr>
-              <a:defRPr/>
-            </a:pPr>
-            <a:r>
-              <a:rPr lang="de-CH" sz="4400" b="1" i="0" u="none" strike="noStrike" cap="none" spc="0" dirty="0">
-                <a:solidFill>
-                  <a:schemeClr val="tx1"/>
-                </a:solidFill>
-                <a:latin typeface="Bierstadt"/>
-                <a:ea typeface="Bierstadt"/>
-                <a:cs typeface="Bierstadt"/>
-              </a:rPr>
-              <a:t>Übersicht</a:t>
-            </a:r>
-            <a:endParaRPr dirty="0"/>
-          </a:p>
-        </p:txBody>
-      </p:sp>
-      <p:sp>
-        <p:nvSpPr>
-          <p:cNvPr id="998545421" name="Content Placeholder 2">
-            <a:extLst>
-              <a:ext uri="{FF2B5EF4-FFF2-40B4-BE49-F238E27FC236}">
-                <a16:creationId xmlns:a16="http://schemas.microsoft.com/office/drawing/2014/main" id="{3B35FDCB-EF3A-D4F3-5851-84C679EBE720}"/>
-              </a:ext>
-            </a:extLst>
-          </p:cNvPr>
-          <p:cNvSpPr>
-            <a:spLocks noGrp="1"/>
-          </p:cNvSpPr>
-          <p:nvPr>
-            <p:ph idx="1"/>
-          </p:nvPr>
-        </p:nvSpPr>
-        <p:spPr bwMode="auto">
-          <a:xfrm>
-            <a:off x="521208" y="2569555"/>
-            <a:ext cx="11155680" cy="3767328"/>
-          </a:xfrm>
-        </p:spPr>
-        <p:txBody>
-          <a:bodyPr/>
-          <a:lstStyle/>
-          <a:p>
-            <a:pPr>
-              <a:defRPr/>
-            </a:pPr>
-            <a:endParaRPr dirty="0"/>
-          </a:p>
-          <a:p>
-            <a:pPr>
-              <a:defRPr sz="1800">
-                <a:solidFill>
-                  <a:srgbClr val="000000"/>
-                </a:solidFill>
-              </a:defRPr>
-            </a:pPr>
-            <a:endParaRPr dirty="0"/>
-          </a:p>
-        </p:txBody>
-      </p:sp>
-      <p:sp>
-        <p:nvSpPr>
-          <p:cNvPr id="2147178039" name="Content Placeholder 2">
-            <a:extLst>
-              <a:ext uri="{FF2B5EF4-FFF2-40B4-BE49-F238E27FC236}">
-                <a16:creationId xmlns:a16="http://schemas.microsoft.com/office/drawing/2014/main" id="{EDE0F3A1-C036-DA80-6FF2-4236A4842811}"/>
-              </a:ext>
-            </a:extLst>
-          </p:cNvPr>
-          <p:cNvSpPr>
-            <a:spLocks noGrp="1"/>
-          </p:cNvSpPr>
-          <p:nvPr/>
-        </p:nvSpPr>
-        <p:spPr bwMode="auto">
-          <a:xfrm>
-            <a:off x="592205" y="1842988"/>
-            <a:ext cx="11155680" cy="3767328"/>
-          </a:xfrm>
-        </p:spPr>
-        <p:txBody>
-          <a:bodyPr vertOverflow="overflow" horzOverflow="overflow" vert="horz" wrap="square" lIns="91440" tIns="45720" rIns="91440" bIns="45720" numCol="1" spcCol="0" rtlCol="0" fromWordArt="0" anchor="t" anchorCtr="0" forceAA="0" compatLnSpc="0">
-            <a:normAutofit fontScale="95000" lnSpcReduction="1000"/>
-          </a:bodyPr>
-          <a:lstStyle>
-            <a:lvl1pPr marL="228600" indent="-228600" algn="l" defTabSz="914400">
-              <a:lnSpc>
-                <a:spcPct val="110000"/>
-              </a:lnSpc>
-              <a:spcBef>
-                <a:spcPts val="999"/>
-              </a:spcBef>
-              <a:buFont typeface="Arial"/>
-              <a:buChar char="•"/>
-              <a:defRPr sz="1800">
-                <a:solidFill>
-                  <a:schemeClr val="tx1"/>
-                </a:solidFill>
-                <a:latin typeface="+mn-lt"/>
-                <a:ea typeface="+mn-ea"/>
-                <a:cs typeface="+mn-cs"/>
-              </a:defRPr>
-            </a:lvl1pPr>
-            <a:lvl2pPr marL="685800" indent="-228600" algn="l" defTabSz="914400">
-              <a:lnSpc>
-                <a:spcPct val="110000"/>
-              </a:lnSpc>
-              <a:spcBef>
-                <a:spcPts val="499"/>
-              </a:spcBef>
-              <a:buFont typeface="Arial"/>
-              <a:buChar char="•"/>
-              <a:defRPr sz="1600">
-                <a:solidFill>
-                  <a:schemeClr val="tx1"/>
-                </a:solidFill>
-                <a:latin typeface="+mn-lt"/>
-                <a:ea typeface="+mn-ea"/>
-                <a:cs typeface="+mn-cs"/>
-              </a:defRPr>
-            </a:lvl2pPr>
-            <a:lvl3pPr marL="1143000" indent="-228600" algn="l" defTabSz="914400">
-              <a:lnSpc>
-                <a:spcPct val="110000"/>
-              </a:lnSpc>
-              <a:spcBef>
-                <a:spcPts val="499"/>
-              </a:spcBef>
-              <a:buFont typeface="Arial"/>
-              <a:buChar char="•"/>
-              <a:defRPr sz="1400">
-                <a:solidFill>
-                  <a:schemeClr val="tx1"/>
-                </a:solidFill>
-                <a:latin typeface="+mn-lt"/>
-                <a:ea typeface="+mn-ea"/>
-                <a:cs typeface="+mn-cs"/>
-              </a:defRPr>
-            </a:lvl3pPr>
-            <a:lvl4pPr marL="1600200" indent="-228600" algn="l" defTabSz="914400">
-              <a:lnSpc>
-                <a:spcPct val="110000"/>
-              </a:lnSpc>
-              <a:spcBef>
-                <a:spcPts val="499"/>
-              </a:spcBef>
-              <a:buFont typeface="Arial"/>
-              <a:buChar char="•"/>
-              <a:defRPr sz="1200">
-                <a:solidFill>
-                  <a:schemeClr val="tx1"/>
-                </a:solidFill>
-                <a:latin typeface="+mn-lt"/>
-                <a:ea typeface="+mn-ea"/>
-                <a:cs typeface="+mn-cs"/>
-              </a:defRPr>
-            </a:lvl4pPr>
-            <a:lvl5pPr marL="2057400" indent="-228600" algn="l" defTabSz="914400">
-              <a:lnSpc>
-                <a:spcPct val="110000"/>
-              </a:lnSpc>
-              <a:spcBef>
-                <a:spcPts val="499"/>
-              </a:spcBef>
-              <a:buFont typeface="Arial"/>
-              <a:buChar char="•"/>
-              <a:defRPr sz="1200">
-                <a:solidFill>
-                  <a:schemeClr val="tx1"/>
-                </a:solidFill>
-                <a:latin typeface="+mn-lt"/>
-                <a:ea typeface="+mn-ea"/>
-                <a:cs typeface="+mn-cs"/>
-              </a:defRPr>
-            </a:lvl5pPr>
-            <a:lvl6pPr marL="2514599" indent="-228600" algn="l" defTabSz="914400">
-              <a:lnSpc>
-                <a:spcPct val="90000"/>
-              </a:lnSpc>
-              <a:spcBef>
-                <a:spcPts val="499"/>
-              </a:spcBef>
-              <a:buFont typeface="Arial"/>
-              <a:buChar char="•"/>
-              <a:defRPr sz="1800">
-                <a:solidFill>
-                  <a:schemeClr val="tx1"/>
-                </a:solidFill>
-                <a:latin typeface="+mn-lt"/>
-                <a:ea typeface="+mn-ea"/>
-                <a:cs typeface="+mn-cs"/>
-              </a:defRPr>
-            </a:lvl6pPr>
-            <a:lvl7pPr marL="2971800" indent="-228600" algn="l" defTabSz="914400">
-              <a:lnSpc>
-                <a:spcPct val="90000"/>
-              </a:lnSpc>
-              <a:spcBef>
-                <a:spcPts val="499"/>
-              </a:spcBef>
-              <a:buFont typeface="Arial"/>
-              <a:buChar char="•"/>
-              <a:defRPr sz="1800">
-                <a:solidFill>
-                  <a:schemeClr val="tx1"/>
-                </a:solidFill>
-                <a:latin typeface="+mn-lt"/>
-                <a:ea typeface="+mn-ea"/>
-                <a:cs typeface="+mn-cs"/>
-              </a:defRPr>
-            </a:lvl7pPr>
-            <a:lvl8pPr marL="3429000" indent="-228600" algn="l" defTabSz="914400">
-              <a:lnSpc>
-                <a:spcPct val="90000"/>
-              </a:lnSpc>
-              <a:spcBef>
-                <a:spcPts val="499"/>
-              </a:spcBef>
-              <a:buFont typeface="Arial"/>
-              <a:buChar char="•"/>
-              <a:defRPr sz="1800">
-                <a:solidFill>
-                  <a:schemeClr val="tx1"/>
-                </a:solidFill>
-                <a:latin typeface="+mn-lt"/>
-                <a:ea typeface="+mn-ea"/>
-                <a:cs typeface="+mn-cs"/>
-              </a:defRPr>
-            </a:lvl8pPr>
-            <a:lvl9pPr marL="3886200" indent="-228600" algn="l" defTabSz="914400">
-              <a:lnSpc>
-                <a:spcPct val="90000"/>
-              </a:lnSpc>
-              <a:spcBef>
-                <a:spcPts val="499"/>
-              </a:spcBef>
-              <a:buFont typeface="Arial"/>
-              <a:buChar char="•"/>
-              <a:defRPr sz="1800">
-                <a:solidFill>
-                  <a:schemeClr val="tx1"/>
-                </a:solidFill>
-                <a:latin typeface="+mn-lt"/>
-                <a:ea typeface="+mn-ea"/>
-                <a:cs typeface="+mn-cs"/>
-              </a:defRPr>
-            </a:lvl9pPr>
-          </a:lstStyle>
-          <a:p>
-            <a:pPr marL="0" marR="0" lvl="0" indent="0" algn="l" defTabSz="914400" eaLnBrk="1" fontAlgn="auto" latinLnBrk="0" hangingPunct="1">
-              <a:lnSpc>
-                <a:spcPct val="110000"/>
-              </a:lnSpc>
-              <a:spcBef>
-                <a:spcPts val="999"/>
-              </a:spcBef>
-              <a:spcAft>
-                <a:spcPts val="0"/>
-              </a:spcAft>
-              <a:buClrTx/>
-              <a:buSzTx/>
-              <a:buFont typeface="Arial"/>
-              <a:buNone/>
-              <a:tabLst/>
-              <a:defRPr sz="1800">
-                <a:solidFill>
-                  <a:srgbClr val="000000"/>
-                </a:solidFill>
-              </a:defRPr>
-            </a:pPr>
-            <a:endParaRPr kumimoji="0" sz="1600" b="0" i="0" u="none" strike="noStrike" kern="0" cap="none" spc="0" normalizeH="0" baseline="0" noProof="0" dirty="0">
-              <a:ln>
-                <a:noFill/>
-              </a:ln>
-              <a:solidFill>
-                <a:srgbClr val="000000"/>
-              </a:solidFill>
-              <a:effectLst/>
-              <a:uLnTx/>
-              <a:uFillTx/>
-              <a:latin typeface="Bierstadt"/>
-              <a:cs typeface="Arial"/>
-            </a:endParaRPr>
-          </a:p>
-          <a:p>
-            <a:pPr marR="0" lvl="0" eaLnBrk="1" fontAlgn="auto" latinLnBrk="0" hangingPunct="1">
-              <a:lnSpc>
-                <a:spcPct val="111000"/>
-              </a:lnSpc>
-              <a:spcBef>
-                <a:spcPts val="999"/>
-              </a:spcBef>
-              <a:spcAft>
-                <a:spcPts val="0"/>
-              </a:spcAft>
-              <a:buClrTx/>
-              <a:buSzTx/>
-              <a:tabLst/>
-              <a:defRPr/>
-            </a:pPr>
-            <a:r>
-              <a:rPr lang="de-DE" sz="1900" dirty="0"/>
-              <a:t>4 Schritte in der explorativen Datenanalyse:</a:t>
-            </a:r>
-          </a:p>
-          <a:p>
-            <a:pPr lvl="1">
-              <a:lnSpc>
-                <a:spcPct val="111000"/>
-              </a:lnSpc>
-              <a:spcBef>
-                <a:spcPts val="999"/>
-              </a:spcBef>
-              <a:defRPr/>
-            </a:pPr>
-            <a:r>
-              <a:rPr lang="de-DE" b="1" dirty="0"/>
-              <a:t>Verteilungsanalyse </a:t>
-            </a:r>
-            <a:r>
-              <a:rPr lang="de-DE" dirty="0"/>
-              <a:t>und Ausreißer </a:t>
-            </a:r>
-            <a:r>
-              <a:rPr lang="de-DE" b="1" dirty="0"/>
-              <a:t>numerischer</a:t>
-            </a:r>
-            <a:r>
-              <a:rPr lang="de-DE" dirty="0"/>
-              <a:t> Attribute</a:t>
-            </a:r>
-          </a:p>
-          <a:p>
-            <a:pPr lvl="1">
-              <a:lnSpc>
-                <a:spcPct val="111000"/>
-              </a:lnSpc>
-              <a:spcBef>
-                <a:spcPts val="999"/>
-              </a:spcBef>
-              <a:defRPr/>
-            </a:pPr>
-            <a:r>
-              <a:rPr lang="de-DE" dirty="0"/>
-              <a:t>Analyse</a:t>
-            </a:r>
-            <a:r>
-              <a:rPr lang="de-DE" b="1" dirty="0"/>
-              <a:t> kategorialer Attribute</a:t>
-            </a:r>
-            <a:endParaRPr lang="de-DE" dirty="0"/>
-          </a:p>
-          <a:p>
-            <a:pPr lvl="1">
-              <a:lnSpc>
-                <a:spcPct val="111000"/>
-              </a:lnSpc>
-              <a:spcBef>
-                <a:spcPts val="999"/>
-              </a:spcBef>
-              <a:defRPr/>
-            </a:pPr>
-            <a:r>
-              <a:rPr lang="de-DE" b="1" dirty="0"/>
-              <a:t>Nichtlineare Zusammenhänge </a:t>
-            </a:r>
-            <a:r>
-              <a:rPr lang="de-DE" dirty="0"/>
-              <a:t>zwischen Attributen und Schadenshöhe</a:t>
-            </a:r>
-          </a:p>
-          <a:p>
-            <a:pPr lvl="1">
-              <a:lnSpc>
-                <a:spcPct val="111000"/>
-              </a:lnSpc>
-              <a:spcBef>
-                <a:spcPts val="999"/>
-              </a:spcBef>
-              <a:defRPr/>
-            </a:pPr>
-            <a:r>
-              <a:rPr lang="de-DE" b="1" dirty="0"/>
-              <a:t>Regressionsmodellierung</a:t>
-            </a:r>
-            <a:endParaRPr lang="de-DE" dirty="0"/>
-          </a:p>
-        </p:txBody>
-      </p:sp>
-    </p:spTree>
-    <p:extLst>
-      <p:ext uri="{BB962C8B-B14F-4D97-AF65-F5344CB8AC3E}">
-        <p14:creationId xmlns:p14="http://schemas.microsoft.com/office/powerpoint/2010/main" val="1823346686"/>
       </p:ext>
     </p:extLst>
   </p:cSld>
@@ -19142,7 +19389,7 @@
           <a:p>
             <a:r>
               <a:rPr lang="de-DE" sz="6000" dirty="0"/>
-              <a:t>1. Vorbemerkung</a:t>
+              <a:t>1. Vorbemerkungen</a:t>
             </a:r>
           </a:p>
         </p:txBody>
@@ -25048,7 +25295,7 @@
         </p:blipFill>
         <p:spPr>
           <a:xfrm>
-            <a:off x="6096000" y="3879768"/>
+            <a:off x="6096000" y="3818331"/>
             <a:ext cx="5143946" cy="1196444"/>
           </a:xfrm>
           <a:prstGeom prst="rect">
@@ -25293,7 +25540,7 @@
           <a:p>
             <a:r>
               <a:rPr lang="de-DE" dirty="0"/>
-              <a:t>Kenntnisse</a:t>
+              <a:t>Aufgabenverteilung</a:t>
             </a:r>
             <a:endParaRPr dirty="0"/>
           </a:p>
@@ -25325,6 +25572,24 @@
           <a:bodyPr/>
           <a:lstStyle/>
           <a:p>
+            <a:pPr marL="0" indent="0">
+              <a:buNone/>
+              <a:defRPr sz="1800">
+                <a:solidFill>
+                  <a:srgbClr val="000000"/>
+                </a:solidFill>
+              </a:defRPr>
+            </a:pPr>
+            <a:r>
+              <a:rPr lang="de-DE" b="1" dirty="0"/>
+              <a:t>Raphael</a:t>
+            </a:r>
+            <a:r>
+              <a:rPr lang="de-DE" dirty="0"/>
+              <a:t> (Data-Scientist, Mathematiker)</a:t>
+            </a:r>
+          </a:p>
+          <a:p>
             <a:pPr>
               <a:defRPr sz="1800">
                 <a:solidFill>
@@ -25333,10 +25598,110 @@
               </a:defRPr>
             </a:pPr>
             <a:r>
-              <a:rPr lang="de-DE" dirty="0" err="1"/>
-              <a:t>Dummyfolie</a:t>
-            </a:r>
-            <a:endParaRPr lang="de-DE" dirty="0"/>
+              <a:rPr lang="de-DE" dirty="0"/>
+              <a:t>Datenexploration </a:t>
+            </a:r>
+          </a:p>
+          <a:p>
+            <a:pPr>
+              <a:defRPr sz="1800">
+                <a:solidFill>
+                  <a:srgbClr val="000000"/>
+                </a:solidFill>
+              </a:defRPr>
+            </a:pPr>
+            <a:r>
+              <a:rPr lang="de-DE" dirty="0"/>
+              <a:t>Projektleitung</a:t>
+            </a:r>
+          </a:p>
+          <a:p>
+            <a:pPr marL="0" indent="0">
+              <a:buNone/>
+              <a:defRPr sz="1800">
+                <a:solidFill>
+                  <a:srgbClr val="000000"/>
+                </a:solidFill>
+              </a:defRPr>
+            </a:pPr>
+            <a:r>
+              <a:rPr lang="de-DE" b="1" dirty="0"/>
+              <a:t>David</a:t>
+            </a:r>
+            <a:r>
+              <a:rPr lang="de-DE" dirty="0"/>
+              <a:t> (Softwareentwickler)</a:t>
+            </a:r>
+          </a:p>
+          <a:p>
+            <a:pPr>
+              <a:defRPr sz="1800">
+                <a:solidFill>
+                  <a:srgbClr val="000000"/>
+                </a:solidFill>
+              </a:defRPr>
+            </a:pPr>
+            <a:r>
+              <a:rPr lang="de-DE" dirty="0"/>
+              <a:t>Modellentwicklung und –vergleich</a:t>
+            </a:r>
+          </a:p>
+          <a:p>
+            <a:pPr>
+              <a:defRPr sz="1800">
+                <a:solidFill>
+                  <a:srgbClr val="000000"/>
+                </a:solidFill>
+              </a:defRPr>
+            </a:pPr>
+            <a:r>
+              <a:rPr lang="de-DE" dirty="0"/>
+              <a:t>REST-Schnittstelle</a:t>
+            </a:r>
+          </a:p>
+          <a:p>
+            <a:pPr marL="0" indent="0">
+              <a:buNone/>
+              <a:defRPr sz="1800">
+                <a:solidFill>
+                  <a:srgbClr val="000000"/>
+                </a:solidFill>
+              </a:defRPr>
+            </a:pPr>
+            <a:r>
+              <a:rPr lang="de-DE" b="1" dirty="0"/>
+              <a:t>Matthias</a:t>
+            </a:r>
+            <a:r>
+              <a:rPr lang="de-DE" dirty="0"/>
+              <a:t> (Diplom-Kaufmann)</a:t>
+            </a:r>
+          </a:p>
+          <a:p>
+            <a:pPr>
+              <a:defRPr sz="1800">
+                <a:solidFill>
+                  <a:srgbClr val="000000"/>
+                </a:solidFill>
+              </a:defRPr>
+            </a:pPr>
+            <a:r>
+              <a:rPr lang="de-DE" dirty="0"/>
+              <a:t>Kommunikation mit Lehrstuhl</a:t>
+            </a:r>
+          </a:p>
+          <a:p>
+            <a:pPr>
+              <a:defRPr sz="1800">
+                <a:solidFill>
+                  <a:srgbClr val="000000"/>
+                </a:solidFill>
+              </a:defRPr>
+            </a:pPr>
+            <a:r>
+              <a:rPr lang="de-DE" dirty="0"/>
+              <a:t>Betriebswirtschaftlicher Teil und DASC-PM</a:t>
+            </a:r>
           </a:p>
         </p:txBody>
       </p:sp>
@@ -27196,8 +27561,8 @@
           <a:lstStyle/>
           <a:p>
             <a:r>
-              <a:rPr lang="de-DE" dirty="0" err="1"/>
-              <a:t>Dummyfolie</a:t>
+              <a:rPr lang="de-DE" dirty="0"/>
+              <a:t>Kenntnisse ???</a:t>
             </a:r>
             <a:endParaRPr dirty="0"/>
           </a:p>
@@ -34930,7 +35295,7 @@
     </p:spTree>
     <p:extLst>
       <p:ext uri="{BB962C8B-B14F-4D97-AF65-F5344CB8AC3E}">
-        <p14:creationId xmlns:p14="http://schemas.microsoft.com/office/powerpoint/2010/main" val="953924686"/>
+        <p14:creationId xmlns:p14="http://schemas.microsoft.com/office/powerpoint/2010/main" val="3177167690"/>
       </p:ext>
     </p:extLst>
   </p:cSld>
@@ -34986,7 +35351,7 @@
           <a:p>
             <a:r>
               <a:rPr lang="de-DE" dirty="0"/>
-              <a:t>Projektauftrag</a:t>
+              <a:t>Meilenstein1: Projektauftrag</a:t>
             </a:r>
           </a:p>
         </p:txBody>
@@ -35009,7 +35374,7 @@
         </p:nvSpPr>
         <p:spPr>
           <a:xfrm>
-            <a:off x="521208" y="2035997"/>
+            <a:off x="521208" y="2054103"/>
             <a:ext cx="11155680" cy="3767328"/>
           </a:xfrm>
         </p:spPr>
@@ -35020,18 +35385,35 @@
           <a:lstStyle/>
           <a:p>
             <a:r>
+              <a:rPr lang="de-DE" b="1" dirty="0"/>
+              <a:t>Ziel: Reduktion betriebswirtschaftlicher Schäden</a:t>
+            </a:r>
+          </a:p>
+          <a:p>
+            <a:pPr lvl="1"/>
+            <a:r>
+              <a:rPr lang="de-DE" b="1" dirty="0"/>
+              <a:t>Modell</a:t>
+            </a:r>
+            <a:r>
               <a:rPr lang="de-DE" dirty="0"/>
-              <a:t>Datenanalyse zur Erkennung </a:t>
+              <a:t> zur Erkennung </a:t>
             </a:r>
             <a:r>
               <a:rPr lang="de-DE" b="1" dirty="0"/>
               <a:t>auffälliger Muster/fehlerhafter Abläufe </a:t>
             </a:r>
-          </a:p>
-          <a:p>
+            <a:endParaRPr lang="de-DE" dirty="0"/>
+          </a:p>
+          <a:p>
+            <a:pPr lvl="1"/>
             <a:r>
               <a:rPr lang="de-DE" dirty="0"/>
-              <a:t>Ziel</a:t>
+              <a:t>Algorithmus zur </a:t>
+            </a:r>
+            <a:r>
+              <a:rPr lang="de-DE" b="1" dirty="0"/>
+              <a:t>Kennzeichnung verdächtiger Transaktionen</a:t>
             </a:r>
           </a:p>
           <a:p>
@@ -35043,13 +35425,39 @@
           </a:p>
           <a:p>
             <a:pPr lvl="1"/>
+            <a:endParaRPr lang="de-DE" b="1" dirty="0"/>
+          </a:p>
+          <a:p>
             <a:r>
               <a:rPr lang="de-DE" dirty="0"/>
-              <a:t>Algorithmus zur </a:t>
-            </a:r>
+              <a:t>Nebenbedingungen:</a:t>
+            </a:r>
+            <a:endParaRPr lang="de-DE" b="1" dirty="0"/>
+          </a:p>
+          <a:p>
+            <a:pPr lvl="1"/>
             <a:r>
               <a:rPr lang="de-DE" b="1" dirty="0"/>
-              <a:t>Kennzeichnung verdächtiger Transaktionen</a:t>
+              <a:t>Technische Machbarkeit</a:t>
+            </a:r>
+          </a:p>
+          <a:p>
+            <a:pPr lvl="1"/>
+            <a:r>
+              <a:rPr lang="de-DE" b="1" dirty="0"/>
+              <a:t>Echtzeitbetrieb &amp; Skalierbarkeit</a:t>
+            </a:r>
+            <a:endParaRPr lang="de-DE" dirty="0"/>
+          </a:p>
+          <a:p>
+            <a:pPr lvl="1"/>
+            <a:r>
+              <a:rPr lang="de-DE" b="1" dirty="0"/>
+              <a:t>Betriebswirtschaftliche Sinnhaftigkeit </a:t>
+            </a:r>
+            <a:r>
+              <a:rPr lang="de-DE" dirty="0"/>
+              <a:t>der Lösung</a:t>
             </a:r>
           </a:p>
           <a:p>
@@ -35062,37 +35470,10 @@
               <a:rPr lang="de-DE" dirty="0"/>
               <a:t> zur wirtschaftlichen Bewertung von Kontrollentscheidungen</a:t>
             </a:r>
-          </a:p>
-          <a:p>
-            <a:pPr marL="457200" lvl="1" indent="0">
-              <a:buNone/>
-            </a:pPr>
             <a:endParaRPr lang="de-DE" b="1" dirty="0"/>
           </a:p>
           <a:p>
-            <a:r>
-              <a:rPr lang="de-DE" dirty="0"/>
-              <a:t>Nebenbedingungen:</a:t>
-            </a:r>
-            <a:endParaRPr lang="de-DE" b="1" dirty="0"/>
-          </a:p>
-          <a:p>
             <a:pPr lvl="1"/>
-            <a:r>
-              <a:rPr lang="de-DE" b="1" dirty="0"/>
-              <a:t>Technische Machbarkeit</a:t>
-            </a:r>
-          </a:p>
-          <a:p>
-            <a:pPr lvl="1"/>
-            <a:r>
-              <a:rPr lang="de-DE" b="1" dirty="0"/>
-              <a:t>Betriebswirtschaftliche Sinnhaftigkeit </a:t>
-            </a:r>
-            <a:r>
-              <a:rPr lang="de-DE" dirty="0"/>
-              <a:t>der Lösung</a:t>
-            </a:r>
             <a:endParaRPr lang="de-DE" b="1" dirty="0"/>
           </a:p>
           <a:p>
@@ -35266,8 +35647,8 @@
           <a:lstStyle/>
           <a:p>
             <a:r>
-              <a:rPr lang="de-DE" sz="6000" dirty="0"/>
-              <a:t>6. Abschlussbemerkung</a:t>
+              <a:rPr lang="de-DE" sz="5600" dirty="0"/>
+              <a:t>6. Abschlussbemerkungen</a:t>
             </a:r>
           </a:p>
         </p:txBody>
@@ -35793,7 +36174,7 @@
     </p:spTree>
     <p:extLst>
       <p:ext uri="{BB962C8B-B14F-4D97-AF65-F5344CB8AC3E}">
-        <p14:creationId xmlns:p14="http://schemas.microsoft.com/office/powerpoint/2010/main" val="2566949038"/>
+        <p14:creationId xmlns:p14="http://schemas.microsoft.com/office/powerpoint/2010/main" val="1632780743"/>
       </p:ext>
     </p:extLst>
   </p:cSld>
@@ -36305,7 +36686,7 @@
         <p:cNvPr id="1" name="">
           <a:extLst>
             <a:ext uri="{FF2B5EF4-FFF2-40B4-BE49-F238E27FC236}">
-              <a16:creationId xmlns:a16="http://schemas.microsoft.com/office/drawing/2014/main" id="{E5E6850E-3017-3691-2266-5C0D504101C0}"/>
+              <a16:creationId xmlns:a16="http://schemas.microsoft.com/office/drawing/2014/main" id="{2F3D18C3-0EE9-A532-01C5-A5C160B26D4B}"/>
             </a:ext>
           </a:extLst>
         </p:cNvPr>
@@ -36325,7 +36706,7 @@
           <p:cNvPr id="2" name="Titel 1">
             <a:extLst>
               <a:ext uri="{FF2B5EF4-FFF2-40B4-BE49-F238E27FC236}">
-                <a16:creationId xmlns:a16="http://schemas.microsoft.com/office/drawing/2014/main" id="{AEF0E297-4158-A53B-3BF3-A3DC9BC469CD}"/>
+                <a16:creationId xmlns:a16="http://schemas.microsoft.com/office/drawing/2014/main" id="{83C139C0-BD43-E4AD-0047-6CBCDD4B8439}"/>
               </a:ext>
             </a:extLst>
           </p:cNvPr>
@@ -36343,7 +36724,7 @@
           <a:p>
             <a:r>
               <a:rPr lang="de-DE" dirty="0"/>
-              <a:t>Meilenstein 1: Projektdefinition &amp; Zielklärung</a:t>
+              <a:t>Meilenstein 2: Datenzugang &amp; Exploration</a:t>
             </a:r>
           </a:p>
         </p:txBody>
@@ -36353,7 +36734,7 @@
           <p:cNvPr id="3" name="Inhaltsplatzhalter 2">
             <a:extLst>
               <a:ext uri="{FF2B5EF4-FFF2-40B4-BE49-F238E27FC236}">
-                <a16:creationId xmlns:a16="http://schemas.microsoft.com/office/drawing/2014/main" id="{9979EF63-4BF9-6B33-B47D-077829B94D0F}"/>
+                <a16:creationId xmlns:a16="http://schemas.microsoft.com/office/drawing/2014/main" id="{9CA6553E-A712-900B-0EEC-FBBDA0785F34}"/>
               </a:ext>
             </a:extLst>
           </p:cNvPr>
@@ -36366,8 +36747,8 @@
         </p:nvSpPr>
         <p:spPr>
           <a:xfrm>
-            <a:off x="521208" y="2662812"/>
-            <a:ext cx="11155680" cy="3512307"/>
+            <a:off x="521208" y="2703007"/>
+            <a:ext cx="11155680" cy="3472109"/>
           </a:xfrm>
         </p:spPr>
         <p:txBody>
@@ -36376,76 +36757,90 @@
           </a:bodyPr>
           <a:lstStyle/>
           <a:p>
-            <a:endParaRPr lang="de-DE" b="1" dirty="0"/>
-          </a:p>
-          <a:p>
             <a:r>
               <a:rPr lang="de-DE" b="1" dirty="0"/>
-              <a:t>Formulierung des Projektziels</a:t>
+              <a:t>Zugang</a:t>
             </a:r>
             <a:r>
               <a:rPr lang="de-DE" dirty="0"/>
-              <a:t> in Abstimmung mit Wertkauf GmbH</a:t>
-            </a:r>
-          </a:p>
-          <a:p>
+              <a:t> zu Kassendaten (Transaktion, Artikel, Filiale)</a:t>
+            </a:r>
+          </a:p>
+          <a:p>
+            <a:r>
+              <a:rPr lang="de-DE" b="1" dirty="0"/>
+              <a:t>Prüfung</a:t>
+            </a:r>
             <a:r>
               <a:rPr lang="de-DE" dirty="0"/>
-              <a:t>Definition der technischen &amp; wirtschaftlichen </a:t>
+              <a:t> auf Vollständigkeit, Struktur, Konsistenz</a:t>
+            </a:r>
+          </a:p>
+          <a:p>
+            <a:r>
+              <a:rPr lang="de-DE" dirty="0"/>
+              <a:t>Erste </a:t>
             </a:r>
             <a:r>
               <a:rPr lang="de-DE" b="1" dirty="0"/>
-              <a:t>Rahmenbedingungen</a:t>
-            </a:r>
+              <a:t>explorative Analysen </a:t>
+            </a:r>
+            <a:r>
+              <a:rPr lang="de-DE" dirty="0"/>
+              <a:t>&amp; Hypothesenbildung</a:t>
+            </a:r>
+          </a:p>
+          <a:p>
+            <a:r>
+              <a:rPr lang="de-DE" b="1" dirty="0"/>
+              <a:t>Evaluierung </a:t>
+            </a:r>
+            <a:r>
+              <a:rPr lang="de-DE" dirty="0"/>
+              <a:t>der Modellierbarkeit (z. B. </a:t>
+            </a:r>
+            <a:r>
+              <a:rPr lang="de-DE" dirty="0" err="1"/>
+              <a:t>Labelverteilung</a:t>
+            </a:r>
+            <a:r>
+              <a:rPr lang="de-DE" dirty="0"/>
+              <a:t>, Datenqualität)</a:t>
+            </a:r>
+          </a:p>
+          <a:p>
+            <a:r>
+              <a:rPr lang="de-DE" dirty="0"/>
+              <a:t>Definition der </a:t>
+            </a:r>
+            <a:r>
+              <a:rPr lang="de-DE" b="1" dirty="0"/>
+              <a:t>REST-Schnittstelle</a:t>
+            </a:r>
+            <a:r>
+              <a:rPr lang="de-DE" dirty="0"/>
+              <a:t> für späteren Modellzugriff</a:t>
+            </a:r>
+          </a:p>
+          <a:p>
+            <a:r>
+              <a:rPr lang="de-DE" b="1" dirty="0"/>
+              <a:t>Präsentation</a:t>
+            </a:r>
+            <a:r>
+              <a:rPr lang="de-DE" dirty="0"/>
+              <a:t> erster Erkenntnisse &amp; ggfs. Projektanpassung</a:t>
+            </a:r>
+          </a:p>
+          <a:p>
             <a:endParaRPr lang="de-DE" dirty="0"/>
-          </a:p>
-          <a:p>
-            <a:r>
-              <a:rPr lang="de-DE" dirty="0"/>
-              <a:t>Diskussion &amp; Festlegung der </a:t>
-            </a:r>
-            <a:r>
-              <a:rPr lang="de-DE" b="1" dirty="0"/>
-              <a:t>Bewertungsfunktion</a:t>
-            </a:r>
-          </a:p>
-          <a:p>
-            <a:r>
-              <a:rPr lang="de-DE" dirty="0"/>
-              <a:t>Identifikation zentraler </a:t>
-            </a:r>
-            <a:r>
-              <a:rPr lang="de-DE" b="1" dirty="0"/>
-              <a:t>Zielkonflikte</a:t>
-            </a:r>
-            <a:r>
-              <a:rPr lang="de-DE" dirty="0"/>
-              <a:t> (z. B. Präzision vs. Kundenakzeptanz)</a:t>
-            </a:r>
-          </a:p>
-          <a:p>
-            <a:r>
-              <a:rPr lang="de-DE" dirty="0"/>
-              <a:t>Erstellung &amp; </a:t>
-            </a:r>
-            <a:r>
-              <a:rPr lang="de-DE" b="1" dirty="0"/>
-              <a:t>Vorstellung des Projektauftrags </a:t>
-            </a:r>
-            <a:r>
-              <a:rPr lang="de-DE" dirty="0"/>
-              <a:t>(PDF + Präsentation)</a:t>
-            </a:r>
-          </a:p>
-          <a:p>
-            <a:endParaRPr lang="de-DE" b="1" dirty="0"/>
           </a:p>
         </p:txBody>
       </p:sp>
     </p:spTree>
     <p:extLst>
       <p:ext uri="{BB962C8B-B14F-4D97-AF65-F5344CB8AC3E}">
-        <p14:creationId xmlns:p14="http://schemas.microsoft.com/office/powerpoint/2010/main" val="75013829"/>
+        <p14:creationId xmlns:p14="http://schemas.microsoft.com/office/powerpoint/2010/main" val="2329380691"/>
       </p:ext>
     </p:extLst>
   </p:cSld>

--- a/präsentationen/Abschlusspräsentation_Entwurf.pptx
+++ b/präsentationen/Abschlusspräsentation_Entwurf.pptx
@@ -5,7 +5,7 @@
     <p:sldMasterId id="2147483660" r:id="rId1"/>
   </p:sldMasterIdLst>
   <p:notesMasterIdLst>
-    <p:notesMasterId r:id="rId85"/>
+    <p:notesMasterId r:id="rId83"/>
   </p:notesMasterIdLst>
   <p:sldIdLst>
     <p:sldId id="2582" r:id="rId2"/>
@@ -31,66 +31,64 @@
     <p:sldId id="258" r:id="rId22"/>
     <p:sldId id="259" r:id="rId23"/>
     <p:sldId id="2663" r:id="rId24"/>
-    <p:sldId id="2726" r:id="rId25"/>
-    <p:sldId id="2757" r:id="rId26"/>
-    <p:sldId id="2656" r:id="rId27"/>
-    <p:sldId id="2657" r:id="rId28"/>
-    <p:sldId id="2665" r:id="rId29"/>
-    <p:sldId id="2667" r:id="rId30"/>
-    <p:sldId id="271" r:id="rId31"/>
-    <p:sldId id="2668" r:id="rId32"/>
-    <p:sldId id="2669" r:id="rId33"/>
-    <p:sldId id="2672" r:id="rId34"/>
-    <p:sldId id="2670" r:id="rId35"/>
-    <p:sldId id="261" r:id="rId36"/>
-    <p:sldId id="262" r:id="rId37"/>
-    <p:sldId id="264" r:id="rId38"/>
-    <p:sldId id="266" r:id="rId39"/>
-    <p:sldId id="268" r:id="rId40"/>
-    <p:sldId id="270" r:id="rId41"/>
-    <p:sldId id="2673" r:id="rId42"/>
-    <p:sldId id="2674" r:id="rId43"/>
-    <p:sldId id="2675" r:id="rId44"/>
-    <p:sldId id="2676" r:id="rId45"/>
-    <p:sldId id="2727" r:id="rId46"/>
-    <p:sldId id="2662" r:id="rId47"/>
-    <p:sldId id="2709" r:id="rId48"/>
-    <p:sldId id="2728" r:id="rId49"/>
-    <p:sldId id="2729" r:id="rId50"/>
-    <p:sldId id="2730" r:id="rId51"/>
-    <p:sldId id="2731" r:id="rId52"/>
-    <p:sldId id="2732" r:id="rId53"/>
-    <p:sldId id="2733" r:id="rId54"/>
-    <p:sldId id="2734" r:id="rId55"/>
-    <p:sldId id="2735" r:id="rId56"/>
-    <p:sldId id="2736" r:id="rId57"/>
-    <p:sldId id="2737" r:id="rId58"/>
-    <p:sldId id="2738" r:id="rId59"/>
-    <p:sldId id="2739" r:id="rId60"/>
-    <p:sldId id="2740" r:id="rId61"/>
-    <p:sldId id="2741" r:id="rId62"/>
-    <p:sldId id="2742" r:id="rId63"/>
-    <p:sldId id="2743" r:id="rId64"/>
-    <p:sldId id="2744" r:id="rId65"/>
-    <p:sldId id="2745" r:id="rId66"/>
-    <p:sldId id="2746" r:id="rId67"/>
-    <p:sldId id="2747" r:id="rId68"/>
-    <p:sldId id="2748" r:id="rId69"/>
-    <p:sldId id="2749" r:id="rId70"/>
-    <p:sldId id="2750" r:id="rId71"/>
-    <p:sldId id="2751" r:id="rId72"/>
-    <p:sldId id="2752" r:id="rId73"/>
-    <p:sldId id="2753" r:id="rId74"/>
-    <p:sldId id="2754" r:id="rId75"/>
-    <p:sldId id="2755" r:id="rId76"/>
-    <p:sldId id="2718" r:id="rId77"/>
-    <p:sldId id="2711" r:id="rId78"/>
-    <p:sldId id="2758" r:id="rId79"/>
-    <p:sldId id="2759" r:id="rId80"/>
-    <p:sldId id="2712" r:id="rId81"/>
-    <p:sldId id="2760" r:id="rId82"/>
-    <p:sldId id="2761" r:id="rId83"/>
-    <p:sldId id="2632" r:id="rId84"/>
+    <p:sldId id="2757" r:id="rId25"/>
+    <p:sldId id="2656" r:id="rId26"/>
+    <p:sldId id="2657" r:id="rId27"/>
+    <p:sldId id="2665" r:id="rId28"/>
+    <p:sldId id="2667" r:id="rId29"/>
+    <p:sldId id="271" r:id="rId30"/>
+    <p:sldId id="2668" r:id="rId31"/>
+    <p:sldId id="2669" r:id="rId32"/>
+    <p:sldId id="2672" r:id="rId33"/>
+    <p:sldId id="2670" r:id="rId34"/>
+    <p:sldId id="261" r:id="rId35"/>
+    <p:sldId id="262" r:id="rId36"/>
+    <p:sldId id="264" r:id="rId37"/>
+    <p:sldId id="266" r:id="rId38"/>
+    <p:sldId id="268" r:id="rId39"/>
+    <p:sldId id="270" r:id="rId40"/>
+    <p:sldId id="2673" r:id="rId41"/>
+    <p:sldId id="2674" r:id="rId42"/>
+    <p:sldId id="2675" r:id="rId43"/>
+    <p:sldId id="2676" r:id="rId44"/>
+    <p:sldId id="2727" r:id="rId45"/>
+    <p:sldId id="2662" r:id="rId46"/>
+    <p:sldId id="2709" r:id="rId47"/>
+    <p:sldId id="2728" r:id="rId48"/>
+    <p:sldId id="2729" r:id="rId49"/>
+    <p:sldId id="2730" r:id="rId50"/>
+    <p:sldId id="2731" r:id="rId51"/>
+    <p:sldId id="2732" r:id="rId52"/>
+    <p:sldId id="2733" r:id="rId53"/>
+    <p:sldId id="2734" r:id="rId54"/>
+    <p:sldId id="2735" r:id="rId55"/>
+    <p:sldId id="2736" r:id="rId56"/>
+    <p:sldId id="2737" r:id="rId57"/>
+    <p:sldId id="2738" r:id="rId58"/>
+    <p:sldId id="2739" r:id="rId59"/>
+    <p:sldId id="2740" r:id="rId60"/>
+    <p:sldId id="2741" r:id="rId61"/>
+    <p:sldId id="2742" r:id="rId62"/>
+    <p:sldId id="2743" r:id="rId63"/>
+    <p:sldId id="2744" r:id="rId64"/>
+    <p:sldId id="2745" r:id="rId65"/>
+    <p:sldId id="2746" r:id="rId66"/>
+    <p:sldId id="2747" r:id="rId67"/>
+    <p:sldId id="2748" r:id="rId68"/>
+    <p:sldId id="2749" r:id="rId69"/>
+    <p:sldId id="2750" r:id="rId70"/>
+    <p:sldId id="2751" r:id="rId71"/>
+    <p:sldId id="2752" r:id="rId72"/>
+    <p:sldId id="2753" r:id="rId73"/>
+    <p:sldId id="2754" r:id="rId74"/>
+    <p:sldId id="2755" r:id="rId75"/>
+    <p:sldId id="2711" r:id="rId76"/>
+    <p:sldId id="2758" r:id="rId77"/>
+    <p:sldId id="2759" r:id="rId78"/>
+    <p:sldId id="2712" r:id="rId79"/>
+    <p:sldId id="2760" r:id="rId80"/>
+    <p:sldId id="2761" r:id="rId81"/>
+    <p:sldId id="2632" r:id="rId82"/>
   </p:sldIdLst>
   <p:sldSz cx="12192000" cy="6858000"/>
   <p:notesSz cx="6858000" cy="9144000"/>
@@ -217,7 +215,6 @@
             <p14:sldId id="258"/>
             <p14:sldId id="259"/>
             <p14:sldId id="2663"/>
-            <p14:sldId id="2726"/>
             <p14:sldId id="2757"/>
             <p14:sldId id="2656"/>
             <p14:sldId id="2657"/>
@@ -269,7 +266,6 @@
             <p14:sldId id="2753"/>
             <p14:sldId id="2754"/>
             <p14:sldId id="2755"/>
-            <p14:sldId id="2718"/>
             <p14:sldId id="2711"/>
             <p14:sldId id="2758"/>
             <p14:sldId id="2759"/>
@@ -750,13 +746,7 @@
   <p:cSld>
     <p:spTree>
       <p:nvGrpSpPr>
-        <p:cNvPr id="1" name="">
-          <a:extLst>
-            <a:ext uri="{FF2B5EF4-FFF2-40B4-BE49-F238E27FC236}">
-              <a16:creationId xmlns:a16="http://schemas.microsoft.com/office/drawing/2014/main" id="{913360F4-5A38-9608-D9AA-60B706E66FE7}"/>
-            </a:ext>
-          </a:extLst>
-        </p:cNvPr>
+        <p:cNvPr id="1" name=""/>
         <p:cNvGrpSpPr/>
         <p:nvPr/>
       </p:nvGrpSpPr>
@@ -770,13 +760,7 @@
       </p:grpSpPr>
       <p:sp>
         <p:nvSpPr>
-          <p:cNvPr id="139090186" name="Slide Image Placeholder 1">
-            <a:extLst>
-              <a:ext uri="{FF2B5EF4-FFF2-40B4-BE49-F238E27FC236}">
-                <a16:creationId xmlns:a16="http://schemas.microsoft.com/office/drawing/2014/main" id="{D707612B-E4DF-600B-0648-979AF74712F5}"/>
-              </a:ext>
-            </a:extLst>
-          </p:cNvPr>
+          <p:cNvPr id="832846341" name="Slide Image Placeholder 1"/>
           <p:cNvSpPr>
             <a:spLocks noGrp="1" noRot="1" noChangeAspect="1"/>
           </p:cNvSpPr>
@@ -788,13 +772,7 @@
       </p:sp>
       <p:sp>
         <p:nvSpPr>
-          <p:cNvPr id="400293583" name="Notes Placeholder 2">
-            <a:extLst>
-              <a:ext uri="{FF2B5EF4-FFF2-40B4-BE49-F238E27FC236}">
-                <a16:creationId xmlns:a16="http://schemas.microsoft.com/office/drawing/2014/main" id="{4DC219C3-3826-CACF-E499-F1FA996A0845}"/>
-              </a:ext>
-            </a:extLst>
-          </p:cNvPr>
+          <p:cNvPr id="543882345" name="Notes Placeholder 2"/>
           <p:cNvSpPr>
             <a:spLocks noGrp="1"/>
           </p:cNvSpPr>
@@ -816,13 +794,7 @@
       </p:sp>
       <p:sp>
         <p:nvSpPr>
-          <p:cNvPr id="1257388043" name="Slide Number Placeholder 3">
-            <a:extLst>
-              <a:ext uri="{FF2B5EF4-FFF2-40B4-BE49-F238E27FC236}">
-                <a16:creationId xmlns:a16="http://schemas.microsoft.com/office/drawing/2014/main" id="{7A167CF0-C9E7-155C-8862-699FEEFCADC7}"/>
-              </a:ext>
-            </a:extLst>
-          </p:cNvPr>
+          <p:cNvPr id="921246765" name="Slide Number Placeholder 3"/>
           <p:cNvSpPr>
             <a:spLocks noGrp="1"/>
           </p:cNvSpPr>
@@ -852,7 +824,7 @@
               <a:tabLst/>
               <a:defRPr/>
             </a:pPr>
-            <a:fld id="{20073075-213A-DC53-9B24-1C6EF3B6ADAB}" type="slidenum">
+            <a:fld id="{FD88B328-2A4A-2388-027B-FD6A686DE28C}" type="slidenum">
               <a:rPr kumimoji="0" sz="1200" b="0" i="0" u="none" strike="noStrike" kern="0" cap="none" spc="0" normalizeH="0" baseline="0" noProof="0">
                 <a:ln>
                   <a:noFill/>
@@ -902,11 +874,6 @@
         </p:txBody>
       </p:sp>
     </p:spTree>
-    <p:extLst>
-      <p:ext uri="{BB962C8B-B14F-4D97-AF65-F5344CB8AC3E}">
-        <p14:creationId xmlns:p14="http://schemas.microsoft.com/office/powerpoint/2010/main" val="2106459394"/>
-      </p:ext>
-    </p:extLst>
   </p:cSld>
   <p:clrMapOvr>
     <a:masterClrMapping/>
@@ -919,7 +886,13 @@
   <p:cSld>
     <p:spTree>
       <p:nvGrpSpPr>
-        <p:cNvPr id="1" name=""/>
+        <p:cNvPr id="1" name="">
+          <a:extLst>
+            <a:ext uri="{FF2B5EF4-FFF2-40B4-BE49-F238E27FC236}">
+              <a16:creationId xmlns:a16="http://schemas.microsoft.com/office/drawing/2014/main" id="{A69D4765-EFBC-30ED-DB2A-141FF7FF4BF4}"/>
+            </a:ext>
+          </a:extLst>
+        </p:cNvPr>
         <p:cNvGrpSpPr/>
         <p:nvPr/>
       </p:nvGrpSpPr>
@@ -933,7 +906,13 @@
       </p:grpSpPr>
       <p:sp>
         <p:nvSpPr>
-          <p:cNvPr id="832846341" name="Slide Image Placeholder 1"/>
+          <p:cNvPr id="139090186" name="Slide Image Placeholder 1">
+            <a:extLst>
+              <a:ext uri="{FF2B5EF4-FFF2-40B4-BE49-F238E27FC236}">
+                <a16:creationId xmlns:a16="http://schemas.microsoft.com/office/drawing/2014/main" id="{43E9645E-4F6C-312B-E836-B5E06D977AFD}"/>
+              </a:ext>
+            </a:extLst>
+          </p:cNvPr>
           <p:cNvSpPr>
             <a:spLocks noGrp="1" noRot="1" noChangeAspect="1"/>
           </p:cNvSpPr>
@@ -945,7 +924,13 @@
       </p:sp>
       <p:sp>
         <p:nvSpPr>
-          <p:cNvPr id="543882345" name="Notes Placeholder 2"/>
+          <p:cNvPr id="400293583" name="Notes Placeholder 2">
+            <a:extLst>
+              <a:ext uri="{FF2B5EF4-FFF2-40B4-BE49-F238E27FC236}">
+                <a16:creationId xmlns:a16="http://schemas.microsoft.com/office/drawing/2014/main" id="{F5FF419A-8240-7BC0-6E2F-21231D03A12D}"/>
+              </a:ext>
+            </a:extLst>
+          </p:cNvPr>
           <p:cNvSpPr>
             <a:spLocks noGrp="1"/>
           </p:cNvSpPr>
@@ -967,7 +952,13 @@
       </p:sp>
       <p:sp>
         <p:nvSpPr>
-          <p:cNvPr id="921246765" name="Slide Number Placeholder 3"/>
+          <p:cNvPr id="1257388043" name="Slide Number Placeholder 3">
+            <a:extLst>
+              <a:ext uri="{FF2B5EF4-FFF2-40B4-BE49-F238E27FC236}">
+                <a16:creationId xmlns:a16="http://schemas.microsoft.com/office/drawing/2014/main" id="{6E780E89-62E3-6E82-C823-A00E8889537D}"/>
+              </a:ext>
+            </a:extLst>
+          </p:cNvPr>
           <p:cNvSpPr>
             <a:spLocks noGrp="1"/>
           </p:cNvSpPr>
@@ -997,7 +988,7 @@
               <a:tabLst/>
               <a:defRPr/>
             </a:pPr>
-            <a:fld id="{FD88B328-2A4A-2388-027B-FD6A686DE28C}" type="slidenum">
+            <a:fld id="{20073075-213A-DC53-9B24-1C6EF3B6ADAB}" type="slidenum">
               <a:rPr kumimoji="0" sz="1200" b="0" i="0" u="none" strike="noStrike" kern="0" cap="none" spc="0" normalizeH="0" baseline="0" noProof="0">
                 <a:ln>
                   <a:noFill/>
@@ -1047,6 +1038,11 @@
         </p:txBody>
       </p:sp>
     </p:spTree>
+    <p:extLst>
+      <p:ext uri="{BB962C8B-B14F-4D97-AF65-F5344CB8AC3E}">
+        <p14:creationId xmlns:p14="http://schemas.microsoft.com/office/powerpoint/2010/main" val="3156753113"/>
+      </p:ext>
+    </p:extLst>
   </p:cSld>
   <p:clrMapOvr>
     <a:masterClrMapping/>
@@ -1062,7 +1058,7 @@
         <p:cNvPr id="1" name="">
           <a:extLst>
             <a:ext uri="{FF2B5EF4-FFF2-40B4-BE49-F238E27FC236}">
-              <a16:creationId xmlns:a16="http://schemas.microsoft.com/office/drawing/2014/main" id="{A69D4765-EFBC-30ED-DB2A-141FF7FF4BF4}"/>
+              <a16:creationId xmlns:a16="http://schemas.microsoft.com/office/drawing/2014/main" id="{DF2E29F8-5600-714B-AAED-9B769A43E6B8}"/>
             </a:ext>
           </a:extLst>
         </p:cNvPr>
@@ -1082,7 +1078,7 @@
           <p:cNvPr id="139090186" name="Slide Image Placeholder 1">
             <a:extLst>
               <a:ext uri="{FF2B5EF4-FFF2-40B4-BE49-F238E27FC236}">
-                <a16:creationId xmlns:a16="http://schemas.microsoft.com/office/drawing/2014/main" id="{43E9645E-4F6C-312B-E836-B5E06D977AFD}"/>
+                <a16:creationId xmlns:a16="http://schemas.microsoft.com/office/drawing/2014/main" id="{E6271F04-4AB8-DF99-138C-100EEDB31BC5}"/>
               </a:ext>
             </a:extLst>
           </p:cNvPr>
@@ -1100,7 +1096,7 @@
           <p:cNvPr id="400293583" name="Notes Placeholder 2">
             <a:extLst>
               <a:ext uri="{FF2B5EF4-FFF2-40B4-BE49-F238E27FC236}">
-                <a16:creationId xmlns:a16="http://schemas.microsoft.com/office/drawing/2014/main" id="{F5FF419A-8240-7BC0-6E2F-21231D03A12D}"/>
+                <a16:creationId xmlns:a16="http://schemas.microsoft.com/office/drawing/2014/main" id="{BA7338E7-93E1-2F7B-7204-62112091221E}"/>
               </a:ext>
             </a:extLst>
           </p:cNvPr>
@@ -1128,7 +1124,7 @@
           <p:cNvPr id="1257388043" name="Slide Number Placeholder 3">
             <a:extLst>
               <a:ext uri="{FF2B5EF4-FFF2-40B4-BE49-F238E27FC236}">
-                <a16:creationId xmlns:a16="http://schemas.microsoft.com/office/drawing/2014/main" id="{6E780E89-62E3-6E82-C823-A00E8889537D}"/>
+                <a16:creationId xmlns:a16="http://schemas.microsoft.com/office/drawing/2014/main" id="{1FD01CDE-1511-F7B6-7256-B93D4351BA5B}"/>
               </a:ext>
             </a:extLst>
           </p:cNvPr>
@@ -1213,7 +1209,7 @@
     </p:spTree>
     <p:extLst>
       <p:ext uri="{BB962C8B-B14F-4D97-AF65-F5344CB8AC3E}">
-        <p14:creationId xmlns:p14="http://schemas.microsoft.com/office/powerpoint/2010/main" val="3156753113"/>
+        <p14:creationId xmlns:p14="http://schemas.microsoft.com/office/powerpoint/2010/main" val="3709393962"/>
       </p:ext>
     </p:extLst>
   </p:cSld>
@@ -1231,7 +1227,7 @@
         <p:cNvPr id="1" name="">
           <a:extLst>
             <a:ext uri="{FF2B5EF4-FFF2-40B4-BE49-F238E27FC236}">
-              <a16:creationId xmlns:a16="http://schemas.microsoft.com/office/drawing/2014/main" id="{DF2E29F8-5600-714B-AAED-9B769A43E6B8}"/>
+              <a16:creationId xmlns:a16="http://schemas.microsoft.com/office/drawing/2014/main" id="{0C8E5554-3A1B-8827-8B29-A48B0F1026D2}"/>
             </a:ext>
           </a:extLst>
         </p:cNvPr>
@@ -1248,10 +1244,10 @@
       </p:grpSpPr>
       <p:sp>
         <p:nvSpPr>
-          <p:cNvPr id="139090186" name="Slide Image Placeholder 1">
-            <a:extLst>
-              <a:ext uri="{FF2B5EF4-FFF2-40B4-BE49-F238E27FC236}">
-                <a16:creationId xmlns:a16="http://schemas.microsoft.com/office/drawing/2014/main" id="{E6271F04-4AB8-DF99-138C-100EEDB31BC5}"/>
+          <p:cNvPr id="395415193" name="Slide Image Placeholder 1">
+            <a:extLst>
+              <a:ext uri="{FF2B5EF4-FFF2-40B4-BE49-F238E27FC236}">
+                <a16:creationId xmlns:a16="http://schemas.microsoft.com/office/drawing/2014/main" id="{D70E2993-B966-54C6-A3D3-D92688D3AC03}"/>
               </a:ext>
             </a:extLst>
           </p:cNvPr>
@@ -1266,10 +1262,10 @@
       </p:sp>
       <p:sp>
         <p:nvSpPr>
-          <p:cNvPr id="400293583" name="Notes Placeholder 2">
-            <a:extLst>
-              <a:ext uri="{FF2B5EF4-FFF2-40B4-BE49-F238E27FC236}">
-                <a16:creationId xmlns:a16="http://schemas.microsoft.com/office/drawing/2014/main" id="{BA7338E7-93E1-2F7B-7204-62112091221E}"/>
+          <p:cNvPr id="554188817" name="Notes Placeholder 2">
+            <a:extLst>
+              <a:ext uri="{FF2B5EF4-FFF2-40B4-BE49-F238E27FC236}">
+                <a16:creationId xmlns:a16="http://schemas.microsoft.com/office/drawing/2014/main" id="{1FB2A0D8-16EC-97C2-5217-871557F55D8B}"/>
               </a:ext>
             </a:extLst>
           </p:cNvPr>
@@ -1294,10 +1290,10 @@
       </p:sp>
       <p:sp>
         <p:nvSpPr>
-          <p:cNvPr id="1257388043" name="Slide Number Placeholder 3">
-            <a:extLst>
-              <a:ext uri="{FF2B5EF4-FFF2-40B4-BE49-F238E27FC236}">
-                <a16:creationId xmlns:a16="http://schemas.microsoft.com/office/drawing/2014/main" id="{1FD01CDE-1511-F7B6-7256-B93D4351BA5B}"/>
+          <p:cNvPr id="996353675" name="Slide Number Placeholder 3">
+            <a:extLst>
+              <a:ext uri="{FF2B5EF4-FFF2-40B4-BE49-F238E27FC236}">
+                <a16:creationId xmlns:a16="http://schemas.microsoft.com/office/drawing/2014/main" id="{33C1765E-9794-F3F9-B61D-1C497F8BBA39}"/>
               </a:ext>
             </a:extLst>
           </p:cNvPr>
@@ -1330,7 +1326,7 @@
               <a:tabLst/>
               <a:defRPr/>
             </a:pPr>
-            <a:fld id="{20073075-213A-DC53-9B24-1C6EF3B6ADAB}" type="slidenum">
+            <a:fld id="{7AFF9CA6-612E-85B1-3DD0-FE635821360F}" type="slidenum">
               <a:rPr kumimoji="0" sz="1200" b="0" i="0" u="none" strike="noStrike" kern="0" cap="none" spc="0" normalizeH="0" baseline="0" noProof="0">
                 <a:ln>
                   <a:noFill/>
@@ -1382,7 +1378,7 @@
     </p:spTree>
     <p:extLst>
       <p:ext uri="{BB962C8B-B14F-4D97-AF65-F5344CB8AC3E}">
-        <p14:creationId xmlns:p14="http://schemas.microsoft.com/office/powerpoint/2010/main" val="3709393962"/>
+        <p14:creationId xmlns:p14="http://schemas.microsoft.com/office/powerpoint/2010/main" val="525711401"/>
       </p:ext>
     </p:extLst>
   </p:cSld>
@@ -1400,7 +1396,7 @@
         <p:cNvPr id="1" name="">
           <a:extLst>
             <a:ext uri="{FF2B5EF4-FFF2-40B4-BE49-F238E27FC236}">
-              <a16:creationId xmlns:a16="http://schemas.microsoft.com/office/drawing/2014/main" id="{0C8E5554-3A1B-8827-8B29-A48B0F1026D2}"/>
+              <a16:creationId xmlns:a16="http://schemas.microsoft.com/office/drawing/2014/main" id="{11B32A4D-C12C-2C13-1A04-D9BE1DF5C1E2}"/>
             </a:ext>
           </a:extLst>
         </p:cNvPr>
@@ -1417,10 +1413,10 @@
       </p:grpSpPr>
       <p:sp>
         <p:nvSpPr>
-          <p:cNvPr id="395415193" name="Slide Image Placeholder 1">
-            <a:extLst>
-              <a:ext uri="{FF2B5EF4-FFF2-40B4-BE49-F238E27FC236}">
-                <a16:creationId xmlns:a16="http://schemas.microsoft.com/office/drawing/2014/main" id="{D70E2993-B966-54C6-A3D3-D92688D3AC03}"/>
+          <p:cNvPr id="139090186" name="Slide Image Placeholder 1">
+            <a:extLst>
+              <a:ext uri="{FF2B5EF4-FFF2-40B4-BE49-F238E27FC236}">
+                <a16:creationId xmlns:a16="http://schemas.microsoft.com/office/drawing/2014/main" id="{921DB6F0-BF96-20BA-7F39-43D2979A2F7E}"/>
               </a:ext>
             </a:extLst>
           </p:cNvPr>
@@ -1435,10 +1431,10 @@
       </p:sp>
       <p:sp>
         <p:nvSpPr>
-          <p:cNvPr id="554188817" name="Notes Placeholder 2">
-            <a:extLst>
-              <a:ext uri="{FF2B5EF4-FFF2-40B4-BE49-F238E27FC236}">
-                <a16:creationId xmlns:a16="http://schemas.microsoft.com/office/drawing/2014/main" id="{1FB2A0D8-16EC-97C2-5217-871557F55D8B}"/>
+          <p:cNvPr id="400293583" name="Notes Placeholder 2">
+            <a:extLst>
+              <a:ext uri="{FF2B5EF4-FFF2-40B4-BE49-F238E27FC236}">
+                <a16:creationId xmlns:a16="http://schemas.microsoft.com/office/drawing/2014/main" id="{98F1060F-FB06-53C4-88BD-959D7B0C13BE}"/>
               </a:ext>
             </a:extLst>
           </p:cNvPr>
@@ -1463,10 +1459,10 @@
       </p:sp>
       <p:sp>
         <p:nvSpPr>
-          <p:cNvPr id="996353675" name="Slide Number Placeholder 3">
-            <a:extLst>
-              <a:ext uri="{FF2B5EF4-FFF2-40B4-BE49-F238E27FC236}">
-                <a16:creationId xmlns:a16="http://schemas.microsoft.com/office/drawing/2014/main" id="{33C1765E-9794-F3F9-B61D-1C497F8BBA39}"/>
+          <p:cNvPr id="1257388043" name="Slide Number Placeholder 3">
+            <a:extLst>
+              <a:ext uri="{FF2B5EF4-FFF2-40B4-BE49-F238E27FC236}">
+                <a16:creationId xmlns:a16="http://schemas.microsoft.com/office/drawing/2014/main" id="{F024C22D-065F-F719-AB38-6132DD070159}"/>
               </a:ext>
             </a:extLst>
           </p:cNvPr>
@@ -1499,7 +1495,7 @@
               <a:tabLst/>
               <a:defRPr/>
             </a:pPr>
-            <a:fld id="{7AFF9CA6-612E-85B1-3DD0-FE635821360F}" type="slidenum">
+            <a:fld id="{20073075-213A-DC53-9B24-1C6EF3B6ADAB}" type="slidenum">
               <a:rPr kumimoji="0" sz="1200" b="0" i="0" u="none" strike="noStrike" kern="0" cap="none" spc="0" normalizeH="0" baseline="0" noProof="0">
                 <a:ln>
                   <a:noFill/>
@@ -1551,7 +1547,7 @@
     </p:spTree>
     <p:extLst>
       <p:ext uri="{BB962C8B-B14F-4D97-AF65-F5344CB8AC3E}">
-        <p14:creationId xmlns:p14="http://schemas.microsoft.com/office/powerpoint/2010/main" val="525711401"/>
+        <p14:creationId xmlns:p14="http://schemas.microsoft.com/office/powerpoint/2010/main" val="3089212877"/>
       </p:ext>
     </p:extLst>
   </p:cSld>
@@ -1566,13 +1562,7 @@
   <p:cSld>
     <p:spTree>
       <p:nvGrpSpPr>
-        <p:cNvPr id="1" name="">
-          <a:extLst>
-            <a:ext uri="{FF2B5EF4-FFF2-40B4-BE49-F238E27FC236}">
-              <a16:creationId xmlns:a16="http://schemas.microsoft.com/office/drawing/2014/main" id="{11B32A4D-C12C-2C13-1A04-D9BE1DF5C1E2}"/>
-            </a:ext>
-          </a:extLst>
-        </p:cNvPr>
+        <p:cNvPr id="1" name=""/>
         <p:cNvGrpSpPr/>
         <p:nvPr/>
       </p:nvGrpSpPr>
@@ -1586,13 +1576,7 @@
       </p:grpSpPr>
       <p:sp>
         <p:nvSpPr>
-          <p:cNvPr id="139090186" name="Slide Image Placeholder 1">
-            <a:extLst>
-              <a:ext uri="{FF2B5EF4-FFF2-40B4-BE49-F238E27FC236}">
-                <a16:creationId xmlns:a16="http://schemas.microsoft.com/office/drawing/2014/main" id="{921DB6F0-BF96-20BA-7F39-43D2979A2F7E}"/>
-              </a:ext>
-            </a:extLst>
-          </p:cNvPr>
+          <p:cNvPr id="252019610" name="Slide Image Placeholder 1"/>
           <p:cNvSpPr>
             <a:spLocks noGrp="1" noRot="1" noChangeAspect="1"/>
           </p:cNvSpPr>
@@ -1604,13 +1588,7 @@
       </p:sp>
       <p:sp>
         <p:nvSpPr>
-          <p:cNvPr id="400293583" name="Notes Placeholder 2">
-            <a:extLst>
-              <a:ext uri="{FF2B5EF4-FFF2-40B4-BE49-F238E27FC236}">
-                <a16:creationId xmlns:a16="http://schemas.microsoft.com/office/drawing/2014/main" id="{98F1060F-FB06-53C4-88BD-959D7B0C13BE}"/>
-              </a:ext>
-            </a:extLst>
-          </p:cNvPr>
+          <p:cNvPr id="558150806" name="Notes Placeholder 2"/>
           <p:cNvSpPr>
             <a:spLocks noGrp="1"/>
           </p:cNvSpPr>
@@ -1632,13 +1610,7 @@
       </p:sp>
       <p:sp>
         <p:nvSpPr>
-          <p:cNvPr id="1257388043" name="Slide Number Placeholder 3">
-            <a:extLst>
-              <a:ext uri="{FF2B5EF4-FFF2-40B4-BE49-F238E27FC236}">
-                <a16:creationId xmlns:a16="http://schemas.microsoft.com/office/drawing/2014/main" id="{F024C22D-065F-F719-AB38-6132DD070159}"/>
-              </a:ext>
-            </a:extLst>
-          </p:cNvPr>
+          <p:cNvPr id="2081310492" name="Slide Number Placeholder 3"/>
           <p:cNvSpPr>
             <a:spLocks noGrp="1"/>
           </p:cNvSpPr>
@@ -1668,7 +1640,7 @@
               <a:tabLst/>
               <a:defRPr/>
             </a:pPr>
-            <a:fld id="{20073075-213A-DC53-9B24-1C6EF3B6ADAB}" type="slidenum">
+            <a:fld id="{2C90103E-3FDC-1D34-DC46-FD09E34DCBCF}" type="slidenum">
               <a:rPr kumimoji="0" sz="1200" b="0" i="0" u="none" strike="noStrike" kern="0" cap="none" spc="0" normalizeH="0" baseline="0" noProof="0">
                 <a:ln>
                   <a:noFill/>
@@ -1718,11 +1690,6 @@
         </p:txBody>
       </p:sp>
     </p:spTree>
-    <p:extLst>
-      <p:ext uri="{BB962C8B-B14F-4D97-AF65-F5344CB8AC3E}">
-        <p14:creationId xmlns:p14="http://schemas.microsoft.com/office/powerpoint/2010/main" val="3089212877"/>
-      </p:ext>
-    </p:extLst>
   </p:cSld>
   <p:clrMapOvr>
     <a:masterClrMapping/>
@@ -1749,7 +1716,7 @@
       </p:grpSpPr>
       <p:sp>
         <p:nvSpPr>
-          <p:cNvPr id="252019610" name="Slide Image Placeholder 1"/>
+          <p:cNvPr id="800031963" name="Slide Image Placeholder 1"/>
           <p:cNvSpPr>
             <a:spLocks noGrp="1" noRot="1" noChangeAspect="1"/>
           </p:cNvSpPr>
@@ -1761,7 +1728,7 @@
       </p:sp>
       <p:sp>
         <p:nvSpPr>
-          <p:cNvPr id="558150806" name="Notes Placeholder 2"/>
+          <p:cNvPr id="697860562" name="Notes Placeholder 2"/>
           <p:cNvSpPr>
             <a:spLocks noGrp="1"/>
           </p:cNvSpPr>
@@ -1783,7 +1750,7 @@
       </p:sp>
       <p:sp>
         <p:nvSpPr>
-          <p:cNvPr id="2081310492" name="Slide Number Placeholder 3"/>
+          <p:cNvPr id="1990806704" name="Slide Number Placeholder 3"/>
           <p:cNvSpPr>
             <a:spLocks noGrp="1"/>
           </p:cNvSpPr>
@@ -1813,7 +1780,7 @@
               <a:tabLst/>
               <a:defRPr/>
             </a:pPr>
-            <a:fld id="{2C90103E-3FDC-1D34-DC46-FD09E34DCBCF}" type="slidenum">
+            <a:fld id="{2BF21EF0-CA46-8329-535B-391C58F65535}" type="slidenum">
               <a:rPr kumimoji="0" sz="1200" b="0" i="0" u="none" strike="noStrike" kern="0" cap="none" spc="0" normalizeH="0" baseline="0" noProof="0">
                 <a:ln>
                   <a:noFill/>
@@ -1889,7 +1856,7 @@
       </p:grpSpPr>
       <p:sp>
         <p:nvSpPr>
-          <p:cNvPr id="800031963" name="Slide Image Placeholder 1"/>
+          <p:cNvPr id="1096741025" name="Slide Image Placeholder 1"/>
           <p:cNvSpPr>
             <a:spLocks noGrp="1" noRot="1" noChangeAspect="1"/>
           </p:cNvSpPr>
@@ -1901,7 +1868,7 @@
       </p:sp>
       <p:sp>
         <p:nvSpPr>
-          <p:cNvPr id="697860562" name="Notes Placeholder 2"/>
+          <p:cNvPr id="1242635208" name="Notes Placeholder 2"/>
           <p:cNvSpPr>
             <a:spLocks noGrp="1"/>
           </p:cNvSpPr>
@@ -1923,7 +1890,7 @@
       </p:sp>
       <p:sp>
         <p:nvSpPr>
-          <p:cNvPr id="1990806704" name="Slide Number Placeholder 3"/>
+          <p:cNvPr id="1167058418" name="Slide Number Placeholder 3"/>
           <p:cNvSpPr>
             <a:spLocks noGrp="1"/>
           </p:cNvSpPr>
@@ -1953,7 +1920,7 @@
               <a:tabLst/>
               <a:defRPr/>
             </a:pPr>
-            <a:fld id="{2BF21EF0-CA46-8329-535B-391C58F65535}" type="slidenum">
+            <a:fld id="{1883578D-D7EF-0EB1-67C7-597C86465D61}" type="slidenum">
               <a:rPr kumimoji="0" sz="1200" b="0" i="0" u="none" strike="noStrike" kern="0" cap="none" spc="0" normalizeH="0" baseline="0" noProof="0">
                 <a:ln>
                   <a:noFill/>
@@ -2029,7 +1996,7 @@
       </p:grpSpPr>
       <p:sp>
         <p:nvSpPr>
-          <p:cNvPr id="1096741025" name="Slide Image Placeholder 1"/>
+          <p:cNvPr id="1626074993" name="Slide Image Placeholder 1"/>
           <p:cNvSpPr>
             <a:spLocks noGrp="1" noRot="1" noChangeAspect="1"/>
           </p:cNvSpPr>
@@ -2041,7 +2008,7 @@
       </p:sp>
       <p:sp>
         <p:nvSpPr>
-          <p:cNvPr id="1242635208" name="Notes Placeholder 2"/>
+          <p:cNvPr id="293038540" name="Notes Placeholder 2"/>
           <p:cNvSpPr>
             <a:spLocks noGrp="1"/>
           </p:cNvSpPr>
@@ -2063,7 +2030,7 @@
       </p:sp>
       <p:sp>
         <p:nvSpPr>
-          <p:cNvPr id="1167058418" name="Slide Number Placeholder 3"/>
+          <p:cNvPr id="409317531" name="Slide Number Placeholder 3"/>
           <p:cNvSpPr>
             <a:spLocks noGrp="1"/>
           </p:cNvSpPr>
@@ -2093,7 +2060,7 @@
               <a:tabLst/>
               <a:defRPr/>
             </a:pPr>
-            <a:fld id="{1883578D-D7EF-0EB1-67C7-597C86465D61}" type="slidenum">
+            <a:fld id="{85EF197E-AB95-756F-8E75-FB17E1DD3C28}" type="slidenum">
               <a:rPr kumimoji="0" sz="1200" b="0" i="0" u="none" strike="noStrike" kern="0" cap="none" spc="0" normalizeH="0" baseline="0" noProof="0">
                 <a:ln>
                   <a:noFill/>
@@ -2169,7 +2136,7 @@
       </p:grpSpPr>
       <p:sp>
         <p:nvSpPr>
-          <p:cNvPr id="1626074993" name="Slide Image Placeholder 1"/>
+          <p:cNvPr id="250081555" name="Slide Image Placeholder 1"/>
           <p:cNvSpPr>
             <a:spLocks noGrp="1" noRot="1" noChangeAspect="1"/>
           </p:cNvSpPr>
@@ -2181,7 +2148,7 @@
       </p:sp>
       <p:sp>
         <p:nvSpPr>
-          <p:cNvPr id="293038540" name="Notes Placeholder 2"/>
+          <p:cNvPr id="1586636381" name="Notes Placeholder 2"/>
           <p:cNvSpPr>
             <a:spLocks noGrp="1"/>
           </p:cNvSpPr>
@@ -2203,7 +2170,7 @@
       </p:sp>
       <p:sp>
         <p:nvSpPr>
-          <p:cNvPr id="409317531" name="Slide Number Placeholder 3"/>
+          <p:cNvPr id="1083168503" name="Slide Number Placeholder 3"/>
           <p:cNvSpPr>
             <a:spLocks noGrp="1"/>
           </p:cNvSpPr>
@@ -2233,7 +2200,7 @@
               <a:tabLst/>
               <a:defRPr/>
             </a:pPr>
-            <a:fld id="{85EF197E-AB95-756F-8E75-FB17E1DD3C28}" type="slidenum">
+            <a:fld id="{23A23579-5306-9E1D-B92D-9EA1C4EFDDF6}" type="slidenum">
               <a:rPr kumimoji="0" sz="1200" b="0" i="0" u="none" strike="noStrike" kern="0" cap="none" spc="0" normalizeH="0" baseline="0" noProof="0">
                 <a:ln>
                   <a:noFill/>
@@ -2419,7 +2386,7 @@
       </p:grpSpPr>
       <p:sp>
         <p:nvSpPr>
-          <p:cNvPr id="250081555" name="Slide Image Placeholder 1"/>
+          <p:cNvPr id="395415193" name="Slide Image Placeholder 1"/>
           <p:cNvSpPr>
             <a:spLocks noGrp="1" noRot="1" noChangeAspect="1"/>
           </p:cNvSpPr>
@@ -2431,7 +2398,7 @@
       </p:sp>
       <p:sp>
         <p:nvSpPr>
-          <p:cNvPr id="1586636381" name="Notes Placeholder 2"/>
+          <p:cNvPr id="554188817" name="Notes Placeholder 2"/>
           <p:cNvSpPr>
             <a:spLocks noGrp="1"/>
           </p:cNvSpPr>
@@ -2453,7 +2420,7 @@
       </p:sp>
       <p:sp>
         <p:nvSpPr>
-          <p:cNvPr id="1083168503" name="Slide Number Placeholder 3"/>
+          <p:cNvPr id="996353675" name="Slide Number Placeholder 3"/>
           <p:cNvSpPr>
             <a:spLocks noGrp="1"/>
           </p:cNvSpPr>
@@ -2483,7 +2450,7 @@
               <a:tabLst/>
               <a:defRPr/>
             </a:pPr>
-            <a:fld id="{23A23579-5306-9E1D-B92D-9EA1C4EFDDF6}" type="slidenum">
+            <a:fld id="{7AFF9CA6-612E-85B1-3DD0-FE635821360F}" type="slidenum">
               <a:rPr kumimoji="0" sz="1200" b="0" i="0" u="none" strike="noStrike" kern="0" cap="none" spc="0" normalizeH="0" baseline="0" noProof="0">
                 <a:ln>
                   <a:noFill/>
@@ -2545,7 +2512,13 @@
   <p:cSld>
     <p:spTree>
       <p:nvGrpSpPr>
-        <p:cNvPr id="1" name=""/>
+        <p:cNvPr id="1" name="">
+          <a:extLst>
+            <a:ext uri="{FF2B5EF4-FFF2-40B4-BE49-F238E27FC236}">
+              <a16:creationId xmlns:a16="http://schemas.microsoft.com/office/drawing/2014/main" id="{04FB4A46-0DF5-3E79-7271-A42913B15DC9}"/>
+            </a:ext>
+          </a:extLst>
+        </p:cNvPr>
         <p:cNvGrpSpPr/>
         <p:nvPr/>
       </p:nvGrpSpPr>
@@ -2559,7 +2532,13 @@
       </p:grpSpPr>
       <p:sp>
         <p:nvSpPr>
-          <p:cNvPr id="395415193" name="Slide Image Placeholder 1"/>
+          <p:cNvPr id="139090186" name="Slide Image Placeholder 1">
+            <a:extLst>
+              <a:ext uri="{FF2B5EF4-FFF2-40B4-BE49-F238E27FC236}">
+                <a16:creationId xmlns:a16="http://schemas.microsoft.com/office/drawing/2014/main" id="{5E868098-70C3-F5BC-4578-CD69711284C5}"/>
+              </a:ext>
+            </a:extLst>
+          </p:cNvPr>
           <p:cNvSpPr>
             <a:spLocks noGrp="1" noRot="1" noChangeAspect="1"/>
           </p:cNvSpPr>
@@ -2571,7 +2550,13 @@
       </p:sp>
       <p:sp>
         <p:nvSpPr>
-          <p:cNvPr id="554188817" name="Notes Placeholder 2"/>
+          <p:cNvPr id="400293583" name="Notes Placeholder 2">
+            <a:extLst>
+              <a:ext uri="{FF2B5EF4-FFF2-40B4-BE49-F238E27FC236}">
+                <a16:creationId xmlns:a16="http://schemas.microsoft.com/office/drawing/2014/main" id="{4461A64D-04BB-BBC8-94C2-6AC684F3C477}"/>
+              </a:ext>
+            </a:extLst>
+          </p:cNvPr>
           <p:cNvSpPr>
             <a:spLocks noGrp="1"/>
           </p:cNvSpPr>
@@ -2593,7 +2578,13 @@
       </p:sp>
       <p:sp>
         <p:nvSpPr>
-          <p:cNvPr id="996353675" name="Slide Number Placeholder 3"/>
+          <p:cNvPr id="1257388043" name="Slide Number Placeholder 3">
+            <a:extLst>
+              <a:ext uri="{FF2B5EF4-FFF2-40B4-BE49-F238E27FC236}">
+                <a16:creationId xmlns:a16="http://schemas.microsoft.com/office/drawing/2014/main" id="{6A36CF41-EE57-A946-9545-B0ABE619C1B4}"/>
+              </a:ext>
+            </a:extLst>
+          </p:cNvPr>
           <p:cNvSpPr>
             <a:spLocks noGrp="1"/>
           </p:cNvSpPr>
@@ -2623,7 +2614,7 @@
               <a:tabLst/>
               <a:defRPr/>
             </a:pPr>
-            <a:fld id="{7AFF9CA6-612E-85B1-3DD0-FE635821360F}" type="slidenum">
+            <a:fld id="{20073075-213A-DC53-9B24-1C6EF3B6ADAB}" type="slidenum">
               <a:rPr kumimoji="0" sz="1200" b="0" i="0" u="none" strike="noStrike" kern="0" cap="none" spc="0" normalizeH="0" baseline="0" noProof="0">
                 <a:ln>
                   <a:noFill/>
@@ -2673,6 +2664,11 @@
         </p:txBody>
       </p:sp>
     </p:spTree>
+    <p:extLst>
+      <p:ext uri="{BB962C8B-B14F-4D97-AF65-F5344CB8AC3E}">
+        <p14:creationId xmlns:p14="http://schemas.microsoft.com/office/powerpoint/2010/main" val="3265835028"/>
+      </p:ext>
+    </p:extLst>
   </p:cSld>
   <p:clrMapOvr>
     <a:masterClrMapping/>
@@ -2688,7 +2684,7 @@
         <p:cNvPr id="1" name="">
           <a:extLst>
             <a:ext uri="{FF2B5EF4-FFF2-40B4-BE49-F238E27FC236}">
-              <a16:creationId xmlns:a16="http://schemas.microsoft.com/office/drawing/2014/main" id="{04FB4A46-0DF5-3E79-7271-A42913B15DC9}"/>
+              <a16:creationId xmlns:a16="http://schemas.microsoft.com/office/drawing/2014/main" id="{67C3011D-FD27-9E62-A3BF-A9ED2E09A533}"/>
             </a:ext>
           </a:extLst>
         </p:cNvPr>
@@ -2708,7 +2704,7 @@
           <p:cNvPr id="139090186" name="Slide Image Placeholder 1">
             <a:extLst>
               <a:ext uri="{FF2B5EF4-FFF2-40B4-BE49-F238E27FC236}">
-                <a16:creationId xmlns:a16="http://schemas.microsoft.com/office/drawing/2014/main" id="{5E868098-70C3-F5BC-4578-CD69711284C5}"/>
+                <a16:creationId xmlns:a16="http://schemas.microsoft.com/office/drawing/2014/main" id="{67FB106E-1E9C-4BBF-C8EE-8C6117003145}"/>
               </a:ext>
             </a:extLst>
           </p:cNvPr>
@@ -2726,7 +2722,7 @@
           <p:cNvPr id="400293583" name="Notes Placeholder 2">
             <a:extLst>
               <a:ext uri="{FF2B5EF4-FFF2-40B4-BE49-F238E27FC236}">
-                <a16:creationId xmlns:a16="http://schemas.microsoft.com/office/drawing/2014/main" id="{4461A64D-04BB-BBC8-94C2-6AC684F3C477}"/>
+                <a16:creationId xmlns:a16="http://schemas.microsoft.com/office/drawing/2014/main" id="{E213F4A1-9ED0-CC73-F4AF-9CECF744B804}"/>
               </a:ext>
             </a:extLst>
           </p:cNvPr>
@@ -2754,7 +2750,7 @@
           <p:cNvPr id="1257388043" name="Slide Number Placeholder 3">
             <a:extLst>
               <a:ext uri="{FF2B5EF4-FFF2-40B4-BE49-F238E27FC236}">
-                <a16:creationId xmlns:a16="http://schemas.microsoft.com/office/drawing/2014/main" id="{6A36CF41-EE57-A946-9545-B0ABE619C1B4}"/>
+                <a16:creationId xmlns:a16="http://schemas.microsoft.com/office/drawing/2014/main" id="{F188FE56-2E3E-8AF5-D501-22A92B030E00}"/>
               </a:ext>
             </a:extLst>
           </p:cNvPr>
@@ -2839,7 +2835,7 @@
     </p:spTree>
     <p:extLst>
       <p:ext uri="{BB962C8B-B14F-4D97-AF65-F5344CB8AC3E}">
-        <p14:creationId xmlns:p14="http://schemas.microsoft.com/office/powerpoint/2010/main" val="3265835028"/>
+        <p14:creationId xmlns:p14="http://schemas.microsoft.com/office/powerpoint/2010/main" val="2325161535"/>
       </p:ext>
     </p:extLst>
   </p:cSld>
@@ -2857,7 +2853,7 @@
         <p:cNvPr id="1" name="">
           <a:extLst>
             <a:ext uri="{FF2B5EF4-FFF2-40B4-BE49-F238E27FC236}">
-              <a16:creationId xmlns:a16="http://schemas.microsoft.com/office/drawing/2014/main" id="{67C3011D-FD27-9E62-A3BF-A9ED2E09A533}"/>
+              <a16:creationId xmlns:a16="http://schemas.microsoft.com/office/drawing/2014/main" id="{BE17D6BD-3906-1B99-845A-AC3E23D40315}"/>
             </a:ext>
           </a:extLst>
         </p:cNvPr>
@@ -2877,7 +2873,7 @@
           <p:cNvPr id="139090186" name="Slide Image Placeholder 1">
             <a:extLst>
               <a:ext uri="{FF2B5EF4-FFF2-40B4-BE49-F238E27FC236}">
-                <a16:creationId xmlns:a16="http://schemas.microsoft.com/office/drawing/2014/main" id="{67FB106E-1E9C-4BBF-C8EE-8C6117003145}"/>
+                <a16:creationId xmlns:a16="http://schemas.microsoft.com/office/drawing/2014/main" id="{E086599A-0AD8-0A8A-12D2-715AF485E9FE}"/>
               </a:ext>
             </a:extLst>
           </p:cNvPr>
@@ -2895,7 +2891,7 @@
           <p:cNvPr id="400293583" name="Notes Placeholder 2">
             <a:extLst>
               <a:ext uri="{FF2B5EF4-FFF2-40B4-BE49-F238E27FC236}">
-                <a16:creationId xmlns:a16="http://schemas.microsoft.com/office/drawing/2014/main" id="{E213F4A1-9ED0-CC73-F4AF-9CECF744B804}"/>
+                <a16:creationId xmlns:a16="http://schemas.microsoft.com/office/drawing/2014/main" id="{8E352483-FCB4-61D3-79E9-C0D098B900A5}"/>
               </a:ext>
             </a:extLst>
           </p:cNvPr>
@@ -2923,7 +2919,7 @@
           <p:cNvPr id="1257388043" name="Slide Number Placeholder 3">
             <a:extLst>
               <a:ext uri="{FF2B5EF4-FFF2-40B4-BE49-F238E27FC236}">
-                <a16:creationId xmlns:a16="http://schemas.microsoft.com/office/drawing/2014/main" id="{F188FE56-2E3E-8AF5-D501-22A92B030E00}"/>
+                <a16:creationId xmlns:a16="http://schemas.microsoft.com/office/drawing/2014/main" id="{D2A43257-15C4-F4D1-F9C9-5BCAF8CB4E46}"/>
               </a:ext>
             </a:extLst>
           </p:cNvPr>
@@ -3008,7 +3004,7 @@
     </p:spTree>
     <p:extLst>
       <p:ext uri="{BB962C8B-B14F-4D97-AF65-F5344CB8AC3E}">
-        <p14:creationId xmlns:p14="http://schemas.microsoft.com/office/powerpoint/2010/main" val="2325161535"/>
+        <p14:creationId xmlns:p14="http://schemas.microsoft.com/office/powerpoint/2010/main" val="1205264617"/>
       </p:ext>
     </p:extLst>
   </p:cSld>
@@ -3026,7 +3022,7 @@
         <p:cNvPr id="1" name="">
           <a:extLst>
             <a:ext uri="{FF2B5EF4-FFF2-40B4-BE49-F238E27FC236}">
-              <a16:creationId xmlns:a16="http://schemas.microsoft.com/office/drawing/2014/main" id="{BE17D6BD-3906-1B99-845A-AC3E23D40315}"/>
+              <a16:creationId xmlns:a16="http://schemas.microsoft.com/office/drawing/2014/main" id="{89E9AEC5-143A-2C86-D740-9AEC8D0CB2F4}"/>
             </a:ext>
           </a:extLst>
         </p:cNvPr>
@@ -3046,7 +3042,7 @@
           <p:cNvPr id="139090186" name="Slide Image Placeholder 1">
             <a:extLst>
               <a:ext uri="{FF2B5EF4-FFF2-40B4-BE49-F238E27FC236}">
-                <a16:creationId xmlns:a16="http://schemas.microsoft.com/office/drawing/2014/main" id="{E086599A-0AD8-0A8A-12D2-715AF485E9FE}"/>
+                <a16:creationId xmlns:a16="http://schemas.microsoft.com/office/drawing/2014/main" id="{27F5057E-8761-3934-C7C0-704E5DE21DCF}"/>
               </a:ext>
             </a:extLst>
           </p:cNvPr>
@@ -3064,7 +3060,7 @@
           <p:cNvPr id="400293583" name="Notes Placeholder 2">
             <a:extLst>
               <a:ext uri="{FF2B5EF4-FFF2-40B4-BE49-F238E27FC236}">
-                <a16:creationId xmlns:a16="http://schemas.microsoft.com/office/drawing/2014/main" id="{8E352483-FCB4-61D3-79E9-C0D098B900A5}"/>
+                <a16:creationId xmlns:a16="http://schemas.microsoft.com/office/drawing/2014/main" id="{EF4E6EDF-863C-9E03-D57B-7ABA940F87C9}"/>
               </a:ext>
             </a:extLst>
           </p:cNvPr>
@@ -3092,7 +3088,7 @@
           <p:cNvPr id="1257388043" name="Slide Number Placeholder 3">
             <a:extLst>
               <a:ext uri="{FF2B5EF4-FFF2-40B4-BE49-F238E27FC236}">
-                <a16:creationId xmlns:a16="http://schemas.microsoft.com/office/drawing/2014/main" id="{D2A43257-15C4-F4D1-F9C9-5BCAF8CB4E46}"/>
+                <a16:creationId xmlns:a16="http://schemas.microsoft.com/office/drawing/2014/main" id="{BD22D321-9FD1-4EA5-9181-C87EBD9B78E0}"/>
               </a:ext>
             </a:extLst>
           </p:cNvPr>
@@ -3177,7 +3173,7 @@
     </p:spTree>
     <p:extLst>
       <p:ext uri="{BB962C8B-B14F-4D97-AF65-F5344CB8AC3E}">
-        <p14:creationId xmlns:p14="http://schemas.microsoft.com/office/powerpoint/2010/main" val="1205264617"/>
+        <p14:creationId xmlns:p14="http://schemas.microsoft.com/office/powerpoint/2010/main" val="1034013142"/>
       </p:ext>
     </p:extLst>
   </p:cSld>
@@ -3195,10 +3191,114 @@
         <p:cNvPr id="1" name="">
           <a:extLst>
             <a:ext uri="{FF2B5EF4-FFF2-40B4-BE49-F238E27FC236}">
-              <a16:creationId xmlns:a16="http://schemas.microsoft.com/office/drawing/2014/main" id="{89E9AEC5-143A-2C86-D740-9AEC8D0CB2F4}"/>
+              <a16:creationId xmlns:a16="http://schemas.microsoft.com/office/drawing/2014/main" id="{048E5571-9C06-3D9D-0B72-0FB166818A19}"/>
             </a:ext>
           </a:extLst>
         </p:cNvPr>
+        <p:cNvGrpSpPr/>
+        <p:nvPr/>
+      </p:nvGrpSpPr>
+      <p:grpSpPr>
+        <a:xfrm>
+          <a:off x="0" y="0"/>
+          <a:ext cx="0" cy="0"/>
+          <a:chOff x="0" y="0"/>
+          <a:chExt cx="0" cy="0"/>
+        </a:xfrm>
+      </p:grpSpPr>
+      <p:sp>
+        <p:nvSpPr>
+          <p:cNvPr id="2" name="Folienbildplatzhalter 1">
+            <a:extLst>
+              <a:ext uri="{FF2B5EF4-FFF2-40B4-BE49-F238E27FC236}">
+                <a16:creationId xmlns:a16="http://schemas.microsoft.com/office/drawing/2014/main" id="{56E55147-4CC9-4AE6-0084-06F35D3E910C}"/>
+              </a:ext>
+            </a:extLst>
+          </p:cNvPr>
+          <p:cNvSpPr>
+            <a:spLocks noGrp="1" noRot="1" noChangeAspect="1"/>
+          </p:cNvSpPr>
+          <p:nvPr>
+            <p:ph type="sldImg"/>
+          </p:nvPr>
+        </p:nvSpPr>
+        <p:spPr/>
+      </p:sp>
+      <p:sp>
+        <p:nvSpPr>
+          <p:cNvPr id="3" name="Notizenplatzhalter 2">
+            <a:extLst>
+              <a:ext uri="{FF2B5EF4-FFF2-40B4-BE49-F238E27FC236}">
+                <a16:creationId xmlns:a16="http://schemas.microsoft.com/office/drawing/2014/main" id="{9F5A9C58-9585-D677-E106-DC71C9C821FD}"/>
+              </a:ext>
+            </a:extLst>
+          </p:cNvPr>
+          <p:cNvSpPr>
+            <a:spLocks noGrp="1"/>
+          </p:cNvSpPr>
+          <p:nvPr>
+            <p:ph type="body" idx="1"/>
+          </p:nvPr>
+        </p:nvSpPr>
+        <p:spPr/>
+        <p:txBody>
+          <a:bodyPr/>
+          <a:lstStyle/>
+          <a:p>
+            <a:r>
+              <a:rPr lang="de-DE"/>
+              <a:t>Hier beginnen wir mit dem Hintergrund und der Motivation für unser Projekt. Wir geben einen Überblick über die Einzelhandelsbranche und erläutern die Zielsetzung unseres Data Science Projekts, um Prozesse zu optimieren und die Effizienz zu steigern.</a:t>
+            </a:r>
+          </a:p>
+        </p:txBody>
+      </p:sp>
+      <p:sp>
+        <p:nvSpPr>
+          <p:cNvPr id="4" name="Foliennummernplatzhalter 3">
+            <a:extLst>
+              <a:ext uri="{FF2B5EF4-FFF2-40B4-BE49-F238E27FC236}">
+                <a16:creationId xmlns:a16="http://schemas.microsoft.com/office/drawing/2014/main" id="{6848A3CD-E8AC-36DF-8026-29EFCC74EF16}"/>
+              </a:ext>
+            </a:extLst>
+          </p:cNvPr>
+          <p:cNvSpPr>
+            <a:spLocks noGrp="1"/>
+          </p:cNvSpPr>
+          <p:nvPr>
+            <p:ph type="sldNum" sz="quarter" idx="5"/>
+          </p:nvPr>
+        </p:nvSpPr>
+        <p:spPr/>
+        <p:txBody>
+          <a:bodyPr/>
+          <a:lstStyle/>
+          <a:p>
+            <a:fld id="{8C36BA74-7AA1-48ED-B9BC-0F570D47A936}" type="slidenum">
+              <a:t>46</a:t>
+            </a:fld>
+            <a:endParaRPr lang="de-DE"/>
+          </a:p>
+        </p:txBody>
+      </p:sp>
+    </p:spTree>
+    <p:extLst>
+      <p:ext uri="{BB962C8B-B14F-4D97-AF65-F5344CB8AC3E}">
+        <p14:creationId xmlns:p14="http://schemas.microsoft.com/office/powerpoint/2010/main" val="4232742151"/>
+      </p:ext>
+    </p:extLst>
+  </p:cSld>
+  <p:clrMapOvr>
+    <a:masterClrMapping/>
+  </p:clrMapOvr>
+</p:notes>
+</file>
+
+<file path=ppt/notesSlides/notesSlide26.xml><?xml version="1.0" encoding="utf-8"?>
+<p:notes xmlns:a="http://schemas.openxmlformats.org/drawingml/2006/main" xmlns:r="http://schemas.openxmlformats.org/officeDocument/2006/relationships" xmlns:p="http://schemas.openxmlformats.org/presentationml/2006/main">
+  <p:cSld>
+    <p:spTree>
+      <p:nvGrpSpPr>
+        <p:cNvPr id="1" name=""/>
         <p:cNvGrpSpPr/>
         <p:nvPr/>
       </p:nvGrpSpPr>
@@ -3212,13 +3312,7 @@
       </p:grpSpPr>
       <p:sp>
         <p:nvSpPr>
-          <p:cNvPr id="139090186" name="Slide Image Placeholder 1">
-            <a:extLst>
-              <a:ext uri="{FF2B5EF4-FFF2-40B4-BE49-F238E27FC236}">
-                <a16:creationId xmlns:a16="http://schemas.microsoft.com/office/drawing/2014/main" id="{27F5057E-8761-3934-C7C0-704E5DE21DCF}"/>
-              </a:ext>
-            </a:extLst>
-          </p:cNvPr>
+          <p:cNvPr id="1330014680" name="Slide Image Placeholder 1"/>
           <p:cNvSpPr>
             <a:spLocks noGrp="1" noRot="1" noChangeAspect="1"/>
           </p:cNvSpPr>
@@ -3230,13 +3324,7 @@
       </p:sp>
       <p:sp>
         <p:nvSpPr>
-          <p:cNvPr id="400293583" name="Notes Placeholder 2">
-            <a:extLst>
-              <a:ext uri="{FF2B5EF4-FFF2-40B4-BE49-F238E27FC236}">
-                <a16:creationId xmlns:a16="http://schemas.microsoft.com/office/drawing/2014/main" id="{EF4E6EDF-863C-9E03-D57B-7ABA940F87C9}"/>
-              </a:ext>
-            </a:extLst>
-          </p:cNvPr>
+          <p:cNvPr id="1330354815" name="Notes Placeholder 2"/>
           <p:cNvSpPr>
             <a:spLocks noGrp="1"/>
           </p:cNvSpPr>
@@ -3258,13 +3346,7 @@
       </p:sp>
       <p:sp>
         <p:nvSpPr>
-          <p:cNvPr id="1257388043" name="Slide Number Placeholder 3">
-            <a:extLst>
-              <a:ext uri="{FF2B5EF4-FFF2-40B4-BE49-F238E27FC236}">
-                <a16:creationId xmlns:a16="http://schemas.microsoft.com/office/drawing/2014/main" id="{BD22D321-9FD1-4EA5-9181-C87EBD9B78E0}"/>
-              </a:ext>
-            </a:extLst>
-          </p:cNvPr>
+          <p:cNvPr id="1667253447" name="Slide Number Placeholder 3"/>
           <p:cNvSpPr>
             <a:spLocks noGrp="1"/>
           </p:cNvSpPr>
@@ -3294,7 +3376,7 @@
               <a:tabLst/>
               <a:defRPr/>
             </a:pPr>
-            <a:fld id="{20073075-213A-DC53-9B24-1C6EF3B6ADAB}" type="slidenum">
+            <a:fld id="{37F1F184-79D2-F4EC-467F-CF3EF60FA136}" type="slidenum">
               <a:rPr kumimoji="0" sz="1200" b="0" i="0" u="none" strike="noStrike" kern="0" cap="none" spc="0" normalizeH="0" baseline="0" noProof="0">
                 <a:ln>
                   <a:noFill/>
@@ -3325,7 +3407,7 @@
                 <a:tabLst/>
                 <a:defRPr/>
               </a:pPr>
-              <a:t>44</a:t>
+              <a:t>57</a:t>
             </a:fld>
             <a:endParaRPr kumimoji="0" sz="1200" b="0" i="0" u="none" strike="noStrike" kern="0" cap="none" spc="0" normalizeH="0" baseline="0" noProof="0">
               <a:ln>
@@ -3344,121 +3426,6 @@
         </p:txBody>
       </p:sp>
     </p:spTree>
-    <p:extLst>
-      <p:ext uri="{BB962C8B-B14F-4D97-AF65-F5344CB8AC3E}">
-        <p14:creationId xmlns:p14="http://schemas.microsoft.com/office/powerpoint/2010/main" val="1034013142"/>
-      </p:ext>
-    </p:extLst>
-  </p:cSld>
-  <p:clrMapOvr>
-    <a:masterClrMapping/>
-  </p:clrMapOvr>
-</p:notes>
-</file>
-
-<file path=ppt/notesSlides/notesSlide26.xml><?xml version="1.0" encoding="utf-8"?>
-<p:notes xmlns:a="http://schemas.openxmlformats.org/drawingml/2006/main" xmlns:r="http://schemas.openxmlformats.org/officeDocument/2006/relationships" xmlns:p="http://schemas.openxmlformats.org/presentationml/2006/main">
-  <p:cSld>
-    <p:spTree>
-      <p:nvGrpSpPr>
-        <p:cNvPr id="1" name="">
-          <a:extLst>
-            <a:ext uri="{FF2B5EF4-FFF2-40B4-BE49-F238E27FC236}">
-              <a16:creationId xmlns:a16="http://schemas.microsoft.com/office/drawing/2014/main" id="{048E5571-9C06-3D9D-0B72-0FB166818A19}"/>
-            </a:ext>
-          </a:extLst>
-        </p:cNvPr>
-        <p:cNvGrpSpPr/>
-        <p:nvPr/>
-      </p:nvGrpSpPr>
-      <p:grpSpPr>
-        <a:xfrm>
-          <a:off x="0" y="0"/>
-          <a:ext cx="0" cy="0"/>
-          <a:chOff x="0" y="0"/>
-          <a:chExt cx="0" cy="0"/>
-        </a:xfrm>
-      </p:grpSpPr>
-      <p:sp>
-        <p:nvSpPr>
-          <p:cNvPr id="2" name="Folienbildplatzhalter 1">
-            <a:extLst>
-              <a:ext uri="{FF2B5EF4-FFF2-40B4-BE49-F238E27FC236}">
-                <a16:creationId xmlns:a16="http://schemas.microsoft.com/office/drawing/2014/main" id="{56E55147-4CC9-4AE6-0084-06F35D3E910C}"/>
-              </a:ext>
-            </a:extLst>
-          </p:cNvPr>
-          <p:cNvSpPr>
-            <a:spLocks noGrp="1" noRot="1" noChangeAspect="1"/>
-          </p:cNvSpPr>
-          <p:nvPr>
-            <p:ph type="sldImg"/>
-          </p:nvPr>
-        </p:nvSpPr>
-        <p:spPr/>
-      </p:sp>
-      <p:sp>
-        <p:nvSpPr>
-          <p:cNvPr id="3" name="Notizenplatzhalter 2">
-            <a:extLst>
-              <a:ext uri="{FF2B5EF4-FFF2-40B4-BE49-F238E27FC236}">
-                <a16:creationId xmlns:a16="http://schemas.microsoft.com/office/drawing/2014/main" id="{9F5A9C58-9585-D677-E106-DC71C9C821FD}"/>
-              </a:ext>
-            </a:extLst>
-          </p:cNvPr>
-          <p:cNvSpPr>
-            <a:spLocks noGrp="1"/>
-          </p:cNvSpPr>
-          <p:nvPr>
-            <p:ph type="body" idx="1"/>
-          </p:nvPr>
-        </p:nvSpPr>
-        <p:spPr/>
-        <p:txBody>
-          <a:bodyPr/>
-          <a:lstStyle/>
-          <a:p>
-            <a:r>
-              <a:rPr lang="de-DE"/>
-              <a:t>Hier beginnen wir mit dem Hintergrund und der Motivation für unser Projekt. Wir geben einen Überblick über die Einzelhandelsbranche und erläutern die Zielsetzung unseres Data Science Projekts, um Prozesse zu optimieren und die Effizienz zu steigern.</a:t>
-            </a:r>
-          </a:p>
-        </p:txBody>
-      </p:sp>
-      <p:sp>
-        <p:nvSpPr>
-          <p:cNvPr id="4" name="Foliennummernplatzhalter 3">
-            <a:extLst>
-              <a:ext uri="{FF2B5EF4-FFF2-40B4-BE49-F238E27FC236}">
-                <a16:creationId xmlns:a16="http://schemas.microsoft.com/office/drawing/2014/main" id="{6848A3CD-E8AC-36DF-8026-29EFCC74EF16}"/>
-              </a:ext>
-            </a:extLst>
-          </p:cNvPr>
-          <p:cNvSpPr>
-            <a:spLocks noGrp="1"/>
-          </p:cNvSpPr>
-          <p:nvPr>
-            <p:ph type="sldNum" sz="quarter" idx="5"/>
-          </p:nvPr>
-        </p:nvSpPr>
-        <p:spPr/>
-        <p:txBody>
-          <a:bodyPr/>
-          <a:lstStyle/>
-          <a:p>
-            <a:fld id="{8C36BA74-7AA1-48ED-B9BC-0F570D47A936}" type="slidenum">
-              <a:t>47</a:t>
-            </a:fld>
-            <a:endParaRPr lang="de-DE"/>
-          </a:p>
-        </p:txBody>
-      </p:sp>
-    </p:spTree>
-    <p:extLst>
-      <p:ext uri="{BB962C8B-B14F-4D97-AF65-F5344CB8AC3E}">
-        <p14:creationId xmlns:p14="http://schemas.microsoft.com/office/powerpoint/2010/main" val="4232742151"/>
-      </p:ext>
-    </p:extLst>
   </p:cSld>
   <p:clrMapOvr>
     <a:masterClrMapping/>
@@ -3471,7 +3438,13 @@
   <p:cSld>
     <p:spTree>
       <p:nvGrpSpPr>
-        <p:cNvPr id="1" name=""/>
+        <p:cNvPr id="1" name="">
+          <a:extLst>
+            <a:ext uri="{FF2B5EF4-FFF2-40B4-BE49-F238E27FC236}">
+              <a16:creationId xmlns:a16="http://schemas.microsoft.com/office/drawing/2014/main" id="{789B3700-FB22-8ADE-F033-554F027A05E8}"/>
+            </a:ext>
+          </a:extLst>
+        </p:cNvPr>
         <p:cNvGrpSpPr/>
         <p:nvPr/>
       </p:nvGrpSpPr>
@@ -3485,7 +3458,13 @@
       </p:grpSpPr>
       <p:sp>
         <p:nvSpPr>
-          <p:cNvPr id="1330014680" name="Slide Image Placeholder 1"/>
+          <p:cNvPr id="1330014680" name="Slide Image Placeholder 1">
+            <a:extLst>
+              <a:ext uri="{FF2B5EF4-FFF2-40B4-BE49-F238E27FC236}">
+                <a16:creationId xmlns:a16="http://schemas.microsoft.com/office/drawing/2014/main" id="{3F736781-1889-BC5C-FB5F-F94DE5F74C59}"/>
+              </a:ext>
+            </a:extLst>
+          </p:cNvPr>
           <p:cNvSpPr>
             <a:spLocks noGrp="1" noRot="1" noChangeAspect="1"/>
           </p:cNvSpPr>
@@ -3497,7 +3476,13 @@
       </p:sp>
       <p:sp>
         <p:nvSpPr>
-          <p:cNvPr id="1330354815" name="Notes Placeholder 2"/>
+          <p:cNvPr id="1330354815" name="Notes Placeholder 2">
+            <a:extLst>
+              <a:ext uri="{FF2B5EF4-FFF2-40B4-BE49-F238E27FC236}">
+                <a16:creationId xmlns:a16="http://schemas.microsoft.com/office/drawing/2014/main" id="{FF20F60D-7F26-D4A8-74FD-54D044479092}"/>
+              </a:ext>
+            </a:extLst>
+          </p:cNvPr>
           <p:cNvSpPr>
             <a:spLocks noGrp="1"/>
           </p:cNvSpPr>
@@ -3519,7 +3504,13 @@
       </p:sp>
       <p:sp>
         <p:nvSpPr>
-          <p:cNvPr id="1667253447" name="Slide Number Placeholder 3"/>
+          <p:cNvPr id="1667253447" name="Slide Number Placeholder 3">
+            <a:extLst>
+              <a:ext uri="{FF2B5EF4-FFF2-40B4-BE49-F238E27FC236}">
+                <a16:creationId xmlns:a16="http://schemas.microsoft.com/office/drawing/2014/main" id="{FE15B35D-2E42-4F29-CE1E-E7107BA388F4}"/>
+              </a:ext>
+            </a:extLst>
+          </p:cNvPr>
           <p:cNvSpPr>
             <a:spLocks noGrp="1"/>
           </p:cNvSpPr>
@@ -3599,6 +3590,11 @@
         </p:txBody>
       </p:sp>
     </p:spTree>
+    <p:extLst>
+      <p:ext uri="{BB962C8B-B14F-4D97-AF65-F5344CB8AC3E}">
+        <p14:creationId xmlns:p14="http://schemas.microsoft.com/office/powerpoint/2010/main" val="237478640"/>
+      </p:ext>
+    </p:extLst>
   </p:cSld>
   <p:clrMapOvr>
     <a:masterClrMapping/>
@@ -3614,7 +3610,7 @@
         <p:cNvPr id="1" name="">
           <a:extLst>
             <a:ext uri="{FF2B5EF4-FFF2-40B4-BE49-F238E27FC236}">
-              <a16:creationId xmlns:a16="http://schemas.microsoft.com/office/drawing/2014/main" id="{789B3700-FB22-8ADE-F033-554F027A05E8}"/>
+              <a16:creationId xmlns:a16="http://schemas.microsoft.com/office/drawing/2014/main" id="{5FBB5073-8EAD-4DFA-A13D-BA454D6B5EC9}"/>
             </a:ext>
           </a:extLst>
         </p:cNvPr>
@@ -3634,7 +3630,7 @@
           <p:cNvPr id="1330014680" name="Slide Image Placeholder 1">
             <a:extLst>
               <a:ext uri="{FF2B5EF4-FFF2-40B4-BE49-F238E27FC236}">
-                <a16:creationId xmlns:a16="http://schemas.microsoft.com/office/drawing/2014/main" id="{3F736781-1889-BC5C-FB5F-F94DE5F74C59}"/>
+                <a16:creationId xmlns:a16="http://schemas.microsoft.com/office/drawing/2014/main" id="{0F3AAEC4-0330-20A6-7B90-AA189194E4A8}"/>
               </a:ext>
             </a:extLst>
           </p:cNvPr>
@@ -3652,7 +3648,7 @@
           <p:cNvPr id="1330354815" name="Notes Placeholder 2">
             <a:extLst>
               <a:ext uri="{FF2B5EF4-FFF2-40B4-BE49-F238E27FC236}">
-                <a16:creationId xmlns:a16="http://schemas.microsoft.com/office/drawing/2014/main" id="{FF20F60D-7F26-D4A8-74FD-54D044479092}"/>
+                <a16:creationId xmlns:a16="http://schemas.microsoft.com/office/drawing/2014/main" id="{7DD02D89-D38A-E02C-40B2-674E42F84C54}"/>
               </a:ext>
             </a:extLst>
           </p:cNvPr>
@@ -3680,7 +3676,7 @@
           <p:cNvPr id="1667253447" name="Slide Number Placeholder 3">
             <a:extLst>
               <a:ext uri="{FF2B5EF4-FFF2-40B4-BE49-F238E27FC236}">
-                <a16:creationId xmlns:a16="http://schemas.microsoft.com/office/drawing/2014/main" id="{FE15B35D-2E42-4F29-CE1E-E7107BA388F4}"/>
+                <a16:creationId xmlns:a16="http://schemas.microsoft.com/office/drawing/2014/main" id="{07874E8D-BFD4-4A81-8379-BB3DD1B4FCE8}"/>
               </a:ext>
             </a:extLst>
           </p:cNvPr>
@@ -3765,7 +3761,7 @@
     </p:spTree>
     <p:extLst>
       <p:ext uri="{BB962C8B-B14F-4D97-AF65-F5344CB8AC3E}">
-        <p14:creationId xmlns:p14="http://schemas.microsoft.com/office/powerpoint/2010/main" val="237478640"/>
+        <p14:creationId xmlns:p14="http://schemas.microsoft.com/office/powerpoint/2010/main" val="1128678057"/>
       </p:ext>
     </p:extLst>
   </p:cSld>
@@ -3783,7 +3779,7 @@
         <p:cNvPr id="1" name="">
           <a:extLst>
             <a:ext uri="{FF2B5EF4-FFF2-40B4-BE49-F238E27FC236}">
-              <a16:creationId xmlns:a16="http://schemas.microsoft.com/office/drawing/2014/main" id="{5FBB5073-8EAD-4DFA-A13D-BA454D6B5EC9}"/>
+              <a16:creationId xmlns:a16="http://schemas.microsoft.com/office/drawing/2014/main" id="{FA592738-03C1-03C9-8025-30BDA45C610D}"/>
             </a:ext>
           </a:extLst>
         </p:cNvPr>
@@ -3803,7 +3799,7 @@
           <p:cNvPr id="1330014680" name="Slide Image Placeholder 1">
             <a:extLst>
               <a:ext uri="{FF2B5EF4-FFF2-40B4-BE49-F238E27FC236}">
-                <a16:creationId xmlns:a16="http://schemas.microsoft.com/office/drawing/2014/main" id="{0F3AAEC4-0330-20A6-7B90-AA189194E4A8}"/>
+                <a16:creationId xmlns:a16="http://schemas.microsoft.com/office/drawing/2014/main" id="{2EE1E529-DC86-D3B6-49A0-2D65FA11F5A0}"/>
               </a:ext>
             </a:extLst>
           </p:cNvPr>
@@ -3821,7 +3817,7 @@
           <p:cNvPr id="1330354815" name="Notes Placeholder 2">
             <a:extLst>
               <a:ext uri="{FF2B5EF4-FFF2-40B4-BE49-F238E27FC236}">
-                <a16:creationId xmlns:a16="http://schemas.microsoft.com/office/drawing/2014/main" id="{7DD02D89-D38A-E02C-40B2-674E42F84C54}"/>
+                <a16:creationId xmlns:a16="http://schemas.microsoft.com/office/drawing/2014/main" id="{17574C73-F3BE-B80D-02C9-271B05D4D288}"/>
               </a:ext>
             </a:extLst>
           </p:cNvPr>
@@ -3849,7 +3845,7 @@
           <p:cNvPr id="1667253447" name="Slide Number Placeholder 3">
             <a:extLst>
               <a:ext uri="{FF2B5EF4-FFF2-40B4-BE49-F238E27FC236}">
-                <a16:creationId xmlns:a16="http://schemas.microsoft.com/office/drawing/2014/main" id="{07874E8D-BFD4-4A81-8379-BB3DD1B4FCE8}"/>
+                <a16:creationId xmlns:a16="http://schemas.microsoft.com/office/drawing/2014/main" id="{8FB20F0B-AB34-14B8-4963-85EFB34A9B42}"/>
               </a:ext>
             </a:extLst>
           </p:cNvPr>
@@ -3934,7 +3930,7 @@
     </p:spTree>
     <p:extLst>
       <p:ext uri="{BB962C8B-B14F-4D97-AF65-F5344CB8AC3E}">
-        <p14:creationId xmlns:p14="http://schemas.microsoft.com/office/powerpoint/2010/main" val="1128678057"/>
+        <p14:creationId xmlns:p14="http://schemas.microsoft.com/office/powerpoint/2010/main" val="3902437308"/>
       </p:ext>
     </p:extLst>
   </p:cSld>
@@ -4092,7 +4088,7 @@
         <p:cNvPr id="1" name="">
           <a:extLst>
             <a:ext uri="{FF2B5EF4-FFF2-40B4-BE49-F238E27FC236}">
-              <a16:creationId xmlns:a16="http://schemas.microsoft.com/office/drawing/2014/main" id="{FA592738-03C1-03C9-8025-30BDA45C610D}"/>
+              <a16:creationId xmlns:a16="http://schemas.microsoft.com/office/drawing/2014/main" id="{BD5F7901-49F7-F12B-FFA5-DDF2CF4C64DE}"/>
             </a:ext>
           </a:extLst>
         </p:cNvPr>
@@ -4112,7 +4108,7 @@
           <p:cNvPr id="1330014680" name="Slide Image Placeholder 1">
             <a:extLst>
               <a:ext uri="{FF2B5EF4-FFF2-40B4-BE49-F238E27FC236}">
-                <a16:creationId xmlns:a16="http://schemas.microsoft.com/office/drawing/2014/main" id="{2EE1E529-DC86-D3B6-49A0-2D65FA11F5A0}"/>
+                <a16:creationId xmlns:a16="http://schemas.microsoft.com/office/drawing/2014/main" id="{1A0931BC-1901-D7B8-7B73-9665A5A74878}"/>
               </a:ext>
             </a:extLst>
           </p:cNvPr>
@@ -4130,7 +4126,7 @@
           <p:cNvPr id="1330354815" name="Notes Placeholder 2">
             <a:extLst>
               <a:ext uri="{FF2B5EF4-FFF2-40B4-BE49-F238E27FC236}">
-                <a16:creationId xmlns:a16="http://schemas.microsoft.com/office/drawing/2014/main" id="{17574C73-F3BE-B80D-02C9-271B05D4D288}"/>
+                <a16:creationId xmlns:a16="http://schemas.microsoft.com/office/drawing/2014/main" id="{BF382972-7254-CD67-0466-0D32973D79F3}"/>
               </a:ext>
             </a:extLst>
           </p:cNvPr>
@@ -4158,7 +4154,7 @@
           <p:cNvPr id="1667253447" name="Slide Number Placeholder 3">
             <a:extLst>
               <a:ext uri="{FF2B5EF4-FFF2-40B4-BE49-F238E27FC236}">
-                <a16:creationId xmlns:a16="http://schemas.microsoft.com/office/drawing/2014/main" id="{8FB20F0B-AB34-14B8-4963-85EFB34A9B42}"/>
+                <a16:creationId xmlns:a16="http://schemas.microsoft.com/office/drawing/2014/main" id="{BB35E0D4-6A49-C004-8EAD-EC5900E109CA}"/>
               </a:ext>
             </a:extLst>
           </p:cNvPr>
@@ -4243,7 +4239,7 @@
     </p:spTree>
     <p:extLst>
       <p:ext uri="{BB962C8B-B14F-4D97-AF65-F5344CB8AC3E}">
-        <p14:creationId xmlns:p14="http://schemas.microsoft.com/office/powerpoint/2010/main" val="3902437308"/>
+        <p14:creationId xmlns:p14="http://schemas.microsoft.com/office/powerpoint/2010/main" val="599269686"/>
       </p:ext>
     </p:extLst>
   </p:cSld>
@@ -4261,7 +4257,7 @@
         <p:cNvPr id="1" name="">
           <a:extLst>
             <a:ext uri="{FF2B5EF4-FFF2-40B4-BE49-F238E27FC236}">
-              <a16:creationId xmlns:a16="http://schemas.microsoft.com/office/drawing/2014/main" id="{BD5F7901-49F7-F12B-FFA5-DDF2CF4C64DE}"/>
+              <a16:creationId xmlns:a16="http://schemas.microsoft.com/office/drawing/2014/main" id="{17C4D7CD-3D3F-EE5D-2B65-BC744F5F8820}"/>
             </a:ext>
           </a:extLst>
         </p:cNvPr>
@@ -4281,7 +4277,7 @@
           <p:cNvPr id="1330014680" name="Slide Image Placeholder 1">
             <a:extLst>
               <a:ext uri="{FF2B5EF4-FFF2-40B4-BE49-F238E27FC236}">
-                <a16:creationId xmlns:a16="http://schemas.microsoft.com/office/drawing/2014/main" id="{1A0931BC-1901-D7B8-7B73-9665A5A74878}"/>
+                <a16:creationId xmlns:a16="http://schemas.microsoft.com/office/drawing/2014/main" id="{486C0883-F4B1-6F2F-6707-76F6FC09F1B2}"/>
               </a:ext>
             </a:extLst>
           </p:cNvPr>
@@ -4299,7 +4295,7 @@
           <p:cNvPr id="1330354815" name="Notes Placeholder 2">
             <a:extLst>
               <a:ext uri="{FF2B5EF4-FFF2-40B4-BE49-F238E27FC236}">
-                <a16:creationId xmlns:a16="http://schemas.microsoft.com/office/drawing/2014/main" id="{BF382972-7254-CD67-0466-0D32973D79F3}"/>
+                <a16:creationId xmlns:a16="http://schemas.microsoft.com/office/drawing/2014/main" id="{30D83B0C-ECF8-B4E0-A3C5-DCEFE425F2D5}"/>
               </a:ext>
             </a:extLst>
           </p:cNvPr>
@@ -4327,7 +4323,7 @@
           <p:cNvPr id="1667253447" name="Slide Number Placeholder 3">
             <a:extLst>
               <a:ext uri="{FF2B5EF4-FFF2-40B4-BE49-F238E27FC236}">
-                <a16:creationId xmlns:a16="http://schemas.microsoft.com/office/drawing/2014/main" id="{BB35E0D4-6A49-C004-8EAD-EC5900E109CA}"/>
+                <a16:creationId xmlns:a16="http://schemas.microsoft.com/office/drawing/2014/main" id="{3F788EA0-AF0D-CFC7-4010-B5D1234D8D3B}"/>
               </a:ext>
             </a:extLst>
           </p:cNvPr>
@@ -4412,7 +4408,7 @@
     </p:spTree>
     <p:extLst>
       <p:ext uri="{BB962C8B-B14F-4D97-AF65-F5344CB8AC3E}">
-        <p14:creationId xmlns:p14="http://schemas.microsoft.com/office/powerpoint/2010/main" val="599269686"/>
+        <p14:creationId xmlns:p14="http://schemas.microsoft.com/office/powerpoint/2010/main" val="1901101225"/>
       </p:ext>
     </p:extLst>
   </p:cSld>
@@ -4430,7 +4426,7 @@
         <p:cNvPr id="1" name="">
           <a:extLst>
             <a:ext uri="{FF2B5EF4-FFF2-40B4-BE49-F238E27FC236}">
-              <a16:creationId xmlns:a16="http://schemas.microsoft.com/office/drawing/2014/main" id="{17C4D7CD-3D3F-EE5D-2B65-BC744F5F8820}"/>
+              <a16:creationId xmlns:a16="http://schemas.microsoft.com/office/drawing/2014/main" id="{E38C4809-F518-3D7B-0C88-35B6C0FEF890}"/>
             </a:ext>
           </a:extLst>
         </p:cNvPr>
@@ -4450,7 +4446,7 @@
           <p:cNvPr id="1330014680" name="Slide Image Placeholder 1">
             <a:extLst>
               <a:ext uri="{FF2B5EF4-FFF2-40B4-BE49-F238E27FC236}">
-                <a16:creationId xmlns:a16="http://schemas.microsoft.com/office/drawing/2014/main" id="{486C0883-F4B1-6F2F-6707-76F6FC09F1B2}"/>
+                <a16:creationId xmlns:a16="http://schemas.microsoft.com/office/drawing/2014/main" id="{B96B8645-5645-4593-160E-971598332BC5}"/>
               </a:ext>
             </a:extLst>
           </p:cNvPr>
@@ -4468,7 +4464,7 @@
           <p:cNvPr id="1330354815" name="Notes Placeholder 2">
             <a:extLst>
               <a:ext uri="{FF2B5EF4-FFF2-40B4-BE49-F238E27FC236}">
-                <a16:creationId xmlns:a16="http://schemas.microsoft.com/office/drawing/2014/main" id="{30D83B0C-ECF8-B4E0-A3C5-DCEFE425F2D5}"/>
+                <a16:creationId xmlns:a16="http://schemas.microsoft.com/office/drawing/2014/main" id="{0090F4AE-0523-527F-2B4F-FDFD0581F537}"/>
               </a:ext>
             </a:extLst>
           </p:cNvPr>
@@ -4496,7 +4492,7 @@
           <p:cNvPr id="1667253447" name="Slide Number Placeholder 3">
             <a:extLst>
               <a:ext uri="{FF2B5EF4-FFF2-40B4-BE49-F238E27FC236}">
-                <a16:creationId xmlns:a16="http://schemas.microsoft.com/office/drawing/2014/main" id="{3F788EA0-AF0D-CFC7-4010-B5D1234D8D3B}"/>
+                <a16:creationId xmlns:a16="http://schemas.microsoft.com/office/drawing/2014/main" id="{F162A118-2C31-8A95-F2BB-A4149F752131}"/>
               </a:ext>
             </a:extLst>
           </p:cNvPr>
@@ -4581,7 +4577,7 @@
     </p:spTree>
     <p:extLst>
       <p:ext uri="{BB962C8B-B14F-4D97-AF65-F5344CB8AC3E}">
-        <p14:creationId xmlns:p14="http://schemas.microsoft.com/office/powerpoint/2010/main" val="1901101225"/>
+        <p14:creationId xmlns:p14="http://schemas.microsoft.com/office/powerpoint/2010/main" val="1890091100"/>
       </p:ext>
     </p:extLst>
   </p:cSld>
@@ -4599,7 +4595,7 @@
         <p:cNvPr id="1" name="">
           <a:extLst>
             <a:ext uri="{FF2B5EF4-FFF2-40B4-BE49-F238E27FC236}">
-              <a16:creationId xmlns:a16="http://schemas.microsoft.com/office/drawing/2014/main" id="{E38C4809-F518-3D7B-0C88-35B6C0FEF890}"/>
+              <a16:creationId xmlns:a16="http://schemas.microsoft.com/office/drawing/2014/main" id="{CE5B9C85-AE9A-0B4C-3DDF-8F7EE7E7EFF2}"/>
             </a:ext>
           </a:extLst>
         </p:cNvPr>
@@ -4616,10 +4612,10 @@
       </p:grpSpPr>
       <p:sp>
         <p:nvSpPr>
-          <p:cNvPr id="1330014680" name="Slide Image Placeholder 1">
-            <a:extLst>
-              <a:ext uri="{FF2B5EF4-FFF2-40B4-BE49-F238E27FC236}">
-                <a16:creationId xmlns:a16="http://schemas.microsoft.com/office/drawing/2014/main" id="{B96B8645-5645-4593-160E-971598332BC5}"/>
+          <p:cNvPr id="139090186" name="Slide Image Placeholder 1">
+            <a:extLst>
+              <a:ext uri="{FF2B5EF4-FFF2-40B4-BE49-F238E27FC236}">
+                <a16:creationId xmlns:a16="http://schemas.microsoft.com/office/drawing/2014/main" id="{CA1EF806-6ADD-CD61-14D0-542D519DF096}"/>
               </a:ext>
             </a:extLst>
           </p:cNvPr>
@@ -4634,10 +4630,10 @@
       </p:sp>
       <p:sp>
         <p:nvSpPr>
-          <p:cNvPr id="1330354815" name="Notes Placeholder 2">
-            <a:extLst>
-              <a:ext uri="{FF2B5EF4-FFF2-40B4-BE49-F238E27FC236}">
-                <a16:creationId xmlns:a16="http://schemas.microsoft.com/office/drawing/2014/main" id="{0090F4AE-0523-527F-2B4F-FDFD0581F537}"/>
+          <p:cNvPr id="400293583" name="Notes Placeholder 2">
+            <a:extLst>
+              <a:ext uri="{FF2B5EF4-FFF2-40B4-BE49-F238E27FC236}">
+                <a16:creationId xmlns:a16="http://schemas.microsoft.com/office/drawing/2014/main" id="{A6E83C72-87D0-BB0F-CBF3-E614CE7ADC67}"/>
               </a:ext>
             </a:extLst>
           </p:cNvPr>
@@ -4662,10 +4658,10 @@
       </p:sp>
       <p:sp>
         <p:nvSpPr>
-          <p:cNvPr id="1667253447" name="Slide Number Placeholder 3">
-            <a:extLst>
-              <a:ext uri="{FF2B5EF4-FFF2-40B4-BE49-F238E27FC236}">
-                <a16:creationId xmlns:a16="http://schemas.microsoft.com/office/drawing/2014/main" id="{F162A118-2C31-8A95-F2BB-A4149F752131}"/>
+          <p:cNvPr id="1257388043" name="Slide Number Placeholder 3">
+            <a:extLst>
+              <a:ext uri="{FF2B5EF4-FFF2-40B4-BE49-F238E27FC236}">
+                <a16:creationId xmlns:a16="http://schemas.microsoft.com/office/drawing/2014/main" id="{BF9D2FA0-9A97-B5BB-2C32-0C999D597651}"/>
               </a:ext>
             </a:extLst>
           </p:cNvPr>
@@ -4698,7 +4694,7 @@
               <a:tabLst/>
               <a:defRPr/>
             </a:pPr>
-            <a:fld id="{37F1F184-79D2-F4EC-467F-CF3EF60FA136}" type="slidenum">
+            <a:fld id="{20073075-213A-DC53-9B24-1C6EF3B6ADAB}" type="slidenum">
               <a:rPr kumimoji="0" sz="1200" b="0" i="0" u="none" strike="noStrike" kern="0" cap="none" spc="0" normalizeH="0" baseline="0" noProof="0">
                 <a:ln>
                   <a:noFill/>
@@ -4750,7 +4746,7 @@
     </p:spTree>
     <p:extLst>
       <p:ext uri="{BB962C8B-B14F-4D97-AF65-F5344CB8AC3E}">
-        <p14:creationId xmlns:p14="http://schemas.microsoft.com/office/powerpoint/2010/main" val="1890091100"/>
+        <p14:creationId xmlns:p14="http://schemas.microsoft.com/office/powerpoint/2010/main" val="3523433093"/>
       </p:ext>
     </p:extLst>
   </p:cSld>
@@ -4768,7 +4764,7 @@
         <p:cNvPr id="1" name="">
           <a:extLst>
             <a:ext uri="{FF2B5EF4-FFF2-40B4-BE49-F238E27FC236}">
-              <a16:creationId xmlns:a16="http://schemas.microsoft.com/office/drawing/2014/main" id="{CE5B9C85-AE9A-0B4C-3DDF-8F7EE7E7EFF2}"/>
+              <a16:creationId xmlns:a16="http://schemas.microsoft.com/office/drawing/2014/main" id="{3DDADE42-1D1F-CA82-7701-4EF6DAAB2343}"/>
             </a:ext>
           </a:extLst>
         </p:cNvPr>
@@ -4788,7 +4784,7 @@
           <p:cNvPr id="139090186" name="Slide Image Placeholder 1">
             <a:extLst>
               <a:ext uri="{FF2B5EF4-FFF2-40B4-BE49-F238E27FC236}">
-                <a16:creationId xmlns:a16="http://schemas.microsoft.com/office/drawing/2014/main" id="{CA1EF806-6ADD-CD61-14D0-542D519DF096}"/>
+                <a16:creationId xmlns:a16="http://schemas.microsoft.com/office/drawing/2014/main" id="{35147794-95D5-3EBE-B29E-0F301F254631}"/>
               </a:ext>
             </a:extLst>
           </p:cNvPr>
@@ -4806,7 +4802,7 @@
           <p:cNvPr id="400293583" name="Notes Placeholder 2">
             <a:extLst>
               <a:ext uri="{FF2B5EF4-FFF2-40B4-BE49-F238E27FC236}">
-                <a16:creationId xmlns:a16="http://schemas.microsoft.com/office/drawing/2014/main" id="{A6E83C72-87D0-BB0F-CBF3-E614CE7ADC67}"/>
+                <a16:creationId xmlns:a16="http://schemas.microsoft.com/office/drawing/2014/main" id="{DCF11677-E798-0730-353F-2C3485653D38}"/>
               </a:ext>
             </a:extLst>
           </p:cNvPr>
@@ -4834,7 +4830,7 @@
           <p:cNvPr id="1257388043" name="Slide Number Placeholder 3">
             <a:extLst>
               <a:ext uri="{FF2B5EF4-FFF2-40B4-BE49-F238E27FC236}">
-                <a16:creationId xmlns:a16="http://schemas.microsoft.com/office/drawing/2014/main" id="{BF9D2FA0-9A97-B5BB-2C32-0C999D597651}"/>
+                <a16:creationId xmlns:a16="http://schemas.microsoft.com/office/drawing/2014/main" id="{EC38EF4C-01D8-D704-EC75-8DB8FF1E8139}"/>
               </a:ext>
             </a:extLst>
           </p:cNvPr>
@@ -4919,7 +4915,7 @@
     </p:spTree>
     <p:extLst>
       <p:ext uri="{BB962C8B-B14F-4D97-AF65-F5344CB8AC3E}">
-        <p14:creationId xmlns:p14="http://schemas.microsoft.com/office/powerpoint/2010/main" val="3523433093"/>
+        <p14:creationId xmlns:p14="http://schemas.microsoft.com/office/powerpoint/2010/main" val="1986518323"/>
       </p:ext>
     </p:extLst>
   </p:cSld>
@@ -4937,7 +4933,7 @@
         <p:cNvPr id="1" name="">
           <a:extLst>
             <a:ext uri="{FF2B5EF4-FFF2-40B4-BE49-F238E27FC236}">
-              <a16:creationId xmlns:a16="http://schemas.microsoft.com/office/drawing/2014/main" id="{3DDADE42-1D1F-CA82-7701-4EF6DAAB2343}"/>
+              <a16:creationId xmlns:a16="http://schemas.microsoft.com/office/drawing/2014/main" id="{54E4B3FB-A8BF-FE78-1355-F0237D106B7D}"/>
             </a:ext>
           </a:extLst>
         </p:cNvPr>
@@ -4957,7 +4953,7 @@
           <p:cNvPr id="139090186" name="Slide Image Placeholder 1">
             <a:extLst>
               <a:ext uri="{FF2B5EF4-FFF2-40B4-BE49-F238E27FC236}">
-                <a16:creationId xmlns:a16="http://schemas.microsoft.com/office/drawing/2014/main" id="{35147794-95D5-3EBE-B29E-0F301F254631}"/>
+                <a16:creationId xmlns:a16="http://schemas.microsoft.com/office/drawing/2014/main" id="{47572DA5-4A1F-FDD5-94BF-76FCF0F44D4D}"/>
               </a:ext>
             </a:extLst>
           </p:cNvPr>
@@ -4975,7 +4971,7 @@
           <p:cNvPr id="400293583" name="Notes Placeholder 2">
             <a:extLst>
               <a:ext uri="{FF2B5EF4-FFF2-40B4-BE49-F238E27FC236}">
-                <a16:creationId xmlns:a16="http://schemas.microsoft.com/office/drawing/2014/main" id="{DCF11677-E798-0730-353F-2C3485653D38}"/>
+                <a16:creationId xmlns:a16="http://schemas.microsoft.com/office/drawing/2014/main" id="{3AEFB35F-C11C-29BC-11FA-83AE8EED3E2C}"/>
               </a:ext>
             </a:extLst>
           </p:cNvPr>
@@ -5003,7 +4999,7 @@
           <p:cNvPr id="1257388043" name="Slide Number Placeholder 3">
             <a:extLst>
               <a:ext uri="{FF2B5EF4-FFF2-40B4-BE49-F238E27FC236}">
-                <a16:creationId xmlns:a16="http://schemas.microsoft.com/office/drawing/2014/main" id="{EC38EF4C-01D8-D704-EC75-8DB8FF1E8139}"/>
+                <a16:creationId xmlns:a16="http://schemas.microsoft.com/office/drawing/2014/main" id="{0DAC04F4-D0EA-1515-2C5E-3ADDCF840E5B}"/>
               </a:ext>
             </a:extLst>
           </p:cNvPr>
@@ -5088,7 +5084,7 @@
     </p:spTree>
     <p:extLst>
       <p:ext uri="{BB962C8B-B14F-4D97-AF65-F5344CB8AC3E}">
-        <p14:creationId xmlns:p14="http://schemas.microsoft.com/office/powerpoint/2010/main" val="1986518323"/>
+        <p14:creationId xmlns:p14="http://schemas.microsoft.com/office/powerpoint/2010/main" val="4222852445"/>
       </p:ext>
     </p:extLst>
   </p:cSld>
@@ -5106,7 +5102,7 @@
         <p:cNvPr id="1" name="">
           <a:extLst>
             <a:ext uri="{FF2B5EF4-FFF2-40B4-BE49-F238E27FC236}">
-              <a16:creationId xmlns:a16="http://schemas.microsoft.com/office/drawing/2014/main" id="{54E4B3FB-A8BF-FE78-1355-F0237D106B7D}"/>
+              <a16:creationId xmlns:a16="http://schemas.microsoft.com/office/drawing/2014/main" id="{C472848F-AB5D-8100-D4FC-B0369624D857}"/>
             </a:ext>
           </a:extLst>
         </p:cNvPr>
@@ -5126,7 +5122,7 @@
           <p:cNvPr id="139090186" name="Slide Image Placeholder 1">
             <a:extLst>
               <a:ext uri="{FF2B5EF4-FFF2-40B4-BE49-F238E27FC236}">
-                <a16:creationId xmlns:a16="http://schemas.microsoft.com/office/drawing/2014/main" id="{47572DA5-4A1F-FDD5-94BF-76FCF0F44D4D}"/>
+                <a16:creationId xmlns:a16="http://schemas.microsoft.com/office/drawing/2014/main" id="{EA4F9FA6-0ABA-72AD-8931-02FFAE41E5B6}"/>
               </a:ext>
             </a:extLst>
           </p:cNvPr>
@@ -5144,7 +5140,7 @@
           <p:cNvPr id="400293583" name="Notes Placeholder 2">
             <a:extLst>
               <a:ext uri="{FF2B5EF4-FFF2-40B4-BE49-F238E27FC236}">
-                <a16:creationId xmlns:a16="http://schemas.microsoft.com/office/drawing/2014/main" id="{3AEFB35F-C11C-29BC-11FA-83AE8EED3E2C}"/>
+                <a16:creationId xmlns:a16="http://schemas.microsoft.com/office/drawing/2014/main" id="{1DB8AF28-8DB2-BBA8-1427-E61A79BFC192}"/>
               </a:ext>
             </a:extLst>
           </p:cNvPr>
@@ -5172,7 +5168,7 @@
           <p:cNvPr id="1257388043" name="Slide Number Placeholder 3">
             <a:extLst>
               <a:ext uri="{FF2B5EF4-FFF2-40B4-BE49-F238E27FC236}">
-                <a16:creationId xmlns:a16="http://schemas.microsoft.com/office/drawing/2014/main" id="{0DAC04F4-D0EA-1515-2C5E-3ADDCF840E5B}"/>
+                <a16:creationId xmlns:a16="http://schemas.microsoft.com/office/drawing/2014/main" id="{313F6753-B0A3-302F-A04C-03A379CE9458}"/>
               </a:ext>
             </a:extLst>
           </p:cNvPr>
@@ -5257,7 +5253,7 @@
     </p:spTree>
     <p:extLst>
       <p:ext uri="{BB962C8B-B14F-4D97-AF65-F5344CB8AC3E}">
-        <p14:creationId xmlns:p14="http://schemas.microsoft.com/office/powerpoint/2010/main" val="4222852445"/>
+        <p14:creationId xmlns:p14="http://schemas.microsoft.com/office/powerpoint/2010/main" val="1209080239"/>
       </p:ext>
     </p:extLst>
   </p:cSld>
@@ -5275,7 +5271,7 @@
         <p:cNvPr id="1" name="">
           <a:extLst>
             <a:ext uri="{FF2B5EF4-FFF2-40B4-BE49-F238E27FC236}">
-              <a16:creationId xmlns:a16="http://schemas.microsoft.com/office/drawing/2014/main" id="{C472848F-AB5D-8100-D4FC-B0369624D857}"/>
+              <a16:creationId xmlns:a16="http://schemas.microsoft.com/office/drawing/2014/main" id="{3B1FF912-D4B6-1CEC-3109-5A46A657F9A8}"/>
             </a:ext>
           </a:extLst>
         </p:cNvPr>
@@ -5295,7 +5291,7 @@
           <p:cNvPr id="139090186" name="Slide Image Placeholder 1">
             <a:extLst>
               <a:ext uri="{FF2B5EF4-FFF2-40B4-BE49-F238E27FC236}">
-                <a16:creationId xmlns:a16="http://schemas.microsoft.com/office/drawing/2014/main" id="{EA4F9FA6-0ABA-72AD-8931-02FFAE41E5B6}"/>
+                <a16:creationId xmlns:a16="http://schemas.microsoft.com/office/drawing/2014/main" id="{2C804D89-D859-90B1-FA99-F2C6E3C8554F}"/>
               </a:ext>
             </a:extLst>
           </p:cNvPr>
@@ -5313,7 +5309,7 @@
           <p:cNvPr id="400293583" name="Notes Placeholder 2">
             <a:extLst>
               <a:ext uri="{FF2B5EF4-FFF2-40B4-BE49-F238E27FC236}">
-                <a16:creationId xmlns:a16="http://schemas.microsoft.com/office/drawing/2014/main" id="{1DB8AF28-8DB2-BBA8-1427-E61A79BFC192}"/>
+                <a16:creationId xmlns:a16="http://schemas.microsoft.com/office/drawing/2014/main" id="{63F06931-B822-4E01-8732-EF7B8505423D}"/>
               </a:ext>
             </a:extLst>
           </p:cNvPr>
@@ -5341,7 +5337,7 @@
           <p:cNvPr id="1257388043" name="Slide Number Placeholder 3">
             <a:extLst>
               <a:ext uri="{FF2B5EF4-FFF2-40B4-BE49-F238E27FC236}">
-                <a16:creationId xmlns:a16="http://schemas.microsoft.com/office/drawing/2014/main" id="{313F6753-B0A3-302F-A04C-03A379CE9458}"/>
+                <a16:creationId xmlns:a16="http://schemas.microsoft.com/office/drawing/2014/main" id="{4BBF9850-A72A-ACFD-7968-08C6DB530A1B}"/>
               </a:ext>
             </a:extLst>
           </p:cNvPr>
@@ -5426,7 +5422,7 @@
     </p:spTree>
     <p:extLst>
       <p:ext uri="{BB962C8B-B14F-4D97-AF65-F5344CB8AC3E}">
-        <p14:creationId xmlns:p14="http://schemas.microsoft.com/office/powerpoint/2010/main" val="1209080239"/>
+        <p14:creationId xmlns:p14="http://schemas.microsoft.com/office/powerpoint/2010/main" val="2928311505"/>
       </p:ext>
     </p:extLst>
   </p:cSld>
@@ -5444,7 +5440,7 @@
         <p:cNvPr id="1" name="">
           <a:extLst>
             <a:ext uri="{FF2B5EF4-FFF2-40B4-BE49-F238E27FC236}">
-              <a16:creationId xmlns:a16="http://schemas.microsoft.com/office/drawing/2014/main" id="{3B1FF912-D4B6-1CEC-3109-5A46A657F9A8}"/>
+              <a16:creationId xmlns:a16="http://schemas.microsoft.com/office/drawing/2014/main" id="{D54197A9-3A08-8138-3B9E-2BB85FA21840}"/>
             </a:ext>
           </a:extLst>
         </p:cNvPr>
@@ -5464,7 +5460,7 @@
           <p:cNvPr id="139090186" name="Slide Image Placeholder 1">
             <a:extLst>
               <a:ext uri="{FF2B5EF4-FFF2-40B4-BE49-F238E27FC236}">
-                <a16:creationId xmlns:a16="http://schemas.microsoft.com/office/drawing/2014/main" id="{2C804D89-D859-90B1-FA99-F2C6E3C8554F}"/>
+                <a16:creationId xmlns:a16="http://schemas.microsoft.com/office/drawing/2014/main" id="{8AA4346E-9454-E11B-994F-C04C794218AC}"/>
               </a:ext>
             </a:extLst>
           </p:cNvPr>
@@ -5482,7 +5478,7 @@
           <p:cNvPr id="400293583" name="Notes Placeholder 2">
             <a:extLst>
               <a:ext uri="{FF2B5EF4-FFF2-40B4-BE49-F238E27FC236}">
-                <a16:creationId xmlns:a16="http://schemas.microsoft.com/office/drawing/2014/main" id="{63F06931-B822-4E01-8732-EF7B8505423D}"/>
+                <a16:creationId xmlns:a16="http://schemas.microsoft.com/office/drawing/2014/main" id="{CC09FF6F-C58C-896A-5D0B-3D139EC960CC}"/>
               </a:ext>
             </a:extLst>
           </p:cNvPr>
@@ -5510,7 +5506,7 @@
           <p:cNvPr id="1257388043" name="Slide Number Placeholder 3">
             <a:extLst>
               <a:ext uri="{FF2B5EF4-FFF2-40B4-BE49-F238E27FC236}">
-                <a16:creationId xmlns:a16="http://schemas.microsoft.com/office/drawing/2014/main" id="{4BBF9850-A72A-ACFD-7968-08C6DB530A1B}"/>
+                <a16:creationId xmlns:a16="http://schemas.microsoft.com/office/drawing/2014/main" id="{6F4E5B97-2792-0614-BD4C-B57075754CE8}"/>
               </a:ext>
             </a:extLst>
           </p:cNvPr>
@@ -5595,7 +5591,7 @@
     </p:spTree>
     <p:extLst>
       <p:ext uri="{BB962C8B-B14F-4D97-AF65-F5344CB8AC3E}">
-        <p14:creationId xmlns:p14="http://schemas.microsoft.com/office/powerpoint/2010/main" val="2928311505"/>
+        <p14:creationId xmlns:p14="http://schemas.microsoft.com/office/powerpoint/2010/main" val="1724071367"/>
       </p:ext>
     </p:extLst>
   </p:cSld>
@@ -5613,7 +5609,7 @@
         <p:cNvPr id="1" name="">
           <a:extLst>
             <a:ext uri="{FF2B5EF4-FFF2-40B4-BE49-F238E27FC236}">
-              <a16:creationId xmlns:a16="http://schemas.microsoft.com/office/drawing/2014/main" id="{D54197A9-3A08-8138-3B9E-2BB85FA21840}"/>
+              <a16:creationId xmlns:a16="http://schemas.microsoft.com/office/drawing/2014/main" id="{A2E9F3D3-D5A2-453D-4054-1B6ABEA6DF19}"/>
             </a:ext>
           </a:extLst>
         </p:cNvPr>
@@ -5633,7 +5629,7 @@
           <p:cNvPr id="139090186" name="Slide Image Placeholder 1">
             <a:extLst>
               <a:ext uri="{FF2B5EF4-FFF2-40B4-BE49-F238E27FC236}">
-                <a16:creationId xmlns:a16="http://schemas.microsoft.com/office/drawing/2014/main" id="{8AA4346E-9454-E11B-994F-C04C794218AC}"/>
+                <a16:creationId xmlns:a16="http://schemas.microsoft.com/office/drawing/2014/main" id="{13F44863-AC7B-8ABD-AAA9-D819BC1D70C8}"/>
               </a:ext>
             </a:extLst>
           </p:cNvPr>
@@ -5651,7 +5647,7 @@
           <p:cNvPr id="400293583" name="Notes Placeholder 2">
             <a:extLst>
               <a:ext uri="{FF2B5EF4-FFF2-40B4-BE49-F238E27FC236}">
-                <a16:creationId xmlns:a16="http://schemas.microsoft.com/office/drawing/2014/main" id="{CC09FF6F-C58C-896A-5D0B-3D139EC960CC}"/>
+                <a16:creationId xmlns:a16="http://schemas.microsoft.com/office/drawing/2014/main" id="{13B76D12-19FF-91AA-4941-782F0B7996F1}"/>
               </a:ext>
             </a:extLst>
           </p:cNvPr>
@@ -5679,7 +5675,7 @@
           <p:cNvPr id="1257388043" name="Slide Number Placeholder 3">
             <a:extLst>
               <a:ext uri="{FF2B5EF4-FFF2-40B4-BE49-F238E27FC236}">
-                <a16:creationId xmlns:a16="http://schemas.microsoft.com/office/drawing/2014/main" id="{6F4E5B97-2792-0614-BD4C-B57075754CE8}"/>
+                <a16:creationId xmlns:a16="http://schemas.microsoft.com/office/drawing/2014/main" id="{2DB14216-72B6-587D-8E1A-5F4B7D7AA16C}"/>
               </a:ext>
             </a:extLst>
           </p:cNvPr>
@@ -5764,7 +5760,7 @@
     </p:spTree>
     <p:extLst>
       <p:ext uri="{BB962C8B-B14F-4D97-AF65-F5344CB8AC3E}">
-        <p14:creationId xmlns:p14="http://schemas.microsoft.com/office/powerpoint/2010/main" val="1724071367"/>
+        <p14:creationId xmlns:p14="http://schemas.microsoft.com/office/powerpoint/2010/main" val="3871987960"/>
       </p:ext>
     </p:extLst>
   </p:cSld>
@@ -5922,7 +5918,7 @@
         <p:cNvPr id="1" name="">
           <a:extLst>
             <a:ext uri="{FF2B5EF4-FFF2-40B4-BE49-F238E27FC236}">
-              <a16:creationId xmlns:a16="http://schemas.microsoft.com/office/drawing/2014/main" id="{A2E9F3D3-D5A2-453D-4054-1B6ABEA6DF19}"/>
+              <a16:creationId xmlns:a16="http://schemas.microsoft.com/office/drawing/2014/main" id="{83E06739-1567-B389-27EB-96890F9ECD30}"/>
             </a:ext>
           </a:extLst>
         </p:cNvPr>
@@ -5942,7 +5938,7 @@
           <p:cNvPr id="139090186" name="Slide Image Placeholder 1">
             <a:extLst>
               <a:ext uri="{FF2B5EF4-FFF2-40B4-BE49-F238E27FC236}">
-                <a16:creationId xmlns:a16="http://schemas.microsoft.com/office/drawing/2014/main" id="{13F44863-AC7B-8ABD-AAA9-D819BC1D70C8}"/>
+                <a16:creationId xmlns:a16="http://schemas.microsoft.com/office/drawing/2014/main" id="{932D7566-9A6D-225F-EA98-70101BF44016}"/>
               </a:ext>
             </a:extLst>
           </p:cNvPr>
@@ -5960,7 +5956,7 @@
           <p:cNvPr id="400293583" name="Notes Placeholder 2">
             <a:extLst>
               <a:ext uri="{FF2B5EF4-FFF2-40B4-BE49-F238E27FC236}">
-                <a16:creationId xmlns:a16="http://schemas.microsoft.com/office/drawing/2014/main" id="{13B76D12-19FF-91AA-4941-782F0B7996F1}"/>
+                <a16:creationId xmlns:a16="http://schemas.microsoft.com/office/drawing/2014/main" id="{F2073CA3-EE16-2C99-C6C6-07A0340AA00B}"/>
               </a:ext>
             </a:extLst>
           </p:cNvPr>
@@ -5988,7 +5984,7 @@
           <p:cNvPr id="1257388043" name="Slide Number Placeholder 3">
             <a:extLst>
               <a:ext uri="{FF2B5EF4-FFF2-40B4-BE49-F238E27FC236}">
-                <a16:creationId xmlns:a16="http://schemas.microsoft.com/office/drawing/2014/main" id="{2DB14216-72B6-587D-8E1A-5F4B7D7AA16C}"/>
+                <a16:creationId xmlns:a16="http://schemas.microsoft.com/office/drawing/2014/main" id="{C8578FD1-B651-4D44-4A9A-EAAF684110CF}"/>
               </a:ext>
             </a:extLst>
           </p:cNvPr>
@@ -6073,7 +6069,7 @@
     </p:spTree>
     <p:extLst>
       <p:ext uri="{BB962C8B-B14F-4D97-AF65-F5344CB8AC3E}">
-        <p14:creationId xmlns:p14="http://schemas.microsoft.com/office/powerpoint/2010/main" val="3871987960"/>
+        <p14:creationId xmlns:p14="http://schemas.microsoft.com/office/powerpoint/2010/main" val="1821547892"/>
       </p:ext>
     </p:extLst>
   </p:cSld>
@@ -6091,7 +6087,7 @@
         <p:cNvPr id="1" name="">
           <a:extLst>
             <a:ext uri="{FF2B5EF4-FFF2-40B4-BE49-F238E27FC236}">
-              <a16:creationId xmlns:a16="http://schemas.microsoft.com/office/drawing/2014/main" id="{83E06739-1567-B389-27EB-96890F9ECD30}"/>
+              <a16:creationId xmlns:a16="http://schemas.microsoft.com/office/drawing/2014/main" id="{071F79CF-CD17-6033-1FEF-05B17707F01A}"/>
             </a:ext>
           </a:extLst>
         </p:cNvPr>
@@ -6111,7 +6107,7 @@
           <p:cNvPr id="139090186" name="Slide Image Placeholder 1">
             <a:extLst>
               <a:ext uri="{FF2B5EF4-FFF2-40B4-BE49-F238E27FC236}">
-                <a16:creationId xmlns:a16="http://schemas.microsoft.com/office/drawing/2014/main" id="{932D7566-9A6D-225F-EA98-70101BF44016}"/>
+                <a16:creationId xmlns:a16="http://schemas.microsoft.com/office/drawing/2014/main" id="{EE683B9E-A0DE-86F4-BD95-319D8EBFE26F}"/>
               </a:ext>
             </a:extLst>
           </p:cNvPr>
@@ -6129,7 +6125,7 @@
           <p:cNvPr id="400293583" name="Notes Placeholder 2">
             <a:extLst>
               <a:ext uri="{FF2B5EF4-FFF2-40B4-BE49-F238E27FC236}">
-                <a16:creationId xmlns:a16="http://schemas.microsoft.com/office/drawing/2014/main" id="{F2073CA3-EE16-2C99-C6C6-07A0340AA00B}"/>
+                <a16:creationId xmlns:a16="http://schemas.microsoft.com/office/drawing/2014/main" id="{364C980E-94DA-1FD5-935B-F531D86CBDD4}"/>
               </a:ext>
             </a:extLst>
           </p:cNvPr>
@@ -6157,7 +6153,7 @@
           <p:cNvPr id="1257388043" name="Slide Number Placeholder 3">
             <a:extLst>
               <a:ext uri="{FF2B5EF4-FFF2-40B4-BE49-F238E27FC236}">
-                <a16:creationId xmlns:a16="http://schemas.microsoft.com/office/drawing/2014/main" id="{C8578FD1-B651-4D44-4A9A-EAAF684110CF}"/>
+                <a16:creationId xmlns:a16="http://schemas.microsoft.com/office/drawing/2014/main" id="{FFBE7416-06B8-8F75-A9EF-A9895DF8107A}"/>
               </a:ext>
             </a:extLst>
           </p:cNvPr>
@@ -6242,7 +6238,7 @@
     </p:spTree>
     <p:extLst>
       <p:ext uri="{BB962C8B-B14F-4D97-AF65-F5344CB8AC3E}">
-        <p14:creationId xmlns:p14="http://schemas.microsoft.com/office/powerpoint/2010/main" val="1821547892"/>
+        <p14:creationId xmlns:p14="http://schemas.microsoft.com/office/powerpoint/2010/main" val="2318382485"/>
       </p:ext>
     </p:extLst>
   </p:cSld>
@@ -6260,7 +6256,7 @@
         <p:cNvPr id="1" name="">
           <a:extLst>
             <a:ext uri="{FF2B5EF4-FFF2-40B4-BE49-F238E27FC236}">
-              <a16:creationId xmlns:a16="http://schemas.microsoft.com/office/drawing/2014/main" id="{071F79CF-CD17-6033-1FEF-05B17707F01A}"/>
+              <a16:creationId xmlns:a16="http://schemas.microsoft.com/office/drawing/2014/main" id="{DA3283D2-DBF6-D5A5-0A46-10E5E73BF7F5}"/>
             </a:ext>
           </a:extLst>
         </p:cNvPr>
@@ -6280,7 +6276,7 @@
           <p:cNvPr id="139090186" name="Slide Image Placeholder 1">
             <a:extLst>
               <a:ext uri="{FF2B5EF4-FFF2-40B4-BE49-F238E27FC236}">
-                <a16:creationId xmlns:a16="http://schemas.microsoft.com/office/drawing/2014/main" id="{EE683B9E-A0DE-86F4-BD95-319D8EBFE26F}"/>
+                <a16:creationId xmlns:a16="http://schemas.microsoft.com/office/drawing/2014/main" id="{0A1192E9-FB02-CB2D-DBEF-1A1C4CFD871D}"/>
               </a:ext>
             </a:extLst>
           </p:cNvPr>
@@ -6298,7 +6294,7 @@
           <p:cNvPr id="400293583" name="Notes Placeholder 2">
             <a:extLst>
               <a:ext uri="{FF2B5EF4-FFF2-40B4-BE49-F238E27FC236}">
-                <a16:creationId xmlns:a16="http://schemas.microsoft.com/office/drawing/2014/main" id="{364C980E-94DA-1FD5-935B-F531D86CBDD4}"/>
+                <a16:creationId xmlns:a16="http://schemas.microsoft.com/office/drawing/2014/main" id="{9A9D6D79-C617-A95F-CB9A-C7E9C3EEACA9}"/>
               </a:ext>
             </a:extLst>
           </p:cNvPr>
@@ -6326,7 +6322,7 @@
           <p:cNvPr id="1257388043" name="Slide Number Placeholder 3">
             <a:extLst>
               <a:ext uri="{FF2B5EF4-FFF2-40B4-BE49-F238E27FC236}">
-                <a16:creationId xmlns:a16="http://schemas.microsoft.com/office/drawing/2014/main" id="{FFBE7416-06B8-8F75-A9EF-A9895DF8107A}"/>
+                <a16:creationId xmlns:a16="http://schemas.microsoft.com/office/drawing/2014/main" id="{2E5FC565-6F52-C6E6-2CE6-21A3593D4DDC}"/>
               </a:ext>
             </a:extLst>
           </p:cNvPr>
@@ -6411,7 +6407,7 @@
     </p:spTree>
     <p:extLst>
       <p:ext uri="{BB962C8B-B14F-4D97-AF65-F5344CB8AC3E}">
-        <p14:creationId xmlns:p14="http://schemas.microsoft.com/office/powerpoint/2010/main" val="2318382485"/>
+        <p14:creationId xmlns:p14="http://schemas.microsoft.com/office/powerpoint/2010/main" val="284837936"/>
       </p:ext>
     </p:extLst>
   </p:cSld>
@@ -6429,7 +6425,7 @@
         <p:cNvPr id="1" name="">
           <a:extLst>
             <a:ext uri="{FF2B5EF4-FFF2-40B4-BE49-F238E27FC236}">
-              <a16:creationId xmlns:a16="http://schemas.microsoft.com/office/drawing/2014/main" id="{DA3283D2-DBF6-D5A5-0A46-10E5E73BF7F5}"/>
+              <a16:creationId xmlns:a16="http://schemas.microsoft.com/office/drawing/2014/main" id="{69F313CF-1FEC-98D5-3C31-CE6F4B8F6ABF}"/>
             </a:ext>
           </a:extLst>
         </p:cNvPr>
@@ -6449,7 +6445,7 @@
           <p:cNvPr id="139090186" name="Slide Image Placeholder 1">
             <a:extLst>
               <a:ext uri="{FF2B5EF4-FFF2-40B4-BE49-F238E27FC236}">
-                <a16:creationId xmlns:a16="http://schemas.microsoft.com/office/drawing/2014/main" id="{0A1192E9-FB02-CB2D-DBEF-1A1C4CFD871D}"/>
+                <a16:creationId xmlns:a16="http://schemas.microsoft.com/office/drawing/2014/main" id="{3E126841-CF9B-8112-14DF-EF343B2B21B4}"/>
               </a:ext>
             </a:extLst>
           </p:cNvPr>
@@ -6467,7 +6463,7 @@
           <p:cNvPr id="400293583" name="Notes Placeholder 2">
             <a:extLst>
               <a:ext uri="{FF2B5EF4-FFF2-40B4-BE49-F238E27FC236}">
-                <a16:creationId xmlns:a16="http://schemas.microsoft.com/office/drawing/2014/main" id="{9A9D6D79-C617-A95F-CB9A-C7E9C3EEACA9}"/>
+                <a16:creationId xmlns:a16="http://schemas.microsoft.com/office/drawing/2014/main" id="{BA1A9BCC-D8A0-8BD2-7F2A-D5FDE80127E6}"/>
               </a:ext>
             </a:extLst>
           </p:cNvPr>
@@ -6495,7 +6491,7 @@
           <p:cNvPr id="1257388043" name="Slide Number Placeholder 3">
             <a:extLst>
               <a:ext uri="{FF2B5EF4-FFF2-40B4-BE49-F238E27FC236}">
-                <a16:creationId xmlns:a16="http://schemas.microsoft.com/office/drawing/2014/main" id="{2E5FC565-6F52-C6E6-2CE6-21A3593D4DDC}"/>
+                <a16:creationId xmlns:a16="http://schemas.microsoft.com/office/drawing/2014/main" id="{258DFE2D-F19D-0F43-B42D-F1713DB9637F}"/>
               </a:ext>
             </a:extLst>
           </p:cNvPr>
@@ -6580,7 +6576,7 @@
     </p:spTree>
     <p:extLst>
       <p:ext uri="{BB962C8B-B14F-4D97-AF65-F5344CB8AC3E}">
-        <p14:creationId xmlns:p14="http://schemas.microsoft.com/office/powerpoint/2010/main" val="284837936"/>
+        <p14:creationId xmlns:p14="http://schemas.microsoft.com/office/powerpoint/2010/main" val="785065613"/>
       </p:ext>
     </p:extLst>
   </p:cSld>
@@ -6591,175 +6587,6 @@
 </file>
 
 <file path=ppt/notesSlides/notesSlide44.xml><?xml version="1.0" encoding="utf-8"?>
-<p:notes xmlns:a="http://schemas.openxmlformats.org/drawingml/2006/main" xmlns:r="http://schemas.openxmlformats.org/officeDocument/2006/relationships" xmlns:p="http://schemas.openxmlformats.org/presentationml/2006/main">
-  <p:cSld>
-    <p:spTree>
-      <p:nvGrpSpPr>
-        <p:cNvPr id="1" name="">
-          <a:extLst>
-            <a:ext uri="{FF2B5EF4-FFF2-40B4-BE49-F238E27FC236}">
-              <a16:creationId xmlns:a16="http://schemas.microsoft.com/office/drawing/2014/main" id="{69F313CF-1FEC-98D5-3C31-CE6F4B8F6ABF}"/>
-            </a:ext>
-          </a:extLst>
-        </p:cNvPr>
-        <p:cNvGrpSpPr/>
-        <p:nvPr/>
-      </p:nvGrpSpPr>
-      <p:grpSpPr bwMode="auto">
-        <a:xfrm>
-          <a:off x="0" y="0"/>
-          <a:ext cx="0" cy="0"/>
-          <a:chOff x="0" y="0"/>
-          <a:chExt cx="0" cy="0"/>
-        </a:xfrm>
-      </p:grpSpPr>
-      <p:sp>
-        <p:nvSpPr>
-          <p:cNvPr id="139090186" name="Slide Image Placeholder 1">
-            <a:extLst>
-              <a:ext uri="{FF2B5EF4-FFF2-40B4-BE49-F238E27FC236}">
-                <a16:creationId xmlns:a16="http://schemas.microsoft.com/office/drawing/2014/main" id="{3E126841-CF9B-8112-14DF-EF343B2B21B4}"/>
-              </a:ext>
-            </a:extLst>
-          </p:cNvPr>
-          <p:cNvSpPr>
-            <a:spLocks noGrp="1" noRot="1" noChangeAspect="1"/>
-          </p:cNvSpPr>
-          <p:nvPr>
-            <p:ph type="sldImg"/>
-          </p:nvPr>
-        </p:nvSpPr>
-        <p:spPr bwMode="auto"/>
-      </p:sp>
-      <p:sp>
-        <p:nvSpPr>
-          <p:cNvPr id="400293583" name="Notes Placeholder 2">
-            <a:extLst>
-              <a:ext uri="{FF2B5EF4-FFF2-40B4-BE49-F238E27FC236}">
-                <a16:creationId xmlns:a16="http://schemas.microsoft.com/office/drawing/2014/main" id="{BA1A9BCC-D8A0-8BD2-7F2A-D5FDE80127E6}"/>
-              </a:ext>
-            </a:extLst>
-          </p:cNvPr>
-          <p:cNvSpPr>
-            <a:spLocks noGrp="1"/>
-          </p:cNvSpPr>
-          <p:nvPr>
-            <p:ph type="body" idx="1"/>
-          </p:nvPr>
-        </p:nvSpPr>
-        <p:spPr bwMode="auto"/>
-        <p:txBody>
-          <a:bodyPr/>
-          <a:lstStyle/>
-          <a:p>
-            <a:pPr>
-              <a:defRPr/>
-            </a:pPr>
-            <a:endParaRPr/>
-          </a:p>
-        </p:txBody>
-      </p:sp>
-      <p:sp>
-        <p:nvSpPr>
-          <p:cNvPr id="1257388043" name="Slide Number Placeholder 3">
-            <a:extLst>
-              <a:ext uri="{FF2B5EF4-FFF2-40B4-BE49-F238E27FC236}">
-                <a16:creationId xmlns:a16="http://schemas.microsoft.com/office/drawing/2014/main" id="{258DFE2D-F19D-0F43-B42D-F1713DB9637F}"/>
-              </a:ext>
-            </a:extLst>
-          </p:cNvPr>
-          <p:cNvSpPr>
-            <a:spLocks noGrp="1"/>
-          </p:cNvSpPr>
-          <p:nvPr>
-            <p:ph type="sldNum" sz="quarter" idx="10"/>
-          </p:nvPr>
-        </p:nvSpPr>
-        <p:spPr bwMode="auto"/>
-        <p:txBody>
-          <a:bodyPr/>
-          <a:lstStyle/>
-          <a:p>
-            <a:pPr marL="0" marR="0" lvl="0" indent="0" algn="r" defTabSz="914400" eaLnBrk="1" fontAlgn="auto" latinLnBrk="0" hangingPunct="1">
-              <a:lnSpc>
-                <a:spcPct val="100000"/>
-              </a:lnSpc>
-              <a:spcBef>
-                <a:spcPts val="0"/>
-              </a:spcBef>
-              <a:spcAft>
-                <a:spcPts val="0"/>
-              </a:spcAft>
-              <a:buClrTx/>
-              <a:buSzTx/>
-              <a:buFontTx/>
-              <a:buNone/>
-              <a:tabLst/>
-              <a:defRPr/>
-            </a:pPr>
-            <a:fld id="{20073075-213A-DC53-9B24-1C6EF3B6ADAB}" type="slidenum">
-              <a:rPr kumimoji="0" sz="1200" b="0" i="0" u="none" strike="noStrike" kern="0" cap="none" spc="0" normalizeH="0" baseline="0" noProof="0">
-                <a:ln>
-                  <a:noFill/>
-                </a:ln>
-                <a:solidFill>
-                  <a:prstClr val="black"/>
-                </a:solidFill>
-                <a:effectLst/>
-                <a:uLnTx/>
-                <a:uFillTx/>
-                <a:latin typeface="Calibri"/>
-                <a:cs typeface="Arial"/>
-              </a:rPr>
-              <a:pPr marL="0" marR="0" lvl="0" indent="0" algn="r" defTabSz="914400" eaLnBrk="1" fontAlgn="auto" latinLnBrk="0" hangingPunct="1">
-                <a:lnSpc>
-                  <a:spcPct val="100000"/>
-                </a:lnSpc>
-                <a:spcBef>
-                  <a:spcPts val="0"/>
-                </a:spcBef>
-                <a:spcAft>
-                  <a:spcPts val="0"/>
-                </a:spcAft>
-                <a:buClrTx/>
-                <a:buSzTx/>
-                <a:buFontTx/>
-                <a:buNone/>
-                <a:tabLst/>
-                <a:defRPr/>
-              </a:pPr>
-              <a:t>75</a:t>
-            </a:fld>
-            <a:endParaRPr kumimoji="0" sz="1200" b="0" i="0" u="none" strike="noStrike" kern="0" cap="none" spc="0" normalizeH="0" baseline="0" noProof="0">
-              <a:ln>
-                <a:noFill/>
-              </a:ln>
-              <a:solidFill>
-                <a:prstClr val="black"/>
-              </a:solidFill>
-              <a:effectLst/>
-              <a:uLnTx/>
-              <a:uFillTx/>
-              <a:latin typeface="Calibri"/>
-              <a:cs typeface="Arial"/>
-            </a:endParaRPr>
-          </a:p>
-        </p:txBody>
-      </p:sp>
-    </p:spTree>
-    <p:extLst>
-      <p:ext uri="{BB962C8B-B14F-4D97-AF65-F5344CB8AC3E}">
-        <p14:creationId xmlns:p14="http://schemas.microsoft.com/office/powerpoint/2010/main" val="785065613"/>
-      </p:ext>
-    </p:extLst>
-  </p:cSld>
-  <p:clrMapOvr>
-    <a:masterClrMapping/>
-  </p:clrMapOvr>
-</p:notes>
-</file>
-
-<file path=ppt/notesSlides/notesSlide45.xml><?xml version="1.0" encoding="utf-8"?>
 <p:notes xmlns:a="http://schemas.openxmlformats.org/drawingml/2006/main" xmlns:r="http://schemas.openxmlformats.org/officeDocument/2006/relationships" xmlns:p="http://schemas.openxmlformats.org/presentationml/2006/main">
   <p:cSld>
     <p:spTree>
@@ -6850,7 +6677,7 @@
           <a:lstStyle/>
           <a:p>
             <a:fld id="{8C36BA74-7AA1-48ED-B9BC-0F570D47A936}" type="slidenum">
-              <a:t>77</a:t>
+              <a:t>75</a:t>
             </a:fld>
             <a:endParaRPr lang="de-DE"/>
           </a:p>
@@ -6869,7 +6696,7 @@
 </p:notes>
 </file>
 
-<file path=ppt/notesSlides/notesSlide46.xml><?xml version="1.0" encoding="utf-8"?>
+<file path=ppt/notesSlides/notesSlide45.xml><?xml version="1.0" encoding="utf-8"?>
 <p:notes xmlns:a="http://schemas.openxmlformats.org/drawingml/2006/main" xmlns:r="http://schemas.openxmlformats.org/officeDocument/2006/relationships" xmlns:p="http://schemas.openxmlformats.org/presentationml/2006/main">
   <p:cSld>
     <p:spTree>
@@ -6960,7 +6787,7 @@
           <a:lstStyle/>
           <a:p>
             <a:fld id="{8C36BA74-7AA1-48ED-B9BC-0F570D47A936}" type="slidenum">
-              <a:t>80</a:t>
+              <a:t>78</a:t>
             </a:fld>
             <a:endParaRPr lang="de-DE"/>
           </a:p>
@@ -7296,7 +7123,7 @@
         <p:cNvPr id="1" name="">
           <a:extLst>
             <a:ext uri="{FF2B5EF4-FFF2-40B4-BE49-F238E27FC236}">
-              <a16:creationId xmlns:a16="http://schemas.microsoft.com/office/drawing/2014/main" id="{CE5B9C85-AE9A-0B4C-3DDF-8F7EE7E7EFF2}"/>
+              <a16:creationId xmlns:a16="http://schemas.microsoft.com/office/drawing/2014/main" id="{195A4816-39D1-245E-7CD8-A048CE00ED7D}"/>
             </a:ext>
           </a:extLst>
         </p:cNvPr>
@@ -7316,7 +7143,7 @@
           <p:cNvPr id="139090186" name="Slide Image Placeholder 1">
             <a:extLst>
               <a:ext uri="{FF2B5EF4-FFF2-40B4-BE49-F238E27FC236}">
-                <a16:creationId xmlns:a16="http://schemas.microsoft.com/office/drawing/2014/main" id="{CA1EF806-6ADD-CD61-14D0-542D519DF096}"/>
+                <a16:creationId xmlns:a16="http://schemas.microsoft.com/office/drawing/2014/main" id="{7BC8C6BD-B66C-34E5-F4DE-752E955F3CDE}"/>
               </a:ext>
             </a:extLst>
           </p:cNvPr>
@@ -7334,7 +7161,7 @@
           <p:cNvPr id="400293583" name="Notes Placeholder 2">
             <a:extLst>
               <a:ext uri="{FF2B5EF4-FFF2-40B4-BE49-F238E27FC236}">
-                <a16:creationId xmlns:a16="http://schemas.microsoft.com/office/drawing/2014/main" id="{A6E83C72-87D0-BB0F-CBF3-E614CE7ADC67}"/>
+                <a16:creationId xmlns:a16="http://schemas.microsoft.com/office/drawing/2014/main" id="{F085DCDF-5635-1357-2A2C-0938E82DF249}"/>
               </a:ext>
             </a:extLst>
           </p:cNvPr>
@@ -7362,7 +7189,7 @@
           <p:cNvPr id="1257388043" name="Slide Number Placeholder 3">
             <a:extLst>
               <a:ext uri="{FF2B5EF4-FFF2-40B4-BE49-F238E27FC236}">
-                <a16:creationId xmlns:a16="http://schemas.microsoft.com/office/drawing/2014/main" id="{BF9D2FA0-9A97-B5BB-2C32-0C999D597651}"/>
+                <a16:creationId xmlns:a16="http://schemas.microsoft.com/office/drawing/2014/main" id="{FE7DC78C-7C24-830C-B579-5E32FB19327E}"/>
               </a:ext>
             </a:extLst>
           </p:cNvPr>
@@ -7447,7 +7274,7 @@
     </p:spTree>
     <p:extLst>
       <p:ext uri="{BB962C8B-B14F-4D97-AF65-F5344CB8AC3E}">
-        <p14:creationId xmlns:p14="http://schemas.microsoft.com/office/powerpoint/2010/main" val="3523433093"/>
+        <p14:creationId xmlns:p14="http://schemas.microsoft.com/office/powerpoint/2010/main" val="2256702635"/>
       </p:ext>
     </p:extLst>
   </p:cSld>
@@ -7465,7 +7292,7 @@
         <p:cNvPr id="1" name="">
           <a:extLst>
             <a:ext uri="{FF2B5EF4-FFF2-40B4-BE49-F238E27FC236}">
-              <a16:creationId xmlns:a16="http://schemas.microsoft.com/office/drawing/2014/main" id="{195A4816-39D1-245E-7CD8-A048CE00ED7D}"/>
+              <a16:creationId xmlns:a16="http://schemas.microsoft.com/office/drawing/2014/main" id="{1B45F5B5-A2BB-1EE7-36D4-9319D2F7AFA3}"/>
             </a:ext>
           </a:extLst>
         </p:cNvPr>
@@ -7485,7 +7312,7 @@
           <p:cNvPr id="139090186" name="Slide Image Placeholder 1">
             <a:extLst>
               <a:ext uri="{FF2B5EF4-FFF2-40B4-BE49-F238E27FC236}">
-                <a16:creationId xmlns:a16="http://schemas.microsoft.com/office/drawing/2014/main" id="{7BC8C6BD-B66C-34E5-F4DE-752E955F3CDE}"/>
+                <a16:creationId xmlns:a16="http://schemas.microsoft.com/office/drawing/2014/main" id="{C2ED693B-4892-7057-57AA-7A3FB92DEC5B}"/>
               </a:ext>
             </a:extLst>
           </p:cNvPr>
@@ -7503,7 +7330,7 @@
           <p:cNvPr id="400293583" name="Notes Placeholder 2">
             <a:extLst>
               <a:ext uri="{FF2B5EF4-FFF2-40B4-BE49-F238E27FC236}">
-                <a16:creationId xmlns:a16="http://schemas.microsoft.com/office/drawing/2014/main" id="{F085DCDF-5635-1357-2A2C-0938E82DF249}"/>
+                <a16:creationId xmlns:a16="http://schemas.microsoft.com/office/drawing/2014/main" id="{24C73041-51B0-856A-F33C-516C80E7DA50}"/>
               </a:ext>
             </a:extLst>
           </p:cNvPr>
@@ -7531,7 +7358,7 @@
           <p:cNvPr id="1257388043" name="Slide Number Placeholder 3">
             <a:extLst>
               <a:ext uri="{FF2B5EF4-FFF2-40B4-BE49-F238E27FC236}">
-                <a16:creationId xmlns:a16="http://schemas.microsoft.com/office/drawing/2014/main" id="{FE7DC78C-7C24-830C-B579-5E32FB19327E}"/>
+                <a16:creationId xmlns:a16="http://schemas.microsoft.com/office/drawing/2014/main" id="{2108814C-39DC-01D7-BF31-993D4641800F}"/>
               </a:ext>
             </a:extLst>
           </p:cNvPr>
@@ -7595,7 +7422,7 @@
                 <a:tabLst/>
                 <a:defRPr/>
               </a:pPr>
-              <a:t>25</a:t>
+              <a:t>27</a:t>
             </a:fld>
             <a:endParaRPr kumimoji="0" sz="1200" b="0" i="0" u="none" strike="noStrike" kern="0" cap="none" spc="0" normalizeH="0" baseline="0" noProof="0">
               <a:ln>
@@ -7616,7 +7443,7 @@
     </p:spTree>
     <p:extLst>
       <p:ext uri="{BB962C8B-B14F-4D97-AF65-F5344CB8AC3E}">
-        <p14:creationId xmlns:p14="http://schemas.microsoft.com/office/powerpoint/2010/main" val="2256702635"/>
+        <p14:creationId xmlns:p14="http://schemas.microsoft.com/office/powerpoint/2010/main" val="1842253085"/>
       </p:ext>
     </p:extLst>
   </p:cSld>
@@ -7634,7 +7461,7 @@
         <p:cNvPr id="1" name="">
           <a:extLst>
             <a:ext uri="{FF2B5EF4-FFF2-40B4-BE49-F238E27FC236}">
-              <a16:creationId xmlns:a16="http://schemas.microsoft.com/office/drawing/2014/main" id="{1B45F5B5-A2BB-1EE7-36D4-9319D2F7AFA3}"/>
+              <a16:creationId xmlns:a16="http://schemas.microsoft.com/office/drawing/2014/main" id="{913360F4-5A38-9608-D9AA-60B706E66FE7}"/>
             </a:ext>
           </a:extLst>
         </p:cNvPr>
@@ -7654,7 +7481,7 @@
           <p:cNvPr id="139090186" name="Slide Image Placeholder 1">
             <a:extLst>
               <a:ext uri="{FF2B5EF4-FFF2-40B4-BE49-F238E27FC236}">
-                <a16:creationId xmlns:a16="http://schemas.microsoft.com/office/drawing/2014/main" id="{C2ED693B-4892-7057-57AA-7A3FB92DEC5B}"/>
+                <a16:creationId xmlns:a16="http://schemas.microsoft.com/office/drawing/2014/main" id="{D707612B-E4DF-600B-0648-979AF74712F5}"/>
               </a:ext>
             </a:extLst>
           </p:cNvPr>
@@ -7672,7 +7499,7 @@
           <p:cNvPr id="400293583" name="Notes Placeholder 2">
             <a:extLst>
               <a:ext uri="{FF2B5EF4-FFF2-40B4-BE49-F238E27FC236}">
-                <a16:creationId xmlns:a16="http://schemas.microsoft.com/office/drawing/2014/main" id="{24C73041-51B0-856A-F33C-516C80E7DA50}"/>
+                <a16:creationId xmlns:a16="http://schemas.microsoft.com/office/drawing/2014/main" id="{4DC219C3-3826-CACF-E499-F1FA996A0845}"/>
               </a:ext>
             </a:extLst>
           </p:cNvPr>
@@ -7700,7 +7527,7 @@
           <p:cNvPr id="1257388043" name="Slide Number Placeholder 3">
             <a:extLst>
               <a:ext uri="{FF2B5EF4-FFF2-40B4-BE49-F238E27FC236}">
-                <a16:creationId xmlns:a16="http://schemas.microsoft.com/office/drawing/2014/main" id="{2108814C-39DC-01D7-BF31-993D4641800F}"/>
+                <a16:creationId xmlns:a16="http://schemas.microsoft.com/office/drawing/2014/main" id="{7A167CF0-C9E7-155C-8862-699FEEFCADC7}"/>
               </a:ext>
             </a:extLst>
           </p:cNvPr>
@@ -7785,7 +7612,7 @@
     </p:spTree>
     <p:extLst>
       <p:ext uri="{BB962C8B-B14F-4D97-AF65-F5344CB8AC3E}">
-        <p14:creationId xmlns:p14="http://schemas.microsoft.com/office/powerpoint/2010/main" val="1842253085"/>
+        <p14:creationId xmlns:p14="http://schemas.microsoft.com/office/powerpoint/2010/main" val="2106459394"/>
       </p:ext>
     </p:extLst>
   </p:cSld>
@@ -13287,11 +13114,11 @@
           <a:p>
             <a:r>
               <a:rPr lang="de-DE" b="1" dirty="0"/>
-              <a:t>Wenig gelabelte Daten </a:t>
+              <a:t>Überwiegender Teil nicht klassifizierter Daten </a:t>
             </a:r>
             <a:r>
               <a:rPr lang="de-DE" dirty="0"/>
-              <a:t>(≈ 3 %) → Gefahr eingeschränkter Modellgeneralisation, v. a. bei komplexen Methoden</a:t>
+              <a:t>→ Gefahr eingeschränkter Modellgeneralisation, v. a. bei komplexen Methoden</a:t>
             </a:r>
           </a:p>
           <a:p>
@@ -13313,11 +13140,11 @@
           <a:p>
             <a:r>
               <a:rPr lang="de-DE" b="1" dirty="0"/>
-              <a:t>Nur Schadensfälle </a:t>
+              <a:t>Nur Schadensfälle zu Lasten der Filialen </a:t>
             </a:r>
             <a:r>
               <a:rPr lang="de-DE" dirty="0"/>
-              <a:t>→ auch „negative“ Schäden denkbar</a:t>
+              <a:t>→ auch „negative“ Schäden denkbar zu Lasten des Kunden</a:t>
             </a:r>
           </a:p>
           <a:p>
@@ -16649,7 +16476,7 @@
               <a:defRPr/>
             </a:pPr>
             <a:r>
-              <a:rPr lang="de-CH" sz="4400" b="1" i="0" u="none" strike="noStrike" cap="none" spc="0">
+              <a:rPr lang="de-CH" sz="4400" b="1" i="0" u="none" strike="noStrike" cap="none" spc="0" dirty="0">
                 <a:solidFill>
                   <a:schemeClr val="tx1"/>
                 </a:solidFill>
@@ -16657,9 +16484,9 @@
                 <a:ea typeface="Bierstadt"/>
                 <a:cs typeface="Bierstadt"/>
               </a:rPr>
-              <a:t>Umgang mit unvollständigen Daten</a:t>
-            </a:r>
-            <a:endParaRPr/>
+              <a:t>Umgang mit unvollständigen Daten (2)</a:t>
+            </a:r>
+            <a:endParaRPr dirty="0"/>
           </a:p>
         </p:txBody>
       </p:sp>
@@ -17057,118 +16884,6 @@
 </file>
 
 <file path=ppt/slides/slide24.xml><?xml version="1.0" encoding="utf-8"?>
-<p:sld xmlns:a="http://schemas.openxmlformats.org/drawingml/2006/main" xmlns:r="http://schemas.openxmlformats.org/officeDocument/2006/relationships" xmlns:p="http://schemas.openxmlformats.org/presentationml/2006/main" showMasterPhAnim="0">
-  <p:cSld>
-    <p:spTree>
-      <p:nvGrpSpPr>
-        <p:cNvPr id="1" name="">
-          <a:extLst>
-            <a:ext uri="{FF2B5EF4-FFF2-40B4-BE49-F238E27FC236}">
-              <a16:creationId xmlns:a16="http://schemas.microsoft.com/office/drawing/2014/main" id="{13783D9D-38F6-9631-21C7-B417F3E0C896}"/>
-            </a:ext>
-          </a:extLst>
-        </p:cNvPr>
-        <p:cNvGrpSpPr/>
-        <p:nvPr/>
-      </p:nvGrpSpPr>
-      <p:grpSpPr bwMode="auto">
-        <a:xfrm>
-          <a:off x="0" y="0"/>
-          <a:ext cx="0" cy="0"/>
-          <a:chOff x="0" y="0"/>
-          <a:chExt cx="0" cy="0"/>
-        </a:xfrm>
-      </p:grpSpPr>
-      <p:sp>
-        <p:nvSpPr>
-          <p:cNvPr id="998545421" name="Content Placeholder 2">
-            <a:extLst>
-              <a:ext uri="{FF2B5EF4-FFF2-40B4-BE49-F238E27FC236}">
-                <a16:creationId xmlns:a16="http://schemas.microsoft.com/office/drawing/2014/main" id="{3B35FDCB-EF3A-D4F3-5851-84C679EBE720}"/>
-              </a:ext>
-            </a:extLst>
-          </p:cNvPr>
-          <p:cNvSpPr>
-            <a:spLocks noGrp="1"/>
-          </p:cNvSpPr>
-          <p:nvPr>
-            <p:ph idx="1"/>
-          </p:nvPr>
-        </p:nvSpPr>
-        <p:spPr bwMode="auto">
-          <a:xfrm>
-            <a:off x="521208" y="2569555"/>
-            <a:ext cx="11155680" cy="3767328"/>
-          </a:xfrm>
-        </p:spPr>
-        <p:txBody>
-          <a:bodyPr/>
-          <a:lstStyle/>
-          <a:p>
-            <a:pPr>
-              <a:defRPr/>
-            </a:pPr>
-            <a:endParaRPr dirty="0"/>
-          </a:p>
-          <a:p>
-            <a:pPr>
-              <a:defRPr sz="1800">
-                <a:solidFill>
-                  <a:srgbClr val="000000"/>
-                </a:solidFill>
-              </a:defRPr>
-            </a:pPr>
-            <a:endParaRPr dirty="0"/>
-          </a:p>
-        </p:txBody>
-      </p:sp>
-      <p:sp>
-        <p:nvSpPr>
-          <p:cNvPr id="3" name="Titel 2">
-            <a:extLst>
-              <a:ext uri="{FF2B5EF4-FFF2-40B4-BE49-F238E27FC236}">
-                <a16:creationId xmlns:a16="http://schemas.microsoft.com/office/drawing/2014/main" id="{598BF239-745A-BB51-E4AE-C64CB7D0BD1D}"/>
-              </a:ext>
-            </a:extLst>
-          </p:cNvPr>
-          <p:cNvSpPr>
-            <a:spLocks noGrp="1"/>
-          </p:cNvSpPr>
-          <p:nvPr>
-            <p:ph type="title"/>
-          </p:nvPr>
-        </p:nvSpPr>
-        <p:spPr/>
-        <p:txBody>
-          <a:bodyPr/>
-          <a:lstStyle/>
-          <a:p>
-            <a:r>
-              <a:rPr lang="de-DE" dirty="0"/>
-              <a:t>Ab hier: </a:t>
-            </a:r>
-            <a:r>
-              <a:rPr lang="de-DE" dirty="0" err="1"/>
-              <a:t>Rapahael</a:t>
-            </a:r>
-            <a:endParaRPr lang="de-DE" dirty="0"/>
-          </a:p>
-        </p:txBody>
-      </p:sp>
-    </p:spTree>
-    <p:extLst>
-      <p:ext uri="{BB962C8B-B14F-4D97-AF65-F5344CB8AC3E}">
-        <p14:creationId xmlns:p14="http://schemas.microsoft.com/office/powerpoint/2010/main" val="1823346686"/>
-      </p:ext>
-    </p:extLst>
-  </p:cSld>
-  <p:clrMapOvr>
-    <a:masterClrMapping/>
-  </p:clrMapOvr>
-</p:sld>
-</file>
-
-<file path=ppt/slides/slide25.xml><?xml version="1.0" encoding="utf-8"?>
 <p:sld xmlns:a="http://schemas.openxmlformats.org/drawingml/2006/main" xmlns:r="http://schemas.openxmlformats.org/officeDocument/2006/relationships" xmlns:p="http://schemas.openxmlformats.org/presentationml/2006/main" showMasterPhAnim="0">
   <p:cSld>
     <p:spTree>
@@ -17615,7 +17330,7 @@
 </p:sld>
 </file>
 
-<file path=ppt/slides/slide26.xml><?xml version="1.0" encoding="utf-8"?>
+<file path=ppt/slides/slide25.xml><?xml version="1.0" encoding="utf-8"?>
 <p:sld xmlns:a="http://schemas.openxmlformats.org/drawingml/2006/main" xmlns:r="http://schemas.openxmlformats.org/officeDocument/2006/relationships" xmlns:p="http://schemas.openxmlformats.org/presentationml/2006/main">
   <p:cSld>
     <p:spTree>
@@ -17809,7 +17524,7 @@
 </p:sld>
 </file>
 
-<file path=ppt/slides/slide27.xml><?xml version="1.0" encoding="utf-8"?>
+<file path=ppt/slides/slide26.xml><?xml version="1.0" encoding="utf-8"?>
 <p:sld xmlns:a="http://schemas.openxmlformats.org/drawingml/2006/main" xmlns:r="http://schemas.openxmlformats.org/officeDocument/2006/relationships" xmlns:p="http://schemas.openxmlformats.org/presentationml/2006/main">
   <p:cSld>
     <p:spTree>
@@ -18241,7 +17956,7 @@
 </p:sld>
 </file>
 
-<file path=ppt/slides/slide28.xml><?xml version="1.0" encoding="utf-8"?>
+<file path=ppt/slides/slide27.xml><?xml version="1.0" encoding="utf-8"?>
 <p:sld xmlns:a="http://schemas.openxmlformats.org/drawingml/2006/main" xmlns:r="http://schemas.openxmlformats.org/officeDocument/2006/relationships" xmlns:p="http://schemas.openxmlformats.org/presentationml/2006/main" showMasterPhAnim="0">
   <p:cSld>
     <p:spTree>
@@ -18745,7 +18460,7 @@
 </p:sld>
 </file>
 
-<file path=ppt/slides/slide29.xml><?xml version="1.0" encoding="utf-8"?>
+<file path=ppt/slides/slide28.xml><?xml version="1.0" encoding="utf-8"?>
 <p:sld xmlns:a="http://schemas.openxmlformats.org/drawingml/2006/main" xmlns:r="http://schemas.openxmlformats.org/officeDocument/2006/relationships" xmlns:p="http://schemas.openxmlformats.org/presentationml/2006/main" showMasterPhAnim="0">
   <p:cSld>
     <p:spTree>
@@ -19180,6 +18895,310 @@
         <p14:creationId xmlns:p14="http://schemas.microsoft.com/office/powerpoint/2010/main" val="244411754"/>
       </p:ext>
     </p:extLst>
+  </p:cSld>
+  <p:clrMapOvr>
+    <a:masterClrMapping/>
+  </p:clrMapOvr>
+</p:sld>
+</file>
+
+<file path=ppt/slides/slide29.xml><?xml version="1.0" encoding="utf-8"?>
+<p:sld xmlns:a="http://schemas.openxmlformats.org/drawingml/2006/main" xmlns:r="http://schemas.openxmlformats.org/officeDocument/2006/relationships" xmlns:p="http://schemas.openxmlformats.org/presentationml/2006/main" showMasterPhAnim="0">
+  <p:cSld>
+    <p:spTree>
+      <p:nvGrpSpPr>
+        <p:cNvPr id="1" name=""/>
+        <p:cNvGrpSpPr/>
+        <p:nvPr/>
+      </p:nvGrpSpPr>
+      <p:grpSpPr bwMode="auto">
+        <a:xfrm>
+          <a:off x="0" y="0"/>
+          <a:ext cx="0" cy="0"/>
+          <a:chOff x="0" y="0"/>
+          <a:chExt cx="0" cy="0"/>
+        </a:xfrm>
+      </p:grpSpPr>
+      <p:sp>
+        <p:nvSpPr>
+          <p:cNvPr id="377686935" name="Title 1"/>
+          <p:cNvSpPr>
+            <a:spLocks noGrp="1"/>
+          </p:cNvSpPr>
+          <p:nvPr>
+            <p:ph type="title"/>
+          </p:nvPr>
+        </p:nvSpPr>
+        <p:spPr bwMode="auto"/>
+        <p:txBody>
+          <a:bodyPr/>
+          <a:lstStyle/>
+          <a:p>
+            <a:pPr>
+              <a:defRPr/>
+            </a:pPr>
+            <a:r>
+              <a:rPr lang="de-DE" dirty="0"/>
+              <a:t>Numerische Merkmale von FRAUD (3): </a:t>
+            </a:r>
+            <a:r>
+              <a:rPr lang="de-CH" sz="4400" b="1" i="0" u="none" strike="noStrike" cap="none" spc="0" dirty="0">
+                <a:solidFill>
+                  <a:schemeClr val="tx1"/>
+                </a:solidFill>
+                <a:latin typeface="+mj-lt"/>
+                <a:ea typeface="+mj-ea"/>
+                <a:cs typeface="+mj-cs"/>
+              </a:rPr>
+              <a:t>Bezahlter Preis </a:t>
+            </a:r>
+            <a:r>
+              <a:rPr lang="de-CH" sz="4400" b="1" i="0" u="none" strike="noStrike" cap="none" spc="0" dirty="0">
+                <a:solidFill>
+                  <a:schemeClr val="tx1"/>
+                </a:solidFill>
+                <a:latin typeface="Bierstadt"/>
+                <a:ea typeface="Bierstadt"/>
+                <a:cs typeface="Bierstadt"/>
+              </a:rPr>
+              <a:t>≠</a:t>
+            </a:r>
+            <a:r>
+              <a:rPr lang="de-CH" sz="4400" b="1" i="0" u="none" strike="noStrike" cap="none" spc="0" dirty="0">
+                <a:solidFill>
+                  <a:schemeClr val="tx1"/>
+                </a:solidFill>
+                <a:latin typeface="Bierstadt"/>
+                <a:ea typeface="Arial"/>
+                <a:cs typeface="Arial"/>
+              </a:rPr>
+              <a:t> Nominalpreis </a:t>
+            </a:r>
+            <a:endParaRPr sz="4400" dirty="0"/>
+          </a:p>
+        </p:txBody>
+      </p:sp>
+      <p:sp>
+        <p:nvSpPr>
+          <p:cNvPr id="518553407" name="Content Placeholder 2"/>
+          <p:cNvSpPr>
+            <a:spLocks noGrp="1"/>
+          </p:cNvSpPr>
+          <p:nvPr>
+            <p:ph idx="1"/>
+          </p:nvPr>
+        </p:nvSpPr>
+        <p:spPr bwMode="auto">
+          <a:xfrm>
+            <a:off x="521208" y="2841523"/>
+            <a:ext cx="11155680" cy="3701059"/>
+          </a:xfrm>
+        </p:spPr>
+        <p:txBody>
+          <a:bodyPr vertOverflow="overflow" horzOverflow="overflow" vert="horz" wrap="square" lIns="91440" tIns="45720" rIns="91440" bIns="45720" numCol="1" spcCol="0" rtlCol="0" fromWordArt="0" anchor="t" anchorCtr="0" forceAA="0" compatLnSpc="0">
+            <a:normAutofit/>
+          </a:bodyPr>
+          <a:lstStyle/>
+          <a:p>
+            <a:pPr>
+              <a:defRPr sz="1800">
+                <a:solidFill>
+                  <a:srgbClr val="000000"/>
+                </a:solidFill>
+              </a:defRPr>
+            </a:pPr>
+            <a:r>
+              <a:rPr lang="de-CH" sz="1800" b="1" dirty="0"/>
+              <a:t>Nominalpreis</a:t>
+            </a:r>
+            <a:r>
+              <a:rPr lang="de-CH" sz="1800" dirty="0"/>
+              <a:t> einer </a:t>
+            </a:r>
+            <a:r>
+              <a:rPr lang="de-CH" sz="1800" b="1" dirty="0"/>
+              <a:t>Position</a:t>
+            </a:r>
+            <a:r>
+              <a:rPr lang="de-CH" sz="1800" dirty="0"/>
+              <a:t>: Menge bzw. Gewicht multipliziert mit dem Nominalpreis des Artikels gemäß Produkttabelle</a:t>
+            </a:r>
+            <a:endParaRPr sz="1800" dirty="0"/>
+          </a:p>
+          <a:p>
+            <a:pPr>
+              <a:defRPr sz="1800">
+                <a:solidFill>
+                  <a:srgbClr val="000000"/>
+                </a:solidFill>
+              </a:defRPr>
+            </a:pPr>
+            <a:r>
+              <a:rPr lang="de-CH" sz="1800" b="1" dirty="0"/>
+              <a:t>Nominalpreis</a:t>
+            </a:r>
+            <a:r>
+              <a:rPr lang="de-CH" sz="1800" dirty="0"/>
+              <a:t> einer </a:t>
+            </a:r>
+            <a:r>
+              <a:rPr lang="de-CH" sz="1800" b="1" dirty="0"/>
+              <a:t>Transaktion</a:t>
+            </a:r>
+            <a:r>
+              <a:rPr lang="de-CH" sz="1800" dirty="0"/>
+              <a:t>: Summe der Nominalpreise aller nicht-stornierten Artikel</a:t>
+            </a:r>
+          </a:p>
+          <a:p>
+            <a:pPr>
+              <a:defRPr sz="1800">
+                <a:solidFill>
+                  <a:srgbClr val="000000"/>
+                </a:solidFill>
+              </a:defRPr>
+            </a:pPr>
+            <a:r>
+              <a:rPr lang="de-CH" sz="1800" b="1" i="0" u="none" strike="noStrike" cap="none" spc="0" dirty="0">
+                <a:solidFill>
+                  <a:srgbClr val="000000"/>
+                </a:solidFill>
+                <a:latin typeface="Bierstadt"/>
+                <a:ea typeface="Bierstadt"/>
+                <a:cs typeface="Bierstadt"/>
+              </a:rPr>
+              <a:t>Häufige Abweichungen</a:t>
+            </a:r>
+            <a:endParaRPr sz="1800" dirty="0"/>
+          </a:p>
+          <a:p>
+            <a:pPr>
+              <a:defRPr/>
+            </a:pPr>
+            <a:r>
+              <a:rPr lang="de-CH" sz="1800" b="0" i="0" u="none" strike="noStrike" cap="none" spc="0" dirty="0">
+                <a:solidFill>
+                  <a:srgbClr val="000000"/>
+                </a:solidFill>
+                <a:latin typeface="Bierstadt"/>
+                <a:ea typeface="Bierstadt"/>
+                <a:cs typeface="Bierstadt"/>
+              </a:rPr>
+              <a:t>Zwei definierte Merkmale:</a:t>
+            </a:r>
+            <a:endParaRPr lang="de-CH" dirty="0">
+              <a:solidFill>
+                <a:srgbClr val="000000"/>
+              </a:solidFill>
+              <a:latin typeface="Bierstadt"/>
+              <a:cs typeface="Bierstadt"/>
+            </a:endParaRPr>
+          </a:p>
+          <a:p>
+            <a:pPr lvl="1">
+              <a:defRPr/>
+            </a:pPr>
+            <a:r>
+              <a:rPr lang="de-CH" b="1" i="0" u="none" strike="noStrike" cap="none" spc="0" dirty="0">
+                <a:solidFill>
+                  <a:srgbClr val="000000"/>
+                </a:solidFill>
+                <a:latin typeface="Bierstadt"/>
+                <a:ea typeface="Bierstadt"/>
+                <a:cs typeface="Bierstadt"/>
+              </a:rPr>
+              <a:t>Differenz vorhanden </a:t>
+            </a:r>
+            <a:r>
+              <a:rPr lang="de-CH" b="0" i="0" u="none" strike="noStrike" cap="none" spc="0" dirty="0">
+                <a:solidFill>
+                  <a:srgbClr val="000000"/>
+                </a:solidFill>
+                <a:latin typeface="Bierstadt"/>
+                <a:ea typeface="Bierstadt"/>
+                <a:cs typeface="Bierstadt"/>
+              </a:rPr>
+              <a:t>(ja/nein)</a:t>
+            </a:r>
+            <a:endParaRPr lang="de-CH" sz="1800" dirty="0">
+              <a:solidFill>
+                <a:srgbClr val="000000"/>
+              </a:solidFill>
+              <a:latin typeface="Bierstadt"/>
+              <a:cs typeface="Bierstadt"/>
+            </a:endParaRPr>
+          </a:p>
+          <a:p>
+            <a:pPr lvl="1">
+              <a:defRPr/>
+            </a:pPr>
+            <a:r>
+              <a:rPr lang="de-CH" b="1" i="0" u="none" strike="noStrike" cap="none" spc="0" dirty="0">
+                <a:solidFill>
+                  <a:srgbClr val="000000"/>
+                </a:solidFill>
+                <a:latin typeface="Bierstadt"/>
+                <a:ea typeface="Bierstadt"/>
+                <a:cs typeface="Bierstadt"/>
+              </a:rPr>
+              <a:t>Absolute Höhe </a:t>
+            </a:r>
+            <a:r>
+              <a:rPr lang="de-CH" b="0" i="0" u="none" strike="noStrike" cap="none" spc="0" dirty="0">
+                <a:solidFill>
+                  <a:srgbClr val="000000"/>
+                </a:solidFill>
+                <a:latin typeface="Bierstadt"/>
+                <a:ea typeface="Bierstadt"/>
+                <a:cs typeface="Bierstadt"/>
+              </a:rPr>
+              <a:t>der Differenz</a:t>
+            </a:r>
+            <a:endParaRPr lang="de-CH" dirty="0"/>
+          </a:p>
+          <a:p>
+            <a:pPr marL="457200" lvl="1" indent="0">
+              <a:buFont typeface="Arial"/>
+              <a:buNone/>
+              <a:defRPr sz="1800">
+                <a:solidFill>
+                  <a:srgbClr val="000000"/>
+                </a:solidFill>
+              </a:defRPr>
+            </a:pPr>
+            <a:endParaRPr lang="de-CH" dirty="0"/>
+          </a:p>
+        </p:txBody>
+      </p:sp>
+      <p:pic>
+        <p:nvPicPr>
+          <p:cNvPr id="2" name="Grafik 1">
+            <a:extLst>
+              <a:ext uri="{FF2B5EF4-FFF2-40B4-BE49-F238E27FC236}">
+                <a16:creationId xmlns:a16="http://schemas.microsoft.com/office/drawing/2014/main" id="{EB7EE3A3-170A-FBC1-E52E-F15214CCDED1}"/>
+              </a:ext>
+            </a:extLst>
+          </p:cNvPr>
+          <p:cNvPicPr>
+            <a:picLocks noChangeAspect="1"/>
+          </p:cNvPicPr>
+          <p:nvPr/>
+        </p:nvPicPr>
+        <p:blipFill>
+          <a:blip r:embed="rId3"/>
+          <a:stretch/>
+        </p:blipFill>
+        <p:spPr bwMode="auto">
+          <a:xfrm>
+            <a:off x="5329958" y="4096304"/>
+            <a:ext cx="4037325" cy="2018662"/>
+          </a:xfrm>
+          <a:prstGeom prst="rect">
+            <a:avLst/>
+          </a:prstGeom>
+        </p:spPr>
+      </p:pic>
+    </p:spTree>
   </p:cSld>
   <p:clrMapOvr>
     <a:masterClrMapping/>
@@ -19595,310 +19614,6 @@
   <p:cSld>
     <p:spTree>
       <p:nvGrpSpPr>
-        <p:cNvPr id="1" name=""/>
-        <p:cNvGrpSpPr/>
-        <p:nvPr/>
-      </p:nvGrpSpPr>
-      <p:grpSpPr bwMode="auto">
-        <a:xfrm>
-          <a:off x="0" y="0"/>
-          <a:ext cx="0" cy="0"/>
-          <a:chOff x="0" y="0"/>
-          <a:chExt cx="0" cy="0"/>
-        </a:xfrm>
-      </p:grpSpPr>
-      <p:sp>
-        <p:nvSpPr>
-          <p:cNvPr id="377686935" name="Title 1"/>
-          <p:cNvSpPr>
-            <a:spLocks noGrp="1"/>
-          </p:cNvSpPr>
-          <p:nvPr>
-            <p:ph type="title"/>
-          </p:nvPr>
-        </p:nvSpPr>
-        <p:spPr bwMode="auto"/>
-        <p:txBody>
-          <a:bodyPr/>
-          <a:lstStyle/>
-          <a:p>
-            <a:pPr>
-              <a:defRPr/>
-            </a:pPr>
-            <a:r>
-              <a:rPr lang="de-DE" dirty="0"/>
-              <a:t>Numerische Merkmale von FRAUD (3): </a:t>
-            </a:r>
-            <a:r>
-              <a:rPr lang="de-CH" sz="4400" b="1" i="0" u="none" strike="noStrike" cap="none" spc="0" dirty="0">
-                <a:solidFill>
-                  <a:schemeClr val="tx1"/>
-                </a:solidFill>
-                <a:latin typeface="+mj-lt"/>
-                <a:ea typeface="+mj-ea"/>
-                <a:cs typeface="+mj-cs"/>
-              </a:rPr>
-              <a:t>Bezahlter Preis </a:t>
-            </a:r>
-            <a:r>
-              <a:rPr lang="de-CH" sz="4400" b="1" i="0" u="none" strike="noStrike" cap="none" spc="0" dirty="0">
-                <a:solidFill>
-                  <a:schemeClr val="tx1"/>
-                </a:solidFill>
-                <a:latin typeface="Bierstadt"/>
-                <a:ea typeface="Bierstadt"/>
-                <a:cs typeface="Bierstadt"/>
-              </a:rPr>
-              <a:t>≠</a:t>
-            </a:r>
-            <a:r>
-              <a:rPr lang="de-CH" sz="4400" b="1" i="0" u="none" strike="noStrike" cap="none" spc="0" dirty="0">
-                <a:solidFill>
-                  <a:schemeClr val="tx1"/>
-                </a:solidFill>
-                <a:latin typeface="Bierstadt"/>
-                <a:ea typeface="Arial"/>
-                <a:cs typeface="Arial"/>
-              </a:rPr>
-              <a:t> Nominalpreis </a:t>
-            </a:r>
-            <a:endParaRPr sz="4400" dirty="0"/>
-          </a:p>
-        </p:txBody>
-      </p:sp>
-      <p:sp>
-        <p:nvSpPr>
-          <p:cNvPr id="518553407" name="Content Placeholder 2"/>
-          <p:cNvSpPr>
-            <a:spLocks noGrp="1"/>
-          </p:cNvSpPr>
-          <p:nvPr>
-            <p:ph idx="1"/>
-          </p:nvPr>
-        </p:nvSpPr>
-        <p:spPr bwMode="auto">
-          <a:xfrm>
-            <a:off x="521208" y="2841523"/>
-            <a:ext cx="11155680" cy="3701059"/>
-          </a:xfrm>
-        </p:spPr>
-        <p:txBody>
-          <a:bodyPr vertOverflow="overflow" horzOverflow="overflow" vert="horz" wrap="square" lIns="91440" tIns="45720" rIns="91440" bIns="45720" numCol="1" spcCol="0" rtlCol="0" fromWordArt="0" anchor="t" anchorCtr="0" forceAA="0" compatLnSpc="0">
-            <a:normAutofit/>
-          </a:bodyPr>
-          <a:lstStyle/>
-          <a:p>
-            <a:pPr>
-              <a:defRPr sz="1800">
-                <a:solidFill>
-                  <a:srgbClr val="000000"/>
-                </a:solidFill>
-              </a:defRPr>
-            </a:pPr>
-            <a:r>
-              <a:rPr lang="de-CH" sz="1800" b="1" dirty="0"/>
-              <a:t>Nominalpreis</a:t>
-            </a:r>
-            <a:r>
-              <a:rPr lang="de-CH" sz="1800" dirty="0"/>
-              <a:t> einer </a:t>
-            </a:r>
-            <a:r>
-              <a:rPr lang="de-CH" sz="1800" b="1" dirty="0"/>
-              <a:t>Position</a:t>
-            </a:r>
-            <a:r>
-              <a:rPr lang="de-CH" sz="1800" dirty="0"/>
-              <a:t>: Menge bzw. Gewicht multipliziert mit dem Nominalpreis des Artikels gemäss Produkttabelle</a:t>
-            </a:r>
-            <a:endParaRPr sz="1800" dirty="0"/>
-          </a:p>
-          <a:p>
-            <a:pPr>
-              <a:defRPr sz="1800">
-                <a:solidFill>
-                  <a:srgbClr val="000000"/>
-                </a:solidFill>
-              </a:defRPr>
-            </a:pPr>
-            <a:r>
-              <a:rPr lang="de-CH" sz="1800" b="1" dirty="0"/>
-              <a:t>Nominalpreis</a:t>
-            </a:r>
-            <a:r>
-              <a:rPr lang="de-CH" sz="1800" dirty="0"/>
-              <a:t> einer </a:t>
-            </a:r>
-            <a:r>
-              <a:rPr lang="de-CH" sz="1800" b="1" dirty="0"/>
-              <a:t>Transaktion</a:t>
-            </a:r>
-            <a:r>
-              <a:rPr lang="de-CH" sz="1800" dirty="0"/>
-              <a:t>: Summe der Nominalpreise aller nicht-stornierten Artikel</a:t>
-            </a:r>
-          </a:p>
-          <a:p>
-            <a:pPr>
-              <a:defRPr sz="1800">
-                <a:solidFill>
-                  <a:srgbClr val="000000"/>
-                </a:solidFill>
-              </a:defRPr>
-            </a:pPr>
-            <a:r>
-              <a:rPr lang="de-CH" sz="1800" b="1" i="0" u="none" strike="noStrike" cap="none" spc="0" dirty="0">
-                <a:solidFill>
-                  <a:srgbClr val="000000"/>
-                </a:solidFill>
-                <a:latin typeface="Bierstadt"/>
-                <a:ea typeface="Bierstadt"/>
-                <a:cs typeface="Bierstadt"/>
-              </a:rPr>
-              <a:t>Häufige Abweichungen</a:t>
-            </a:r>
-            <a:endParaRPr sz="1800" dirty="0"/>
-          </a:p>
-          <a:p>
-            <a:pPr>
-              <a:defRPr/>
-            </a:pPr>
-            <a:r>
-              <a:rPr lang="de-CH" sz="1800" b="0" i="0" u="none" strike="noStrike" cap="none" spc="0" dirty="0">
-                <a:solidFill>
-                  <a:srgbClr val="000000"/>
-                </a:solidFill>
-                <a:latin typeface="Bierstadt"/>
-                <a:ea typeface="Bierstadt"/>
-                <a:cs typeface="Bierstadt"/>
-              </a:rPr>
-              <a:t>Zwei definierte Merkmale:</a:t>
-            </a:r>
-            <a:endParaRPr lang="de-CH" dirty="0">
-              <a:solidFill>
-                <a:srgbClr val="000000"/>
-              </a:solidFill>
-              <a:latin typeface="Bierstadt"/>
-              <a:cs typeface="Bierstadt"/>
-            </a:endParaRPr>
-          </a:p>
-          <a:p>
-            <a:pPr lvl="1">
-              <a:defRPr/>
-            </a:pPr>
-            <a:r>
-              <a:rPr lang="de-CH" b="1" i="0" u="none" strike="noStrike" cap="none" spc="0" dirty="0">
-                <a:solidFill>
-                  <a:srgbClr val="000000"/>
-                </a:solidFill>
-                <a:latin typeface="Bierstadt"/>
-                <a:ea typeface="Bierstadt"/>
-                <a:cs typeface="Bierstadt"/>
-              </a:rPr>
-              <a:t>Differenz vorhanden </a:t>
-            </a:r>
-            <a:r>
-              <a:rPr lang="de-CH" b="0" i="0" u="none" strike="noStrike" cap="none" spc="0" dirty="0">
-                <a:solidFill>
-                  <a:srgbClr val="000000"/>
-                </a:solidFill>
-                <a:latin typeface="Bierstadt"/>
-                <a:ea typeface="Bierstadt"/>
-                <a:cs typeface="Bierstadt"/>
-              </a:rPr>
-              <a:t>(ja/nein)</a:t>
-            </a:r>
-            <a:endParaRPr lang="de-CH" sz="1800" dirty="0">
-              <a:solidFill>
-                <a:srgbClr val="000000"/>
-              </a:solidFill>
-              <a:latin typeface="Bierstadt"/>
-              <a:cs typeface="Bierstadt"/>
-            </a:endParaRPr>
-          </a:p>
-          <a:p>
-            <a:pPr lvl="1">
-              <a:defRPr/>
-            </a:pPr>
-            <a:r>
-              <a:rPr lang="de-CH" sz="1800" b="1" i="0" u="none" strike="noStrike" cap="none" spc="0" dirty="0">
-                <a:solidFill>
-                  <a:srgbClr val="000000"/>
-                </a:solidFill>
-                <a:latin typeface="Bierstadt"/>
-                <a:ea typeface="Bierstadt"/>
-                <a:cs typeface="Bierstadt"/>
-              </a:rPr>
-              <a:t>Absolute Höhe </a:t>
-            </a:r>
-            <a:r>
-              <a:rPr lang="de-CH" sz="1800" b="0" i="0" u="none" strike="noStrike" cap="none" spc="0" dirty="0">
-                <a:solidFill>
-                  <a:srgbClr val="000000"/>
-                </a:solidFill>
-                <a:latin typeface="Bierstadt"/>
-                <a:ea typeface="Bierstadt"/>
-                <a:cs typeface="Bierstadt"/>
-              </a:rPr>
-              <a:t>der Differenz</a:t>
-            </a:r>
-            <a:endParaRPr lang="de-CH" dirty="0"/>
-          </a:p>
-          <a:p>
-            <a:pPr marL="457200" lvl="1" indent="0">
-              <a:buFont typeface="Arial"/>
-              <a:buNone/>
-              <a:defRPr sz="1800">
-                <a:solidFill>
-                  <a:srgbClr val="000000"/>
-                </a:solidFill>
-              </a:defRPr>
-            </a:pPr>
-            <a:endParaRPr lang="de-CH" dirty="0"/>
-          </a:p>
-        </p:txBody>
-      </p:sp>
-      <p:pic>
-        <p:nvPicPr>
-          <p:cNvPr id="2" name="Grafik 1">
-            <a:extLst>
-              <a:ext uri="{FF2B5EF4-FFF2-40B4-BE49-F238E27FC236}">
-                <a16:creationId xmlns:a16="http://schemas.microsoft.com/office/drawing/2014/main" id="{EB7EE3A3-170A-FBC1-E52E-F15214CCDED1}"/>
-              </a:ext>
-            </a:extLst>
-          </p:cNvPr>
-          <p:cNvPicPr>
-            <a:picLocks noChangeAspect="1"/>
-          </p:cNvPicPr>
-          <p:nvPr/>
-        </p:nvPicPr>
-        <p:blipFill>
-          <a:blip r:embed="rId3"/>
-          <a:stretch/>
-        </p:blipFill>
-        <p:spPr bwMode="auto">
-          <a:xfrm>
-            <a:off x="5329958" y="4096304"/>
-            <a:ext cx="4037325" cy="2018662"/>
-          </a:xfrm>
-          <a:prstGeom prst="rect">
-            <a:avLst/>
-          </a:prstGeom>
-        </p:spPr>
-      </p:pic>
-    </p:spTree>
-  </p:cSld>
-  <p:clrMapOvr>
-    <a:masterClrMapping/>
-  </p:clrMapOvr>
-</p:sld>
-</file>
-
-<file path=ppt/slides/slide31.xml><?xml version="1.0" encoding="utf-8"?>
-<p:sld xmlns:a="http://schemas.openxmlformats.org/drawingml/2006/main" xmlns:r="http://schemas.openxmlformats.org/officeDocument/2006/relationships" xmlns:p="http://schemas.openxmlformats.org/presentationml/2006/main" showMasterPhAnim="0">
-  <p:cSld>
-    <p:spTree>
-      <p:nvGrpSpPr>
         <p:cNvPr id="1" name="">
           <a:extLst>
             <a:ext uri="{FF2B5EF4-FFF2-40B4-BE49-F238E27FC236}">
@@ -20373,7 +20088,7 @@
 </p:sld>
 </file>
 
-<file path=ppt/slides/slide32.xml><?xml version="1.0" encoding="utf-8"?>
+<file path=ppt/slides/slide31.xml><?xml version="1.0" encoding="utf-8"?>
 <p:sld xmlns:a="http://schemas.openxmlformats.org/drawingml/2006/main" xmlns:r="http://schemas.openxmlformats.org/officeDocument/2006/relationships" xmlns:p="http://schemas.openxmlformats.org/presentationml/2006/main" showMasterPhAnim="0">
   <p:cSld>
     <p:spTree>
@@ -20823,7 +20538,7 @@
 </p:sld>
 </file>
 
-<file path=ppt/slides/slide33.xml><?xml version="1.0" encoding="utf-8"?>
+<file path=ppt/slides/slide32.xml><?xml version="1.0" encoding="utf-8"?>
 <p:sld xmlns:a="http://schemas.openxmlformats.org/drawingml/2006/main" xmlns:r="http://schemas.openxmlformats.org/officeDocument/2006/relationships" xmlns:p="http://schemas.openxmlformats.org/presentationml/2006/main" showMasterPhAnim="0">
   <p:cSld>
     <p:spTree>
@@ -21261,7 +20976,7 @@
 </p:sld>
 </file>
 
-<file path=ppt/slides/slide34.xml><?xml version="1.0" encoding="utf-8"?>
+<file path=ppt/slides/slide33.xml><?xml version="1.0" encoding="utf-8"?>
 <p:sld xmlns:a="http://schemas.openxmlformats.org/drawingml/2006/main" xmlns:r="http://schemas.openxmlformats.org/officeDocument/2006/relationships" xmlns:p="http://schemas.openxmlformats.org/presentationml/2006/main" showMasterPhAnim="0">
   <p:cSld>
     <p:spTree>
@@ -21682,7 +21397,7 @@
 </p:sld>
 </file>
 
-<file path=ppt/slides/slide35.xml><?xml version="1.0" encoding="utf-8"?>
+<file path=ppt/slides/slide34.xml><?xml version="1.0" encoding="utf-8"?>
 <p:sld xmlns:a="http://schemas.openxmlformats.org/drawingml/2006/main" xmlns:r="http://schemas.openxmlformats.org/officeDocument/2006/relationships" xmlns:p="http://schemas.openxmlformats.org/presentationml/2006/main" showMasterPhAnim="0">
   <p:cSld>
     <p:spTree>
@@ -21777,7 +21492,7 @@
 </p:sld>
 </file>
 
-<file path=ppt/slides/slide36.xml><?xml version="1.0" encoding="utf-8"?>
+<file path=ppt/slides/slide35.xml><?xml version="1.0" encoding="utf-8"?>
 <p:sld xmlns:a="http://schemas.openxmlformats.org/drawingml/2006/main" xmlns:r="http://schemas.openxmlformats.org/officeDocument/2006/relationships" xmlns:p="http://schemas.openxmlformats.org/presentationml/2006/main" showMasterPhAnim="0">
   <p:cSld>
     <p:spTree>
@@ -21854,7 +21569,7 @@
 </p:sld>
 </file>
 
-<file path=ppt/slides/slide37.xml><?xml version="1.0" encoding="utf-8"?>
+<file path=ppt/slides/slide36.xml><?xml version="1.0" encoding="utf-8"?>
 <p:sld xmlns:a="http://schemas.openxmlformats.org/drawingml/2006/main" xmlns:r="http://schemas.openxmlformats.org/officeDocument/2006/relationships" xmlns:p="http://schemas.openxmlformats.org/presentationml/2006/main" showMasterPhAnim="0">
   <p:cSld>
     <p:spTree>
@@ -21953,7 +21668,7 @@
 </p:sld>
 </file>
 
-<file path=ppt/slides/slide38.xml><?xml version="1.0" encoding="utf-8"?>
+<file path=ppt/slides/slide37.xml><?xml version="1.0" encoding="utf-8"?>
 <p:sld xmlns:a="http://schemas.openxmlformats.org/drawingml/2006/main" xmlns:r="http://schemas.openxmlformats.org/officeDocument/2006/relationships" xmlns:p="http://schemas.openxmlformats.org/presentationml/2006/main" showMasterPhAnim="0">
   <p:cSld>
     <p:spTree>
@@ -22053,7 +21768,7 @@
 </p:sld>
 </file>
 
-<file path=ppt/slides/slide39.xml><?xml version="1.0" encoding="utf-8"?>
+<file path=ppt/slides/slide38.xml><?xml version="1.0" encoding="utf-8"?>
 <p:sld xmlns:a="http://schemas.openxmlformats.org/drawingml/2006/main" xmlns:r="http://schemas.openxmlformats.org/officeDocument/2006/relationships" xmlns:p="http://schemas.openxmlformats.org/presentationml/2006/main" showMasterPhAnim="0">
   <p:cSld>
     <p:spTree>
@@ -22152,201 +21867,7 @@
 </p:sld>
 </file>
 
-<file path=ppt/slides/slide4.xml><?xml version="1.0" encoding="utf-8"?>
-<p:sld xmlns:a="http://schemas.openxmlformats.org/drawingml/2006/main" xmlns:r="http://schemas.openxmlformats.org/officeDocument/2006/relationships" xmlns:p="http://schemas.openxmlformats.org/presentationml/2006/main">
-  <p:cSld>
-    <p:spTree>
-      <p:nvGrpSpPr>
-        <p:cNvPr id="1" name="">
-          <a:extLst>
-            <a:ext uri="{FF2B5EF4-FFF2-40B4-BE49-F238E27FC236}">
-              <a16:creationId xmlns:a16="http://schemas.microsoft.com/office/drawing/2014/main" id="{A45C9AA8-D6D3-0F24-D824-7EDA36AF2861}"/>
-            </a:ext>
-          </a:extLst>
-        </p:cNvPr>
-        <p:cNvGrpSpPr/>
-        <p:nvPr/>
-      </p:nvGrpSpPr>
-      <p:grpSpPr>
-        <a:xfrm>
-          <a:off x="0" y="0"/>
-          <a:ext cx="0" cy="0"/>
-          <a:chOff x="0" y="0"/>
-          <a:chExt cx="0" cy="0"/>
-        </a:xfrm>
-      </p:grpSpPr>
-      <p:sp>
-        <p:nvSpPr>
-          <p:cNvPr id="2" name="Titel 1">
-            <a:extLst>
-              <a:ext uri="{FF2B5EF4-FFF2-40B4-BE49-F238E27FC236}">
-                <a16:creationId xmlns:a16="http://schemas.microsoft.com/office/drawing/2014/main" id="{13EAFF2C-B7EA-B20C-EBAE-D27CC4198C7B}"/>
-              </a:ext>
-            </a:extLst>
-          </p:cNvPr>
-          <p:cNvSpPr>
-            <a:spLocks noGrp="1"/>
-          </p:cNvSpPr>
-          <p:nvPr>
-            <p:ph type="title"/>
-          </p:nvPr>
-        </p:nvSpPr>
-        <p:spPr/>
-        <p:txBody>
-          <a:bodyPr/>
-          <a:lstStyle/>
-          <a:p>
-            <a:r>
-              <a:rPr lang="de-DE" dirty="0"/>
-              <a:t>Meilenstein1: Projektauftrag</a:t>
-            </a:r>
-          </a:p>
-        </p:txBody>
-      </p:sp>
-      <p:sp>
-        <p:nvSpPr>
-          <p:cNvPr id="3" name="Inhaltsplatzhalter 2">
-            <a:extLst>
-              <a:ext uri="{FF2B5EF4-FFF2-40B4-BE49-F238E27FC236}">
-                <a16:creationId xmlns:a16="http://schemas.microsoft.com/office/drawing/2014/main" id="{C2B04436-9192-84A0-7E5E-8463FEAC08F3}"/>
-              </a:ext>
-            </a:extLst>
-          </p:cNvPr>
-          <p:cNvSpPr>
-            <a:spLocks noGrp="1"/>
-          </p:cNvSpPr>
-          <p:nvPr>
-            <p:ph idx="1"/>
-          </p:nvPr>
-        </p:nvSpPr>
-        <p:spPr>
-          <a:xfrm>
-            <a:off x="521208" y="2054103"/>
-            <a:ext cx="11155680" cy="3767328"/>
-          </a:xfrm>
-        </p:spPr>
-        <p:txBody>
-          <a:bodyPr>
-            <a:normAutofit/>
-          </a:bodyPr>
-          <a:lstStyle/>
-          <a:p>
-            <a:r>
-              <a:rPr lang="de-DE" b="1" dirty="0"/>
-              <a:t>Ziel des Projekts: Reduktion betriebswirtschaftlicher Schäden</a:t>
-            </a:r>
-          </a:p>
-          <a:p>
-            <a:pPr lvl="1"/>
-            <a:r>
-              <a:rPr lang="de-DE" b="1" dirty="0"/>
-              <a:t>Modell</a:t>
-            </a:r>
-            <a:r>
-              <a:rPr lang="de-DE" dirty="0"/>
-              <a:t> zur Erkennung </a:t>
-            </a:r>
-            <a:r>
-              <a:rPr lang="de-DE" b="1" dirty="0"/>
-              <a:t>auffälliger Muster/fehlerhafter Abläufe </a:t>
-            </a:r>
-            <a:endParaRPr lang="de-DE" dirty="0"/>
-          </a:p>
-          <a:p>
-            <a:pPr lvl="1"/>
-            <a:r>
-              <a:rPr lang="de-DE" dirty="0"/>
-              <a:t>Algorithmus zur </a:t>
-            </a:r>
-            <a:r>
-              <a:rPr lang="de-DE" b="1" dirty="0"/>
-              <a:t>Kennzeichnung verdächtiger Transaktionen</a:t>
-            </a:r>
-          </a:p>
-          <a:p>
-            <a:pPr lvl="1"/>
-            <a:r>
-              <a:rPr lang="de-DE" b="1" dirty="0"/>
-              <a:t>Konkreten Handlungsempfehlungen</a:t>
-            </a:r>
-          </a:p>
-          <a:p>
-            <a:pPr lvl="1"/>
-            <a:endParaRPr lang="de-DE" b="1" dirty="0"/>
-          </a:p>
-          <a:p>
-            <a:r>
-              <a:rPr lang="de-DE" b="1" dirty="0"/>
-              <a:t>Nebenbedingungen</a:t>
-            </a:r>
-            <a:r>
-              <a:rPr lang="de-DE" dirty="0"/>
-              <a:t>:</a:t>
-            </a:r>
-            <a:endParaRPr lang="de-DE" b="1" dirty="0"/>
-          </a:p>
-          <a:p>
-            <a:pPr lvl="1"/>
-            <a:r>
-              <a:rPr lang="de-DE" b="1" dirty="0"/>
-              <a:t>Technische Machbarkeit</a:t>
-            </a:r>
-          </a:p>
-          <a:p>
-            <a:pPr lvl="1"/>
-            <a:r>
-              <a:rPr lang="de-DE" b="1" dirty="0"/>
-              <a:t>Echtzeitbetrieb &amp; Skalierbarkeit</a:t>
-            </a:r>
-            <a:endParaRPr lang="de-DE" dirty="0"/>
-          </a:p>
-          <a:p>
-            <a:pPr lvl="1"/>
-            <a:r>
-              <a:rPr lang="de-DE" b="1" dirty="0"/>
-              <a:t>Betriebswirtschaftliche Sinnhaftigkeit </a:t>
-            </a:r>
-            <a:r>
-              <a:rPr lang="de-DE" dirty="0"/>
-              <a:t>der Lösung</a:t>
-            </a:r>
-          </a:p>
-          <a:p>
-            <a:pPr lvl="1"/>
-            <a:r>
-              <a:rPr lang="de-DE" b="1" dirty="0"/>
-              <a:t>Bewertungsfunktion</a:t>
-            </a:r>
-            <a:r>
-              <a:rPr lang="de-DE" dirty="0"/>
-              <a:t> zur wirtschaftlichen Bewertung von Kontrollentscheidungen</a:t>
-            </a:r>
-            <a:endParaRPr lang="de-DE" b="1" dirty="0"/>
-          </a:p>
-          <a:p>
-            <a:pPr lvl="1"/>
-            <a:endParaRPr lang="de-DE" b="1" dirty="0"/>
-          </a:p>
-          <a:p>
-            <a:pPr lvl="1"/>
-            <a:endParaRPr lang="de-DE" dirty="0"/>
-          </a:p>
-        </p:txBody>
-      </p:sp>
-    </p:spTree>
-    <p:extLst>
-      <p:ext uri="{BB962C8B-B14F-4D97-AF65-F5344CB8AC3E}">
-        <p14:creationId xmlns:p14="http://schemas.microsoft.com/office/powerpoint/2010/main" val="4126987183"/>
-      </p:ext>
-    </p:extLst>
-  </p:cSld>
-  <p:clrMapOvr>
-    <a:masterClrMapping/>
-  </p:clrMapOvr>
-</p:sld>
-</file>
-
-<file path=ppt/slides/slide40.xml><?xml version="1.0" encoding="utf-8"?>
+<file path=ppt/slides/slide39.xml><?xml version="1.0" encoding="utf-8"?>
 <p:sld xmlns:a="http://schemas.openxmlformats.org/drawingml/2006/main" xmlns:r="http://schemas.openxmlformats.org/officeDocument/2006/relationships" xmlns:p="http://schemas.openxmlformats.org/presentationml/2006/main" showMasterPhAnim="0">
   <p:cSld>
     <p:spTree>
@@ -22423,7 +21944,201 @@
 </p:sld>
 </file>
 
-<file path=ppt/slides/slide41.xml><?xml version="1.0" encoding="utf-8"?>
+<file path=ppt/slides/slide4.xml><?xml version="1.0" encoding="utf-8"?>
+<p:sld xmlns:a="http://schemas.openxmlformats.org/drawingml/2006/main" xmlns:r="http://schemas.openxmlformats.org/officeDocument/2006/relationships" xmlns:p="http://schemas.openxmlformats.org/presentationml/2006/main">
+  <p:cSld>
+    <p:spTree>
+      <p:nvGrpSpPr>
+        <p:cNvPr id="1" name="">
+          <a:extLst>
+            <a:ext uri="{FF2B5EF4-FFF2-40B4-BE49-F238E27FC236}">
+              <a16:creationId xmlns:a16="http://schemas.microsoft.com/office/drawing/2014/main" id="{A45C9AA8-D6D3-0F24-D824-7EDA36AF2861}"/>
+            </a:ext>
+          </a:extLst>
+        </p:cNvPr>
+        <p:cNvGrpSpPr/>
+        <p:nvPr/>
+      </p:nvGrpSpPr>
+      <p:grpSpPr>
+        <a:xfrm>
+          <a:off x="0" y="0"/>
+          <a:ext cx="0" cy="0"/>
+          <a:chOff x="0" y="0"/>
+          <a:chExt cx="0" cy="0"/>
+        </a:xfrm>
+      </p:grpSpPr>
+      <p:sp>
+        <p:nvSpPr>
+          <p:cNvPr id="2" name="Titel 1">
+            <a:extLst>
+              <a:ext uri="{FF2B5EF4-FFF2-40B4-BE49-F238E27FC236}">
+                <a16:creationId xmlns:a16="http://schemas.microsoft.com/office/drawing/2014/main" id="{13EAFF2C-B7EA-B20C-EBAE-D27CC4198C7B}"/>
+              </a:ext>
+            </a:extLst>
+          </p:cNvPr>
+          <p:cNvSpPr>
+            <a:spLocks noGrp="1"/>
+          </p:cNvSpPr>
+          <p:nvPr>
+            <p:ph type="title"/>
+          </p:nvPr>
+        </p:nvSpPr>
+        <p:spPr/>
+        <p:txBody>
+          <a:bodyPr/>
+          <a:lstStyle/>
+          <a:p>
+            <a:r>
+              <a:rPr lang="de-DE" dirty="0"/>
+              <a:t>Meilenstein1: Projektauftrag</a:t>
+            </a:r>
+          </a:p>
+        </p:txBody>
+      </p:sp>
+      <p:sp>
+        <p:nvSpPr>
+          <p:cNvPr id="3" name="Inhaltsplatzhalter 2">
+            <a:extLst>
+              <a:ext uri="{FF2B5EF4-FFF2-40B4-BE49-F238E27FC236}">
+                <a16:creationId xmlns:a16="http://schemas.microsoft.com/office/drawing/2014/main" id="{C2B04436-9192-84A0-7E5E-8463FEAC08F3}"/>
+              </a:ext>
+            </a:extLst>
+          </p:cNvPr>
+          <p:cNvSpPr>
+            <a:spLocks noGrp="1"/>
+          </p:cNvSpPr>
+          <p:nvPr>
+            <p:ph idx="1"/>
+          </p:nvPr>
+        </p:nvSpPr>
+        <p:spPr>
+          <a:xfrm>
+            <a:off x="521208" y="2054103"/>
+            <a:ext cx="11155680" cy="3767328"/>
+          </a:xfrm>
+        </p:spPr>
+        <p:txBody>
+          <a:bodyPr>
+            <a:normAutofit/>
+          </a:bodyPr>
+          <a:lstStyle/>
+          <a:p>
+            <a:r>
+              <a:rPr lang="de-DE" b="1" dirty="0"/>
+              <a:t>Ziel des Projekts: Reduktion betriebswirtschaftlicher Schäden</a:t>
+            </a:r>
+          </a:p>
+          <a:p>
+            <a:pPr lvl="1"/>
+            <a:r>
+              <a:rPr lang="de-DE" b="1" dirty="0"/>
+              <a:t>Modell</a:t>
+            </a:r>
+            <a:r>
+              <a:rPr lang="de-DE" dirty="0"/>
+              <a:t> zur Erkennung </a:t>
+            </a:r>
+            <a:r>
+              <a:rPr lang="de-DE" b="1" dirty="0"/>
+              <a:t>auffälliger Muster/fehlerhafter Abläufe </a:t>
+            </a:r>
+            <a:endParaRPr lang="de-DE" dirty="0"/>
+          </a:p>
+          <a:p>
+            <a:pPr lvl="1"/>
+            <a:r>
+              <a:rPr lang="de-DE" dirty="0"/>
+              <a:t>Algorithmus zur </a:t>
+            </a:r>
+            <a:r>
+              <a:rPr lang="de-DE" b="1" dirty="0"/>
+              <a:t>Kennzeichnung verdächtiger Transaktionen</a:t>
+            </a:r>
+          </a:p>
+          <a:p>
+            <a:pPr lvl="1"/>
+            <a:r>
+              <a:rPr lang="de-DE" b="1" dirty="0"/>
+              <a:t>Konkreten Handlungsempfehlungen</a:t>
+            </a:r>
+          </a:p>
+          <a:p>
+            <a:pPr lvl="1"/>
+            <a:endParaRPr lang="de-DE" b="1" dirty="0"/>
+          </a:p>
+          <a:p>
+            <a:r>
+              <a:rPr lang="de-DE" b="1" dirty="0"/>
+              <a:t>Nebenbedingungen</a:t>
+            </a:r>
+            <a:r>
+              <a:rPr lang="de-DE" dirty="0"/>
+              <a:t>:</a:t>
+            </a:r>
+            <a:endParaRPr lang="de-DE" b="1" dirty="0"/>
+          </a:p>
+          <a:p>
+            <a:pPr lvl="1"/>
+            <a:r>
+              <a:rPr lang="de-DE" b="1" dirty="0"/>
+              <a:t>Technische Machbarkeit</a:t>
+            </a:r>
+          </a:p>
+          <a:p>
+            <a:pPr lvl="1"/>
+            <a:r>
+              <a:rPr lang="de-DE" b="1" dirty="0"/>
+              <a:t>Echtzeitbetrieb &amp; Skalierbarkeit</a:t>
+            </a:r>
+            <a:endParaRPr lang="de-DE" dirty="0"/>
+          </a:p>
+          <a:p>
+            <a:pPr lvl="1"/>
+            <a:r>
+              <a:rPr lang="de-DE" b="1" dirty="0"/>
+              <a:t>Betriebswirtschaftliche Sinnhaftigkeit </a:t>
+            </a:r>
+            <a:r>
+              <a:rPr lang="de-DE" dirty="0"/>
+              <a:t>der Lösung</a:t>
+            </a:r>
+          </a:p>
+          <a:p>
+            <a:pPr lvl="1"/>
+            <a:r>
+              <a:rPr lang="de-DE" b="1" dirty="0"/>
+              <a:t>Bewertungsfunktion</a:t>
+            </a:r>
+            <a:r>
+              <a:rPr lang="de-DE" dirty="0"/>
+              <a:t> zur wirtschaftlichen Bewertung von Kontrollentscheidungen</a:t>
+            </a:r>
+            <a:endParaRPr lang="de-DE" b="1" dirty="0"/>
+          </a:p>
+          <a:p>
+            <a:pPr lvl="1"/>
+            <a:endParaRPr lang="de-DE" b="1" dirty="0"/>
+          </a:p>
+          <a:p>
+            <a:pPr lvl="1"/>
+            <a:endParaRPr lang="de-DE" dirty="0"/>
+          </a:p>
+        </p:txBody>
+      </p:sp>
+    </p:spTree>
+    <p:extLst>
+      <p:ext uri="{BB962C8B-B14F-4D97-AF65-F5344CB8AC3E}">
+        <p14:creationId xmlns:p14="http://schemas.microsoft.com/office/powerpoint/2010/main" val="4126987183"/>
+      </p:ext>
+    </p:extLst>
+  </p:cSld>
+  <p:clrMapOvr>
+    <a:masterClrMapping/>
+  </p:clrMapOvr>
+</p:sld>
+</file>
+
+<file path=ppt/slides/slide40.xml><?xml version="1.0" encoding="utf-8"?>
 <p:sld xmlns:a="http://schemas.openxmlformats.org/drawingml/2006/main" xmlns:r="http://schemas.openxmlformats.org/officeDocument/2006/relationships" xmlns:p="http://schemas.openxmlformats.org/presentationml/2006/main" showMasterPhAnim="0">
   <p:cSld>
     <p:spTree>
@@ -22854,7 +22569,7 @@
 </p:sld>
 </file>
 
-<file path=ppt/slides/slide42.xml><?xml version="1.0" encoding="utf-8"?>
+<file path=ppt/slides/slide41.xml><?xml version="1.0" encoding="utf-8"?>
 <p:sld xmlns:a="http://schemas.openxmlformats.org/drawingml/2006/main" xmlns:r="http://schemas.openxmlformats.org/officeDocument/2006/relationships" xmlns:p="http://schemas.openxmlformats.org/presentationml/2006/main" showMasterPhAnim="0">
   <p:cSld>
     <p:spTree>
@@ -23324,7 +23039,7 @@
 </p:sld>
 </file>
 
-<file path=ppt/slides/slide43.xml><?xml version="1.0" encoding="utf-8"?>
+<file path=ppt/slides/slide42.xml><?xml version="1.0" encoding="utf-8"?>
 <p:sld xmlns:a="http://schemas.openxmlformats.org/drawingml/2006/main" xmlns:r="http://schemas.openxmlformats.org/officeDocument/2006/relationships" xmlns:p="http://schemas.openxmlformats.org/presentationml/2006/main" showMasterPhAnim="0">
   <p:cSld>
     <p:spTree>
@@ -23707,7 +23422,7 @@
 </p:sld>
 </file>
 
-<file path=ppt/slides/slide44.xml><?xml version="1.0" encoding="utf-8"?>
+<file path=ppt/slides/slide43.xml><?xml version="1.0" encoding="utf-8"?>
 <p:sld xmlns:a="http://schemas.openxmlformats.org/drawingml/2006/main" xmlns:r="http://schemas.openxmlformats.org/officeDocument/2006/relationships" xmlns:p="http://schemas.openxmlformats.org/presentationml/2006/main" showMasterPhAnim="0">
   <p:cSld>
     <p:spTree>
@@ -24254,7 +23969,7 @@
 </p:sld>
 </file>
 
-<file path=ppt/slides/slide45.xml><?xml version="1.0" encoding="utf-8"?>
+<file path=ppt/slides/slide44.xml><?xml version="1.0" encoding="utf-8"?>
 <p:sld xmlns:a="http://schemas.openxmlformats.org/drawingml/2006/main" xmlns:r="http://schemas.openxmlformats.org/officeDocument/2006/relationships" xmlns:p="http://schemas.openxmlformats.org/presentationml/2006/main">
   <p:cSld>
     <p:spTree>
@@ -24451,7 +24166,7 @@
 </p:sld>
 </file>
 
-<file path=ppt/slides/slide46.xml><?xml version="1.0" encoding="utf-8"?>
+<file path=ppt/slides/slide45.xml><?xml version="1.0" encoding="utf-8"?>
 <p:sld xmlns:a="http://schemas.openxmlformats.org/drawingml/2006/main" xmlns:r="http://schemas.openxmlformats.org/officeDocument/2006/relationships" xmlns:p="http://schemas.openxmlformats.org/presentationml/2006/main">
   <p:cSld>
     <p:spTree>
@@ -24671,7 +24386,7 @@
 </p:sld>
 </file>
 
-<file path=ppt/slides/slide47.xml><?xml version="1.0" encoding="utf-8"?>
+<file path=ppt/slides/slide46.xml><?xml version="1.0" encoding="utf-8"?>
 <p:sld xmlns:a="http://schemas.openxmlformats.org/drawingml/2006/main" xmlns:r="http://schemas.openxmlformats.org/officeDocument/2006/relationships" xmlns:p="http://schemas.openxmlformats.org/presentationml/2006/main">
   <p:cSld>
     <p:bg>
@@ -25074,7 +24789,7 @@
 </p:sld>
 </file>
 
-<file path=ppt/slides/slide48.xml><?xml version="1.0" encoding="utf-8"?>
+<file path=ppt/slides/slide47.xml><?xml version="1.0" encoding="utf-8"?>
 <p:sld xmlns:a="http://schemas.openxmlformats.org/drawingml/2006/main" xmlns:r="http://schemas.openxmlformats.org/officeDocument/2006/relationships" xmlns:p="http://schemas.openxmlformats.org/presentationml/2006/main">
   <p:cSld>
     <p:spTree>
@@ -25298,7 +25013,7 @@
 </p:sld>
 </file>
 
-<file path=ppt/slides/slide49.xml><?xml version="1.0" encoding="utf-8"?>
+<file path=ppt/slides/slide48.xml><?xml version="1.0" encoding="utf-8"?>
 <p:sld xmlns:a="http://schemas.openxmlformats.org/drawingml/2006/main" xmlns:r="http://schemas.openxmlformats.org/officeDocument/2006/relationships" xmlns:p="http://schemas.openxmlformats.org/presentationml/2006/main">
   <p:cSld>
     <p:spTree>
@@ -25467,6 +25182,175 @@
     <p:extLst>
       <p:ext uri="{BB962C8B-B14F-4D97-AF65-F5344CB8AC3E}">
         <p14:creationId xmlns:p14="http://schemas.microsoft.com/office/powerpoint/2010/main" val="1547750605"/>
+      </p:ext>
+    </p:extLst>
+  </p:cSld>
+  <p:clrMapOvr>
+    <a:masterClrMapping/>
+  </p:clrMapOvr>
+</p:sld>
+</file>
+
+<file path=ppt/slides/slide49.xml><?xml version="1.0" encoding="utf-8"?>
+<p:sld xmlns:a="http://schemas.openxmlformats.org/drawingml/2006/main" xmlns:r="http://schemas.openxmlformats.org/officeDocument/2006/relationships" xmlns:p="http://schemas.openxmlformats.org/presentationml/2006/main">
+  <p:cSld>
+    <p:spTree>
+      <p:nvGrpSpPr>
+        <p:cNvPr id="1" name="">
+          <a:extLst>
+            <a:ext uri="{FF2B5EF4-FFF2-40B4-BE49-F238E27FC236}">
+              <a16:creationId xmlns:a16="http://schemas.microsoft.com/office/drawing/2014/main" id="{B2E6AD0A-5B25-4931-F4E5-34E5345F2BA5}"/>
+            </a:ext>
+          </a:extLst>
+        </p:cNvPr>
+        <p:cNvGrpSpPr/>
+        <p:nvPr/>
+      </p:nvGrpSpPr>
+      <p:grpSpPr>
+        <a:xfrm>
+          <a:off x="0" y="0"/>
+          <a:ext cx="0" cy="0"/>
+          <a:chOff x="0" y="0"/>
+          <a:chExt cx="0" cy="0"/>
+        </a:xfrm>
+      </p:grpSpPr>
+      <p:sp>
+        <p:nvSpPr>
+          <p:cNvPr id="2" name="Title 1">
+            <a:extLst>
+              <a:ext uri="{FF2B5EF4-FFF2-40B4-BE49-F238E27FC236}">
+                <a16:creationId xmlns:a16="http://schemas.microsoft.com/office/drawing/2014/main" id="{0E43708A-1134-8009-05AD-7AC1A77AC047}"/>
+              </a:ext>
+            </a:extLst>
+          </p:cNvPr>
+          <p:cNvSpPr>
+            <a:spLocks noGrp="1"/>
+          </p:cNvSpPr>
+          <p:nvPr>
+            <p:ph type="title"/>
+          </p:nvPr>
+        </p:nvSpPr>
+        <p:spPr/>
+        <p:txBody>
+          <a:bodyPr/>
+          <a:lstStyle/>
+          <a:p>
+            <a:r>
+              <a:rPr lang="de-DE" dirty="0"/>
+              <a:t>Anforderungen an Analyseverfahren</a:t>
+            </a:r>
+            <a:endParaRPr dirty="0"/>
+          </a:p>
+        </p:txBody>
+      </p:sp>
+      <p:sp>
+        <p:nvSpPr>
+          <p:cNvPr id="3" name="Content Placeholder 2">
+            <a:extLst>
+              <a:ext uri="{FF2B5EF4-FFF2-40B4-BE49-F238E27FC236}">
+                <a16:creationId xmlns:a16="http://schemas.microsoft.com/office/drawing/2014/main" id="{E67EA258-7311-A1AE-F5F6-C04040B5E6B5}"/>
+              </a:ext>
+            </a:extLst>
+          </p:cNvPr>
+          <p:cNvSpPr>
+            <a:spLocks noGrp="1"/>
+          </p:cNvSpPr>
+          <p:nvPr>
+            <p:ph idx="1"/>
+          </p:nvPr>
+        </p:nvSpPr>
+        <p:spPr>
+          <a:xfrm>
+            <a:off x="521208" y="2140527"/>
+            <a:ext cx="11155680" cy="4222082"/>
+          </a:xfrm>
+        </p:spPr>
+        <p:txBody>
+          <a:bodyPr>
+            <a:normAutofit/>
+          </a:bodyPr>
+          <a:lstStyle/>
+          <a:p>
+            <a:r>
+              <a:rPr lang="de-DE" dirty="0"/>
+              <a:t>Mehr als nur Modellgüte: Entscheidungskriterien im Praxiseinsatz</a:t>
+            </a:r>
+            <a:br>
+              <a:rPr lang="de-DE" dirty="0"/>
+            </a:br>
+            <a:endParaRPr lang="de-DE" b="1" dirty="0"/>
+          </a:p>
+          <a:p>
+            <a:r>
+              <a:rPr lang="de-DE" b="1" dirty="0"/>
+              <a:t>weitere zentrale Anforderungen </a:t>
+            </a:r>
+            <a:r>
+              <a:rPr lang="de-DE" dirty="0"/>
+              <a:t>gleichrangig berücksichtigt u.a.:</a:t>
+            </a:r>
+          </a:p>
+          <a:p>
+            <a:pPr lvl="1"/>
+            <a:r>
+              <a:rPr lang="de-DE" b="1" dirty="0"/>
+              <a:t>Verständlichkeit: </a:t>
+            </a:r>
+            <a:r>
+              <a:rPr lang="de-DE" dirty="0"/>
+              <a:t>Ergebnisse nachvollziehbar &amp; visualisierbar</a:t>
+            </a:r>
+          </a:p>
+          <a:p>
+            <a:pPr lvl="1"/>
+            <a:r>
+              <a:rPr lang="de-DE" b="1" dirty="0"/>
+              <a:t>Umsetzbarkeit: </a:t>
+            </a:r>
+            <a:r>
+              <a:rPr lang="de-DE" dirty="0"/>
+              <a:t>Einfach in der Praxis einsetzbar</a:t>
+            </a:r>
+          </a:p>
+          <a:p>
+            <a:pPr lvl="1"/>
+            <a:r>
+              <a:rPr lang="de-DE" b="1" dirty="0"/>
+              <a:t>Reproduzierbarkeit: </a:t>
+            </a:r>
+            <a:r>
+              <a:rPr lang="de-DE" dirty="0"/>
+              <a:t>Konsistente Ergebnisse mit gleichem Code/Daten</a:t>
+            </a:r>
+          </a:p>
+          <a:p>
+            <a:pPr lvl="1"/>
+            <a:r>
+              <a:rPr lang="de-DE" b="1" dirty="0"/>
+              <a:t>Skalierbarkeit: </a:t>
+            </a:r>
+            <a:r>
+              <a:rPr lang="de-DE" dirty="0"/>
+              <a:t>Einsetzbar in allen Filialen, nachtrainierbar</a:t>
+            </a:r>
+          </a:p>
+          <a:p>
+            <a:pPr lvl="1"/>
+            <a:r>
+              <a:rPr lang="de-DE" b="1" dirty="0"/>
+              <a:t>Robustheit: </a:t>
+            </a:r>
+            <a:r>
+              <a:rPr lang="de-DE" dirty="0"/>
+              <a:t>Stabil bei Datenschwankungen &amp; erneutem Training</a:t>
+            </a:r>
+          </a:p>
+        </p:txBody>
+      </p:sp>
+    </p:spTree>
+    <p:extLst>
+      <p:ext uri="{BB962C8B-B14F-4D97-AF65-F5344CB8AC3E}">
+        <p14:creationId xmlns:p14="http://schemas.microsoft.com/office/powerpoint/2010/main" val="1901667240"/>
       </p:ext>
     </p:extLst>
   </p:cSld>
@@ -25656,175 +25540,6 @@
         <p:cNvPr id="1" name="">
           <a:extLst>
             <a:ext uri="{FF2B5EF4-FFF2-40B4-BE49-F238E27FC236}">
-              <a16:creationId xmlns:a16="http://schemas.microsoft.com/office/drawing/2014/main" id="{B2E6AD0A-5B25-4931-F4E5-34E5345F2BA5}"/>
-            </a:ext>
-          </a:extLst>
-        </p:cNvPr>
-        <p:cNvGrpSpPr/>
-        <p:nvPr/>
-      </p:nvGrpSpPr>
-      <p:grpSpPr>
-        <a:xfrm>
-          <a:off x="0" y="0"/>
-          <a:ext cx="0" cy="0"/>
-          <a:chOff x="0" y="0"/>
-          <a:chExt cx="0" cy="0"/>
-        </a:xfrm>
-      </p:grpSpPr>
-      <p:sp>
-        <p:nvSpPr>
-          <p:cNvPr id="2" name="Title 1">
-            <a:extLst>
-              <a:ext uri="{FF2B5EF4-FFF2-40B4-BE49-F238E27FC236}">
-                <a16:creationId xmlns:a16="http://schemas.microsoft.com/office/drawing/2014/main" id="{0E43708A-1134-8009-05AD-7AC1A77AC047}"/>
-              </a:ext>
-            </a:extLst>
-          </p:cNvPr>
-          <p:cNvSpPr>
-            <a:spLocks noGrp="1"/>
-          </p:cNvSpPr>
-          <p:nvPr>
-            <p:ph type="title"/>
-          </p:nvPr>
-        </p:nvSpPr>
-        <p:spPr/>
-        <p:txBody>
-          <a:bodyPr/>
-          <a:lstStyle/>
-          <a:p>
-            <a:r>
-              <a:rPr lang="de-DE" dirty="0"/>
-              <a:t>Anforderungen an Analyseverfahren</a:t>
-            </a:r>
-            <a:endParaRPr dirty="0"/>
-          </a:p>
-        </p:txBody>
-      </p:sp>
-      <p:sp>
-        <p:nvSpPr>
-          <p:cNvPr id="3" name="Content Placeholder 2">
-            <a:extLst>
-              <a:ext uri="{FF2B5EF4-FFF2-40B4-BE49-F238E27FC236}">
-                <a16:creationId xmlns:a16="http://schemas.microsoft.com/office/drawing/2014/main" id="{E67EA258-7311-A1AE-F5F6-C04040B5E6B5}"/>
-              </a:ext>
-            </a:extLst>
-          </p:cNvPr>
-          <p:cNvSpPr>
-            <a:spLocks noGrp="1"/>
-          </p:cNvSpPr>
-          <p:nvPr>
-            <p:ph idx="1"/>
-          </p:nvPr>
-        </p:nvSpPr>
-        <p:spPr>
-          <a:xfrm>
-            <a:off x="521208" y="2140527"/>
-            <a:ext cx="11155680" cy="4222082"/>
-          </a:xfrm>
-        </p:spPr>
-        <p:txBody>
-          <a:bodyPr>
-            <a:normAutofit/>
-          </a:bodyPr>
-          <a:lstStyle/>
-          <a:p>
-            <a:r>
-              <a:rPr lang="de-DE" dirty="0"/>
-              <a:t>Mehr als nur Modellgüte: Entscheidungskriterien im Praxiseinsatz</a:t>
-            </a:r>
-            <a:br>
-              <a:rPr lang="de-DE" dirty="0"/>
-            </a:br>
-            <a:endParaRPr lang="de-DE" b="1" dirty="0"/>
-          </a:p>
-          <a:p>
-            <a:r>
-              <a:rPr lang="de-DE" b="1" dirty="0"/>
-              <a:t>weitere zentrale Anforderungen </a:t>
-            </a:r>
-            <a:r>
-              <a:rPr lang="de-DE" dirty="0"/>
-              <a:t>gleichrangig berücksichtigt u.a.:</a:t>
-            </a:r>
-          </a:p>
-          <a:p>
-            <a:pPr lvl="1"/>
-            <a:r>
-              <a:rPr lang="de-DE" b="1" dirty="0"/>
-              <a:t>Verständlichkeit: </a:t>
-            </a:r>
-            <a:r>
-              <a:rPr lang="de-DE" dirty="0"/>
-              <a:t>Ergebnisse nachvollziehbar &amp; visualisierbar</a:t>
-            </a:r>
-          </a:p>
-          <a:p>
-            <a:pPr lvl="1"/>
-            <a:r>
-              <a:rPr lang="de-DE" b="1" dirty="0"/>
-              <a:t>Umsetzbarkeit: </a:t>
-            </a:r>
-            <a:r>
-              <a:rPr lang="de-DE" dirty="0"/>
-              <a:t>Einfach in der Praxis einsetzbar</a:t>
-            </a:r>
-          </a:p>
-          <a:p>
-            <a:pPr lvl="1"/>
-            <a:r>
-              <a:rPr lang="de-DE" b="1" dirty="0"/>
-              <a:t>Reproduzierbarkeit: </a:t>
-            </a:r>
-            <a:r>
-              <a:rPr lang="de-DE" dirty="0"/>
-              <a:t>Konsistente Ergebnisse mit gleichem Code/Daten</a:t>
-            </a:r>
-          </a:p>
-          <a:p>
-            <a:pPr lvl="1"/>
-            <a:r>
-              <a:rPr lang="de-DE" b="1" dirty="0"/>
-              <a:t>Skalierbarkeit: </a:t>
-            </a:r>
-            <a:r>
-              <a:rPr lang="de-DE" dirty="0"/>
-              <a:t>Einsetzbar in allen Filialen, nachtrainierbar</a:t>
-            </a:r>
-          </a:p>
-          <a:p>
-            <a:pPr lvl="1"/>
-            <a:r>
-              <a:rPr lang="de-DE" b="1" dirty="0"/>
-              <a:t>Robustheit: </a:t>
-            </a:r>
-            <a:r>
-              <a:rPr lang="de-DE" dirty="0"/>
-              <a:t>Stabil bei Datenschwankungen &amp; erneutem Training</a:t>
-            </a:r>
-          </a:p>
-        </p:txBody>
-      </p:sp>
-    </p:spTree>
-    <p:extLst>
-      <p:ext uri="{BB962C8B-B14F-4D97-AF65-F5344CB8AC3E}">
-        <p14:creationId xmlns:p14="http://schemas.microsoft.com/office/powerpoint/2010/main" val="1901667240"/>
-      </p:ext>
-    </p:extLst>
-  </p:cSld>
-  <p:clrMapOvr>
-    <a:masterClrMapping/>
-  </p:clrMapOvr>
-</p:sld>
-</file>
-
-<file path=ppt/slides/slide51.xml><?xml version="1.0" encoding="utf-8"?>
-<p:sld xmlns:a="http://schemas.openxmlformats.org/drawingml/2006/main" xmlns:r="http://schemas.openxmlformats.org/officeDocument/2006/relationships" xmlns:p="http://schemas.openxmlformats.org/presentationml/2006/main">
-  <p:cSld>
-    <p:spTree>
-      <p:nvGrpSpPr>
-        <p:cNvPr id="1" name="">
-          <a:extLst>
-            <a:ext uri="{FF2B5EF4-FFF2-40B4-BE49-F238E27FC236}">
               <a16:creationId xmlns:a16="http://schemas.microsoft.com/office/drawing/2014/main" id="{05DFCFAB-E1C8-AB29-A9DC-E1A051CA04A2}"/>
             </a:ext>
           </a:extLst>
@@ -25968,7 +25683,7 @@
 </p:sld>
 </file>
 
-<file path=ppt/slides/slide52.xml><?xml version="1.0" encoding="utf-8"?>
+<file path=ppt/slides/slide51.xml><?xml version="1.0" encoding="utf-8"?>
 <p:sld xmlns:a="http://schemas.openxmlformats.org/drawingml/2006/main" xmlns:r="http://schemas.openxmlformats.org/officeDocument/2006/relationships" xmlns:p="http://schemas.openxmlformats.org/presentationml/2006/main">
   <p:cSld>
     <p:spTree>
@@ -26129,7 +25844,7 @@
 </p:sld>
 </file>
 
-<file path=ppt/slides/slide53.xml><?xml version="1.0" encoding="utf-8"?>
+<file path=ppt/slides/slide52.xml><?xml version="1.0" encoding="utf-8"?>
 <p:sld xmlns:a="http://schemas.openxmlformats.org/drawingml/2006/main" xmlns:r="http://schemas.openxmlformats.org/officeDocument/2006/relationships" xmlns:p="http://schemas.openxmlformats.org/presentationml/2006/main">
   <p:cSld>
     <p:spTree>
@@ -26265,7 +25980,7 @@
 </p:sld>
 </file>
 
-<file path=ppt/slides/slide54.xml><?xml version="1.0" encoding="utf-8"?>
+<file path=ppt/slides/slide53.xml><?xml version="1.0" encoding="utf-8"?>
 <p:sld xmlns:a="http://schemas.openxmlformats.org/drawingml/2006/main" xmlns:r="http://schemas.openxmlformats.org/officeDocument/2006/relationships" xmlns:p="http://schemas.openxmlformats.org/presentationml/2006/main">
   <p:cSld>
     <p:spTree>
@@ -26445,7 +26160,7 @@
 </p:sld>
 </file>
 
-<file path=ppt/slides/slide55.xml><?xml version="1.0" encoding="utf-8"?>
+<file path=ppt/slides/slide54.xml><?xml version="1.0" encoding="utf-8"?>
 <p:sld xmlns:a="http://schemas.openxmlformats.org/drawingml/2006/main" xmlns:r="http://schemas.openxmlformats.org/officeDocument/2006/relationships" xmlns:p="http://schemas.openxmlformats.org/presentationml/2006/main">
   <p:cSld>
     <p:spTree>
@@ -26585,7 +26300,7 @@
 </p:sld>
 </file>
 
-<file path=ppt/slides/slide56.xml><?xml version="1.0" encoding="utf-8"?>
+<file path=ppt/slides/slide55.xml><?xml version="1.0" encoding="utf-8"?>
 <p:sld xmlns:a="http://schemas.openxmlformats.org/drawingml/2006/main" xmlns:r="http://schemas.openxmlformats.org/officeDocument/2006/relationships" xmlns:p="http://schemas.openxmlformats.org/presentationml/2006/main">
   <p:cSld>
     <p:spTree>
@@ -26782,7 +26497,7 @@
 </p:sld>
 </file>
 
-<file path=ppt/slides/slide57.xml><?xml version="1.0" encoding="utf-8"?>
+<file path=ppt/slides/slide56.xml><?xml version="1.0" encoding="utf-8"?>
 <p:sld xmlns:a="http://schemas.openxmlformats.org/drawingml/2006/main" xmlns:r="http://schemas.openxmlformats.org/officeDocument/2006/relationships" xmlns:p="http://schemas.openxmlformats.org/presentationml/2006/main">
   <p:cSld>
     <p:spTree>
@@ -26969,7 +26684,7 @@
 </p:sld>
 </file>
 
-<file path=ppt/slides/slide58.xml><?xml version="1.0" encoding="utf-8"?>
+<file path=ppt/slides/slide57.xml><?xml version="1.0" encoding="utf-8"?>
 <p:sld xmlns:a="http://schemas.openxmlformats.org/drawingml/2006/main" xmlns:r="http://schemas.openxmlformats.org/officeDocument/2006/relationships" xmlns:p="http://schemas.openxmlformats.org/presentationml/2006/main" showMasterPhAnim="0">
   <p:cSld>
     <p:spTree>
@@ -27169,7 +26884,7 @@
 </p:sld>
 </file>
 
-<file path=ppt/slides/slide59.xml><?xml version="1.0" encoding="utf-8"?>
+<file path=ppt/slides/slide58.xml><?xml version="1.0" encoding="utf-8"?>
 <p:sld xmlns:a="http://schemas.openxmlformats.org/drawingml/2006/main" xmlns:r="http://schemas.openxmlformats.org/officeDocument/2006/relationships" xmlns:p="http://schemas.openxmlformats.org/presentationml/2006/main" showMasterPhAnim="0">
   <p:cSld>
     <p:spTree>
@@ -27437,6 +27152,310 @@
     <p:extLst>
       <p:ext uri="{BB962C8B-B14F-4D97-AF65-F5344CB8AC3E}">
         <p14:creationId xmlns:p14="http://schemas.microsoft.com/office/powerpoint/2010/main" val="516860048"/>
+      </p:ext>
+    </p:extLst>
+  </p:cSld>
+  <p:clrMapOvr>
+    <a:masterClrMapping/>
+  </p:clrMapOvr>
+</p:sld>
+</file>
+
+<file path=ppt/slides/slide59.xml><?xml version="1.0" encoding="utf-8"?>
+<p:sld xmlns:a="http://schemas.openxmlformats.org/drawingml/2006/main" xmlns:r="http://schemas.openxmlformats.org/officeDocument/2006/relationships" xmlns:p="http://schemas.openxmlformats.org/presentationml/2006/main" showMasterPhAnim="0">
+  <p:cSld>
+    <p:spTree>
+      <p:nvGrpSpPr>
+        <p:cNvPr id="1" name="">
+          <a:extLst>
+            <a:ext uri="{FF2B5EF4-FFF2-40B4-BE49-F238E27FC236}">
+              <a16:creationId xmlns:a16="http://schemas.microsoft.com/office/drawing/2014/main" id="{AC02D6DA-0DE0-2976-9182-BB752F7115F1}"/>
+            </a:ext>
+          </a:extLst>
+        </p:cNvPr>
+        <p:cNvGrpSpPr/>
+        <p:nvPr/>
+      </p:nvGrpSpPr>
+      <p:grpSpPr bwMode="auto">
+        <a:xfrm>
+          <a:off x="0" y="0"/>
+          <a:ext cx="0" cy="0"/>
+          <a:chOff x="0" y="0"/>
+          <a:chExt cx="0" cy="0"/>
+        </a:xfrm>
+      </p:grpSpPr>
+      <p:sp>
+        <p:nvSpPr>
+          <p:cNvPr id="1119884738" name="Title 1">
+            <a:extLst>
+              <a:ext uri="{FF2B5EF4-FFF2-40B4-BE49-F238E27FC236}">
+                <a16:creationId xmlns:a16="http://schemas.microsoft.com/office/drawing/2014/main" id="{96513D29-165F-58B0-EB91-9598BDC2DDF8}"/>
+              </a:ext>
+            </a:extLst>
+          </p:cNvPr>
+          <p:cNvSpPr>
+            <a:spLocks noGrp="1"/>
+          </p:cNvSpPr>
+          <p:nvPr>
+            <p:ph type="title"/>
+          </p:nvPr>
+        </p:nvSpPr>
+        <p:spPr bwMode="auto"/>
+        <p:txBody>
+          <a:bodyPr/>
+          <a:lstStyle/>
+          <a:p>
+            <a:pPr>
+              <a:defRPr/>
+            </a:pPr>
+            <a:r>
+              <a:rPr lang="de-DE" dirty="0"/>
+              <a:t>Verglichene Modellklassen</a:t>
+            </a:r>
+            <a:endParaRPr dirty="0"/>
+          </a:p>
+        </p:txBody>
+      </p:sp>
+      <p:sp>
+        <p:nvSpPr>
+          <p:cNvPr id="701458849" name="Content Placeholder 2">
+            <a:extLst>
+              <a:ext uri="{FF2B5EF4-FFF2-40B4-BE49-F238E27FC236}">
+                <a16:creationId xmlns:a16="http://schemas.microsoft.com/office/drawing/2014/main" id="{56384323-A9B7-E161-1F32-5FB1C108A654}"/>
+              </a:ext>
+            </a:extLst>
+          </p:cNvPr>
+          <p:cNvSpPr>
+            <a:spLocks noGrp="1"/>
+          </p:cNvSpPr>
+          <p:nvPr>
+            <p:ph idx="1"/>
+          </p:nvPr>
+        </p:nvSpPr>
+        <p:spPr bwMode="auto">
+          <a:xfrm>
+            <a:off x="518160" y="2441448"/>
+            <a:ext cx="11155680" cy="3647625"/>
+          </a:xfrm>
+        </p:spPr>
+        <p:txBody>
+          <a:bodyPr>
+            <a:normAutofit/>
+          </a:bodyPr>
+          <a:lstStyle/>
+          <a:p>
+            <a:pPr>
+              <a:defRPr/>
+            </a:pPr>
+            <a:r>
+              <a:rPr lang="de-DE" sz="1800" b="1" i="0" u="none" strike="noStrike" cap="none" spc="0" dirty="0">
+                <a:solidFill>
+                  <a:schemeClr val="tx1"/>
+                </a:solidFill>
+                <a:latin typeface="Bierstadt"/>
+                <a:cs typeface="Bierstadt"/>
+              </a:rPr>
+              <a:t>Baseline-Modelle:</a:t>
+            </a:r>
+            <a:r>
+              <a:rPr lang="de-DE" sz="1800" i="0" u="none" strike="noStrike" cap="none" spc="0" dirty="0">
+                <a:solidFill>
+                  <a:schemeClr val="tx1"/>
+                </a:solidFill>
+                <a:latin typeface="Bierstadt"/>
+                <a:cs typeface="Bierstadt"/>
+              </a:rPr>
+              <a:t> Logistische Regression &amp; Entscheidungsbaum</a:t>
+            </a:r>
+          </a:p>
+          <a:p>
+            <a:pPr>
+              <a:defRPr/>
+            </a:pPr>
+            <a:endParaRPr lang="de-DE" sz="1800" i="0" u="none" strike="noStrike" cap="none" spc="0" dirty="0">
+              <a:solidFill>
+                <a:schemeClr val="tx1"/>
+              </a:solidFill>
+              <a:latin typeface="Bierstadt"/>
+              <a:cs typeface="Bierstadt"/>
+            </a:endParaRPr>
+          </a:p>
+          <a:p>
+            <a:pPr>
+              <a:defRPr/>
+            </a:pPr>
+            <a:r>
+              <a:rPr lang="de-DE" sz="1800" b="1" i="0" u="none" strike="noStrike" cap="none" spc="0" dirty="0">
+                <a:solidFill>
+                  <a:schemeClr val="tx1"/>
+                </a:solidFill>
+                <a:latin typeface="Bierstadt"/>
+                <a:cs typeface="Bierstadt"/>
+              </a:rPr>
+              <a:t>Fortgeschrittene Modelle: </a:t>
+            </a:r>
+            <a:r>
+              <a:rPr lang="de-DE" sz="1800" i="0" u="none" strike="noStrike" cap="none" spc="0" dirty="0">
+                <a:solidFill>
+                  <a:schemeClr val="tx1"/>
+                </a:solidFill>
+                <a:latin typeface="Bierstadt"/>
+                <a:cs typeface="Bierstadt"/>
+              </a:rPr>
+              <a:t>Random Forest, </a:t>
+            </a:r>
+            <a:r>
+              <a:rPr lang="de-DE" sz="1800" i="0" u="none" strike="noStrike" cap="none" spc="0" dirty="0" err="1">
+                <a:solidFill>
+                  <a:schemeClr val="tx1"/>
+                </a:solidFill>
+                <a:latin typeface="Bierstadt"/>
+                <a:cs typeface="Bierstadt"/>
+              </a:rPr>
+              <a:t>Boosting</a:t>
+            </a:r>
+            <a:r>
+              <a:rPr lang="de-DE" sz="1800" i="0" u="none" strike="noStrike" cap="none" spc="0" dirty="0">
+                <a:solidFill>
+                  <a:schemeClr val="tx1"/>
+                </a:solidFill>
+                <a:latin typeface="Bierstadt"/>
+                <a:cs typeface="Bierstadt"/>
+              </a:rPr>
+              <a:t> (</a:t>
+            </a:r>
+            <a:r>
+              <a:rPr lang="de-DE" sz="1800" i="0" u="none" strike="noStrike" cap="none" spc="0" dirty="0" err="1">
+                <a:solidFill>
+                  <a:schemeClr val="tx1"/>
+                </a:solidFill>
+                <a:latin typeface="Bierstadt"/>
+                <a:cs typeface="Bierstadt"/>
+              </a:rPr>
+              <a:t>XGBoost</a:t>
+            </a:r>
+            <a:r>
+              <a:rPr lang="de-DE" sz="1800" i="0" u="none" strike="noStrike" cap="none" spc="0" dirty="0">
+                <a:solidFill>
+                  <a:schemeClr val="tx1"/>
+                </a:solidFill>
+                <a:latin typeface="Bierstadt"/>
+                <a:cs typeface="Bierstadt"/>
+              </a:rPr>
+              <a:t>, </a:t>
+            </a:r>
+            <a:r>
+              <a:rPr lang="de-DE" sz="1800" i="0" u="none" strike="noStrike" cap="none" spc="0" dirty="0" err="1">
+                <a:solidFill>
+                  <a:schemeClr val="tx1"/>
+                </a:solidFill>
+                <a:latin typeface="Bierstadt"/>
+                <a:cs typeface="Bierstadt"/>
+              </a:rPr>
+              <a:t>CatBoost</a:t>
+            </a:r>
+            <a:r>
+              <a:rPr lang="de-DE" sz="1800" i="0" u="none" strike="noStrike" cap="none" spc="0" dirty="0">
+                <a:solidFill>
+                  <a:schemeClr val="tx1"/>
+                </a:solidFill>
+                <a:latin typeface="Bierstadt"/>
+                <a:cs typeface="Bierstadt"/>
+              </a:rPr>
+              <a:t>), neuronale Netze</a:t>
+            </a:r>
+          </a:p>
+          <a:p>
+            <a:pPr>
+              <a:defRPr/>
+            </a:pPr>
+            <a:endParaRPr lang="de-DE" sz="1800" i="0" u="none" strike="noStrike" cap="none" spc="0" dirty="0">
+              <a:solidFill>
+                <a:schemeClr val="tx1"/>
+              </a:solidFill>
+              <a:latin typeface="Bierstadt"/>
+              <a:cs typeface="Bierstadt"/>
+            </a:endParaRPr>
+          </a:p>
+          <a:p>
+            <a:pPr>
+              <a:defRPr/>
+            </a:pPr>
+            <a:r>
+              <a:rPr lang="de-DE" sz="1800" b="1" i="0" u="none" strike="noStrike" cap="none" spc="0" dirty="0" err="1">
+                <a:solidFill>
+                  <a:schemeClr val="tx1"/>
+                </a:solidFill>
+                <a:latin typeface="Bierstadt"/>
+                <a:cs typeface="Bierstadt"/>
+              </a:rPr>
+              <a:t>Boosting</a:t>
+            </a:r>
+            <a:r>
+              <a:rPr lang="de-DE" sz="1800" b="1" i="0" u="none" strike="noStrike" cap="none" spc="0" dirty="0">
+                <a:solidFill>
+                  <a:schemeClr val="tx1"/>
+                </a:solidFill>
+                <a:latin typeface="Bierstadt"/>
+                <a:cs typeface="Bierstadt"/>
+              </a:rPr>
+              <a:t>-Modelle</a:t>
+            </a:r>
+            <a:r>
+              <a:rPr lang="de-DE" sz="1800" i="0" u="none" strike="noStrike" cap="none" spc="0" dirty="0">
+                <a:solidFill>
+                  <a:schemeClr val="tx1"/>
+                </a:solidFill>
+                <a:latin typeface="Bierstadt"/>
+                <a:cs typeface="Bierstadt"/>
+              </a:rPr>
+              <a:t> performten am besten → gezielte Weiterentwicklung</a:t>
+            </a:r>
+          </a:p>
+          <a:p>
+            <a:pPr>
+              <a:defRPr/>
+            </a:pPr>
+            <a:endParaRPr lang="de-DE" sz="1800" i="0" u="none" strike="noStrike" cap="none" spc="0" dirty="0">
+              <a:solidFill>
+                <a:schemeClr val="tx1"/>
+              </a:solidFill>
+              <a:latin typeface="Bierstadt"/>
+              <a:cs typeface="Bierstadt"/>
+            </a:endParaRPr>
+          </a:p>
+          <a:p>
+            <a:pPr>
+              <a:defRPr/>
+            </a:pPr>
+            <a:r>
+              <a:rPr lang="de-DE" sz="1800" b="1" i="0" u="none" strike="noStrike" cap="none" spc="0" dirty="0">
+                <a:solidFill>
+                  <a:schemeClr val="tx1"/>
+                </a:solidFill>
+                <a:latin typeface="Bierstadt"/>
+                <a:cs typeface="Bierstadt"/>
+              </a:rPr>
+              <a:t>Neuronale Netze </a:t>
+            </a:r>
+            <a:r>
+              <a:rPr lang="de-DE" sz="1800" i="0" u="none" strike="noStrike" cap="none" spc="0" dirty="0">
+                <a:solidFill>
+                  <a:schemeClr val="tx1"/>
+                </a:solidFill>
+                <a:latin typeface="Bierstadt"/>
+                <a:cs typeface="Bierstadt"/>
+              </a:rPr>
+              <a:t>zeigten gute Einzelresultate, aber instabil &amp; sensitiv gegenüber Parametern</a:t>
+            </a:r>
+            <a:endParaRPr dirty="0"/>
+          </a:p>
+        </p:txBody>
+      </p:sp>
+    </p:spTree>
+    <p:extLst>
+      <p:ext uri="{BB962C8B-B14F-4D97-AF65-F5344CB8AC3E}">
+        <p14:creationId xmlns:p14="http://schemas.microsoft.com/office/powerpoint/2010/main" val="2857387621"/>
       </p:ext>
     </p:extLst>
   </p:cSld>
@@ -27618,310 +27637,6 @@
         <p:cNvPr id="1" name="">
           <a:extLst>
             <a:ext uri="{FF2B5EF4-FFF2-40B4-BE49-F238E27FC236}">
-              <a16:creationId xmlns:a16="http://schemas.microsoft.com/office/drawing/2014/main" id="{AC02D6DA-0DE0-2976-9182-BB752F7115F1}"/>
-            </a:ext>
-          </a:extLst>
-        </p:cNvPr>
-        <p:cNvGrpSpPr/>
-        <p:nvPr/>
-      </p:nvGrpSpPr>
-      <p:grpSpPr bwMode="auto">
-        <a:xfrm>
-          <a:off x="0" y="0"/>
-          <a:ext cx="0" cy="0"/>
-          <a:chOff x="0" y="0"/>
-          <a:chExt cx="0" cy="0"/>
-        </a:xfrm>
-      </p:grpSpPr>
-      <p:sp>
-        <p:nvSpPr>
-          <p:cNvPr id="1119884738" name="Title 1">
-            <a:extLst>
-              <a:ext uri="{FF2B5EF4-FFF2-40B4-BE49-F238E27FC236}">
-                <a16:creationId xmlns:a16="http://schemas.microsoft.com/office/drawing/2014/main" id="{96513D29-165F-58B0-EB91-9598BDC2DDF8}"/>
-              </a:ext>
-            </a:extLst>
-          </p:cNvPr>
-          <p:cNvSpPr>
-            <a:spLocks noGrp="1"/>
-          </p:cNvSpPr>
-          <p:nvPr>
-            <p:ph type="title"/>
-          </p:nvPr>
-        </p:nvSpPr>
-        <p:spPr bwMode="auto"/>
-        <p:txBody>
-          <a:bodyPr/>
-          <a:lstStyle/>
-          <a:p>
-            <a:pPr>
-              <a:defRPr/>
-            </a:pPr>
-            <a:r>
-              <a:rPr lang="de-DE" dirty="0"/>
-              <a:t>Verglichene Modellklassen</a:t>
-            </a:r>
-            <a:endParaRPr dirty="0"/>
-          </a:p>
-        </p:txBody>
-      </p:sp>
-      <p:sp>
-        <p:nvSpPr>
-          <p:cNvPr id="701458849" name="Content Placeholder 2">
-            <a:extLst>
-              <a:ext uri="{FF2B5EF4-FFF2-40B4-BE49-F238E27FC236}">
-                <a16:creationId xmlns:a16="http://schemas.microsoft.com/office/drawing/2014/main" id="{56384323-A9B7-E161-1F32-5FB1C108A654}"/>
-              </a:ext>
-            </a:extLst>
-          </p:cNvPr>
-          <p:cNvSpPr>
-            <a:spLocks noGrp="1"/>
-          </p:cNvSpPr>
-          <p:nvPr>
-            <p:ph idx="1"/>
-          </p:nvPr>
-        </p:nvSpPr>
-        <p:spPr bwMode="auto">
-          <a:xfrm>
-            <a:off x="518160" y="2441448"/>
-            <a:ext cx="11155680" cy="3647625"/>
-          </a:xfrm>
-        </p:spPr>
-        <p:txBody>
-          <a:bodyPr>
-            <a:normAutofit/>
-          </a:bodyPr>
-          <a:lstStyle/>
-          <a:p>
-            <a:pPr>
-              <a:defRPr/>
-            </a:pPr>
-            <a:r>
-              <a:rPr lang="de-DE" sz="1800" b="1" i="0" u="none" strike="noStrike" cap="none" spc="0" dirty="0">
-                <a:solidFill>
-                  <a:schemeClr val="tx1"/>
-                </a:solidFill>
-                <a:latin typeface="Bierstadt"/>
-                <a:cs typeface="Bierstadt"/>
-              </a:rPr>
-              <a:t>Baseline-Modelle:</a:t>
-            </a:r>
-            <a:r>
-              <a:rPr lang="de-DE" sz="1800" i="0" u="none" strike="noStrike" cap="none" spc="0" dirty="0">
-                <a:solidFill>
-                  <a:schemeClr val="tx1"/>
-                </a:solidFill>
-                <a:latin typeface="Bierstadt"/>
-                <a:cs typeface="Bierstadt"/>
-              </a:rPr>
-              <a:t> Logistische Regression &amp; Entscheidungsbaum</a:t>
-            </a:r>
-          </a:p>
-          <a:p>
-            <a:pPr>
-              <a:defRPr/>
-            </a:pPr>
-            <a:endParaRPr lang="de-DE" sz="1800" i="0" u="none" strike="noStrike" cap="none" spc="0" dirty="0">
-              <a:solidFill>
-                <a:schemeClr val="tx1"/>
-              </a:solidFill>
-              <a:latin typeface="Bierstadt"/>
-              <a:cs typeface="Bierstadt"/>
-            </a:endParaRPr>
-          </a:p>
-          <a:p>
-            <a:pPr>
-              <a:defRPr/>
-            </a:pPr>
-            <a:r>
-              <a:rPr lang="de-DE" sz="1800" b="1" i="0" u="none" strike="noStrike" cap="none" spc="0" dirty="0">
-                <a:solidFill>
-                  <a:schemeClr val="tx1"/>
-                </a:solidFill>
-                <a:latin typeface="Bierstadt"/>
-                <a:cs typeface="Bierstadt"/>
-              </a:rPr>
-              <a:t>Fortgeschrittene Modelle: </a:t>
-            </a:r>
-            <a:r>
-              <a:rPr lang="de-DE" sz="1800" i="0" u="none" strike="noStrike" cap="none" spc="0" dirty="0">
-                <a:solidFill>
-                  <a:schemeClr val="tx1"/>
-                </a:solidFill>
-                <a:latin typeface="Bierstadt"/>
-                <a:cs typeface="Bierstadt"/>
-              </a:rPr>
-              <a:t>Random Forest, </a:t>
-            </a:r>
-            <a:r>
-              <a:rPr lang="de-DE" sz="1800" i="0" u="none" strike="noStrike" cap="none" spc="0" dirty="0" err="1">
-                <a:solidFill>
-                  <a:schemeClr val="tx1"/>
-                </a:solidFill>
-                <a:latin typeface="Bierstadt"/>
-                <a:cs typeface="Bierstadt"/>
-              </a:rPr>
-              <a:t>Boosting</a:t>
-            </a:r>
-            <a:r>
-              <a:rPr lang="de-DE" sz="1800" i="0" u="none" strike="noStrike" cap="none" spc="0" dirty="0">
-                <a:solidFill>
-                  <a:schemeClr val="tx1"/>
-                </a:solidFill>
-                <a:latin typeface="Bierstadt"/>
-                <a:cs typeface="Bierstadt"/>
-              </a:rPr>
-              <a:t> (</a:t>
-            </a:r>
-            <a:r>
-              <a:rPr lang="de-DE" sz="1800" i="0" u="none" strike="noStrike" cap="none" spc="0" dirty="0" err="1">
-                <a:solidFill>
-                  <a:schemeClr val="tx1"/>
-                </a:solidFill>
-                <a:latin typeface="Bierstadt"/>
-                <a:cs typeface="Bierstadt"/>
-              </a:rPr>
-              <a:t>XGBoost</a:t>
-            </a:r>
-            <a:r>
-              <a:rPr lang="de-DE" sz="1800" i="0" u="none" strike="noStrike" cap="none" spc="0" dirty="0">
-                <a:solidFill>
-                  <a:schemeClr val="tx1"/>
-                </a:solidFill>
-                <a:latin typeface="Bierstadt"/>
-                <a:cs typeface="Bierstadt"/>
-              </a:rPr>
-              <a:t>, </a:t>
-            </a:r>
-            <a:r>
-              <a:rPr lang="de-DE" sz="1800" i="0" u="none" strike="noStrike" cap="none" spc="0" dirty="0" err="1">
-                <a:solidFill>
-                  <a:schemeClr val="tx1"/>
-                </a:solidFill>
-                <a:latin typeface="Bierstadt"/>
-                <a:cs typeface="Bierstadt"/>
-              </a:rPr>
-              <a:t>CatBoost</a:t>
-            </a:r>
-            <a:r>
-              <a:rPr lang="de-DE" sz="1800" i="0" u="none" strike="noStrike" cap="none" spc="0" dirty="0">
-                <a:solidFill>
-                  <a:schemeClr val="tx1"/>
-                </a:solidFill>
-                <a:latin typeface="Bierstadt"/>
-                <a:cs typeface="Bierstadt"/>
-              </a:rPr>
-              <a:t>), neuronale Netze</a:t>
-            </a:r>
-          </a:p>
-          <a:p>
-            <a:pPr>
-              <a:defRPr/>
-            </a:pPr>
-            <a:endParaRPr lang="de-DE" sz="1800" i="0" u="none" strike="noStrike" cap="none" spc="0" dirty="0">
-              <a:solidFill>
-                <a:schemeClr val="tx1"/>
-              </a:solidFill>
-              <a:latin typeface="Bierstadt"/>
-              <a:cs typeface="Bierstadt"/>
-            </a:endParaRPr>
-          </a:p>
-          <a:p>
-            <a:pPr>
-              <a:defRPr/>
-            </a:pPr>
-            <a:r>
-              <a:rPr lang="de-DE" sz="1800" b="1" i="0" u="none" strike="noStrike" cap="none" spc="0" dirty="0" err="1">
-                <a:solidFill>
-                  <a:schemeClr val="tx1"/>
-                </a:solidFill>
-                <a:latin typeface="Bierstadt"/>
-                <a:cs typeface="Bierstadt"/>
-              </a:rPr>
-              <a:t>Boosting</a:t>
-            </a:r>
-            <a:r>
-              <a:rPr lang="de-DE" sz="1800" b="1" i="0" u="none" strike="noStrike" cap="none" spc="0" dirty="0">
-                <a:solidFill>
-                  <a:schemeClr val="tx1"/>
-                </a:solidFill>
-                <a:latin typeface="Bierstadt"/>
-                <a:cs typeface="Bierstadt"/>
-              </a:rPr>
-              <a:t>-Modelle</a:t>
-            </a:r>
-            <a:r>
-              <a:rPr lang="de-DE" sz="1800" i="0" u="none" strike="noStrike" cap="none" spc="0" dirty="0">
-                <a:solidFill>
-                  <a:schemeClr val="tx1"/>
-                </a:solidFill>
-                <a:latin typeface="Bierstadt"/>
-                <a:cs typeface="Bierstadt"/>
-              </a:rPr>
-              <a:t> performten am besten → gezielte Weiterentwicklung</a:t>
-            </a:r>
-          </a:p>
-          <a:p>
-            <a:pPr>
-              <a:defRPr/>
-            </a:pPr>
-            <a:endParaRPr lang="de-DE" sz="1800" i="0" u="none" strike="noStrike" cap="none" spc="0" dirty="0">
-              <a:solidFill>
-                <a:schemeClr val="tx1"/>
-              </a:solidFill>
-              <a:latin typeface="Bierstadt"/>
-              <a:cs typeface="Bierstadt"/>
-            </a:endParaRPr>
-          </a:p>
-          <a:p>
-            <a:pPr>
-              <a:defRPr/>
-            </a:pPr>
-            <a:r>
-              <a:rPr lang="de-DE" sz="1800" b="1" i="0" u="none" strike="noStrike" cap="none" spc="0" dirty="0">
-                <a:solidFill>
-                  <a:schemeClr val="tx1"/>
-                </a:solidFill>
-                <a:latin typeface="Bierstadt"/>
-                <a:cs typeface="Bierstadt"/>
-              </a:rPr>
-              <a:t>Neuronale Netze </a:t>
-            </a:r>
-            <a:r>
-              <a:rPr lang="de-DE" sz="1800" i="0" u="none" strike="noStrike" cap="none" spc="0" dirty="0">
-                <a:solidFill>
-                  <a:schemeClr val="tx1"/>
-                </a:solidFill>
-                <a:latin typeface="Bierstadt"/>
-                <a:cs typeface="Bierstadt"/>
-              </a:rPr>
-              <a:t>zeigten gute Einzelresultate, aber instabil &amp; sensitiv gegenüber Parametern</a:t>
-            </a:r>
-            <a:endParaRPr dirty="0"/>
-          </a:p>
-        </p:txBody>
-      </p:sp>
-    </p:spTree>
-    <p:extLst>
-      <p:ext uri="{BB962C8B-B14F-4D97-AF65-F5344CB8AC3E}">
-        <p14:creationId xmlns:p14="http://schemas.microsoft.com/office/powerpoint/2010/main" val="2857387621"/>
-      </p:ext>
-    </p:extLst>
-  </p:cSld>
-  <p:clrMapOvr>
-    <a:masterClrMapping/>
-  </p:clrMapOvr>
-</p:sld>
-</file>
-
-<file path=ppt/slides/slide61.xml><?xml version="1.0" encoding="utf-8"?>
-<p:sld xmlns:a="http://schemas.openxmlformats.org/drawingml/2006/main" xmlns:r="http://schemas.openxmlformats.org/officeDocument/2006/relationships" xmlns:p="http://schemas.openxmlformats.org/presentationml/2006/main" showMasterPhAnim="0">
-  <p:cSld>
-    <p:spTree>
-      <p:nvGrpSpPr>
-        <p:cNvPr id="1" name="">
-          <a:extLst>
-            <a:ext uri="{FF2B5EF4-FFF2-40B4-BE49-F238E27FC236}">
               <a16:creationId xmlns:a16="http://schemas.microsoft.com/office/drawing/2014/main" id="{83CB9494-E071-1485-CD5B-C92F67BF48D5}"/>
             </a:ext>
           </a:extLst>
@@ -28215,7 +27930,7 @@
 </p:sld>
 </file>
 
-<file path=ppt/slides/slide62.xml><?xml version="1.0" encoding="utf-8"?>
+<file path=ppt/slides/slide61.xml><?xml version="1.0" encoding="utf-8"?>
 <p:sld xmlns:a="http://schemas.openxmlformats.org/drawingml/2006/main" xmlns:r="http://schemas.openxmlformats.org/officeDocument/2006/relationships" xmlns:p="http://schemas.openxmlformats.org/presentationml/2006/main" showMasterPhAnim="0">
   <p:cSld>
     <p:spTree>
@@ -28513,7 +28228,7 @@
 </p:sld>
 </file>
 
-<file path=ppt/slides/slide63.xml><?xml version="1.0" encoding="utf-8"?>
+<file path=ppt/slides/slide62.xml><?xml version="1.0" encoding="utf-8"?>
 <p:sld xmlns:a="http://schemas.openxmlformats.org/drawingml/2006/main" xmlns:r="http://schemas.openxmlformats.org/officeDocument/2006/relationships" xmlns:p="http://schemas.openxmlformats.org/presentationml/2006/main" showMasterPhAnim="0">
   <p:cSld>
     <p:spTree>
@@ -28798,7 +28513,7 @@
 </p:sld>
 </file>
 
-<file path=ppt/slides/slide64.xml><?xml version="1.0" encoding="utf-8"?>
+<file path=ppt/slides/slide63.xml><?xml version="1.0" encoding="utf-8"?>
 <p:sld xmlns:a="http://schemas.openxmlformats.org/drawingml/2006/main" xmlns:r="http://schemas.openxmlformats.org/officeDocument/2006/relationships" xmlns:p="http://schemas.openxmlformats.org/presentationml/2006/main" showMasterPhAnim="0">
   <p:cSld>
     <p:spTree>
@@ -29051,7 +28766,7 @@
 </p:sld>
 </file>
 
-<file path=ppt/slides/slide65.xml><?xml version="1.0" encoding="utf-8"?>
+<file path=ppt/slides/slide64.xml><?xml version="1.0" encoding="utf-8"?>
 <p:sld xmlns:a="http://schemas.openxmlformats.org/drawingml/2006/main" xmlns:r="http://schemas.openxmlformats.org/officeDocument/2006/relationships" xmlns:p="http://schemas.openxmlformats.org/presentationml/2006/main" showMasterPhAnim="0">
   <p:cSld>
     <p:spTree>
@@ -29551,7 +29266,7 @@
 </p:sld>
 </file>
 
-<file path=ppt/slides/slide66.xml><?xml version="1.0" encoding="utf-8"?>
+<file path=ppt/slides/slide65.xml><?xml version="1.0" encoding="utf-8"?>
 <p:sld xmlns:a="http://schemas.openxmlformats.org/drawingml/2006/main" xmlns:r="http://schemas.openxmlformats.org/officeDocument/2006/relationships" xmlns:p="http://schemas.openxmlformats.org/presentationml/2006/main" showMasterPhAnim="0">
   <p:cSld>
     <p:spTree>
@@ -30010,7 +29725,7 @@
 </p:sld>
 </file>
 
-<file path=ppt/slides/slide67.xml><?xml version="1.0" encoding="utf-8"?>
+<file path=ppt/slides/slide66.xml><?xml version="1.0" encoding="utf-8"?>
 <p:sld xmlns:a="http://schemas.openxmlformats.org/drawingml/2006/main" xmlns:r="http://schemas.openxmlformats.org/officeDocument/2006/relationships" xmlns:p="http://schemas.openxmlformats.org/presentationml/2006/main" showMasterPhAnim="0">
   <p:cSld>
     <p:spTree>
@@ -30266,7 +29981,7 @@
 </p:sld>
 </file>
 
-<file path=ppt/slides/slide68.xml><?xml version="1.0" encoding="utf-8"?>
+<file path=ppt/slides/slide67.xml><?xml version="1.0" encoding="utf-8"?>
 <p:sld xmlns:a="http://schemas.openxmlformats.org/drawingml/2006/main" xmlns:r="http://schemas.openxmlformats.org/officeDocument/2006/relationships" xmlns:p="http://schemas.openxmlformats.org/presentationml/2006/main" showMasterPhAnim="0">
   <p:cSld>
     <p:spTree>
@@ -30794,7 +30509,7 @@
 </p:sld>
 </file>
 
-<file path=ppt/slides/slide69.xml><?xml version="1.0" encoding="utf-8"?>
+<file path=ppt/slides/slide68.xml><?xml version="1.0" encoding="utf-8"?>
 <p:sld xmlns:a="http://schemas.openxmlformats.org/drawingml/2006/main" xmlns:r="http://schemas.openxmlformats.org/officeDocument/2006/relationships" xmlns:p="http://schemas.openxmlformats.org/presentationml/2006/main" showMasterPhAnim="0">
   <p:cSld>
     <p:spTree>
@@ -31307,6 +31022,454 @@
 </p:sld>
 </file>
 
+<file path=ppt/slides/slide69.xml><?xml version="1.0" encoding="utf-8"?>
+<p:sld xmlns:a="http://schemas.openxmlformats.org/drawingml/2006/main" xmlns:r="http://schemas.openxmlformats.org/officeDocument/2006/relationships" xmlns:p="http://schemas.openxmlformats.org/presentationml/2006/main" showMasterPhAnim="0">
+  <p:cSld>
+    <p:spTree>
+      <p:nvGrpSpPr>
+        <p:cNvPr id="1" name="">
+          <a:extLst>
+            <a:ext uri="{FF2B5EF4-FFF2-40B4-BE49-F238E27FC236}">
+              <a16:creationId xmlns:a16="http://schemas.microsoft.com/office/drawing/2014/main" id="{6B1EE17C-AFCF-CC88-0F34-DD5AF551FC47}"/>
+            </a:ext>
+          </a:extLst>
+        </p:cNvPr>
+        <p:cNvGrpSpPr/>
+        <p:nvPr/>
+      </p:nvGrpSpPr>
+      <p:grpSpPr bwMode="auto">
+        <a:xfrm>
+          <a:off x="0" y="0"/>
+          <a:ext cx="0" cy="0"/>
+          <a:chOff x="0" y="0"/>
+          <a:chExt cx="0" cy="0"/>
+        </a:xfrm>
+      </p:grpSpPr>
+      <p:sp>
+        <p:nvSpPr>
+          <p:cNvPr id="1770641224" name="Title 1">
+            <a:extLst>
+              <a:ext uri="{FF2B5EF4-FFF2-40B4-BE49-F238E27FC236}">
+                <a16:creationId xmlns:a16="http://schemas.microsoft.com/office/drawing/2014/main" id="{4A0A2427-38E6-F6A6-553B-BA9B4E4785D1}"/>
+              </a:ext>
+            </a:extLst>
+          </p:cNvPr>
+          <p:cNvSpPr>
+            <a:spLocks noGrp="1"/>
+          </p:cNvSpPr>
+          <p:nvPr>
+            <p:ph type="title"/>
+          </p:nvPr>
+        </p:nvSpPr>
+        <p:spPr bwMode="auto"/>
+        <p:txBody>
+          <a:bodyPr/>
+          <a:lstStyle/>
+          <a:p>
+            <a:pPr>
+              <a:defRPr/>
+            </a:pPr>
+            <a:r>
+              <a:rPr lang="de-DE" dirty="0"/>
+              <a:t>Zusätzliche Optionen im Modell</a:t>
+            </a:r>
+            <a:endParaRPr dirty="0"/>
+          </a:p>
+        </p:txBody>
+      </p:sp>
+      <p:sp>
+        <p:nvSpPr>
+          <p:cNvPr id="998545421" name="Content Placeholder 2">
+            <a:extLst>
+              <a:ext uri="{FF2B5EF4-FFF2-40B4-BE49-F238E27FC236}">
+                <a16:creationId xmlns:a16="http://schemas.microsoft.com/office/drawing/2014/main" id="{81D3D217-98BA-2A14-A1E1-E8D5FF7633A8}"/>
+              </a:ext>
+            </a:extLst>
+          </p:cNvPr>
+          <p:cNvSpPr>
+            <a:spLocks noGrp="1"/>
+          </p:cNvSpPr>
+          <p:nvPr>
+            <p:ph idx="1"/>
+          </p:nvPr>
+        </p:nvSpPr>
+        <p:spPr bwMode="auto">
+          <a:xfrm>
+            <a:off x="521208" y="2569555"/>
+            <a:ext cx="11155680" cy="3767328"/>
+          </a:xfrm>
+        </p:spPr>
+        <p:txBody>
+          <a:bodyPr/>
+          <a:lstStyle/>
+          <a:p>
+            <a:pPr>
+              <a:defRPr/>
+            </a:pPr>
+            <a:endParaRPr dirty="0"/>
+          </a:p>
+          <a:p>
+            <a:pPr>
+              <a:defRPr sz="1800">
+                <a:solidFill>
+                  <a:srgbClr val="000000"/>
+                </a:solidFill>
+              </a:defRPr>
+            </a:pPr>
+            <a:endParaRPr dirty="0"/>
+          </a:p>
+        </p:txBody>
+      </p:sp>
+      <p:sp>
+        <p:nvSpPr>
+          <p:cNvPr id="2147178039" name="Content Placeholder 2">
+            <a:extLst>
+              <a:ext uri="{FF2B5EF4-FFF2-40B4-BE49-F238E27FC236}">
+                <a16:creationId xmlns:a16="http://schemas.microsoft.com/office/drawing/2014/main" id="{E519BBD9-F3AF-C23F-0EA8-66713F64EC8E}"/>
+              </a:ext>
+            </a:extLst>
+          </p:cNvPr>
+          <p:cNvSpPr>
+            <a:spLocks noGrp="1"/>
+          </p:cNvSpPr>
+          <p:nvPr/>
+        </p:nvSpPr>
+        <p:spPr bwMode="auto">
+          <a:xfrm>
+            <a:off x="592205" y="1676731"/>
+            <a:ext cx="10761595" cy="4381168"/>
+          </a:xfrm>
+        </p:spPr>
+        <p:txBody>
+          <a:bodyPr vertOverflow="overflow" horzOverflow="overflow" vert="horz" wrap="square" lIns="91440" tIns="45720" rIns="91440" bIns="45720" numCol="1" spcCol="0" rtlCol="0" fromWordArt="0" anchor="t" anchorCtr="0" forceAA="0" compatLnSpc="0">
+            <a:normAutofit fontScale="95000"/>
+          </a:bodyPr>
+          <a:lstStyle>
+            <a:lvl1pPr marL="228600" indent="-228600" algn="l" defTabSz="914400">
+              <a:lnSpc>
+                <a:spcPct val="110000"/>
+              </a:lnSpc>
+              <a:spcBef>
+                <a:spcPts val="999"/>
+              </a:spcBef>
+              <a:buFont typeface="Arial"/>
+              <a:buChar char="•"/>
+              <a:defRPr sz="1800">
+                <a:solidFill>
+                  <a:schemeClr val="tx1"/>
+                </a:solidFill>
+                <a:latin typeface="+mn-lt"/>
+                <a:ea typeface="+mn-ea"/>
+                <a:cs typeface="+mn-cs"/>
+              </a:defRPr>
+            </a:lvl1pPr>
+            <a:lvl2pPr marL="685800" indent="-228600" algn="l" defTabSz="914400">
+              <a:lnSpc>
+                <a:spcPct val="110000"/>
+              </a:lnSpc>
+              <a:spcBef>
+                <a:spcPts val="499"/>
+              </a:spcBef>
+              <a:buFont typeface="Arial"/>
+              <a:buChar char="•"/>
+              <a:defRPr sz="1600">
+                <a:solidFill>
+                  <a:schemeClr val="tx1"/>
+                </a:solidFill>
+                <a:latin typeface="+mn-lt"/>
+                <a:ea typeface="+mn-ea"/>
+                <a:cs typeface="+mn-cs"/>
+              </a:defRPr>
+            </a:lvl2pPr>
+            <a:lvl3pPr marL="1143000" indent="-228600" algn="l" defTabSz="914400">
+              <a:lnSpc>
+                <a:spcPct val="110000"/>
+              </a:lnSpc>
+              <a:spcBef>
+                <a:spcPts val="499"/>
+              </a:spcBef>
+              <a:buFont typeface="Arial"/>
+              <a:buChar char="•"/>
+              <a:defRPr sz="1400">
+                <a:solidFill>
+                  <a:schemeClr val="tx1"/>
+                </a:solidFill>
+                <a:latin typeface="+mn-lt"/>
+                <a:ea typeface="+mn-ea"/>
+                <a:cs typeface="+mn-cs"/>
+              </a:defRPr>
+            </a:lvl3pPr>
+            <a:lvl4pPr marL="1600200" indent="-228600" algn="l" defTabSz="914400">
+              <a:lnSpc>
+                <a:spcPct val="110000"/>
+              </a:lnSpc>
+              <a:spcBef>
+                <a:spcPts val="499"/>
+              </a:spcBef>
+              <a:buFont typeface="Arial"/>
+              <a:buChar char="•"/>
+              <a:defRPr sz="1200">
+                <a:solidFill>
+                  <a:schemeClr val="tx1"/>
+                </a:solidFill>
+                <a:latin typeface="+mn-lt"/>
+                <a:ea typeface="+mn-ea"/>
+                <a:cs typeface="+mn-cs"/>
+              </a:defRPr>
+            </a:lvl4pPr>
+            <a:lvl5pPr marL="2057400" indent="-228600" algn="l" defTabSz="914400">
+              <a:lnSpc>
+                <a:spcPct val="110000"/>
+              </a:lnSpc>
+              <a:spcBef>
+                <a:spcPts val="499"/>
+              </a:spcBef>
+              <a:buFont typeface="Arial"/>
+              <a:buChar char="•"/>
+              <a:defRPr sz="1200">
+                <a:solidFill>
+                  <a:schemeClr val="tx1"/>
+                </a:solidFill>
+                <a:latin typeface="+mn-lt"/>
+                <a:ea typeface="+mn-ea"/>
+                <a:cs typeface="+mn-cs"/>
+              </a:defRPr>
+            </a:lvl5pPr>
+            <a:lvl6pPr marL="2514599" indent="-228600" algn="l" defTabSz="914400">
+              <a:lnSpc>
+                <a:spcPct val="90000"/>
+              </a:lnSpc>
+              <a:spcBef>
+                <a:spcPts val="499"/>
+              </a:spcBef>
+              <a:buFont typeface="Arial"/>
+              <a:buChar char="•"/>
+              <a:defRPr sz="1800">
+                <a:solidFill>
+                  <a:schemeClr val="tx1"/>
+                </a:solidFill>
+                <a:latin typeface="+mn-lt"/>
+                <a:ea typeface="+mn-ea"/>
+                <a:cs typeface="+mn-cs"/>
+              </a:defRPr>
+            </a:lvl6pPr>
+            <a:lvl7pPr marL="2971800" indent="-228600" algn="l" defTabSz="914400">
+              <a:lnSpc>
+                <a:spcPct val="90000"/>
+              </a:lnSpc>
+              <a:spcBef>
+                <a:spcPts val="499"/>
+              </a:spcBef>
+              <a:buFont typeface="Arial"/>
+              <a:buChar char="•"/>
+              <a:defRPr sz="1800">
+                <a:solidFill>
+                  <a:schemeClr val="tx1"/>
+                </a:solidFill>
+                <a:latin typeface="+mn-lt"/>
+                <a:ea typeface="+mn-ea"/>
+                <a:cs typeface="+mn-cs"/>
+              </a:defRPr>
+            </a:lvl7pPr>
+            <a:lvl8pPr marL="3429000" indent="-228600" algn="l" defTabSz="914400">
+              <a:lnSpc>
+                <a:spcPct val="90000"/>
+              </a:lnSpc>
+              <a:spcBef>
+                <a:spcPts val="499"/>
+              </a:spcBef>
+              <a:buFont typeface="Arial"/>
+              <a:buChar char="•"/>
+              <a:defRPr sz="1800">
+                <a:solidFill>
+                  <a:schemeClr val="tx1"/>
+                </a:solidFill>
+                <a:latin typeface="+mn-lt"/>
+                <a:ea typeface="+mn-ea"/>
+                <a:cs typeface="+mn-cs"/>
+              </a:defRPr>
+            </a:lvl8pPr>
+            <a:lvl9pPr marL="3886200" indent="-228600" algn="l" defTabSz="914400">
+              <a:lnSpc>
+                <a:spcPct val="90000"/>
+              </a:lnSpc>
+              <a:spcBef>
+                <a:spcPts val="499"/>
+              </a:spcBef>
+              <a:buFont typeface="Arial"/>
+              <a:buChar char="•"/>
+              <a:defRPr sz="1800">
+                <a:solidFill>
+                  <a:schemeClr val="tx1"/>
+                </a:solidFill>
+                <a:latin typeface="+mn-lt"/>
+                <a:ea typeface="+mn-ea"/>
+                <a:cs typeface="+mn-cs"/>
+              </a:defRPr>
+            </a:lvl9pPr>
+          </a:lstStyle>
+          <a:p>
+            <a:pPr marL="0" marR="0" lvl="0" indent="0" algn="l" defTabSz="914400" eaLnBrk="1" fontAlgn="auto" latinLnBrk="0" hangingPunct="1">
+              <a:lnSpc>
+                <a:spcPct val="110000"/>
+              </a:lnSpc>
+              <a:spcBef>
+                <a:spcPts val="999"/>
+              </a:spcBef>
+              <a:spcAft>
+                <a:spcPts val="0"/>
+              </a:spcAft>
+              <a:buClrTx/>
+              <a:buSzTx/>
+              <a:buFont typeface="Arial"/>
+              <a:buNone/>
+              <a:tabLst/>
+              <a:defRPr sz="1800">
+                <a:solidFill>
+                  <a:srgbClr val="000000"/>
+                </a:solidFill>
+              </a:defRPr>
+            </a:pPr>
+            <a:endParaRPr kumimoji="0" sz="1600" b="0" i="0" u="none" strike="noStrike" kern="0" cap="none" spc="0" normalizeH="0" baseline="0" noProof="0" dirty="0">
+              <a:ln>
+                <a:noFill/>
+              </a:ln>
+              <a:solidFill>
+                <a:srgbClr val="000000"/>
+              </a:solidFill>
+              <a:effectLst/>
+              <a:uLnTx/>
+              <a:uFillTx/>
+              <a:latin typeface="Bierstadt"/>
+              <a:cs typeface="Arial"/>
+            </a:endParaRPr>
+          </a:p>
+          <a:p>
+            <a:pPr marR="0" lvl="0" eaLnBrk="1" fontAlgn="auto" latinLnBrk="0" hangingPunct="1">
+              <a:lnSpc>
+                <a:spcPct val="111000"/>
+              </a:lnSpc>
+              <a:spcBef>
+                <a:spcPts val="999"/>
+              </a:spcBef>
+              <a:spcAft>
+                <a:spcPts val="0"/>
+              </a:spcAft>
+              <a:buClrTx/>
+              <a:buSzTx/>
+              <a:tabLst/>
+              <a:defRPr/>
+            </a:pPr>
+            <a:r>
+              <a:rPr lang="de-DE" sz="1900" dirty="0"/>
+              <a:t>Neben den aktuell fixen Werten als </a:t>
+            </a:r>
+            <a:r>
+              <a:rPr lang="de-DE" sz="1900" b="1" dirty="0"/>
+              <a:t>Belohnung bzw. Bestrafung </a:t>
+            </a:r>
+            <a:r>
+              <a:rPr lang="de-DE" sz="1900" dirty="0"/>
+              <a:t>für richtig erkannte bzw. fälschlich als Betrug markierte Transaktionen können die Werte anhand der </a:t>
+            </a:r>
+            <a:r>
+              <a:rPr lang="de-DE" sz="1900" b="1" dirty="0"/>
+              <a:t>Konfigurationsdatei </a:t>
+            </a:r>
+            <a:r>
+              <a:rPr lang="de-DE" sz="1900" dirty="0"/>
+              <a:t>„beliebig</a:t>
+            </a:r>
+            <a:r>
+              <a:rPr lang="de-DE" sz="1900" b="1" dirty="0"/>
+              <a:t>“ verändert </a:t>
+            </a:r>
+            <a:r>
+              <a:rPr lang="de-DE" sz="1900" dirty="0"/>
+              <a:t>werden</a:t>
+            </a:r>
+          </a:p>
+          <a:p>
+            <a:pPr marR="0" lvl="0" eaLnBrk="1" fontAlgn="auto" latinLnBrk="0" hangingPunct="1">
+              <a:lnSpc>
+                <a:spcPct val="111000"/>
+              </a:lnSpc>
+              <a:spcBef>
+                <a:spcPts val="999"/>
+              </a:spcBef>
+              <a:spcAft>
+                <a:spcPts val="0"/>
+              </a:spcAft>
+              <a:buClrTx/>
+              <a:buSzTx/>
+              <a:tabLst/>
+              <a:defRPr/>
+            </a:pPr>
+            <a:endParaRPr lang="de-DE" sz="1900" dirty="0"/>
+          </a:p>
+          <a:p>
+            <a:pPr marR="0" lvl="0" eaLnBrk="1" fontAlgn="auto" latinLnBrk="0" hangingPunct="1">
+              <a:lnSpc>
+                <a:spcPct val="111000"/>
+              </a:lnSpc>
+              <a:spcBef>
+                <a:spcPts val="999"/>
+              </a:spcBef>
+              <a:spcAft>
+                <a:spcPts val="0"/>
+              </a:spcAft>
+              <a:buClrTx/>
+              <a:buSzTx/>
+              <a:tabLst/>
+              <a:defRPr/>
+            </a:pPr>
+            <a:r>
+              <a:rPr lang="de-DE" sz="1900" dirty="0"/>
+              <a:t>Die für </a:t>
+            </a:r>
+            <a:r>
+              <a:rPr lang="de-DE" sz="1900" b="1" dirty="0"/>
+              <a:t>Rabatte ausgeschlossenen Produktkategorien </a:t>
+            </a:r>
+            <a:r>
+              <a:rPr lang="de-DE" sz="1900" dirty="0"/>
+              <a:t>könnten ebenfalls per Konfiguration angepasst werden, sodass Rabatte in Kombination mit diesen Produktkategorien als Betrug (statisch) bewertet werden</a:t>
+            </a:r>
+            <a:endParaRPr lang="de-DE" sz="1700" dirty="0"/>
+          </a:p>
+          <a:p>
+            <a:pPr marR="0" lvl="0" eaLnBrk="1" fontAlgn="auto" latinLnBrk="0" hangingPunct="1">
+              <a:lnSpc>
+                <a:spcPct val="111000"/>
+              </a:lnSpc>
+              <a:spcBef>
+                <a:spcPts val="999"/>
+              </a:spcBef>
+              <a:spcAft>
+                <a:spcPts val="0"/>
+              </a:spcAft>
+              <a:buClrTx/>
+              <a:buSzTx/>
+              <a:tabLst/>
+              <a:defRPr/>
+            </a:pPr>
+            <a:endParaRPr lang="de-DE" sz="1900" dirty="0"/>
+          </a:p>
+        </p:txBody>
+      </p:sp>
+    </p:spTree>
+    <p:extLst>
+      <p:ext uri="{BB962C8B-B14F-4D97-AF65-F5344CB8AC3E}">
+        <p14:creationId xmlns:p14="http://schemas.microsoft.com/office/powerpoint/2010/main" val="2079624179"/>
+      </p:ext>
+    </p:extLst>
+  </p:cSld>
+  <p:clrMapOvr>
+    <a:masterClrMapping/>
+  </p:clrMapOvr>
+</p:sld>
+</file>
+
 <file path=ppt/slides/slide7.xml><?xml version="1.0" encoding="utf-8"?>
 <p:sld xmlns:a="http://schemas.openxmlformats.org/drawingml/2006/main" xmlns:r="http://schemas.openxmlformats.org/officeDocument/2006/relationships" xmlns:p="http://schemas.openxmlformats.org/presentationml/2006/main">
   <p:cSld>
@@ -31439,454 +31602,6 @@
         <p:cNvPr id="1" name="">
           <a:extLst>
             <a:ext uri="{FF2B5EF4-FFF2-40B4-BE49-F238E27FC236}">
-              <a16:creationId xmlns:a16="http://schemas.microsoft.com/office/drawing/2014/main" id="{6B1EE17C-AFCF-CC88-0F34-DD5AF551FC47}"/>
-            </a:ext>
-          </a:extLst>
-        </p:cNvPr>
-        <p:cNvGrpSpPr/>
-        <p:nvPr/>
-      </p:nvGrpSpPr>
-      <p:grpSpPr bwMode="auto">
-        <a:xfrm>
-          <a:off x="0" y="0"/>
-          <a:ext cx="0" cy="0"/>
-          <a:chOff x="0" y="0"/>
-          <a:chExt cx="0" cy="0"/>
-        </a:xfrm>
-      </p:grpSpPr>
-      <p:sp>
-        <p:nvSpPr>
-          <p:cNvPr id="1770641224" name="Title 1">
-            <a:extLst>
-              <a:ext uri="{FF2B5EF4-FFF2-40B4-BE49-F238E27FC236}">
-                <a16:creationId xmlns:a16="http://schemas.microsoft.com/office/drawing/2014/main" id="{4A0A2427-38E6-F6A6-553B-BA9B4E4785D1}"/>
-              </a:ext>
-            </a:extLst>
-          </p:cNvPr>
-          <p:cNvSpPr>
-            <a:spLocks noGrp="1"/>
-          </p:cNvSpPr>
-          <p:nvPr>
-            <p:ph type="title"/>
-          </p:nvPr>
-        </p:nvSpPr>
-        <p:spPr bwMode="auto"/>
-        <p:txBody>
-          <a:bodyPr/>
-          <a:lstStyle/>
-          <a:p>
-            <a:pPr>
-              <a:defRPr/>
-            </a:pPr>
-            <a:r>
-              <a:rPr lang="de-DE" dirty="0"/>
-              <a:t>Zusätzliche Optionen im Modell</a:t>
-            </a:r>
-            <a:endParaRPr dirty="0"/>
-          </a:p>
-        </p:txBody>
-      </p:sp>
-      <p:sp>
-        <p:nvSpPr>
-          <p:cNvPr id="998545421" name="Content Placeholder 2">
-            <a:extLst>
-              <a:ext uri="{FF2B5EF4-FFF2-40B4-BE49-F238E27FC236}">
-                <a16:creationId xmlns:a16="http://schemas.microsoft.com/office/drawing/2014/main" id="{81D3D217-98BA-2A14-A1E1-E8D5FF7633A8}"/>
-              </a:ext>
-            </a:extLst>
-          </p:cNvPr>
-          <p:cNvSpPr>
-            <a:spLocks noGrp="1"/>
-          </p:cNvSpPr>
-          <p:nvPr>
-            <p:ph idx="1"/>
-          </p:nvPr>
-        </p:nvSpPr>
-        <p:spPr bwMode="auto">
-          <a:xfrm>
-            <a:off x="521208" y="2569555"/>
-            <a:ext cx="11155680" cy="3767328"/>
-          </a:xfrm>
-        </p:spPr>
-        <p:txBody>
-          <a:bodyPr/>
-          <a:lstStyle/>
-          <a:p>
-            <a:pPr>
-              <a:defRPr/>
-            </a:pPr>
-            <a:endParaRPr dirty="0"/>
-          </a:p>
-          <a:p>
-            <a:pPr>
-              <a:defRPr sz="1800">
-                <a:solidFill>
-                  <a:srgbClr val="000000"/>
-                </a:solidFill>
-              </a:defRPr>
-            </a:pPr>
-            <a:endParaRPr dirty="0"/>
-          </a:p>
-        </p:txBody>
-      </p:sp>
-      <p:sp>
-        <p:nvSpPr>
-          <p:cNvPr id="2147178039" name="Content Placeholder 2">
-            <a:extLst>
-              <a:ext uri="{FF2B5EF4-FFF2-40B4-BE49-F238E27FC236}">
-                <a16:creationId xmlns:a16="http://schemas.microsoft.com/office/drawing/2014/main" id="{E519BBD9-F3AF-C23F-0EA8-66713F64EC8E}"/>
-              </a:ext>
-            </a:extLst>
-          </p:cNvPr>
-          <p:cNvSpPr>
-            <a:spLocks noGrp="1"/>
-          </p:cNvSpPr>
-          <p:nvPr/>
-        </p:nvSpPr>
-        <p:spPr bwMode="auto">
-          <a:xfrm>
-            <a:off x="592205" y="1676731"/>
-            <a:ext cx="10761595" cy="4381168"/>
-          </a:xfrm>
-        </p:spPr>
-        <p:txBody>
-          <a:bodyPr vertOverflow="overflow" horzOverflow="overflow" vert="horz" wrap="square" lIns="91440" tIns="45720" rIns="91440" bIns="45720" numCol="1" spcCol="0" rtlCol="0" fromWordArt="0" anchor="t" anchorCtr="0" forceAA="0" compatLnSpc="0">
-            <a:normAutofit fontScale="95000"/>
-          </a:bodyPr>
-          <a:lstStyle>
-            <a:lvl1pPr marL="228600" indent="-228600" algn="l" defTabSz="914400">
-              <a:lnSpc>
-                <a:spcPct val="110000"/>
-              </a:lnSpc>
-              <a:spcBef>
-                <a:spcPts val="999"/>
-              </a:spcBef>
-              <a:buFont typeface="Arial"/>
-              <a:buChar char="•"/>
-              <a:defRPr sz="1800">
-                <a:solidFill>
-                  <a:schemeClr val="tx1"/>
-                </a:solidFill>
-                <a:latin typeface="+mn-lt"/>
-                <a:ea typeface="+mn-ea"/>
-                <a:cs typeface="+mn-cs"/>
-              </a:defRPr>
-            </a:lvl1pPr>
-            <a:lvl2pPr marL="685800" indent="-228600" algn="l" defTabSz="914400">
-              <a:lnSpc>
-                <a:spcPct val="110000"/>
-              </a:lnSpc>
-              <a:spcBef>
-                <a:spcPts val="499"/>
-              </a:spcBef>
-              <a:buFont typeface="Arial"/>
-              <a:buChar char="•"/>
-              <a:defRPr sz="1600">
-                <a:solidFill>
-                  <a:schemeClr val="tx1"/>
-                </a:solidFill>
-                <a:latin typeface="+mn-lt"/>
-                <a:ea typeface="+mn-ea"/>
-                <a:cs typeface="+mn-cs"/>
-              </a:defRPr>
-            </a:lvl2pPr>
-            <a:lvl3pPr marL="1143000" indent="-228600" algn="l" defTabSz="914400">
-              <a:lnSpc>
-                <a:spcPct val="110000"/>
-              </a:lnSpc>
-              <a:spcBef>
-                <a:spcPts val="499"/>
-              </a:spcBef>
-              <a:buFont typeface="Arial"/>
-              <a:buChar char="•"/>
-              <a:defRPr sz="1400">
-                <a:solidFill>
-                  <a:schemeClr val="tx1"/>
-                </a:solidFill>
-                <a:latin typeface="+mn-lt"/>
-                <a:ea typeface="+mn-ea"/>
-                <a:cs typeface="+mn-cs"/>
-              </a:defRPr>
-            </a:lvl3pPr>
-            <a:lvl4pPr marL="1600200" indent="-228600" algn="l" defTabSz="914400">
-              <a:lnSpc>
-                <a:spcPct val="110000"/>
-              </a:lnSpc>
-              <a:spcBef>
-                <a:spcPts val="499"/>
-              </a:spcBef>
-              <a:buFont typeface="Arial"/>
-              <a:buChar char="•"/>
-              <a:defRPr sz="1200">
-                <a:solidFill>
-                  <a:schemeClr val="tx1"/>
-                </a:solidFill>
-                <a:latin typeface="+mn-lt"/>
-                <a:ea typeface="+mn-ea"/>
-                <a:cs typeface="+mn-cs"/>
-              </a:defRPr>
-            </a:lvl4pPr>
-            <a:lvl5pPr marL="2057400" indent="-228600" algn="l" defTabSz="914400">
-              <a:lnSpc>
-                <a:spcPct val="110000"/>
-              </a:lnSpc>
-              <a:spcBef>
-                <a:spcPts val="499"/>
-              </a:spcBef>
-              <a:buFont typeface="Arial"/>
-              <a:buChar char="•"/>
-              <a:defRPr sz="1200">
-                <a:solidFill>
-                  <a:schemeClr val="tx1"/>
-                </a:solidFill>
-                <a:latin typeface="+mn-lt"/>
-                <a:ea typeface="+mn-ea"/>
-                <a:cs typeface="+mn-cs"/>
-              </a:defRPr>
-            </a:lvl5pPr>
-            <a:lvl6pPr marL="2514599" indent="-228600" algn="l" defTabSz="914400">
-              <a:lnSpc>
-                <a:spcPct val="90000"/>
-              </a:lnSpc>
-              <a:spcBef>
-                <a:spcPts val="499"/>
-              </a:spcBef>
-              <a:buFont typeface="Arial"/>
-              <a:buChar char="•"/>
-              <a:defRPr sz="1800">
-                <a:solidFill>
-                  <a:schemeClr val="tx1"/>
-                </a:solidFill>
-                <a:latin typeface="+mn-lt"/>
-                <a:ea typeface="+mn-ea"/>
-                <a:cs typeface="+mn-cs"/>
-              </a:defRPr>
-            </a:lvl6pPr>
-            <a:lvl7pPr marL="2971800" indent="-228600" algn="l" defTabSz="914400">
-              <a:lnSpc>
-                <a:spcPct val="90000"/>
-              </a:lnSpc>
-              <a:spcBef>
-                <a:spcPts val="499"/>
-              </a:spcBef>
-              <a:buFont typeface="Arial"/>
-              <a:buChar char="•"/>
-              <a:defRPr sz="1800">
-                <a:solidFill>
-                  <a:schemeClr val="tx1"/>
-                </a:solidFill>
-                <a:latin typeface="+mn-lt"/>
-                <a:ea typeface="+mn-ea"/>
-                <a:cs typeface="+mn-cs"/>
-              </a:defRPr>
-            </a:lvl7pPr>
-            <a:lvl8pPr marL="3429000" indent="-228600" algn="l" defTabSz="914400">
-              <a:lnSpc>
-                <a:spcPct val="90000"/>
-              </a:lnSpc>
-              <a:spcBef>
-                <a:spcPts val="499"/>
-              </a:spcBef>
-              <a:buFont typeface="Arial"/>
-              <a:buChar char="•"/>
-              <a:defRPr sz="1800">
-                <a:solidFill>
-                  <a:schemeClr val="tx1"/>
-                </a:solidFill>
-                <a:latin typeface="+mn-lt"/>
-                <a:ea typeface="+mn-ea"/>
-                <a:cs typeface="+mn-cs"/>
-              </a:defRPr>
-            </a:lvl8pPr>
-            <a:lvl9pPr marL="3886200" indent="-228600" algn="l" defTabSz="914400">
-              <a:lnSpc>
-                <a:spcPct val="90000"/>
-              </a:lnSpc>
-              <a:spcBef>
-                <a:spcPts val="499"/>
-              </a:spcBef>
-              <a:buFont typeface="Arial"/>
-              <a:buChar char="•"/>
-              <a:defRPr sz="1800">
-                <a:solidFill>
-                  <a:schemeClr val="tx1"/>
-                </a:solidFill>
-                <a:latin typeface="+mn-lt"/>
-                <a:ea typeface="+mn-ea"/>
-                <a:cs typeface="+mn-cs"/>
-              </a:defRPr>
-            </a:lvl9pPr>
-          </a:lstStyle>
-          <a:p>
-            <a:pPr marL="0" marR="0" lvl="0" indent="0" algn="l" defTabSz="914400" eaLnBrk="1" fontAlgn="auto" latinLnBrk="0" hangingPunct="1">
-              <a:lnSpc>
-                <a:spcPct val="110000"/>
-              </a:lnSpc>
-              <a:spcBef>
-                <a:spcPts val="999"/>
-              </a:spcBef>
-              <a:spcAft>
-                <a:spcPts val="0"/>
-              </a:spcAft>
-              <a:buClrTx/>
-              <a:buSzTx/>
-              <a:buFont typeface="Arial"/>
-              <a:buNone/>
-              <a:tabLst/>
-              <a:defRPr sz="1800">
-                <a:solidFill>
-                  <a:srgbClr val="000000"/>
-                </a:solidFill>
-              </a:defRPr>
-            </a:pPr>
-            <a:endParaRPr kumimoji="0" sz="1600" b="0" i="0" u="none" strike="noStrike" kern="0" cap="none" spc="0" normalizeH="0" baseline="0" noProof="0" dirty="0">
-              <a:ln>
-                <a:noFill/>
-              </a:ln>
-              <a:solidFill>
-                <a:srgbClr val="000000"/>
-              </a:solidFill>
-              <a:effectLst/>
-              <a:uLnTx/>
-              <a:uFillTx/>
-              <a:latin typeface="Bierstadt"/>
-              <a:cs typeface="Arial"/>
-            </a:endParaRPr>
-          </a:p>
-          <a:p>
-            <a:pPr marR="0" lvl="0" eaLnBrk="1" fontAlgn="auto" latinLnBrk="0" hangingPunct="1">
-              <a:lnSpc>
-                <a:spcPct val="111000"/>
-              </a:lnSpc>
-              <a:spcBef>
-                <a:spcPts val="999"/>
-              </a:spcBef>
-              <a:spcAft>
-                <a:spcPts val="0"/>
-              </a:spcAft>
-              <a:buClrTx/>
-              <a:buSzTx/>
-              <a:tabLst/>
-              <a:defRPr/>
-            </a:pPr>
-            <a:r>
-              <a:rPr lang="de-DE" sz="1900" dirty="0"/>
-              <a:t>Neben den aktuell fixen Werten als </a:t>
-            </a:r>
-            <a:r>
-              <a:rPr lang="de-DE" sz="1900" b="1" dirty="0"/>
-              <a:t>Belohnung bzw. Bestrafung </a:t>
-            </a:r>
-            <a:r>
-              <a:rPr lang="de-DE" sz="1900" dirty="0"/>
-              <a:t>für richtig erkannte bzw. fälschlich als Betrug markierte Transaktionen können die Werte anhand der </a:t>
-            </a:r>
-            <a:r>
-              <a:rPr lang="de-DE" sz="1900" b="1" dirty="0"/>
-              <a:t>Konfigurationsdatei </a:t>
-            </a:r>
-            <a:r>
-              <a:rPr lang="de-DE" sz="1900" dirty="0"/>
-              <a:t>„beliebig</a:t>
-            </a:r>
-            <a:r>
-              <a:rPr lang="de-DE" sz="1900" b="1" dirty="0"/>
-              <a:t>“ verändert </a:t>
-            </a:r>
-            <a:r>
-              <a:rPr lang="de-DE" sz="1900" dirty="0"/>
-              <a:t>werden</a:t>
-            </a:r>
-          </a:p>
-          <a:p>
-            <a:pPr marR="0" lvl="0" eaLnBrk="1" fontAlgn="auto" latinLnBrk="0" hangingPunct="1">
-              <a:lnSpc>
-                <a:spcPct val="111000"/>
-              </a:lnSpc>
-              <a:spcBef>
-                <a:spcPts val="999"/>
-              </a:spcBef>
-              <a:spcAft>
-                <a:spcPts val="0"/>
-              </a:spcAft>
-              <a:buClrTx/>
-              <a:buSzTx/>
-              <a:tabLst/>
-              <a:defRPr/>
-            </a:pPr>
-            <a:endParaRPr lang="de-DE" sz="1900" dirty="0"/>
-          </a:p>
-          <a:p>
-            <a:pPr marR="0" lvl="0" eaLnBrk="1" fontAlgn="auto" latinLnBrk="0" hangingPunct="1">
-              <a:lnSpc>
-                <a:spcPct val="111000"/>
-              </a:lnSpc>
-              <a:spcBef>
-                <a:spcPts val="999"/>
-              </a:spcBef>
-              <a:spcAft>
-                <a:spcPts val="0"/>
-              </a:spcAft>
-              <a:buClrTx/>
-              <a:buSzTx/>
-              <a:tabLst/>
-              <a:defRPr/>
-            </a:pPr>
-            <a:r>
-              <a:rPr lang="de-DE" sz="1900" dirty="0"/>
-              <a:t>Die für </a:t>
-            </a:r>
-            <a:r>
-              <a:rPr lang="de-DE" sz="1900" b="1" dirty="0"/>
-              <a:t>Rabatte ausgeschlossenen Produktkategorien </a:t>
-            </a:r>
-            <a:r>
-              <a:rPr lang="de-DE" sz="1900" dirty="0"/>
-              <a:t>könnten ebenfalls per Konfiguration angepasst werden, sodass Rabatte in Kombination mit diesen Produktkategorien als Betrug (statisch) bewertet werden</a:t>
-            </a:r>
-            <a:endParaRPr lang="de-DE" sz="1700" dirty="0"/>
-          </a:p>
-          <a:p>
-            <a:pPr marR="0" lvl="0" eaLnBrk="1" fontAlgn="auto" latinLnBrk="0" hangingPunct="1">
-              <a:lnSpc>
-                <a:spcPct val="111000"/>
-              </a:lnSpc>
-              <a:spcBef>
-                <a:spcPts val="999"/>
-              </a:spcBef>
-              <a:spcAft>
-                <a:spcPts val="0"/>
-              </a:spcAft>
-              <a:buClrTx/>
-              <a:buSzTx/>
-              <a:tabLst/>
-              <a:defRPr/>
-            </a:pPr>
-            <a:endParaRPr lang="de-DE" sz="1900" dirty="0"/>
-          </a:p>
-        </p:txBody>
-      </p:sp>
-    </p:spTree>
-    <p:extLst>
-      <p:ext uri="{BB962C8B-B14F-4D97-AF65-F5344CB8AC3E}">
-        <p14:creationId xmlns:p14="http://schemas.microsoft.com/office/powerpoint/2010/main" val="2079624179"/>
-      </p:ext>
-    </p:extLst>
-  </p:cSld>
-  <p:clrMapOvr>
-    <a:masterClrMapping/>
-  </p:clrMapOvr>
-</p:sld>
-</file>
-
-<file path=ppt/slides/slide71.xml><?xml version="1.0" encoding="utf-8"?>
-<p:sld xmlns:a="http://schemas.openxmlformats.org/drawingml/2006/main" xmlns:r="http://schemas.openxmlformats.org/officeDocument/2006/relationships" xmlns:p="http://schemas.openxmlformats.org/presentationml/2006/main" showMasterPhAnim="0">
-  <p:cSld>
-    <p:spTree>
-      <p:nvGrpSpPr>
-        <p:cNvPr id="1" name="">
-          <a:extLst>
-            <a:ext uri="{FF2B5EF4-FFF2-40B4-BE49-F238E27FC236}">
               <a16:creationId xmlns:a16="http://schemas.microsoft.com/office/drawing/2014/main" id="{0873FD8C-AB8F-5DB4-EABD-F341741E640E}"/>
             </a:ext>
           </a:extLst>
@@ -32327,7 +32042,7 @@
 </p:sld>
 </file>
 
-<file path=ppt/slides/slide72.xml><?xml version="1.0" encoding="utf-8"?>
+<file path=ppt/slides/slide71.xml><?xml version="1.0" encoding="utf-8"?>
 <p:sld xmlns:a="http://schemas.openxmlformats.org/drawingml/2006/main" xmlns:r="http://schemas.openxmlformats.org/officeDocument/2006/relationships" xmlns:p="http://schemas.openxmlformats.org/presentationml/2006/main" showMasterPhAnim="0">
   <p:cSld>
     <p:spTree>
@@ -32844,7 +32559,7 @@
 </p:sld>
 </file>
 
-<file path=ppt/slides/slide73.xml><?xml version="1.0" encoding="utf-8"?>
+<file path=ppt/slides/slide72.xml><?xml version="1.0" encoding="utf-8"?>
 <p:sld xmlns:a="http://schemas.openxmlformats.org/drawingml/2006/main" xmlns:r="http://schemas.openxmlformats.org/officeDocument/2006/relationships" xmlns:p="http://schemas.openxmlformats.org/presentationml/2006/main" showMasterPhAnim="0">
   <p:cSld>
     <p:spTree>
@@ -33421,7 +33136,7 @@
 </p:sld>
 </file>
 
-<file path=ppt/slides/slide74.xml><?xml version="1.0" encoding="utf-8"?>
+<file path=ppt/slides/slide73.xml><?xml version="1.0" encoding="utf-8"?>
 <p:sld xmlns:a="http://schemas.openxmlformats.org/drawingml/2006/main" xmlns:r="http://schemas.openxmlformats.org/officeDocument/2006/relationships" xmlns:p="http://schemas.openxmlformats.org/presentationml/2006/main" showMasterPhAnim="0">
   <p:cSld>
     <p:spTree>
@@ -33592,7 +33307,7 @@
 </p:sld>
 </file>
 
-<file path=ppt/slides/slide75.xml><?xml version="1.0" encoding="utf-8"?>
+<file path=ppt/slides/slide74.xml><?xml version="1.0" encoding="utf-8"?>
 <p:sld xmlns:a="http://schemas.openxmlformats.org/drawingml/2006/main" xmlns:r="http://schemas.openxmlformats.org/officeDocument/2006/relationships" xmlns:p="http://schemas.openxmlformats.org/presentationml/2006/main" showMasterPhAnim="0">
   <p:cSld>
     <p:spTree>
@@ -34091,113 +33806,7 @@
 </p:sld>
 </file>
 
-<file path=ppt/slides/slide76.xml><?xml version="1.0" encoding="utf-8"?>
-<p:sld xmlns:a="http://schemas.openxmlformats.org/drawingml/2006/main" xmlns:r="http://schemas.openxmlformats.org/officeDocument/2006/relationships" xmlns:p="http://schemas.openxmlformats.org/presentationml/2006/main">
-  <p:cSld>
-    <p:spTree>
-      <p:nvGrpSpPr>
-        <p:cNvPr id="1" name="">
-          <a:extLst>
-            <a:ext uri="{FF2B5EF4-FFF2-40B4-BE49-F238E27FC236}">
-              <a16:creationId xmlns:a16="http://schemas.microsoft.com/office/drawing/2014/main" id="{075C3C72-9820-A93C-5D56-7A47011136F1}"/>
-            </a:ext>
-          </a:extLst>
-        </p:cNvPr>
-        <p:cNvGrpSpPr/>
-        <p:nvPr/>
-      </p:nvGrpSpPr>
-      <p:grpSpPr>
-        <a:xfrm>
-          <a:off x="0" y="0"/>
-          <a:ext cx="0" cy="0"/>
-          <a:chOff x="0" y="0"/>
-          <a:chExt cx="0" cy="0"/>
-        </a:xfrm>
-      </p:grpSpPr>
-      <p:sp>
-        <p:nvSpPr>
-          <p:cNvPr id="2" name="Title 1">
-            <a:extLst>
-              <a:ext uri="{FF2B5EF4-FFF2-40B4-BE49-F238E27FC236}">
-                <a16:creationId xmlns:a16="http://schemas.microsoft.com/office/drawing/2014/main" id="{F1B4A946-4075-6DEA-4045-1316A81EDACF}"/>
-              </a:ext>
-            </a:extLst>
-          </p:cNvPr>
-          <p:cNvSpPr>
-            <a:spLocks noGrp="1"/>
-          </p:cNvSpPr>
-          <p:nvPr>
-            <p:ph type="title"/>
-          </p:nvPr>
-        </p:nvSpPr>
-        <p:spPr/>
-        <p:txBody>
-          <a:bodyPr/>
-          <a:lstStyle/>
-          <a:p>
-            <a:r>
-              <a:rPr lang="de-DE" dirty="0" err="1"/>
-              <a:t>Dummyfolie</a:t>
-            </a:r>
-            <a:endParaRPr dirty="0"/>
-          </a:p>
-        </p:txBody>
-      </p:sp>
-      <p:sp>
-        <p:nvSpPr>
-          <p:cNvPr id="3" name="Content Placeholder 2">
-            <a:extLst>
-              <a:ext uri="{FF2B5EF4-FFF2-40B4-BE49-F238E27FC236}">
-                <a16:creationId xmlns:a16="http://schemas.microsoft.com/office/drawing/2014/main" id="{3AAD94DC-0D8B-8B65-5AFE-F6691C9684D0}"/>
-              </a:ext>
-            </a:extLst>
-          </p:cNvPr>
-          <p:cNvSpPr>
-            <a:spLocks noGrp="1"/>
-          </p:cNvSpPr>
-          <p:nvPr>
-            <p:ph idx="1"/>
-          </p:nvPr>
-        </p:nvSpPr>
-        <p:spPr>
-          <a:xfrm>
-            <a:off x="521208" y="2201535"/>
-            <a:ext cx="6549443" cy="4170127"/>
-          </a:xfrm>
-        </p:spPr>
-        <p:txBody>
-          <a:bodyPr/>
-          <a:lstStyle/>
-          <a:p>
-            <a:pPr>
-              <a:defRPr sz="1800">
-                <a:solidFill>
-                  <a:srgbClr val="000000"/>
-                </a:solidFill>
-              </a:defRPr>
-            </a:pPr>
-            <a:r>
-              <a:rPr lang="de-DE" dirty="0" err="1"/>
-              <a:t>Dummyfolie</a:t>
-            </a:r>
-            <a:endParaRPr lang="de-DE" dirty="0"/>
-          </a:p>
-        </p:txBody>
-      </p:sp>
-    </p:spTree>
-    <p:extLst>
-      <p:ext uri="{BB962C8B-B14F-4D97-AF65-F5344CB8AC3E}">
-        <p14:creationId xmlns:p14="http://schemas.microsoft.com/office/powerpoint/2010/main" val="287866509"/>
-      </p:ext>
-    </p:extLst>
-  </p:cSld>
-  <p:clrMapOvr>
-    <a:masterClrMapping/>
-  </p:clrMapOvr>
-</p:sld>
-</file>
-
-<file path=ppt/slides/slide77.xml><?xml version="1.0" encoding="utf-8"?>
+<file path=ppt/slides/slide75.xml><?xml version="1.0" encoding="utf-8"?>
 <p:sld xmlns:a="http://schemas.openxmlformats.org/drawingml/2006/main" xmlns:r="http://schemas.openxmlformats.org/officeDocument/2006/relationships" xmlns:p="http://schemas.openxmlformats.org/presentationml/2006/main">
   <p:cSld>
     <p:bg>
@@ -34600,7 +34209,7 @@
 </p:sld>
 </file>
 
-<file path=ppt/slides/slide78.xml><?xml version="1.0" encoding="utf-8"?>
+<file path=ppt/slides/slide76.xml><?xml version="1.0" encoding="utf-8"?>
 <p:sld xmlns:a="http://schemas.openxmlformats.org/drawingml/2006/main" xmlns:r="http://schemas.openxmlformats.org/officeDocument/2006/relationships" xmlns:p="http://schemas.openxmlformats.org/presentationml/2006/main">
   <p:cSld>
     <p:spTree>
@@ -34806,7 +34415,7 @@
 </p:sld>
 </file>
 
-<file path=ppt/slides/slide79.xml><?xml version="1.0" encoding="utf-8"?>
+<file path=ppt/slides/slide77.xml><?xml version="1.0" encoding="utf-8"?>
 <p:sld xmlns:a="http://schemas.openxmlformats.org/drawingml/2006/main" xmlns:r="http://schemas.openxmlformats.org/officeDocument/2006/relationships" xmlns:p="http://schemas.openxmlformats.org/presentationml/2006/main">
   <p:cSld>
     <p:spTree>
@@ -35014,497 +34623,7 @@
 </p:sld>
 </file>
 
-<file path=ppt/slides/slide8.xml><?xml version="1.0" encoding="utf-8"?>
-<p:sld xmlns:a="http://schemas.openxmlformats.org/drawingml/2006/main" xmlns:r="http://schemas.openxmlformats.org/officeDocument/2006/relationships" xmlns:p="http://schemas.openxmlformats.org/presentationml/2006/main">
-  <p:cSld>
-    <p:spTree>
-      <p:nvGrpSpPr>
-        <p:cNvPr id="1" name="">
-          <a:extLst>
-            <a:ext uri="{FF2B5EF4-FFF2-40B4-BE49-F238E27FC236}">
-              <a16:creationId xmlns:a16="http://schemas.microsoft.com/office/drawing/2014/main" id="{94043681-6691-87B6-7F6F-263233C00557}"/>
-            </a:ext>
-          </a:extLst>
-        </p:cNvPr>
-        <p:cNvGrpSpPr/>
-        <p:nvPr/>
-      </p:nvGrpSpPr>
-      <p:grpSpPr>
-        <a:xfrm>
-          <a:off x="0" y="0"/>
-          <a:ext cx="0" cy="0"/>
-          <a:chOff x="0" y="0"/>
-          <a:chExt cx="0" cy="0"/>
-        </a:xfrm>
-      </p:grpSpPr>
-      <p:sp>
-        <p:nvSpPr>
-          <p:cNvPr id="2" name="Title 1">
-            <a:extLst>
-              <a:ext uri="{FF2B5EF4-FFF2-40B4-BE49-F238E27FC236}">
-                <a16:creationId xmlns:a16="http://schemas.microsoft.com/office/drawing/2014/main" id="{C4319158-1C7D-A0B2-2CFD-D898F0F63886}"/>
-              </a:ext>
-            </a:extLst>
-          </p:cNvPr>
-          <p:cNvSpPr>
-            <a:spLocks noGrp="1"/>
-          </p:cNvSpPr>
-          <p:nvPr>
-            <p:ph type="title"/>
-          </p:nvPr>
-        </p:nvSpPr>
-        <p:spPr/>
-        <p:txBody>
-          <a:bodyPr/>
-          <a:lstStyle/>
-          <a:p>
-            <a:r>
-              <a:rPr lang="de-DE" dirty="0"/>
-              <a:t>Artefakte</a:t>
-            </a:r>
-            <a:endParaRPr dirty="0"/>
-          </a:p>
-        </p:txBody>
-      </p:sp>
-      <p:sp>
-        <p:nvSpPr>
-          <p:cNvPr id="3" name="Content Placeholder 2">
-            <a:extLst>
-              <a:ext uri="{FF2B5EF4-FFF2-40B4-BE49-F238E27FC236}">
-                <a16:creationId xmlns:a16="http://schemas.microsoft.com/office/drawing/2014/main" id="{AB282D1C-4CA8-D5EA-3B15-7CE2D56B55FE}"/>
-              </a:ext>
-            </a:extLst>
-          </p:cNvPr>
-          <p:cNvSpPr>
-            <a:spLocks noGrp="1"/>
-          </p:cNvSpPr>
-          <p:nvPr>
-            <p:ph idx="1"/>
-          </p:nvPr>
-        </p:nvSpPr>
-        <p:spPr>
-          <a:xfrm>
-            <a:off x="521209" y="2201535"/>
-            <a:ext cx="5276690" cy="4170127"/>
-          </a:xfrm>
-        </p:spPr>
-        <p:txBody>
-          <a:bodyPr>
-            <a:normAutofit lnSpcReduction="10000"/>
-          </a:bodyPr>
-          <a:lstStyle/>
-          <a:p>
-            <a:pPr marL="0" indent="0">
-              <a:buNone/>
-            </a:pPr>
-            <a:r>
-              <a:rPr lang="de-DE" sz="1600" b="1" dirty="0"/>
-              <a:t>Meilenstein 1:</a:t>
-            </a:r>
-          </a:p>
-          <a:p>
-            <a:pPr marL="0" indent="0">
-              <a:buNone/>
-            </a:pPr>
-            <a:r>
-              <a:rPr lang="de-DE" sz="1600" dirty="0"/>
-              <a:t>1. abgestimmter Projektauftrag (PDF)</a:t>
-            </a:r>
-          </a:p>
-          <a:p>
-            <a:pPr marL="0" indent="0">
-              <a:buNone/>
-            </a:pPr>
-            <a:r>
-              <a:rPr lang="de-DE" sz="1600" dirty="0"/>
-              <a:t>2. Präsentationsfolien über den Projektauftrag und die Projektstruktur  (PowerPoint oder PDF)</a:t>
-            </a:r>
-          </a:p>
-          <a:p>
-            <a:pPr marL="0" indent="0">
-              <a:buNone/>
-            </a:pPr>
-            <a:r>
-              <a:rPr lang="de-DE" sz="1600" b="1" dirty="0"/>
-              <a:t>Meilenstein 2:</a:t>
-            </a:r>
-          </a:p>
-          <a:p>
-            <a:pPr marL="0" indent="0">
-              <a:buNone/>
-            </a:pPr>
-            <a:r>
-              <a:rPr lang="de-DE" sz="1600" dirty="0"/>
-              <a:t>3. Data Audit Report (fehlende Werte, Formatprobleme etc.)</a:t>
-            </a:r>
-          </a:p>
-          <a:p>
-            <a:pPr marL="0" indent="0">
-              <a:buNone/>
-            </a:pPr>
-            <a:r>
-              <a:rPr lang="de-DE" sz="1600" dirty="0"/>
-              <a:t>4. Explorative Datenanalyse (erste Hypothesen über Datenmuster)</a:t>
-            </a:r>
-          </a:p>
-          <a:p>
-            <a:pPr marL="0" indent="0">
-              <a:buNone/>
-            </a:pPr>
-            <a:r>
-              <a:rPr lang="de-DE" sz="1600" dirty="0"/>
-              <a:t>5. Präsentation der Erkenntnisse (Folien mit Visualisierungen)</a:t>
-            </a:r>
-          </a:p>
-          <a:p>
-            <a:pPr marL="0" indent="0">
-              <a:buNone/>
-            </a:pPr>
-            <a:r>
-              <a:rPr lang="de-DE" sz="1600" dirty="0"/>
-              <a:t>6. Dokumentation zur geplanten REST-Schnittstelle</a:t>
-            </a:r>
-          </a:p>
-          <a:p>
-            <a:pPr marL="0" indent="0">
-              <a:buNone/>
-            </a:pPr>
-            <a:endParaRPr lang="de-DE" b="1" dirty="0"/>
-          </a:p>
-          <a:p>
-            <a:pPr marL="0" indent="0">
-              <a:buNone/>
-            </a:pPr>
-            <a:endParaRPr lang="de-DE" b="1" dirty="0"/>
-          </a:p>
-        </p:txBody>
-      </p:sp>
-      <p:sp>
-        <p:nvSpPr>
-          <p:cNvPr id="4" name="Content Placeholder 2">
-            <a:extLst>
-              <a:ext uri="{FF2B5EF4-FFF2-40B4-BE49-F238E27FC236}">
-                <a16:creationId xmlns:a16="http://schemas.microsoft.com/office/drawing/2014/main" id="{89F2CA7B-F80B-EC27-6B08-77AC61A44BC2}"/>
-              </a:ext>
-            </a:extLst>
-          </p:cNvPr>
-          <p:cNvSpPr txBox="1">
-            <a:spLocks/>
-          </p:cNvSpPr>
-          <p:nvPr/>
-        </p:nvSpPr>
-        <p:spPr>
-          <a:xfrm>
-            <a:off x="6199833" y="2222578"/>
-            <a:ext cx="5735895" cy="4170127"/>
-          </a:xfrm>
-          <a:prstGeom prst="rect">
-            <a:avLst/>
-          </a:prstGeom>
-        </p:spPr>
-        <p:txBody>
-          <a:bodyPr vert="horz" lIns="91440" tIns="45720" rIns="91440" bIns="45720" rtlCol="0">
-            <a:normAutofit/>
-          </a:bodyPr>
-          <a:lstStyle>
-            <a:lvl1pPr marL="228600" indent="-228600" algn="l" defTabSz="914400" rtl="0" eaLnBrk="1" latinLnBrk="0" hangingPunct="1">
-              <a:lnSpc>
-                <a:spcPct val="110000"/>
-              </a:lnSpc>
-              <a:spcBef>
-                <a:spcPts val="1000"/>
-              </a:spcBef>
-              <a:buFont typeface="Arial" panose="020B0604020202020204" pitchFamily="34" charset="0"/>
-              <a:buChar char="•"/>
-              <a:defRPr sz="1800" kern="1200">
-                <a:solidFill>
-                  <a:schemeClr val="tx1"/>
-                </a:solidFill>
-                <a:latin typeface="+mn-lt"/>
-                <a:ea typeface="+mn-ea"/>
-                <a:cs typeface="+mn-cs"/>
-              </a:defRPr>
-            </a:lvl1pPr>
-            <a:lvl2pPr marL="685800" indent="-228600" algn="l" defTabSz="914400" rtl="0" eaLnBrk="1" latinLnBrk="0" hangingPunct="1">
-              <a:lnSpc>
-                <a:spcPct val="110000"/>
-              </a:lnSpc>
-              <a:spcBef>
-                <a:spcPts val="500"/>
-              </a:spcBef>
-              <a:buFont typeface="Arial" panose="020B0604020202020204" pitchFamily="34" charset="0"/>
-              <a:buChar char="•"/>
-              <a:defRPr sz="1600" kern="1200">
-                <a:solidFill>
-                  <a:schemeClr val="tx1"/>
-                </a:solidFill>
-                <a:latin typeface="+mn-lt"/>
-                <a:ea typeface="+mn-ea"/>
-                <a:cs typeface="+mn-cs"/>
-              </a:defRPr>
-            </a:lvl2pPr>
-            <a:lvl3pPr marL="1143000" indent="-228600" algn="l" defTabSz="914400" rtl="0" eaLnBrk="1" latinLnBrk="0" hangingPunct="1">
-              <a:lnSpc>
-                <a:spcPct val="110000"/>
-              </a:lnSpc>
-              <a:spcBef>
-                <a:spcPts val="500"/>
-              </a:spcBef>
-              <a:buFont typeface="Arial" panose="020B0604020202020204" pitchFamily="34" charset="0"/>
-              <a:buChar char="•"/>
-              <a:defRPr sz="1400" kern="1200">
-                <a:solidFill>
-                  <a:schemeClr val="tx1"/>
-                </a:solidFill>
-                <a:latin typeface="+mn-lt"/>
-                <a:ea typeface="+mn-ea"/>
-                <a:cs typeface="+mn-cs"/>
-              </a:defRPr>
-            </a:lvl3pPr>
-            <a:lvl4pPr marL="1600200" indent="-228600" algn="l" defTabSz="914400" rtl="0" eaLnBrk="1" latinLnBrk="0" hangingPunct="1">
-              <a:lnSpc>
-                <a:spcPct val="110000"/>
-              </a:lnSpc>
-              <a:spcBef>
-                <a:spcPts val="500"/>
-              </a:spcBef>
-              <a:buFont typeface="Arial" panose="020B0604020202020204" pitchFamily="34" charset="0"/>
-              <a:buChar char="•"/>
-              <a:defRPr sz="1200" kern="1200">
-                <a:solidFill>
-                  <a:schemeClr val="tx1"/>
-                </a:solidFill>
-                <a:latin typeface="+mn-lt"/>
-                <a:ea typeface="+mn-ea"/>
-                <a:cs typeface="+mn-cs"/>
-              </a:defRPr>
-            </a:lvl4pPr>
-            <a:lvl5pPr marL="2057400" indent="-228600" algn="l" defTabSz="914400" rtl="0" eaLnBrk="1" latinLnBrk="0" hangingPunct="1">
-              <a:lnSpc>
-                <a:spcPct val="110000"/>
-              </a:lnSpc>
-              <a:spcBef>
-                <a:spcPts val="500"/>
-              </a:spcBef>
-              <a:buFont typeface="Arial" panose="020B0604020202020204" pitchFamily="34" charset="0"/>
-              <a:buChar char="•"/>
-              <a:defRPr sz="1200" kern="1200">
-                <a:solidFill>
-                  <a:schemeClr val="tx1"/>
-                </a:solidFill>
-                <a:latin typeface="+mn-lt"/>
-                <a:ea typeface="+mn-ea"/>
-                <a:cs typeface="+mn-cs"/>
-              </a:defRPr>
-            </a:lvl5pPr>
-            <a:lvl6pPr marL="2514600" indent="-228600" algn="l" defTabSz="914400" rtl="0" eaLnBrk="1" latinLnBrk="0" hangingPunct="1">
-              <a:lnSpc>
-                <a:spcPct val="90000"/>
-              </a:lnSpc>
-              <a:spcBef>
-                <a:spcPts val="500"/>
-              </a:spcBef>
-              <a:buFont typeface="Arial" panose="020B0604020202020204" pitchFamily="34" charset="0"/>
-              <a:buChar char="•"/>
-              <a:defRPr sz="1800" kern="1200">
-                <a:solidFill>
-                  <a:schemeClr val="tx1"/>
-                </a:solidFill>
-                <a:latin typeface="+mn-lt"/>
-                <a:ea typeface="+mn-ea"/>
-                <a:cs typeface="+mn-cs"/>
-              </a:defRPr>
-            </a:lvl6pPr>
-            <a:lvl7pPr marL="2971800" indent="-228600" algn="l" defTabSz="914400" rtl="0" eaLnBrk="1" latinLnBrk="0" hangingPunct="1">
-              <a:lnSpc>
-                <a:spcPct val="90000"/>
-              </a:lnSpc>
-              <a:spcBef>
-                <a:spcPts val="500"/>
-              </a:spcBef>
-              <a:buFont typeface="Arial" panose="020B0604020202020204" pitchFamily="34" charset="0"/>
-              <a:buChar char="•"/>
-              <a:defRPr sz="1800" kern="1200">
-                <a:solidFill>
-                  <a:schemeClr val="tx1"/>
-                </a:solidFill>
-                <a:latin typeface="+mn-lt"/>
-                <a:ea typeface="+mn-ea"/>
-                <a:cs typeface="+mn-cs"/>
-              </a:defRPr>
-            </a:lvl7pPr>
-            <a:lvl8pPr marL="3429000" indent="-228600" algn="l" defTabSz="914400" rtl="0" eaLnBrk="1" latinLnBrk="0" hangingPunct="1">
-              <a:lnSpc>
-                <a:spcPct val="90000"/>
-              </a:lnSpc>
-              <a:spcBef>
-                <a:spcPts val="500"/>
-              </a:spcBef>
-              <a:buFont typeface="Arial" panose="020B0604020202020204" pitchFamily="34" charset="0"/>
-              <a:buChar char="•"/>
-              <a:defRPr sz="1800" kern="1200">
-                <a:solidFill>
-                  <a:schemeClr val="tx1"/>
-                </a:solidFill>
-                <a:latin typeface="+mn-lt"/>
-                <a:ea typeface="+mn-ea"/>
-                <a:cs typeface="+mn-cs"/>
-              </a:defRPr>
-            </a:lvl8pPr>
-            <a:lvl9pPr marL="3886200" indent="-228600" algn="l" defTabSz="914400" rtl="0" eaLnBrk="1" latinLnBrk="0" hangingPunct="1">
-              <a:lnSpc>
-                <a:spcPct val="90000"/>
-              </a:lnSpc>
-              <a:spcBef>
-                <a:spcPts val="500"/>
-              </a:spcBef>
-              <a:buFont typeface="Arial" panose="020B0604020202020204" pitchFamily="34" charset="0"/>
-              <a:buChar char="•"/>
-              <a:defRPr sz="1800" kern="1200">
-                <a:solidFill>
-                  <a:schemeClr val="tx1"/>
-                </a:solidFill>
-                <a:latin typeface="+mn-lt"/>
-                <a:ea typeface="+mn-ea"/>
-                <a:cs typeface="+mn-cs"/>
-              </a:defRPr>
-            </a:lvl9pPr>
-          </a:lstStyle>
-          <a:p>
-            <a:pPr marL="0" indent="0">
-              <a:buNone/>
-            </a:pPr>
-            <a:r>
-              <a:rPr lang="de-DE" sz="1600" b="1" dirty="0"/>
-              <a:t>Meilenstein 3:</a:t>
-            </a:r>
-            <a:endParaRPr lang="de-DE" sz="1600" dirty="0"/>
-          </a:p>
-          <a:p>
-            <a:pPr marL="0" indent="0">
-              <a:buNone/>
-            </a:pPr>
-            <a:r>
-              <a:rPr lang="de-DE" sz="1600" dirty="0"/>
-              <a:t>7. Feature-Katalog mit Beschreibung, Typ und Berechnungsmethode</a:t>
-            </a:r>
-          </a:p>
-          <a:p>
-            <a:pPr marL="0" indent="0">
-              <a:buNone/>
-            </a:pPr>
-            <a:r>
-              <a:rPr lang="de-DE" sz="1600" dirty="0"/>
-              <a:t>8. Modellübersicht (getestete Modelle inkl. Parameter)</a:t>
-            </a:r>
-          </a:p>
-          <a:p>
-            <a:pPr marL="0" indent="0">
-              <a:buNone/>
-            </a:pPr>
-            <a:r>
-              <a:rPr lang="de-DE" sz="1600" dirty="0"/>
-              <a:t>9. Bewertungsbericht (Precision, Recall, </a:t>
-            </a:r>
-            <a:r>
-              <a:rPr lang="de-DE" sz="1600" dirty="0" err="1"/>
-              <a:t>economic</a:t>
-            </a:r>
-            <a:r>
-              <a:rPr lang="de-DE" sz="1600" dirty="0"/>
-              <a:t> </a:t>
-            </a:r>
-            <a:r>
-              <a:rPr lang="de-DE" sz="1600" dirty="0" err="1"/>
-              <a:t>loss</a:t>
-            </a:r>
-            <a:r>
-              <a:rPr lang="de-DE" sz="1600" dirty="0"/>
-              <a:t>/</a:t>
-            </a:r>
-            <a:r>
-              <a:rPr lang="de-DE" sz="1600" dirty="0" err="1"/>
-              <a:t>gain</a:t>
-            </a:r>
-            <a:r>
-              <a:rPr lang="de-DE" sz="1600" dirty="0"/>
-              <a:t> etc.)</a:t>
-            </a:r>
-          </a:p>
-          <a:p>
-            <a:pPr marL="0" indent="0">
-              <a:buNone/>
-            </a:pPr>
-            <a:r>
-              <a:rPr lang="de-DE" sz="1600" dirty="0"/>
-              <a:t>10. Visualisierung der Modelllogik</a:t>
-            </a:r>
-          </a:p>
-          <a:p>
-            <a:pPr marL="0" indent="0">
-              <a:buNone/>
-            </a:pPr>
-            <a:r>
-              <a:rPr lang="de-DE" sz="1600" b="1" dirty="0"/>
-              <a:t>Meilenstein 4:</a:t>
-            </a:r>
-          </a:p>
-          <a:p>
-            <a:pPr marL="0" indent="0">
-              <a:buNone/>
-            </a:pPr>
-            <a:r>
-              <a:rPr lang="de-DE" sz="1600" dirty="0"/>
-              <a:t>11. REST-Schnittstelle</a:t>
-            </a:r>
-          </a:p>
-          <a:p>
-            <a:pPr marL="0" indent="0">
-              <a:buNone/>
-            </a:pPr>
-            <a:r>
-              <a:rPr lang="de-DE" sz="1600" dirty="0"/>
-              <a:t>12. Alle Programmskripte (Python)</a:t>
-            </a:r>
-          </a:p>
-          <a:p>
-            <a:pPr marL="0" indent="0">
-              <a:buNone/>
-            </a:pPr>
-            <a:r>
-              <a:rPr lang="de-DE" sz="1600" dirty="0"/>
-              <a:t>13. Dokumentation</a:t>
-            </a:r>
-          </a:p>
-          <a:p>
-            <a:pPr marL="0" indent="0">
-              <a:buNone/>
-            </a:pPr>
-            <a:endParaRPr lang="de-DE" b="1" dirty="0"/>
-          </a:p>
-          <a:p>
-            <a:pPr marL="0" indent="0">
-              <a:buFont typeface="Arial" panose="020B0604020202020204" pitchFamily="34" charset="0"/>
-              <a:buNone/>
-            </a:pPr>
-            <a:endParaRPr lang="de-DE" b="1" dirty="0"/>
-          </a:p>
-        </p:txBody>
-      </p:sp>
-    </p:spTree>
-    <p:extLst>
-      <p:ext uri="{BB962C8B-B14F-4D97-AF65-F5344CB8AC3E}">
-        <p14:creationId xmlns:p14="http://schemas.microsoft.com/office/powerpoint/2010/main" val="1671571954"/>
-      </p:ext>
-    </p:extLst>
-  </p:cSld>
-  <p:clrMapOvr>
-    <a:masterClrMapping/>
-  </p:clrMapOvr>
-</p:sld>
-</file>
-
-<file path=ppt/slides/slide80.xml><?xml version="1.0" encoding="utf-8"?>
+<file path=ppt/slides/slide78.xml><?xml version="1.0" encoding="utf-8"?>
 <p:sld xmlns:a="http://schemas.openxmlformats.org/drawingml/2006/main" xmlns:r="http://schemas.openxmlformats.org/officeDocument/2006/relationships" xmlns:p="http://schemas.openxmlformats.org/presentationml/2006/main">
   <p:cSld>
     <p:bg>
@@ -35907,7 +35026,7 @@
 </p:sld>
 </file>
 
-<file path=ppt/slides/slide81.xml><?xml version="1.0" encoding="utf-8"?>
+<file path=ppt/slides/slide79.xml><?xml version="1.0" encoding="utf-8"?>
 <p:sld xmlns:a="http://schemas.openxmlformats.org/drawingml/2006/main" xmlns:r="http://schemas.openxmlformats.org/officeDocument/2006/relationships" xmlns:p="http://schemas.openxmlformats.org/presentationml/2006/main">
   <p:cSld>
     <p:spTree>
@@ -36193,7 +35312,497 @@
 </p:sld>
 </file>
 
-<file path=ppt/slides/slide82.xml><?xml version="1.0" encoding="utf-8"?>
+<file path=ppt/slides/slide8.xml><?xml version="1.0" encoding="utf-8"?>
+<p:sld xmlns:a="http://schemas.openxmlformats.org/drawingml/2006/main" xmlns:r="http://schemas.openxmlformats.org/officeDocument/2006/relationships" xmlns:p="http://schemas.openxmlformats.org/presentationml/2006/main">
+  <p:cSld>
+    <p:spTree>
+      <p:nvGrpSpPr>
+        <p:cNvPr id="1" name="">
+          <a:extLst>
+            <a:ext uri="{FF2B5EF4-FFF2-40B4-BE49-F238E27FC236}">
+              <a16:creationId xmlns:a16="http://schemas.microsoft.com/office/drawing/2014/main" id="{94043681-6691-87B6-7F6F-263233C00557}"/>
+            </a:ext>
+          </a:extLst>
+        </p:cNvPr>
+        <p:cNvGrpSpPr/>
+        <p:nvPr/>
+      </p:nvGrpSpPr>
+      <p:grpSpPr>
+        <a:xfrm>
+          <a:off x="0" y="0"/>
+          <a:ext cx="0" cy="0"/>
+          <a:chOff x="0" y="0"/>
+          <a:chExt cx="0" cy="0"/>
+        </a:xfrm>
+      </p:grpSpPr>
+      <p:sp>
+        <p:nvSpPr>
+          <p:cNvPr id="2" name="Title 1">
+            <a:extLst>
+              <a:ext uri="{FF2B5EF4-FFF2-40B4-BE49-F238E27FC236}">
+                <a16:creationId xmlns:a16="http://schemas.microsoft.com/office/drawing/2014/main" id="{C4319158-1C7D-A0B2-2CFD-D898F0F63886}"/>
+              </a:ext>
+            </a:extLst>
+          </p:cNvPr>
+          <p:cNvSpPr>
+            <a:spLocks noGrp="1"/>
+          </p:cNvSpPr>
+          <p:nvPr>
+            <p:ph type="title"/>
+          </p:nvPr>
+        </p:nvSpPr>
+        <p:spPr/>
+        <p:txBody>
+          <a:bodyPr/>
+          <a:lstStyle/>
+          <a:p>
+            <a:r>
+              <a:rPr lang="de-DE" dirty="0"/>
+              <a:t>Artefakte</a:t>
+            </a:r>
+            <a:endParaRPr dirty="0"/>
+          </a:p>
+        </p:txBody>
+      </p:sp>
+      <p:sp>
+        <p:nvSpPr>
+          <p:cNvPr id="3" name="Content Placeholder 2">
+            <a:extLst>
+              <a:ext uri="{FF2B5EF4-FFF2-40B4-BE49-F238E27FC236}">
+                <a16:creationId xmlns:a16="http://schemas.microsoft.com/office/drawing/2014/main" id="{AB282D1C-4CA8-D5EA-3B15-7CE2D56B55FE}"/>
+              </a:ext>
+            </a:extLst>
+          </p:cNvPr>
+          <p:cNvSpPr>
+            <a:spLocks noGrp="1"/>
+          </p:cNvSpPr>
+          <p:nvPr>
+            <p:ph idx="1"/>
+          </p:nvPr>
+        </p:nvSpPr>
+        <p:spPr>
+          <a:xfrm>
+            <a:off x="521209" y="2201535"/>
+            <a:ext cx="5276690" cy="4170127"/>
+          </a:xfrm>
+        </p:spPr>
+        <p:txBody>
+          <a:bodyPr>
+            <a:normAutofit lnSpcReduction="10000"/>
+          </a:bodyPr>
+          <a:lstStyle/>
+          <a:p>
+            <a:pPr marL="0" indent="0">
+              <a:buNone/>
+            </a:pPr>
+            <a:r>
+              <a:rPr lang="de-DE" sz="1600" b="1" dirty="0"/>
+              <a:t>Meilenstein 1:</a:t>
+            </a:r>
+          </a:p>
+          <a:p>
+            <a:pPr marL="0" indent="0">
+              <a:buNone/>
+            </a:pPr>
+            <a:r>
+              <a:rPr lang="de-DE" sz="1600" dirty="0"/>
+              <a:t>1. abgestimmter Projektauftrag (PDF)</a:t>
+            </a:r>
+          </a:p>
+          <a:p>
+            <a:pPr marL="0" indent="0">
+              <a:buNone/>
+            </a:pPr>
+            <a:r>
+              <a:rPr lang="de-DE" sz="1600" dirty="0"/>
+              <a:t>2. Präsentationsfolien über den Projektauftrag und die Projektstruktur  (PowerPoint oder PDF)</a:t>
+            </a:r>
+          </a:p>
+          <a:p>
+            <a:pPr marL="0" indent="0">
+              <a:buNone/>
+            </a:pPr>
+            <a:r>
+              <a:rPr lang="de-DE" sz="1600" b="1" dirty="0"/>
+              <a:t>Meilenstein 2:</a:t>
+            </a:r>
+          </a:p>
+          <a:p>
+            <a:pPr marL="0" indent="0">
+              <a:buNone/>
+            </a:pPr>
+            <a:r>
+              <a:rPr lang="de-DE" sz="1600" dirty="0"/>
+              <a:t>3. Data Audit Report (fehlende Werte, Formatprobleme etc.)</a:t>
+            </a:r>
+          </a:p>
+          <a:p>
+            <a:pPr marL="0" indent="0">
+              <a:buNone/>
+            </a:pPr>
+            <a:r>
+              <a:rPr lang="de-DE" sz="1600" dirty="0"/>
+              <a:t>4. Explorative Datenanalyse (erste Hypothesen über Datenmuster)</a:t>
+            </a:r>
+          </a:p>
+          <a:p>
+            <a:pPr marL="0" indent="0">
+              <a:buNone/>
+            </a:pPr>
+            <a:r>
+              <a:rPr lang="de-DE" sz="1600" dirty="0"/>
+              <a:t>5. Präsentation der Erkenntnisse (Folien mit Visualisierungen)</a:t>
+            </a:r>
+          </a:p>
+          <a:p>
+            <a:pPr marL="0" indent="0">
+              <a:buNone/>
+            </a:pPr>
+            <a:r>
+              <a:rPr lang="de-DE" sz="1600" dirty="0"/>
+              <a:t>6. Dokumentation zur geplanten REST-Schnittstelle</a:t>
+            </a:r>
+          </a:p>
+          <a:p>
+            <a:pPr marL="0" indent="0">
+              <a:buNone/>
+            </a:pPr>
+            <a:endParaRPr lang="de-DE" b="1" dirty="0"/>
+          </a:p>
+          <a:p>
+            <a:pPr marL="0" indent="0">
+              <a:buNone/>
+            </a:pPr>
+            <a:endParaRPr lang="de-DE" b="1" dirty="0"/>
+          </a:p>
+        </p:txBody>
+      </p:sp>
+      <p:sp>
+        <p:nvSpPr>
+          <p:cNvPr id="4" name="Content Placeholder 2">
+            <a:extLst>
+              <a:ext uri="{FF2B5EF4-FFF2-40B4-BE49-F238E27FC236}">
+                <a16:creationId xmlns:a16="http://schemas.microsoft.com/office/drawing/2014/main" id="{89F2CA7B-F80B-EC27-6B08-77AC61A44BC2}"/>
+              </a:ext>
+            </a:extLst>
+          </p:cNvPr>
+          <p:cNvSpPr txBox="1">
+            <a:spLocks/>
+          </p:cNvSpPr>
+          <p:nvPr/>
+        </p:nvSpPr>
+        <p:spPr>
+          <a:xfrm>
+            <a:off x="6199833" y="2222578"/>
+            <a:ext cx="5735895" cy="4170127"/>
+          </a:xfrm>
+          <a:prstGeom prst="rect">
+            <a:avLst/>
+          </a:prstGeom>
+        </p:spPr>
+        <p:txBody>
+          <a:bodyPr vert="horz" lIns="91440" tIns="45720" rIns="91440" bIns="45720" rtlCol="0">
+            <a:normAutofit/>
+          </a:bodyPr>
+          <a:lstStyle>
+            <a:lvl1pPr marL="228600" indent="-228600" algn="l" defTabSz="914400" rtl="0" eaLnBrk="1" latinLnBrk="0" hangingPunct="1">
+              <a:lnSpc>
+                <a:spcPct val="110000"/>
+              </a:lnSpc>
+              <a:spcBef>
+                <a:spcPts val="1000"/>
+              </a:spcBef>
+              <a:buFont typeface="Arial" panose="020B0604020202020204" pitchFamily="34" charset="0"/>
+              <a:buChar char="•"/>
+              <a:defRPr sz="1800" kern="1200">
+                <a:solidFill>
+                  <a:schemeClr val="tx1"/>
+                </a:solidFill>
+                <a:latin typeface="+mn-lt"/>
+                <a:ea typeface="+mn-ea"/>
+                <a:cs typeface="+mn-cs"/>
+              </a:defRPr>
+            </a:lvl1pPr>
+            <a:lvl2pPr marL="685800" indent="-228600" algn="l" defTabSz="914400" rtl="0" eaLnBrk="1" latinLnBrk="0" hangingPunct="1">
+              <a:lnSpc>
+                <a:spcPct val="110000"/>
+              </a:lnSpc>
+              <a:spcBef>
+                <a:spcPts val="500"/>
+              </a:spcBef>
+              <a:buFont typeface="Arial" panose="020B0604020202020204" pitchFamily="34" charset="0"/>
+              <a:buChar char="•"/>
+              <a:defRPr sz="1600" kern="1200">
+                <a:solidFill>
+                  <a:schemeClr val="tx1"/>
+                </a:solidFill>
+                <a:latin typeface="+mn-lt"/>
+                <a:ea typeface="+mn-ea"/>
+                <a:cs typeface="+mn-cs"/>
+              </a:defRPr>
+            </a:lvl2pPr>
+            <a:lvl3pPr marL="1143000" indent="-228600" algn="l" defTabSz="914400" rtl="0" eaLnBrk="1" latinLnBrk="0" hangingPunct="1">
+              <a:lnSpc>
+                <a:spcPct val="110000"/>
+              </a:lnSpc>
+              <a:spcBef>
+                <a:spcPts val="500"/>
+              </a:spcBef>
+              <a:buFont typeface="Arial" panose="020B0604020202020204" pitchFamily="34" charset="0"/>
+              <a:buChar char="•"/>
+              <a:defRPr sz="1400" kern="1200">
+                <a:solidFill>
+                  <a:schemeClr val="tx1"/>
+                </a:solidFill>
+                <a:latin typeface="+mn-lt"/>
+                <a:ea typeface="+mn-ea"/>
+                <a:cs typeface="+mn-cs"/>
+              </a:defRPr>
+            </a:lvl3pPr>
+            <a:lvl4pPr marL="1600200" indent="-228600" algn="l" defTabSz="914400" rtl="0" eaLnBrk="1" latinLnBrk="0" hangingPunct="1">
+              <a:lnSpc>
+                <a:spcPct val="110000"/>
+              </a:lnSpc>
+              <a:spcBef>
+                <a:spcPts val="500"/>
+              </a:spcBef>
+              <a:buFont typeface="Arial" panose="020B0604020202020204" pitchFamily="34" charset="0"/>
+              <a:buChar char="•"/>
+              <a:defRPr sz="1200" kern="1200">
+                <a:solidFill>
+                  <a:schemeClr val="tx1"/>
+                </a:solidFill>
+                <a:latin typeface="+mn-lt"/>
+                <a:ea typeface="+mn-ea"/>
+                <a:cs typeface="+mn-cs"/>
+              </a:defRPr>
+            </a:lvl4pPr>
+            <a:lvl5pPr marL="2057400" indent="-228600" algn="l" defTabSz="914400" rtl="0" eaLnBrk="1" latinLnBrk="0" hangingPunct="1">
+              <a:lnSpc>
+                <a:spcPct val="110000"/>
+              </a:lnSpc>
+              <a:spcBef>
+                <a:spcPts val="500"/>
+              </a:spcBef>
+              <a:buFont typeface="Arial" panose="020B0604020202020204" pitchFamily="34" charset="0"/>
+              <a:buChar char="•"/>
+              <a:defRPr sz="1200" kern="1200">
+                <a:solidFill>
+                  <a:schemeClr val="tx1"/>
+                </a:solidFill>
+                <a:latin typeface="+mn-lt"/>
+                <a:ea typeface="+mn-ea"/>
+                <a:cs typeface="+mn-cs"/>
+              </a:defRPr>
+            </a:lvl5pPr>
+            <a:lvl6pPr marL="2514600" indent="-228600" algn="l" defTabSz="914400" rtl="0" eaLnBrk="1" latinLnBrk="0" hangingPunct="1">
+              <a:lnSpc>
+                <a:spcPct val="90000"/>
+              </a:lnSpc>
+              <a:spcBef>
+                <a:spcPts val="500"/>
+              </a:spcBef>
+              <a:buFont typeface="Arial" panose="020B0604020202020204" pitchFamily="34" charset="0"/>
+              <a:buChar char="•"/>
+              <a:defRPr sz="1800" kern="1200">
+                <a:solidFill>
+                  <a:schemeClr val="tx1"/>
+                </a:solidFill>
+                <a:latin typeface="+mn-lt"/>
+                <a:ea typeface="+mn-ea"/>
+                <a:cs typeface="+mn-cs"/>
+              </a:defRPr>
+            </a:lvl6pPr>
+            <a:lvl7pPr marL="2971800" indent="-228600" algn="l" defTabSz="914400" rtl="0" eaLnBrk="1" latinLnBrk="0" hangingPunct="1">
+              <a:lnSpc>
+                <a:spcPct val="90000"/>
+              </a:lnSpc>
+              <a:spcBef>
+                <a:spcPts val="500"/>
+              </a:spcBef>
+              <a:buFont typeface="Arial" panose="020B0604020202020204" pitchFamily="34" charset="0"/>
+              <a:buChar char="•"/>
+              <a:defRPr sz="1800" kern="1200">
+                <a:solidFill>
+                  <a:schemeClr val="tx1"/>
+                </a:solidFill>
+                <a:latin typeface="+mn-lt"/>
+                <a:ea typeface="+mn-ea"/>
+                <a:cs typeface="+mn-cs"/>
+              </a:defRPr>
+            </a:lvl7pPr>
+            <a:lvl8pPr marL="3429000" indent="-228600" algn="l" defTabSz="914400" rtl="0" eaLnBrk="1" latinLnBrk="0" hangingPunct="1">
+              <a:lnSpc>
+                <a:spcPct val="90000"/>
+              </a:lnSpc>
+              <a:spcBef>
+                <a:spcPts val="500"/>
+              </a:spcBef>
+              <a:buFont typeface="Arial" panose="020B0604020202020204" pitchFamily="34" charset="0"/>
+              <a:buChar char="•"/>
+              <a:defRPr sz="1800" kern="1200">
+                <a:solidFill>
+                  <a:schemeClr val="tx1"/>
+                </a:solidFill>
+                <a:latin typeface="+mn-lt"/>
+                <a:ea typeface="+mn-ea"/>
+                <a:cs typeface="+mn-cs"/>
+              </a:defRPr>
+            </a:lvl8pPr>
+            <a:lvl9pPr marL="3886200" indent="-228600" algn="l" defTabSz="914400" rtl="0" eaLnBrk="1" latinLnBrk="0" hangingPunct="1">
+              <a:lnSpc>
+                <a:spcPct val="90000"/>
+              </a:lnSpc>
+              <a:spcBef>
+                <a:spcPts val="500"/>
+              </a:spcBef>
+              <a:buFont typeface="Arial" panose="020B0604020202020204" pitchFamily="34" charset="0"/>
+              <a:buChar char="•"/>
+              <a:defRPr sz="1800" kern="1200">
+                <a:solidFill>
+                  <a:schemeClr val="tx1"/>
+                </a:solidFill>
+                <a:latin typeface="+mn-lt"/>
+                <a:ea typeface="+mn-ea"/>
+                <a:cs typeface="+mn-cs"/>
+              </a:defRPr>
+            </a:lvl9pPr>
+          </a:lstStyle>
+          <a:p>
+            <a:pPr marL="0" indent="0">
+              <a:buNone/>
+            </a:pPr>
+            <a:r>
+              <a:rPr lang="de-DE" sz="1600" b="1" dirty="0"/>
+              <a:t>Meilenstein 3:</a:t>
+            </a:r>
+            <a:endParaRPr lang="de-DE" sz="1600" dirty="0"/>
+          </a:p>
+          <a:p>
+            <a:pPr marL="0" indent="0">
+              <a:buNone/>
+            </a:pPr>
+            <a:r>
+              <a:rPr lang="de-DE" sz="1600" dirty="0"/>
+              <a:t>7. Feature-Katalog mit Beschreibung, Typ und Berechnungsmethode</a:t>
+            </a:r>
+          </a:p>
+          <a:p>
+            <a:pPr marL="0" indent="0">
+              <a:buNone/>
+            </a:pPr>
+            <a:r>
+              <a:rPr lang="de-DE" sz="1600" dirty="0"/>
+              <a:t>8. Modellübersicht (getestete Modelle inkl. Parameter)</a:t>
+            </a:r>
+          </a:p>
+          <a:p>
+            <a:pPr marL="0" indent="0">
+              <a:buNone/>
+            </a:pPr>
+            <a:r>
+              <a:rPr lang="de-DE" sz="1600" dirty="0"/>
+              <a:t>9. Bewertungsbericht (Precision, Recall, </a:t>
+            </a:r>
+            <a:r>
+              <a:rPr lang="de-DE" sz="1600" dirty="0" err="1"/>
+              <a:t>economic</a:t>
+            </a:r>
+            <a:r>
+              <a:rPr lang="de-DE" sz="1600" dirty="0"/>
+              <a:t> </a:t>
+            </a:r>
+            <a:r>
+              <a:rPr lang="de-DE" sz="1600" dirty="0" err="1"/>
+              <a:t>loss</a:t>
+            </a:r>
+            <a:r>
+              <a:rPr lang="de-DE" sz="1600" dirty="0"/>
+              <a:t>/</a:t>
+            </a:r>
+            <a:r>
+              <a:rPr lang="de-DE" sz="1600" dirty="0" err="1"/>
+              <a:t>gain</a:t>
+            </a:r>
+            <a:r>
+              <a:rPr lang="de-DE" sz="1600" dirty="0"/>
+              <a:t> etc.)</a:t>
+            </a:r>
+          </a:p>
+          <a:p>
+            <a:pPr marL="0" indent="0">
+              <a:buNone/>
+            </a:pPr>
+            <a:r>
+              <a:rPr lang="de-DE" sz="1600" dirty="0"/>
+              <a:t>10. Visualisierung der Modelllogik</a:t>
+            </a:r>
+          </a:p>
+          <a:p>
+            <a:pPr marL="0" indent="0">
+              <a:buNone/>
+            </a:pPr>
+            <a:r>
+              <a:rPr lang="de-DE" sz="1600" b="1" dirty="0"/>
+              <a:t>Meilenstein 4:</a:t>
+            </a:r>
+          </a:p>
+          <a:p>
+            <a:pPr marL="0" indent="0">
+              <a:buNone/>
+            </a:pPr>
+            <a:r>
+              <a:rPr lang="de-DE" sz="1600" dirty="0"/>
+              <a:t>11. REST-Schnittstelle</a:t>
+            </a:r>
+          </a:p>
+          <a:p>
+            <a:pPr marL="0" indent="0">
+              <a:buNone/>
+            </a:pPr>
+            <a:r>
+              <a:rPr lang="de-DE" sz="1600" dirty="0"/>
+              <a:t>12. Alle Programmskripte (Python)</a:t>
+            </a:r>
+          </a:p>
+          <a:p>
+            <a:pPr marL="0" indent="0">
+              <a:buNone/>
+            </a:pPr>
+            <a:r>
+              <a:rPr lang="de-DE" sz="1600" dirty="0"/>
+              <a:t>13. Dokumentation</a:t>
+            </a:r>
+          </a:p>
+          <a:p>
+            <a:pPr marL="0" indent="0">
+              <a:buNone/>
+            </a:pPr>
+            <a:endParaRPr lang="de-DE" b="1" dirty="0"/>
+          </a:p>
+          <a:p>
+            <a:pPr marL="0" indent="0">
+              <a:buFont typeface="Arial" panose="020B0604020202020204" pitchFamily="34" charset="0"/>
+              <a:buNone/>
+            </a:pPr>
+            <a:endParaRPr lang="de-DE" b="1" dirty="0"/>
+          </a:p>
+        </p:txBody>
+      </p:sp>
+    </p:spTree>
+    <p:extLst>
+      <p:ext uri="{BB962C8B-B14F-4D97-AF65-F5344CB8AC3E}">
+        <p14:creationId xmlns:p14="http://schemas.microsoft.com/office/powerpoint/2010/main" val="1671571954"/>
+      </p:ext>
+    </p:extLst>
+  </p:cSld>
+  <p:clrMapOvr>
+    <a:masterClrMapping/>
+  </p:clrMapOvr>
+</p:sld>
+</file>
+
+<file path=ppt/slides/slide80.xml><?xml version="1.0" encoding="utf-8"?>
 <p:sld xmlns:a="http://schemas.openxmlformats.org/drawingml/2006/main" xmlns:r="http://schemas.openxmlformats.org/officeDocument/2006/relationships" xmlns:p="http://schemas.openxmlformats.org/presentationml/2006/main">
   <p:cSld>
     <p:spTree>
@@ -36457,7 +36066,7 @@
 </p:sld>
 </file>
 
-<file path=ppt/slides/slide83.xml><?xml version="1.0" encoding="utf-8"?>
+<file path=ppt/slides/slide81.xml><?xml version="1.0" encoding="utf-8"?>
 <p:sld xmlns:a="http://schemas.openxmlformats.org/drawingml/2006/main" xmlns:r="http://schemas.openxmlformats.org/officeDocument/2006/relationships" xmlns:p="http://schemas.openxmlformats.org/presentationml/2006/main">
   <p:cSld>
     <p:spTree>

--- a/präsentationen/Abschlusspräsentation_Entwurf.pptx
+++ b/präsentationen/Abschlusspräsentation_Entwurf.pptx
@@ -5,7 +5,7 @@
     <p:sldMasterId id="2147483660" r:id="rId1"/>
   </p:sldMasterIdLst>
   <p:notesMasterIdLst>
-    <p:notesMasterId r:id="rId83"/>
+    <p:notesMasterId r:id="rId81"/>
   </p:notesMasterIdLst>
   <p:sldIdLst>
     <p:sldId id="2582" r:id="rId2"/>
@@ -57,38 +57,36 @@
     <p:sldId id="2728" r:id="rId48"/>
     <p:sldId id="2729" r:id="rId49"/>
     <p:sldId id="2730" r:id="rId50"/>
-    <p:sldId id="2731" r:id="rId51"/>
-    <p:sldId id="2732" r:id="rId52"/>
-    <p:sldId id="2733" r:id="rId53"/>
-    <p:sldId id="2734" r:id="rId54"/>
-    <p:sldId id="2735" r:id="rId55"/>
-    <p:sldId id="2736" r:id="rId56"/>
-    <p:sldId id="2737" r:id="rId57"/>
-    <p:sldId id="2738" r:id="rId58"/>
-    <p:sldId id="2739" r:id="rId59"/>
-    <p:sldId id="2740" r:id="rId60"/>
-    <p:sldId id="2741" r:id="rId61"/>
-    <p:sldId id="2742" r:id="rId62"/>
-    <p:sldId id="2743" r:id="rId63"/>
-    <p:sldId id="2744" r:id="rId64"/>
-    <p:sldId id="2745" r:id="rId65"/>
-    <p:sldId id="2746" r:id="rId66"/>
-    <p:sldId id="2747" r:id="rId67"/>
-    <p:sldId id="2748" r:id="rId68"/>
-    <p:sldId id="2749" r:id="rId69"/>
-    <p:sldId id="2750" r:id="rId70"/>
-    <p:sldId id="2751" r:id="rId71"/>
-    <p:sldId id="2752" r:id="rId72"/>
-    <p:sldId id="2753" r:id="rId73"/>
-    <p:sldId id="2754" r:id="rId74"/>
-    <p:sldId id="2755" r:id="rId75"/>
-    <p:sldId id="2711" r:id="rId76"/>
-    <p:sldId id="2758" r:id="rId77"/>
-    <p:sldId id="2759" r:id="rId78"/>
-    <p:sldId id="2712" r:id="rId79"/>
-    <p:sldId id="2760" r:id="rId80"/>
-    <p:sldId id="2761" r:id="rId81"/>
-    <p:sldId id="2632" r:id="rId82"/>
+    <p:sldId id="2735" r:id="rId51"/>
+    <p:sldId id="2733" r:id="rId52"/>
+    <p:sldId id="2734" r:id="rId53"/>
+    <p:sldId id="2736" r:id="rId54"/>
+    <p:sldId id="2737" r:id="rId55"/>
+    <p:sldId id="2738" r:id="rId56"/>
+    <p:sldId id="2739" r:id="rId57"/>
+    <p:sldId id="2740" r:id="rId58"/>
+    <p:sldId id="2741" r:id="rId59"/>
+    <p:sldId id="2742" r:id="rId60"/>
+    <p:sldId id="2743" r:id="rId61"/>
+    <p:sldId id="2744" r:id="rId62"/>
+    <p:sldId id="2745" r:id="rId63"/>
+    <p:sldId id="2746" r:id="rId64"/>
+    <p:sldId id="2747" r:id="rId65"/>
+    <p:sldId id="2748" r:id="rId66"/>
+    <p:sldId id="2749" r:id="rId67"/>
+    <p:sldId id="2750" r:id="rId68"/>
+    <p:sldId id="2751" r:id="rId69"/>
+    <p:sldId id="2752" r:id="rId70"/>
+    <p:sldId id="2753" r:id="rId71"/>
+    <p:sldId id="2754" r:id="rId72"/>
+    <p:sldId id="2755" r:id="rId73"/>
+    <p:sldId id="2711" r:id="rId74"/>
+    <p:sldId id="2758" r:id="rId75"/>
+    <p:sldId id="2759" r:id="rId76"/>
+    <p:sldId id="2712" r:id="rId77"/>
+    <p:sldId id="2760" r:id="rId78"/>
+    <p:sldId id="2761" r:id="rId79"/>
+    <p:sldId id="2632" r:id="rId80"/>
   </p:sldIdLst>
   <p:sldSz cx="12192000" cy="6858000"/>
   <p:notesSz cx="6858000" cy="9144000"/>
@@ -241,11 +239,9 @@
             <p14:sldId id="2728"/>
             <p14:sldId id="2729"/>
             <p14:sldId id="2730"/>
-            <p14:sldId id="2731"/>
-            <p14:sldId id="2732"/>
+            <p14:sldId id="2735"/>
             <p14:sldId id="2733"/>
             <p14:sldId id="2734"/>
-            <p14:sldId id="2735"/>
             <p14:sldId id="2736"/>
             <p14:sldId id="2737"/>
             <p14:sldId id="2738"/>
@@ -284,6 +280,14 @@
 </p:presentation>
 </file>
 
+<file path=ppt/revisionInfo.xml><?xml version="1.0" encoding="utf-8"?>
+<p1510:revInfo xmlns:a="http://schemas.openxmlformats.org/drawingml/2006/main" xmlns:r="http://schemas.openxmlformats.org/officeDocument/2006/relationships" xmlns:p1510="http://schemas.microsoft.com/office/powerpoint/2015/10/main">
+  <p1510:revLst>
+    <p1510:client id="{EFC845B7-4190-EA3C-3A6A-FD8C83814111}" v="236" dt="2025-07-08T20:44:53.730"/>
+  </p1510:revLst>
+</p1510:revInfo>
+</file>
+
 <file path=ppt/notesMasters/notesMaster1.xml><?xml version="1.0" encoding="utf-8"?>
 <p:notesMaster xmlns:a="http://schemas.openxmlformats.org/drawingml/2006/main" xmlns:r="http://schemas.openxmlformats.org/officeDocument/2006/relationships" xmlns:p="http://schemas.openxmlformats.org/presentationml/2006/main">
   <p:cSld>
@@ -365,7 +369,7 @@
           </a:lstStyle>
           <a:p>
             <a:fld id="{75BEE995-72F4-482A-B547-037217EEA661}" type="datetimeFigureOut">
-              <a:t>06.07.2025</a:t>
+              <a:t>7/8/2025</a:t>
             </a:fld>
             <a:endParaRPr lang="de-DE"/>
           </a:p>
@@ -522,7 +526,7 @@
           </a:lstStyle>
           <a:p>
             <a:fld id="{02432301-1260-4486-BD0B-BF02A47E29BB}" type="slidenum">
-              <a:t>‹Nr.›</a:t>
+              <a:t>‹#›</a:t>
             </a:fld>
             <a:endParaRPr lang="de-DE"/>
           </a:p>
@@ -3407,7 +3411,7 @@
                 <a:tabLst/>
                 <a:defRPr/>
               </a:pPr>
-              <a:t>57</a:t>
+              <a:t>55</a:t>
             </a:fld>
             <a:endParaRPr kumimoji="0" sz="1200" b="0" i="0" u="none" strike="noStrike" kern="0" cap="none" spc="0" normalizeH="0" baseline="0" noProof="0">
               <a:ln>
@@ -3508,6 +3512,344 @@
             <a:extLst>
               <a:ext uri="{FF2B5EF4-FFF2-40B4-BE49-F238E27FC236}">
                 <a16:creationId xmlns:a16="http://schemas.microsoft.com/office/drawing/2014/main" id="{FE15B35D-2E42-4F29-CE1E-E7107BA388F4}"/>
+              </a:ext>
+            </a:extLst>
+          </p:cNvPr>
+          <p:cNvSpPr>
+            <a:spLocks noGrp="1"/>
+          </p:cNvSpPr>
+          <p:nvPr>
+            <p:ph type="sldNum" sz="quarter" idx="10"/>
+          </p:nvPr>
+        </p:nvSpPr>
+        <p:spPr bwMode="auto"/>
+        <p:txBody>
+          <a:bodyPr/>
+          <a:lstStyle/>
+          <a:p>
+            <a:pPr marL="0" marR="0" lvl="0" indent="0" algn="r" defTabSz="914400" eaLnBrk="1" fontAlgn="auto" latinLnBrk="0" hangingPunct="1">
+              <a:lnSpc>
+                <a:spcPct val="100000"/>
+              </a:lnSpc>
+              <a:spcBef>
+                <a:spcPts val="0"/>
+              </a:spcBef>
+              <a:spcAft>
+                <a:spcPts val="0"/>
+              </a:spcAft>
+              <a:buClrTx/>
+              <a:buSzTx/>
+              <a:buFontTx/>
+              <a:buNone/>
+              <a:tabLst/>
+              <a:defRPr/>
+            </a:pPr>
+            <a:fld id="{37F1F184-79D2-F4EC-467F-CF3EF60FA136}" type="slidenum">
+              <a:rPr kumimoji="0" sz="1200" b="0" i="0" u="none" strike="noStrike" kern="0" cap="none" spc="0" normalizeH="0" baseline="0" noProof="0">
+                <a:ln>
+                  <a:noFill/>
+                </a:ln>
+                <a:solidFill>
+                  <a:prstClr val="black"/>
+                </a:solidFill>
+                <a:effectLst/>
+                <a:uLnTx/>
+                <a:uFillTx/>
+                <a:latin typeface="Calibri"/>
+                <a:cs typeface="Arial"/>
+              </a:rPr>
+              <a:pPr marL="0" marR="0" lvl="0" indent="0" algn="r" defTabSz="914400" eaLnBrk="1" fontAlgn="auto" latinLnBrk="0" hangingPunct="1">
+                <a:lnSpc>
+                  <a:spcPct val="100000"/>
+                </a:lnSpc>
+                <a:spcBef>
+                  <a:spcPts val="0"/>
+                </a:spcBef>
+                <a:spcAft>
+                  <a:spcPts val="0"/>
+                </a:spcAft>
+                <a:buClrTx/>
+                <a:buSzTx/>
+                <a:buFontTx/>
+                <a:buNone/>
+                <a:tabLst/>
+                <a:defRPr/>
+              </a:pPr>
+              <a:t>56</a:t>
+            </a:fld>
+            <a:endParaRPr kumimoji="0" sz="1200" b="0" i="0" u="none" strike="noStrike" kern="0" cap="none" spc="0" normalizeH="0" baseline="0" noProof="0">
+              <a:ln>
+                <a:noFill/>
+              </a:ln>
+              <a:solidFill>
+                <a:prstClr val="black"/>
+              </a:solidFill>
+              <a:effectLst/>
+              <a:uLnTx/>
+              <a:uFillTx/>
+              <a:latin typeface="Calibri"/>
+              <a:cs typeface="Arial"/>
+            </a:endParaRPr>
+          </a:p>
+        </p:txBody>
+      </p:sp>
+    </p:spTree>
+    <p:extLst>
+      <p:ext uri="{BB962C8B-B14F-4D97-AF65-F5344CB8AC3E}">
+        <p14:creationId xmlns:p14="http://schemas.microsoft.com/office/powerpoint/2010/main" val="237478640"/>
+      </p:ext>
+    </p:extLst>
+  </p:cSld>
+  <p:clrMapOvr>
+    <a:masterClrMapping/>
+  </p:clrMapOvr>
+</p:notes>
+</file>
+
+<file path=ppt/notesSlides/notesSlide28.xml><?xml version="1.0" encoding="utf-8"?>
+<p:notes xmlns:a="http://schemas.openxmlformats.org/drawingml/2006/main" xmlns:r="http://schemas.openxmlformats.org/officeDocument/2006/relationships" xmlns:p="http://schemas.openxmlformats.org/presentationml/2006/main">
+  <p:cSld>
+    <p:spTree>
+      <p:nvGrpSpPr>
+        <p:cNvPr id="1" name="">
+          <a:extLst>
+            <a:ext uri="{FF2B5EF4-FFF2-40B4-BE49-F238E27FC236}">
+              <a16:creationId xmlns:a16="http://schemas.microsoft.com/office/drawing/2014/main" id="{5FBB5073-8EAD-4DFA-A13D-BA454D6B5EC9}"/>
+            </a:ext>
+          </a:extLst>
+        </p:cNvPr>
+        <p:cNvGrpSpPr/>
+        <p:nvPr/>
+      </p:nvGrpSpPr>
+      <p:grpSpPr bwMode="auto">
+        <a:xfrm>
+          <a:off x="0" y="0"/>
+          <a:ext cx="0" cy="0"/>
+          <a:chOff x="0" y="0"/>
+          <a:chExt cx="0" cy="0"/>
+        </a:xfrm>
+      </p:grpSpPr>
+      <p:sp>
+        <p:nvSpPr>
+          <p:cNvPr id="1330014680" name="Slide Image Placeholder 1">
+            <a:extLst>
+              <a:ext uri="{FF2B5EF4-FFF2-40B4-BE49-F238E27FC236}">
+                <a16:creationId xmlns:a16="http://schemas.microsoft.com/office/drawing/2014/main" id="{0F3AAEC4-0330-20A6-7B90-AA189194E4A8}"/>
+              </a:ext>
+            </a:extLst>
+          </p:cNvPr>
+          <p:cNvSpPr>
+            <a:spLocks noGrp="1" noRot="1" noChangeAspect="1"/>
+          </p:cNvSpPr>
+          <p:nvPr>
+            <p:ph type="sldImg"/>
+          </p:nvPr>
+        </p:nvSpPr>
+        <p:spPr bwMode="auto"/>
+      </p:sp>
+      <p:sp>
+        <p:nvSpPr>
+          <p:cNvPr id="1330354815" name="Notes Placeholder 2">
+            <a:extLst>
+              <a:ext uri="{FF2B5EF4-FFF2-40B4-BE49-F238E27FC236}">
+                <a16:creationId xmlns:a16="http://schemas.microsoft.com/office/drawing/2014/main" id="{7DD02D89-D38A-E02C-40B2-674E42F84C54}"/>
+              </a:ext>
+            </a:extLst>
+          </p:cNvPr>
+          <p:cNvSpPr>
+            <a:spLocks noGrp="1"/>
+          </p:cNvSpPr>
+          <p:nvPr>
+            <p:ph type="body" idx="1"/>
+          </p:nvPr>
+        </p:nvSpPr>
+        <p:spPr bwMode="auto"/>
+        <p:txBody>
+          <a:bodyPr/>
+          <a:lstStyle/>
+          <a:p>
+            <a:pPr>
+              <a:defRPr/>
+            </a:pPr>
+            <a:endParaRPr/>
+          </a:p>
+        </p:txBody>
+      </p:sp>
+      <p:sp>
+        <p:nvSpPr>
+          <p:cNvPr id="1667253447" name="Slide Number Placeholder 3">
+            <a:extLst>
+              <a:ext uri="{FF2B5EF4-FFF2-40B4-BE49-F238E27FC236}">
+                <a16:creationId xmlns:a16="http://schemas.microsoft.com/office/drawing/2014/main" id="{07874E8D-BFD4-4A81-8379-BB3DD1B4FCE8}"/>
+              </a:ext>
+            </a:extLst>
+          </p:cNvPr>
+          <p:cNvSpPr>
+            <a:spLocks noGrp="1"/>
+          </p:cNvSpPr>
+          <p:nvPr>
+            <p:ph type="sldNum" sz="quarter" idx="10"/>
+          </p:nvPr>
+        </p:nvSpPr>
+        <p:spPr bwMode="auto"/>
+        <p:txBody>
+          <a:bodyPr/>
+          <a:lstStyle/>
+          <a:p>
+            <a:pPr marL="0" marR="0" lvl="0" indent="0" algn="r" defTabSz="914400" eaLnBrk="1" fontAlgn="auto" latinLnBrk="0" hangingPunct="1">
+              <a:lnSpc>
+                <a:spcPct val="100000"/>
+              </a:lnSpc>
+              <a:spcBef>
+                <a:spcPts val="0"/>
+              </a:spcBef>
+              <a:spcAft>
+                <a:spcPts val="0"/>
+              </a:spcAft>
+              <a:buClrTx/>
+              <a:buSzTx/>
+              <a:buFontTx/>
+              <a:buNone/>
+              <a:tabLst/>
+              <a:defRPr/>
+            </a:pPr>
+            <a:fld id="{37F1F184-79D2-F4EC-467F-CF3EF60FA136}" type="slidenum">
+              <a:rPr kumimoji="0" sz="1200" b="0" i="0" u="none" strike="noStrike" kern="0" cap="none" spc="0" normalizeH="0" baseline="0" noProof="0">
+                <a:ln>
+                  <a:noFill/>
+                </a:ln>
+                <a:solidFill>
+                  <a:prstClr val="black"/>
+                </a:solidFill>
+                <a:effectLst/>
+                <a:uLnTx/>
+                <a:uFillTx/>
+                <a:latin typeface="Calibri"/>
+                <a:cs typeface="Arial"/>
+              </a:rPr>
+              <a:pPr marL="0" marR="0" lvl="0" indent="0" algn="r" defTabSz="914400" eaLnBrk="1" fontAlgn="auto" latinLnBrk="0" hangingPunct="1">
+                <a:lnSpc>
+                  <a:spcPct val="100000"/>
+                </a:lnSpc>
+                <a:spcBef>
+                  <a:spcPts val="0"/>
+                </a:spcBef>
+                <a:spcAft>
+                  <a:spcPts val="0"/>
+                </a:spcAft>
+                <a:buClrTx/>
+                <a:buSzTx/>
+                <a:buFontTx/>
+                <a:buNone/>
+                <a:tabLst/>
+                <a:defRPr/>
+              </a:pPr>
+              <a:t>57</a:t>
+            </a:fld>
+            <a:endParaRPr kumimoji="0" sz="1200" b="0" i="0" u="none" strike="noStrike" kern="0" cap="none" spc="0" normalizeH="0" baseline="0" noProof="0">
+              <a:ln>
+                <a:noFill/>
+              </a:ln>
+              <a:solidFill>
+                <a:prstClr val="black"/>
+              </a:solidFill>
+              <a:effectLst/>
+              <a:uLnTx/>
+              <a:uFillTx/>
+              <a:latin typeface="Calibri"/>
+              <a:cs typeface="Arial"/>
+            </a:endParaRPr>
+          </a:p>
+        </p:txBody>
+      </p:sp>
+    </p:spTree>
+    <p:extLst>
+      <p:ext uri="{BB962C8B-B14F-4D97-AF65-F5344CB8AC3E}">
+        <p14:creationId xmlns:p14="http://schemas.microsoft.com/office/powerpoint/2010/main" val="1128678057"/>
+      </p:ext>
+    </p:extLst>
+  </p:cSld>
+  <p:clrMapOvr>
+    <a:masterClrMapping/>
+  </p:clrMapOvr>
+</p:notes>
+</file>
+
+<file path=ppt/notesSlides/notesSlide29.xml><?xml version="1.0" encoding="utf-8"?>
+<p:notes xmlns:a="http://schemas.openxmlformats.org/drawingml/2006/main" xmlns:r="http://schemas.openxmlformats.org/officeDocument/2006/relationships" xmlns:p="http://schemas.openxmlformats.org/presentationml/2006/main">
+  <p:cSld>
+    <p:spTree>
+      <p:nvGrpSpPr>
+        <p:cNvPr id="1" name="">
+          <a:extLst>
+            <a:ext uri="{FF2B5EF4-FFF2-40B4-BE49-F238E27FC236}">
+              <a16:creationId xmlns:a16="http://schemas.microsoft.com/office/drawing/2014/main" id="{FA592738-03C1-03C9-8025-30BDA45C610D}"/>
+            </a:ext>
+          </a:extLst>
+        </p:cNvPr>
+        <p:cNvGrpSpPr/>
+        <p:nvPr/>
+      </p:nvGrpSpPr>
+      <p:grpSpPr bwMode="auto">
+        <a:xfrm>
+          <a:off x="0" y="0"/>
+          <a:ext cx="0" cy="0"/>
+          <a:chOff x="0" y="0"/>
+          <a:chExt cx="0" cy="0"/>
+        </a:xfrm>
+      </p:grpSpPr>
+      <p:sp>
+        <p:nvSpPr>
+          <p:cNvPr id="1330014680" name="Slide Image Placeholder 1">
+            <a:extLst>
+              <a:ext uri="{FF2B5EF4-FFF2-40B4-BE49-F238E27FC236}">
+                <a16:creationId xmlns:a16="http://schemas.microsoft.com/office/drawing/2014/main" id="{2EE1E529-DC86-D3B6-49A0-2D65FA11F5A0}"/>
+              </a:ext>
+            </a:extLst>
+          </p:cNvPr>
+          <p:cNvSpPr>
+            <a:spLocks noGrp="1" noRot="1" noChangeAspect="1"/>
+          </p:cNvSpPr>
+          <p:nvPr>
+            <p:ph type="sldImg"/>
+          </p:nvPr>
+        </p:nvSpPr>
+        <p:spPr bwMode="auto"/>
+      </p:sp>
+      <p:sp>
+        <p:nvSpPr>
+          <p:cNvPr id="1330354815" name="Notes Placeholder 2">
+            <a:extLst>
+              <a:ext uri="{FF2B5EF4-FFF2-40B4-BE49-F238E27FC236}">
+                <a16:creationId xmlns:a16="http://schemas.microsoft.com/office/drawing/2014/main" id="{17574C73-F3BE-B80D-02C9-271B05D4D288}"/>
+              </a:ext>
+            </a:extLst>
+          </p:cNvPr>
+          <p:cNvSpPr>
+            <a:spLocks noGrp="1"/>
+          </p:cNvSpPr>
+          <p:nvPr>
+            <p:ph type="body" idx="1"/>
+          </p:nvPr>
+        </p:nvSpPr>
+        <p:spPr bwMode="auto"/>
+        <p:txBody>
+          <a:bodyPr/>
+          <a:lstStyle/>
+          <a:p>
+            <a:pPr>
+              <a:defRPr/>
+            </a:pPr>
+            <a:endParaRPr/>
+          </a:p>
+        </p:txBody>
+      </p:sp>
+      <p:sp>
+        <p:nvSpPr>
+          <p:cNvPr id="1667253447" name="Slide Number Placeholder 3">
+            <a:extLst>
+              <a:ext uri="{FF2B5EF4-FFF2-40B4-BE49-F238E27FC236}">
+                <a16:creationId xmlns:a16="http://schemas.microsoft.com/office/drawing/2014/main" id="{8FB20F0B-AB34-14B8-4963-85EFB34A9B42}"/>
               </a:ext>
             </a:extLst>
           </p:cNvPr>
@@ -3592,7 +3934,7 @@
     </p:spTree>
     <p:extLst>
       <p:ext uri="{BB962C8B-B14F-4D97-AF65-F5344CB8AC3E}">
-        <p14:creationId xmlns:p14="http://schemas.microsoft.com/office/powerpoint/2010/main" val="237478640"/>
+        <p14:creationId xmlns:p14="http://schemas.microsoft.com/office/powerpoint/2010/main" val="3902437308"/>
       </p:ext>
     </p:extLst>
   </p:cSld>
@@ -3602,7 +3944,147 @@
 </p:notes>
 </file>
 
-<file path=ppt/notesSlides/notesSlide28.xml><?xml version="1.0" encoding="utf-8"?>
+<file path=ppt/notesSlides/notesSlide3.xml><?xml version="1.0" encoding="utf-8"?>
+<p:notes xmlns:a="http://schemas.openxmlformats.org/drawingml/2006/main" xmlns:r="http://schemas.openxmlformats.org/officeDocument/2006/relationships" xmlns:p="http://schemas.openxmlformats.org/presentationml/2006/main">
+  <p:cSld>
+    <p:spTree>
+      <p:nvGrpSpPr>
+        <p:cNvPr id="1" name=""/>
+        <p:cNvGrpSpPr/>
+        <p:nvPr/>
+      </p:nvGrpSpPr>
+      <p:grpSpPr bwMode="auto">
+        <a:xfrm>
+          <a:off x="0" y="0"/>
+          <a:ext cx="0" cy="0"/>
+          <a:chOff x="0" y="0"/>
+          <a:chExt cx="0" cy="0"/>
+        </a:xfrm>
+      </p:grpSpPr>
+      <p:sp>
+        <p:nvSpPr>
+          <p:cNvPr id="1330014680" name="Slide Image Placeholder 1"/>
+          <p:cNvSpPr>
+            <a:spLocks noGrp="1" noRot="1" noChangeAspect="1"/>
+          </p:cNvSpPr>
+          <p:nvPr>
+            <p:ph type="sldImg"/>
+          </p:nvPr>
+        </p:nvSpPr>
+        <p:spPr bwMode="auto"/>
+      </p:sp>
+      <p:sp>
+        <p:nvSpPr>
+          <p:cNvPr id="1330354815" name="Notes Placeholder 2"/>
+          <p:cNvSpPr>
+            <a:spLocks noGrp="1"/>
+          </p:cNvSpPr>
+          <p:nvPr>
+            <p:ph type="body" idx="1"/>
+          </p:nvPr>
+        </p:nvSpPr>
+        <p:spPr bwMode="auto"/>
+        <p:txBody>
+          <a:bodyPr/>
+          <a:lstStyle/>
+          <a:p>
+            <a:pPr>
+              <a:defRPr/>
+            </a:pPr>
+            <a:endParaRPr/>
+          </a:p>
+        </p:txBody>
+      </p:sp>
+      <p:sp>
+        <p:nvSpPr>
+          <p:cNvPr id="1667253447" name="Slide Number Placeholder 3"/>
+          <p:cNvSpPr>
+            <a:spLocks noGrp="1"/>
+          </p:cNvSpPr>
+          <p:nvPr>
+            <p:ph type="sldNum" sz="quarter" idx="10"/>
+          </p:nvPr>
+        </p:nvSpPr>
+        <p:spPr bwMode="auto"/>
+        <p:txBody>
+          <a:bodyPr/>
+          <a:lstStyle/>
+          <a:p>
+            <a:pPr marL="0" marR="0" lvl="0" indent="0" algn="r" defTabSz="914400" eaLnBrk="1" fontAlgn="auto" latinLnBrk="0" hangingPunct="1">
+              <a:lnSpc>
+                <a:spcPct val="100000"/>
+              </a:lnSpc>
+              <a:spcBef>
+                <a:spcPts val="0"/>
+              </a:spcBef>
+              <a:spcAft>
+                <a:spcPts val="0"/>
+              </a:spcAft>
+              <a:buClrTx/>
+              <a:buSzTx/>
+              <a:buFontTx/>
+              <a:buNone/>
+              <a:tabLst/>
+              <a:defRPr/>
+            </a:pPr>
+            <a:fld id="{37F1F184-79D2-F4EC-467F-CF3EF60FA136}" type="slidenum">
+              <a:rPr kumimoji="0" sz="1200" b="0" i="0" u="none" strike="noStrike" kern="0" cap="none" spc="0" normalizeH="0" baseline="0" noProof="0">
+                <a:ln>
+                  <a:noFill/>
+                </a:ln>
+                <a:solidFill>
+                  <a:prstClr val="black"/>
+                </a:solidFill>
+                <a:effectLst/>
+                <a:uLnTx/>
+                <a:uFillTx/>
+                <a:latin typeface="Calibri"/>
+                <a:cs typeface="Arial"/>
+              </a:rPr>
+              <a:pPr marL="0" marR="0" lvl="0" indent="0" algn="r" defTabSz="914400" eaLnBrk="1" fontAlgn="auto" latinLnBrk="0" hangingPunct="1">
+                <a:lnSpc>
+                  <a:spcPct val="100000"/>
+                </a:lnSpc>
+                <a:spcBef>
+                  <a:spcPts val="0"/>
+                </a:spcBef>
+                <a:spcAft>
+                  <a:spcPts val="0"/>
+                </a:spcAft>
+                <a:buClrTx/>
+                <a:buSzTx/>
+                <a:buFontTx/>
+                <a:buNone/>
+                <a:tabLst/>
+                <a:defRPr/>
+              </a:pPr>
+              <a:t>20</a:t>
+            </a:fld>
+            <a:endParaRPr kumimoji="0" sz="1200" b="0" i="0" u="none" strike="noStrike" kern="0" cap="none" spc="0" normalizeH="0" baseline="0" noProof="0">
+              <a:ln>
+                <a:noFill/>
+              </a:ln>
+              <a:solidFill>
+                <a:prstClr val="black"/>
+              </a:solidFill>
+              <a:effectLst/>
+              <a:uLnTx/>
+              <a:uFillTx/>
+              <a:latin typeface="Calibri"/>
+              <a:cs typeface="Arial"/>
+            </a:endParaRPr>
+          </a:p>
+        </p:txBody>
+      </p:sp>
+    </p:spTree>
+  </p:cSld>
+  <p:clrMapOvr>
+    <a:masterClrMapping/>
+  </p:clrMapOvr>
+</p:notes>
+</file>
+
+<file path=ppt/notesSlides/notesSlide30.xml><?xml version="1.0" encoding="utf-8"?>
 <p:notes xmlns:a="http://schemas.openxmlformats.org/drawingml/2006/main" xmlns:r="http://schemas.openxmlformats.org/officeDocument/2006/relationships" xmlns:p="http://schemas.openxmlformats.org/presentationml/2006/main">
   <p:cSld>
     <p:spTree>
@@ -3610,7 +4092,7 @@
         <p:cNvPr id="1" name="">
           <a:extLst>
             <a:ext uri="{FF2B5EF4-FFF2-40B4-BE49-F238E27FC236}">
-              <a16:creationId xmlns:a16="http://schemas.microsoft.com/office/drawing/2014/main" id="{5FBB5073-8EAD-4DFA-A13D-BA454D6B5EC9}"/>
+              <a16:creationId xmlns:a16="http://schemas.microsoft.com/office/drawing/2014/main" id="{BD5F7901-49F7-F12B-FFA5-DDF2CF4C64DE}"/>
             </a:ext>
           </a:extLst>
         </p:cNvPr>
@@ -3630,7 +4112,7 @@
           <p:cNvPr id="1330014680" name="Slide Image Placeholder 1">
             <a:extLst>
               <a:ext uri="{FF2B5EF4-FFF2-40B4-BE49-F238E27FC236}">
-                <a16:creationId xmlns:a16="http://schemas.microsoft.com/office/drawing/2014/main" id="{0F3AAEC4-0330-20A6-7B90-AA189194E4A8}"/>
+                <a16:creationId xmlns:a16="http://schemas.microsoft.com/office/drawing/2014/main" id="{1A0931BC-1901-D7B8-7B73-9665A5A74878}"/>
               </a:ext>
             </a:extLst>
           </p:cNvPr>
@@ -3648,7 +4130,7 @@
           <p:cNvPr id="1330354815" name="Notes Placeholder 2">
             <a:extLst>
               <a:ext uri="{FF2B5EF4-FFF2-40B4-BE49-F238E27FC236}">
-                <a16:creationId xmlns:a16="http://schemas.microsoft.com/office/drawing/2014/main" id="{7DD02D89-D38A-E02C-40B2-674E42F84C54}"/>
+                <a16:creationId xmlns:a16="http://schemas.microsoft.com/office/drawing/2014/main" id="{BF382972-7254-CD67-0466-0D32973D79F3}"/>
               </a:ext>
             </a:extLst>
           </p:cNvPr>
@@ -3676,7 +4158,7 @@
           <p:cNvPr id="1667253447" name="Slide Number Placeholder 3">
             <a:extLst>
               <a:ext uri="{FF2B5EF4-FFF2-40B4-BE49-F238E27FC236}">
-                <a16:creationId xmlns:a16="http://schemas.microsoft.com/office/drawing/2014/main" id="{07874E8D-BFD4-4A81-8379-BB3DD1B4FCE8}"/>
+                <a16:creationId xmlns:a16="http://schemas.microsoft.com/office/drawing/2014/main" id="{BB35E0D4-6A49-C004-8EAD-EC5900E109CA}"/>
               </a:ext>
             </a:extLst>
           </p:cNvPr>
@@ -3761,7 +4243,7 @@
     </p:spTree>
     <p:extLst>
       <p:ext uri="{BB962C8B-B14F-4D97-AF65-F5344CB8AC3E}">
-        <p14:creationId xmlns:p14="http://schemas.microsoft.com/office/powerpoint/2010/main" val="1128678057"/>
+        <p14:creationId xmlns:p14="http://schemas.microsoft.com/office/powerpoint/2010/main" val="599269686"/>
       </p:ext>
     </p:extLst>
   </p:cSld>
@@ -3771,7 +4253,7 @@
 </p:notes>
 </file>
 
-<file path=ppt/notesSlides/notesSlide29.xml><?xml version="1.0" encoding="utf-8"?>
+<file path=ppt/notesSlides/notesSlide31.xml><?xml version="1.0" encoding="utf-8"?>
 <p:notes xmlns:a="http://schemas.openxmlformats.org/drawingml/2006/main" xmlns:r="http://schemas.openxmlformats.org/officeDocument/2006/relationships" xmlns:p="http://schemas.openxmlformats.org/presentationml/2006/main">
   <p:cSld>
     <p:spTree>
@@ -3779,7 +4261,7 @@
         <p:cNvPr id="1" name="">
           <a:extLst>
             <a:ext uri="{FF2B5EF4-FFF2-40B4-BE49-F238E27FC236}">
-              <a16:creationId xmlns:a16="http://schemas.microsoft.com/office/drawing/2014/main" id="{FA592738-03C1-03C9-8025-30BDA45C610D}"/>
+              <a16:creationId xmlns:a16="http://schemas.microsoft.com/office/drawing/2014/main" id="{17C4D7CD-3D3F-EE5D-2B65-BC744F5F8820}"/>
             </a:ext>
           </a:extLst>
         </p:cNvPr>
@@ -3799,7 +4281,7 @@
           <p:cNvPr id="1330014680" name="Slide Image Placeholder 1">
             <a:extLst>
               <a:ext uri="{FF2B5EF4-FFF2-40B4-BE49-F238E27FC236}">
-                <a16:creationId xmlns:a16="http://schemas.microsoft.com/office/drawing/2014/main" id="{2EE1E529-DC86-D3B6-49A0-2D65FA11F5A0}"/>
+                <a16:creationId xmlns:a16="http://schemas.microsoft.com/office/drawing/2014/main" id="{486C0883-F4B1-6F2F-6707-76F6FC09F1B2}"/>
               </a:ext>
             </a:extLst>
           </p:cNvPr>
@@ -3817,7 +4299,7 @@
           <p:cNvPr id="1330354815" name="Notes Placeholder 2">
             <a:extLst>
               <a:ext uri="{FF2B5EF4-FFF2-40B4-BE49-F238E27FC236}">
-                <a16:creationId xmlns:a16="http://schemas.microsoft.com/office/drawing/2014/main" id="{17574C73-F3BE-B80D-02C9-271B05D4D288}"/>
+                <a16:creationId xmlns:a16="http://schemas.microsoft.com/office/drawing/2014/main" id="{30D83B0C-ECF8-B4E0-A3C5-DCEFE425F2D5}"/>
               </a:ext>
             </a:extLst>
           </p:cNvPr>
@@ -3845,7 +4327,7 @@
           <p:cNvPr id="1667253447" name="Slide Number Placeholder 3">
             <a:extLst>
               <a:ext uri="{FF2B5EF4-FFF2-40B4-BE49-F238E27FC236}">
-                <a16:creationId xmlns:a16="http://schemas.microsoft.com/office/drawing/2014/main" id="{8FB20F0B-AB34-14B8-4963-85EFB34A9B42}"/>
+                <a16:creationId xmlns:a16="http://schemas.microsoft.com/office/drawing/2014/main" id="{3F788EA0-AF0D-CFC7-4010-B5D1234D8D3B}"/>
               </a:ext>
             </a:extLst>
           </p:cNvPr>
@@ -3930,7 +4412,7 @@
     </p:spTree>
     <p:extLst>
       <p:ext uri="{BB962C8B-B14F-4D97-AF65-F5344CB8AC3E}">
-        <p14:creationId xmlns:p14="http://schemas.microsoft.com/office/powerpoint/2010/main" val="3902437308"/>
+        <p14:creationId xmlns:p14="http://schemas.microsoft.com/office/powerpoint/2010/main" val="1901101225"/>
       </p:ext>
     </p:extLst>
   </p:cSld>
@@ -3940,147 +4422,7 @@
 </p:notes>
 </file>
 
-<file path=ppt/notesSlides/notesSlide3.xml><?xml version="1.0" encoding="utf-8"?>
-<p:notes xmlns:a="http://schemas.openxmlformats.org/drawingml/2006/main" xmlns:r="http://schemas.openxmlformats.org/officeDocument/2006/relationships" xmlns:p="http://schemas.openxmlformats.org/presentationml/2006/main">
-  <p:cSld>
-    <p:spTree>
-      <p:nvGrpSpPr>
-        <p:cNvPr id="1" name=""/>
-        <p:cNvGrpSpPr/>
-        <p:nvPr/>
-      </p:nvGrpSpPr>
-      <p:grpSpPr bwMode="auto">
-        <a:xfrm>
-          <a:off x="0" y="0"/>
-          <a:ext cx="0" cy="0"/>
-          <a:chOff x="0" y="0"/>
-          <a:chExt cx="0" cy="0"/>
-        </a:xfrm>
-      </p:grpSpPr>
-      <p:sp>
-        <p:nvSpPr>
-          <p:cNvPr id="1330014680" name="Slide Image Placeholder 1"/>
-          <p:cNvSpPr>
-            <a:spLocks noGrp="1" noRot="1" noChangeAspect="1"/>
-          </p:cNvSpPr>
-          <p:nvPr>
-            <p:ph type="sldImg"/>
-          </p:nvPr>
-        </p:nvSpPr>
-        <p:spPr bwMode="auto"/>
-      </p:sp>
-      <p:sp>
-        <p:nvSpPr>
-          <p:cNvPr id="1330354815" name="Notes Placeholder 2"/>
-          <p:cNvSpPr>
-            <a:spLocks noGrp="1"/>
-          </p:cNvSpPr>
-          <p:nvPr>
-            <p:ph type="body" idx="1"/>
-          </p:nvPr>
-        </p:nvSpPr>
-        <p:spPr bwMode="auto"/>
-        <p:txBody>
-          <a:bodyPr/>
-          <a:lstStyle/>
-          <a:p>
-            <a:pPr>
-              <a:defRPr/>
-            </a:pPr>
-            <a:endParaRPr/>
-          </a:p>
-        </p:txBody>
-      </p:sp>
-      <p:sp>
-        <p:nvSpPr>
-          <p:cNvPr id="1667253447" name="Slide Number Placeholder 3"/>
-          <p:cNvSpPr>
-            <a:spLocks noGrp="1"/>
-          </p:cNvSpPr>
-          <p:nvPr>
-            <p:ph type="sldNum" sz="quarter" idx="10"/>
-          </p:nvPr>
-        </p:nvSpPr>
-        <p:spPr bwMode="auto"/>
-        <p:txBody>
-          <a:bodyPr/>
-          <a:lstStyle/>
-          <a:p>
-            <a:pPr marL="0" marR="0" lvl="0" indent="0" algn="r" defTabSz="914400" eaLnBrk="1" fontAlgn="auto" latinLnBrk="0" hangingPunct="1">
-              <a:lnSpc>
-                <a:spcPct val="100000"/>
-              </a:lnSpc>
-              <a:spcBef>
-                <a:spcPts val="0"/>
-              </a:spcBef>
-              <a:spcAft>
-                <a:spcPts val="0"/>
-              </a:spcAft>
-              <a:buClrTx/>
-              <a:buSzTx/>
-              <a:buFontTx/>
-              <a:buNone/>
-              <a:tabLst/>
-              <a:defRPr/>
-            </a:pPr>
-            <a:fld id="{37F1F184-79D2-F4EC-467F-CF3EF60FA136}" type="slidenum">
-              <a:rPr kumimoji="0" sz="1200" b="0" i="0" u="none" strike="noStrike" kern="0" cap="none" spc="0" normalizeH="0" baseline="0" noProof="0">
-                <a:ln>
-                  <a:noFill/>
-                </a:ln>
-                <a:solidFill>
-                  <a:prstClr val="black"/>
-                </a:solidFill>
-                <a:effectLst/>
-                <a:uLnTx/>
-                <a:uFillTx/>
-                <a:latin typeface="Calibri"/>
-                <a:cs typeface="Arial"/>
-              </a:rPr>
-              <a:pPr marL="0" marR="0" lvl="0" indent="0" algn="r" defTabSz="914400" eaLnBrk="1" fontAlgn="auto" latinLnBrk="0" hangingPunct="1">
-                <a:lnSpc>
-                  <a:spcPct val="100000"/>
-                </a:lnSpc>
-                <a:spcBef>
-                  <a:spcPts val="0"/>
-                </a:spcBef>
-                <a:spcAft>
-                  <a:spcPts val="0"/>
-                </a:spcAft>
-                <a:buClrTx/>
-                <a:buSzTx/>
-                <a:buFontTx/>
-                <a:buNone/>
-                <a:tabLst/>
-                <a:defRPr/>
-              </a:pPr>
-              <a:t>20</a:t>
-            </a:fld>
-            <a:endParaRPr kumimoji="0" sz="1200" b="0" i="0" u="none" strike="noStrike" kern="0" cap="none" spc="0" normalizeH="0" baseline="0" noProof="0">
-              <a:ln>
-                <a:noFill/>
-              </a:ln>
-              <a:solidFill>
-                <a:prstClr val="black"/>
-              </a:solidFill>
-              <a:effectLst/>
-              <a:uLnTx/>
-              <a:uFillTx/>
-              <a:latin typeface="Calibri"/>
-              <a:cs typeface="Arial"/>
-            </a:endParaRPr>
-          </a:p>
-        </p:txBody>
-      </p:sp>
-    </p:spTree>
-  </p:cSld>
-  <p:clrMapOvr>
-    <a:masterClrMapping/>
-  </p:clrMapOvr>
-</p:notes>
-</file>
-
-<file path=ppt/notesSlides/notesSlide30.xml><?xml version="1.0" encoding="utf-8"?>
+<file path=ppt/notesSlides/notesSlide32.xml><?xml version="1.0" encoding="utf-8"?>
 <p:notes xmlns:a="http://schemas.openxmlformats.org/drawingml/2006/main" xmlns:r="http://schemas.openxmlformats.org/officeDocument/2006/relationships" xmlns:p="http://schemas.openxmlformats.org/presentationml/2006/main">
   <p:cSld>
     <p:spTree>
@@ -4088,7 +4430,7 @@
         <p:cNvPr id="1" name="">
           <a:extLst>
             <a:ext uri="{FF2B5EF4-FFF2-40B4-BE49-F238E27FC236}">
-              <a16:creationId xmlns:a16="http://schemas.microsoft.com/office/drawing/2014/main" id="{BD5F7901-49F7-F12B-FFA5-DDF2CF4C64DE}"/>
+              <a16:creationId xmlns:a16="http://schemas.microsoft.com/office/drawing/2014/main" id="{E38C4809-F518-3D7B-0C88-35B6C0FEF890}"/>
             </a:ext>
           </a:extLst>
         </p:cNvPr>
@@ -4108,7 +4450,7 @@
           <p:cNvPr id="1330014680" name="Slide Image Placeholder 1">
             <a:extLst>
               <a:ext uri="{FF2B5EF4-FFF2-40B4-BE49-F238E27FC236}">
-                <a16:creationId xmlns:a16="http://schemas.microsoft.com/office/drawing/2014/main" id="{1A0931BC-1901-D7B8-7B73-9665A5A74878}"/>
+                <a16:creationId xmlns:a16="http://schemas.microsoft.com/office/drawing/2014/main" id="{B96B8645-5645-4593-160E-971598332BC5}"/>
               </a:ext>
             </a:extLst>
           </p:cNvPr>
@@ -4126,7 +4468,7 @@
           <p:cNvPr id="1330354815" name="Notes Placeholder 2">
             <a:extLst>
               <a:ext uri="{FF2B5EF4-FFF2-40B4-BE49-F238E27FC236}">
-                <a16:creationId xmlns:a16="http://schemas.microsoft.com/office/drawing/2014/main" id="{BF382972-7254-CD67-0466-0D32973D79F3}"/>
+                <a16:creationId xmlns:a16="http://schemas.microsoft.com/office/drawing/2014/main" id="{0090F4AE-0523-527F-2B4F-FDFD0581F537}"/>
               </a:ext>
             </a:extLst>
           </p:cNvPr>
@@ -4154,7 +4496,7 @@
           <p:cNvPr id="1667253447" name="Slide Number Placeholder 3">
             <a:extLst>
               <a:ext uri="{FF2B5EF4-FFF2-40B4-BE49-F238E27FC236}">
-                <a16:creationId xmlns:a16="http://schemas.microsoft.com/office/drawing/2014/main" id="{BB35E0D4-6A49-C004-8EAD-EC5900E109CA}"/>
+                <a16:creationId xmlns:a16="http://schemas.microsoft.com/office/drawing/2014/main" id="{F162A118-2C31-8A95-F2BB-A4149F752131}"/>
               </a:ext>
             </a:extLst>
           </p:cNvPr>
@@ -4239,7 +4581,7 @@
     </p:spTree>
     <p:extLst>
       <p:ext uri="{BB962C8B-B14F-4D97-AF65-F5344CB8AC3E}">
-        <p14:creationId xmlns:p14="http://schemas.microsoft.com/office/powerpoint/2010/main" val="599269686"/>
+        <p14:creationId xmlns:p14="http://schemas.microsoft.com/office/powerpoint/2010/main" val="1890091100"/>
       </p:ext>
     </p:extLst>
   </p:cSld>
@@ -4249,7 +4591,7 @@
 </p:notes>
 </file>
 
-<file path=ppt/notesSlides/notesSlide31.xml><?xml version="1.0" encoding="utf-8"?>
+<file path=ppt/notesSlides/notesSlide33.xml><?xml version="1.0" encoding="utf-8"?>
 <p:notes xmlns:a="http://schemas.openxmlformats.org/drawingml/2006/main" xmlns:r="http://schemas.openxmlformats.org/officeDocument/2006/relationships" xmlns:p="http://schemas.openxmlformats.org/presentationml/2006/main">
   <p:cSld>
     <p:spTree>
@@ -4257,7 +4599,7 @@
         <p:cNvPr id="1" name="">
           <a:extLst>
             <a:ext uri="{FF2B5EF4-FFF2-40B4-BE49-F238E27FC236}">
-              <a16:creationId xmlns:a16="http://schemas.microsoft.com/office/drawing/2014/main" id="{17C4D7CD-3D3F-EE5D-2B65-BC744F5F8820}"/>
+              <a16:creationId xmlns:a16="http://schemas.microsoft.com/office/drawing/2014/main" id="{CE5B9C85-AE9A-0B4C-3DDF-8F7EE7E7EFF2}"/>
             </a:ext>
           </a:extLst>
         </p:cNvPr>
@@ -4274,10 +4616,10 @@
       </p:grpSpPr>
       <p:sp>
         <p:nvSpPr>
-          <p:cNvPr id="1330014680" name="Slide Image Placeholder 1">
-            <a:extLst>
-              <a:ext uri="{FF2B5EF4-FFF2-40B4-BE49-F238E27FC236}">
-                <a16:creationId xmlns:a16="http://schemas.microsoft.com/office/drawing/2014/main" id="{486C0883-F4B1-6F2F-6707-76F6FC09F1B2}"/>
+          <p:cNvPr id="139090186" name="Slide Image Placeholder 1">
+            <a:extLst>
+              <a:ext uri="{FF2B5EF4-FFF2-40B4-BE49-F238E27FC236}">
+                <a16:creationId xmlns:a16="http://schemas.microsoft.com/office/drawing/2014/main" id="{CA1EF806-6ADD-CD61-14D0-542D519DF096}"/>
               </a:ext>
             </a:extLst>
           </p:cNvPr>
@@ -4292,10 +4634,10 @@
       </p:sp>
       <p:sp>
         <p:nvSpPr>
-          <p:cNvPr id="1330354815" name="Notes Placeholder 2">
-            <a:extLst>
-              <a:ext uri="{FF2B5EF4-FFF2-40B4-BE49-F238E27FC236}">
-                <a16:creationId xmlns:a16="http://schemas.microsoft.com/office/drawing/2014/main" id="{30D83B0C-ECF8-B4E0-A3C5-DCEFE425F2D5}"/>
+          <p:cNvPr id="400293583" name="Notes Placeholder 2">
+            <a:extLst>
+              <a:ext uri="{FF2B5EF4-FFF2-40B4-BE49-F238E27FC236}">
+                <a16:creationId xmlns:a16="http://schemas.microsoft.com/office/drawing/2014/main" id="{A6E83C72-87D0-BB0F-CBF3-E614CE7ADC67}"/>
               </a:ext>
             </a:extLst>
           </p:cNvPr>
@@ -4320,10 +4662,10 @@
       </p:sp>
       <p:sp>
         <p:nvSpPr>
-          <p:cNvPr id="1667253447" name="Slide Number Placeholder 3">
-            <a:extLst>
-              <a:ext uri="{FF2B5EF4-FFF2-40B4-BE49-F238E27FC236}">
-                <a16:creationId xmlns:a16="http://schemas.microsoft.com/office/drawing/2014/main" id="{3F788EA0-AF0D-CFC7-4010-B5D1234D8D3B}"/>
+          <p:cNvPr id="1257388043" name="Slide Number Placeholder 3">
+            <a:extLst>
+              <a:ext uri="{FF2B5EF4-FFF2-40B4-BE49-F238E27FC236}">
+                <a16:creationId xmlns:a16="http://schemas.microsoft.com/office/drawing/2014/main" id="{BF9D2FA0-9A97-B5BB-2C32-0C999D597651}"/>
               </a:ext>
             </a:extLst>
           </p:cNvPr>
@@ -4356,7 +4698,7 @@
               <a:tabLst/>
               <a:defRPr/>
             </a:pPr>
-            <a:fld id="{37F1F184-79D2-F4EC-467F-CF3EF60FA136}" type="slidenum">
+            <a:fld id="{20073075-213A-DC53-9B24-1C6EF3B6ADAB}" type="slidenum">
               <a:rPr kumimoji="0" sz="1200" b="0" i="0" u="none" strike="noStrike" kern="0" cap="none" spc="0" normalizeH="0" baseline="0" noProof="0">
                 <a:ln>
                   <a:noFill/>
@@ -4408,7 +4750,7 @@
     </p:spTree>
     <p:extLst>
       <p:ext uri="{BB962C8B-B14F-4D97-AF65-F5344CB8AC3E}">
-        <p14:creationId xmlns:p14="http://schemas.microsoft.com/office/powerpoint/2010/main" val="1901101225"/>
+        <p14:creationId xmlns:p14="http://schemas.microsoft.com/office/powerpoint/2010/main" val="3523433093"/>
       </p:ext>
     </p:extLst>
   </p:cSld>
@@ -4418,7 +4760,7 @@
 </p:notes>
 </file>
 
-<file path=ppt/notesSlides/notesSlide32.xml><?xml version="1.0" encoding="utf-8"?>
+<file path=ppt/notesSlides/notesSlide34.xml><?xml version="1.0" encoding="utf-8"?>
 <p:notes xmlns:a="http://schemas.openxmlformats.org/drawingml/2006/main" xmlns:r="http://schemas.openxmlformats.org/officeDocument/2006/relationships" xmlns:p="http://schemas.openxmlformats.org/presentationml/2006/main">
   <p:cSld>
     <p:spTree>
@@ -4426,7 +4768,7 @@
         <p:cNvPr id="1" name="">
           <a:extLst>
             <a:ext uri="{FF2B5EF4-FFF2-40B4-BE49-F238E27FC236}">
-              <a16:creationId xmlns:a16="http://schemas.microsoft.com/office/drawing/2014/main" id="{E38C4809-F518-3D7B-0C88-35B6C0FEF890}"/>
+              <a16:creationId xmlns:a16="http://schemas.microsoft.com/office/drawing/2014/main" id="{3DDADE42-1D1F-CA82-7701-4EF6DAAB2343}"/>
             </a:ext>
           </a:extLst>
         </p:cNvPr>
@@ -4443,10 +4785,10 @@
       </p:grpSpPr>
       <p:sp>
         <p:nvSpPr>
-          <p:cNvPr id="1330014680" name="Slide Image Placeholder 1">
-            <a:extLst>
-              <a:ext uri="{FF2B5EF4-FFF2-40B4-BE49-F238E27FC236}">
-                <a16:creationId xmlns:a16="http://schemas.microsoft.com/office/drawing/2014/main" id="{B96B8645-5645-4593-160E-971598332BC5}"/>
+          <p:cNvPr id="139090186" name="Slide Image Placeholder 1">
+            <a:extLst>
+              <a:ext uri="{FF2B5EF4-FFF2-40B4-BE49-F238E27FC236}">
+                <a16:creationId xmlns:a16="http://schemas.microsoft.com/office/drawing/2014/main" id="{35147794-95D5-3EBE-B29E-0F301F254631}"/>
               </a:ext>
             </a:extLst>
           </p:cNvPr>
@@ -4461,10 +4803,10 @@
       </p:sp>
       <p:sp>
         <p:nvSpPr>
-          <p:cNvPr id="1330354815" name="Notes Placeholder 2">
-            <a:extLst>
-              <a:ext uri="{FF2B5EF4-FFF2-40B4-BE49-F238E27FC236}">
-                <a16:creationId xmlns:a16="http://schemas.microsoft.com/office/drawing/2014/main" id="{0090F4AE-0523-527F-2B4F-FDFD0581F537}"/>
+          <p:cNvPr id="400293583" name="Notes Placeholder 2">
+            <a:extLst>
+              <a:ext uri="{FF2B5EF4-FFF2-40B4-BE49-F238E27FC236}">
+                <a16:creationId xmlns:a16="http://schemas.microsoft.com/office/drawing/2014/main" id="{DCF11677-E798-0730-353F-2C3485653D38}"/>
               </a:ext>
             </a:extLst>
           </p:cNvPr>
@@ -4489,10 +4831,10 @@
       </p:sp>
       <p:sp>
         <p:nvSpPr>
-          <p:cNvPr id="1667253447" name="Slide Number Placeholder 3">
-            <a:extLst>
-              <a:ext uri="{FF2B5EF4-FFF2-40B4-BE49-F238E27FC236}">
-                <a16:creationId xmlns:a16="http://schemas.microsoft.com/office/drawing/2014/main" id="{F162A118-2C31-8A95-F2BB-A4149F752131}"/>
+          <p:cNvPr id="1257388043" name="Slide Number Placeholder 3">
+            <a:extLst>
+              <a:ext uri="{FF2B5EF4-FFF2-40B4-BE49-F238E27FC236}">
+                <a16:creationId xmlns:a16="http://schemas.microsoft.com/office/drawing/2014/main" id="{EC38EF4C-01D8-D704-EC75-8DB8FF1E8139}"/>
               </a:ext>
             </a:extLst>
           </p:cNvPr>
@@ -4525,7 +4867,7 @@
               <a:tabLst/>
               <a:defRPr/>
             </a:pPr>
-            <a:fld id="{37F1F184-79D2-F4EC-467F-CF3EF60FA136}" type="slidenum">
+            <a:fld id="{20073075-213A-DC53-9B24-1C6EF3B6ADAB}" type="slidenum">
               <a:rPr kumimoji="0" sz="1200" b="0" i="0" u="none" strike="noStrike" kern="0" cap="none" spc="0" normalizeH="0" baseline="0" noProof="0">
                 <a:ln>
                   <a:noFill/>
@@ -4577,7 +4919,7 @@
     </p:spTree>
     <p:extLst>
       <p:ext uri="{BB962C8B-B14F-4D97-AF65-F5344CB8AC3E}">
-        <p14:creationId xmlns:p14="http://schemas.microsoft.com/office/powerpoint/2010/main" val="1890091100"/>
+        <p14:creationId xmlns:p14="http://schemas.microsoft.com/office/powerpoint/2010/main" val="1986518323"/>
       </p:ext>
     </p:extLst>
   </p:cSld>
@@ -4587,7 +4929,7 @@
 </p:notes>
 </file>
 
-<file path=ppt/notesSlides/notesSlide33.xml><?xml version="1.0" encoding="utf-8"?>
+<file path=ppt/notesSlides/notesSlide35.xml><?xml version="1.0" encoding="utf-8"?>
 <p:notes xmlns:a="http://schemas.openxmlformats.org/drawingml/2006/main" xmlns:r="http://schemas.openxmlformats.org/officeDocument/2006/relationships" xmlns:p="http://schemas.openxmlformats.org/presentationml/2006/main">
   <p:cSld>
     <p:spTree>
@@ -4595,7 +4937,7 @@
         <p:cNvPr id="1" name="">
           <a:extLst>
             <a:ext uri="{FF2B5EF4-FFF2-40B4-BE49-F238E27FC236}">
-              <a16:creationId xmlns:a16="http://schemas.microsoft.com/office/drawing/2014/main" id="{CE5B9C85-AE9A-0B4C-3DDF-8F7EE7E7EFF2}"/>
+              <a16:creationId xmlns:a16="http://schemas.microsoft.com/office/drawing/2014/main" id="{54E4B3FB-A8BF-FE78-1355-F0237D106B7D}"/>
             </a:ext>
           </a:extLst>
         </p:cNvPr>
@@ -4615,7 +4957,7 @@
           <p:cNvPr id="139090186" name="Slide Image Placeholder 1">
             <a:extLst>
               <a:ext uri="{FF2B5EF4-FFF2-40B4-BE49-F238E27FC236}">
-                <a16:creationId xmlns:a16="http://schemas.microsoft.com/office/drawing/2014/main" id="{CA1EF806-6ADD-CD61-14D0-542D519DF096}"/>
+                <a16:creationId xmlns:a16="http://schemas.microsoft.com/office/drawing/2014/main" id="{47572DA5-4A1F-FDD5-94BF-76FCF0F44D4D}"/>
               </a:ext>
             </a:extLst>
           </p:cNvPr>
@@ -4633,7 +4975,7 @@
           <p:cNvPr id="400293583" name="Notes Placeholder 2">
             <a:extLst>
               <a:ext uri="{FF2B5EF4-FFF2-40B4-BE49-F238E27FC236}">
-                <a16:creationId xmlns:a16="http://schemas.microsoft.com/office/drawing/2014/main" id="{A6E83C72-87D0-BB0F-CBF3-E614CE7ADC67}"/>
+                <a16:creationId xmlns:a16="http://schemas.microsoft.com/office/drawing/2014/main" id="{3AEFB35F-C11C-29BC-11FA-83AE8EED3E2C}"/>
               </a:ext>
             </a:extLst>
           </p:cNvPr>
@@ -4661,7 +5003,7 @@
           <p:cNvPr id="1257388043" name="Slide Number Placeholder 3">
             <a:extLst>
               <a:ext uri="{FF2B5EF4-FFF2-40B4-BE49-F238E27FC236}">
-                <a16:creationId xmlns:a16="http://schemas.microsoft.com/office/drawing/2014/main" id="{BF9D2FA0-9A97-B5BB-2C32-0C999D597651}"/>
+                <a16:creationId xmlns:a16="http://schemas.microsoft.com/office/drawing/2014/main" id="{0DAC04F4-D0EA-1515-2C5E-3ADDCF840E5B}"/>
               </a:ext>
             </a:extLst>
           </p:cNvPr>
@@ -4746,7 +5088,7 @@
     </p:spTree>
     <p:extLst>
       <p:ext uri="{BB962C8B-B14F-4D97-AF65-F5344CB8AC3E}">
-        <p14:creationId xmlns:p14="http://schemas.microsoft.com/office/powerpoint/2010/main" val="3523433093"/>
+        <p14:creationId xmlns:p14="http://schemas.microsoft.com/office/powerpoint/2010/main" val="4222852445"/>
       </p:ext>
     </p:extLst>
   </p:cSld>
@@ -4756,7 +5098,7 @@
 </p:notes>
 </file>
 
-<file path=ppt/notesSlides/notesSlide34.xml><?xml version="1.0" encoding="utf-8"?>
+<file path=ppt/notesSlides/notesSlide36.xml><?xml version="1.0" encoding="utf-8"?>
 <p:notes xmlns:a="http://schemas.openxmlformats.org/drawingml/2006/main" xmlns:r="http://schemas.openxmlformats.org/officeDocument/2006/relationships" xmlns:p="http://schemas.openxmlformats.org/presentationml/2006/main">
   <p:cSld>
     <p:spTree>
@@ -4764,7 +5106,7 @@
         <p:cNvPr id="1" name="">
           <a:extLst>
             <a:ext uri="{FF2B5EF4-FFF2-40B4-BE49-F238E27FC236}">
-              <a16:creationId xmlns:a16="http://schemas.microsoft.com/office/drawing/2014/main" id="{3DDADE42-1D1F-CA82-7701-4EF6DAAB2343}"/>
+              <a16:creationId xmlns:a16="http://schemas.microsoft.com/office/drawing/2014/main" id="{C472848F-AB5D-8100-D4FC-B0369624D857}"/>
             </a:ext>
           </a:extLst>
         </p:cNvPr>
@@ -4784,7 +5126,7 @@
           <p:cNvPr id="139090186" name="Slide Image Placeholder 1">
             <a:extLst>
               <a:ext uri="{FF2B5EF4-FFF2-40B4-BE49-F238E27FC236}">
-                <a16:creationId xmlns:a16="http://schemas.microsoft.com/office/drawing/2014/main" id="{35147794-95D5-3EBE-B29E-0F301F254631}"/>
+                <a16:creationId xmlns:a16="http://schemas.microsoft.com/office/drawing/2014/main" id="{EA4F9FA6-0ABA-72AD-8931-02FFAE41E5B6}"/>
               </a:ext>
             </a:extLst>
           </p:cNvPr>
@@ -4802,7 +5144,7 @@
           <p:cNvPr id="400293583" name="Notes Placeholder 2">
             <a:extLst>
               <a:ext uri="{FF2B5EF4-FFF2-40B4-BE49-F238E27FC236}">
-                <a16:creationId xmlns:a16="http://schemas.microsoft.com/office/drawing/2014/main" id="{DCF11677-E798-0730-353F-2C3485653D38}"/>
+                <a16:creationId xmlns:a16="http://schemas.microsoft.com/office/drawing/2014/main" id="{1DB8AF28-8DB2-BBA8-1427-E61A79BFC192}"/>
               </a:ext>
             </a:extLst>
           </p:cNvPr>
@@ -4830,7 +5172,7 @@
           <p:cNvPr id="1257388043" name="Slide Number Placeholder 3">
             <a:extLst>
               <a:ext uri="{FF2B5EF4-FFF2-40B4-BE49-F238E27FC236}">
-                <a16:creationId xmlns:a16="http://schemas.microsoft.com/office/drawing/2014/main" id="{EC38EF4C-01D8-D704-EC75-8DB8FF1E8139}"/>
+                <a16:creationId xmlns:a16="http://schemas.microsoft.com/office/drawing/2014/main" id="{313F6753-B0A3-302F-A04C-03A379CE9458}"/>
               </a:ext>
             </a:extLst>
           </p:cNvPr>
@@ -4915,7 +5257,7 @@
     </p:spTree>
     <p:extLst>
       <p:ext uri="{BB962C8B-B14F-4D97-AF65-F5344CB8AC3E}">
-        <p14:creationId xmlns:p14="http://schemas.microsoft.com/office/powerpoint/2010/main" val="1986518323"/>
+        <p14:creationId xmlns:p14="http://schemas.microsoft.com/office/powerpoint/2010/main" val="1209080239"/>
       </p:ext>
     </p:extLst>
   </p:cSld>
@@ -4925,7 +5267,7 @@
 </p:notes>
 </file>
 
-<file path=ppt/notesSlides/notesSlide35.xml><?xml version="1.0" encoding="utf-8"?>
+<file path=ppt/notesSlides/notesSlide37.xml><?xml version="1.0" encoding="utf-8"?>
 <p:notes xmlns:a="http://schemas.openxmlformats.org/drawingml/2006/main" xmlns:r="http://schemas.openxmlformats.org/officeDocument/2006/relationships" xmlns:p="http://schemas.openxmlformats.org/presentationml/2006/main">
   <p:cSld>
     <p:spTree>
@@ -4933,7 +5275,7 @@
         <p:cNvPr id="1" name="">
           <a:extLst>
             <a:ext uri="{FF2B5EF4-FFF2-40B4-BE49-F238E27FC236}">
-              <a16:creationId xmlns:a16="http://schemas.microsoft.com/office/drawing/2014/main" id="{54E4B3FB-A8BF-FE78-1355-F0237D106B7D}"/>
+              <a16:creationId xmlns:a16="http://schemas.microsoft.com/office/drawing/2014/main" id="{3B1FF912-D4B6-1CEC-3109-5A46A657F9A8}"/>
             </a:ext>
           </a:extLst>
         </p:cNvPr>
@@ -4953,7 +5295,7 @@
           <p:cNvPr id="139090186" name="Slide Image Placeholder 1">
             <a:extLst>
               <a:ext uri="{FF2B5EF4-FFF2-40B4-BE49-F238E27FC236}">
-                <a16:creationId xmlns:a16="http://schemas.microsoft.com/office/drawing/2014/main" id="{47572DA5-4A1F-FDD5-94BF-76FCF0F44D4D}"/>
+                <a16:creationId xmlns:a16="http://schemas.microsoft.com/office/drawing/2014/main" id="{2C804D89-D859-90B1-FA99-F2C6E3C8554F}"/>
               </a:ext>
             </a:extLst>
           </p:cNvPr>
@@ -4971,7 +5313,7 @@
           <p:cNvPr id="400293583" name="Notes Placeholder 2">
             <a:extLst>
               <a:ext uri="{FF2B5EF4-FFF2-40B4-BE49-F238E27FC236}">
-                <a16:creationId xmlns:a16="http://schemas.microsoft.com/office/drawing/2014/main" id="{3AEFB35F-C11C-29BC-11FA-83AE8EED3E2C}"/>
+                <a16:creationId xmlns:a16="http://schemas.microsoft.com/office/drawing/2014/main" id="{63F06931-B822-4E01-8732-EF7B8505423D}"/>
               </a:ext>
             </a:extLst>
           </p:cNvPr>
@@ -4999,7 +5341,7 @@
           <p:cNvPr id="1257388043" name="Slide Number Placeholder 3">
             <a:extLst>
               <a:ext uri="{FF2B5EF4-FFF2-40B4-BE49-F238E27FC236}">
-                <a16:creationId xmlns:a16="http://schemas.microsoft.com/office/drawing/2014/main" id="{0DAC04F4-D0EA-1515-2C5E-3ADDCF840E5B}"/>
+                <a16:creationId xmlns:a16="http://schemas.microsoft.com/office/drawing/2014/main" id="{4BBF9850-A72A-ACFD-7968-08C6DB530A1B}"/>
               </a:ext>
             </a:extLst>
           </p:cNvPr>
@@ -5084,7 +5426,7 @@
     </p:spTree>
     <p:extLst>
       <p:ext uri="{BB962C8B-B14F-4D97-AF65-F5344CB8AC3E}">
-        <p14:creationId xmlns:p14="http://schemas.microsoft.com/office/powerpoint/2010/main" val="4222852445"/>
+        <p14:creationId xmlns:p14="http://schemas.microsoft.com/office/powerpoint/2010/main" val="2928311505"/>
       </p:ext>
     </p:extLst>
   </p:cSld>
@@ -5094,7 +5436,7 @@
 </p:notes>
 </file>
 
-<file path=ppt/notesSlides/notesSlide36.xml><?xml version="1.0" encoding="utf-8"?>
+<file path=ppt/notesSlides/notesSlide38.xml><?xml version="1.0" encoding="utf-8"?>
 <p:notes xmlns:a="http://schemas.openxmlformats.org/drawingml/2006/main" xmlns:r="http://schemas.openxmlformats.org/officeDocument/2006/relationships" xmlns:p="http://schemas.openxmlformats.org/presentationml/2006/main">
   <p:cSld>
     <p:spTree>
@@ -5102,7 +5444,7 @@
         <p:cNvPr id="1" name="">
           <a:extLst>
             <a:ext uri="{FF2B5EF4-FFF2-40B4-BE49-F238E27FC236}">
-              <a16:creationId xmlns:a16="http://schemas.microsoft.com/office/drawing/2014/main" id="{C472848F-AB5D-8100-D4FC-B0369624D857}"/>
+              <a16:creationId xmlns:a16="http://schemas.microsoft.com/office/drawing/2014/main" id="{D54197A9-3A08-8138-3B9E-2BB85FA21840}"/>
             </a:ext>
           </a:extLst>
         </p:cNvPr>
@@ -5122,7 +5464,7 @@
           <p:cNvPr id="139090186" name="Slide Image Placeholder 1">
             <a:extLst>
               <a:ext uri="{FF2B5EF4-FFF2-40B4-BE49-F238E27FC236}">
-                <a16:creationId xmlns:a16="http://schemas.microsoft.com/office/drawing/2014/main" id="{EA4F9FA6-0ABA-72AD-8931-02FFAE41E5B6}"/>
+                <a16:creationId xmlns:a16="http://schemas.microsoft.com/office/drawing/2014/main" id="{8AA4346E-9454-E11B-994F-C04C794218AC}"/>
               </a:ext>
             </a:extLst>
           </p:cNvPr>
@@ -5140,7 +5482,7 @@
           <p:cNvPr id="400293583" name="Notes Placeholder 2">
             <a:extLst>
               <a:ext uri="{FF2B5EF4-FFF2-40B4-BE49-F238E27FC236}">
-                <a16:creationId xmlns:a16="http://schemas.microsoft.com/office/drawing/2014/main" id="{1DB8AF28-8DB2-BBA8-1427-E61A79BFC192}"/>
+                <a16:creationId xmlns:a16="http://schemas.microsoft.com/office/drawing/2014/main" id="{CC09FF6F-C58C-896A-5D0B-3D139EC960CC}"/>
               </a:ext>
             </a:extLst>
           </p:cNvPr>
@@ -5168,7 +5510,7 @@
           <p:cNvPr id="1257388043" name="Slide Number Placeholder 3">
             <a:extLst>
               <a:ext uri="{FF2B5EF4-FFF2-40B4-BE49-F238E27FC236}">
-                <a16:creationId xmlns:a16="http://schemas.microsoft.com/office/drawing/2014/main" id="{313F6753-B0A3-302F-A04C-03A379CE9458}"/>
+                <a16:creationId xmlns:a16="http://schemas.microsoft.com/office/drawing/2014/main" id="{6F4E5B97-2792-0614-BD4C-B57075754CE8}"/>
               </a:ext>
             </a:extLst>
           </p:cNvPr>
@@ -5253,7 +5595,7 @@
     </p:spTree>
     <p:extLst>
       <p:ext uri="{BB962C8B-B14F-4D97-AF65-F5344CB8AC3E}">
-        <p14:creationId xmlns:p14="http://schemas.microsoft.com/office/powerpoint/2010/main" val="1209080239"/>
+        <p14:creationId xmlns:p14="http://schemas.microsoft.com/office/powerpoint/2010/main" val="1724071367"/>
       </p:ext>
     </p:extLst>
   </p:cSld>
@@ -5263,7 +5605,7 @@
 </p:notes>
 </file>
 
-<file path=ppt/notesSlides/notesSlide37.xml><?xml version="1.0" encoding="utf-8"?>
+<file path=ppt/notesSlides/notesSlide39.xml><?xml version="1.0" encoding="utf-8"?>
 <p:notes xmlns:a="http://schemas.openxmlformats.org/drawingml/2006/main" xmlns:r="http://schemas.openxmlformats.org/officeDocument/2006/relationships" xmlns:p="http://schemas.openxmlformats.org/presentationml/2006/main">
   <p:cSld>
     <p:spTree>
@@ -5271,7 +5613,7 @@
         <p:cNvPr id="1" name="">
           <a:extLst>
             <a:ext uri="{FF2B5EF4-FFF2-40B4-BE49-F238E27FC236}">
-              <a16:creationId xmlns:a16="http://schemas.microsoft.com/office/drawing/2014/main" id="{3B1FF912-D4B6-1CEC-3109-5A46A657F9A8}"/>
+              <a16:creationId xmlns:a16="http://schemas.microsoft.com/office/drawing/2014/main" id="{A2E9F3D3-D5A2-453D-4054-1B6ABEA6DF19}"/>
             </a:ext>
           </a:extLst>
         </p:cNvPr>
@@ -5291,7 +5633,7 @@
           <p:cNvPr id="139090186" name="Slide Image Placeholder 1">
             <a:extLst>
               <a:ext uri="{FF2B5EF4-FFF2-40B4-BE49-F238E27FC236}">
-                <a16:creationId xmlns:a16="http://schemas.microsoft.com/office/drawing/2014/main" id="{2C804D89-D859-90B1-FA99-F2C6E3C8554F}"/>
+                <a16:creationId xmlns:a16="http://schemas.microsoft.com/office/drawing/2014/main" id="{13F44863-AC7B-8ABD-AAA9-D819BC1D70C8}"/>
               </a:ext>
             </a:extLst>
           </p:cNvPr>
@@ -5309,7 +5651,7 @@
           <p:cNvPr id="400293583" name="Notes Placeholder 2">
             <a:extLst>
               <a:ext uri="{FF2B5EF4-FFF2-40B4-BE49-F238E27FC236}">
-                <a16:creationId xmlns:a16="http://schemas.microsoft.com/office/drawing/2014/main" id="{63F06931-B822-4E01-8732-EF7B8505423D}"/>
+                <a16:creationId xmlns:a16="http://schemas.microsoft.com/office/drawing/2014/main" id="{13B76D12-19FF-91AA-4941-782F0B7996F1}"/>
               </a:ext>
             </a:extLst>
           </p:cNvPr>
@@ -5337,7 +5679,7 @@
           <p:cNvPr id="1257388043" name="Slide Number Placeholder 3">
             <a:extLst>
               <a:ext uri="{FF2B5EF4-FFF2-40B4-BE49-F238E27FC236}">
-                <a16:creationId xmlns:a16="http://schemas.microsoft.com/office/drawing/2014/main" id="{4BBF9850-A72A-ACFD-7968-08C6DB530A1B}"/>
+                <a16:creationId xmlns:a16="http://schemas.microsoft.com/office/drawing/2014/main" id="{2DB14216-72B6-587D-8E1A-5F4B7D7AA16C}"/>
               </a:ext>
             </a:extLst>
           </p:cNvPr>
@@ -5422,7 +5764,7 @@
     </p:spTree>
     <p:extLst>
       <p:ext uri="{BB962C8B-B14F-4D97-AF65-F5344CB8AC3E}">
-        <p14:creationId xmlns:p14="http://schemas.microsoft.com/office/powerpoint/2010/main" val="2928311505"/>
+        <p14:creationId xmlns:p14="http://schemas.microsoft.com/office/powerpoint/2010/main" val="3871987960"/>
       </p:ext>
     </p:extLst>
   </p:cSld>
@@ -5432,7 +5774,147 @@
 </p:notes>
 </file>
 
-<file path=ppt/notesSlides/notesSlide38.xml><?xml version="1.0" encoding="utf-8"?>
+<file path=ppt/notesSlides/notesSlide4.xml><?xml version="1.0" encoding="utf-8"?>
+<p:notes xmlns:a="http://schemas.openxmlformats.org/drawingml/2006/main" xmlns:r="http://schemas.openxmlformats.org/officeDocument/2006/relationships" xmlns:p="http://schemas.openxmlformats.org/presentationml/2006/main">
+  <p:cSld>
+    <p:spTree>
+      <p:nvGrpSpPr>
+        <p:cNvPr id="1" name=""/>
+        <p:cNvGrpSpPr/>
+        <p:nvPr/>
+      </p:nvGrpSpPr>
+      <p:grpSpPr bwMode="auto">
+        <a:xfrm>
+          <a:off x="0" y="0"/>
+          <a:ext cx="0" cy="0"/>
+          <a:chOff x="0" y="0"/>
+          <a:chExt cx="0" cy="0"/>
+        </a:xfrm>
+      </p:grpSpPr>
+      <p:sp>
+        <p:nvSpPr>
+          <p:cNvPr id="1510186508" name="Slide Image Placeholder 1"/>
+          <p:cNvSpPr>
+            <a:spLocks noGrp="1" noRot="1" noChangeAspect="1"/>
+          </p:cNvSpPr>
+          <p:nvPr>
+            <p:ph type="sldImg"/>
+          </p:nvPr>
+        </p:nvSpPr>
+        <p:spPr bwMode="auto"/>
+      </p:sp>
+      <p:sp>
+        <p:nvSpPr>
+          <p:cNvPr id="1659927198" name="Notes Placeholder 2"/>
+          <p:cNvSpPr>
+            <a:spLocks noGrp="1"/>
+          </p:cNvSpPr>
+          <p:nvPr>
+            <p:ph type="body" idx="1"/>
+          </p:nvPr>
+        </p:nvSpPr>
+        <p:spPr bwMode="auto"/>
+        <p:txBody>
+          <a:bodyPr/>
+          <a:lstStyle/>
+          <a:p>
+            <a:pPr>
+              <a:defRPr/>
+            </a:pPr>
+            <a:endParaRPr/>
+          </a:p>
+        </p:txBody>
+      </p:sp>
+      <p:sp>
+        <p:nvSpPr>
+          <p:cNvPr id="2071636362" name="Slide Number Placeholder 3"/>
+          <p:cNvSpPr>
+            <a:spLocks noGrp="1"/>
+          </p:cNvSpPr>
+          <p:nvPr>
+            <p:ph type="sldNum" sz="quarter" idx="10"/>
+          </p:nvPr>
+        </p:nvSpPr>
+        <p:spPr bwMode="auto"/>
+        <p:txBody>
+          <a:bodyPr/>
+          <a:lstStyle/>
+          <a:p>
+            <a:pPr marL="0" marR="0" lvl="0" indent="0" algn="r" defTabSz="914400" eaLnBrk="1" fontAlgn="auto" latinLnBrk="0" hangingPunct="1">
+              <a:lnSpc>
+                <a:spcPct val="100000"/>
+              </a:lnSpc>
+              <a:spcBef>
+                <a:spcPts val="0"/>
+              </a:spcBef>
+              <a:spcAft>
+                <a:spcPts val="0"/>
+              </a:spcAft>
+              <a:buClrTx/>
+              <a:buSzTx/>
+              <a:buFontTx/>
+              <a:buNone/>
+              <a:tabLst/>
+              <a:defRPr/>
+            </a:pPr>
+            <a:fld id="{8BF48A40-2010-B16B-2873-732956E2F463}" type="slidenum">
+              <a:rPr kumimoji="0" sz="1200" b="0" i="0" u="none" strike="noStrike" kern="0" cap="none" spc="0" normalizeH="0" baseline="0" noProof="0">
+                <a:ln>
+                  <a:noFill/>
+                </a:ln>
+                <a:solidFill>
+                  <a:prstClr val="black"/>
+                </a:solidFill>
+                <a:effectLst/>
+                <a:uLnTx/>
+                <a:uFillTx/>
+                <a:latin typeface="Calibri"/>
+                <a:cs typeface="Arial"/>
+              </a:rPr>
+              <a:pPr marL="0" marR="0" lvl="0" indent="0" algn="r" defTabSz="914400" eaLnBrk="1" fontAlgn="auto" latinLnBrk="0" hangingPunct="1">
+                <a:lnSpc>
+                  <a:spcPct val="100000"/>
+                </a:lnSpc>
+                <a:spcBef>
+                  <a:spcPts val="0"/>
+                </a:spcBef>
+                <a:spcAft>
+                  <a:spcPts val="0"/>
+                </a:spcAft>
+                <a:buClrTx/>
+                <a:buSzTx/>
+                <a:buFontTx/>
+                <a:buNone/>
+                <a:tabLst/>
+                <a:defRPr/>
+              </a:pPr>
+              <a:t>21</a:t>
+            </a:fld>
+            <a:endParaRPr kumimoji="0" sz="1200" b="0" i="0" u="none" strike="noStrike" kern="0" cap="none" spc="0" normalizeH="0" baseline="0" noProof="0">
+              <a:ln>
+                <a:noFill/>
+              </a:ln>
+              <a:solidFill>
+                <a:prstClr val="black"/>
+              </a:solidFill>
+              <a:effectLst/>
+              <a:uLnTx/>
+              <a:uFillTx/>
+              <a:latin typeface="Calibri"/>
+              <a:cs typeface="Arial"/>
+            </a:endParaRPr>
+          </a:p>
+        </p:txBody>
+      </p:sp>
+    </p:spTree>
+  </p:cSld>
+  <p:clrMapOvr>
+    <a:masterClrMapping/>
+  </p:clrMapOvr>
+</p:notes>
+</file>
+
+<file path=ppt/notesSlides/notesSlide40.xml><?xml version="1.0" encoding="utf-8"?>
 <p:notes xmlns:a="http://schemas.openxmlformats.org/drawingml/2006/main" xmlns:r="http://schemas.openxmlformats.org/officeDocument/2006/relationships" xmlns:p="http://schemas.openxmlformats.org/presentationml/2006/main">
   <p:cSld>
     <p:spTree>
@@ -5440,7 +5922,7 @@
         <p:cNvPr id="1" name="">
           <a:extLst>
             <a:ext uri="{FF2B5EF4-FFF2-40B4-BE49-F238E27FC236}">
-              <a16:creationId xmlns:a16="http://schemas.microsoft.com/office/drawing/2014/main" id="{D54197A9-3A08-8138-3B9E-2BB85FA21840}"/>
+              <a16:creationId xmlns:a16="http://schemas.microsoft.com/office/drawing/2014/main" id="{83E06739-1567-B389-27EB-96890F9ECD30}"/>
             </a:ext>
           </a:extLst>
         </p:cNvPr>
@@ -5460,7 +5942,7 @@
           <p:cNvPr id="139090186" name="Slide Image Placeholder 1">
             <a:extLst>
               <a:ext uri="{FF2B5EF4-FFF2-40B4-BE49-F238E27FC236}">
-                <a16:creationId xmlns:a16="http://schemas.microsoft.com/office/drawing/2014/main" id="{8AA4346E-9454-E11B-994F-C04C794218AC}"/>
+                <a16:creationId xmlns:a16="http://schemas.microsoft.com/office/drawing/2014/main" id="{932D7566-9A6D-225F-EA98-70101BF44016}"/>
               </a:ext>
             </a:extLst>
           </p:cNvPr>
@@ -5478,7 +5960,7 @@
           <p:cNvPr id="400293583" name="Notes Placeholder 2">
             <a:extLst>
               <a:ext uri="{FF2B5EF4-FFF2-40B4-BE49-F238E27FC236}">
-                <a16:creationId xmlns:a16="http://schemas.microsoft.com/office/drawing/2014/main" id="{CC09FF6F-C58C-896A-5D0B-3D139EC960CC}"/>
+                <a16:creationId xmlns:a16="http://schemas.microsoft.com/office/drawing/2014/main" id="{F2073CA3-EE16-2C99-C6C6-07A0340AA00B}"/>
               </a:ext>
             </a:extLst>
           </p:cNvPr>
@@ -5506,7 +5988,7 @@
           <p:cNvPr id="1257388043" name="Slide Number Placeholder 3">
             <a:extLst>
               <a:ext uri="{FF2B5EF4-FFF2-40B4-BE49-F238E27FC236}">
-                <a16:creationId xmlns:a16="http://schemas.microsoft.com/office/drawing/2014/main" id="{6F4E5B97-2792-0614-BD4C-B57075754CE8}"/>
+                <a16:creationId xmlns:a16="http://schemas.microsoft.com/office/drawing/2014/main" id="{C8578FD1-B651-4D44-4A9A-EAAF684110CF}"/>
               </a:ext>
             </a:extLst>
           </p:cNvPr>
@@ -5591,7 +6073,7 @@
     </p:spTree>
     <p:extLst>
       <p:ext uri="{BB962C8B-B14F-4D97-AF65-F5344CB8AC3E}">
-        <p14:creationId xmlns:p14="http://schemas.microsoft.com/office/powerpoint/2010/main" val="1724071367"/>
+        <p14:creationId xmlns:p14="http://schemas.microsoft.com/office/powerpoint/2010/main" val="1821547892"/>
       </p:ext>
     </p:extLst>
   </p:cSld>
@@ -5601,7 +6083,7 @@
 </p:notes>
 </file>
 
-<file path=ppt/notesSlides/notesSlide39.xml><?xml version="1.0" encoding="utf-8"?>
+<file path=ppt/notesSlides/notesSlide41.xml><?xml version="1.0" encoding="utf-8"?>
 <p:notes xmlns:a="http://schemas.openxmlformats.org/drawingml/2006/main" xmlns:r="http://schemas.openxmlformats.org/officeDocument/2006/relationships" xmlns:p="http://schemas.openxmlformats.org/presentationml/2006/main">
   <p:cSld>
     <p:spTree>
@@ -5609,7 +6091,7 @@
         <p:cNvPr id="1" name="">
           <a:extLst>
             <a:ext uri="{FF2B5EF4-FFF2-40B4-BE49-F238E27FC236}">
-              <a16:creationId xmlns:a16="http://schemas.microsoft.com/office/drawing/2014/main" id="{A2E9F3D3-D5A2-453D-4054-1B6ABEA6DF19}"/>
+              <a16:creationId xmlns:a16="http://schemas.microsoft.com/office/drawing/2014/main" id="{071F79CF-CD17-6033-1FEF-05B17707F01A}"/>
             </a:ext>
           </a:extLst>
         </p:cNvPr>
@@ -5629,7 +6111,7 @@
           <p:cNvPr id="139090186" name="Slide Image Placeholder 1">
             <a:extLst>
               <a:ext uri="{FF2B5EF4-FFF2-40B4-BE49-F238E27FC236}">
-                <a16:creationId xmlns:a16="http://schemas.microsoft.com/office/drawing/2014/main" id="{13F44863-AC7B-8ABD-AAA9-D819BC1D70C8}"/>
+                <a16:creationId xmlns:a16="http://schemas.microsoft.com/office/drawing/2014/main" id="{EE683B9E-A0DE-86F4-BD95-319D8EBFE26F}"/>
               </a:ext>
             </a:extLst>
           </p:cNvPr>
@@ -5647,7 +6129,7 @@
           <p:cNvPr id="400293583" name="Notes Placeholder 2">
             <a:extLst>
               <a:ext uri="{FF2B5EF4-FFF2-40B4-BE49-F238E27FC236}">
-                <a16:creationId xmlns:a16="http://schemas.microsoft.com/office/drawing/2014/main" id="{13B76D12-19FF-91AA-4941-782F0B7996F1}"/>
+                <a16:creationId xmlns:a16="http://schemas.microsoft.com/office/drawing/2014/main" id="{364C980E-94DA-1FD5-935B-F531D86CBDD4}"/>
               </a:ext>
             </a:extLst>
           </p:cNvPr>
@@ -5675,7 +6157,7 @@
           <p:cNvPr id="1257388043" name="Slide Number Placeholder 3">
             <a:extLst>
               <a:ext uri="{FF2B5EF4-FFF2-40B4-BE49-F238E27FC236}">
-                <a16:creationId xmlns:a16="http://schemas.microsoft.com/office/drawing/2014/main" id="{2DB14216-72B6-587D-8E1A-5F4B7D7AA16C}"/>
+                <a16:creationId xmlns:a16="http://schemas.microsoft.com/office/drawing/2014/main" id="{FFBE7416-06B8-8F75-A9EF-A9895DF8107A}"/>
               </a:ext>
             </a:extLst>
           </p:cNvPr>
@@ -5760,7 +6242,7 @@
     </p:spTree>
     <p:extLst>
       <p:ext uri="{BB962C8B-B14F-4D97-AF65-F5344CB8AC3E}">
-        <p14:creationId xmlns:p14="http://schemas.microsoft.com/office/powerpoint/2010/main" val="3871987960"/>
+        <p14:creationId xmlns:p14="http://schemas.microsoft.com/office/powerpoint/2010/main" val="2318382485"/>
       </p:ext>
     </p:extLst>
   </p:cSld>
@@ -5770,147 +6252,7 @@
 </p:notes>
 </file>
 
-<file path=ppt/notesSlides/notesSlide4.xml><?xml version="1.0" encoding="utf-8"?>
-<p:notes xmlns:a="http://schemas.openxmlformats.org/drawingml/2006/main" xmlns:r="http://schemas.openxmlformats.org/officeDocument/2006/relationships" xmlns:p="http://schemas.openxmlformats.org/presentationml/2006/main">
-  <p:cSld>
-    <p:spTree>
-      <p:nvGrpSpPr>
-        <p:cNvPr id="1" name=""/>
-        <p:cNvGrpSpPr/>
-        <p:nvPr/>
-      </p:nvGrpSpPr>
-      <p:grpSpPr bwMode="auto">
-        <a:xfrm>
-          <a:off x="0" y="0"/>
-          <a:ext cx="0" cy="0"/>
-          <a:chOff x="0" y="0"/>
-          <a:chExt cx="0" cy="0"/>
-        </a:xfrm>
-      </p:grpSpPr>
-      <p:sp>
-        <p:nvSpPr>
-          <p:cNvPr id="1510186508" name="Slide Image Placeholder 1"/>
-          <p:cNvSpPr>
-            <a:spLocks noGrp="1" noRot="1" noChangeAspect="1"/>
-          </p:cNvSpPr>
-          <p:nvPr>
-            <p:ph type="sldImg"/>
-          </p:nvPr>
-        </p:nvSpPr>
-        <p:spPr bwMode="auto"/>
-      </p:sp>
-      <p:sp>
-        <p:nvSpPr>
-          <p:cNvPr id="1659927198" name="Notes Placeholder 2"/>
-          <p:cNvSpPr>
-            <a:spLocks noGrp="1"/>
-          </p:cNvSpPr>
-          <p:nvPr>
-            <p:ph type="body" idx="1"/>
-          </p:nvPr>
-        </p:nvSpPr>
-        <p:spPr bwMode="auto"/>
-        <p:txBody>
-          <a:bodyPr/>
-          <a:lstStyle/>
-          <a:p>
-            <a:pPr>
-              <a:defRPr/>
-            </a:pPr>
-            <a:endParaRPr/>
-          </a:p>
-        </p:txBody>
-      </p:sp>
-      <p:sp>
-        <p:nvSpPr>
-          <p:cNvPr id="2071636362" name="Slide Number Placeholder 3"/>
-          <p:cNvSpPr>
-            <a:spLocks noGrp="1"/>
-          </p:cNvSpPr>
-          <p:nvPr>
-            <p:ph type="sldNum" sz="quarter" idx="10"/>
-          </p:nvPr>
-        </p:nvSpPr>
-        <p:spPr bwMode="auto"/>
-        <p:txBody>
-          <a:bodyPr/>
-          <a:lstStyle/>
-          <a:p>
-            <a:pPr marL="0" marR="0" lvl="0" indent="0" algn="r" defTabSz="914400" eaLnBrk="1" fontAlgn="auto" latinLnBrk="0" hangingPunct="1">
-              <a:lnSpc>
-                <a:spcPct val="100000"/>
-              </a:lnSpc>
-              <a:spcBef>
-                <a:spcPts val="0"/>
-              </a:spcBef>
-              <a:spcAft>
-                <a:spcPts val="0"/>
-              </a:spcAft>
-              <a:buClrTx/>
-              <a:buSzTx/>
-              <a:buFontTx/>
-              <a:buNone/>
-              <a:tabLst/>
-              <a:defRPr/>
-            </a:pPr>
-            <a:fld id="{8BF48A40-2010-B16B-2873-732956E2F463}" type="slidenum">
-              <a:rPr kumimoji="0" sz="1200" b="0" i="0" u="none" strike="noStrike" kern="0" cap="none" spc="0" normalizeH="0" baseline="0" noProof="0">
-                <a:ln>
-                  <a:noFill/>
-                </a:ln>
-                <a:solidFill>
-                  <a:prstClr val="black"/>
-                </a:solidFill>
-                <a:effectLst/>
-                <a:uLnTx/>
-                <a:uFillTx/>
-                <a:latin typeface="Calibri"/>
-                <a:cs typeface="Arial"/>
-              </a:rPr>
-              <a:pPr marL="0" marR="0" lvl="0" indent="0" algn="r" defTabSz="914400" eaLnBrk="1" fontAlgn="auto" latinLnBrk="0" hangingPunct="1">
-                <a:lnSpc>
-                  <a:spcPct val="100000"/>
-                </a:lnSpc>
-                <a:spcBef>
-                  <a:spcPts val="0"/>
-                </a:spcBef>
-                <a:spcAft>
-                  <a:spcPts val="0"/>
-                </a:spcAft>
-                <a:buClrTx/>
-                <a:buSzTx/>
-                <a:buFontTx/>
-                <a:buNone/>
-                <a:tabLst/>
-                <a:defRPr/>
-              </a:pPr>
-              <a:t>21</a:t>
-            </a:fld>
-            <a:endParaRPr kumimoji="0" sz="1200" b="0" i="0" u="none" strike="noStrike" kern="0" cap="none" spc="0" normalizeH="0" baseline="0" noProof="0">
-              <a:ln>
-                <a:noFill/>
-              </a:ln>
-              <a:solidFill>
-                <a:prstClr val="black"/>
-              </a:solidFill>
-              <a:effectLst/>
-              <a:uLnTx/>
-              <a:uFillTx/>
-              <a:latin typeface="Calibri"/>
-              <a:cs typeface="Arial"/>
-            </a:endParaRPr>
-          </a:p>
-        </p:txBody>
-      </p:sp>
-    </p:spTree>
-  </p:cSld>
-  <p:clrMapOvr>
-    <a:masterClrMapping/>
-  </p:clrMapOvr>
-</p:notes>
-</file>
-
-<file path=ppt/notesSlides/notesSlide40.xml><?xml version="1.0" encoding="utf-8"?>
+<file path=ppt/notesSlides/notesSlide42.xml><?xml version="1.0" encoding="utf-8"?>
 <p:notes xmlns:a="http://schemas.openxmlformats.org/drawingml/2006/main" xmlns:r="http://schemas.openxmlformats.org/officeDocument/2006/relationships" xmlns:p="http://schemas.openxmlformats.org/presentationml/2006/main">
   <p:cSld>
     <p:spTree>
@@ -5918,7 +6260,7 @@
         <p:cNvPr id="1" name="">
           <a:extLst>
             <a:ext uri="{FF2B5EF4-FFF2-40B4-BE49-F238E27FC236}">
-              <a16:creationId xmlns:a16="http://schemas.microsoft.com/office/drawing/2014/main" id="{83E06739-1567-B389-27EB-96890F9ECD30}"/>
+              <a16:creationId xmlns:a16="http://schemas.microsoft.com/office/drawing/2014/main" id="{DA3283D2-DBF6-D5A5-0A46-10E5E73BF7F5}"/>
             </a:ext>
           </a:extLst>
         </p:cNvPr>
@@ -5938,7 +6280,7 @@
           <p:cNvPr id="139090186" name="Slide Image Placeholder 1">
             <a:extLst>
               <a:ext uri="{FF2B5EF4-FFF2-40B4-BE49-F238E27FC236}">
-                <a16:creationId xmlns:a16="http://schemas.microsoft.com/office/drawing/2014/main" id="{932D7566-9A6D-225F-EA98-70101BF44016}"/>
+                <a16:creationId xmlns:a16="http://schemas.microsoft.com/office/drawing/2014/main" id="{0A1192E9-FB02-CB2D-DBEF-1A1C4CFD871D}"/>
               </a:ext>
             </a:extLst>
           </p:cNvPr>
@@ -5956,7 +6298,7 @@
           <p:cNvPr id="400293583" name="Notes Placeholder 2">
             <a:extLst>
               <a:ext uri="{FF2B5EF4-FFF2-40B4-BE49-F238E27FC236}">
-                <a16:creationId xmlns:a16="http://schemas.microsoft.com/office/drawing/2014/main" id="{F2073CA3-EE16-2C99-C6C6-07A0340AA00B}"/>
+                <a16:creationId xmlns:a16="http://schemas.microsoft.com/office/drawing/2014/main" id="{9A9D6D79-C617-A95F-CB9A-C7E9C3EEACA9}"/>
               </a:ext>
             </a:extLst>
           </p:cNvPr>
@@ -5984,7 +6326,7 @@
           <p:cNvPr id="1257388043" name="Slide Number Placeholder 3">
             <a:extLst>
               <a:ext uri="{FF2B5EF4-FFF2-40B4-BE49-F238E27FC236}">
-                <a16:creationId xmlns:a16="http://schemas.microsoft.com/office/drawing/2014/main" id="{C8578FD1-B651-4D44-4A9A-EAAF684110CF}"/>
+                <a16:creationId xmlns:a16="http://schemas.microsoft.com/office/drawing/2014/main" id="{2E5FC565-6F52-C6E6-2CE6-21A3593D4DDC}"/>
               </a:ext>
             </a:extLst>
           </p:cNvPr>
@@ -6069,7 +6411,7 @@
     </p:spTree>
     <p:extLst>
       <p:ext uri="{BB962C8B-B14F-4D97-AF65-F5344CB8AC3E}">
-        <p14:creationId xmlns:p14="http://schemas.microsoft.com/office/powerpoint/2010/main" val="1821547892"/>
+        <p14:creationId xmlns:p14="http://schemas.microsoft.com/office/powerpoint/2010/main" val="284837936"/>
       </p:ext>
     </p:extLst>
   </p:cSld>
@@ -6079,7 +6421,7 @@
 </p:notes>
 </file>
 
-<file path=ppt/notesSlides/notesSlide41.xml><?xml version="1.0" encoding="utf-8"?>
+<file path=ppt/notesSlides/notesSlide43.xml><?xml version="1.0" encoding="utf-8"?>
 <p:notes xmlns:a="http://schemas.openxmlformats.org/drawingml/2006/main" xmlns:r="http://schemas.openxmlformats.org/officeDocument/2006/relationships" xmlns:p="http://schemas.openxmlformats.org/presentationml/2006/main">
   <p:cSld>
     <p:spTree>
@@ -6087,7 +6429,7 @@
         <p:cNvPr id="1" name="">
           <a:extLst>
             <a:ext uri="{FF2B5EF4-FFF2-40B4-BE49-F238E27FC236}">
-              <a16:creationId xmlns:a16="http://schemas.microsoft.com/office/drawing/2014/main" id="{071F79CF-CD17-6033-1FEF-05B17707F01A}"/>
+              <a16:creationId xmlns:a16="http://schemas.microsoft.com/office/drawing/2014/main" id="{69F313CF-1FEC-98D5-3C31-CE6F4B8F6ABF}"/>
             </a:ext>
           </a:extLst>
         </p:cNvPr>
@@ -6107,7 +6449,7 @@
           <p:cNvPr id="139090186" name="Slide Image Placeholder 1">
             <a:extLst>
               <a:ext uri="{FF2B5EF4-FFF2-40B4-BE49-F238E27FC236}">
-                <a16:creationId xmlns:a16="http://schemas.microsoft.com/office/drawing/2014/main" id="{EE683B9E-A0DE-86F4-BD95-319D8EBFE26F}"/>
+                <a16:creationId xmlns:a16="http://schemas.microsoft.com/office/drawing/2014/main" id="{3E126841-CF9B-8112-14DF-EF343B2B21B4}"/>
               </a:ext>
             </a:extLst>
           </p:cNvPr>
@@ -6125,7 +6467,7 @@
           <p:cNvPr id="400293583" name="Notes Placeholder 2">
             <a:extLst>
               <a:ext uri="{FF2B5EF4-FFF2-40B4-BE49-F238E27FC236}">
-                <a16:creationId xmlns:a16="http://schemas.microsoft.com/office/drawing/2014/main" id="{364C980E-94DA-1FD5-935B-F531D86CBDD4}"/>
+                <a16:creationId xmlns:a16="http://schemas.microsoft.com/office/drawing/2014/main" id="{BA1A9BCC-D8A0-8BD2-7F2A-D5FDE80127E6}"/>
               </a:ext>
             </a:extLst>
           </p:cNvPr>
@@ -6153,7 +6495,7 @@
           <p:cNvPr id="1257388043" name="Slide Number Placeholder 3">
             <a:extLst>
               <a:ext uri="{FF2B5EF4-FFF2-40B4-BE49-F238E27FC236}">
-                <a16:creationId xmlns:a16="http://schemas.microsoft.com/office/drawing/2014/main" id="{FFBE7416-06B8-8F75-A9EF-A9895DF8107A}"/>
+                <a16:creationId xmlns:a16="http://schemas.microsoft.com/office/drawing/2014/main" id="{258DFE2D-F19D-0F43-B42D-F1713DB9637F}"/>
               </a:ext>
             </a:extLst>
           </p:cNvPr>
@@ -6238,344 +6580,6 @@
     </p:spTree>
     <p:extLst>
       <p:ext uri="{BB962C8B-B14F-4D97-AF65-F5344CB8AC3E}">
-        <p14:creationId xmlns:p14="http://schemas.microsoft.com/office/powerpoint/2010/main" val="2318382485"/>
-      </p:ext>
-    </p:extLst>
-  </p:cSld>
-  <p:clrMapOvr>
-    <a:masterClrMapping/>
-  </p:clrMapOvr>
-</p:notes>
-</file>
-
-<file path=ppt/notesSlides/notesSlide42.xml><?xml version="1.0" encoding="utf-8"?>
-<p:notes xmlns:a="http://schemas.openxmlformats.org/drawingml/2006/main" xmlns:r="http://schemas.openxmlformats.org/officeDocument/2006/relationships" xmlns:p="http://schemas.openxmlformats.org/presentationml/2006/main">
-  <p:cSld>
-    <p:spTree>
-      <p:nvGrpSpPr>
-        <p:cNvPr id="1" name="">
-          <a:extLst>
-            <a:ext uri="{FF2B5EF4-FFF2-40B4-BE49-F238E27FC236}">
-              <a16:creationId xmlns:a16="http://schemas.microsoft.com/office/drawing/2014/main" id="{DA3283D2-DBF6-D5A5-0A46-10E5E73BF7F5}"/>
-            </a:ext>
-          </a:extLst>
-        </p:cNvPr>
-        <p:cNvGrpSpPr/>
-        <p:nvPr/>
-      </p:nvGrpSpPr>
-      <p:grpSpPr bwMode="auto">
-        <a:xfrm>
-          <a:off x="0" y="0"/>
-          <a:ext cx="0" cy="0"/>
-          <a:chOff x="0" y="0"/>
-          <a:chExt cx="0" cy="0"/>
-        </a:xfrm>
-      </p:grpSpPr>
-      <p:sp>
-        <p:nvSpPr>
-          <p:cNvPr id="139090186" name="Slide Image Placeholder 1">
-            <a:extLst>
-              <a:ext uri="{FF2B5EF4-FFF2-40B4-BE49-F238E27FC236}">
-                <a16:creationId xmlns:a16="http://schemas.microsoft.com/office/drawing/2014/main" id="{0A1192E9-FB02-CB2D-DBEF-1A1C4CFD871D}"/>
-              </a:ext>
-            </a:extLst>
-          </p:cNvPr>
-          <p:cNvSpPr>
-            <a:spLocks noGrp="1" noRot="1" noChangeAspect="1"/>
-          </p:cNvSpPr>
-          <p:nvPr>
-            <p:ph type="sldImg"/>
-          </p:nvPr>
-        </p:nvSpPr>
-        <p:spPr bwMode="auto"/>
-      </p:sp>
-      <p:sp>
-        <p:nvSpPr>
-          <p:cNvPr id="400293583" name="Notes Placeholder 2">
-            <a:extLst>
-              <a:ext uri="{FF2B5EF4-FFF2-40B4-BE49-F238E27FC236}">
-                <a16:creationId xmlns:a16="http://schemas.microsoft.com/office/drawing/2014/main" id="{9A9D6D79-C617-A95F-CB9A-C7E9C3EEACA9}"/>
-              </a:ext>
-            </a:extLst>
-          </p:cNvPr>
-          <p:cNvSpPr>
-            <a:spLocks noGrp="1"/>
-          </p:cNvSpPr>
-          <p:nvPr>
-            <p:ph type="body" idx="1"/>
-          </p:nvPr>
-        </p:nvSpPr>
-        <p:spPr bwMode="auto"/>
-        <p:txBody>
-          <a:bodyPr/>
-          <a:lstStyle/>
-          <a:p>
-            <a:pPr>
-              <a:defRPr/>
-            </a:pPr>
-            <a:endParaRPr/>
-          </a:p>
-        </p:txBody>
-      </p:sp>
-      <p:sp>
-        <p:nvSpPr>
-          <p:cNvPr id="1257388043" name="Slide Number Placeholder 3">
-            <a:extLst>
-              <a:ext uri="{FF2B5EF4-FFF2-40B4-BE49-F238E27FC236}">
-                <a16:creationId xmlns:a16="http://schemas.microsoft.com/office/drawing/2014/main" id="{2E5FC565-6F52-C6E6-2CE6-21A3593D4DDC}"/>
-              </a:ext>
-            </a:extLst>
-          </p:cNvPr>
-          <p:cNvSpPr>
-            <a:spLocks noGrp="1"/>
-          </p:cNvSpPr>
-          <p:nvPr>
-            <p:ph type="sldNum" sz="quarter" idx="10"/>
-          </p:nvPr>
-        </p:nvSpPr>
-        <p:spPr bwMode="auto"/>
-        <p:txBody>
-          <a:bodyPr/>
-          <a:lstStyle/>
-          <a:p>
-            <a:pPr marL="0" marR="0" lvl="0" indent="0" algn="r" defTabSz="914400" eaLnBrk="1" fontAlgn="auto" latinLnBrk="0" hangingPunct="1">
-              <a:lnSpc>
-                <a:spcPct val="100000"/>
-              </a:lnSpc>
-              <a:spcBef>
-                <a:spcPts val="0"/>
-              </a:spcBef>
-              <a:spcAft>
-                <a:spcPts val="0"/>
-              </a:spcAft>
-              <a:buClrTx/>
-              <a:buSzTx/>
-              <a:buFontTx/>
-              <a:buNone/>
-              <a:tabLst/>
-              <a:defRPr/>
-            </a:pPr>
-            <a:fld id="{20073075-213A-DC53-9B24-1C6EF3B6ADAB}" type="slidenum">
-              <a:rPr kumimoji="0" sz="1200" b="0" i="0" u="none" strike="noStrike" kern="0" cap="none" spc="0" normalizeH="0" baseline="0" noProof="0">
-                <a:ln>
-                  <a:noFill/>
-                </a:ln>
-                <a:solidFill>
-                  <a:prstClr val="black"/>
-                </a:solidFill>
-                <a:effectLst/>
-                <a:uLnTx/>
-                <a:uFillTx/>
-                <a:latin typeface="Calibri"/>
-                <a:cs typeface="Arial"/>
-              </a:rPr>
-              <a:pPr marL="0" marR="0" lvl="0" indent="0" algn="r" defTabSz="914400" eaLnBrk="1" fontAlgn="auto" latinLnBrk="0" hangingPunct="1">
-                <a:lnSpc>
-                  <a:spcPct val="100000"/>
-                </a:lnSpc>
-                <a:spcBef>
-                  <a:spcPts val="0"/>
-                </a:spcBef>
-                <a:spcAft>
-                  <a:spcPts val="0"/>
-                </a:spcAft>
-                <a:buClrTx/>
-                <a:buSzTx/>
-                <a:buFontTx/>
-                <a:buNone/>
-                <a:tabLst/>
-                <a:defRPr/>
-              </a:pPr>
-              <a:t>73</a:t>
-            </a:fld>
-            <a:endParaRPr kumimoji="0" sz="1200" b="0" i="0" u="none" strike="noStrike" kern="0" cap="none" spc="0" normalizeH="0" baseline="0" noProof="0">
-              <a:ln>
-                <a:noFill/>
-              </a:ln>
-              <a:solidFill>
-                <a:prstClr val="black"/>
-              </a:solidFill>
-              <a:effectLst/>
-              <a:uLnTx/>
-              <a:uFillTx/>
-              <a:latin typeface="Calibri"/>
-              <a:cs typeface="Arial"/>
-            </a:endParaRPr>
-          </a:p>
-        </p:txBody>
-      </p:sp>
-    </p:spTree>
-    <p:extLst>
-      <p:ext uri="{BB962C8B-B14F-4D97-AF65-F5344CB8AC3E}">
-        <p14:creationId xmlns:p14="http://schemas.microsoft.com/office/powerpoint/2010/main" val="284837936"/>
-      </p:ext>
-    </p:extLst>
-  </p:cSld>
-  <p:clrMapOvr>
-    <a:masterClrMapping/>
-  </p:clrMapOvr>
-</p:notes>
-</file>
-
-<file path=ppt/notesSlides/notesSlide43.xml><?xml version="1.0" encoding="utf-8"?>
-<p:notes xmlns:a="http://schemas.openxmlformats.org/drawingml/2006/main" xmlns:r="http://schemas.openxmlformats.org/officeDocument/2006/relationships" xmlns:p="http://schemas.openxmlformats.org/presentationml/2006/main">
-  <p:cSld>
-    <p:spTree>
-      <p:nvGrpSpPr>
-        <p:cNvPr id="1" name="">
-          <a:extLst>
-            <a:ext uri="{FF2B5EF4-FFF2-40B4-BE49-F238E27FC236}">
-              <a16:creationId xmlns:a16="http://schemas.microsoft.com/office/drawing/2014/main" id="{69F313CF-1FEC-98D5-3C31-CE6F4B8F6ABF}"/>
-            </a:ext>
-          </a:extLst>
-        </p:cNvPr>
-        <p:cNvGrpSpPr/>
-        <p:nvPr/>
-      </p:nvGrpSpPr>
-      <p:grpSpPr bwMode="auto">
-        <a:xfrm>
-          <a:off x="0" y="0"/>
-          <a:ext cx="0" cy="0"/>
-          <a:chOff x="0" y="0"/>
-          <a:chExt cx="0" cy="0"/>
-        </a:xfrm>
-      </p:grpSpPr>
-      <p:sp>
-        <p:nvSpPr>
-          <p:cNvPr id="139090186" name="Slide Image Placeholder 1">
-            <a:extLst>
-              <a:ext uri="{FF2B5EF4-FFF2-40B4-BE49-F238E27FC236}">
-                <a16:creationId xmlns:a16="http://schemas.microsoft.com/office/drawing/2014/main" id="{3E126841-CF9B-8112-14DF-EF343B2B21B4}"/>
-              </a:ext>
-            </a:extLst>
-          </p:cNvPr>
-          <p:cNvSpPr>
-            <a:spLocks noGrp="1" noRot="1" noChangeAspect="1"/>
-          </p:cNvSpPr>
-          <p:nvPr>
-            <p:ph type="sldImg"/>
-          </p:nvPr>
-        </p:nvSpPr>
-        <p:spPr bwMode="auto"/>
-      </p:sp>
-      <p:sp>
-        <p:nvSpPr>
-          <p:cNvPr id="400293583" name="Notes Placeholder 2">
-            <a:extLst>
-              <a:ext uri="{FF2B5EF4-FFF2-40B4-BE49-F238E27FC236}">
-                <a16:creationId xmlns:a16="http://schemas.microsoft.com/office/drawing/2014/main" id="{BA1A9BCC-D8A0-8BD2-7F2A-D5FDE80127E6}"/>
-              </a:ext>
-            </a:extLst>
-          </p:cNvPr>
-          <p:cNvSpPr>
-            <a:spLocks noGrp="1"/>
-          </p:cNvSpPr>
-          <p:nvPr>
-            <p:ph type="body" idx="1"/>
-          </p:nvPr>
-        </p:nvSpPr>
-        <p:spPr bwMode="auto"/>
-        <p:txBody>
-          <a:bodyPr/>
-          <a:lstStyle/>
-          <a:p>
-            <a:pPr>
-              <a:defRPr/>
-            </a:pPr>
-            <a:endParaRPr/>
-          </a:p>
-        </p:txBody>
-      </p:sp>
-      <p:sp>
-        <p:nvSpPr>
-          <p:cNvPr id="1257388043" name="Slide Number Placeholder 3">
-            <a:extLst>
-              <a:ext uri="{FF2B5EF4-FFF2-40B4-BE49-F238E27FC236}">
-                <a16:creationId xmlns:a16="http://schemas.microsoft.com/office/drawing/2014/main" id="{258DFE2D-F19D-0F43-B42D-F1713DB9637F}"/>
-              </a:ext>
-            </a:extLst>
-          </p:cNvPr>
-          <p:cNvSpPr>
-            <a:spLocks noGrp="1"/>
-          </p:cNvSpPr>
-          <p:nvPr>
-            <p:ph type="sldNum" sz="quarter" idx="10"/>
-          </p:nvPr>
-        </p:nvSpPr>
-        <p:spPr bwMode="auto"/>
-        <p:txBody>
-          <a:bodyPr/>
-          <a:lstStyle/>
-          <a:p>
-            <a:pPr marL="0" marR="0" lvl="0" indent="0" algn="r" defTabSz="914400" eaLnBrk="1" fontAlgn="auto" latinLnBrk="0" hangingPunct="1">
-              <a:lnSpc>
-                <a:spcPct val="100000"/>
-              </a:lnSpc>
-              <a:spcBef>
-                <a:spcPts val="0"/>
-              </a:spcBef>
-              <a:spcAft>
-                <a:spcPts val="0"/>
-              </a:spcAft>
-              <a:buClrTx/>
-              <a:buSzTx/>
-              <a:buFontTx/>
-              <a:buNone/>
-              <a:tabLst/>
-              <a:defRPr/>
-            </a:pPr>
-            <a:fld id="{20073075-213A-DC53-9B24-1C6EF3B6ADAB}" type="slidenum">
-              <a:rPr kumimoji="0" sz="1200" b="0" i="0" u="none" strike="noStrike" kern="0" cap="none" spc="0" normalizeH="0" baseline="0" noProof="0">
-                <a:ln>
-                  <a:noFill/>
-                </a:ln>
-                <a:solidFill>
-                  <a:prstClr val="black"/>
-                </a:solidFill>
-                <a:effectLst/>
-                <a:uLnTx/>
-                <a:uFillTx/>
-                <a:latin typeface="Calibri"/>
-                <a:cs typeface="Arial"/>
-              </a:rPr>
-              <a:pPr marL="0" marR="0" lvl="0" indent="0" algn="r" defTabSz="914400" eaLnBrk="1" fontAlgn="auto" latinLnBrk="0" hangingPunct="1">
-                <a:lnSpc>
-                  <a:spcPct val="100000"/>
-                </a:lnSpc>
-                <a:spcBef>
-                  <a:spcPts val="0"/>
-                </a:spcBef>
-                <a:spcAft>
-                  <a:spcPts val="0"/>
-                </a:spcAft>
-                <a:buClrTx/>
-                <a:buSzTx/>
-                <a:buFontTx/>
-                <a:buNone/>
-                <a:tabLst/>
-                <a:defRPr/>
-              </a:pPr>
-              <a:t>74</a:t>
-            </a:fld>
-            <a:endParaRPr kumimoji="0" sz="1200" b="0" i="0" u="none" strike="noStrike" kern="0" cap="none" spc="0" normalizeH="0" baseline="0" noProof="0">
-              <a:ln>
-                <a:noFill/>
-              </a:ln>
-              <a:solidFill>
-                <a:prstClr val="black"/>
-              </a:solidFill>
-              <a:effectLst/>
-              <a:uLnTx/>
-              <a:uFillTx/>
-              <a:latin typeface="Calibri"/>
-              <a:cs typeface="Arial"/>
-            </a:endParaRPr>
-          </a:p>
-        </p:txBody>
-      </p:sp>
-    </p:spTree>
-    <p:extLst>
-      <p:ext uri="{BB962C8B-B14F-4D97-AF65-F5344CB8AC3E}">
         <p14:creationId xmlns:p14="http://schemas.microsoft.com/office/powerpoint/2010/main" val="785065613"/>
       </p:ext>
     </p:extLst>
@@ -6677,7 +6681,7 @@
           <a:lstStyle/>
           <a:p>
             <a:fld id="{8C36BA74-7AA1-48ED-B9BC-0F570D47A936}" type="slidenum">
-              <a:t>75</a:t>
+              <a:t>73</a:t>
             </a:fld>
             <a:endParaRPr lang="de-DE"/>
           </a:p>
@@ -6787,7 +6791,7 @@
           <a:lstStyle/>
           <a:p>
             <a:fld id="{8C36BA74-7AA1-48ED-B9BC-0F570D47A936}" type="slidenum">
-              <a:t>78</a:t>
+              <a:t>76</a:t>
             </a:fld>
             <a:endParaRPr lang="de-DE"/>
           </a:p>
@@ -7905,7 +7909,7 @@
           <a:p>
             <a:fld id="{4E96B16B-3D02-421E-9A22-E7AF4889F0FE}" type="datetime1">
               <a:rPr lang="en-US" smtClean="0"/>
-              <a:t>7/6/2025</a:t>
+              <a:t>7/8/2025</a:t>
             </a:fld>
             <a:endParaRPr lang="en-US"/>
           </a:p>
@@ -7963,7 +7967,7 @@
           <a:p>
             <a:fld id="{148CC95F-0247-41B6-91CF-DC97C76A7088}" type="slidenum">
               <a:rPr lang="en-US" smtClean="0"/>
-              <a:t>‹Nr.›</a:t>
+              <a:t>‹#›</a:t>
             </a:fld>
             <a:endParaRPr lang="en-US"/>
           </a:p>
@@ -8107,7 +8111,7 @@
           <a:p>
             <a:fld id="{DB775AC6-EFC6-47B7-8612-9DA8DD25D955}" type="datetime1">
               <a:rPr lang="en-US" smtClean="0"/>
-              <a:t>7/6/2025</a:t>
+              <a:t>7/8/2025</a:t>
             </a:fld>
             <a:endParaRPr lang="en-US"/>
           </a:p>
@@ -8165,7 +8169,7 @@
           <a:p>
             <a:fld id="{148CC95F-0247-41B6-91CF-DC97C76A7088}" type="slidenum">
               <a:rPr lang="en-US" smtClean="0"/>
-              <a:t>‹Nr.›</a:t>
+              <a:t>‹#›</a:t>
             </a:fld>
             <a:endParaRPr lang="en-US"/>
           </a:p>
@@ -8451,7 +8455,7 @@
           <a:p>
             <a:fld id="{6AA36526-50D6-4421-A203-614B20CF2703}" type="datetime1">
               <a:rPr lang="en-US" smtClean="0"/>
-              <a:t>7/6/2025</a:t>
+              <a:t>7/8/2025</a:t>
             </a:fld>
             <a:endParaRPr lang="en-US"/>
           </a:p>
@@ -8509,7 +8513,7 @@
           <a:p>
             <a:fld id="{148CC95F-0247-41B6-91CF-DC97C76A7088}" type="slidenum">
               <a:rPr lang="en-US" smtClean="0"/>
-              <a:t>‹Nr.›</a:t>
+              <a:t>‹#›</a:t>
             </a:fld>
             <a:endParaRPr lang="en-US"/>
           </a:p>
@@ -8710,7 +8714,7 @@
           <a:p>
             <a:fld id="{75E84928-FE16-43B9-BC25-2859501720EA}" type="datetime1">
               <a:rPr lang="en-US" smtClean="0"/>
-              <a:t>7/6/2025</a:t>
+              <a:t>7/8/2025</a:t>
             </a:fld>
             <a:endParaRPr lang="en-US"/>
           </a:p>
@@ -8773,7 +8777,7 @@
           <a:p>
             <a:fld id="{148CC95F-0247-41B6-91CF-DC97C76A7088}" type="slidenum">
               <a:rPr lang="en-US" smtClean="0"/>
-              <a:t>‹Nr.›</a:t>
+              <a:t>‹#›</a:t>
             </a:fld>
             <a:endParaRPr lang="en-US"/>
           </a:p>
@@ -9130,7 +9134,7 @@
           <a:p>
             <a:fld id="{52B94D21-0962-4C08-BB57-BC7507DEE084}" type="datetime1">
               <a:rPr lang="en-US" smtClean="0"/>
-              <a:t>7/6/2025</a:t>
+              <a:t>7/8/2025</a:t>
             </a:fld>
             <a:endParaRPr lang="en-US"/>
           </a:p>
@@ -9188,7 +9192,7 @@
           <a:p>
             <a:fld id="{148CC95F-0247-41B6-91CF-DC97C76A7088}" type="slidenum">
               <a:rPr lang="en-US" smtClean="0"/>
-              <a:t>‹Nr.›</a:t>
+              <a:t>‹#›</a:t>
             </a:fld>
             <a:endParaRPr lang="en-US"/>
           </a:p>
@@ -9583,7 +9587,7 @@
           <a:p>
             <a:fld id="{EF075700-B54E-437C-8A31-0CC21845C39D}" type="datetime1">
               <a:rPr lang="en-US" smtClean="0"/>
-              <a:t>7/6/2025</a:t>
+              <a:t>7/8/2025</a:t>
             </a:fld>
             <a:endParaRPr lang="en-US"/>
           </a:p>
@@ -9641,7 +9645,7 @@
           <a:p>
             <a:fld id="{148CC95F-0247-41B6-91CF-DC97C76A7088}" type="slidenum">
               <a:rPr lang="en-US" smtClean="0"/>
-              <a:t>‹Nr.›</a:t>
+              <a:t>‹#›</a:t>
             </a:fld>
             <a:endParaRPr lang="en-US"/>
           </a:p>
@@ -10135,7 +10139,7 @@
           <a:p>
             <a:fld id="{A7472505-C2E4-4560-87BD-F72139D98800}" type="datetime1">
               <a:rPr lang="en-US" smtClean="0"/>
-              <a:t>7/6/2025</a:t>
+              <a:t>7/8/2025</a:t>
             </a:fld>
             <a:endParaRPr lang="en-US"/>
           </a:p>
@@ -10193,7 +10197,7 @@
           <a:p>
             <a:fld id="{148CC95F-0247-41B6-91CF-DC97C76A7088}" type="slidenum">
               <a:rPr lang="en-US" smtClean="0"/>
-              <a:t>‹Nr.›</a:t>
+              <a:t>‹#›</a:t>
             </a:fld>
             <a:endParaRPr lang="en-US"/>
           </a:p>
@@ -10412,7 +10416,7 @@
           <a:p>
             <a:fld id="{688C6202-6C0C-4936-9181-C3BAC183F367}" type="datetime1">
               <a:rPr lang="en-US" smtClean="0"/>
-              <a:t>7/6/2025</a:t>
+              <a:t>7/8/2025</a:t>
             </a:fld>
             <a:endParaRPr lang="en-US"/>
           </a:p>
@@ -10470,7 +10474,7 @@
           <a:p>
             <a:fld id="{148CC95F-0247-41B6-91CF-DC97C76A7088}" type="slidenum">
               <a:rPr lang="en-US" smtClean="0"/>
-              <a:t>‹Nr.›</a:t>
+              <a:t>‹#›</a:t>
             </a:fld>
             <a:endParaRPr lang="en-US"/>
           </a:p>
@@ -10661,7 +10665,7 @@
           <a:p>
             <a:fld id="{B9C3A1C5-5A4D-40F5-AA30-2E2FA551A28A}" type="datetime1">
               <a:rPr lang="en-US" smtClean="0"/>
-              <a:t>7/6/2025</a:t>
+              <a:t>7/8/2025</a:t>
             </a:fld>
             <a:endParaRPr lang="en-US"/>
           </a:p>
@@ -10719,7 +10723,7 @@
           <a:p>
             <a:fld id="{148CC95F-0247-41B6-91CF-DC97C76A7088}" type="slidenum">
               <a:rPr lang="en-US" smtClean="0"/>
-              <a:t>‹Nr.›</a:t>
+              <a:t>‹#›</a:t>
             </a:fld>
             <a:endParaRPr lang="en-US"/>
           </a:p>
@@ -11114,7 +11118,7 @@
           <a:p>
             <a:fld id="{A3AFC84A-6073-47BB-AA17-B11F88B48FFC}" type="datetime1">
               <a:rPr lang="en-US" smtClean="0"/>
-              <a:t>7/6/2025</a:t>
+              <a:t>7/8/2025</a:t>
             </a:fld>
             <a:endParaRPr lang="en-US"/>
           </a:p>
@@ -11172,7 +11176,7 @@
           <a:p>
             <a:fld id="{148CC95F-0247-41B6-91CF-DC97C76A7088}" type="slidenum">
               <a:rPr lang="en-US" smtClean="0"/>
-              <a:t>‹Nr.›</a:t>
+              <a:t>‹#›</a:t>
             </a:fld>
             <a:endParaRPr lang="en-US"/>
           </a:p>
@@ -11542,7 +11546,7 @@
           <a:p>
             <a:fld id="{049970C6-98BD-4B9C-9DB4-A09FCA6FDD64}" type="datetime1">
               <a:rPr lang="en-US" smtClean="0"/>
-              <a:t>7/6/2025</a:t>
+              <a:t>7/8/2025</a:t>
             </a:fld>
             <a:endParaRPr lang="en-US"/>
           </a:p>
@@ -11600,7 +11604,7 @@
           <a:p>
             <a:fld id="{148CC95F-0247-41B6-91CF-DC97C76A7088}" type="slidenum">
               <a:rPr lang="en-US" smtClean="0"/>
-              <a:t>‹Nr.›</a:t>
+              <a:t>‹#›</a:t>
             </a:fld>
             <a:endParaRPr lang="en-US"/>
           </a:p>
@@ -11975,7 +11979,7 @@
             <a:fld id="{148CC95F-0247-41B6-91CF-DC97C76A7088}" type="slidenum">
               <a:rPr lang="en-US" smtClean="0"/>
               <a:pPr/>
-              <a:t>‹Nr.›</a:t>
+              <a:t>‹#›</a:t>
             </a:fld>
             <a:endParaRPr lang="en-US"/>
           </a:p>
@@ -12120,7 +12124,7 @@
           <a:p>
             <a:fld id="{F21DBC69-2876-4ACB-95B6-39F77D4C7E0D}" type="datetime1">
               <a:rPr lang="en-US" smtClean="0"/>
-              <a:t>7/6/2025</a:t>
+              <a:t>7/8/2025</a:t>
             </a:fld>
             <a:r>
               <a:rPr lang="en-US"/>
@@ -24864,7 +24868,9 @@
           </a:xfrm>
         </p:spPr>
         <p:txBody>
-          <a:bodyPr/>
+          <a:bodyPr vert="horz" lIns="91440" tIns="45720" rIns="91440" bIns="45720" rtlCol="0" anchor="t">
+            <a:normAutofit/>
+          </a:bodyPr>
           <a:lstStyle/>
           <a:p>
             <a:pPr>
@@ -24907,15 +24913,15 @@
             </a:r>
             <a:r>
               <a:rPr lang="de-DE" dirty="0"/>
-              <a:t>: Entwicklung </a:t>
+              <a:t>: Entwicklung eines </a:t>
             </a:r>
             <a:r>
               <a:rPr lang="de-DE" b="1" dirty="0"/>
-              <a:t>praxistauglicher Modelle </a:t>
+              <a:t>praxistauglichen Modells </a:t>
             </a:r>
             <a:r>
               <a:rPr lang="de-DE" dirty="0"/>
-              <a:t>zur Betrugserkennung an SBK</a:t>
+              <a:t>zur Betrugserkennung</a:t>
             </a:r>
           </a:p>
           <a:p>
@@ -25088,7 +25094,9 @@
           </a:xfrm>
         </p:spPr>
         <p:txBody>
-          <a:bodyPr/>
+          <a:bodyPr vert="horz" lIns="91440" tIns="45720" rIns="91440" bIns="45720" rtlCol="0" anchor="t">
+            <a:normAutofit/>
+          </a:bodyPr>
           <a:lstStyle/>
           <a:p>
             <a:pPr marL="0" indent="0">
@@ -25096,7 +25104,7 @@
             </a:pPr>
             <a:r>
               <a:rPr lang="de-DE" b="1" dirty="0"/>
-              <a:t>       Modellentwicklung in mehreren Schritten</a:t>
+              <a:t>       Entwicklung eines mehrstufigen Modells</a:t>
             </a:r>
             <a:r>
               <a:rPr lang="de-DE" dirty="0"/>
@@ -25148,14 +25156,7 @@
           </a:p>
           <a:p>
             <a:pPr lvl="1"/>
-            <a:r>
-              <a:rPr lang="de-DE" b="1" dirty="0"/>
-              <a:t>Threshold- &amp; Sensitivitätsanalyse</a:t>
-            </a:r>
-            <a:r>
-              <a:rPr lang="de-DE" dirty="0"/>
-              <a:t> zur Strategieoptimierung</a:t>
-            </a:r>
+            <a:endParaRPr lang="de-DE" dirty="0"/>
           </a:p>
           <a:p>
             <a:pPr lvl="1"/>
@@ -25266,7 +25267,7 @@
           </a:xfrm>
         </p:spPr>
         <p:txBody>
-          <a:bodyPr>
+          <a:bodyPr vert="horz" lIns="91440" tIns="45720" rIns="91440" bIns="45720" rtlCol="0" anchor="t">
             <a:normAutofit/>
           </a:bodyPr>
           <a:lstStyle/>
@@ -25305,22 +25306,23 @@
             <a:pPr lvl="1"/>
             <a:r>
               <a:rPr lang="de-DE" b="1" dirty="0"/>
+              <a:t>Reproduzierbarkeit: </a:t>
+            </a:r>
+            <a:r>
+              <a:rPr lang="de-DE" dirty="0"/>
+              <a:t>Konsistente Ergebnisse mit gleichem Code/Daten</a:t>
+            </a:r>
+            <a:endParaRPr lang="de-DE" b="1" dirty="0"/>
+          </a:p>
+          <a:p>
+            <a:pPr lvl="1"/>
+            <a:r>
+              <a:rPr lang="de-DE" b="1" dirty="0"/>
               <a:t>Umsetzbarkeit: </a:t>
             </a:r>
             <a:r>
               <a:rPr lang="de-DE" dirty="0"/>
               <a:t>Einfach in der Praxis einsetzbar</a:t>
-            </a:r>
-          </a:p>
-          <a:p>
-            <a:pPr lvl="1"/>
-            <a:r>
-              <a:rPr lang="de-DE" b="1" dirty="0"/>
-              <a:t>Reproduzierbarkeit: </a:t>
-            </a:r>
-            <a:r>
-              <a:rPr lang="de-DE" dirty="0"/>
-              <a:t>Konsistente Ergebnisse mit gleichem Code/Daten</a:t>
             </a:r>
           </a:p>
           <a:p>
@@ -25540,7 +25542,7 @@
         <p:cNvPr id="1" name="">
           <a:extLst>
             <a:ext uri="{FF2B5EF4-FFF2-40B4-BE49-F238E27FC236}">
-              <a16:creationId xmlns:a16="http://schemas.microsoft.com/office/drawing/2014/main" id="{05DFCFAB-E1C8-AB29-A9DC-E1A051CA04A2}"/>
+              <a16:creationId xmlns:a16="http://schemas.microsoft.com/office/drawing/2014/main" id="{590D3595-CBCE-FDBD-4C2E-A73997F272D8}"/>
             </a:ext>
           </a:extLst>
         </p:cNvPr>
@@ -25560,7 +25562,7 @@
           <p:cNvPr id="2" name="Title 1">
             <a:extLst>
               <a:ext uri="{FF2B5EF4-FFF2-40B4-BE49-F238E27FC236}">
-                <a16:creationId xmlns:a16="http://schemas.microsoft.com/office/drawing/2014/main" id="{B3A03112-54F6-75D6-1AAD-744BF441F615}"/>
+                <a16:creationId xmlns:a16="http://schemas.microsoft.com/office/drawing/2014/main" id="{88878CCE-922B-7070-D2C8-65B631686703}"/>
               </a:ext>
             </a:extLst>
           </p:cNvPr>
@@ -25578,9 +25580,8 @@
           <a:p>
             <a:r>
               <a:rPr lang="de-DE" dirty="0"/>
-              <a:t>Merkmalsraum der Analysedaten (1)</a:t>
-            </a:r>
-            <a:endParaRPr dirty="0"/>
+              <a:t>Stufe 1: Statische Regeln zur Vorfilterung</a:t>
+            </a:r>
           </a:p>
         </p:txBody>
       </p:sp>
@@ -25589,7 +25590,7 @@
           <p:cNvPr id="3" name="Content Placeholder 2">
             <a:extLst>
               <a:ext uri="{FF2B5EF4-FFF2-40B4-BE49-F238E27FC236}">
-                <a16:creationId xmlns:a16="http://schemas.microsoft.com/office/drawing/2014/main" id="{43434710-EB09-EAE9-C727-6E8B43737E21}"/>
+                <a16:creationId xmlns:a16="http://schemas.microsoft.com/office/drawing/2014/main" id="{F8A14773-5DD0-4524-B1F5-DAA6ED939A26}"/>
               </a:ext>
             </a:extLst>
           </p:cNvPr>
@@ -25615,57 +25616,46 @@
             <a:pPr marL="0" indent="0">
               <a:buNone/>
             </a:pPr>
+            <a:endParaRPr lang="de-DE" b="1" dirty="0"/>
+          </a:p>
+          <a:p>
+            <a:r>
+              <a:rPr lang="de-DE" dirty="0"/>
+              <a:t>Ziel: einfache, </a:t>
+            </a:r>
             <a:r>
               <a:rPr lang="de-DE" b="1" dirty="0"/>
-              <a:t>1. Merkmalsquellen (Datenursprung):</a:t>
-            </a:r>
+              <a:t>interpretierbare Regeln mit hoher Präzision bei minimaler Komplexität</a:t>
+            </a:r>
+          </a:p>
+          <a:p>
+            <a:endParaRPr lang="de-DE" dirty="0"/>
           </a:p>
           <a:p>
             <a:r>
               <a:rPr lang="de-DE" b="1" dirty="0"/>
-              <a:t>Originaldaten</a:t>
-            </a:r>
+              <a:t>Methodik:</a:t>
+            </a:r>
+          </a:p>
+          <a:p>
+            <a:pPr lvl="1"/>
             <a:r>
               <a:rPr lang="de-DE" dirty="0"/>
-              <a:t> (z. B. Zahlungsart, Uhrzeit, Produktkategorie)</a:t>
-            </a:r>
-          </a:p>
-          <a:p>
-            <a:r>
-              <a:rPr lang="de-DE" b="1" dirty="0"/>
-              <a:t>Automatisch generierte Systemdaten</a:t>
-            </a:r>
+              <a:t>Daten kategorial / binär kodiert</a:t>
+            </a:r>
+          </a:p>
+          <a:p>
+            <a:pPr lvl="1"/>
             <a:r>
               <a:rPr lang="de-DE" dirty="0"/>
-              <a:t> (z. B. Kamerasystem, Rückmeldungen)</a:t>
-            </a:r>
-          </a:p>
-          <a:p>
-            <a:r>
-              <a:rPr lang="de-DE" b="1" dirty="0"/>
-              <a:t>Berechnete Merkmale</a:t>
-            </a:r>
+              <a:t>Analyse von Regeln mit ein bis zwei Merkmalen, um Überanpassung zu vermeiden und Interpretierbarkeit zu gewährleisten</a:t>
+            </a:r>
+          </a:p>
+          <a:p>
+            <a:pPr lvl="1"/>
             <a:r>
               <a:rPr lang="de-DE" dirty="0"/>
-              <a:t> (z. B. Transaktionsdauer, Preisabweichung)</a:t>
-            </a:r>
-          </a:p>
-          <a:p>
-            <a:endParaRPr lang="de-DE" dirty="0"/>
-          </a:p>
-          <a:p>
-            <a:pPr marL="0" indent="0">
-              <a:buNone/>
-            </a:pPr>
-            <a:r>
-              <a:rPr lang="de-DE" dirty="0">
-                <a:sym typeface="Wingdings" panose="05000000000000000000" pitchFamily="2" charset="2"/>
-              </a:rPr>
-              <a:t> </a:t>
-            </a:r>
-            <a:r>
-              <a:rPr lang="de-DE" dirty="0"/>
-              <a:t>Kombination ermöglicht Erkennung von Mustern als auch komplexer Zusammenhänge.</a:t>
+              <a:t>Bewertung: Güte der Vorhersage höher als bei dem anschließenden Klassifikationsmodell</a:t>
             </a:r>
           </a:p>
         </p:txBody>
@@ -25673,7 +25663,7 @@
     </p:spTree>
     <p:extLst>
       <p:ext uri="{BB962C8B-B14F-4D97-AF65-F5344CB8AC3E}">
-        <p14:creationId xmlns:p14="http://schemas.microsoft.com/office/powerpoint/2010/main" val="1268034290"/>
+        <p14:creationId xmlns:p14="http://schemas.microsoft.com/office/powerpoint/2010/main" val="1947142025"/>
       </p:ext>
     </p:extLst>
   </p:cSld>
@@ -25684,167 +25674,6 @@
 </file>
 
 <file path=ppt/slides/slide51.xml><?xml version="1.0" encoding="utf-8"?>
-<p:sld xmlns:a="http://schemas.openxmlformats.org/drawingml/2006/main" xmlns:r="http://schemas.openxmlformats.org/officeDocument/2006/relationships" xmlns:p="http://schemas.openxmlformats.org/presentationml/2006/main">
-  <p:cSld>
-    <p:spTree>
-      <p:nvGrpSpPr>
-        <p:cNvPr id="1" name="">
-          <a:extLst>
-            <a:ext uri="{FF2B5EF4-FFF2-40B4-BE49-F238E27FC236}">
-              <a16:creationId xmlns:a16="http://schemas.microsoft.com/office/drawing/2014/main" id="{27A363CA-2C78-7F65-4754-13B5E356FDF4}"/>
-            </a:ext>
-          </a:extLst>
-        </p:cNvPr>
-        <p:cNvGrpSpPr/>
-        <p:nvPr/>
-      </p:nvGrpSpPr>
-      <p:grpSpPr>
-        <a:xfrm>
-          <a:off x="0" y="0"/>
-          <a:ext cx="0" cy="0"/>
-          <a:chOff x="0" y="0"/>
-          <a:chExt cx="0" cy="0"/>
-        </a:xfrm>
-      </p:grpSpPr>
-      <p:sp>
-        <p:nvSpPr>
-          <p:cNvPr id="2" name="Title 1">
-            <a:extLst>
-              <a:ext uri="{FF2B5EF4-FFF2-40B4-BE49-F238E27FC236}">
-                <a16:creationId xmlns:a16="http://schemas.microsoft.com/office/drawing/2014/main" id="{1B1B5306-DC64-D103-A642-21C1D8E04B23}"/>
-              </a:ext>
-            </a:extLst>
-          </p:cNvPr>
-          <p:cNvSpPr>
-            <a:spLocks noGrp="1"/>
-          </p:cNvSpPr>
-          <p:nvPr>
-            <p:ph type="title"/>
-          </p:nvPr>
-        </p:nvSpPr>
-        <p:spPr/>
-        <p:txBody>
-          <a:bodyPr/>
-          <a:lstStyle/>
-          <a:p>
-            <a:r>
-              <a:rPr lang="de-DE" dirty="0"/>
-              <a:t>Merkmalsraum der Analysedaten (2)</a:t>
-            </a:r>
-            <a:endParaRPr dirty="0"/>
-          </a:p>
-        </p:txBody>
-      </p:sp>
-      <p:sp>
-        <p:nvSpPr>
-          <p:cNvPr id="3" name="Content Placeholder 2">
-            <a:extLst>
-              <a:ext uri="{FF2B5EF4-FFF2-40B4-BE49-F238E27FC236}">
-                <a16:creationId xmlns:a16="http://schemas.microsoft.com/office/drawing/2014/main" id="{CE18D630-69F4-1664-B772-A320B284D3A1}"/>
-              </a:ext>
-            </a:extLst>
-          </p:cNvPr>
-          <p:cNvSpPr>
-            <a:spLocks noGrp="1"/>
-          </p:cNvSpPr>
-          <p:nvPr>
-            <p:ph idx="1"/>
-          </p:nvPr>
-        </p:nvSpPr>
-        <p:spPr>
-          <a:xfrm>
-            <a:off x="521208" y="2140527"/>
-            <a:ext cx="11155680" cy="4222082"/>
-          </a:xfrm>
-        </p:spPr>
-        <p:txBody>
-          <a:bodyPr>
-            <a:normAutofit/>
-          </a:bodyPr>
-          <a:lstStyle/>
-          <a:p>
-            <a:pPr marL="0" indent="0">
-              <a:buNone/>
-            </a:pPr>
-            <a:r>
-              <a:rPr lang="de-DE" b="1" dirty="0"/>
-              <a:t>2. Thematische Kategorien (inhaltliche Gruppierung):</a:t>
-            </a:r>
-          </a:p>
-          <a:p>
-            <a:r>
-              <a:rPr lang="de-DE" b="1" dirty="0"/>
-              <a:t>Kundenverhalten</a:t>
-            </a:r>
-            <a:r>
-              <a:rPr lang="de-DE" dirty="0"/>
-              <a:t> (z. B. Scanverhalten, Rückmeldungen)</a:t>
-            </a:r>
-          </a:p>
-          <a:p>
-            <a:r>
-              <a:rPr lang="de-DE" b="1" dirty="0"/>
-              <a:t>Preis &amp; Rabattnutzung</a:t>
-            </a:r>
-            <a:endParaRPr lang="de-DE" dirty="0"/>
-          </a:p>
-          <a:p>
-            <a:r>
-              <a:rPr lang="de-DE" b="1" dirty="0"/>
-              <a:t>Kamerabasierte Hinweise</a:t>
-            </a:r>
-            <a:endParaRPr lang="de-DE" dirty="0"/>
-          </a:p>
-          <a:p>
-            <a:r>
-              <a:rPr lang="de-DE" b="1" dirty="0"/>
-              <a:t>Zeitliche Informationen</a:t>
-            </a:r>
-            <a:endParaRPr lang="de-DE" dirty="0"/>
-          </a:p>
-          <a:p>
-            <a:r>
-              <a:rPr lang="de-DE" b="1" dirty="0"/>
-              <a:t>Produktbezogene Angaben</a:t>
-            </a:r>
-          </a:p>
-          <a:p>
-            <a:pPr marL="0" indent="0">
-              <a:buNone/>
-            </a:pPr>
-            <a:r>
-              <a:rPr lang="de-DE" dirty="0">
-                <a:sym typeface="Wingdings" panose="05000000000000000000" pitchFamily="2" charset="2"/>
-              </a:rPr>
-              <a:t> </a:t>
-            </a:r>
-            <a:r>
-              <a:rPr lang="de-DE" dirty="0"/>
-              <a:t>ermöglicht Strukturierung von Mustern für die Modellierung</a:t>
-            </a:r>
-          </a:p>
-          <a:p>
-            <a:pPr marL="0" indent="0">
-              <a:buNone/>
-            </a:pPr>
-            <a:endParaRPr lang="de-DE" dirty="0"/>
-          </a:p>
-        </p:txBody>
-      </p:sp>
-    </p:spTree>
-    <p:extLst>
-      <p:ext uri="{BB962C8B-B14F-4D97-AF65-F5344CB8AC3E}">
-        <p14:creationId xmlns:p14="http://schemas.microsoft.com/office/powerpoint/2010/main" val="3333554217"/>
-      </p:ext>
-    </p:extLst>
-  </p:cSld>
-  <p:clrMapOvr>
-    <a:masterClrMapping/>
-  </p:clrMapOvr>
-</p:sld>
-</file>
-
-<file path=ppt/slides/slide52.xml><?xml version="1.0" encoding="utf-8"?>
 <p:sld xmlns:a="http://schemas.openxmlformats.org/drawingml/2006/main" xmlns:r="http://schemas.openxmlformats.org/officeDocument/2006/relationships" xmlns:p="http://schemas.openxmlformats.org/presentationml/2006/main">
   <p:cSld>
     <p:spTree>
@@ -25890,9 +25719,9 @@
           <a:p>
             <a:r>
               <a:rPr lang="de-DE" dirty="0"/>
-              <a:t>Modellbildungsprozess &amp; Datenkategorien</a:t>
-            </a:r>
-            <a:endParaRPr dirty="0"/>
+              <a:t>Kategorien von Fraud-Fällen</a:t>
+            </a:r>
+            <a:endParaRPr lang="en-US" dirty="0"/>
           </a:p>
         </p:txBody>
       </p:sp>
@@ -25939,10 +25768,10 @@
       </p:sp>
       <p:pic>
         <p:nvPicPr>
-          <p:cNvPr id="5" name="Grafik 4">
-            <a:extLst>
-              <a:ext uri="{FF2B5EF4-FFF2-40B4-BE49-F238E27FC236}">
-                <a16:creationId xmlns:a16="http://schemas.microsoft.com/office/drawing/2014/main" id="{6463BA30-C562-8A92-1DB8-8E75E69E32FF}"/>
+          <p:cNvPr id="6" name="Picture 5" descr="A screenshot of a graph&#10;&#10;AI-generated content may be incorrect.">
+            <a:extLst>
+              <a:ext uri="{FF2B5EF4-FFF2-40B4-BE49-F238E27FC236}">
+                <a16:creationId xmlns:a16="http://schemas.microsoft.com/office/drawing/2014/main" id="{887A84B2-B8B5-19FC-5E56-FC2119F08F41}"/>
               </a:ext>
             </a:extLst>
           </p:cNvPr>
@@ -25953,14 +25782,15 @@
         </p:nvPicPr>
         <p:blipFill>
           <a:blip r:embed="rId2"/>
+          <a:srcRect l="517" t="1744" r="861" b="1744"/>
           <a:stretch>
             <a:fillRect/>
           </a:stretch>
         </p:blipFill>
         <p:spPr>
           <a:xfrm>
-            <a:off x="1551038" y="1833444"/>
-            <a:ext cx="9083827" cy="3901778"/>
+            <a:off x="1796854" y="1886244"/>
+            <a:ext cx="8591488" cy="3732949"/>
           </a:xfrm>
           <a:prstGeom prst="rect">
             <a:avLst/>
@@ -25980,7 +25810,7 @@
 </p:sld>
 </file>
 
-<file path=ppt/slides/slide53.xml><?xml version="1.0" encoding="utf-8"?>
+<file path=ppt/slides/slide52.xml><?xml version="1.0" encoding="utf-8"?>
 <p:sld xmlns:a="http://schemas.openxmlformats.org/drawingml/2006/main" xmlns:r="http://schemas.openxmlformats.org/officeDocument/2006/relationships" xmlns:p="http://schemas.openxmlformats.org/presentationml/2006/main">
   <p:cSld>
     <p:spTree>
@@ -26026,9 +25856,12 @@
           <a:p>
             <a:r>
               <a:rPr lang="de-DE" dirty="0"/>
-              <a:t>Modellbildungsprozess &amp; Datenkategorien</a:t>
-            </a:r>
-            <a:endParaRPr dirty="0"/>
+              <a:t>Rabattbetrug </a:t>
+            </a:r>
+            <a:endParaRPr lang="en-US" b="0" dirty="0"/>
+          </a:p>
+          <a:p>
+            <a:endParaRPr lang="de-DE" dirty="0"/>
           </a:p>
         </p:txBody>
       </p:sp>
@@ -26055,7 +25888,7 @@
           </a:xfrm>
         </p:spPr>
         <p:txBody>
-          <a:bodyPr>
+          <a:bodyPr vert="horz" lIns="91440" tIns="45720" rIns="91440" bIns="45720" rtlCol="0" anchor="t">
             <a:normAutofit/>
           </a:bodyPr>
           <a:lstStyle/>
@@ -26126,7 +25959,7 @@
             <a:pPr lvl="1"/>
             <a:r>
               <a:rPr lang="de-DE" dirty="0"/>
-              <a:t>Ergänzend: </a:t>
+              <a:t>Ergänzend: konfigurierbare </a:t>
             </a:r>
             <a:r>
               <a:rPr lang="de-DE" b="1" dirty="0"/>
@@ -26134,15 +25967,7 @@
             </a:r>
             <a:r>
               <a:rPr lang="de-DE" dirty="0"/>
-              <a:t>für auffällige Rabattmuster definieren (s. auch </a:t>
-            </a:r>
-            <a:r>
-              <a:rPr lang="de-DE" b="1" dirty="0"/>
-              <a:t>Abschnitt 5</a:t>
-            </a:r>
-            <a:r>
-              <a:rPr lang="de-DE" dirty="0"/>
-              <a:t>)</a:t>
+              <a:t>(pro Filiale / Produktkategorie)</a:t>
             </a:r>
           </a:p>
         </p:txBody>
@@ -26160,147 +25985,7 @@
 </p:sld>
 </file>
 
-<file path=ppt/slides/slide54.xml><?xml version="1.0" encoding="utf-8"?>
-<p:sld xmlns:a="http://schemas.openxmlformats.org/drawingml/2006/main" xmlns:r="http://schemas.openxmlformats.org/officeDocument/2006/relationships" xmlns:p="http://schemas.openxmlformats.org/presentationml/2006/main">
-  <p:cSld>
-    <p:spTree>
-      <p:nvGrpSpPr>
-        <p:cNvPr id="1" name="">
-          <a:extLst>
-            <a:ext uri="{FF2B5EF4-FFF2-40B4-BE49-F238E27FC236}">
-              <a16:creationId xmlns:a16="http://schemas.microsoft.com/office/drawing/2014/main" id="{590D3595-CBCE-FDBD-4C2E-A73997F272D8}"/>
-            </a:ext>
-          </a:extLst>
-        </p:cNvPr>
-        <p:cNvGrpSpPr/>
-        <p:nvPr/>
-      </p:nvGrpSpPr>
-      <p:grpSpPr>
-        <a:xfrm>
-          <a:off x="0" y="0"/>
-          <a:ext cx="0" cy="0"/>
-          <a:chOff x="0" y="0"/>
-          <a:chExt cx="0" cy="0"/>
-        </a:xfrm>
-      </p:grpSpPr>
-      <p:sp>
-        <p:nvSpPr>
-          <p:cNvPr id="2" name="Title 1">
-            <a:extLst>
-              <a:ext uri="{FF2B5EF4-FFF2-40B4-BE49-F238E27FC236}">
-                <a16:creationId xmlns:a16="http://schemas.microsoft.com/office/drawing/2014/main" id="{88878CCE-922B-7070-D2C8-65B631686703}"/>
-              </a:ext>
-            </a:extLst>
-          </p:cNvPr>
-          <p:cNvSpPr>
-            <a:spLocks noGrp="1"/>
-          </p:cNvSpPr>
-          <p:nvPr>
-            <p:ph type="title"/>
-          </p:nvPr>
-        </p:nvSpPr>
-        <p:spPr/>
-        <p:txBody>
-          <a:bodyPr/>
-          <a:lstStyle/>
-          <a:p>
-            <a:r>
-              <a:rPr lang="de-DE" dirty="0"/>
-              <a:t>Statische Regeln zur Vorfilterung (1)</a:t>
-            </a:r>
-            <a:endParaRPr dirty="0"/>
-          </a:p>
-        </p:txBody>
-      </p:sp>
-      <p:sp>
-        <p:nvSpPr>
-          <p:cNvPr id="3" name="Content Placeholder 2">
-            <a:extLst>
-              <a:ext uri="{FF2B5EF4-FFF2-40B4-BE49-F238E27FC236}">
-                <a16:creationId xmlns:a16="http://schemas.microsoft.com/office/drawing/2014/main" id="{F8A14773-5DD0-4524-B1F5-DAA6ED939A26}"/>
-              </a:ext>
-            </a:extLst>
-          </p:cNvPr>
-          <p:cNvSpPr>
-            <a:spLocks noGrp="1"/>
-          </p:cNvSpPr>
-          <p:nvPr>
-            <p:ph idx="1"/>
-          </p:nvPr>
-        </p:nvSpPr>
-        <p:spPr>
-          <a:xfrm>
-            <a:off x="521208" y="2140527"/>
-            <a:ext cx="11155680" cy="4222082"/>
-          </a:xfrm>
-        </p:spPr>
-        <p:txBody>
-          <a:bodyPr>
-            <a:normAutofit/>
-          </a:bodyPr>
-          <a:lstStyle/>
-          <a:p>
-            <a:pPr marL="0" indent="0">
-              <a:buNone/>
-            </a:pPr>
-            <a:endParaRPr lang="de-DE" b="1" dirty="0"/>
-          </a:p>
-          <a:p>
-            <a:r>
-              <a:rPr lang="de-DE" dirty="0"/>
-              <a:t>Ziel: einfache, </a:t>
-            </a:r>
-            <a:r>
-              <a:rPr lang="de-DE" b="1" dirty="0"/>
-              <a:t>interpretierbare Regeln mit hoher Präzision bei minimaler Komplexität</a:t>
-            </a:r>
-          </a:p>
-          <a:p>
-            <a:endParaRPr lang="de-DE" dirty="0"/>
-          </a:p>
-          <a:p>
-            <a:r>
-              <a:rPr lang="de-DE" b="1" dirty="0"/>
-              <a:t>Methodik:</a:t>
-            </a:r>
-          </a:p>
-          <a:p>
-            <a:pPr lvl="1"/>
-            <a:r>
-              <a:rPr lang="de-DE" dirty="0"/>
-              <a:t>Daten kategorial / binär kodiert</a:t>
-            </a:r>
-          </a:p>
-          <a:p>
-            <a:pPr lvl="1"/>
-            <a:r>
-              <a:rPr lang="de-DE" dirty="0"/>
-              <a:t>Analyse von Regeln mit ein bis zwei Merkmalen, um Überanpassung zu vermeiden und Interpretierbarkeit zu gewährleisten</a:t>
-            </a:r>
-          </a:p>
-          <a:p>
-            <a:pPr lvl="1"/>
-            <a:r>
-              <a:rPr lang="de-DE" dirty="0"/>
-              <a:t>Bewertung: Güte der Vorhersage höher als bei dem anschließenden Klassifikationsmodell</a:t>
-            </a:r>
-          </a:p>
-        </p:txBody>
-      </p:sp>
-    </p:spTree>
-    <p:extLst>
-      <p:ext uri="{BB962C8B-B14F-4D97-AF65-F5344CB8AC3E}">
-        <p14:creationId xmlns:p14="http://schemas.microsoft.com/office/powerpoint/2010/main" val="1947142025"/>
-      </p:ext>
-    </p:extLst>
-  </p:cSld>
-  <p:clrMapOvr>
-    <a:masterClrMapping/>
-  </p:clrMapOvr>
-</p:sld>
-</file>
-
-<file path=ppt/slides/slide55.xml><?xml version="1.0" encoding="utf-8"?>
+<file path=ppt/slides/slide53.xml><?xml version="1.0" encoding="utf-8"?>
 <p:sld xmlns:a="http://schemas.openxmlformats.org/drawingml/2006/main" xmlns:r="http://schemas.openxmlformats.org/officeDocument/2006/relationships" xmlns:p="http://schemas.openxmlformats.org/presentationml/2006/main">
   <p:cSld>
     <p:spTree>
@@ -26497,7 +26182,7 @@
 </p:sld>
 </file>
 
-<file path=ppt/slides/slide56.xml><?xml version="1.0" encoding="utf-8"?>
+<file path=ppt/slides/slide54.xml><?xml version="1.0" encoding="utf-8"?>
 <p:sld xmlns:a="http://schemas.openxmlformats.org/drawingml/2006/main" xmlns:r="http://schemas.openxmlformats.org/officeDocument/2006/relationships" xmlns:p="http://schemas.openxmlformats.org/presentationml/2006/main">
   <p:cSld>
     <p:spTree>
@@ -26684,7 +26369,7 @@
 </p:sld>
 </file>
 
-<file path=ppt/slides/slide57.xml><?xml version="1.0" encoding="utf-8"?>
+<file path=ppt/slides/slide55.xml><?xml version="1.0" encoding="utf-8"?>
 <p:sld xmlns:a="http://schemas.openxmlformats.org/drawingml/2006/main" xmlns:r="http://schemas.openxmlformats.org/officeDocument/2006/relationships" xmlns:p="http://schemas.openxmlformats.org/presentationml/2006/main" showMasterPhAnim="0">
   <p:cSld>
     <p:spTree>
@@ -26721,7 +26406,7 @@
             </a:pPr>
             <a:r>
               <a:rPr lang="de-DE" dirty="0"/>
-              <a:t>Klassifikation der Transaktionen</a:t>
+              <a:t>Stufe 2a: Klassifikationsmodell</a:t>
             </a:r>
             <a:endParaRPr dirty="0"/>
           </a:p>
@@ -26884,7 +26569,7 @@
 </p:sld>
 </file>
 
-<file path=ppt/slides/slide58.xml><?xml version="1.0" encoding="utf-8"?>
+<file path=ppt/slides/slide56.xml><?xml version="1.0" encoding="utf-8"?>
 <p:sld xmlns:a="http://schemas.openxmlformats.org/drawingml/2006/main" xmlns:r="http://schemas.openxmlformats.org/officeDocument/2006/relationships" xmlns:p="http://schemas.openxmlformats.org/presentationml/2006/main" showMasterPhAnim="0">
   <p:cSld>
     <p:spTree>
@@ -26962,7 +26647,7 @@
           </a:xfrm>
         </p:spPr>
         <p:txBody>
-          <a:bodyPr>
+          <a:bodyPr vert="horz" lIns="91440" tIns="45720" rIns="91440" bIns="45720" rtlCol="0" anchor="t">
             <a:normAutofit/>
           </a:bodyPr>
           <a:lstStyle/>
@@ -27109,9 +26794,6 @@
             </a:pPr>
             <a:r>
               <a:rPr lang="de-DE" b="1" i="0" u="none" strike="noStrike" cap="none" spc="0" dirty="0">
-                <a:solidFill>
-                  <a:schemeClr val="tx1"/>
-                </a:solidFill>
                 <a:latin typeface="Bierstadt"/>
                 <a:cs typeface="Bierstadt"/>
               </a:rPr>
@@ -27119,26 +26801,20 @@
             </a:r>
             <a:r>
               <a:rPr lang="de-DE" b="0" i="0" u="none" strike="noStrike" cap="none" spc="0" dirty="0">
-                <a:solidFill>
-                  <a:schemeClr val="tx1"/>
-                </a:solidFill>
                 <a:latin typeface="Bierstadt"/>
                 <a:cs typeface="Bierstadt"/>
               </a:rPr>
-              <a:t> mit </a:t>
+              <a:t> mit</a:t>
             </a:r>
             <a:r>
               <a:rPr lang="de-DE" dirty="0">
                 <a:latin typeface="Bierstadt"/>
                 <a:cs typeface="Bierstadt"/>
               </a:rPr>
-              <a:t>mathematischen Verfahren</a:t>
+              <a:t> Metriken</a:t>
             </a:r>
             <a:r>
               <a:rPr lang="de-DE" b="0" i="0" u="none" strike="noStrike" cap="none" spc="0" dirty="0">
-                <a:solidFill>
-                  <a:schemeClr val="tx1"/>
-                </a:solidFill>
                 <a:latin typeface="Bierstadt"/>
                 <a:cs typeface="Bierstadt"/>
               </a:rPr>
@@ -27161,7 +26837,7 @@
 </p:sld>
 </file>
 
-<file path=ppt/slides/slide59.xml><?xml version="1.0" encoding="utf-8"?>
+<file path=ppt/slides/slide57.xml><?xml version="1.0" encoding="utf-8"?>
 <p:sld xmlns:a="http://schemas.openxmlformats.org/drawingml/2006/main" xmlns:r="http://schemas.openxmlformats.org/officeDocument/2006/relationships" xmlns:p="http://schemas.openxmlformats.org/presentationml/2006/main" showMasterPhAnim="0">
   <p:cSld>
     <p:spTree>
@@ -27465,171 +27141,7 @@
 </p:sld>
 </file>
 
-<file path=ppt/slides/slide6.xml><?xml version="1.0" encoding="utf-8"?>
-<p:sld xmlns:a="http://schemas.openxmlformats.org/drawingml/2006/main" xmlns:r="http://schemas.openxmlformats.org/officeDocument/2006/relationships" xmlns:p="http://schemas.openxmlformats.org/presentationml/2006/main">
-  <p:cSld>
-    <p:spTree>
-      <p:nvGrpSpPr>
-        <p:cNvPr id="1" name="">
-          <a:extLst>
-            <a:ext uri="{FF2B5EF4-FFF2-40B4-BE49-F238E27FC236}">
-              <a16:creationId xmlns:a16="http://schemas.microsoft.com/office/drawing/2014/main" id="{E82DF8E8-33E5-7B35-8033-1E0731D454F8}"/>
-            </a:ext>
-          </a:extLst>
-        </p:cNvPr>
-        <p:cNvGrpSpPr/>
-        <p:nvPr/>
-      </p:nvGrpSpPr>
-      <p:grpSpPr>
-        <a:xfrm>
-          <a:off x="0" y="0"/>
-          <a:ext cx="0" cy="0"/>
-          <a:chOff x="0" y="0"/>
-          <a:chExt cx="0" cy="0"/>
-        </a:xfrm>
-      </p:grpSpPr>
-      <p:sp>
-        <p:nvSpPr>
-          <p:cNvPr id="2" name="Titel 1">
-            <a:extLst>
-              <a:ext uri="{FF2B5EF4-FFF2-40B4-BE49-F238E27FC236}">
-                <a16:creationId xmlns:a16="http://schemas.microsoft.com/office/drawing/2014/main" id="{0570E802-48AC-E098-5098-F595BBBA4A51}"/>
-              </a:ext>
-            </a:extLst>
-          </p:cNvPr>
-          <p:cNvSpPr>
-            <a:spLocks noGrp="1"/>
-          </p:cNvSpPr>
-          <p:nvPr>
-            <p:ph type="title"/>
-          </p:nvPr>
-        </p:nvSpPr>
-        <p:spPr/>
-        <p:txBody>
-          <a:bodyPr/>
-          <a:lstStyle/>
-          <a:p>
-            <a:r>
-              <a:rPr lang="de-DE" dirty="0"/>
-              <a:t>Meilenstein 3: Datenanalyse &amp; Modellierung</a:t>
-            </a:r>
-          </a:p>
-        </p:txBody>
-      </p:sp>
-      <p:sp>
-        <p:nvSpPr>
-          <p:cNvPr id="3" name="Inhaltsplatzhalter 2">
-            <a:extLst>
-              <a:ext uri="{FF2B5EF4-FFF2-40B4-BE49-F238E27FC236}">
-                <a16:creationId xmlns:a16="http://schemas.microsoft.com/office/drawing/2014/main" id="{38F04D73-D516-B4D6-03B8-6A92C944F9B9}"/>
-              </a:ext>
-            </a:extLst>
-          </p:cNvPr>
-          <p:cNvSpPr>
-            <a:spLocks noGrp="1"/>
-          </p:cNvSpPr>
-          <p:nvPr>
-            <p:ph idx="1"/>
-          </p:nvPr>
-        </p:nvSpPr>
-        <p:spPr>
-          <a:xfrm>
-            <a:off x="521208" y="2934118"/>
-            <a:ext cx="11155680" cy="3321385"/>
-          </a:xfrm>
-        </p:spPr>
-        <p:txBody>
-          <a:bodyPr>
-            <a:normAutofit/>
-          </a:bodyPr>
-          <a:lstStyle/>
-          <a:p>
-            <a:r>
-              <a:rPr lang="de-DE" b="1" dirty="0"/>
-              <a:t>Datenbereinigung</a:t>
-            </a:r>
-            <a:r>
-              <a:rPr lang="de-DE" dirty="0"/>
-              <a:t> &amp; Erstellung eines Feature-Katalogs</a:t>
-            </a:r>
-          </a:p>
-          <a:p>
-            <a:r>
-              <a:rPr lang="de-DE" dirty="0"/>
-              <a:t>Auswahl geeigneter </a:t>
-            </a:r>
-            <a:r>
-              <a:rPr lang="de-DE" b="1" dirty="0"/>
-              <a:t>Modellklassen</a:t>
-            </a:r>
-            <a:r>
-              <a:rPr lang="de-DE" dirty="0"/>
-              <a:t> (von klassisch bis komplex)</a:t>
-            </a:r>
-          </a:p>
-          <a:p>
-            <a:r>
-              <a:rPr lang="de-DE" dirty="0"/>
-              <a:t>Integration der Bewertungsfunktion in die </a:t>
-            </a:r>
-            <a:r>
-              <a:rPr lang="de-DE" b="1" dirty="0"/>
-              <a:t>Optimierungsstrategie</a:t>
-            </a:r>
-          </a:p>
-          <a:p>
-            <a:r>
-              <a:rPr lang="de-DE" dirty="0"/>
-              <a:t>Erstellung eines funktionalen </a:t>
-            </a:r>
-            <a:r>
-              <a:rPr lang="de-DE" b="1" dirty="0"/>
-              <a:t>Prototyps </a:t>
-            </a:r>
-            <a:r>
-              <a:rPr lang="de-DE" dirty="0"/>
-              <a:t>zur Transaktionsbewertung</a:t>
-            </a:r>
-          </a:p>
-          <a:p>
-            <a:r>
-              <a:rPr lang="de-DE" b="1" dirty="0"/>
-              <a:t>Bewertung</a:t>
-            </a:r>
-            <a:r>
-              <a:rPr lang="de-DE" dirty="0"/>
-              <a:t> mit Kennzahlen (Precision, Recall, ökonomischer Nutzen)</a:t>
-            </a:r>
-          </a:p>
-          <a:p>
-            <a:r>
-              <a:rPr lang="de-DE" dirty="0"/>
-              <a:t>Ableitung konkreter </a:t>
-            </a:r>
-            <a:r>
-              <a:rPr lang="de-DE" b="1" dirty="0"/>
-              <a:t>Handlungsempfehlungen</a:t>
-            </a:r>
-          </a:p>
-          <a:p>
-            <a:endParaRPr lang="de-DE" b="1" dirty="0"/>
-          </a:p>
-        </p:txBody>
-      </p:sp>
-    </p:spTree>
-    <p:extLst>
-      <p:ext uri="{BB962C8B-B14F-4D97-AF65-F5344CB8AC3E}">
-        <p14:creationId xmlns:p14="http://schemas.microsoft.com/office/powerpoint/2010/main" val="933712538"/>
-      </p:ext>
-    </p:extLst>
-  </p:cSld>
-  <p:clrMapOvr>
-    <a:masterClrMapping/>
-  </p:clrMapOvr>
-</p:sld>
-</file>
-
-<file path=ppt/slides/slide60.xml><?xml version="1.0" encoding="utf-8"?>
+<file path=ppt/slides/slide58.xml><?xml version="1.0" encoding="utf-8"?>
 <p:sld xmlns:a="http://schemas.openxmlformats.org/drawingml/2006/main" xmlns:r="http://schemas.openxmlformats.org/officeDocument/2006/relationships" xmlns:p="http://schemas.openxmlformats.org/presentationml/2006/main" showMasterPhAnim="0">
   <p:cSld>
     <p:spTree>
@@ -27930,7 +27442,7 @@
 </p:sld>
 </file>
 
-<file path=ppt/slides/slide61.xml><?xml version="1.0" encoding="utf-8"?>
+<file path=ppt/slides/slide59.xml><?xml version="1.0" encoding="utf-8"?>
 <p:sld xmlns:a="http://schemas.openxmlformats.org/drawingml/2006/main" xmlns:r="http://schemas.openxmlformats.org/officeDocument/2006/relationships" xmlns:p="http://schemas.openxmlformats.org/presentationml/2006/main" showMasterPhAnim="0">
   <p:cSld>
     <p:spTree>
@@ -28228,7 +27740,171 @@
 </p:sld>
 </file>
 
-<file path=ppt/slides/slide62.xml><?xml version="1.0" encoding="utf-8"?>
+<file path=ppt/slides/slide6.xml><?xml version="1.0" encoding="utf-8"?>
+<p:sld xmlns:a="http://schemas.openxmlformats.org/drawingml/2006/main" xmlns:r="http://schemas.openxmlformats.org/officeDocument/2006/relationships" xmlns:p="http://schemas.openxmlformats.org/presentationml/2006/main">
+  <p:cSld>
+    <p:spTree>
+      <p:nvGrpSpPr>
+        <p:cNvPr id="1" name="">
+          <a:extLst>
+            <a:ext uri="{FF2B5EF4-FFF2-40B4-BE49-F238E27FC236}">
+              <a16:creationId xmlns:a16="http://schemas.microsoft.com/office/drawing/2014/main" id="{E82DF8E8-33E5-7B35-8033-1E0731D454F8}"/>
+            </a:ext>
+          </a:extLst>
+        </p:cNvPr>
+        <p:cNvGrpSpPr/>
+        <p:nvPr/>
+      </p:nvGrpSpPr>
+      <p:grpSpPr>
+        <a:xfrm>
+          <a:off x="0" y="0"/>
+          <a:ext cx="0" cy="0"/>
+          <a:chOff x="0" y="0"/>
+          <a:chExt cx="0" cy="0"/>
+        </a:xfrm>
+      </p:grpSpPr>
+      <p:sp>
+        <p:nvSpPr>
+          <p:cNvPr id="2" name="Titel 1">
+            <a:extLst>
+              <a:ext uri="{FF2B5EF4-FFF2-40B4-BE49-F238E27FC236}">
+                <a16:creationId xmlns:a16="http://schemas.microsoft.com/office/drawing/2014/main" id="{0570E802-48AC-E098-5098-F595BBBA4A51}"/>
+              </a:ext>
+            </a:extLst>
+          </p:cNvPr>
+          <p:cNvSpPr>
+            <a:spLocks noGrp="1"/>
+          </p:cNvSpPr>
+          <p:nvPr>
+            <p:ph type="title"/>
+          </p:nvPr>
+        </p:nvSpPr>
+        <p:spPr/>
+        <p:txBody>
+          <a:bodyPr/>
+          <a:lstStyle/>
+          <a:p>
+            <a:r>
+              <a:rPr lang="de-DE" dirty="0"/>
+              <a:t>Meilenstein 3: Datenanalyse &amp; Modellierung</a:t>
+            </a:r>
+          </a:p>
+        </p:txBody>
+      </p:sp>
+      <p:sp>
+        <p:nvSpPr>
+          <p:cNvPr id="3" name="Inhaltsplatzhalter 2">
+            <a:extLst>
+              <a:ext uri="{FF2B5EF4-FFF2-40B4-BE49-F238E27FC236}">
+                <a16:creationId xmlns:a16="http://schemas.microsoft.com/office/drawing/2014/main" id="{38F04D73-D516-B4D6-03B8-6A92C944F9B9}"/>
+              </a:ext>
+            </a:extLst>
+          </p:cNvPr>
+          <p:cNvSpPr>
+            <a:spLocks noGrp="1"/>
+          </p:cNvSpPr>
+          <p:nvPr>
+            <p:ph idx="1"/>
+          </p:nvPr>
+        </p:nvSpPr>
+        <p:spPr>
+          <a:xfrm>
+            <a:off x="521208" y="2934118"/>
+            <a:ext cx="11155680" cy="3321385"/>
+          </a:xfrm>
+        </p:spPr>
+        <p:txBody>
+          <a:bodyPr>
+            <a:normAutofit/>
+          </a:bodyPr>
+          <a:lstStyle/>
+          <a:p>
+            <a:r>
+              <a:rPr lang="de-DE" b="1" dirty="0"/>
+              <a:t>Datenbereinigung</a:t>
+            </a:r>
+            <a:r>
+              <a:rPr lang="de-DE" dirty="0"/>
+              <a:t> &amp; Erstellung eines Feature-Katalogs</a:t>
+            </a:r>
+          </a:p>
+          <a:p>
+            <a:r>
+              <a:rPr lang="de-DE" dirty="0"/>
+              <a:t>Auswahl geeigneter </a:t>
+            </a:r>
+            <a:r>
+              <a:rPr lang="de-DE" b="1" dirty="0"/>
+              <a:t>Modellklassen</a:t>
+            </a:r>
+            <a:r>
+              <a:rPr lang="de-DE" dirty="0"/>
+              <a:t> (von klassisch bis komplex)</a:t>
+            </a:r>
+          </a:p>
+          <a:p>
+            <a:r>
+              <a:rPr lang="de-DE" dirty="0"/>
+              <a:t>Integration der Bewertungsfunktion in die </a:t>
+            </a:r>
+            <a:r>
+              <a:rPr lang="de-DE" b="1" dirty="0"/>
+              <a:t>Optimierungsstrategie</a:t>
+            </a:r>
+          </a:p>
+          <a:p>
+            <a:r>
+              <a:rPr lang="de-DE" dirty="0"/>
+              <a:t>Erstellung eines funktionalen </a:t>
+            </a:r>
+            <a:r>
+              <a:rPr lang="de-DE" b="1" dirty="0"/>
+              <a:t>Prototyps </a:t>
+            </a:r>
+            <a:r>
+              <a:rPr lang="de-DE" dirty="0"/>
+              <a:t>zur Transaktionsbewertung</a:t>
+            </a:r>
+          </a:p>
+          <a:p>
+            <a:r>
+              <a:rPr lang="de-DE" b="1" dirty="0"/>
+              <a:t>Bewertung</a:t>
+            </a:r>
+            <a:r>
+              <a:rPr lang="de-DE" dirty="0"/>
+              <a:t> mit Kennzahlen (Precision, Recall, ökonomischer Nutzen)</a:t>
+            </a:r>
+          </a:p>
+          <a:p>
+            <a:r>
+              <a:rPr lang="de-DE" dirty="0"/>
+              <a:t>Ableitung konkreter </a:t>
+            </a:r>
+            <a:r>
+              <a:rPr lang="de-DE" b="1" dirty="0"/>
+              <a:t>Handlungsempfehlungen</a:t>
+            </a:r>
+          </a:p>
+          <a:p>
+            <a:endParaRPr lang="de-DE" b="1" dirty="0"/>
+          </a:p>
+        </p:txBody>
+      </p:sp>
+    </p:spTree>
+    <p:extLst>
+      <p:ext uri="{BB962C8B-B14F-4D97-AF65-F5344CB8AC3E}">
+        <p14:creationId xmlns:p14="http://schemas.microsoft.com/office/powerpoint/2010/main" val="933712538"/>
+      </p:ext>
+    </p:extLst>
+  </p:cSld>
+  <p:clrMapOvr>
+    <a:masterClrMapping/>
+  </p:clrMapOvr>
+</p:sld>
+</file>
+
+<file path=ppt/slides/slide60.xml><?xml version="1.0" encoding="utf-8"?>
 <p:sld xmlns:a="http://schemas.openxmlformats.org/drawingml/2006/main" xmlns:r="http://schemas.openxmlformats.org/officeDocument/2006/relationships" xmlns:p="http://schemas.openxmlformats.org/presentationml/2006/main" showMasterPhAnim="0">
   <p:cSld>
     <p:spTree>
@@ -28513,7 +28189,7 @@
 </p:sld>
 </file>
 
-<file path=ppt/slides/slide63.xml><?xml version="1.0" encoding="utf-8"?>
+<file path=ppt/slides/slide61.xml><?xml version="1.0" encoding="utf-8"?>
 <p:sld xmlns:a="http://schemas.openxmlformats.org/drawingml/2006/main" xmlns:r="http://schemas.openxmlformats.org/officeDocument/2006/relationships" xmlns:p="http://schemas.openxmlformats.org/presentationml/2006/main" showMasterPhAnim="0">
   <p:cSld>
     <p:spTree>
@@ -28766,7 +28442,7 @@
 </p:sld>
 </file>
 
-<file path=ppt/slides/slide64.xml><?xml version="1.0" encoding="utf-8"?>
+<file path=ppt/slides/slide62.xml><?xml version="1.0" encoding="utf-8"?>
 <p:sld xmlns:a="http://schemas.openxmlformats.org/drawingml/2006/main" xmlns:r="http://schemas.openxmlformats.org/officeDocument/2006/relationships" xmlns:p="http://schemas.openxmlformats.org/presentationml/2006/main" showMasterPhAnim="0">
   <p:cSld>
     <p:spTree>
@@ -28815,7 +28491,7 @@
             </a:pPr>
             <a:r>
               <a:rPr lang="de-DE" dirty="0"/>
-              <a:t>Schadensschätzung per Regression</a:t>
+              <a:t>Stufe 2b: Regressionsmodell (Schaden)</a:t>
             </a:r>
             <a:endParaRPr dirty="0"/>
           </a:p>
@@ -29266,7 +28942,7 @@
 </p:sld>
 </file>
 
-<file path=ppt/slides/slide65.xml><?xml version="1.0" encoding="utf-8"?>
+<file path=ppt/slides/slide63.xml><?xml version="1.0" encoding="utf-8"?>
 <p:sld xmlns:a="http://schemas.openxmlformats.org/drawingml/2006/main" xmlns:r="http://schemas.openxmlformats.org/officeDocument/2006/relationships" xmlns:p="http://schemas.openxmlformats.org/presentationml/2006/main" showMasterPhAnim="0">
   <p:cSld>
     <p:spTree>
@@ -29725,7 +29401,7 @@
 </p:sld>
 </file>
 
-<file path=ppt/slides/slide66.xml><?xml version="1.0" encoding="utf-8"?>
+<file path=ppt/slides/slide64.xml><?xml version="1.0" encoding="utf-8"?>
 <p:sld xmlns:a="http://schemas.openxmlformats.org/drawingml/2006/main" xmlns:r="http://schemas.openxmlformats.org/officeDocument/2006/relationships" xmlns:p="http://schemas.openxmlformats.org/presentationml/2006/main" showMasterPhAnim="0">
   <p:cSld>
     <p:spTree>
@@ -29798,7 +29474,7 @@
         </p:nvSpPr>
         <p:spPr bwMode="auto">
           <a:xfrm>
-            <a:off x="521208" y="2569555"/>
+            <a:off x="531104" y="2569555"/>
             <a:ext cx="11155680" cy="3767328"/>
           </a:xfrm>
         </p:spPr>
@@ -29981,7 +29657,7 @@
 </p:sld>
 </file>
 
-<file path=ppt/slides/slide67.xml><?xml version="1.0" encoding="utf-8"?>
+<file path=ppt/slides/slide65.xml><?xml version="1.0" encoding="utf-8"?>
 <p:sld xmlns:a="http://schemas.openxmlformats.org/drawingml/2006/main" xmlns:r="http://schemas.openxmlformats.org/officeDocument/2006/relationships" xmlns:p="http://schemas.openxmlformats.org/presentationml/2006/main" showMasterPhAnim="0">
   <p:cSld>
     <p:spTree>
@@ -30509,7 +30185,7 @@
 </p:sld>
 </file>
 
-<file path=ppt/slides/slide68.xml><?xml version="1.0" encoding="utf-8"?>
+<file path=ppt/slides/slide66.xml><?xml version="1.0" encoding="utf-8"?>
 <p:sld xmlns:a="http://schemas.openxmlformats.org/drawingml/2006/main" xmlns:r="http://schemas.openxmlformats.org/officeDocument/2006/relationships" xmlns:p="http://schemas.openxmlformats.org/presentationml/2006/main" showMasterPhAnim="0">
   <p:cSld>
     <p:spTree>
@@ -31022,7 +30698,7 @@
 </p:sld>
 </file>
 
-<file path=ppt/slides/slide69.xml><?xml version="1.0" encoding="utf-8"?>
+<file path=ppt/slides/slide67.xml><?xml version="1.0" encoding="utf-8"?>
 <p:sld xmlns:a="http://schemas.openxmlformats.org/drawingml/2006/main" xmlns:r="http://schemas.openxmlformats.org/officeDocument/2006/relationships" xmlns:p="http://schemas.openxmlformats.org/presentationml/2006/main" showMasterPhAnim="0">
   <p:cSld>
     <p:spTree>
@@ -31461,6 +31137,971 @@
     <p:extLst>
       <p:ext uri="{BB962C8B-B14F-4D97-AF65-F5344CB8AC3E}">
         <p14:creationId xmlns:p14="http://schemas.microsoft.com/office/powerpoint/2010/main" val="2079624179"/>
+      </p:ext>
+    </p:extLst>
+  </p:cSld>
+  <p:clrMapOvr>
+    <a:masterClrMapping/>
+  </p:clrMapOvr>
+</p:sld>
+</file>
+
+<file path=ppt/slides/slide68.xml><?xml version="1.0" encoding="utf-8"?>
+<p:sld xmlns:a="http://schemas.openxmlformats.org/drawingml/2006/main" xmlns:r="http://schemas.openxmlformats.org/officeDocument/2006/relationships" xmlns:p="http://schemas.openxmlformats.org/presentationml/2006/main" showMasterPhAnim="0">
+  <p:cSld>
+    <p:spTree>
+      <p:nvGrpSpPr>
+        <p:cNvPr id="1" name="">
+          <a:extLst>
+            <a:ext uri="{FF2B5EF4-FFF2-40B4-BE49-F238E27FC236}">
+              <a16:creationId xmlns:a16="http://schemas.microsoft.com/office/drawing/2014/main" id="{0873FD8C-AB8F-5DB4-EABD-F341741E640E}"/>
+            </a:ext>
+          </a:extLst>
+        </p:cNvPr>
+        <p:cNvGrpSpPr/>
+        <p:nvPr/>
+      </p:nvGrpSpPr>
+      <p:grpSpPr bwMode="auto">
+        <a:xfrm>
+          <a:off x="0" y="0"/>
+          <a:ext cx="0" cy="0"/>
+          <a:chOff x="0" y="0"/>
+          <a:chExt cx="0" cy="0"/>
+        </a:xfrm>
+      </p:grpSpPr>
+      <p:sp>
+        <p:nvSpPr>
+          <p:cNvPr id="1770641224" name="Title 1">
+            <a:extLst>
+              <a:ext uri="{FF2B5EF4-FFF2-40B4-BE49-F238E27FC236}">
+                <a16:creationId xmlns:a16="http://schemas.microsoft.com/office/drawing/2014/main" id="{1DCCBFA7-69CF-9F2C-C2E9-C66FBEE172FB}"/>
+              </a:ext>
+            </a:extLst>
+          </p:cNvPr>
+          <p:cNvSpPr>
+            <a:spLocks noGrp="1"/>
+          </p:cNvSpPr>
+          <p:nvPr>
+            <p:ph type="title"/>
+          </p:nvPr>
+        </p:nvSpPr>
+        <p:spPr bwMode="auto"/>
+        <p:txBody>
+          <a:bodyPr/>
+          <a:lstStyle/>
+          <a:p>
+            <a:pPr>
+              <a:defRPr/>
+            </a:pPr>
+            <a:r>
+              <a:rPr lang="de-DE" dirty="0"/>
+              <a:t>Bilanz: Schaden durch Rabattbetrug</a:t>
+            </a:r>
+            <a:endParaRPr dirty="0"/>
+          </a:p>
+        </p:txBody>
+      </p:sp>
+      <p:sp>
+        <p:nvSpPr>
+          <p:cNvPr id="998545421" name="Content Placeholder 2">
+            <a:extLst>
+              <a:ext uri="{FF2B5EF4-FFF2-40B4-BE49-F238E27FC236}">
+                <a16:creationId xmlns:a16="http://schemas.microsoft.com/office/drawing/2014/main" id="{D055D63A-843D-22E8-B4CC-938E58DB7E88}"/>
+              </a:ext>
+            </a:extLst>
+          </p:cNvPr>
+          <p:cNvSpPr>
+            <a:spLocks noGrp="1"/>
+          </p:cNvSpPr>
+          <p:nvPr>
+            <p:ph idx="1"/>
+          </p:nvPr>
+        </p:nvSpPr>
+        <p:spPr bwMode="auto">
+          <a:xfrm>
+            <a:off x="521208" y="2569555"/>
+            <a:ext cx="11155680" cy="3767328"/>
+          </a:xfrm>
+        </p:spPr>
+        <p:txBody>
+          <a:bodyPr/>
+          <a:lstStyle/>
+          <a:p>
+            <a:pPr>
+              <a:defRPr/>
+            </a:pPr>
+            <a:endParaRPr dirty="0"/>
+          </a:p>
+          <a:p>
+            <a:pPr>
+              <a:defRPr sz="1800">
+                <a:solidFill>
+                  <a:srgbClr val="000000"/>
+                </a:solidFill>
+              </a:defRPr>
+            </a:pPr>
+            <a:endParaRPr dirty="0"/>
+          </a:p>
+        </p:txBody>
+      </p:sp>
+      <p:sp>
+        <p:nvSpPr>
+          <p:cNvPr id="2147178039" name="Content Placeholder 2">
+            <a:extLst>
+              <a:ext uri="{FF2B5EF4-FFF2-40B4-BE49-F238E27FC236}">
+                <a16:creationId xmlns:a16="http://schemas.microsoft.com/office/drawing/2014/main" id="{76205210-4016-8BCD-C1A4-D52542F0273A}"/>
+              </a:ext>
+            </a:extLst>
+          </p:cNvPr>
+          <p:cNvSpPr>
+            <a:spLocks noGrp="1"/>
+          </p:cNvSpPr>
+          <p:nvPr/>
+        </p:nvSpPr>
+        <p:spPr bwMode="auto">
+          <a:xfrm>
+            <a:off x="592205" y="2067791"/>
+            <a:ext cx="11155680" cy="3990108"/>
+          </a:xfrm>
+        </p:spPr>
+        <p:txBody>
+          <a:bodyPr vertOverflow="overflow" horzOverflow="overflow" vert="horz" wrap="square" lIns="91440" tIns="45720" rIns="91440" bIns="45720" numCol="1" spcCol="0" rtlCol="0" fromWordArt="0" anchor="t" anchorCtr="0" forceAA="0" compatLnSpc="0">
+            <a:normAutofit fontScale="95000"/>
+          </a:bodyPr>
+          <a:lstStyle>
+            <a:lvl1pPr marL="228600" indent="-228600" algn="l" defTabSz="914400">
+              <a:lnSpc>
+                <a:spcPct val="110000"/>
+              </a:lnSpc>
+              <a:spcBef>
+                <a:spcPts val="999"/>
+              </a:spcBef>
+              <a:buFont typeface="Arial"/>
+              <a:buChar char="•"/>
+              <a:defRPr sz="1800">
+                <a:solidFill>
+                  <a:schemeClr val="tx1"/>
+                </a:solidFill>
+                <a:latin typeface="+mn-lt"/>
+                <a:ea typeface="+mn-ea"/>
+                <a:cs typeface="+mn-cs"/>
+              </a:defRPr>
+            </a:lvl1pPr>
+            <a:lvl2pPr marL="685800" indent="-228600" algn="l" defTabSz="914400">
+              <a:lnSpc>
+                <a:spcPct val="110000"/>
+              </a:lnSpc>
+              <a:spcBef>
+                <a:spcPts val="499"/>
+              </a:spcBef>
+              <a:buFont typeface="Arial"/>
+              <a:buChar char="•"/>
+              <a:defRPr sz="1600">
+                <a:solidFill>
+                  <a:schemeClr val="tx1"/>
+                </a:solidFill>
+                <a:latin typeface="+mn-lt"/>
+                <a:ea typeface="+mn-ea"/>
+                <a:cs typeface="+mn-cs"/>
+              </a:defRPr>
+            </a:lvl2pPr>
+            <a:lvl3pPr marL="1143000" indent="-228600" algn="l" defTabSz="914400">
+              <a:lnSpc>
+                <a:spcPct val="110000"/>
+              </a:lnSpc>
+              <a:spcBef>
+                <a:spcPts val="499"/>
+              </a:spcBef>
+              <a:buFont typeface="Arial"/>
+              <a:buChar char="•"/>
+              <a:defRPr sz="1400">
+                <a:solidFill>
+                  <a:schemeClr val="tx1"/>
+                </a:solidFill>
+                <a:latin typeface="+mn-lt"/>
+                <a:ea typeface="+mn-ea"/>
+                <a:cs typeface="+mn-cs"/>
+              </a:defRPr>
+            </a:lvl3pPr>
+            <a:lvl4pPr marL="1600200" indent="-228600" algn="l" defTabSz="914400">
+              <a:lnSpc>
+                <a:spcPct val="110000"/>
+              </a:lnSpc>
+              <a:spcBef>
+                <a:spcPts val="499"/>
+              </a:spcBef>
+              <a:buFont typeface="Arial"/>
+              <a:buChar char="•"/>
+              <a:defRPr sz="1200">
+                <a:solidFill>
+                  <a:schemeClr val="tx1"/>
+                </a:solidFill>
+                <a:latin typeface="+mn-lt"/>
+                <a:ea typeface="+mn-ea"/>
+                <a:cs typeface="+mn-cs"/>
+              </a:defRPr>
+            </a:lvl4pPr>
+            <a:lvl5pPr marL="2057400" indent="-228600" algn="l" defTabSz="914400">
+              <a:lnSpc>
+                <a:spcPct val="110000"/>
+              </a:lnSpc>
+              <a:spcBef>
+                <a:spcPts val="499"/>
+              </a:spcBef>
+              <a:buFont typeface="Arial"/>
+              <a:buChar char="•"/>
+              <a:defRPr sz="1200">
+                <a:solidFill>
+                  <a:schemeClr val="tx1"/>
+                </a:solidFill>
+                <a:latin typeface="+mn-lt"/>
+                <a:ea typeface="+mn-ea"/>
+                <a:cs typeface="+mn-cs"/>
+              </a:defRPr>
+            </a:lvl5pPr>
+            <a:lvl6pPr marL="2514599" indent="-228600" algn="l" defTabSz="914400">
+              <a:lnSpc>
+                <a:spcPct val="90000"/>
+              </a:lnSpc>
+              <a:spcBef>
+                <a:spcPts val="499"/>
+              </a:spcBef>
+              <a:buFont typeface="Arial"/>
+              <a:buChar char="•"/>
+              <a:defRPr sz="1800">
+                <a:solidFill>
+                  <a:schemeClr val="tx1"/>
+                </a:solidFill>
+                <a:latin typeface="+mn-lt"/>
+                <a:ea typeface="+mn-ea"/>
+                <a:cs typeface="+mn-cs"/>
+              </a:defRPr>
+            </a:lvl6pPr>
+            <a:lvl7pPr marL="2971800" indent="-228600" algn="l" defTabSz="914400">
+              <a:lnSpc>
+                <a:spcPct val="90000"/>
+              </a:lnSpc>
+              <a:spcBef>
+                <a:spcPts val="499"/>
+              </a:spcBef>
+              <a:buFont typeface="Arial"/>
+              <a:buChar char="•"/>
+              <a:defRPr sz="1800">
+                <a:solidFill>
+                  <a:schemeClr val="tx1"/>
+                </a:solidFill>
+                <a:latin typeface="+mn-lt"/>
+                <a:ea typeface="+mn-ea"/>
+                <a:cs typeface="+mn-cs"/>
+              </a:defRPr>
+            </a:lvl7pPr>
+            <a:lvl8pPr marL="3429000" indent="-228600" algn="l" defTabSz="914400">
+              <a:lnSpc>
+                <a:spcPct val="90000"/>
+              </a:lnSpc>
+              <a:spcBef>
+                <a:spcPts val="499"/>
+              </a:spcBef>
+              <a:buFont typeface="Arial"/>
+              <a:buChar char="•"/>
+              <a:defRPr sz="1800">
+                <a:solidFill>
+                  <a:schemeClr val="tx1"/>
+                </a:solidFill>
+                <a:latin typeface="+mn-lt"/>
+                <a:ea typeface="+mn-ea"/>
+                <a:cs typeface="+mn-cs"/>
+              </a:defRPr>
+            </a:lvl8pPr>
+            <a:lvl9pPr marL="3886200" indent="-228600" algn="l" defTabSz="914400">
+              <a:lnSpc>
+                <a:spcPct val="90000"/>
+              </a:lnSpc>
+              <a:spcBef>
+                <a:spcPts val="499"/>
+              </a:spcBef>
+              <a:buFont typeface="Arial"/>
+              <a:buChar char="•"/>
+              <a:defRPr sz="1800">
+                <a:solidFill>
+                  <a:schemeClr val="tx1"/>
+                </a:solidFill>
+                <a:latin typeface="+mn-lt"/>
+                <a:ea typeface="+mn-ea"/>
+                <a:cs typeface="+mn-cs"/>
+              </a:defRPr>
+            </a:lvl9pPr>
+          </a:lstStyle>
+          <a:p>
+            <a:pPr marL="0" marR="0" lvl="0" indent="0" algn="l" defTabSz="914400" eaLnBrk="1" fontAlgn="auto" latinLnBrk="0" hangingPunct="1">
+              <a:lnSpc>
+                <a:spcPct val="110000"/>
+              </a:lnSpc>
+              <a:spcBef>
+                <a:spcPts val="999"/>
+              </a:spcBef>
+              <a:spcAft>
+                <a:spcPts val="0"/>
+              </a:spcAft>
+              <a:buClrTx/>
+              <a:buSzTx/>
+              <a:buFont typeface="Arial"/>
+              <a:buNone/>
+              <a:tabLst/>
+              <a:defRPr sz="1800">
+                <a:solidFill>
+                  <a:srgbClr val="000000"/>
+                </a:solidFill>
+              </a:defRPr>
+            </a:pPr>
+            <a:endParaRPr kumimoji="0" sz="1600" b="0" i="0" u="none" strike="noStrike" kern="0" cap="none" spc="0" normalizeH="0" baseline="0" noProof="0" dirty="0">
+              <a:ln>
+                <a:noFill/>
+              </a:ln>
+              <a:solidFill>
+                <a:srgbClr val="000000"/>
+              </a:solidFill>
+              <a:effectLst/>
+              <a:uLnTx/>
+              <a:uFillTx/>
+              <a:latin typeface="Bierstadt"/>
+              <a:cs typeface="Arial"/>
+            </a:endParaRPr>
+          </a:p>
+          <a:p>
+            <a:pPr marR="0" lvl="0" eaLnBrk="1" fontAlgn="auto" latinLnBrk="0" hangingPunct="1">
+              <a:lnSpc>
+                <a:spcPct val="111000"/>
+              </a:lnSpc>
+              <a:spcBef>
+                <a:spcPts val="999"/>
+              </a:spcBef>
+              <a:spcAft>
+                <a:spcPts val="0"/>
+              </a:spcAft>
+              <a:buClrTx/>
+              <a:buSzTx/>
+              <a:tabLst/>
+              <a:defRPr/>
+            </a:pPr>
+            <a:r>
+              <a:rPr lang="de-DE" sz="1900" dirty="0"/>
+              <a:t>Modell erkennt </a:t>
+            </a:r>
+            <a:r>
+              <a:rPr lang="de-DE" sz="1900" b="1" dirty="0"/>
+              <a:t>62 % der unberechtigten Rabattfälle</a:t>
+            </a:r>
+          </a:p>
+          <a:p>
+            <a:pPr marR="0" lvl="0" eaLnBrk="1" fontAlgn="auto" latinLnBrk="0" hangingPunct="1">
+              <a:lnSpc>
+                <a:spcPct val="111000"/>
+              </a:lnSpc>
+              <a:spcBef>
+                <a:spcPts val="999"/>
+              </a:spcBef>
+              <a:spcAft>
+                <a:spcPts val="0"/>
+              </a:spcAft>
+              <a:buClrTx/>
+              <a:buSzTx/>
+              <a:tabLst/>
+              <a:defRPr/>
+            </a:pPr>
+            <a:endParaRPr lang="de-DE" sz="1900" dirty="0"/>
+          </a:p>
+          <a:p>
+            <a:pPr marR="0" lvl="0" eaLnBrk="1" fontAlgn="auto" latinLnBrk="0" hangingPunct="1">
+              <a:lnSpc>
+                <a:spcPct val="111000"/>
+              </a:lnSpc>
+              <a:spcBef>
+                <a:spcPts val="999"/>
+              </a:spcBef>
+              <a:spcAft>
+                <a:spcPts val="0"/>
+              </a:spcAft>
+              <a:buClrTx/>
+              <a:buSzTx/>
+              <a:tabLst/>
+              <a:defRPr/>
+            </a:pPr>
+            <a:r>
+              <a:rPr lang="de-DE" sz="1900" dirty="0"/>
+              <a:t>Dadurch können im Schnitt 63 % des zugehörigen Schadens verhindert werden</a:t>
+            </a:r>
+          </a:p>
+          <a:p>
+            <a:pPr marR="0" lvl="0" eaLnBrk="1" fontAlgn="auto" latinLnBrk="0" hangingPunct="1">
+              <a:lnSpc>
+                <a:spcPct val="111000"/>
+              </a:lnSpc>
+              <a:spcBef>
+                <a:spcPts val="999"/>
+              </a:spcBef>
+              <a:spcAft>
+                <a:spcPts val="0"/>
+              </a:spcAft>
+              <a:buClrTx/>
+              <a:buSzTx/>
+              <a:tabLst/>
+              <a:defRPr/>
+            </a:pPr>
+            <a:endParaRPr lang="de-DE" sz="1900" dirty="0"/>
+          </a:p>
+          <a:p>
+            <a:pPr marR="0" lvl="0" eaLnBrk="1" fontAlgn="auto" latinLnBrk="0" hangingPunct="1">
+              <a:lnSpc>
+                <a:spcPct val="111000"/>
+              </a:lnSpc>
+              <a:spcBef>
+                <a:spcPts val="999"/>
+              </a:spcBef>
+              <a:spcAft>
+                <a:spcPts val="0"/>
+              </a:spcAft>
+              <a:buClrTx/>
+              <a:buSzTx/>
+              <a:tabLst/>
+              <a:defRPr/>
+            </a:pPr>
+            <a:r>
+              <a:rPr lang="de-DE" sz="1900" dirty="0"/>
+              <a:t>→ </a:t>
+            </a:r>
+            <a:r>
+              <a:rPr lang="de-DE" sz="1900" b="1" dirty="0"/>
+              <a:t>Hohes Präventionspotenzial </a:t>
+            </a:r>
+            <a:r>
+              <a:rPr lang="de-DE" sz="1900" dirty="0"/>
+              <a:t>bei Rabattmissbrauch</a:t>
+            </a:r>
+          </a:p>
+        </p:txBody>
+      </p:sp>
+    </p:spTree>
+    <p:extLst>
+      <p:ext uri="{BB962C8B-B14F-4D97-AF65-F5344CB8AC3E}">
+        <p14:creationId xmlns:p14="http://schemas.microsoft.com/office/powerpoint/2010/main" val="4081002351"/>
+      </p:ext>
+    </p:extLst>
+  </p:cSld>
+  <p:clrMapOvr>
+    <a:masterClrMapping/>
+  </p:clrMapOvr>
+</p:sld>
+</file>
+
+<file path=ppt/slides/slide69.xml><?xml version="1.0" encoding="utf-8"?>
+<p:sld xmlns:a="http://schemas.openxmlformats.org/drawingml/2006/main" xmlns:r="http://schemas.openxmlformats.org/officeDocument/2006/relationships" xmlns:p="http://schemas.openxmlformats.org/presentationml/2006/main" showMasterPhAnim="0">
+  <p:cSld>
+    <p:spTree>
+      <p:nvGrpSpPr>
+        <p:cNvPr id="1" name="">
+          <a:extLst>
+            <a:ext uri="{FF2B5EF4-FFF2-40B4-BE49-F238E27FC236}">
+              <a16:creationId xmlns:a16="http://schemas.microsoft.com/office/drawing/2014/main" id="{43F89C0D-FF0A-0E49-6A60-7305D6295EA6}"/>
+            </a:ext>
+          </a:extLst>
+        </p:cNvPr>
+        <p:cNvGrpSpPr/>
+        <p:nvPr/>
+      </p:nvGrpSpPr>
+      <p:grpSpPr bwMode="auto">
+        <a:xfrm>
+          <a:off x="0" y="0"/>
+          <a:ext cx="0" cy="0"/>
+          <a:chOff x="0" y="0"/>
+          <a:chExt cx="0" cy="0"/>
+        </a:xfrm>
+      </p:grpSpPr>
+      <p:sp>
+        <p:nvSpPr>
+          <p:cNvPr id="1770641224" name="Title 1">
+            <a:extLst>
+              <a:ext uri="{FF2B5EF4-FFF2-40B4-BE49-F238E27FC236}">
+                <a16:creationId xmlns:a16="http://schemas.microsoft.com/office/drawing/2014/main" id="{58E6C9A6-FE4B-B1CA-39D3-64CF4C04F6E4}"/>
+              </a:ext>
+            </a:extLst>
+          </p:cNvPr>
+          <p:cNvSpPr>
+            <a:spLocks noGrp="1"/>
+          </p:cNvSpPr>
+          <p:nvPr>
+            <p:ph type="title"/>
+          </p:nvPr>
+        </p:nvSpPr>
+        <p:spPr bwMode="auto"/>
+        <p:txBody>
+          <a:bodyPr/>
+          <a:lstStyle/>
+          <a:p>
+            <a:pPr>
+              <a:defRPr/>
+            </a:pPr>
+            <a:r>
+              <a:rPr lang="de-DE" dirty="0"/>
+              <a:t>Wirtschaftlicher Mehrwert des Modells</a:t>
+            </a:r>
+            <a:endParaRPr dirty="0"/>
+          </a:p>
+        </p:txBody>
+      </p:sp>
+      <p:sp>
+        <p:nvSpPr>
+          <p:cNvPr id="998545421" name="Content Placeholder 2">
+            <a:extLst>
+              <a:ext uri="{FF2B5EF4-FFF2-40B4-BE49-F238E27FC236}">
+                <a16:creationId xmlns:a16="http://schemas.microsoft.com/office/drawing/2014/main" id="{82253865-B653-F0A7-180F-795475EED9DE}"/>
+              </a:ext>
+            </a:extLst>
+          </p:cNvPr>
+          <p:cNvSpPr>
+            <a:spLocks noGrp="1"/>
+          </p:cNvSpPr>
+          <p:nvPr>
+            <p:ph idx="1"/>
+          </p:nvPr>
+        </p:nvSpPr>
+        <p:spPr bwMode="auto">
+          <a:xfrm>
+            <a:off x="521208" y="2569555"/>
+            <a:ext cx="11155680" cy="3767328"/>
+          </a:xfrm>
+        </p:spPr>
+        <p:txBody>
+          <a:bodyPr/>
+          <a:lstStyle/>
+          <a:p>
+            <a:pPr>
+              <a:defRPr/>
+            </a:pPr>
+            <a:endParaRPr dirty="0"/>
+          </a:p>
+          <a:p>
+            <a:pPr>
+              <a:defRPr sz="1800">
+                <a:solidFill>
+                  <a:srgbClr val="000000"/>
+                </a:solidFill>
+              </a:defRPr>
+            </a:pPr>
+            <a:endParaRPr dirty="0"/>
+          </a:p>
+        </p:txBody>
+      </p:sp>
+      <p:sp>
+        <p:nvSpPr>
+          <p:cNvPr id="2147178039" name="Content Placeholder 2">
+            <a:extLst>
+              <a:ext uri="{FF2B5EF4-FFF2-40B4-BE49-F238E27FC236}">
+                <a16:creationId xmlns:a16="http://schemas.microsoft.com/office/drawing/2014/main" id="{81E63790-725C-439B-860E-8B320E09E0BA}"/>
+              </a:ext>
+            </a:extLst>
+          </p:cNvPr>
+          <p:cNvSpPr>
+            <a:spLocks noGrp="1"/>
+          </p:cNvSpPr>
+          <p:nvPr/>
+        </p:nvSpPr>
+        <p:spPr bwMode="auto">
+          <a:xfrm>
+            <a:off x="592205" y="1839191"/>
+            <a:ext cx="11155680" cy="4218708"/>
+          </a:xfrm>
+        </p:spPr>
+        <p:txBody>
+          <a:bodyPr vertOverflow="overflow" horzOverflow="overflow" vert="horz" wrap="square" lIns="91440" tIns="45720" rIns="91440" bIns="45720" numCol="1" spcCol="0" rtlCol="0" fromWordArt="0" anchor="t" anchorCtr="0" forceAA="0" compatLnSpc="0">
+            <a:normAutofit fontScale="87500" lnSpcReduction="10000"/>
+          </a:bodyPr>
+          <a:lstStyle>
+            <a:lvl1pPr marL="228600" indent="-228600" algn="l" defTabSz="914400">
+              <a:lnSpc>
+                <a:spcPct val="110000"/>
+              </a:lnSpc>
+              <a:spcBef>
+                <a:spcPts val="999"/>
+              </a:spcBef>
+              <a:buFont typeface="Arial"/>
+              <a:buChar char="•"/>
+              <a:defRPr sz="1800">
+                <a:solidFill>
+                  <a:schemeClr val="tx1"/>
+                </a:solidFill>
+                <a:latin typeface="+mn-lt"/>
+                <a:ea typeface="+mn-ea"/>
+                <a:cs typeface="+mn-cs"/>
+              </a:defRPr>
+            </a:lvl1pPr>
+            <a:lvl2pPr marL="685800" indent="-228600" algn="l" defTabSz="914400">
+              <a:lnSpc>
+                <a:spcPct val="110000"/>
+              </a:lnSpc>
+              <a:spcBef>
+                <a:spcPts val="499"/>
+              </a:spcBef>
+              <a:buFont typeface="Arial"/>
+              <a:buChar char="•"/>
+              <a:defRPr sz="1600">
+                <a:solidFill>
+                  <a:schemeClr val="tx1"/>
+                </a:solidFill>
+                <a:latin typeface="+mn-lt"/>
+                <a:ea typeface="+mn-ea"/>
+                <a:cs typeface="+mn-cs"/>
+              </a:defRPr>
+            </a:lvl2pPr>
+            <a:lvl3pPr marL="1143000" indent="-228600" algn="l" defTabSz="914400">
+              <a:lnSpc>
+                <a:spcPct val="110000"/>
+              </a:lnSpc>
+              <a:spcBef>
+                <a:spcPts val="499"/>
+              </a:spcBef>
+              <a:buFont typeface="Arial"/>
+              <a:buChar char="•"/>
+              <a:defRPr sz="1400">
+                <a:solidFill>
+                  <a:schemeClr val="tx1"/>
+                </a:solidFill>
+                <a:latin typeface="+mn-lt"/>
+                <a:ea typeface="+mn-ea"/>
+                <a:cs typeface="+mn-cs"/>
+              </a:defRPr>
+            </a:lvl3pPr>
+            <a:lvl4pPr marL="1600200" indent="-228600" algn="l" defTabSz="914400">
+              <a:lnSpc>
+                <a:spcPct val="110000"/>
+              </a:lnSpc>
+              <a:spcBef>
+                <a:spcPts val="499"/>
+              </a:spcBef>
+              <a:buFont typeface="Arial"/>
+              <a:buChar char="•"/>
+              <a:defRPr sz="1200">
+                <a:solidFill>
+                  <a:schemeClr val="tx1"/>
+                </a:solidFill>
+                <a:latin typeface="+mn-lt"/>
+                <a:ea typeface="+mn-ea"/>
+                <a:cs typeface="+mn-cs"/>
+              </a:defRPr>
+            </a:lvl4pPr>
+            <a:lvl5pPr marL="2057400" indent="-228600" algn="l" defTabSz="914400">
+              <a:lnSpc>
+                <a:spcPct val="110000"/>
+              </a:lnSpc>
+              <a:spcBef>
+                <a:spcPts val="499"/>
+              </a:spcBef>
+              <a:buFont typeface="Arial"/>
+              <a:buChar char="•"/>
+              <a:defRPr sz="1200">
+                <a:solidFill>
+                  <a:schemeClr val="tx1"/>
+                </a:solidFill>
+                <a:latin typeface="+mn-lt"/>
+                <a:ea typeface="+mn-ea"/>
+                <a:cs typeface="+mn-cs"/>
+              </a:defRPr>
+            </a:lvl5pPr>
+            <a:lvl6pPr marL="2514599" indent="-228600" algn="l" defTabSz="914400">
+              <a:lnSpc>
+                <a:spcPct val="90000"/>
+              </a:lnSpc>
+              <a:spcBef>
+                <a:spcPts val="499"/>
+              </a:spcBef>
+              <a:buFont typeface="Arial"/>
+              <a:buChar char="•"/>
+              <a:defRPr sz="1800">
+                <a:solidFill>
+                  <a:schemeClr val="tx1"/>
+                </a:solidFill>
+                <a:latin typeface="+mn-lt"/>
+                <a:ea typeface="+mn-ea"/>
+                <a:cs typeface="+mn-cs"/>
+              </a:defRPr>
+            </a:lvl6pPr>
+            <a:lvl7pPr marL="2971800" indent="-228600" algn="l" defTabSz="914400">
+              <a:lnSpc>
+                <a:spcPct val="90000"/>
+              </a:lnSpc>
+              <a:spcBef>
+                <a:spcPts val="499"/>
+              </a:spcBef>
+              <a:buFont typeface="Arial"/>
+              <a:buChar char="•"/>
+              <a:defRPr sz="1800">
+                <a:solidFill>
+                  <a:schemeClr val="tx1"/>
+                </a:solidFill>
+                <a:latin typeface="+mn-lt"/>
+                <a:ea typeface="+mn-ea"/>
+                <a:cs typeface="+mn-cs"/>
+              </a:defRPr>
+            </a:lvl7pPr>
+            <a:lvl8pPr marL="3429000" indent="-228600" algn="l" defTabSz="914400">
+              <a:lnSpc>
+                <a:spcPct val="90000"/>
+              </a:lnSpc>
+              <a:spcBef>
+                <a:spcPts val="499"/>
+              </a:spcBef>
+              <a:buFont typeface="Arial"/>
+              <a:buChar char="•"/>
+              <a:defRPr sz="1800">
+                <a:solidFill>
+                  <a:schemeClr val="tx1"/>
+                </a:solidFill>
+                <a:latin typeface="+mn-lt"/>
+                <a:ea typeface="+mn-ea"/>
+                <a:cs typeface="+mn-cs"/>
+              </a:defRPr>
+            </a:lvl8pPr>
+            <a:lvl9pPr marL="3886200" indent="-228600" algn="l" defTabSz="914400">
+              <a:lnSpc>
+                <a:spcPct val="90000"/>
+              </a:lnSpc>
+              <a:spcBef>
+                <a:spcPts val="499"/>
+              </a:spcBef>
+              <a:buFont typeface="Arial"/>
+              <a:buChar char="•"/>
+              <a:defRPr sz="1800">
+                <a:solidFill>
+                  <a:schemeClr val="tx1"/>
+                </a:solidFill>
+                <a:latin typeface="+mn-lt"/>
+                <a:ea typeface="+mn-ea"/>
+                <a:cs typeface="+mn-cs"/>
+              </a:defRPr>
+            </a:lvl9pPr>
+          </a:lstStyle>
+          <a:p>
+            <a:pPr marL="0" marR="0" lvl="0" indent="0" algn="l" defTabSz="914400" eaLnBrk="1" fontAlgn="auto" latinLnBrk="0" hangingPunct="1">
+              <a:lnSpc>
+                <a:spcPct val="110000"/>
+              </a:lnSpc>
+              <a:spcBef>
+                <a:spcPts val="999"/>
+              </a:spcBef>
+              <a:spcAft>
+                <a:spcPts val="0"/>
+              </a:spcAft>
+              <a:buClrTx/>
+              <a:buSzTx/>
+              <a:buFont typeface="Arial"/>
+              <a:buNone/>
+              <a:tabLst/>
+              <a:defRPr sz="1800">
+                <a:solidFill>
+                  <a:srgbClr val="000000"/>
+                </a:solidFill>
+              </a:defRPr>
+            </a:pPr>
+            <a:endParaRPr kumimoji="0" sz="1600" b="0" i="0" u="none" strike="noStrike" kern="0" cap="none" spc="0" normalizeH="0" baseline="0" noProof="0" dirty="0">
+              <a:ln>
+                <a:noFill/>
+              </a:ln>
+              <a:solidFill>
+                <a:srgbClr val="000000"/>
+              </a:solidFill>
+              <a:effectLst/>
+              <a:uLnTx/>
+              <a:uFillTx/>
+              <a:latin typeface="Bierstadt"/>
+              <a:cs typeface="Arial"/>
+            </a:endParaRPr>
+          </a:p>
+          <a:p>
+            <a:pPr marR="0" lvl="0" eaLnBrk="1" fontAlgn="auto" latinLnBrk="0" hangingPunct="1">
+              <a:lnSpc>
+                <a:spcPct val="111000"/>
+              </a:lnSpc>
+              <a:spcBef>
+                <a:spcPts val="999"/>
+              </a:spcBef>
+              <a:spcAft>
+                <a:spcPts val="0"/>
+              </a:spcAft>
+              <a:buClrTx/>
+              <a:buSzTx/>
+              <a:tabLst/>
+              <a:defRPr/>
+            </a:pPr>
+            <a:r>
+              <a:rPr lang="de-DE" sz="1900" dirty="0"/>
+              <a:t>Umfangreiche Evaluation: 200 Testläufe (5×CV mit 40 Wiederholungen)</a:t>
+            </a:r>
+          </a:p>
+          <a:p>
+            <a:pPr marR="0" lvl="0" eaLnBrk="1" fontAlgn="auto" latinLnBrk="0" hangingPunct="1">
+              <a:lnSpc>
+                <a:spcPct val="111000"/>
+              </a:lnSpc>
+              <a:spcBef>
+                <a:spcPts val="999"/>
+              </a:spcBef>
+              <a:spcAft>
+                <a:spcPts val="0"/>
+              </a:spcAft>
+              <a:buClrTx/>
+              <a:buSzTx/>
+              <a:tabLst/>
+              <a:defRPr/>
+            </a:pPr>
+            <a:endParaRPr lang="de-DE" sz="1900" dirty="0"/>
+          </a:p>
+          <a:p>
+            <a:pPr marR="0" lvl="0" eaLnBrk="1" fontAlgn="auto" latinLnBrk="0" hangingPunct="1">
+              <a:lnSpc>
+                <a:spcPct val="111000"/>
+              </a:lnSpc>
+              <a:spcBef>
+                <a:spcPts val="999"/>
+              </a:spcBef>
+              <a:spcAft>
+                <a:spcPts val="0"/>
+              </a:spcAft>
+              <a:buClrTx/>
+              <a:buSzTx/>
+              <a:tabLst/>
+              <a:defRPr/>
+            </a:pPr>
+            <a:r>
+              <a:rPr lang="de-DE" sz="1900" b="1" dirty="0"/>
+              <a:t>Durchschnittlicher Mehrwert: 0,22 € pro Transaktion </a:t>
+            </a:r>
+            <a:r>
+              <a:rPr lang="de-DE" sz="1900" dirty="0"/>
+              <a:t>(nach Bewertungsfunktion)</a:t>
+            </a:r>
+          </a:p>
+          <a:p>
+            <a:pPr marR="0" lvl="0" eaLnBrk="1" fontAlgn="auto" latinLnBrk="0" hangingPunct="1">
+              <a:lnSpc>
+                <a:spcPct val="111000"/>
+              </a:lnSpc>
+              <a:spcBef>
+                <a:spcPts val="999"/>
+              </a:spcBef>
+              <a:spcAft>
+                <a:spcPts val="0"/>
+              </a:spcAft>
+              <a:buClrTx/>
+              <a:buSzTx/>
+              <a:tabLst/>
+              <a:defRPr/>
+            </a:pPr>
+            <a:endParaRPr lang="de-DE" sz="1900" dirty="0"/>
+          </a:p>
+          <a:p>
+            <a:pPr lvl="0">
+              <a:lnSpc>
+                <a:spcPct val="111000"/>
+              </a:lnSpc>
+              <a:defRPr/>
+            </a:pPr>
+            <a:r>
+              <a:rPr lang="de-DE" sz="1900" dirty="0"/>
+              <a:t>Betrachtet man nur den verhinderten Schaden, also ohne Abzug der Kontrollkosten und ohne Bonus für entdeckte FRAUD-Fälle, ergibt sich ein mittlerer Wert von </a:t>
+            </a:r>
+            <a:r>
+              <a:rPr lang="de-DE" sz="1900" b="1" dirty="0"/>
+              <a:t>0,15 € pro Transaktion</a:t>
+            </a:r>
+            <a:r>
+              <a:rPr lang="de-DE" sz="1900" dirty="0"/>
+              <a:t>.</a:t>
+            </a:r>
+          </a:p>
+          <a:p>
+            <a:pPr marR="0" lvl="0" eaLnBrk="1" fontAlgn="auto" latinLnBrk="0" hangingPunct="1">
+              <a:lnSpc>
+                <a:spcPct val="111000"/>
+              </a:lnSpc>
+              <a:spcBef>
+                <a:spcPts val="999"/>
+              </a:spcBef>
+              <a:spcAft>
+                <a:spcPts val="0"/>
+              </a:spcAft>
+              <a:buClrTx/>
+              <a:buSzTx/>
+              <a:tabLst/>
+              <a:defRPr/>
+            </a:pPr>
+            <a:endParaRPr lang="de-DE" sz="1900" dirty="0"/>
+          </a:p>
+          <a:p>
+            <a:pPr marR="0" lvl="0" eaLnBrk="1" fontAlgn="auto" latinLnBrk="0" hangingPunct="1">
+              <a:lnSpc>
+                <a:spcPct val="111000"/>
+              </a:lnSpc>
+              <a:spcBef>
+                <a:spcPts val="999"/>
+              </a:spcBef>
+              <a:spcAft>
+                <a:spcPts val="0"/>
+              </a:spcAft>
+              <a:buClrTx/>
+              <a:buSzTx/>
+              <a:tabLst/>
+              <a:defRPr/>
+            </a:pPr>
+            <a:r>
+              <a:rPr lang="de-DE" sz="1900" dirty="0"/>
+              <a:t>Ergebnis gilt als robuste, belastbare Schätzung der Modellleistung</a:t>
+            </a:r>
+          </a:p>
+          <a:p>
+            <a:pPr marR="0" lvl="0" eaLnBrk="1" fontAlgn="auto" latinLnBrk="0" hangingPunct="1">
+              <a:lnSpc>
+                <a:spcPct val="111000"/>
+              </a:lnSpc>
+              <a:spcBef>
+                <a:spcPts val="999"/>
+              </a:spcBef>
+              <a:spcAft>
+                <a:spcPts val="0"/>
+              </a:spcAft>
+              <a:buClrTx/>
+              <a:buSzTx/>
+              <a:tabLst/>
+              <a:defRPr/>
+            </a:pPr>
+            <a:endParaRPr lang="de-DE" sz="1900" dirty="0"/>
+          </a:p>
+          <a:p>
+            <a:pPr marR="0" lvl="0" eaLnBrk="1" fontAlgn="auto" latinLnBrk="0" hangingPunct="1">
+              <a:lnSpc>
+                <a:spcPct val="111000"/>
+              </a:lnSpc>
+              <a:spcBef>
+                <a:spcPts val="999"/>
+              </a:spcBef>
+              <a:spcAft>
+                <a:spcPts val="0"/>
+              </a:spcAft>
+              <a:buClrTx/>
+              <a:buSzTx/>
+              <a:tabLst/>
+              <a:defRPr/>
+            </a:pPr>
+            <a:r>
+              <a:rPr lang="de-DE" sz="1900" dirty="0"/>
+              <a:t>Bezieht sich auf Testdaten (20 % des Gesamtbestands)</a:t>
+            </a:r>
+          </a:p>
+        </p:txBody>
+      </p:sp>
+    </p:spTree>
+    <p:extLst>
+      <p:ext uri="{BB962C8B-B14F-4D97-AF65-F5344CB8AC3E}">
+        <p14:creationId xmlns:p14="http://schemas.microsoft.com/office/powerpoint/2010/main" val="588482868"/>
       </p:ext>
     </p:extLst>
   </p:cSld>
@@ -31595,971 +32236,6 @@
 </file>
 
 <file path=ppt/slides/slide70.xml><?xml version="1.0" encoding="utf-8"?>
-<p:sld xmlns:a="http://schemas.openxmlformats.org/drawingml/2006/main" xmlns:r="http://schemas.openxmlformats.org/officeDocument/2006/relationships" xmlns:p="http://schemas.openxmlformats.org/presentationml/2006/main" showMasterPhAnim="0">
-  <p:cSld>
-    <p:spTree>
-      <p:nvGrpSpPr>
-        <p:cNvPr id="1" name="">
-          <a:extLst>
-            <a:ext uri="{FF2B5EF4-FFF2-40B4-BE49-F238E27FC236}">
-              <a16:creationId xmlns:a16="http://schemas.microsoft.com/office/drawing/2014/main" id="{0873FD8C-AB8F-5DB4-EABD-F341741E640E}"/>
-            </a:ext>
-          </a:extLst>
-        </p:cNvPr>
-        <p:cNvGrpSpPr/>
-        <p:nvPr/>
-      </p:nvGrpSpPr>
-      <p:grpSpPr bwMode="auto">
-        <a:xfrm>
-          <a:off x="0" y="0"/>
-          <a:ext cx="0" cy="0"/>
-          <a:chOff x="0" y="0"/>
-          <a:chExt cx="0" cy="0"/>
-        </a:xfrm>
-      </p:grpSpPr>
-      <p:sp>
-        <p:nvSpPr>
-          <p:cNvPr id="1770641224" name="Title 1">
-            <a:extLst>
-              <a:ext uri="{FF2B5EF4-FFF2-40B4-BE49-F238E27FC236}">
-                <a16:creationId xmlns:a16="http://schemas.microsoft.com/office/drawing/2014/main" id="{1DCCBFA7-69CF-9F2C-C2E9-C66FBEE172FB}"/>
-              </a:ext>
-            </a:extLst>
-          </p:cNvPr>
-          <p:cNvSpPr>
-            <a:spLocks noGrp="1"/>
-          </p:cNvSpPr>
-          <p:nvPr>
-            <p:ph type="title"/>
-          </p:nvPr>
-        </p:nvSpPr>
-        <p:spPr bwMode="auto"/>
-        <p:txBody>
-          <a:bodyPr/>
-          <a:lstStyle/>
-          <a:p>
-            <a:pPr>
-              <a:defRPr/>
-            </a:pPr>
-            <a:r>
-              <a:rPr lang="de-DE" dirty="0"/>
-              <a:t>Schaden durch Rabattbetrug</a:t>
-            </a:r>
-            <a:endParaRPr dirty="0"/>
-          </a:p>
-        </p:txBody>
-      </p:sp>
-      <p:sp>
-        <p:nvSpPr>
-          <p:cNvPr id="998545421" name="Content Placeholder 2">
-            <a:extLst>
-              <a:ext uri="{FF2B5EF4-FFF2-40B4-BE49-F238E27FC236}">
-                <a16:creationId xmlns:a16="http://schemas.microsoft.com/office/drawing/2014/main" id="{D055D63A-843D-22E8-B4CC-938E58DB7E88}"/>
-              </a:ext>
-            </a:extLst>
-          </p:cNvPr>
-          <p:cNvSpPr>
-            <a:spLocks noGrp="1"/>
-          </p:cNvSpPr>
-          <p:nvPr>
-            <p:ph idx="1"/>
-          </p:nvPr>
-        </p:nvSpPr>
-        <p:spPr bwMode="auto">
-          <a:xfrm>
-            <a:off x="521208" y="2569555"/>
-            <a:ext cx="11155680" cy="3767328"/>
-          </a:xfrm>
-        </p:spPr>
-        <p:txBody>
-          <a:bodyPr/>
-          <a:lstStyle/>
-          <a:p>
-            <a:pPr>
-              <a:defRPr/>
-            </a:pPr>
-            <a:endParaRPr dirty="0"/>
-          </a:p>
-          <a:p>
-            <a:pPr>
-              <a:defRPr sz="1800">
-                <a:solidFill>
-                  <a:srgbClr val="000000"/>
-                </a:solidFill>
-              </a:defRPr>
-            </a:pPr>
-            <a:endParaRPr dirty="0"/>
-          </a:p>
-        </p:txBody>
-      </p:sp>
-      <p:sp>
-        <p:nvSpPr>
-          <p:cNvPr id="2147178039" name="Content Placeholder 2">
-            <a:extLst>
-              <a:ext uri="{FF2B5EF4-FFF2-40B4-BE49-F238E27FC236}">
-                <a16:creationId xmlns:a16="http://schemas.microsoft.com/office/drawing/2014/main" id="{76205210-4016-8BCD-C1A4-D52542F0273A}"/>
-              </a:ext>
-            </a:extLst>
-          </p:cNvPr>
-          <p:cNvSpPr>
-            <a:spLocks noGrp="1"/>
-          </p:cNvSpPr>
-          <p:nvPr/>
-        </p:nvSpPr>
-        <p:spPr bwMode="auto">
-          <a:xfrm>
-            <a:off x="592205" y="2067791"/>
-            <a:ext cx="11155680" cy="3990108"/>
-          </a:xfrm>
-        </p:spPr>
-        <p:txBody>
-          <a:bodyPr vertOverflow="overflow" horzOverflow="overflow" vert="horz" wrap="square" lIns="91440" tIns="45720" rIns="91440" bIns="45720" numCol="1" spcCol="0" rtlCol="0" fromWordArt="0" anchor="t" anchorCtr="0" forceAA="0" compatLnSpc="0">
-            <a:normAutofit fontScale="95000"/>
-          </a:bodyPr>
-          <a:lstStyle>
-            <a:lvl1pPr marL="228600" indent="-228600" algn="l" defTabSz="914400">
-              <a:lnSpc>
-                <a:spcPct val="110000"/>
-              </a:lnSpc>
-              <a:spcBef>
-                <a:spcPts val="999"/>
-              </a:spcBef>
-              <a:buFont typeface="Arial"/>
-              <a:buChar char="•"/>
-              <a:defRPr sz="1800">
-                <a:solidFill>
-                  <a:schemeClr val="tx1"/>
-                </a:solidFill>
-                <a:latin typeface="+mn-lt"/>
-                <a:ea typeface="+mn-ea"/>
-                <a:cs typeface="+mn-cs"/>
-              </a:defRPr>
-            </a:lvl1pPr>
-            <a:lvl2pPr marL="685800" indent="-228600" algn="l" defTabSz="914400">
-              <a:lnSpc>
-                <a:spcPct val="110000"/>
-              </a:lnSpc>
-              <a:spcBef>
-                <a:spcPts val="499"/>
-              </a:spcBef>
-              <a:buFont typeface="Arial"/>
-              <a:buChar char="•"/>
-              <a:defRPr sz="1600">
-                <a:solidFill>
-                  <a:schemeClr val="tx1"/>
-                </a:solidFill>
-                <a:latin typeface="+mn-lt"/>
-                <a:ea typeface="+mn-ea"/>
-                <a:cs typeface="+mn-cs"/>
-              </a:defRPr>
-            </a:lvl2pPr>
-            <a:lvl3pPr marL="1143000" indent="-228600" algn="l" defTabSz="914400">
-              <a:lnSpc>
-                <a:spcPct val="110000"/>
-              </a:lnSpc>
-              <a:spcBef>
-                <a:spcPts val="499"/>
-              </a:spcBef>
-              <a:buFont typeface="Arial"/>
-              <a:buChar char="•"/>
-              <a:defRPr sz="1400">
-                <a:solidFill>
-                  <a:schemeClr val="tx1"/>
-                </a:solidFill>
-                <a:latin typeface="+mn-lt"/>
-                <a:ea typeface="+mn-ea"/>
-                <a:cs typeface="+mn-cs"/>
-              </a:defRPr>
-            </a:lvl3pPr>
-            <a:lvl4pPr marL="1600200" indent="-228600" algn="l" defTabSz="914400">
-              <a:lnSpc>
-                <a:spcPct val="110000"/>
-              </a:lnSpc>
-              <a:spcBef>
-                <a:spcPts val="499"/>
-              </a:spcBef>
-              <a:buFont typeface="Arial"/>
-              <a:buChar char="•"/>
-              <a:defRPr sz="1200">
-                <a:solidFill>
-                  <a:schemeClr val="tx1"/>
-                </a:solidFill>
-                <a:latin typeface="+mn-lt"/>
-                <a:ea typeface="+mn-ea"/>
-                <a:cs typeface="+mn-cs"/>
-              </a:defRPr>
-            </a:lvl4pPr>
-            <a:lvl5pPr marL="2057400" indent="-228600" algn="l" defTabSz="914400">
-              <a:lnSpc>
-                <a:spcPct val="110000"/>
-              </a:lnSpc>
-              <a:spcBef>
-                <a:spcPts val="499"/>
-              </a:spcBef>
-              <a:buFont typeface="Arial"/>
-              <a:buChar char="•"/>
-              <a:defRPr sz="1200">
-                <a:solidFill>
-                  <a:schemeClr val="tx1"/>
-                </a:solidFill>
-                <a:latin typeface="+mn-lt"/>
-                <a:ea typeface="+mn-ea"/>
-                <a:cs typeface="+mn-cs"/>
-              </a:defRPr>
-            </a:lvl5pPr>
-            <a:lvl6pPr marL="2514599" indent="-228600" algn="l" defTabSz="914400">
-              <a:lnSpc>
-                <a:spcPct val="90000"/>
-              </a:lnSpc>
-              <a:spcBef>
-                <a:spcPts val="499"/>
-              </a:spcBef>
-              <a:buFont typeface="Arial"/>
-              <a:buChar char="•"/>
-              <a:defRPr sz="1800">
-                <a:solidFill>
-                  <a:schemeClr val="tx1"/>
-                </a:solidFill>
-                <a:latin typeface="+mn-lt"/>
-                <a:ea typeface="+mn-ea"/>
-                <a:cs typeface="+mn-cs"/>
-              </a:defRPr>
-            </a:lvl6pPr>
-            <a:lvl7pPr marL="2971800" indent="-228600" algn="l" defTabSz="914400">
-              <a:lnSpc>
-                <a:spcPct val="90000"/>
-              </a:lnSpc>
-              <a:spcBef>
-                <a:spcPts val="499"/>
-              </a:spcBef>
-              <a:buFont typeface="Arial"/>
-              <a:buChar char="•"/>
-              <a:defRPr sz="1800">
-                <a:solidFill>
-                  <a:schemeClr val="tx1"/>
-                </a:solidFill>
-                <a:latin typeface="+mn-lt"/>
-                <a:ea typeface="+mn-ea"/>
-                <a:cs typeface="+mn-cs"/>
-              </a:defRPr>
-            </a:lvl7pPr>
-            <a:lvl8pPr marL="3429000" indent="-228600" algn="l" defTabSz="914400">
-              <a:lnSpc>
-                <a:spcPct val="90000"/>
-              </a:lnSpc>
-              <a:spcBef>
-                <a:spcPts val="499"/>
-              </a:spcBef>
-              <a:buFont typeface="Arial"/>
-              <a:buChar char="•"/>
-              <a:defRPr sz="1800">
-                <a:solidFill>
-                  <a:schemeClr val="tx1"/>
-                </a:solidFill>
-                <a:latin typeface="+mn-lt"/>
-                <a:ea typeface="+mn-ea"/>
-                <a:cs typeface="+mn-cs"/>
-              </a:defRPr>
-            </a:lvl8pPr>
-            <a:lvl9pPr marL="3886200" indent="-228600" algn="l" defTabSz="914400">
-              <a:lnSpc>
-                <a:spcPct val="90000"/>
-              </a:lnSpc>
-              <a:spcBef>
-                <a:spcPts val="499"/>
-              </a:spcBef>
-              <a:buFont typeface="Arial"/>
-              <a:buChar char="•"/>
-              <a:defRPr sz="1800">
-                <a:solidFill>
-                  <a:schemeClr val="tx1"/>
-                </a:solidFill>
-                <a:latin typeface="+mn-lt"/>
-                <a:ea typeface="+mn-ea"/>
-                <a:cs typeface="+mn-cs"/>
-              </a:defRPr>
-            </a:lvl9pPr>
-          </a:lstStyle>
-          <a:p>
-            <a:pPr marL="0" marR="0" lvl="0" indent="0" algn="l" defTabSz="914400" eaLnBrk="1" fontAlgn="auto" latinLnBrk="0" hangingPunct="1">
-              <a:lnSpc>
-                <a:spcPct val="110000"/>
-              </a:lnSpc>
-              <a:spcBef>
-                <a:spcPts val="999"/>
-              </a:spcBef>
-              <a:spcAft>
-                <a:spcPts val="0"/>
-              </a:spcAft>
-              <a:buClrTx/>
-              <a:buSzTx/>
-              <a:buFont typeface="Arial"/>
-              <a:buNone/>
-              <a:tabLst/>
-              <a:defRPr sz="1800">
-                <a:solidFill>
-                  <a:srgbClr val="000000"/>
-                </a:solidFill>
-              </a:defRPr>
-            </a:pPr>
-            <a:endParaRPr kumimoji="0" sz="1600" b="0" i="0" u="none" strike="noStrike" kern="0" cap="none" spc="0" normalizeH="0" baseline="0" noProof="0" dirty="0">
-              <a:ln>
-                <a:noFill/>
-              </a:ln>
-              <a:solidFill>
-                <a:srgbClr val="000000"/>
-              </a:solidFill>
-              <a:effectLst/>
-              <a:uLnTx/>
-              <a:uFillTx/>
-              <a:latin typeface="Bierstadt"/>
-              <a:cs typeface="Arial"/>
-            </a:endParaRPr>
-          </a:p>
-          <a:p>
-            <a:pPr marR="0" lvl="0" eaLnBrk="1" fontAlgn="auto" latinLnBrk="0" hangingPunct="1">
-              <a:lnSpc>
-                <a:spcPct val="111000"/>
-              </a:lnSpc>
-              <a:spcBef>
-                <a:spcPts val="999"/>
-              </a:spcBef>
-              <a:spcAft>
-                <a:spcPts val="0"/>
-              </a:spcAft>
-              <a:buClrTx/>
-              <a:buSzTx/>
-              <a:tabLst/>
-              <a:defRPr/>
-            </a:pPr>
-            <a:r>
-              <a:rPr lang="de-DE" sz="1900" dirty="0"/>
-              <a:t>Modell erkennt </a:t>
-            </a:r>
-            <a:r>
-              <a:rPr lang="de-DE" sz="1900" b="1" dirty="0"/>
-              <a:t>62 % der unberechtigten Rabattfälle</a:t>
-            </a:r>
-          </a:p>
-          <a:p>
-            <a:pPr marR="0" lvl="0" eaLnBrk="1" fontAlgn="auto" latinLnBrk="0" hangingPunct="1">
-              <a:lnSpc>
-                <a:spcPct val="111000"/>
-              </a:lnSpc>
-              <a:spcBef>
-                <a:spcPts val="999"/>
-              </a:spcBef>
-              <a:spcAft>
-                <a:spcPts val="0"/>
-              </a:spcAft>
-              <a:buClrTx/>
-              <a:buSzTx/>
-              <a:tabLst/>
-              <a:defRPr/>
-            </a:pPr>
-            <a:endParaRPr lang="de-DE" sz="1900" dirty="0"/>
-          </a:p>
-          <a:p>
-            <a:pPr marR="0" lvl="0" eaLnBrk="1" fontAlgn="auto" latinLnBrk="0" hangingPunct="1">
-              <a:lnSpc>
-                <a:spcPct val="111000"/>
-              </a:lnSpc>
-              <a:spcBef>
-                <a:spcPts val="999"/>
-              </a:spcBef>
-              <a:spcAft>
-                <a:spcPts val="0"/>
-              </a:spcAft>
-              <a:buClrTx/>
-              <a:buSzTx/>
-              <a:tabLst/>
-              <a:defRPr/>
-            </a:pPr>
-            <a:r>
-              <a:rPr lang="de-DE" sz="1900" dirty="0"/>
-              <a:t>Dadurch können im Schnitt 63 % des zugehörigen Schadens verhindert werden</a:t>
-            </a:r>
-          </a:p>
-          <a:p>
-            <a:pPr marR="0" lvl="0" eaLnBrk="1" fontAlgn="auto" latinLnBrk="0" hangingPunct="1">
-              <a:lnSpc>
-                <a:spcPct val="111000"/>
-              </a:lnSpc>
-              <a:spcBef>
-                <a:spcPts val="999"/>
-              </a:spcBef>
-              <a:spcAft>
-                <a:spcPts val="0"/>
-              </a:spcAft>
-              <a:buClrTx/>
-              <a:buSzTx/>
-              <a:tabLst/>
-              <a:defRPr/>
-            </a:pPr>
-            <a:endParaRPr lang="de-DE" sz="1900" dirty="0"/>
-          </a:p>
-          <a:p>
-            <a:pPr marR="0" lvl="0" eaLnBrk="1" fontAlgn="auto" latinLnBrk="0" hangingPunct="1">
-              <a:lnSpc>
-                <a:spcPct val="111000"/>
-              </a:lnSpc>
-              <a:spcBef>
-                <a:spcPts val="999"/>
-              </a:spcBef>
-              <a:spcAft>
-                <a:spcPts val="0"/>
-              </a:spcAft>
-              <a:buClrTx/>
-              <a:buSzTx/>
-              <a:tabLst/>
-              <a:defRPr/>
-            </a:pPr>
-            <a:r>
-              <a:rPr lang="de-DE" sz="1900" dirty="0"/>
-              <a:t>→ </a:t>
-            </a:r>
-            <a:r>
-              <a:rPr lang="de-DE" sz="1900" b="1" dirty="0"/>
-              <a:t>Hohes Präventionspotenzial </a:t>
-            </a:r>
-            <a:r>
-              <a:rPr lang="de-DE" sz="1900" dirty="0"/>
-              <a:t>bei Rabattmissbrauch</a:t>
-            </a:r>
-          </a:p>
-        </p:txBody>
-      </p:sp>
-    </p:spTree>
-    <p:extLst>
-      <p:ext uri="{BB962C8B-B14F-4D97-AF65-F5344CB8AC3E}">
-        <p14:creationId xmlns:p14="http://schemas.microsoft.com/office/powerpoint/2010/main" val="4081002351"/>
-      </p:ext>
-    </p:extLst>
-  </p:cSld>
-  <p:clrMapOvr>
-    <a:masterClrMapping/>
-  </p:clrMapOvr>
-</p:sld>
-</file>
-
-<file path=ppt/slides/slide71.xml><?xml version="1.0" encoding="utf-8"?>
-<p:sld xmlns:a="http://schemas.openxmlformats.org/drawingml/2006/main" xmlns:r="http://schemas.openxmlformats.org/officeDocument/2006/relationships" xmlns:p="http://schemas.openxmlformats.org/presentationml/2006/main" showMasterPhAnim="0">
-  <p:cSld>
-    <p:spTree>
-      <p:nvGrpSpPr>
-        <p:cNvPr id="1" name="">
-          <a:extLst>
-            <a:ext uri="{FF2B5EF4-FFF2-40B4-BE49-F238E27FC236}">
-              <a16:creationId xmlns:a16="http://schemas.microsoft.com/office/drawing/2014/main" id="{43F89C0D-FF0A-0E49-6A60-7305D6295EA6}"/>
-            </a:ext>
-          </a:extLst>
-        </p:cNvPr>
-        <p:cNvGrpSpPr/>
-        <p:nvPr/>
-      </p:nvGrpSpPr>
-      <p:grpSpPr bwMode="auto">
-        <a:xfrm>
-          <a:off x="0" y="0"/>
-          <a:ext cx="0" cy="0"/>
-          <a:chOff x="0" y="0"/>
-          <a:chExt cx="0" cy="0"/>
-        </a:xfrm>
-      </p:grpSpPr>
-      <p:sp>
-        <p:nvSpPr>
-          <p:cNvPr id="1770641224" name="Title 1">
-            <a:extLst>
-              <a:ext uri="{FF2B5EF4-FFF2-40B4-BE49-F238E27FC236}">
-                <a16:creationId xmlns:a16="http://schemas.microsoft.com/office/drawing/2014/main" id="{58E6C9A6-FE4B-B1CA-39D3-64CF4C04F6E4}"/>
-              </a:ext>
-            </a:extLst>
-          </p:cNvPr>
-          <p:cNvSpPr>
-            <a:spLocks noGrp="1"/>
-          </p:cNvSpPr>
-          <p:nvPr>
-            <p:ph type="title"/>
-          </p:nvPr>
-        </p:nvSpPr>
-        <p:spPr bwMode="auto"/>
-        <p:txBody>
-          <a:bodyPr/>
-          <a:lstStyle/>
-          <a:p>
-            <a:pPr>
-              <a:defRPr/>
-            </a:pPr>
-            <a:r>
-              <a:rPr lang="de-DE" dirty="0"/>
-              <a:t>Wirtschaftlicher Mehrwert des Modells</a:t>
-            </a:r>
-            <a:endParaRPr dirty="0"/>
-          </a:p>
-        </p:txBody>
-      </p:sp>
-      <p:sp>
-        <p:nvSpPr>
-          <p:cNvPr id="998545421" name="Content Placeholder 2">
-            <a:extLst>
-              <a:ext uri="{FF2B5EF4-FFF2-40B4-BE49-F238E27FC236}">
-                <a16:creationId xmlns:a16="http://schemas.microsoft.com/office/drawing/2014/main" id="{82253865-B653-F0A7-180F-795475EED9DE}"/>
-              </a:ext>
-            </a:extLst>
-          </p:cNvPr>
-          <p:cNvSpPr>
-            <a:spLocks noGrp="1"/>
-          </p:cNvSpPr>
-          <p:nvPr>
-            <p:ph idx="1"/>
-          </p:nvPr>
-        </p:nvSpPr>
-        <p:spPr bwMode="auto">
-          <a:xfrm>
-            <a:off x="521208" y="2569555"/>
-            <a:ext cx="11155680" cy="3767328"/>
-          </a:xfrm>
-        </p:spPr>
-        <p:txBody>
-          <a:bodyPr/>
-          <a:lstStyle/>
-          <a:p>
-            <a:pPr>
-              <a:defRPr/>
-            </a:pPr>
-            <a:endParaRPr dirty="0"/>
-          </a:p>
-          <a:p>
-            <a:pPr>
-              <a:defRPr sz="1800">
-                <a:solidFill>
-                  <a:srgbClr val="000000"/>
-                </a:solidFill>
-              </a:defRPr>
-            </a:pPr>
-            <a:endParaRPr dirty="0"/>
-          </a:p>
-        </p:txBody>
-      </p:sp>
-      <p:sp>
-        <p:nvSpPr>
-          <p:cNvPr id="2147178039" name="Content Placeholder 2">
-            <a:extLst>
-              <a:ext uri="{FF2B5EF4-FFF2-40B4-BE49-F238E27FC236}">
-                <a16:creationId xmlns:a16="http://schemas.microsoft.com/office/drawing/2014/main" id="{81E63790-725C-439B-860E-8B320E09E0BA}"/>
-              </a:ext>
-            </a:extLst>
-          </p:cNvPr>
-          <p:cNvSpPr>
-            <a:spLocks noGrp="1"/>
-          </p:cNvSpPr>
-          <p:nvPr/>
-        </p:nvSpPr>
-        <p:spPr bwMode="auto">
-          <a:xfrm>
-            <a:off x="592205" y="1839191"/>
-            <a:ext cx="11155680" cy="4218708"/>
-          </a:xfrm>
-        </p:spPr>
-        <p:txBody>
-          <a:bodyPr vertOverflow="overflow" horzOverflow="overflow" vert="horz" wrap="square" lIns="91440" tIns="45720" rIns="91440" bIns="45720" numCol="1" spcCol="0" rtlCol="0" fromWordArt="0" anchor="t" anchorCtr="0" forceAA="0" compatLnSpc="0">
-            <a:normAutofit fontScale="87500" lnSpcReduction="10000"/>
-          </a:bodyPr>
-          <a:lstStyle>
-            <a:lvl1pPr marL="228600" indent="-228600" algn="l" defTabSz="914400">
-              <a:lnSpc>
-                <a:spcPct val="110000"/>
-              </a:lnSpc>
-              <a:spcBef>
-                <a:spcPts val="999"/>
-              </a:spcBef>
-              <a:buFont typeface="Arial"/>
-              <a:buChar char="•"/>
-              <a:defRPr sz="1800">
-                <a:solidFill>
-                  <a:schemeClr val="tx1"/>
-                </a:solidFill>
-                <a:latin typeface="+mn-lt"/>
-                <a:ea typeface="+mn-ea"/>
-                <a:cs typeface="+mn-cs"/>
-              </a:defRPr>
-            </a:lvl1pPr>
-            <a:lvl2pPr marL="685800" indent="-228600" algn="l" defTabSz="914400">
-              <a:lnSpc>
-                <a:spcPct val="110000"/>
-              </a:lnSpc>
-              <a:spcBef>
-                <a:spcPts val="499"/>
-              </a:spcBef>
-              <a:buFont typeface="Arial"/>
-              <a:buChar char="•"/>
-              <a:defRPr sz="1600">
-                <a:solidFill>
-                  <a:schemeClr val="tx1"/>
-                </a:solidFill>
-                <a:latin typeface="+mn-lt"/>
-                <a:ea typeface="+mn-ea"/>
-                <a:cs typeface="+mn-cs"/>
-              </a:defRPr>
-            </a:lvl2pPr>
-            <a:lvl3pPr marL="1143000" indent="-228600" algn="l" defTabSz="914400">
-              <a:lnSpc>
-                <a:spcPct val="110000"/>
-              </a:lnSpc>
-              <a:spcBef>
-                <a:spcPts val="499"/>
-              </a:spcBef>
-              <a:buFont typeface="Arial"/>
-              <a:buChar char="•"/>
-              <a:defRPr sz="1400">
-                <a:solidFill>
-                  <a:schemeClr val="tx1"/>
-                </a:solidFill>
-                <a:latin typeface="+mn-lt"/>
-                <a:ea typeface="+mn-ea"/>
-                <a:cs typeface="+mn-cs"/>
-              </a:defRPr>
-            </a:lvl3pPr>
-            <a:lvl4pPr marL="1600200" indent="-228600" algn="l" defTabSz="914400">
-              <a:lnSpc>
-                <a:spcPct val="110000"/>
-              </a:lnSpc>
-              <a:spcBef>
-                <a:spcPts val="499"/>
-              </a:spcBef>
-              <a:buFont typeface="Arial"/>
-              <a:buChar char="•"/>
-              <a:defRPr sz="1200">
-                <a:solidFill>
-                  <a:schemeClr val="tx1"/>
-                </a:solidFill>
-                <a:latin typeface="+mn-lt"/>
-                <a:ea typeface="+mn-ea"/>
-                <a:cs typeface="+mn-cs"/>
-              </a:defRPr>
-            </a:lvl4pPr>
-            <a:lvl5pPr marL="2057400" indent="-228600" algn="l" defTabSz="914400">
-              <a:lnSpc>
-                <a:spcPct val="110000"/>
-              </a:lnSpc>
-              <a:spcBef>
-                <a:spcPts val="499"/>
-              </a:spcBef>
-              <a:buFont typeface="Arial"/>
-              <a:buChar char="•"/>
-              <a:defRPr sz="1200">
-                <a:solidFill>
-                  <a:schemeClr val="tx1"/>
-                </a:solidFill>
-                <a:latin typeface="+mn-lt"/>
-                <a:ea typeface="+mn-ea"/>
-                <a:cs typeface="+mn-cs"/>
-              </a:defRPr>
-            </a:lvl5pPr>
-            <a:lvl6pPr marL="2514599" indent="-228600" algn="l" defTabSz="914400">
-              <a:lnSpc>
-                <a:spcPct val="90000"/>
-              </a:lnSpc>
-              <a:spcBef>
-                <a:spcPts val="499"/>
-              </a:spcBef>
-              <a:buFont typeface="Arial"/>
-              <a:buChar char="•"/>
-              <a:defRPr sz="1800">
-                <a:solidFill>
-                  <a:schemeClr val="tx1"/>
-                </a:solidFill>
-                <a:latin typeface="+mn-lt"/>
-                <a:ea typeface="+mn-ea"/>
-                <a:cs typeface="+mn-cs"/>
-              </a:defRPr>
-            </a:lvl6pPr>
-            <a:lvl7pPr marL="2971800" indent="-228600" algn="l" defTabSz="914400">
-              <a:lnSpc>
-                <a:spcPct val="90000"/>
-              </a:lnSpc>
-              <a:spcBef>
-                <a:spcPts val="499"/>
-              </a:spcBef>
-              <a:buFont typeface="Arial"/>
-              <a:buChar char="•"/>
-              <a:defRPr sz="1800">
-                <a:solidFill>
-                  <a:schemeClr val="tx1"/>
-                </a:solidFill>
-                <a:latin typeface="+mn-lt"/>
-                <a:ea typeface="+mn-ea"/>
-                <a:cs typeface="+mn-cs"/>
-              </a:defRPr>
-            </a:lvl7pPr>
-            <a:lvl8pPr marL="3429000" indent="-228600" algn="l" defTabSz="914400">
-              <a:lnSpc>
-                <a:spcPct val="90000"/>
-              </a:lnSpc>
-              <a:spcBef>
-                <a:spcPts val="499"/>
-              </a:spcBef>
-              <a:buFont typeface="Arial"/>
-              <a:buChar char="•"/>
-              <a:defRPr sz="1800">
-                <a:solidFill>
-                  <a:schemeClr val="tx1"/>
-                </a:solidFill>
-                <a:latin typeface="+mn-lt"/>
-                <a:ea typeface="+mn-ea"/>
-                <a:cs typeface="+mn-cs"/>
-              </a:defRPr>
-            </a:lvl8pPr>
-            <a:lvl9pPr marL="3886200" indent="-228600" algn="l" defTabSz="914400">
-              <a:lnSpc>
-                <a:spcPct val="90000"/>
-              </a:lnSpc>
-              <a:spcBef>
-                <a:spcPts val="499"/>
-              </a:spcBef>
-              <a:buFont typeface="Arial"/>
-              <a:buChar char="•"/>
-              <a:defRPr sz="1800">
-                <a:solidFill>
-                  <a:schemeClr val="tx1"/>
-                </a:solidFill>
-                <a:latin typeface="+mn-lt"/>
-                <a:ea typeface="+mn-ea"/>
-                <a:cs typeface="+mn-cs"/>
-              </a:defRPr>
-            </a:lvl9pPr>
-          </a:lstStyle>
-          <a:p>
-            <a:pPr marL="0" marR="0" lvl="0" indent="0" algn="l" defTabSz="914400" eaLnBrk="1" fontAlgn="auto" latinLnBrk="0" hangingPunct="1">
-              <a:lnSpc>
-                <a:spcPct val="110000"/>
-              </a:lnSpc>
-              <a:spcBef>
-                <a:spcPts val="999"/>
-              </a:spcBef>
-              <a:spcAft>
-                <a:spcPts val="0"/>
-              </a:spcAft>
-              <a:buClrTx/>
-              <a:buSzTx/>
-              <a:buFont typeface="Arial"/>
-              <a:buNone/>
-              <a:tabLst/>
-              <a:defRPr sz="1800">
-                <a:solidFill>
-                  <a:srgbClr val="000000"/>
-                </a:solidFill>
-              </a:defRPr>
-            </a:pPr>
-            <a:endParaRPr kumimoji="0" sz="1600" b="0" i="0" u="none" strike="noStrike" kern="0" cap="none" spc="0" normalizeH="0" baseline="0" noProof="0" dirty="0">
-              <a:ln>
-                <a:noFill/>
-              </a:ln>
-              <a:solidFill>
-                <a:srgbClr val="000000"/>
-              </a:solidFill>
-              <a:effectLst/>
-              <a:uLnTx/>
-              <a:uFillTx/>
-              <a:latin typeface="Bierstadt"/>
-              <a:cs typeface="Arial"/>
-            </a:endParaRPr>
-          </a:p>
-          <a:p>
-            <a:pPr marR="0" lvl="0" eaLnBrk="1" fontAlgn="auto" latinLnBrk="0" hangingPunct="1">
-              <a:lnSpc>
-                <a:spcPct val="111000"/>
-              </a:lnSpc>
-              <a:spcBef>
-                <a:spcPts val="999"/>
-              </a:spcBef>
-              <a:spcAft>
-                <a:spcPts val="0"/>
-              </a:spcAft>
-              <a:buClrTx/>
-              <a:buSzTx/>
-              <a:tabLst/>
-              <a:defRPr/>
-            </a:pPr>
-            <a:r>
-              <a:rPr lang="de-DE" sz="1900" dirty="0"/>
-              <a:t>Umfangreiche Evaluation: 200 Testläufe (5×CV mit 40 Wiederholungen)</a:t>
-            </a:r>
-          </a:p>
-          <a:p>
-            <a:pPr marR="0" lvl="0" eaLnBrk="1" fontAlgn="auto" latinLnBrk="0" hangingPunct="1">
-              <a:lnSpc>
-                <a:spcPct val="111000"/>
-              </a:lnSpc>
-              <a:spcBef>
-                <a:spcPts val="999"/>
-              </a:spcBef>
-              <a:spcAft>
-                <a:spcPts val="0"/>
-              </a:spcAft>
-              <a:buClrTx/>
-              <a:buSzTx/>
-              <a:tabLst/>
-              <a:defRPr/>
-            </a:pPr>
-            <a:endParaRPr lang="de-DE" sz="1900" dirty="0"/>
-          </a:p>
-          <a:p>
-            <a:pPr marR="0" lvl="0" eaLnBrk="1" fontAlgn="auto" latinLnBrk="0" hangingPunct="1">
-              <a:lnSpc>
-                <a:spcPct val="111000"/>
-              </a:lnSpc>
-              <a:spcBef>
-                <a:spcPts val="999"/>
-              </a:spcBef>
-              <a:spcAft>
-                <a:spcPts val="0"/>
-              </a:spcAft>
-              <a:buClrTx/>
-              <a:buSzTx/>
-              <a:tabLst/>
-              <a:defRPr/>
-            </a:pPr>
-            <a:r>
-              <a:rPr lang="de-DE" sz="1900" b="1" dirty="0"/>
-              <a:t>Durchschnittlicher Mehrwert: 0,22 € pro Transaktion </a:t>
-            </a:r>
-            <a:r>
-              <a:rPr lang="de-DE" sz="1900" dirty="0"/>
-              <a:t>(nach Bewertungsfunktion)</a:t>
-            </a:r>
-          </a:p>
-          <a:p>
-            <a:pPr marR="0" lvl="0" eaLnBrk="1" fontAlgn="auto" latinLnBrk="0" hangingPunct="1">
-              <a:lnSpc>
-                <a:spcPct val="111000"/>
-              </a:lnSpc>
-              <a:spcBef>
-                <a:spcPts val="999"/>
-              </a:spcBef>
-              <a:spcAft>
-                <a:spcPts val="0"/>
-              </a:spcAft>
-              <a:buClrTx/>
-              <a:buSzTx/>
-              <a:tabLst/>
-              <a:defRPr/>
-            </a:pPr>
-            <a:endParaRPr lang="de-DE" sz="1900" dirty="0"/>
-          </a:p>
-          <a:p>
-            <a:pPr lvl="0">
-              <a:lnSpc>
-                <a:spcPct val="111000"/>
-              </a:lnSpc>
-              <a:defRPr/>
-            </a:pPr>
-            <a:r>
-              <a:rPr lang="de-DE" sz="1900" dirty="0"/>
-              <a:t>Betrachtet man nur den verhinderten Schaden, also ohne Abzug der Kontrollkosten und ohne Bonus für entdeckte FRAUD-Fälle, ergibt sich ein mittlerer Wert von </a:t>
-            </a:r>
-            <a:r>
-              <a:rPr lang="de-DE" sz="1900" b="1" dirty="0"/>
-              <a:t>0,15 € pro Transaktion</a:t>
-            </a:r>
-            <a:r>
-              <a:rPr lang="de-DE" sz="1900" dirty="0"/>
-              <a:t>.</a:t>
-            </a:r>
-          </a:p>
-          <a:p>
-            <a:pPr marR="0" lvl="0" eaLnBrk="1" fontAlgn="auto" latinLnBrk="0" hangingPunct="1">
-              <a:lnSpc>
-                <a:spcPct val="111000"/>
-              </a:lnSpc>
-              <a:spcBef>
-                <a:spcPts val="999"/>
-              </a:spcBef>
-              <a:spcAft>
-                <a:spcPts val="0"/>
-              </a:spcAft>
-              <a:buClrTx/>
-              <a:buSzTx/>
-              <a:tabLst/>
-              <a:defRPr/>
-            </a:pPr>
-            <a:endParaRPr lang="de-DE" sz="1900" dirty="0"/>
-          </a:p>
-          <a:p>
-            <a:pPr marR="0" lvl="0" eaLnBrk="1" fontAlgn="auto" latinLnBrk="0" hangingPunct="1">
-              <a:lnSpc>
-                <a:spcPct val="111000"/>
-              </a:lnSpc>
-              <a:spcBef>
-                <a:spcPts val="999"/>
-              </a:spcBef>
-              <a:spcAft>
-                <a:spcPts val="0"/>
-              </a:spcAft>
-              <a:buClrTx/>
-              <a:buSzTx/>
-              <a:tabLst/>
-              <a:defRPr/>
-            </a:pPr>
-            <a:r>
-              <a:rPr lang="de-DE" sz="1900" dirty="0"/>
-              <a:t>Ergebnis gilt als robuste, belastbare Schätzung der Modellleistung</a:t>
-            </a:r>
-          </a:p>
-          <a:p>
-            <a:pPr marR="0" lvl="0" eaLnBrk="1" fontAlgn="auto" latinLnBrk="0" hangingPunct="1">
-              <a:lnSpc>
-                <a:spcPct val="111000"/>
-              </a:lnSpc>
-              <a:spcBef>
-                <a:spcPts val="999"/>
-              </a:spcBef>
-              <a:spcAft>
-                <a:spcPts val="0"/>
-              </a:spcAft>
-              <a:buClrTx/>
-              <a:buSzTx/>
-              <a:tabLst/>
-              <a:defRPr/>
-            </a:pPr>
-            <a:endParaRPr lang="de-DE" sz="1900" dirty="0"/>
-          </a:p>
-          <a:p>
-            <a:pPr marR="0" lvl="0" eaLnBrk="1" fontAlgn="auto" latinLnBrk="0" hangingPunct="1">
-              <a:lnSpc>
-                <a:spcPct val="111000"/>
-              </a:lnSpc>
-              <a:spcBef>
-                <a:spcPts val="999"/>
-              </a:spcBef>
-              <a:spcAft>
-                <a:spcPts val="0"/>
-              </a:spcAft>
-              <a:buClrTx/>
-              <a:buSzTx/>
-              <a:tabLst/>
-              <a:defRPr/>
-            </a:pPr>
-            <a:r>
-              <a:rPr lang="de-DE" sz="1900" dirty="0"/>
-              <a:t>Bezieht sich auf Testdaten (20 % des Gesamtbestands)</a:t>
-            </a:r>
-          </a:p>
-        </p:txBody>
-      </p:sp>
-    </p:spTree>
-    <p:extLst>
-      <p:ext uri="{BB962C8B-B14F-4D97-AF65-F5344CB8AC3E}">
-        <p14:creationId xmlns:p14="http://schemas.microsoft.com/office/powerpoint/2010/main" val="588482868"/>
-      </p:ext>
-    </p:extLst>
-  </p:cSld>
-  <p:clrMapOvr>
-    <a:masterClrMapping/>
-  </p:clrMapOvr>
-</p:sld>
-</file>
-
-<file path=ppt/slides/slide72.xml><?xml version="1.0" encoding="utf-8"?>
 <p:sld xmlns:a="http://schemas.openxmlformats.org/drawingml/2006/main" xmlns:r="http://schemas.openxmlformats.org/officeDocument/2006/relationships" xmlns:p="http://schemas.openxmlformats.org/presentationml/2006/main" showMasterPhAnim="0">
   <p:cSld>
     <p:spTree>
@@ -33136,7 +32812,7 @@
 </p:sld>
 </file>
 
-<file path=ppt/slides/slide73.xml><?xml version="1.0" encoding="utf-8"?>
+<file path=ppt/slides/slide71.xml><?xml version="1.0" encoding="utf-8"?>
 <p:sld xmlns:a="http://schemas.openxmlformats.org/drawingml/2006/main" xmlns:r="http://schemas.openxmlformats.org/officeDocument/2006/relationships" xmlns:p="http://schemas.openxmlformats.org/presentationml/2006/main" showMasterPhAnim="0">
   <p:cSld>
     <p:spTree>
@@ -33307,7 +32983,7 @@
 </p:sld>
 </file>
 
-<file path=ppt/slides/slide74.xml><?xml version="1.0" encoding="utf-8"?>
+<file path=ppt/slides/slide72.xml><?xml version="1.0" encoding="utf-8"?>
 <p:sld xmlns:a="http://schemas.openxmlformats.org/drawingml/2006/main" xmlns:r="http://schemas.openxmlformats.org/officeDocument/2006/relationships" xmlns:p="http://schemas.openxmlformats.org/presentationml/2006/main" showMasterPhAnim="0">
   <p:cSld>
     <p:spTree>
@@ -33606,15 +33282,11 @@
             </a:r>
             <a:r>
               <a:rPr lang="de-DE" sz="1900" dirty="0"/>
-              <a:t> (Statische Regeln + Klassifikation + Regression) ist betriebsreif → sollte</a:t>
-            </a:r>
-            <a:r>
-              <a:rPr lang="de-DE" sz="1900" b="1" dirty="0"/>
-              <a:t> </a:t>
+              <a:t> (Statische Regeln + Klassifikation + Regression) ist betriebsreif → </a:t>
             </a:r>
             <a:r>
               <a:rPr lang="de-DE" sz="2000" b="1" dirty="0"/>
-              <a:t>diskretionäre </a:t>
+              <a:t>zufällige </a:t>
             </a:r>
             <a:r>
               <a:rPr lang="de-DE" sz="2000" dirty="0"/>
@@ -33763,36 +33435,6 @@
           </a:p>
         </p:txBody>
       </p:sp>
-      <p:pic>
-        <p:nvPicPr>
-          <p:cNvPr id="2" name="Grafik 1">
-            <a:extLst>
-              <a:ext uri="{FF2B5EF4-FFF2-40B4-BE49-F238E27FC236}">
-                <a16:creationId xmlns:a16="http://schemas.microsoft.com/office/drawing/2014/main" id="{99C6C1D9-F26E-B667-F422-E08FB220E728}"/>
-              </a:ext>
-            </a:extLst>
-          </p:cNvPr>
-          <p:cNvPicPr>
-            <a:picLocks noChangeAspect="1"/>
-          </p:cNvPicPr>
-          <p:nvPr/>
-        </p:nvPicPr>
-        <p:blipFill>
-          <a:blip r:embed="rId3"/>
-          <a:stretch>
-            <a:fillRect/>
-          </a:stretch>
-        </p:blipFill>
-        <p:spPr>
-          <a:xfrm>
-            <a:off x="7207045" y="2774277"/>
-            <a:ext cx="3530932" cy="2691435"/>
-          </a:xfrm>
-          <a:prstGeom prst="rect">
-            <a:avLst/>
-          </a:prstGeom>
-        </p:spPr>
-      </p:pic>
     </p:spTree>
     <p:extLst>
       <p:ext uri="{BB962C8B-B14F-4D97-AF65-F5344CB8AC3E}">
@@ -33806,7 +33448,7 @@
 </p:sld>
 </file>
 
-<file path=ppt/slides/slide75.xml><?xml version="1.0" encoding="utf-8"?>
+<file path=ppt/slides/slide73.xml><?xml version="1.0" encoding="utf-8"?>
 <p:sld xmlns:a="http://schemas.openxmlformats.org/drawingml/2006/main" xmlns:r="http://schemas.openxmlformats.org/officeDocument/2006/relationships" xmlns:p="http://schemas.openxmlformats.org/presentationml/2006/main">
   <p:cSld>
     <p:bg>
@@ -34209,7 +33851,7 @@
 </p:sld>
 </file>
 
-<file path=ppt/slides/slide76.xml><?xml version="1.0" encoding="utf-8"?>
+<file path=ppt/slides/slide74.xml><?xml version="1.0" encoding="utf-8"?>
 <p:sld xmlns:a="http://schemas.openxmlformats.org/drawingml/2006/main" xmlns:r="http://schemas.openxmlformats.org/officeDocument/2006/relationships" xmlns:p="http://schemas.openxmlformats.org/presentationml/2006/main">
   <p:cSld>
     <p:spTree>
@@ -34415,7 +34057,7 @@
 </p:sld>
 </file>
 
-<file path=ppt/slides/slide77.xml><?xml version="1.0" encoding="utf-8"?>
+<file path=ppt/slides/slide75.xml><?xml version="1.0" encoding="utf-8"?>
 <p:sld xmlns:a="http://schemas.openxmlformats.org/drawingml/2006/main" xmlns:r="http://schemas.openxmlformats.org/officeDocument/2006/relationships" xmlns:p="http://schemas.openxmlformats.org/presentationml/2006/main">
   <p:cSld>
     <p:spTree>
@@ -34623,7 +34265,7 @@
 </p:sld>
 </file>
 
-<file path=ppt/slides/slide78.xml><?xml version="1.0" encoding="utf-8"?>
+<file path=ppt/slides/slide76.xml><?xml version="1.0" encoding="utf-8"?>
 <p:sld xmlns:a="http://schemas.openxmlformats.org/drawingml/2006/main" xmlns:r="http://schemas.openxmlformats.org/officeDocument/2006/relationships" xmlns:p="http://schemas.openxmlformats.org/presentationml/2006/main">
   <p:cSld>
     <p:bg>
@@ -35026,7 +34668,7 @@
 </p:sld>
 </file>
 
-<file path=ppt/slides/slide79.xml><?xml version="1.0" encoding="utf-8"?>
+<file path=ppt/slides/slide77.xml><?xml version="1.0" encoding="utf-8"?>
 <p:sld xmlns:a="http://schemas.openxmlformats.org/drawingml/2006/main" xmlns:r="http://schemas.openxmlformats.org/officeDocument/2006/relationships" xmlns:p="http://schemas.openxmlformats.org/presentationml/2006/main">
   <p:cSld>
     <p:spTree>
@@ -35312,497 +34954,7 @@
 </p:sld>
 </file>
 
-<file path=ppt/slides/slide8.xml><?xml version="1.0" encoding="utf-8"?>
-<p:sld xmlns:a="http://schemas.openxmlformats.org/drawingml/2006/main" xmlns:r="http://schemas.openxmlformats.org/officeDocument/2006/relationships" xmlns:p="http://schemas.openxmlformats.org/presentationml/2006/main">
-  <p:cSld>
-    <p:spTree>
-      <p:nvGrpSpPr>
-        <p:cNvPr id="1" name="">
-          <a:extLst>
-            <a:ext uri="{FF2B5EF4-FFF2-40B4-BE49-F238E27FC236}">
-              <a16:creationId xmlns:a16="http://schemas.microsoft.com/office/drawing/2014/main" id="{94043681-6691-87B6-7F6F-263233C00557}"/>
-            </a:ext>
-          </a:extLst>
-        </p:cNvPr>
-        <p:cNvGrpSpPr/>
-        <p:nvPr/>
-      </p:nvGrpSpPr>
-      <p:grpSpPr>
-        <a:xfrm>
-          <a:off x="0" y="0"/>
-          <a:ext cx="0" cy="0"/>
-          <a:chOff x="0" y="0"/>
-          <a:chExt cx="0" cy="0"/>
-        </a:xfrm>
-      </p:grpSpPr>
-      <p:sp>
-        <p:nvSpPr>
-          <p:cNvPr id="2" name="Title 1">
-            <a:extLst>
-              <a:ext uri="{FF2B5EF4-FFF2-40B4-BE49-F238E27FC236}">
-                <a16:creationId xmlns:a16="http://schemas.microsoft.com/office/drawing/2014/main" id="{C4319158-1C7D-A0B2-2CFD-D898F0F63886}"/>
-              </a:ext>
-            </a:extLst>
-          </p:cNvPr>
-          <p:cNvSpPr>
-            <a:spLocks noGrp="1"/>
-          </p:cNvSpPr>
-          <p:nvPr>
-            <p:ph type="title"/>
-          </p:nvPr>
-        </p:nvSpPr>
-        <p:spPr/>
-        <p:txBody>
-          <a:bodyPr/>
-          <a:lstStyle/>
-          <a:p>
-            <a:r>
-              <a:rPr lang="de-DE" dirty="0"/>
-              <a:t>Artefakte</a:t>
-            </a:r>
-            <a:endParaRPr dirty="0"/>
-          </a:p>
-        </p:txBody>
-      </p:sp>
-      <p:sp>
-        <p:nvSpPr>
-          <p:cNvPr id="3" name="Content Placeholder 2">
-            <a:extLst>
-              <a:ext uri="{FF2B5EF4-FFF2-40B4-BE49-F238E27FC236}">
-                <a16:creationId xmlns:a16="http://schemas.microsoft.com/office/drawing/2014/main" id="{AB282D1C-4CA8-D5EA-3B15-7CE2D56B55FE}"/>
-              </a:ext>
-            </a:extLst>
-          </p:cNvPr>
-          <p:cNvSpPr>
-            <a:spLocks noGrp="1"/>
-          </p:cNvSpPr>
-          <p:nvPr>
-            <p:ph idx="1"/>
-          </p:nvPr>
-        </p:nvSpPr>
-        <p:spPr>
-          <a:xfrm>
-            <a:off x="521209" y="2201535"/>
-            <a:ext cx="5276690" cy="4170127"/>
-          </a:xfrm>
-        </p:spPr>
-        <p:txBody>
-          <a:bodyPr>
-            <a:normAutofit lnSpcReduction="10000"/>
-          </a:bodyPr>
-          <a:lstStyle/>
-          <a:p>
-            <a:pPr marL="0" indent="0">
-              <a:buNone/>
-            </a:pPr>
-            <a:r>
-              <a:rPr lang="de-DE" sz="1600" b="1" dirty="0"/>
-              <a:t>Meilenstein 1:</a:t>
-            </a:r>
-          </a:p>
-          <a:p>
-            <a:pPr marL="0" indent="0">
-              <a:buNone/>
-            </a:pPr>
-            <a:r>
-              <a:rPr lang="de-DE" sz="1600" dirty="0"/>
-              <a:t>1. abgestimmter Projektauftrag (PDF)</a:t>
-            </a:r>
-          </a:p>
-          <a:p>
-            <a:pPr marL="0" indent="0">
-              <a:buNone/>
-            </a:pPr>
-            <a:r>
-              <a:rPr lang="de-DE" sz="1600" dirty="0"/>
-              <a:t>2. Präsentationsfolien über den Projektauftrag und die Projektstruktur  (PowerPoint oder PDF)</a:t>
-            </a:r>
-          </a:p>
-          <a:p>
-            <a:pPr marL="0" indent="0">
-              <a:buNone/>
-            </a:pPr>
-            <a:r>
-              <a:rPr lang="de-DE" sz="1600" b="1" dirty="0"/>
-              <a:t>Meilenstein 2:</a:t>
-            </a:r>
-          </a:p>
-          <a:p>
-            <a:pPr marL="0" indent="0">
-              <a:buNone/>
-            </a:pPr>
-            <a:r>
-              <a:rPr lang="de-DE" sz="1600" dirty="0"/>
-              <a:t>3. Data Audit Report (fehlende Werte, Formatprobleme etc.)</a:t>
-            </a:r>
-          </a:p>
-          <a:p>
-            <a:pPr marL="0" indent="0">
-              <a:buNone/>
-            </a:pPr>
-            <a:r>
-              <a:rPr lang="de-DE" sz="1600" dirty="0"/>
-              <a:t>4. Explorative Datenanalyse (erste Hypothesen über Datenmuster)</a:t>
-            </a:r>
-          </a:p>
-          <a:p>
-            <a:pPr marL="0" indent="0">
-              <a:buNone/>
-            </a:pPr>
-            <a:r>
-              <a:rPr lang="de-DE" sz="1600" dirty="0"/>
-              <a:t>5. Präsentation der Erkenntnisse (Folien mit Visualisierungen)</a:t>
-            </a:r>
-          </a:p>
-          <a:p>
-            <a:pPr marL="0" indent="0">
-              <a:buNone/>
-            </a:pPr>
-            <a:r>
-              <a:rPr lang="de-DE" sz="1600" dirty="0"/>
-              <a:t>6. Dokumentation zur geplanten REST-Schnittstelle</a:t>
-            </a:r>
-          </a:p>
-          <a:p>
-            <a:pPr marL="0" indent="0">
-              <a:buNone/>
-            </a:pPr>
-            <a:endParaRPr lang="de-DE" b="1" dirty="0"/>
-          </a:p>
-          <a:p>
-            <a:pPr marL="0" indent="0">
-              <a:buNone/>
-            </a:pPr>
-            <a:endParaRPr lang="de-DE" b="1" dirty="0"/>
-          </a:p>
-        </p:txBody>
-      </p:sp>
-      <p:sp>
-        <p:nvSpPr>
-          <p:cNvPr id="4" name="Content Placeholder 2">
-            <a:extLst>
-              <a:ext uri="{FF2B5EF4-FFF2-40B4-BE49-F238E27FC236}">
-                <a16:creationId xmlns:a16="http://schemas.microsoft.com/office/drawing/2014/main" id="{89F2CA7B-F80B-EC27-6B08-77AC61A44BC2}"/>
-              </a:ext>
-            </a:extLst>
-          </p:cNvPr>
-          <p:cNvSpPr txBox="1">
-            <a:spLocks/>
-          </p:cNvSpPr>
-          <p:nvPr/>
-        </p:nvSpPr>
-        <p:spPr>
-          <a:xfrm>
-            <a:off x="6199833" y="2222578"/>
-            <a:ext cx="5735895" cy="4170127"/>
-          </a:xfrm>
-          <a:prstGeom prst="rect">
-            <a:avLst/>
-          </a:prstGeom>
-        </p:spPr>
-        <p:txBody>
-          <a:bodyPr vert="horz" lIns="91440" tIns="45720" rIns="91440" bIns="45720" rtlCol="0">
-            <a:normAutofit/>
-          </a:bodyPr>
-          <a:lstStyle>
-            <a:lvl1pPr marL="228600" indent="-228600" algn="l" defTabSz="914400" rtl="0" eaLnBrk="1" latinLnBrk="0" hangingPunct="1">
-              <a:lnSpc>
-                <a:spcPct val="110000"/>
-              </a:lnSpc>
-              <a:spcBef>
-                <a:spcPts val="1000"/>
-              </a:spcBef>
-              <a:buFont typeface="Arial" panose="020B0604020202020204" pitchFamily="34" charset="0"/>
-              <a:buChar char="•"/>
-              <a:defRPr sz="1800" kern="1200">
-                <a:solidFill>
-                  <a:schemeClr val="tx1"/>
-                </a:solidFill>
-                <a:latin typeface="+mn-lt"/>
-                <a:ea typeface="+mn-ea"/>
-                <a:cs typeface="+mn-cs"/>
-              </a:defRPr>
-            </a:lvl1pPr>
-            <a:lvl2pPr marL="685800" indent="-228600" algn="l" defTabSz="914400" rtl="0" eaLnBrk="1" latinLnBrk="0" hangingPunct="1">
-              <a:lnSpc>
-                <a:spcPct val="110000"/>
-              </a:lnSpc>
-              <a:spcBef>
-                <a:spcPts val="500"/>
-              </a:spcBef>
-              <a:buFont typeface="Arial" panose="020B0604020202020204" pitchFamily="34" charset="0"/>
-              <a:buChar char="•"/>
-              <a:defRPr sz="1600" kern="1200">
-                <a:solidFill>
-                  <a:schemeClr val="tx1"/>
-                </a:solidFill>
-                <a:latin typeface="+mn-lt"/>
-                <a:ea typeface="+mn-ea"/>
-                <a:cs typeface="+mn-cs"/>
-              </a:defRPr>
-            </a:lvl2pPr>
-            <a:lvl3pPr marL="1143000" indent="-228600" algn="l" defTabSz="914400" rtl="0" eaLnBrk="1" latinLnBrk="0" hangingPunct="1">
-              <a:lnSpc>
-                <a:spcPct val="110000"/>
-              </a:lnSpc>
-              <a:spcBef>
-                <a:spcPts val="500"/>
-              </a:spcBef>
-              <a:buFont typeface="Arial" panose="020B0604020202020204" pitchFamily="34" charset="0"/>
-              <a:buChar char="•"/>
-              <a:defRPr sz="1400" kern="1200">
-                <a:solidFill>
-                  <a:schemeClr val="tx1"/>
-                </a:solidFill>
-                <a:latin typeface="+mn-lt"/>
-                <a:ea typeface="+mn-ea"/>
-                <a:cs typeface="+mn-cs"/>
-              </a:defRPr>
-            </a:lvl3pPr>
-            <a:lvl4pPr marL="1600200" indent="-228600" algn="l" defTabSz="914400" rtl="0" eaLnBrk="1" latinLnBrk="0" hangingPunct="1">
-              <a:lnSpc>
-                <a:spcPct val="110000"/>
-              </a:lnSpc>
-              <a:spcBef>
-                <a:spcPts val="500"/>
-              </a:spcBef>
-              <a:buFont typeface="Arial" panose="020B0604020202020204" pitchFamily="34" charset="0"/>
-              <a:buChar char="•"/>
-              <a:defRPr sz="1200" kern="1200">
-                <a:solidFill>
-                  <a:schemeClr val="tx1"/>
-                </a:solidFill>
-                <a:latin typeface="+mn-lt"/>
-                <a:ea typeface="+mn-ea"/>
-                <a:cs typeface="+mn-cs"/>
-              </a:defRPr>
-            </a:lvl4pPr>
-            <a:lvl5pPr marL="2057400" indent="-228600" algn="l" defTabSz="914400" rtl="0" eaLnBrk="1" latinLnBrk="0" hangingPunct="1">
-              <a:lnSpc>
-                <a:spcPct val="110000"/>
-              </a:lnSpc>
-              <a:spcBef>
-                <a:spcPts val="500"/>
-              </a:spcBef>
-              <a:buFont typeface="Arial" panose="020B0604020202020204" pitchFamily="34" charset="0"/>
-              <a:buChar char="•"/>
-              <a:defRPr sz="1200" kern="1200">
-                <a:solidFill>
-                  <a:schemeClr val="tx1"/>
-                </a:solidFill>
-                <a:latin typeface="+mn-lt"/>
-                <a:ea typeface="+mn-ea"/>
-                <a:cs typeface="+mn-cs"/>
-              </a:defRPr>
-            </a:lvl5pPr>
-            <a:lvl6pPr marL="2514600" indent="-228600" algn="l" defTabSz="914400" rtl="0" eaLnBrk="1" latinLnBrk="0" hangingPunct="1">
-              <a:lnSpc>
-                <a:spcPct val="90000"/>
-              </a:lnSpc>
-              <a:spcBef>
-                <a:spcPts val="500"/>
-              </a:spcBef>
-              <a:buFont typeface="Arial" panose="020B0604020202020204" pitchFamily="34" charset="0"/>
-              <a:buChar char="•"/>
-              <a:defRPr sz="1800" kern="1200">
-                <a:solidFill>
-                  <a:schemeClr val="tx1"/>
-                </a:solidFill>
-                <a:latin typeface="+mn-lt"/>
-                <a:ea typeface="+mn-ea"/>
-                <a:cs typeface="+mn-cs"/>
-              </a:defRPr>
-            </a:lvl6pPr>
-            <a:lvl7pPr marL="2971800" indent="-228600" algn="l" defTabSz="914400" rtl="0" eaLnBrk="1" latinLnBrk="0" hangingPunct="1">
-              <a:lnSpc>
-                <a:spcPct val="90000"/>
-              </a:lnSpc>
-              <a:spcBef>
-                <a:spcPts val="500"/>
-              </a:spcBef>
-              <a:buFont typeface="Arial" panose="020B0604020202020204" pitchFamily="34" charset="0"/>
-              <a:buChar char="•"/>
-              <a:defRPr sz="1800" kern="1200">
-                <a:solidFill>
-                  <a:schemeClr val="tx1"/>
-                </a:solidFill>
-                <a:latin typeface="+mn-lt"/>
-                <a:ea typeface="+mn-ea"/>
-                <a:cs typeface="+mn-cs"/>
-              </a:defRPr>
-            </a:lvl7pPr>
-            <a:lvl8pPr marL="3429000" indent="-228600" algn="l" defTabSz="914400" rtl="0" eaLnBrk="1" latinLnBrk="0" hangingPunct="1">
-              <a:lnSpc>
-                <a:spcPct val="90000"/>
-              </a:lnSpc>
-              <a:spcBef>
-                <a:spcPts val="500"/>
-              </a:spcBef>
-              <a:buFont typeface="Arial" panose="020B0604020202020204" pitchFamily="34" charset="0"/>
-              <a:buChar char="•"/>
-              <a:defRPr sz="1800" kern="1200">
-                <a:solidFill>
-                  <a:schemeClr val="tx1"/>
-                </a:solidFill>
-                <a:latin typeface="+mn-lt"/>
-                <a:ea typeface="+mn-ea"/>
-                <a:cs typeface="+mn-cs"/>
-              </a:defRPr>
-            </a:lvl8pPr>
-            <a:lvl9pPr marL="3886200" indent="-228600" algn="l" defTabSz="914400" rtl="0" eaLnBrk="1" latinLnBrk="0" hangingPunct="1">
-              <a:lnSpc>
-                <a:spcPct val="90000"/>
-              </a:lnSpc>
-              <a:spcBef>
-                <a:spcPts val="500"/>
-              </a:spcBef>
-              <a:buFont typeface="Arial" panose="020B0604020202020204" pitchFamily="34" charset="0"/>
-              <a:buChar char="•"/>
-              <a:defRPr sz="1800" kern="1200">
-                <a:solidFill>
-                  <a:schemeClr val="tx1"/>
-                </a:solidFill>
-                <a:latin typeface="+mn-lt"/>
-                <a:ea typeface="+mn-ea"/>
-                <a:cs typeface="+mn-cs"/>
-              </a:defRPr>
-            </a:lvl9pPr>
-          </a:lstStyle>
-          <a:p>
-            <a:pPr marL="0" indent="0">
-              <a:buNone/>
-            </a:pPr>
-            <a:r>
-              <a:rPr lang="de-DE" sz="1600" b="1" dirty="0"/>
-              <a:t>Meilenstein 3:</a:t>
-            </a:r>
-            <a:endParaRPr lang="de-DE" sz="1600" dirty="0"/>
-          </a:p>
-          <a:p>
-            <a:pPr marL="0" indent="0">
-              <a:buNone/>
-            </a:pPr>
-            <a:r>
-              <a:rPr lang="de-DE" sz="1600" dirty="0"/>
-              <a:t>7. Feature-Katalog mit Beschreibung, Typ und Berechnungsmethode</a:t>
-            </a:r>
-          </a:p>
-          <a:p>
-            <a:pPr marL="0" indent="0">
-              <a:buNone/>
-            </a:pPr>
-            <a:r>
-              <a:rPr lang="de-DE" sz="1600" dirty="0"/>
-              <a:t>8. Modellübersicht (getestete Modelle inkl. Parameter)</a:t>
-            </a:r>
-          </a:p>
-          <a:p>
-            <a:pPr marL="0" indent="0">
-              <a:buNone/>
-            </a:pPr>
-            <a:r>
-              <a:rPr lang="de-DE" sz="1600" dirty="0"/>
-              <a:t>9. Bewertungsbericht (Precision, Recall, </a:t>
-            </a:r>
-            <a:r>
-              <a:rPr lang="de-DE" sz="1600" dirty="0" err="1"/>
-              <a:t>economic</a:t>
-            </a:r>
-            <a:r>
-              <a:rPr lang="de-DE" sz="1600" dirty="0"/>
-              <a:t> </a:t>
-            </a:r>
-            <a:r>
-              <a:rPr lang="de-DE" sz="1600" dirty="0" err="1"/>
-              <a:t>loss</a:t>
-            </a:r>
-            <a:r>
-              <a:rPr lang="de-DE" sz="1600" dirty="0"/>
-              <a:t>/</a:t>
-            </a:r>
-            <a:r>
-              <a:rPr lang="de-DE" sz="1600" dirty="0" err="1"/>
-              <a:t>gain</a:t>
-            </a:r>
-            <a:r>
-              <a:rPr lang="de-DE" sz="1600" dirty="0"/>
-              <a:t> etc.)</a:t>
-            </a:r>
-          </a:p>
-          <a:p>
-            <a:pPr marL="0" indent="0">
-              <a:buNone/>
-            </a:pPr>
-            <a:r>
-              <a:rPr lang="de-DE" sz="1600" dirty="0"/>
-              <a:t>10. Visualisierung der Modelllogik</a:t>
-            </a:r>
-          </a:p>
-          <a:p>
-            <a:pPr marL="0" indent="0">
-              <a:buNone/>
-            </a:pPr>
-            <a:r>
-              <a:rPr lang="de-DE" sz="1600" b="1" dirty="0"/>
-              <a:t>Meilenstein 4:</a:t>
-            </a:r>
-          </a:p>
-          <a:p>
-            <a:pPr marL="0" indent="0">
-              <a:buNone/>
-            </a:pPr>
-            <a:r>
-              <a:rPr lang="de-DE" sz="1600" dirty="0"/>
-              <a:t>11. REST-Schnittstelle</a:t>
-            </a:r>
-          </a:p>
-          <a:p>
-            <a:pPr marL="0" indent="0">
-              <a:buNone/>
-            </a:pPr>
-            <a:r>
-              <a:rPr lang="de-DE" sz="1600" dirty="0"/>
-              <a:t>12. Alle Programmskripte (Python)</a:t>
-            </a:r>
-          </a:p>
-          <a:p>
-            <a:pPr marL="0" indent="0">
-              <a:buNone/>
-            </a:pPr>
-            <a:r>
-              <a:rPr lang="de-DE" sz="1600" dirty="0"/>
-              <a:t>13. Dokumentation</a:t>
-            </a:r>
-          </a:p>
-          <a:p>
-            <a:pPr marL="0" indent="0">
-              <a:buNone/>
-            </a:pPr>
-            <a:endParaRPr lang="de-DE" b="1" dirty="0"/>
-          </a:p>
-          <a:p>
-            <a:pPr marL="0" indent="0">
-              <a:buFont typeface="Arial" panose="020B0604020202020204" pitchFamily="34" charset="0"/>
-              <a:buNone/>
-            </a:pPr>
-            <a:endParaRPr lang="de-DE" b="1" dirty="0"/>
-          </a:p>
-        </p:txBody>
-      </p:sp>
-    </p:spTree>
-    <p:extLst>
-      <p:ext uri="{BB962C8B-B14F-4D97-AF65-F5344CB8AC3E}">
-        <p14:creationId xmlns:p14="http://schemas.microsoft.com/office/powerpoint/2010/main" val="1671571954"/>
-      </p:ext>
-    </p:extLst>
-  </p:cSld>
-  <p:clrMapOvr>
-    <a:masterClrMapping/>
-  </p:clrMapOvr>
-</p:sld>
-</file>
-
-<file path=ppt/slides/slide80.xml><?xml version="1.0" encoding="utf-8"?>
+<file path=ppt/slides/slide78.xml><?xml version="1.0" encoding="utf-8"?>
 <p:sld xmlns:a="http://schemas.openxmlformats.org/drawingml/2006/main" xmlns:r="http://schemas.openxmlformats.org/officeDocument/2006/relationships" xmlns:p="http://schemas.openxmlformats.org/presentationml/2006/main">
   <p:cSld>
     <p:spTree>
@@ -36066,7 +35218,7 @@
 </p:sld>
 </file>
 
-<file path=ppt/slides/slide81.xml><?xml version="1.0" encoding="utf-8"?>
+<file path=ppt/slides/slide79.xml><?xml version="1.0" encoding="utf-8"?>
 <p:sld xmlns:a="http://schemas.openxmlformats.org/drawingml/2006/main" xmlns:r="http://schemas.openxmlformats.org/officeDocument/2006/relationships" xmlns:p="http://schemas.openxmlformats.org/presentationml/2006/main">
   <p:cSld>
     <p:spTree>
@@ -36293,6 +35445,496 @@
       <p:bldP spid="4" grpId="0"/>
     </p:bldLst>
   </p:timing>
+</p:sld>
+</file>
+
+<file path=ppt/slides/slide8.xml><?xml version="1.0" encoding="utf-8"?>
+<p:sld xmlns:a="http://schemas.openxmlformats.org/drawingml/2006/main" xmlns:r="http://schemas.openxmlformats.org/officeDocument/2006/relationships" xmlns:p="http://schemas.openxmlformats.org/presentationml/2006/main">
+  <p:cSld>
+    <p:spTree>
+      <p:nvGrpSpPr>
+        <p:cNvPr id="1" name="">
+          <a:extLst>
+            <a:ext uri="{FF2B5EF4-FFF2-40B4-BE49-F238E27FC236}">
+              <a16:creationId xmlns:a16="http://schemas.microsoft.com/office/drawing/2014/main" id="{94043681-6691-87B6-7F6F-263233C00557}"/>
+            </a:ext>
+          </a:extLst>
+        </p:cNvPr>
+        <p:cNvGrpSpPr/>
+        <p:nvPr/>
+      </p:nvGrpSpPr>
+      <p:grpSpPr>
+        <a:xfrm>
+          <a:off x="0" y="0"/>
+          <a:ext cx="0" cy="0"/>
+          <a:chOff x="0" y="0"/>
+          <a:chExt cx="0" cy="0"/>
+        </a:xfrm>
+      </p:grpSpPr>
+      <p:sp>
+        <p:nvSpPr>
+          <p:cNvPr id="2" name="Title 1">
+            <a:extLst>
+              <a:ext uri="{FF2B5EF4-FFF2-40B4-BE49-F238E27FC236}">
+                <a16:creationId xmlns:a16="http://schemas.microsoft.com/office/drawing/2014/main" id="{C4319158-1C7D-A0B2-2CFD-D898F0F63886}"/>
+              </a:ext>
+            </a:extLst>
+          </p:cNvPr>
+          <p:cNvSpPr>
+            <a:spLocks noGrp="1"/>
+          </p:cNvSpPr>
+          <p:nvPr>
+            <p:ph type="title"/>
+          </p:nvPr>
+        </p:nvSpPr>
+        <p:spPr/>
+        <p:txBody>
+          <a:bodyPr/>
+          <a:lstStyle/>
+          <a:p>
+            <a:r>
+              <a:rPr lang="de-DE" dirty="0"/>
+              <a:t>Artefakte</a:t>
+            </a:r>
+            <a:endParaRPr dirty="0"/>
+          </a:p>
+        </p:txBody>
+      </p:sp>
+      <p:sp>
+        <p:nvSpPr>
+          <p:cNvPr id="3" name="Content Placeholder 2">
+            <a:extLst>
+              <a:ext uri="{FF2B5EF4-FFF2-40B4-BE49-F238E27FC236}">
+                <a16:creationId xmlns:a16="http://schemas.microsoft.com/office/drawing/2014/main" id="{AB282D1C-4CA8-D5EA-3B15-7CE2D56B55FE}"/>
+              </a:ext>
+            </a:extLst>
+          </p:cNvPr>
+          <p:cNvSpPr>
+            <a:spLocks noGrp="1"/>
+          </p:cNvSpPr>
+          <p:nvPr>
+            <p:ph idx="1"/>
+          </p:nvPr>
+        </p:nvSpPr>
+        <p:spPr>
+          <a:xfrm>
+            <a:off x="521209" y="2201535"/>
+            <a:ext cx="5276690" cy="4170127"/>
+          </a:xfrm>
+        </p:spPr>
+        <p:txBody>
+          <a:bodyPr>
+            <a:normAutofit lnSpcReduction="10000"/>
+          </a:bodyPr>
+          <a:lstStyle/>
+          <a:p>
+            <a:pPr marL="0" indent="0">
+              <a:buNone/>
+            </a:pPr>
+            <a:r>
+              <a:rPr lang="de-DE" sz="1600" b="1" dirty="0"/>
+              <a:t>Meilenstein 1:</a:t>
+            </a:r>
+          </a:p>
+          <a:p>
+            <a:pPr marL="0" indent="0">
+              <a:buNone/>
+            </a:pPr>
+            <a:r>
+              <a:rPr lang="de-DE" sz="1600" dirty="0"/>
+              <a:t>1. abgestimmter Projektauftrag (PDF)</a:t>
+            </a:r>
+          </a:p>
+          <a:p>
+            <a:pPr marL="0" indent="0">
+              <a:buNone/>
+            </a:pPr>
+            <a:r>
+              <a:rPr lang="de-DE" sz="1600" dirty="0"/>
+              <a:t>2. Präsentationsfolien über den Projektauftrag und die Projektstruktur  (PowerPoint oder PDF)</a:t>
+            </a:r>
+          </a:p>
+          <a:p>
+            <a:pPr marL="0" indent="0">
+              <a:buNone/>
+            </a:pPr>
+            <a:r>
+              <a:rPr lang="de-DE" sz="1600" b="1" dirty="0"/>
+              <a:t>Meilenstein 2:</a:t>
+            </a:r>
+          </a:p>
+          <a:p>
+            <a:pPr marL="0" indent="0">
+              <a:buNone/>
+            </a:pPr>
+            <a:r>
+              <a:rPr lang="de-DE" sz="1600" dirty="0"/>
+              <a:t>3. Data Audit Report (fehlende Werte, Formatprobleme etc.)</a:t>
+            </a:r>
+          </a:p>
+          <a:p>
+            <a:pPr marL="0" indent="0">
+              <a:buNone/>
+            </a:pPr>
+            <a:r>
+              <a:rPr lang="de-DE" sz="1600" dirty="0"/>
+              <a:t>4. Explorative Datenanalyse (erste Hypothesen über Datenmuster)</a:t>
+            </a:r>
+          </a:p>
+          <a:p>
+            <a:pPr marL="0" indent="0">
+              <a:buNone/>
+            </a:pPr>
+            <a:r>
+              <a:rPr lang="de-DE" sz="1600" dirty="0"/>
+              <a:t>5. Präsentation der Erkenntnisse (Folien mit Visualisierungen)</a:t>
+            </a:r>
+          </a:p>
+          <a:p>
+            <a:pPr marL="0" indent="0">
+              <a:buNone/>
+            </a:pPr>
+            <a:r>
+              <a:rPr lang="de-DE" sz="1600" dirty="0"/>
+              <a:t>6. Dokumentation zur geplanten REST-Schnittstelle</a:t>
+            </a:r>
+          </a:p>
+          <a:p>
+            <a:pPr marL="0" indent="0">
+              <a:buNone/>
+            </a:pPr>
+            <a:endParaRPr lang="de-DE" b="1" dirty="0"/>
+          </a:p>
+          <a:p>
+            <a:pPr marL="0" indent="0">
+              <a:buNone/>
+            </a:pPr>
+            <a:endParaRPr lang="de-DE" b="1" dirty="0"/>
+          </a:p>
+        </p:txBody>
+      </p:sp>
+      <p:sp>
+        <p:nvSpPr>
+          <p:cNvPr id="4" name="Content Placeholder 2">
+            <a:extLst>
+              <a:ext uri="{FF2B5EF4-FFF2-40B4-BE49-F238E27FC236}">
+                <a16:creationId xmlns:a16="http://schemas.microsoft.com/office/drawing/2014/main" id="{89F2CA7B-F80B-EC27-6B08-77AC61A44BC2}"/>
+              </a:ext>
+            </a:extLst>
+          </p:cNvPr>
+          <p:cNvSpPr txBox="1">
+            <a:spLocks/>
+          </p:cNvSpPr>
+          <p:nvPr/>
+        </p:nvSpPr>
+        <p:spPr>
+          <a:xfrm>
+            <a:off x="6199833" y="2222578"/>
+            <a:ext cx="5735895" cy="4170127"/>
+          </a:xfrm>
+          <a:prstGeom prst="rect">
+            <a:avLst/>
+          </a:prstGeom>
+        </p:spPr>
+        <p:txBody>
+          <a:bodyPr vert="horz" lIns="91440" tIns="45720" rIns="91440" bIns="45720" rtlCol="0">
+            <a:normAutofit/>
+          </a:bodyPr>
+          <a:lstStyle>
+            <a:lvl1pPr marL="228600" indent="-228600" algn="l" defTabSz="914400" rtl="0" eaLnBrk="1" latinLnBrk="0" hangingPunct="1">
+              <a:lnSpc>
+                <a:spcPct val="110000"/>
+              </a:lnSpc>
+              <a:spcBef>
+                <a:spcPts val="1000"/>
+              </a:spcBef>
+              <a:buFont typeface="Arial" panose="020B0604020202020204" pitchFamily="34" charset="0"/>
+              <a:buChar char="•"/>
+              <a:defRPr sz="1800" kern="1200">
+                <a:solidFill>
+                  <a:schemeClr val="tx1"/>
+                </a:solidFill>
+                <a:latin typeface="+mn-lt"/>
+                <a:ea typeface="+mn-ea"/>
+                <a:cs typeface="+mn-cs"/>
+              </a:defRPr>
+            </a:lvl1pPr>
+            <a:lvl2pPr marL="685800" indent="-228600" algn="l" defTabSz="914400" rtl="0" eaLnBrk="1" latinLnBrk="0" hangingPunct="1">
+              <a:lnSpc>
+                <a:spcPct val="110000"/>
+              </a:lnSpc>
+              <a:spcBef>
+                <a:spcPts val="500"/>
+              </a:spcBef>
+              <a:buFont typeface="Arial" panose="020B0604020202020204" pitchFamily="34" charset="0"/>
+              <a:buChar char="•"/>
+              <a:defRPr sz="1600" kern="1200">
+                <a:solidFill>
+                  <a:schemeClr val="tx1"/>
+                </a:solidFill>
+                <a:latin typeface="+mn-lt"/>
+                <a:ea typeface="+mn-ea"/>
+                <a:cs typeface="+mn-cs"/>
+              </a:defRPr>
+            </a:lvl2pPr>
+            <a:lvl3pPr marL="1143000" indent="-228600" algn="l" defTabSz="914400" rtl="0" eaLnBrk="1" latinLnBrk="0" hangingPunct="1">
+              <a:lnSpc>
+                <a:spcPct val="110000"/>
+              </a:lnSpc>
+              <a:spcBef>
+                <a:spcPts val="500"/>
+              </a:spcBef>
+              <a:buFont typeface="Arial" panose="020B0604020202020204" pitchFamily="34" charset="0"/>
+              <a:buChar char="•"/>
+              <a:defRPr sz="1400" kern="1200">
+                <a:solidFill>
+                  <a:schemeClr val="tx1"/>
+                </a:solidFill>
+                <a:latin typeface="+mn-lt"/>
+                <a:ea typeface="+mn-ea"/>
+                <a:cs typeface="+mn-cs"/>
+              </a:defRPr>
+            </a:lvl3pPr>
+            <a:lvl4pPr marL="1600200" indent="-228600" algn="l" defTabSz="914400" rtl="0" eaLnBrk="1" latinLnBrk="0" hangingPunct="1">
+              <a:lnSpc>
+                <a:spcPct val="110000"/>
+              </a:lnSpc>
+              <a:spcBef>
+                <a:spcPts val="500"/>
+              </a:spcBef>
+              <a:buFont typeface="Arial" panose="020B0604020202020204" pitchFamily="34" charset="0"/>
+              <a:buChar char="•"/>
+              <a:defRPr sz="1200" kern="1200">
+                <a:solidFill>
+                  <a:schemeClr val="tx1"/>
+                </a:solidFill>
+                <a:latin typeface="+mn-lt"/>
+                <a:ea typeface="+mn-ea"/>
+                <a:cs typeface="+mn-cs"/>
+              </a:defRPr>
+            </a:lvl4pPr>
+            <a:lvl5pPr marL="2057400" indent="-228600" algn="l" defTabSz="914400" rtl="0" eaLnBrk="1" latinLnBrk="0" hangingPunct="1">
+              <a:lnSpc>
+                <a:spcPct val="110000"/>
+              </a:lnSpc>
+              <a:spcBef>
+                <a:spcPts val="500"/>
+              </a:spcBef>
+              <a:buFont typeface="Arial" panose="020B0604020202020204" pitchFamily="34" charset="0"/>
+              <a:buChar char="•"/>
+              <a:defRPr sz="1200" kern="1200">
+                <a:solidFill>
+                  <a:schemeClr val="tx1"/>
+                </a:solidFill>
+                <a:latin typeface="+mn-lt"/>
+                <a:ea typeface="+mn-ea"/>
+                <a:cs typeface="+mn-cs"/>
+              </a:defRPr>
+            </a:lvl5pPr>
+            <a:lvl6pPr marL="2514600" indent="-228600" algn="l" defTabSz="914400" rtl="0" eaLnBrk="1" latinLnBrk="0" hangingPunct="1">
+              <a:lnSpc>
+                <a:spcPct val="90000"/>
+              </a:lnSpc>
+              <a:spcBef>
+                <a:spcPts val="500"/>
+              </a:spcBef>
+              <a:buFont typeface="Arial" panose="020B0604020202020204" pitchFamily="34" charset="0"/>
+              <a:buChar char="•"/>
+              <a:defRPr sz="1800" kern="1200">
+                <a:solidFill>
+                  <a:schemeClr val="tx1"/>
+                </a:solidFill>
+                <a:latin typeface="+mn-lt"/>
+                <a:ea typeface="+mn-ea"/>
+                <a:cs typeface="+mn-cs"/>
+              </a:defRPr>
+            </a:lvl6pPr>
+            <a:lvl7pPr marL="2971800" indent="-228600" algn="l" defTabSz="914400" rtl="0" eaLnBrk="1" latinLnBrk="0" hangingPunct="1">
+              <a:lnSpc>
+                <a:spcPct val="90000"/>
+              </a:lnSpc>
+              <a:spcBef>
+                <a:spcPts val="500"/>
+              </a:spcBef>
+              <a:buFont typeface="Arial" panose="020B0604020202020204" pitchFamily="34" charset="0"/>
+              <a:buChar char="•"/>
+              <a:defRPr sz="1800" kern="1200">
+                <a:solidFill>
+                  <a:schemeClr val="tx1"/>
+                </a:solidFill>
+                <a:latin typeface="+mn-lt"/>
+                <a:ea typeface="+mn-ea"/>
+                <a:cs typeface="+mn-cs"/>
+              </a:defRPr>
+            </a:lvl7pPr>
+            <a:lvl8pPr marL="3429000" indent="-228600" algn="l" defTabSz="914400" rtl="0" eaLnBrk="1" latinLnBrk="0" hangingPunct="1">
+              <a:lnSpc>
+                <a:spcPct val="90000"/>
+              </a:lnSpc>
+              <a:spcBef>
+                <a:spcPts val="500"/>
+              </a:spcBef>
+              <a:buFont typeface="Arial" panose="020B0604020202020204" pitchFamily="34" charset="0"/>
+              <a:buChar char="•"/>
+              <a:defRPr sz="1800" kern="1200">
+                <a:solidFill>
+                  <a:schemeClr val="tx1"/>
+                </a:solidFill>
+                <a:latin typeface="+mn-lt"/>
+                <a:ea typeface="+mn-ea"/>
+                <a:cs typeface="+mn-cs"/>
+              </a:defRPr>
+            </a:lvl8pPr>
+            <a:lvl9pPr marL="3886200" indent="-228600" algn="l" defTabSz="914400" rtl="0" eaLnBrk="1" latinLnBrk="0" hangingPunct="1">
+              <a:lnSpc>
+                <a:spcPct val="90000"/>
+              </a:lnSpc>
+              <a:spcBef>
+                <a:spcPts val="500"/>
+              </a:spcBef>
+              <a:buFont typeface="Arial" panose="020B0604020202020204" pitchFamily="34" charset="0"/>
+              <a:buChar char="•"/>
+              <a:defRPr sz="1800" kern="1200">
+                <a:solidFill>
+                  <a:schemeClr val="tx1"/>
+                </a:solidFill>
+                <a:latin typeface="+mn-lt"/>
+                <a:ea typeface="+mn-ea"/>
+                <a:cs typeface="+mn-cs"/>
+              </a:defRPr>
+            </a:lvl9pPr>
+          </a:lstStyle>
+          <a:p>
+            <a:pPr marL="0" indent="0">
+              <a:buNone/>
+            </a:pPr>
+            <a:r>
+              <a:rPr lang="de-DE" sz="1600" b="1" dirty="0"/>
+              <a:t>Meilenstein 3:</a:t>
+            </a:r>
+            <a:endParaRPr lang="de-DE" sz="1600" dirty="0"/>
+          </a:p>
+          <a:p>
+            <a:pPr marL="0" indent="0">
+              <a:buNone/>
+            </a:pPr>
+            <a:r>
+              <a:rPr lang="de-DE" sz="1600" dirty="0"/>
+              <a:t>7. Feature-Katalog mit Beschreibung, Typ und Berechnungsmethode</a:t>
+            </a:r>
+          </a:p>
+          <a:p>
+            <a:pPr marL="0" indent="0">
+              <a:buNone/>
+            </a:pPr>
+            <a:r>
+              <a:rPr lang="de-DE" sz="1600" dirty="0"/>
+              <a:t>8. Modellübersicht (getestete Modelle inkl. Parameter)</a:t>
+            </a:r>
+          </a:p>
+          <a:p>
+            <a:pPr marL="0" indent="0">
+              <a:buNone/>
+            </a:pPr>
+            <a:r>
+              <a:rPr lang="de-DE" sz="1600" dirty="0"/>
+              <a:t>9. Bewertungsbericht (Precision, Recall, </a:t>
+            </a:r>
+            <a:r>
+              <a:rPr lang="de-DE" sz="1600" dirty="0" err="1"/>
+              <a:t>economic</a:t>
+            </a:r>
+            <a:r>
+              <a:rPr lang="de-DE" sz="1600" dirty="0"/>
+              <a:t> </a:t>
+            </a:r>
+            <a:r>
+              <a:rPr lang="de-DE" sz="1600" dirty="0" err="1"/>
+              <a:t>loss</a:t>
+            </a:r>
+            <a:r>
+              <a:rPr lang="de-DE" sz="1600" dirty="0"/>
+              <a:t>/</a:t>
+            </a:r>
+            <a:r>
+              <a:rPr lang="de-DE" sz="1600" dirty="0" err="1"/>
+              <a:t>gain</a:t>
+            </a:r>
+            <a:r>
+              <a:rPr lang="de-DE" sz="1600" dirty="0"/>
+              <a:t> etc.)</a:t>
+            </a:r>
+          </a:p>
+          <a:p>
+            <a:pPr marL="0" indent="0">
+              <a:buNone/>
+            </a:pPr>
+            <a:r>
+              <a:rPr lang="de-DE" sz="1600" dirty="0"/>
+              <a:t>10. Visualisierung der Modelllogik</a:t>
+            </a:r>
+          </a:p>
+          <a:p>
+            <a:pPr marL="0" indent="0">
+              <a:buNone/>
+            </a:pPr>
+            <a:r>
+              <a:rPr lang="de-DE" sz="1600" b="1" dirty="0"/>
+              <a:t>Meilenstein 4:</a:t>
+            </a:r>
+          </a:p>
+          <a:p>
+            <a:pPr marL="0" indent="0">
+              <a:buNone/>
+            </a:pPr>
+            <a:r>
+              <a:rPr lang="de-DE" sz="1600" dirty="0"/>
+              <a:t>11. REST-Schnittstelle</a:t>
+            </a:r>
+          </a:p>
+          <a:p>
+            <a:pPr marL="0" indent="0">
+              <a:buNone/>
+            </a:pPr>
+            <a:r>
+              <a:rPr lang="de-DE" sz="1600" dirty="0"/>
+              <a:t>12. Alle Programmskripte (Python)</a:t>
+            </a:r>
+          </a:p>
+          <a:p>
+            <a:pPr marL="0" indent="0">
+              <a:buNone/>
+            </a:pPr>
+            <a:r>
+              <a:rPr lang="de-DE" sz="1600" dirty="0"/>
+              <a:t>13. Dokumentation</a:t>
+            </a:r>
+          </a:p>
+          <a:p>
+            <a:pPr marL="0" indent="0">
+              <a:buNone/>
+            </a:pPr>
+            <a:endParaRPr lang="de-DE" b="1" dirty="0"/>
+          </a:p>
+          <a:p>
+            <a:pPr marL="0" indent="0">
+              <a:buFont typeface="Arial" panose="020B0604020202020204" pitchFamily="34" charset="0"/>
+              <a:buNone/>
+            </a:pPr>
+            <a:endParaRPr lang="de-DE" b="1" dirty="0"/>
+          </a:p>
+        </p:txBody>
+      </p:sp>
+    </p:spTree>
+    <p:extLst>
+      <p:ext uri="{BB962C8B-B14F-4D97-AF65-F5344CB8AC3E}">
+        <p14:creationId xmlns:p14="http://schemas.microsoft.com/office/powerpoint/2010/main" val="1671571954"/>
+      </p:ext>
+    </p:extLst>
+  </p:cSld>
+  <p:clrMapOvr>
+    <a:masterClrMapping/>
+  </p:clrMapOvr>
 </p:sld>
 </file>
 

--- a/präsentationen/Abschlusspräsentation_Entwurf.pptx
+++ b/präsentationen/Abschlusspräsentation_Entwurf.pptx
@@ -5,7 +5,7 @@
     <p:sldMasterId id="2147483660" r:id="rId1"/>
   </p:sldMasterIdLst>
   <p:notesMasterIdLst>
-    <p:notesMasterId r:id="rId81"/>
+    <p:notesMasterId r:id="rId80"/>
   </p:notesMasterIdLst>
   <p:sldIdLst>
     <p:sldId id="2582" r:id="rId2"/>
@@ -23,7 +23,7 @@
     <p:sldId id="2633" r:id="rId14"/>
     <p:sldId id="2710" r:id="rId15"/>
     <p:sldId id="2724" r:id="rId16"/>
-    <p:sldId id="2772" r:id="rId17"/>
+    <p:sldId id="2774" r:id="rId17"/>
     <p:sldId id="2773" r:id="rId18"/>
     <p:sldId id="2642" r:id="rId19"/>
     <p:sldId id="2627" r:id="rId20"/>
@@ -42,51 +42,50 @@
     <p:sldId id="2672" r:id="rId33"/>
     <p:sldId id="2670" r:id="rId34"/>
     <p:sldId id="261" r:id="rId35"/>
-    <p:sldId id="262" r:id="rId36"/>
-    <p:sldId id="264" r:id="rId37"/>
-    <p:sldId id="266" r:id="rId38"/>
-    <p:sldId id="268" r:id="rId39"/>
-    <p:sldId id="270" r:id="rId40"/>
-    <p:sldId id="2673" r:id="rId41"/>
-    <p:sldId id="2674" r:id="rId42"/>
-    <p:sldId id="2675" r:id="rId43"/>
-    <p:sldId id="2676" r:id="rId44"/>
-    <p:sldId id="2727" r:id="rId45"/>
-    <p:sldId id="2662" r:id="rId46"/>
-    <p:sldId id="2709" r:id="rId47"/>
-    <p:sldId id="2728" r:id="rId48"/>
-    <p:sldId id="2729" r:id="rId49"/>
-    <p:sldId id="2730" r:id="rId50"/>
-    <p:sldId id="2735" r:id="rId51"/>
-    <p:sldId id="2733" r:id="rId52"/>
-    <p:sldId id="2734" r:id="rId53"/>
-    <p:sldId id="2736" r:id="rId54"/>
-    <p:sldId id="2737" r:id="rId55"/>
-    <p:sldId id="2738" r:id="rId56"/>
-    <p:sldId id="2739" r:id="rId57"/>
-    <p:sldId id="2740" r:id="rId58"/>
-    <p:sldId id="2741" r:id="rId59"/>
-    <p:sldId id="2742" r:id="rId60"/>
-    <p:sldId id="2743" r:id="rId61"/>
-    <p:sldId id="2744" r:id="rId62"/>
-    <p:sldId id="2745" r:id="rId63"/>
-    <p:sldId id="2746" r:id="rId64"/>
-    <p:sldId id="2747" r:id="rId65"/>
-    <p:sldId id="2748" r:id="rId66"/>
-    <p:sldId id="2749" r:id="rId67"/>
-    <p:sldId id="2750" r:id="rId68"/>
-    <p:sldId id="2751" r:id="rId69"/>
-    <p:sldId id="2752" r:id="rId70"/>
-    <p:sldId id="2753" r:id="rId71"/>
-    <p:sldId id="2754" r:id="rId72"/>
-    <p:sldId id="2755" r:id="rId73"/>
-    <p:sldId id="2711" r:id="rId74"/>
-    <p:sldId id="2758" r:id="rId75"/>
-    <p:sldId id="2759" r:id="rId76"/>
-    <p:sldId id="2712" r:id="rId77"/>
-    <p:sldId id="2760" r:id="rId78"/>
-    <p:sldId id="2761" r:id="rId79"/>
-    <p:sldId id="2632" r:id="rId80"/>
+    <p:sldId id="264" r:id="rId36"/>
+    <p:sldId id="266" r:id="rId37"/>
+    <p:sldId id="268" r:id="rId38"/>
+    <p:sldId id="270" r:id="rId39"/>
+    <p:sldId id="2673" r:id="rId40"/>
+    <p:sldId id="2674" r:id="rId41"/>
+    <p:sldId id="2675" r:id="rId42"/>
+    <p:sldId id="2676" r:id="rId43"/>
+    <p:sldId id="2727" r:id="rId44"/>
+    <p:sldId id="2662" r:id="rId45"/>
+    <p:sldId id="2709" r:id="rId46"/>
+    <p:sldId id="2728" r:id="rId47"/>
+    <p:sldId id="2729" r:id="rId48"/>
+    <p:sldId id="2730" r:id="rId49"/>
+    <p:sldId id="2735" r:id="rId50"/>
+    <p:sldId id="2733" r:id="rId51"/>
+    <p:sldId id="2734" r:id="rId52"/>
+    <p:sldId id="2736" r:id="rId53"/>
+    <p:sldId id="2737" r:id="rId54"/>
+    <p:sldId id="2738" r:id="rId55"/>
+    <p:sldId id="2739" r:id="rId56"/>
+    <p:sldId id="2740" r:id="rId57"/>
+    <p:sldId id="2741" r:id="rId58"/>
+    <p:sldId id="2742" r:id="rId59"/>
+    <p:sldId id="2743" r:id="rId60"/>
+    <p:sldId id="2744" r:id="rId61"/>
+    <p:sldId id="2745" r:id="rId62"/>
+    <p:sldId id="2746" r:id="rId63"/>
+    <p:sldId id="2747" r:id="rId64"/>
+    <p:sldId id="2748" r:id="rId65"/>
+    <p:sldId id="2749" r:id="rId66"/>
+    <p:sldId id="2750" r:id="rId67"/>
+    <p:sldId id="2751" r:id="rId68"/>
+    <p:sldId id="2752" r:id="rId69"/>
+    <p:sldId id="2753" r:id="rId70"/>
+    <p:sldId id="2754" r:id="rId71"/>
+    <p:sldId id="2755" r:id="rId72"/>
+    <p:sldId id="2711" r:id="rId73"/>
+    <p:sldId id="2758" r:id="rId74"/>
+    <p:sldId id="2759" r:id="rId75"/>
+    <p:sldId id="2712" r:id="rId76"/>
+    <p:sldId id="2760" r:id="rId77"/>
+    <p:sldId id="2761" r:id="rId78"/>
+    <p:sldId id="2632" r:id="rId79"/>
   </p:sldIdLst>
   <p:sldSz cx="12192000" cy="6858000"/>
   <p:notesSz cx="6858000" cy="9144000"/>
@@ -205,7 +204,7 @@
             <p14:sldId id="2633"/>
             <p14:sldId id="2710"/>
             <p14:sldId id="2724"/>
-            <p14:sldId id="2772"/>
+            <p14:sldId id="2774"/>
             <p14:sldId id="2773"/>
             <p14:sldId id="2642"/>
             <p14:sldId id="2627"/>
@@ -224,7 +223,6 @@
             <p14:sldId id="2672"/>
             <p14:sldId id="2670"/>
             <p14:sldId id="261"/>
-            <p14:sldId id="262"/>
             <p14:sldId id="264"/>
             <p14:sldId id="266"/>
             <p14:sldId id="268"/>
@@ -369,7 +367,7 @@
           </a:lstStyle>
           <a:p>
             <a:fld id="{75BEE995-72F4-482A-B547-037217EEA661}" type="datetimeFigureOut">
-              <a:t>7/8/2025</a:t>
+              <a:t>09.07.2025</a:t>
             </a:fld>
             <a:endParaRPr lang="de-DE"/>
           </a:p>
@@ -526,7 +524,7 @@
           </a:lstStyle>
           <a:p>
             <a:fld id="{02432301-1260-4486-BD0B-BF02A47E29BB}" type="slidenum">
-              <a:t>‹#›</a:t>
+              <a:t>‹Nr.›</a:t>
             </a:fld>
             <a:endParaRPr lang="de-DE"/>
           </a:p>
@@ -1720,7 +1718,7 @@
       </p:grpSpPr>
       <p:sp>
         <p:nvSpPr>
-          <p:cNvPr id="800031963" name="Slide Image Placeholder 1"/>
+          <p:cNvPr id="1096741025" name="Slide Image Placeholder 1"/>
           <p:cNvSpPr>
             <a:spLocks noGrp="1" noRot="1" noChangeAspect="1"/>
           </p:cNvSpPr>
@@ -1732,7 +1730,7 @@
       </p:sp>
       <p:sp>
         <p:nvSpPr>
-          <p:cNvPr id="697860562" name="Notes Placeholder 2"/>
+          <p:cNvPr id="1242635208" name="Notes Placeholder 2"/>
           <p:cNvSpPr>
             <a:spLocks noGrp="1"/>
           </p:cNvSpPr>
@@ -1754,7 +1752,7 @@
       </p:sp>
       <p:sp>
         <p:nvSpPr>
-          <p:cNvPr id="1990806704" name="Slide Number Placeholder 3"/>
+          <p:cNvPr id="1167058418" name="Slide Number Placeholder 3"/>
           <p:cNvSpPr>
             <a:spLocks noGrp="1"/>
           </p:cNvSpPr>
@@ -1784,7 +1782,7 @@
               <a:tabLst/>
               <a:defRPr/>
             </a:pPr>
-            <a:fld id="{2BF21EF0-CA46-8329-535B-391C58F65535}" type="slidenum">
+            <a:fld id="{1883578D-D7EF-0EB1-67C7-597C86465D61}" type="slidenum">
               <a:rPr kumimoji="0" sz="1200" b="0" i="0" u="none" strike="noStrike" kern="0" cap="none" spc="0" normalizeH="0" baseline="0" noProof="0">
                 <a:ln>
                   <a:noFill/>
@@ -1860,7 +1858,7 @@
       </p:grpSpPr>
       <p:sp>
         <p:nvSpPr>
-          <p:cNvPr id="1096741025" name="Slide Image Placeholder 1"/>
+          <p:cNvPr id="1626074993" name="Slide Image Placeholder 1"/>
           <p:cNvSpPr>
             <a:spLocks noGrp="1" noRot="1" noChangeAspect="1"/>
           </p:cNvSpPr>
@@ -1872,7 +1870,7 @@
       </p:sp>
       <p:sp>
         <p:nvSpPr>
-          <p:cNvPr id="1242635208" name="Notes Placeholder 2"/>
+          <p:cNvPr id="293038540" name="Notes Placeholder 2"/>
           <p:cNvSpPr>
             <a:spLocks noGrp="1"/>
           </p:cNvSpPr>
@@ -1894,7 +1892,7 @@
       </p:sp>
       <p:sp>
         <p:nvSpPr>
-          <p:cNvPr id="1167058418" name="Slide Number Placeholder 3"/>
+          <p:cNvPr id="409317531" name="Slide Number Placeholder 3"/>
           <p:cNvSpPr>
             <a:spLocks noGrp="1"/>
           </p:cNvSpPr>
@@ -1924,7 +1922,7 @@
               <a:tabLst/>
               <a:defRPr/>
             </a:pPr>
-            <a:fld id="{1883578D-D7EF-0EB1-67C7-597C86465D61}" type="slidenum">
+            <a:fld id="{85EF197E-AB95-756F-8E75-FB17E1DD3C28}" type="slidenum">
               <a:rPr kumimoji="0" sz="1200" b="0" i="0" u="none" strike="noStrike" kern="0" cap="none" spc="0" normalizeH="0" baseline="0" noProof="0">
                 <a:ln>
                   <a:noFill/>
@@ -2000,7 +1998,7 @@
       </p:grpSpPr>
       <p:sp>
         <p:nvSpPr>
-          <p:cNvPr id="1626074993" name="Slide Image Placeholder 1"/>
+          <p:cNvPr id="250081555" name="Slide Image Placeholder 1"/>
           <p:cNvSpPr>
             <a:spLocks noGrp="1" noRot="1" noChangeAspect="1"/>
           </p:cNvSpPr>
@@ -2012,7 +2010,7 @@
       </p:sp>
       <p:sp>
         <p:nvSpPr>
-          <p:cNvPr id="293038540" name="Notes Placeholder 2"/>
+          <p:cNvPr id="1586636381" name="Notes Placeholder 2"/>
           <p:cNvSpPr>
             <a:spLocks noGrp="1"/>
           </p:cNvSpPr>
@@ -2034,7 +2032,7 @@
       </p:sp>
       <p:sp>
         <p:nvSpPr>
-          <p:cNvPr id="409317531" name="Slide Number Placeholder 3"/>
+          <p:cNvPr id="1083168503" name="Slide Number Placeholder 3"/>
           <p:cNvSpPr>
             <a:spLocks noGrp="1"/>
           </p:cNvSpPr>
@@ -2064,7 +2062,7 @@
               <a:tabLst/>
               <a:defRPr/>
             </a:pPr>
-            <a:fld id="{85EF197E-AB95-756F-8E75-FB17E1DD3C28}" type="slidenum">
+            <a:fld id="{23A23579-5306-9E1D-B92D-9EA1C4EFDDF6}" type="slidenum">
               <a:rPr kumimoji="0" sz="1200" b="0" i="0" u="none" strike="noStrike" kern="0" cap="none" spc="0" normalizeH="0" baseline="0" noProof="0">
                 <a:ln>
                   <a:noFill/>
@@ -2140,7 +2138,7 @@
       </p:grpSpPr>
       <p:sp>
         <p:nvSpPr>
-          <p:cNvPr id="250081555" name="Slide Image Placeholder 1"/>
+          <p:cNvPr id="395415193" name="Slide Image Placeholder 1"/>
           <p:cNvSpPr>
             <a:spLocks noGrp="1" noRot="1" noChangeAspect="1"/>
           </p:cNvSpPr>
@@ -2152,7 +2150,7 @@
       </p:sp>
       <p:sp>
         <p:nvSpPr>
-          <p:cNvPr id="1586636381" name="Notes Placeholder 2"/>
+          <p:cNvPr id="554188817" name="Notes Placeholder 2"/>
           <p:cNvSpPr>
             <a:spLocks noGrp="1"/>
           </p:cNvSpPr>
@@ -2174,7 +2172,7 @@
       </p:sp>
       <p:sp>
         <p:nvSpPr>
-          <p:cNvPr id="1083168503" name="Slide Number Placeholder 3"/>
+          <p:cNvPr id="996353675" name="Slide Number Placeholder 3"/>
           <p:cNvSpPr>
             <a:spLocks noGrp="1"/>
           </p:cNvSpPr>
@@ -2204,7 +2202,7 @@
               <a:tabLst/>
               <a:defRPr/>
             </a:pPr>
-            <a:fld id="{23A23579-5306-9E1D-B92D-9EA1C4EFDDF6}" type="slidenum">
+            <a:fld id="{7AFF9CA6-612E-85B1-3DD0-FE635821360F}" type="slidenum">
               <a:rPr kumimoji="0" sz="1200" b="0" i="0" u="none" strike="noStrike" kern="0" cap="none" spc="0" normalizeH="0" baseline="0" noProof="0">
                 <a:ln>
                   <a:noFill/>
@@ -2376,7 +2374,13 @@
   <p:cSld>
     <p:spTree>
       <p:nvGrpSpPr>
-        <p:cNvPr id="1" name=""/>
+        <p:cNvPr id="1" name="">
+          <a:extLst>
+            <a:ext uri="{FF2B5EF4-FFF2-40B4-BE49-F238E27FC236}">
+              <a16:creationId xmlns:a16="http://schemas.microsoft.com/office/drawing/2014/main" id="{04FB4A46-0DF5-3E79-7271-A42913B15DC9}"/>
+            </a:ext>
+          </a:extLst>
+        </p:cNvPr>
         <p:cNvGrpSpPr/>
         <p:nvPr/>
       </p:nvGrpSpPr>
@@ -2390,7 +2394,13 @@
       </p:grpSpPr>
       <p:sp>
         <p:nvSpPr>
-          <p:cNvPr id="395415193" name="Slide Image Placeholder 1"/>
+          <p:cNvPr id="139090186" name="Slide Image Placeholder 1">
+            <a:extLst>
+              <a:ext uri="{FF2B5EF4-FFF2-40B4-BE49-F238E27FC236}">
+                <a16:creationId xmlns:a16="http://schemas.microsoft.com/office/drawing/2014/main" id="{5E868098-70C3-F5BC-4578-CD69711284C5}"/>
+              </a:ext>
+            </a:extLst>
+          </p:cNvPr>
           <p:cNvSpPr>
             <a:spLocks noGrp="1" noRot="1" noChangeAspect="1"/>
           </p:cNvSpPr>
@@ -2402,7 +2412,13 @@
       </p:sp>
       <p:sp>
         <p:nvSpPr>
-          <p:cNvPr id="554188817" name="Notes Placeholder 2"/>
+          <p:cNvPr id="400293583" name="Notes Placeholder 2">
+            <a:extLst>
+              <a:ext uri="{FF2B5EF4-FFF2-40B4-BE49-F238E27FC236}">
+                <a16:creationId xmlns:a16="http://schemas.microsoft.com/office/drawing/2014/main" id="{4461A64D-04BB-BBC8-94C2-6AC684F3C477}"/>
+              </a:ext>
+            </a:extLst>
+          </p:cNvPr>
           <p:cNvSpPr>
             <a:spLocks noGrp="1"/>
           </p:cNvSpPr>
@@ -2424,7 +2440,13 @@
       </p:sp>
       <p:sp>
         <p:nvSpPr>
-          <p:cNvPr id="996353675" name="Slide Number Placeholder 3"/>
+          <p:cNvPr id="1257388043" name="Slide Number Placeholder 3">
+            <a:extLst>
+              <a:ext uri="{FF2B5EF4-FFF2-40B4-BE49-F238E27FC236}">
+                <a16:creationId xmlns:a16="http://schemas.microsoft.com/office/drawing/2014/main" id="{6A36CF41-EE57-A946-9545-B0ABE619C1B4}"/>
+              </a:ext>
+            </a:extLst>
+          </p:cNvPr>
           <p:cNvSpPr>
             <a:spLocks noGrp="1"/>
           </p:cNvSpPr>
@@ -2454,7 +2476,7 @@
               <a:tabLst/>
               <a:defRPr/>
             </a:pPr>
-            <a:fld id="{7AFF9CA6-612E-85B1-3DD0-FE635821360F}" type="slidenum">
+            <a:fld id="{20073075-213A-DC53-9B24-1C6EF3B6ADAB}" type="slidenum">
               <a:rPr kumimoji="0" sz="1200" b="0" i="0" u="none" strike="noStrike" kern="0" cap="none" spc="0" normalizeH="0" baseline="0" noProof="0">
                 <a:ln>
                   <a:noFill/>
@@ -2504,6 +2526,11 @@
         </p:txBody>
       </p:sp>
     </p:spTree>
+    <p:extLst>
+      <p:ext uri="{BB962C8B-B14F-4D97-AF65-F5344CB8AC3E}">
+        <p14:creationId xmlns:p14="http://schemas.microsoft.com/office/powerpoint/2010/main" val="3265835028"/>
+      </p:ext>
+    </p:extLst>
   </p:cSld>
   <p:clrMapOvr>
     <a:masterClrMapping/>
@@ -2519,7 +2546,7 @@
         <p:cNvPr id="1" name="">
           <a:extLst>
             <a:ext uri="{FF2B5EF4-FFF2-40B4-BE49-F238E27FC236}">
-              <a16:creationId xmlns:a16="http://schemas.microsoft.com/office/drawing/2014/main" id="{04FB4A46-0DF5-3E79-7271-A42913B15DC9}"/>
+              <a16:creationId xmlns:a16="http://schemas.microsoft.com/office/drawing/2014/main" id="{67C3011D-FD27-9E62-A3BF-A9ED2E09A533}"/>
             </a:ext>
           </a:extLst>
         </p:cNvPr>
@@ -2539,7 +2566,7 @@
           <p:cNvPr id="139090186" name="Slide Image Placeholder 1">
             <a:extLst>
               <a:ext uri="{FF2B5EF4-FFF2-40B4-BE49-F238E27FC236}">
-                <a16:creationId xmlns:a16="http://schemas.microsoft.com/office/drawing/2014/main" id="{5E868098-70C3-F5BC-4578-CD69711284C5}"/>
+                <a16:creationId xmlns:a16="http://schemas.microsoft.com/office/drawing/2014/main" id="{67FB106E-1E9C-4BBF-C8EE-8C6117003145}"/>
               </a:ext>
             </a:extLst>
           </p:cNvPr>
@@ -2557,7 +2584,7 @@
           <p:cNvPr id="400293583" name="Notes Placeholder 2">
             <a:extLst>
               <a:ext uri="{FF2B5EF4-FFF2-40B4-BE49-F238E27FC236}">
-                <a16:creationId xmlns:a16="http://schemas.microsoft.com/office/drawing/2014/main" id="{4461A64D-04BB-BBC8-94C2-6AC684F3C477}"/>
+                <a16:creationId xmlns:a16="http://schemas.microsoft.com/office/drawing/2014/main" id="{E213F4A1-9ED0-CC73-F4AF-9CECF744B804}"/>
               </a:ext>
             </a:extLst>
           </p:cNvPr>
@@ -2585,7 +2612,7 @@
           <p:cNvPr id="1257388043" name="Slide Number Placeholder 3">
             <a:extLst>
               <a:ext uri="{FF2B5EF4-FFF2-40B4-BE49-F238E27FC236}">
-                <a16:creationId xmlns:a16="http://schemas.microsoft.com/office/drawing/2014/main" id="{6A36CF41-EE57-A946-9545-B0ABE619C1B4}"/>
+                <a16:creationId xmlns:a16="http://schemas.microsoft.com/office/drawing/2014/main" id="{F188FE56-2E3E-8AF5-D501-22A92B030E00}"/>
               </a:ext>
             </a:extLst>
           </p:cNvPr>
@@ -2670,7 +2697,7 @@
     </p:spTree>
     <p:extLst>
       <p:ext uri="{BB962C8B-B14F-4D97-AF65-F5344CB8AC3E}">
-        <p14:creationId xmlns:p14="http://schemas.microsoft.com/office/powerpoint/2010/main" val="3265835028"/>
+        <p14:creationId xmlns:p14="http://schemas.microsoft.com/office/powerpoint/2010/main" val="2325161535"/>
       </p:ext>
     </p:extLst>
   </p:cSld>
@@ -2688,7 +2715,7 @@
         <p:cNvPr id="1" name="">
           <a:extLst>
             <a:ext uri="{FF2B5EF4-FFF2-40B4-BE49-F238E27FC236}">
-              <a16:creationId xmlns:a16="http://schemas.microsoft.com/office/drawing/2014/main" id="{67C3011D-FD27-9E62-A3BF-A9ED2E09A533}"/>
+              <a16:creationId xmlns:a16="http://schemas.microsoft.com/office/drawing/2014/main" id="{BE17D6BD-3906-1B99-845A-AC3E23D40315}"/>
             </a:ext>
           </a:extLst>
         </p:cNvPr>
@@ -2708,7 +2735,7 @@
           <p:cNvPr id="139090186" name="Slide Image Placeholder 1">
             <a:extLst>
               <a:ext uri="{FF2B5EF4-FFF2-40B4-BE49-F238E27FC236}">
-                <a16:creationId xmlns:a16="http://schemas.microsoft.com/office/drawing/2014/main" id="{67FB106E-1E9C-4BBF-C8EE-8C6117003145}"/>
+                <a16:creationId xmlns:a16="http://schemas.microsoft.com/office/drawing/2014/main" id="{E086599A-0AD8-0A8A-12D2-715AF485E9FE}"/>
               </a:ext>
             </a:extLst>
           </p:cNvPr>
@@ -2726,7 +2753,7 @@
           <p:cNvPr id="400293583" name="Notes Placeholder 2">
             <a:extLst>
               <a:ext uri="{FF2B5EF4-FFF2-40B4-BE49-F238E27FC236}">
-                <a16:creationId xmlns:a16="http://schemas.microsoft.com/office/drawing/2014/main" id="{E213F4A1-9ED0-CC73-F4AF-9CECF744B804}"/>
+                <a16:creationId xmlns:a16="http://schemas.microsoft.com/office/drawing/2014/main" id="{8E352483-FCB4-61D3-79E9-C0D098B900A5}"/>
               </a:ext>
             </a:extLst>
           </p:cNvPr>
@@ -2754,7 +2781,7 @@
           <p:cNvPr id="1257388043" name="Slide Number Placeholder 3">
             <a:extLst>
               <a:ext uri="{FF2B5EF4-FFF2-40B4-BE49-F238E27FC236}">
-                <a16:creationId xmlns:a16="http://schemas.microsoft.com/office/drawing/2014/main" id="{F188FE56-2E3E-8AF5-D501-22A92B030E00}"/>
+                <a16:creationId xmlns:a16="http://schemas.microsoft.com/office/drawing/2014/main" id="{D2A43257-15C4-F4D1-F9C9-5BCAF8CB4E46}"/>
               </a:ext>
             </a:extLst>
           </p:cNvPr>
@@ -2839,7 +2866,7 @@
     </p:spTree>
     <p:extLst>
       <p:ext uri="{BB962C8B-B14F-4D97-AF65-F5344CB8AC3E}">
-        <p14:creationId xmlns:p14="http://schemas.microsoft.com/office/powerpoint/2010/main" val="2325161535"/>
+        <p14:creationId xmlns:p14="http://schemas.microsoft.com/office/powerpoint/2010/main" val="1205264617"/>
       </p:ext>
     </p:extLst>
   </p:cSld>
@@ -2857,7 +2884,7 @@
         <p:cNvPr id="1" name="">
           <a:extLst>
             <a:ext uri="{FF2B5EF4-FFF2-40B4-BE49-F238E27FC236}">
-              <a16:creationId xmlns:a16="http://schemas.microsoft.com/office/drawing/2014/main" id="{BE17D6BD-3906-1B99-845A-AC3E23D40315}"/>
+              <a16:creationId xmlns:a16="http://schemas.microsoft.com/office/drawing/2014/main" id="{89E9AEC5-143A-2C86-D740-9AEC8D0CB2F4}"/>
             </a:ext>
           </a:extLst>
         </p:cNvPr>
@@ -2877,7 +2904,7 @@
           <p:cNvPr id="139090186" name="Slide Image Placeholder 1">
             <a:extLst>
               <a:ext uri="{FF2B5EF4-FFF2-40B4-BE49-F238E27FC236}">
-                <a16:creationId xmlns:a16="http://schemas.microsoft.com/office/drawing/2014/main" id="{E086599A-0AD8-0A8A-12D2-715AF485E9FE}"/>
+                <a16:creationId xmlns:a16="http://schemas.microsoft.com/office/drawing/2014/main" id="{27F5057E-8761-3934-C7C0-704E5DE21DCF}"/>
               </a:ext>
             </a:extLst>
           </p:cNvPr>
@@ -2895,7 +2922,7 @@
           <p:cNvPr id="400293583" name="Notes Placeholder 2">
             <a:extLst>
               <a:ext uri="{FF2B5EF4-FFF2-40B4-BE49-F238E27FC236}">
-                <a16:creationId xmlns:a16="http://schemas.microsoft.com/office/drawing/2014/main" id="{8E352483-FCB4-61D3-79E9-C0D098B900A5}"/>
+                <a16:creationId xmlns:a16="http://schemas.microsoft.com/office/drawing/2014/main" id="{EF4E6EDF-863C-9E03-D57B-7ABA940F87C9}"/>
               </a:ext>
             </a:extLst>
           </p:cNvPr>
@@ -2923,7 +2950,7 @@
           <p:cNvPr id="1257388043" name="Slide Number Placeholder 3">
             <a:extLst>
               <a:ext uri="{FF2B5EF4-FFF2-40B4-BE49-F238E27FC236}">
-                <a16:creationId xmlns:a16="http://schemas.microsoft.com/office/drawing/2014/main" id="{D2A43257-15C4-F4D1-F9C9-5BCAF8CB4E46}"/>
+                <a16:creationId xmlns:a16="http://schemas.microsoft.com/office/drawing/2014/main" id="{BD22D321-9FD1-4EA5-9181-C87EBD9B78E0}"/>
               </a:ext>
             </a:extLst>
           </p:cNvPr>
@@ -3008,7 +3035,7 @@
     </p:spTree>
     <p:extLst>
       <p:ext uri="{BB962C8B-B14F-4D97-AF65-F5344CB8AC3E}">
-        <p14:creationId xmlns:p14="http://schemas.microsoft.com/office/powerpoint/2010/main" val="1205264617"/>
+        <p14:creationId xmlns:p14="http://schemas.microsoft.com/office/powerpoint/2010/main" val="1034013142"/>
       </p:ext>
     </p:extLst>
   </p:cSld>
@@ -3026,10 +3053,114 @@
         <p:cNvPr id="1" name="">
           <a:extLst>
             <a:ext uri="{FF2B5EF4-FFF2-40B4-BE49-F238E27FC236}">
-              <a16:creationId xmlns:a16="http://schemas.microsoft.com/office/drawing/2014/main" id="{89E9AEC5-143A-2C86-D740-9AEC8D0CB2F4}"/>
+              <a16:creationId xmlns:a16="http://schemas.microsoft.com/office/drawing/2014/main" id="{048E5571-9C06-3D9D-0B72-0FB166818A19}"/>
             </a:ext>
           </a:extLst>
         </p:cNvPr>
+        <p:cNvGrpSpPr/>
+        <p:nvPr/>
+      </p:nvGrpSpPr>
+      <p:grpSpPr>
+        <a:xfrm>
+          <a:off x="0" y="0"/>
+          <a:ext cx="0" cy="0"/>
+          <a:chOff x="0" y="0"/>
+          <a:chExt cx="0" cy="0"/>
+        </a:xfrm>
+      </p:grpSpPr>
+      <p:sp>
+        <p:nvSpPr>
+          <p:cNvPr id="2" name="Folienbildplatzhalter 1">
+            <a:extLst>
+              <a:ext uri="{FF2B5EF4-FFF2-40B4-BE49-F238E27FC236}">
+                <a16:creationId xmlns:a16="http://schemas.microsoft.com/office/drawing/2014/main" id="{56E55147-4CC9-4AE6-0084-06F35D3E910C}"/>
+              </a:ext>
+            </a:extLst>
+          </p:cNvPr>
+          <p:cNvSpPr>
+            <a:spLocks noGrp="1" noRot="1" noChangeAspect="1"/>
+          </p:cNvSpPr>
+          <p:nvPr>
+            <p:ph type="sldImg"/>
+          </p:nvPr>
+        </p:nvSpPr>
+        <p:spPr/>
+      </p:sp>
+      <p:sp>
+        <p:nvSpPr>
+          <p:cNvPr id="3" name="Notizenplatzhalter 2">
+            <a:extLst>
+              <a:ext uri="{FF2B5EF4-FFF2-40B4-BE49-F238E27FC236}">
+                <a16:creationId xmlns:a16="http://schemas.microsoft.com/office/drawing/2014/main" id="{9F5A9C58-9585-D677-E106-DC71C9C821FD}"/>
+              </a:ext>
+            </a:extLst>
+          </p:cNvPr>
+          <p:cNvSpPr>
+            <a:spLocks noGrp="1"/>
+          </p:cNvSpPr>
+          <p:nvPr>
+            <p:ph type="body" idx="1"/>
+          </p:nvPr>
+        </p:nvSpPr>
+        <p:spPr/>
+        <p:txBody>
+          <a:bodyPr/>
+          <a:lstStyle/>
+          <a:p>
+            <a:r>
+              <a:rPr lang="de-DE"/>
+              <a:t>Hier beginnen wir mit dem Hintergrund und der Motivation für unser Projekt. Wir geben einen Überblick über die Einzelhandelsbranche und erläutern die Zielsetzung unseres Data Science Projekts, um Prozesse zu optimieren und die Effizienz zu steigern.</a:t>
+            </a:r>
+          </a:p>
+        </p:txBody>
+      </p:sp>
+      <p:sp>
+        <p:nvSpPr>
+          <p:cNvPr id="4" name="Foliennummernplatzhalter 3">
+            <a:extLst>
+              <a:ext uri="{FF2B5EF4-FFF2-40B4-BE49-F238E27FC236}">
+                <a16:creationId xmlns:a16="http://schemas.microsoft.com/office/drawing/2014/main" id="{6848A3CD-E8AC-36DF-8026-29EFCC74EF16}"/>
+              </a:ext>
+            </a:extLst>
+          </p:cNvPr>
+          <p:cNvSpPr>
+            <a:spLocks noGrp="1"/>
+          </p:cNvSpPr>
+          <p:nvPr>
+            <p:ph type="sldNum" sz="quarter" idx="5"/>
+          </p:nvPr>
+        </p:nvSpPr>
+        <p:spPr/>
+        <p:txBody>
+          <a:bodyPr/>
+          <a:lstStyle/>
+          <a:p>
+            <a:fld id="{8C36BA74-7AA1-48ED-B9BC-0F570D47A936}" type="slidenum">
+              <a:t>45</a:t>
+            </a:fld>
+            <a:endParaRPr lang="de-DE"/>
+          </a:p>
+        </p:txBody>
+      </p:sp>
+    </p:spTree>
+    <p:extLst>
+      <p:ext uri="{BB962C8B-B14F-4D97-AF65-F5344CB8AC3E}">
+        <p14:creationId xmlns:p14="http://schemas.microsoft.com/office/powerpoint/2010/main" val="4232742151"/>
+      </p:ext>
+    </p:extLst>
+  </p:cSld>
+  <p:clrMapOvr>
+    <a:masterClrMapping/>
+  </p:clrMapOvr>
+</p:notes>
+</file>
+
+<file path=ppt/notesSlides/notesSlide25.xml><?xml version="1.0" encoding="utf-8"?>
+<p:notes xmlns:a="http://schemas.openxmlformats.org/drawingml/2006/main" xmlns:r="http://schemas.openxmlformats.org/officeDocument/2006/relationships" xmlns:p="http://schemas.openxmlformats.org/presentationml/2006/main">
+  <p:cSld>
+    <p:spTree>
+      <p:nvGrpSpPr>
+        <p:cNvPr id="1" name=""/>
         <p:cNvGrpSpPr/>
         <p:nvPr/>
       </p:nvGrpSpPr>
@@ -3043,13 +3174,7 @@
       </p:grpSpPr>
       <p:sp>
         <p:nvSpPr>
-          <p:cNvPr id="139090186" name="Slide Image Placeholder 1">
-            <a:extLst>
-              <a:ext uri="{FF2B5EF4-FFF2-40B4-BE49-F238E27FC236}">
-                <a16:creationId xmlns:a16="http://schemas.microsoft.com/office/drawing/2014/main" id="{27F5057E-8761-3934-C7C0-704E5DE21DCF}"/>
-              </a:ext>
-            </a:extLst>
-          </p:cNvPr>
+          <p:cNvPr id="1330014680" name="Slide Image Placeholder 1"/>
           <p:cNvSpPr>
             <a:spLocks noGrp="1" noRot="1" noChangeAspect="1"/>
           </p:cNvSpPr>
@@ -3061,13 +3186,7 @@
       </p:sp>
       <p:sp>
         <p:nvSpPr>
-          <p:cNvPr id="400293583" name="Notes Placeholder 2">
-            <a:extLst>
-              <a:ext uri="{FF2B5EF4-FFF2-40B4-BE49-F238E27FC236}">
-                <a16:creationId xmlns:a16="http://schemas.microsoft.com/office/drawing/2014/main" id="{EF4E6EDF-863C-9E03-D57B-7ABA940F87C9}"/>
-              </a:ext>
-            </a:extLst>
-          </p:cNvPr>
+          <p:cNvPr id="1330354815" name="Notes Placeholder 2"/>
           <p:cNvSpPr>
             <a:spLocks noGrp="1"/>
           </p:cNvSpPr>
@@ -3089,13 +3208,7 @@
       </p:sp>
       <p:sp>
         <p:nvSpPr>
-          <p:cNvPr id="1257388043" name="Slide Number Placeholder 3">
-            <a:extLst>
-              <a:ext uri="{FF2B5EF4-FFF2-40B4-BE49-F238E27FC236}">
-                <a16:creationId xmlns:a16="http://schemas.microsoft.com/office/drawing/2014/main" id="{BD22D321-9FD1-4EA5-9181-C87EBD9B78E0}"/>
-              </a:ext>
-            </a:extLst>
-          </p:cNvPr>
+          <p:cNvPr id="1667253447" name="Slide Number Placeholder 3"/>
           <p:cNvSpPr>
             <a:spLocks noGrp="1"/>
           </p:cNvSpPr>
@@ -3125,7 +3238,7 @@
               <a:tabLst/>
               <a:defRPr/>
             </a:pPr>
-            <a:fld id="{20073075-213A-DC53-9B24-1C6EF3B6ADAB}" type="slidenum">
+            <a:fld id="{37F1F184-79D2-F4EC-467F-CF3EF60FA136}" type="slidenum">
               <a:rPr kumimoji="0" sz="1200" b="0" i="0" u="none" strike="noStrike" kern="0" cap="none" spc="0" normalizeH="0" baseline="0" noProof="0">
                 <a:ln>
                   <a:noFill/>
@@ -3156,7 +3269,7 @@
                 <a:tabLst/>
                 <a:defRPr/>
               </a:pPr>
-              <a:t>43</a:t>
+              <a:t>54</a:t>
             </a:fld>
             <a:endParaRPr kumimoji="0" sz="1200" b="0" i="0" u="none" strike="noStrike" kern="0" cap="none" spc="0" normalizeH="0" baseline="0" noProof="0">
               <a:ln>
@@ -3175,121 +3288,6 @@
         </p:txBody>
       </p:sp>
     </p:spTree>
-    <p:extLst>
-      <p:ext uri="{BB962C8B-B14F-4D97-AF65-F5344CB8AC3E}">
-        <p14:creationId xmlns:p14="http://schemas.microsoft.com/office/powerpoint/2010/main" val="1034013142"/>
-      </p:ext>
-    </p:extLst>
-  </p:cSld>
-  <p:clrMapOvr>
-    <a:masterClrMapping/>
-  </p:clrMapOvr>
-</p:notes>
-</file>
-
-<file path=ppt/notesSlides/notesSlide25.xml><?xml version="1.0" encoding="utf-8"?>
-<p:notes xmlns:a="http://schemas.openxmlformats.org/drawingml/2006/main" xmlns:r="http://schemas.openxmlformats.org/officeDocument/2006/relationships" xmlns:p="http://schemas.openxmlformats.org/presentationml/2006/main">
-  <p:cSld>
-    <p:spTree>
-      <p:nvGrpSpPr>
-        <p:cNvPr id="1" name="">
-          <a:extLst>
-            <a:ext uri="{FF2B5EF4-FFF2-40B4-BE49-F238E27FC236}">
-              <a16:creationId xmlns:a16="http://schemas.microsoft.com/office/drawing/2014/main" id="{048E5571-9C06-3D9D-0B72-0FB166818A19}"/>
-            </a:ext>
-          </a:extLst>
-        </p:cNvPr>
-        <p:cNvGrpSpPr/>
-        <p:nvPr/>
-      </p:nvGrpSpPr>
-      <p:grpSpPr>
-        <a:xfrm>
-          <a:off x="0" y="0"/>
-          <a:ext cx="0" cy="0"/>
-          <a:chOff x="0" y="0"/>
-          <a:chExt cx="0" cy="0"/>
-        </a:xfrm>
-      </p:grpSpPr>
-      <p:sp>
-        <p:nvSpPr>
-          <p:cNvPr id="2" name="Folienbildplatzhalter 1">
-            <a:extLst>
-              <a:ext uri="{FF2B5EF4-FFF2-40B4-BE49-F238E27FC236}">
-                <a16:creationId xmlns:a16="http://schemas.microsoft.com/office/drawing/2014/main" id="{56E55147-4CC9-4AE6-0084-06F35D3E910C}"/>
-              </a:ext>
-            </a:extLst>
-          </p:cNvPr>
-          <p:cNvSpPr>
-            <a:spLocks noGrp="1" noRot="1" noChangeAspect="1"/>
-          </p:cNvSpPr>
-          <p:nvPr>
-            <p:ph type="sldImg"/>
-          </p:nvPr>
-        </p:nvSpPr>
-        <p:spPr/>
-      </p:sp>
-      <p:sp>
-        <p:nvSpPr>
-          <p:cNvPr id="3" name="Notizenplatzhalter 2">
-            <a:extLst>
-              <a:ext uri="{FF2B5EF4-FFF2-40B4-BE49-F238E27FC236}">
-                <a16:creationId xmlns:a16="http://schemas.microsoft.com/office/drawing/2014/main" id="{9F5A9C58-9585-D677-E106-DC71C9C821FD}"/>
-              </a:ext>
-            </a:extLst>
-          </p:cNvPr>
-          <p:cNvSpPr>
-            <a:spLocks noGrp="1"/>
-          </p:cNvSpPr>
-          <p:nvPr>
-            <p:ph type="body" idx="1"/>
-          </p:nvPr>
-        </p:nvSpPr>
-        <p:spPr/>
-        <p:txBody>
-          <a:bodyPr/>
-          <a:lstStyle/>
-          <a:p>
-            <a:r>
-              <a:rPr lang="de-DE"/>
-              <a:t>Hier beginnen wir mit dem Hintergrund und der Motivation für unser Projekt. Wir geben einen Überblick über die Einzelhandelsbranche und erläutern die Zielsetzung unseres Data Science Projekts, um Prozesse zu optimieren und die Effizienz zu steigern.</a:t>
-            </a:r>
-          </a:p>
-        </p:txBody>
-      </p:sp>
-      <p:sp>
-        <p:nvSpPr>
-          <p:cNvPr id="4" name="Foliennummernplatzhalter 3">
-            <a:extLst>
-              <a:ext uri="{FF2B5EF4-FFF2-40B4-BE49-F238E27FC236}">
-                <a16:creationId xmlns:a16="http://schemas.microsoft.com/office/drawing/2014/main" id="{6848A3CD-E8AC-36DF-8026-29EFCC74EF16}"/>
-              </a:ext>
-            </a:extLst>
-          </p:cNvPr>
-          <p:cNvSpPr>
-            <a:spLocks noGrp="1"/>
-          </p:cNvSpPr>
-          <p:nvPr>
-            <p:ph type="sldNum" sz="quarter" idx="5"/>
-          </p:nvPr>
-        </p:nvSpPr>
-        <p:spPr/>
-        <p:txBody>
-          <a:bodyPr/>
-          <a:lstStyle/>
-          <a:p>
-            <a:fld id="{8C36BA74-7AA1-48ED-B9BC-0F570D47A936}" type="slidenum">
-              <a:t>46</a:t>
-            </a:fld>
-            <a:endParaRPr lang="de-DE"/>
-          </a:p>
-        </p:txBody>
-      </p:sp>
-    </p:spTree>
-    <p:extLst>
-      <p:ext uri="{BB962C8B-B14F-4D97-AF65-F5344CB8AC3E}">
-        <p14:creationId xmlns:p14="http://schemas.microsoft.com/office/powerpoint/2010/main" val="4232742151"/>
-      </p:ext>
-    </p:extLst>
   </p:cSld>
   <p:clrMapOvr>
     <a:masterClrMapping/>
@@ -3302,7 +3300,13 @@
   <p:cSld>
     <p:spTree>
       <p:nvGrpSpPr>
-        <p:cNvPr id="1" name=""/>
+        <p:cNvPr id="1" name="">
+          <a:extLst>
+            <a:ext uri="{FF2B5EF4-FFF2-40B4-BE49-F238E27FC236}">
+              <a16:creationId xmlns:a16="http://schemas.microsoft.com/office/drawing/2014/main" id="{789B3700-FB22-8ADE-F033-554F027A05E8}"/>
+            </a:ext>
+          </a:extLst>
+        </p:cNvPr>
         <p:cNvGrpSpPr/>
         <p:nvPr/>
       </p:nvGrpSpPr>
@@ -3316,7 +3320,13 @@
       </p:grpSpPr>
       <p:sp>
         <p:nvSpPr>
-          <p:cNvPr id="1330014680" name="Slide Image Placeholder 1"/>
+          <p:cNvPr id="1330014680" name="Slide Image Placeholder 1">
+            <a:extLst>
+              <a:ext uri="{FF2B5EF4-FFF2-40B4-BE49-F238E27FC236}">
+                <a16:creationId xmlns:a16="http://schemas.microsoft.com/office/drawing/2014/main" id="{3F736781-1889-BC5C-FB5F-F94DE5F74C59}"/>
+              </a:ext>
+            </a:extLst>
+          </p:cNvPr>
           <p:cNvSpPr>
             <a:spLocks noGrp="1" noRot="1" noChangeAspect="1"/>
           </p:cNvSpPr>
@@ -3328,7 +3338,13 @@
       </p:sp>
       <p:sp>
         <p:nvSpPr>
-          <p:cNvPr id="1330354815" name="Notes Placeholder 2"/>
+          <p:cNvPr id="1330354815" name="Notes Placeholder 2">
+            <a:extLst>
+              <a:ext uri="{FF2B5EF4-FFF2-40B4-BE49-F238E27FC236}">
+                <a16:creationId xmlns:a16="http://schemas.microsoft.com/office/drawing/2014/main" id="{FF20F60D-7F26-D4A8-74FD-54D044479092}"/>
+              </a:ext>
+            </a:extLst>
+          </p:cNvPr>
           <p:cNvSpPr>
             <a:spLocks noGrp="1"/>
           </p:cNvSpPr>
@@ -3350,7 +3366,13 @@
       </p:sp>
       <p:sp>
         <p:nvSpPr>
-          <p:cNvPr id="1667253447" name="Slide Number Placeholder 3"/>
+          <p:cNvPr id="1667253447" name="Slide Number Placeholder 3">
+            <a:extLst>
+              <a:ext uri="{FF2B5EF4-FFF2-40B4-BE49-F238E27FC236}">
+                <a16:creationId xmlns:a16="http://schemas.microsoft.com/office/drawing/2014/main" id="{FE15B35D-2E42-4F29-CE1E-E7107BA388F4}"/>
+              </a:ext>
+            </a:extLst>
+          </p:cNvPr>
           <p:cNvSpPr>
             <a:spLocks noGrp="1"/>
           </p:cNvSpPr>
@@ -3430,6 +3452,11 @@
         </p:txBody>
       </p:sp>
     </p:spTree>
+    <p:extLst>
+      <p:ext uri="{BB962C8B-B14F-4D97-AF65-F5344CB8AC3E}">
+        <p14:creationId xmlns:p14="http://schemas.microsoft.com/office/powerpoint/2010/main" val="237478640"/>
+      </p:ext>
+    </p:extLst>
   </p:cSld>
   <p:clrMapOvr>
     <a:masterClrMapping/>
@@ -3445,7 +3472,7 @@
         <p:cNvPr id="1" name="">
           <a:extLst>
             <a:ext uri="{FF2B5EF4-FFF2-40B4-BE49-F238E27FC236}">
-              <a16:creationId xmlns:a16="http://schemas.microsoft.com/office/drawing/2014/main" id="{789B3700-FB22-8ADE-F033-554F027A05E8}"/>
+              <a16:creationId xmlns:a16="http://schemas.microsoft.com/office/drawing/2014/main" id="{5FBB5073-8EAD-4DFA-A13D-BA454D6B5EC9}"/>
             </a:ext>
           </a:extLst>
         </p:cNvPr>
@@ -3465,7 +3492,7 @@
           <p:cNvPr id="1330014680" name="Slide Image Placeholder 1">
             <a:extLst>
               <a:ext uri="{FF2B5EF4-FFF2-40B4-BE49-F238E27FC236}">
-                <a16:creationId xmlns:a16="http://schemas.microsoft.com/office/drawing/2014/main" id="{3F736781-1889-BC5C-FB5F-F94DE5F74C59}"/>
+                <a16:creationId xmlns:a16="http://schemas.microsoft.com/office/drawing/2014/main" id="{0F3AAEC4-0330-20A6-7B90-AA189194E4A8}"/>
               </a:ext>
             </a:extLst>
           </p:cNvPr>
@@ -3483,7 +3510,7 @@
           <p:cNvPr id="1330354815" name="Notes Placeholder 2">
             <a:extLst>
               <a:ext uri="{FF2B5EF4-FFF2-40B4-BE49-F238E27FC236}">
-                <a16:creationId xmlns:a16="http://schemas.microsoft.com/office/drawing/2014/main" id="{FF20F60D-7F26-D4A8-74FD-54D044479092}"/>
+                <a16:creationId xmlns:a16="http://schemas.microsoft.com/office/drawing/2014/main" id="{7DD02D89-D38A-E02C-40B2-674E42F84C54}"/>
               </a:ext>
             </a:extLst>
           </p:cNvPr>
@@ -3511,7 +3538,7 @@
           <p:cNvPr id="1667253447" name="Slide Number Placeholder 3">
             <a:extLst>
               <a:ext uri="{FF2B5EF4-FFF2-40B4-BE49-F238E27FC236}">
-                <a16:creationId xmlns:a16="http://schemas.microsoft.com/office/drawing/2014/main" id="{FE15B35D-2E42-4F29-CE1E-E7107BA388F4}"/>
+                <a16:creationId xmlns:a16="http://schemas.microsoft.com/office/drawing/2014/main" id="{07874E8D-BFD4-4A81-8379-BB3DD1B4FCE8}"/>
               </a:ext>
             </a:extLst>
           </p:cNvPr>
@@ -3596,7 +3623,7 @@
     </p:spTree>
     <p:extLst>
       <p:ext uri="{BB962C8B-B14F-4D97-AF65-F5344CB8AC3E}">
-        <p14:creationId xmlns:p14="http://schemas.microsoft.com/office/powerpoint/2010/main" val="237478640"/>
+        <p14:creationId xmlns:p14="http://schemas.microsoft.com/office/powerpoint/2010/main" val="1128678057"/>
       </p:ext>
     </p:extLst>
   </p:cSld>
@@ -3614,7 +3641,7 @@
         <p:cNvPr id="1" name="">
           <a:extLst>
             <a:ext uri="{FF2B5EF4-FFF2-40B4-BE49-F238E27FC236}">
-              <a16:creationId xmlns:a16="http://schemas.microsoft.com/office/drawing/2014/main" id="{5FBB5073-8EAD-4DFA-A13D-BA454D6B5EC9}"/>
+              <a16:creationId xmlns:a16="http://schemas.microsoft.com/office/drawing/2014/main" id="{FA592738-03C1-03C9-8025-30BDA45C610D}"/>
             </a:ext>
           </a:extLst>
         </p:cNvPr>
@@ -3634,7 +3661,7 @@
           <p:cNvPr id="1330014680" name="Slide Image Placeholder 1">
             <a:extLst>
               <a:ext uri="{FF2B5EF4-FFF2-40B4-BE49-F238E27FC236}">
-                <a16:creationId xmlns:a16="http://schemas.microsoft.com/office/drawing/2014/main" id="{0F3AAEC4-0330-20A6-7B90-AA189194E4A8}"/>
+                <a16:creationId xmlns:a16="http://schemas.microsoft.com/office/drawing/2014/main" id="{2EE1E529-DC86-D3B6-49A0-2D65FA11F5A0}"/>
               </a:ext>
             </a:extLst>
           </p:cNvPr>
@@ -3652,7 +3679,7 @@
           <p:cNvPr id="1330354815" name="Notes Placeholder 2">
             <a:extLst>
               <a:ext uri="{FF2B5EF4-FFF2-40B4-BE49-F238E27FC236}">
-                <a16:creationId xmlns:a16="http://schemas.microsoft.com/office/drawing/2014/main" id="{7DD02D89-D38A-E02C-40B2-674E42F84C54}"/>
+                <a16:creationId xmlns:a16="http://schemas.microsoft.com/office/drawing/2014/main" id="{17574C73-F3BE-B80D-02C9-271B05D4D288}"/>
               </a:ext>
             </a:extLst>
           </p:cNvPr>
@@ -3680,7 +3707,7 @@
           <p:cNvPr id="1667253447" name="Slide Number Placeholder 3">
             <a:extLst>
               <a:ext uri="{FF2B5EF4-FFF2-40B4-BE49-F238E27FC236}">
-                <a16:creationId xmlns:a16="http://schemas.microsoft.com/office/drawing/2014/main" id="{07874E8D-BFD4-4A81-8379-BB3DD1B4FCE8}"/>
+                <a16:creationId xmlns:a16="http://schemas.microsoft.com/office/drawing/2014/main" id="{8FB20F0B-AB34-14B8-4963-85EFB34A9B42}"/>
               </a:ext>
             </a:extLst>
           </p:cNvPr>
@@ -3765,7 +3792,7 @@
     </p:spTree>
     <p:extLst>
       <p:ext uri="{BB962C8B-B14F-4D97-AF65-F5344CB8AC3E}">
-        <p14:creationId xmlns:p14="http://schemas.microsoft.com/office/powerpoint/2010/main" val="1128678057"/>
+        <p14:creationId xmlns:p14="http://schemas.microsoft.com/office/powerpoint/2010/main" val="3902437308"/>
       </p:ext>
     </p:extLst>
   </p:cSld>
@@ -3783,7 +3810,7 @@
         <p:cNvPr id="1" name="">
           <a:extLst>
             <a:ext uri="{FF2B5EF4-FFF2-40B4-BE49-F238E27FC236}">
-              <a16:creationId xmlns:a16="http://schemas.microsoft.com/office/drawing/2014/main" id="{FA592738-03C1-03C9-8025-30BDA45C610D}"/>
+              <a16:creationId xmlns:a16="http://schemas.microsoft.com/office/drawing/2014/main" id="{BD5F7901-49F7-F12B-FFA5-DDF2CF4C64DE}"/>
             </a:ext>
           </a:extLst>
         </p:cNvPr>
@@ -3803,7 +3830,7 @@
           <p:cNvPr id="1330014680" name="Slide Image Placeholder 1">
             <a:extLst>
               <a:ext uri="{FF2B5EF4-FFF2-40B4-BE49-F238E27FC236}">
-                <a16:creationId xmlns:a16="http://schemas.microsoft.com/office/drawing/2014/main" id="{2EE1E529-DC86-D3B6-49A0-2D65FA11F5A0}"/>
+                <a16:creationId xmlns:a16="http://schemas.microsoft.com/office/drawing/2014/main" id="{1A0931BC-1901-D7B8-7B73-9665A5A74878}"/>
               </a:ext>
             </a:extLst>
           </p:cNvPr>
@@ -3821,7 +3848,7 @@
           <p:cNvPr id="1330354815" name="Notes Placeholder 2">
             <a:extLst>
               <a:ext uri="{FF2B5EF4-FFF2-40B4-BE49-F238E27FC236}">
-                <a16:creationId xmlns:a16="http://schemas.microsoft.com/office/drawing/2014/main" id="{17574C73-F3BE-B80D-02C9-271B05D4D288}"/>
+                <a16:creationId xmlns:a16="http://schemas.microsoft.com/office/drawing/2014/main" id="{BF382972-7254-CD67-0466-0D32973D79F3}"/>
               </a:ext>
             </a:extLst>
           </p:cNvPr>
@@ -3849,7 +3876,7 @@
           <p:cNvPr id="1667253447" name="Slide Number Placeholder 3">
             <a:extLst>
               <a:ext uri="{FF2B5EF4-FFF2-40B4-BE49-F238E27FC236}">
-                <a16:creationId xmlns:a16="http://schemas.microsoft.com/office/drawing/2014/main" id="{8FB20F0B-AB34-14B8-4963-85EFB34A9B42}"/>
+                <a16:creationId xmlns:a16="http://schemas.microsoft.com/office/drawing/2014/main" id="{BB35E0D4-6A49-C004-8EAD-EC5900E109CA}"/>
               </a:ext>
             </a:extLst>
           </p:cNvPr>
@@ -3934,7 +3961,7 @@
     </p:spTree>
     <p:extLst>
       <p:ext uri="{BB962C8B-B14F-4D97-AF65-F5344CB8AC3E}">
-        <p14:creationId xmlns:p14="http://schemas.microsoft.com/office/powerpoint/2010/main" val="3902437308"/>
+        <p14:creationId xmlns:p14="http://schemas.microsoft.com/office/powerpoint/2010/main" val="599269686"/>
       </p:ext>
     </p:extLst>
   </p:cSld>
@@ -4092,7 +4119,7 @@
         <p:cNvPr id="1" name="">
           <a:extLst>
             <a:ext uri="{FF2B5EF4-FFF2-40B4-BE49-F238E27FC236}">
-              <a16:creationId xmlns:a16="http://schemas.microsoft.com/office/drawing/2014/main" id="{BD5F7901-49F7-F12B-FFA5-DDF2CF4C64DE}"/>
+              <a16:creationId xmlns:a16="http://schemas.microsoft.com/office/drawing/2014/main" id="{17C4D7CD-3D3F-EE5D-2B65-BC744F5F8820}"/>
             </a:ext>
           </a:extLst>
         </p:cNvPr>
@@ -4112,7 +4139,7 @@
           <p:cNvPr id="1330014680" name="Slide Image Placeholder 1">
             <a:extLst>
               <a:ext uri="{FF2B5EF4-FFF2-40B4-BE49-F238E27FC236}">
-                <a16:creationId xmlns:a16="http://schemas.microsoft.com/office/drawing/2014/main" id="{1A0931BC-1901-D7B8-7B73-9665A5A74878}"/>
+                <a16:creationId xmlns:a16="http://schemas.microsoft.com/office/drawing/2014/main" id="{486C0883-F4B1-6F2F-6707-76F6FC09F1B2}"/>
               </a:ext>
             </a:extLst>
           </p:cNvPr>
@@ -4130,7 +4157,7 @@
           <p:cNvPr id="1330354815" name="Notes Placeholder 2">
             <a:extLst>
               <a:ext uri="{FF2B5EF4-FFF2-40B4-BE49-F238E27FC236}">
-                <a16:creationId xmlns:a16="http://schemas.microsoft.com/office/drawing/2014/main" id="{BF382972-7254-CD67-0466-0D32973D79F3}"/>
+                <a16:creationId xmlns:a16="http://schemas.microsoft.com/office/drawing/2014/main" id="{30D83B0C-ECF8-B4E0-A3C5-DCEFE425F2D5}"/>
               </a:ext>
             </a:extLst>
           </p:cNvPr>
@@ -4158,7 +4185,7 @@
           <p:cNvPr id="1667253447" name="Slide Number Placeholder 3">
             <a:extLst>
               <a:ext uri="{FF2B5EF4-FFF2-40B4-BE49-F238E27FC236}">
-                <a16:creationId xmlns:a16="http://schemas.microsoft.com/office/drawing/2014/main" id="{BB35E0D4-6A49-C004-8EAD-EC5900E109CA}"/>
+                <a16:creationId xmlns:a16="http://schemas.microsoft.com/office/drawing/2014/main" id="{3F788EA0-AF0D-CFC7-4010-B5D1234D8D3B}"/>
               </a:ext>
             </a:extLst>
           </p:cNvPr>
@@ -4243,7 +4270,7 @@
     </p:spTree>
     <p:extLst>
       <p:ext uri="{BB962C8B-B14F-4D97-AF65-F5344CB8AC3E}">
-        <p14:creationId xmlns:p14="http://schemas.microsoft.com/office/powerpoint/2010/main" val="599269686"/>
+        <p14:creationId xmlns:p14="http://schemas.microsoft.com/office/powerpoint/2010/main" val="1901101225"/>
       </p:ext>
     </p:extLst>
   </p:cSld>
@@ -4261,7 +4288,7 @@
         <p:cNvPr id="1" name="">
           <a:extLst>
             <a:ext uri="{FF2B5EF4-FFF2-40B4-BE49-F238E27FC236}">
-              <a16:creationId xmlns:a16="http://schemas.microsoft.com/office/drawing/2014/main" id="{17C4D7CD-3D3F-EE5D-2B65-BC744F5F8820}"/>
+              <a16:creationId xmlns:a16="http://schemas.microsoft.com/office/drawing/2014/main" id="{E38C4809-F518-3D7B-0C88-35B6C0FEF890}"/>
             </a:ext>
           </a:extLst>
         </p:cNvPr>
@@ -4281,7 +4308,7 @@
           <p:cNvPr id="1330014680" name="Slide Image Placeholder 1">
             <a:extLst>
               <a:ext uri="{FF2B5EF4-FFF2-40B4-BE49-F238E27FC236}">
-                <a16:creationId xmlns:a16="http://schemas.microsoft.com/office/drawing/2014/main" id="{486C0883-F4B1-6F2F-6707-76F6FC09F1B2}"/>
+                <a16:creationId xmlns:a16="http://schemas.microsoft.com/office/drawing/2014/main" id="{B96B8645-5645-4593-160E-971598332BC5}"/>
               </a:ext>
             </a:extLst>
           </p:cNvPr>
@@ -4299,7 +4326,7 @@
           <p:cNvPr id="1330354815" name="Notes Placeholder 2">
             <a:extLst>
               <a:ext uri="{FF2B5EF4-FFF2-40B4-BE49-F238E27FC236}">
-                <a16:creationId xmlns:a16="http://schemas.microsoft.com/office/drawing/2014/main" id="{30D83B0C-ECF8-B4E0-A3C5-DCEFE425F2D5}"/>
+                <a16:creationId xmlns:a16="http://schemas.microsoft.com/office/drawing/2014/main" id="{0090F4AE-0523-527F-2B4F-FDFD0581F537}"/>
               </a:ext>
             </a:extLst>
           </p:cNvPr>
@@ -4327,7 +4354,7 @@
           <p:cNvPr id="1667253447" name="Slide Number Placeholder 3">
             <a:extLst>
               <a:ext uri="{FF2B5EF4-FFF2-40B4-BE49-F238E27FC236}">
-                <a16:creationId xmlns:a16="http://schemas.microsoft.com/office/drawing/2014/main" id="{3F788EA0-AF0D-CFC7-4010-B5D1234D8D3B}"/>
+                <a16:creationId xmlns:a16="http://schemas.microsoft.com/office/drawing/2014/main" id="{F162A118-2C31-8A95-F2BB-A4149F752131}"/>
               </a:ext>
             </a:extLst>
           </p:cNvPr>
@@ -4412,7 +4439,7 @@
     </p:spTree>
     <p:extLst>
       <p:ext uri="{BB962C8B-B14F-4D97-AF65-F5344CB8AC3E}">
-        <p14:creationId xmlns:p14="http://schemas.microsoft.com/office/powerpoint/2010/main" val="1901101225"/>
+        <p14:creationId xmlns:p14="http://schemas.microsoft.com/office/powerpoint/2010/main" val="1890091100"/>
       </p:ext>
     </p:extLst>
   </p:cSld>
@@ -4430,7 +4457,7 @@
         <p:cNvPr id="1" name="">
           <a:extLst>
             <a:ext uri="{FF2B5EF4-FFF2-40B4-BE49-F238E27FC236}">
-              <a16:creationId xmlns:a16="http://schemas.microsoft.com/office/drawing/2014/main" id="{E38C4809-F518-3D7B-0C88-35B6C0FEF890}"/>
+              <a16:creationId xmlns:a16="http://schemas.microsoft.com/office/drawing/2014/main" id="{CE5B9C85-AE9A-0B4C-3DDF-8F7EE7E7EFF2}"/>
             </a:ext>
           </a:extLst>
         </p:cNvPr>
@@ -4447,10 +4474,10 @@
       </p:grpSpPr>
       <p:sp>
         <p:nvSpPr>
-          <p:cNvPr id="1330014680" name="Slide Image Placeholder 1">
-            <a:extLst>
-              <a:ext uri="{FF2B5EF4-FFF2-40B4-BE49-F238E27FC236}">
-                <a16:creationId xmlns:a16="http://schemas.microsoft.com/office/drawing/2014/main" id="{B96B8645-5645-4593-160E-971598332BC5}"/>
+          <p:cNvPr id="139090186" name="Slide Image Placeholder 1">
+            <a:extLst>
+              <a:ext uri="{FF2B5EF4-FFF2-40B4-BE49-F238E27FC236}">
+                <a16:creationId xmlns:a16="http://schemas.microsoft.com/office/drawing/2014/main" id="{CA1EF806-6ADD-CD61-14D0-542D519DF096}"/>
               </a:ext>
             </a:extLst>
           </p:cNvPr>
@@ -4465,10 +4492,10 @@
       </p:sp>
       <p:sp>
         <p:nvSpPr>
-          <p:cNvPr id="1330354815" name="Notes Placeholder 2">
-            <a:extLst>
-              <a:ext uri="{FF2B5EF4-FFF2-40B4-BE49-F238E27FC236}">
-                <a16:creationId xmlns:a16="http://schemas.microsoft.com/office/drawing/2014/main" id="{0090F4AE-0523-527F-2B4F-FDFD0581F537}"/>
+          <p:cNvPr id="400293583" name="Notes Placeholder 2">
+            <a:extLst>
+              <a:ext uri="{FF2B5EF4-FFF2-40B4-BE49-F238E27FC236}">
+                <a16:creationId xmlns:a16="http://schemas.microsoft.com/office/drawing/2014/main" id="{A6E83C72-87D0-BB0F-CBF3-E614CE7ADC67}"/>
               </a:ext>
             </a:extLst>
           </p:cNvPr>
@@ -4493,10 +4520,10 @@
       </p:sp>
       <p:sp>
         <p:nvSpPr>
-          <p:cNvPr id="1667253447" name="Slide Number Placeholder 3">
-            <a:extLst>
-              <a:ext uri="{FF2B5EF4-FFF2-40B4-BE49-F238E27FC236}">
-                <a16:creationId xmlns:a16="http://schemas.microsoft.com/office/drawing/2014/main" id="{F162A118-2C31-8A95-F2BB-A4149F752131}"/>
+          <p:cNvPr id="1257388043" name="Slide Number Placeholder 3">
+            <a:extLst>
+              <a:ext uri="{FF2B5EF4-FFF2-40B4-BE49-F238E27FC236}">
+                <a16:creationId xmlns:a16="http://schemas.microsoft.com/office/drawing/2014/main" id="{BF9D2FA0-9A97-B5BB-2C32-0C999D597651}"/>
               </a:ext>
             </a:extLst>
           </p:cNvPr>
@@ -4529,7 +4556,7 @@
               <a:tabLst/>
               <a:defRPr/>
             </a:pPr>
-            <a:fld id="{37F1F184-79D2-F4EC-467F-CF3EF60FA136}" type="slidenum">
+            <a:fld id="{20073075-213A-DC53-9B24-1C6EF3B6ADAB}" type="slidenum">
               <a:rPr kumimoji="0" sz="1200" b="0" i="0" u="none" strike="noStrike" kern="0" cap="none" spc="0" normalizeH="0" baseline="0" noProof="0">
                 <a:ln>
                   <a:noFill/>
@@ -4581,7 +4608,7 @@
     </p:spTree>
     <p:extLst>
       <p:ext uri="{BB962C8B-B14F-4D97-AF65-F5344CB8AC3E}">
-        <p14:creationId xmlns:p14="http://schemas.microsoft.com/office/powerpoint/2010/main" val="1890091100"/>
+        <p14:creationId xmlns:p14="http://schemas.microsoft.com/office/powerpoint/2010/main" val="3523433093"/>
       </p:ext>
     </p:extLst>
   </p:cSld>
@@ -4599,7 +4626,7 @@
         <p:cNvPr id="1" name="">
           <a:extLst>
             <a:ext uri="{FF2B5EF4-FFF2-40B4-BE49-F238E27FC236}">
-              <a16:creationId xmlns:a16="http://schemas.microsoft.com/office/drawing/2014/main" id="{CE5B9C85-AE9A-0B4C-3DDF-8F7EE7E7EFF2}"/>
+              <a16:creationId xmlns:a16="http://schemas.microsoft.com/office/drawing/2014/main" id="{3DDADE42-1D1F-CA82-7701-4EF6DAAB2343}"/>
             </a:ext>
           </a:extLst>
         </p:cNvPr>
@@ -4619,7 +4646,7 @@
           <p:cNvPr id="139090186" name="Slide Image Placeholder 1">
             <a:extLst>
               <a:ext uri="{FF2B5EF4-FFF2-40B4-BE49-F238E27FC236}">
-                <a16:creationId xmlns:a16="http://schemas.microsoft.com/office/drawing/2014/main" id="{CA1EF806-6ADD-CD61-14D0-542D519DF096}"/>
+                <a16:creationId xmlns:a16="http://schemas.microsoft.com/office/drawing/2014/main" id="{35147794-95D5-3EBE-B29E-0F301F254631}"/>
               </a:ext>
             </a:extLst>
           </p:cNvPr>
@@ -4637,7 +4664,7 @@
           <p:cNvPr id="400293583" name="Notes Placeholder 2">
             <a:extLst>
               <a:ext uri="{FF2B5EF4-FFF2-40B4-BE49-F238E27FC236}">
-                <a16:creationId xmlns:a16="http://schemas.microsoft.com/office/drawing/2014/main" id="{A6E83C72-87D0-BB0F-CBF3-E614CE7ADC67}"/>
+                <a16:creationId xmlns:a16="http://schemas.microsoft.com/office/drawing/2014/main" id="{DCF11677-E798-0730-353F-2C3485653D38}"/>
               </a:ext>
             </a:extLst>
           </p:cNvPr>
@@ -4665,7 +4692,7 @@
           <p:cNvPr id="1257388043" name="Slide Number Placeholder 3">
             <a:extLst>
               <a:ext uri="{FF2B5EF4-FFF2-40B4-BE49-F238E27FC236}">
-                <a16:creationId xmlns:a16="http://schemas.microsoft.com/office/drawing/2014/main" id="{BF9D2FA0-9A97-B5BB-2C32-0C999D597651}"/>
+                <a16:creationId xmlns:a16="http://schemas.microsoft.com/office/drawing/2014/main" id="{EC38EF4C-01D8-D704-EC75-8DB8FF1E8139}"/>
               </a:ext>
             </a:extLst>
           </p:cNvPr>
@@ -4750,7 +4777,7 @@
     </p:spTree>
     <p:extLst>
       <p:ext uri="{BB962C8B-B14F-4D97-AF65-F5344CB8AC3E}">
-        <p14:creationId xmlns:p14="http://schemas.microsoft.com/office/powerpoint/2010/main" val="3523433093"/>
+        <p14:creationId xmlns:p14="http://schemas.microsoft.com/office/powerpoint/2010/main" val="1986518323"/>
       </p:ext>
     </p:extLst>
   </p:cSld>
@@ -4768,7 +4795,7 @@
         <p:cNvPr id="1" name="">
           <a:extLst>
             <a:ext uri="{FF2B5EF4-FFF2-40B4-BE49-F238E27FC236}">
-              <a16:creationId xmlns:a16="http://schemas.microsoft.com/office/drawing/2014/main" id="{3DDADE42-1D1F-CA82-7701-4EF6DAAB2343}"/>
+              <a16:creationId xmlns:a16="http://schemas.microsoft.com/office/drawing/2014/main" id="{54E4B3FB-A8BF-FE78-1355-F0237D106B7D}"/>
             </a:ext>
           </a:extLst>
         </p:cNvPr>
@@ -4788,7 +4815,7 @@
           <p:cNvPr id="139090186" name="Slide Image Placeholder 1">
             <a:extLst>
               <a:ext uri="{FF2B5EF4-FFF2-40B4-BE49-F238E27FC236}">
-                <a16:creationId xmlns:a16="http://schemas.microsoft.com/office/drawing/2014/main" id="{35147794-95D5-3EBE-B29E-0F301F254631}"/>
+                <a16:creationId xmlns:a16="http://schemas.microsoft.com/office/drawing/2014/main" id="{47572DA5-4A1F-FDD5-94BF-76FCF0F44D4D}"/>
               </a:ext>
             </a:extLst>
           </p:cNvPr>
@@ -4806,7 +4833,7 @@
           <p:cNvPr id="400293583" name="Notes Placeholder 2">
             <a:extLst>
               <a:ext uri="{FF2B5EF4-FFF2-40B4-BE49-F238E27FC236}">
-                <a16:creationId xmlns:a16="http://schemas.microsoft.com/office/drawing/2014/main" id="{DCF11677-E798-0730-353F-2C3485653D38}"/>
+                <a16:creationId xmlns:a16="http://schemas.microsoft.com/office/drawing/2014/main" id="{3AEFB35F-C11C-29BC-11FA-83AE8EED3E2C}"/>
               </a:ext>
             </a:extLst>
           </p:cNvPr>
@@ -4834,7 +4861,7 @@
           <p:cNvPr id="1257388043" name="Slide Number Placeholder 3">
             <a:extLst>
               <a:ext uri="{FF2B5EF4-FFF2-40B4-BE49-F238E27FC236}">
-                <a16:creationId xmlns:a16="http://schemas.microsoft.com/office/drawing/2014/main" id="{EC38EF4C-01D8-D704-EC75-8DB8FF1E8139}"/>
+                <a16:creationId xmlns:a16="http://schemas.microsoft.com/office/drawing/2014/main" id="{0DAC04F4-D0EA-1515-2C5E-3ADDCF840E5B}"/>
               </a:ext>
             </a:extLst>
           </p:cNvPr>
@@ -4919,7 +4946,7 @@
     </p:spTree>
     <p:extLst>
       <p:ext uri="{BB962C8B-B14F-4D97-AF65-F5344CB8AC3E}">
-        <p14:creationId xmlns:p14="http://schemas.microsoft.com/office/powerpoint/2010/main" val="1986518323"/>
+        <p14:creationId xmlns:p14="http://schemas.microsoft.com/office/powerpoint/2010/main" val="4222852445"/>
       </p:ext>
     </p:extLst>
   </p:cSld>
@@ -4937,7 +4964,7 @@
         <p:cNvPr id="1" name="">
           <a:extLst>
             <a:ext uri="{FF2B5EF4-FFF2-40B4-BE49-F238E27FC236}">
-              <a16:creationId xmlns:a16="http://schemas.microsoft.com/office/drawing/2014/main" id="{54E4B3FB-A8BF-FE78-1355-F0237D106B7D}"/>
+              <a16:creationId xmlns:a16="http://schemas.microsoft.com/office/drawing/2014/main" id="{C472848F-AB5D-8100-D4FC-B0369624D857}"/>
             </a:ext>
           </a:extLst>
         </p:cNvPr>
@@ -4957,7 +4984,7 @@
           <p:cNvPr id="139090186" name="Slide Image Placeholder 1">
             <a:extLst>
               <a:ext uri="{FF2B5EF4-FFF2-40B4-BE49-F238E27FC236}">
-                <a16:creationId xmlns:a16="http://schemas.microsoft.com/office/drawing/2014/main" id="{47572DA5-4A1F-FDD5-94BF-76FCF0F44D4D}"/>
+                <a16:creationId xmlns:a16="http://schemas.microsoft.com/office/drawing/2014/main" id="{EA4F9FA6-0ABA-72AD-8931-02FFAE41E5B6}"/>
               </a:ext>
             </a:extLst>
           </p:cNvPr>
@@ -4975,7 +5002,7 @@
           <p:cNvPr id="400293583" name="Notes Placeholder 2">
             <a:extLst>
               <a:ext uri="{FF2B5EF4-FFF2-40B4-BE49-F238E27FC236}">
-                <a16:creationId xmlns:a16="http://schemas.microsoft.com/office/drawing/2014/main" id="{3AEFB35F-C11C-29BC-11FA-83AE8EED3E2C}"/>
+                <a16:creationId xmlns:a16="http://schemas.microsoft.com/office/drawing/2014/main" id="{1DB8AF28-8DB2-BBA8-1427-E61A79BFC192}"/>
               </a:ext>
             </a:extLst>
           </p:cNvPr>
@@ -5003,7 +5030,7 @@
           <p:cNvPr id="1257388043" name="Slide Number Placeholder 3">
             <a:extLst>
               <a:ext uri="{FF2B5EF4-FFF2-40B4-BE49-F238E27FC236}">
-                <a16:creationId xmlns:a16="http://schemas.microsoft.com/office/drawing/2014/main" id="{0DAC04F4-D0EA-1515-2C5E-3ADDCF840E5B}"/>
+                <a16:creationId xmlns:a16="http://schemas.microsoft.com/office/drawing/2014/main" id="{313F6753-B0A3-302F-A04C-03A379CE9458}"/>
               </a:ext>
             </a:extLst>
           </p:cNvPr>
@@ -5088,7 +5115,7 @@
     </p:spTree>
     <p:extLst>
       <p:ext uri="{BB962C8B-B14F-4D97-AF65-F5344CB8AC3E}">
-        <p14:creationId xmlns:p14="http://schemas.microsoft.com/office/powerpoint/2010/main" val="4222852445"/>
+        <p14:creationId xmlns:p14="http://schemas.microsoft.com/office/powerpoint/2010/main" val="1209080239"/>
       </p:ext>
     </p:extLst>
   </p:cSld>
@@ -5106,7 +5133,7 @@
         <p:cNvPr id="1" name="">
           <a:extLst>
             <a:ext uri="{FF2B5EF4-FFF2-40B4-BE49-F238E27FC236}">
-              <a16:creationId xmlns:a16="http://schemas.microsoft.com/office/drawing/2014/main" id="{C472848F-AB5D-8100-D4FC-B0369624D857}"/>
+              <a16:creationId xmlns:a16="http://schemas.microsoft.com/office/drawing/2014/main" id="{3B1FF912-D4B6-1CEC-3109-5A46A657F9A8}"/>
             </a:ext>
           </a:extLst>
         </p:cNvPr>
@@ -5126,7 +5153,7 @@
           <p:cNvPr id="139090186" name="Slide Image Placeholder 1">
             <a:extLst>
               <a:ext uri="{FF2B5EF4-FFF2-40B4-BE49-F238E27FC236}">
-                <a16:creationId xmlns:a16="http://schemas.microsoft.com/office/drawing/2014/main" id="{EA4F9FA6-0ABA-72AD-8931-02FFAE41E5B6}"/>
+                <a16:creationId xmlns:a16="http://schemas.microsoft.com/office/drawing/2014/main" id="{2C804D89-D859-90B1-FA99-F2C6E3C8554F}"/>
               </a:ext>
             </a:extLst>
           </p:cNvPr>
@@ -5144,7 +5171,7 @@
           <p:cNvPr id="400293583" name="Notes Placeholder 2">
             <a:extLst>
               <a:ext uri="{FF2B5EF4-FFF2-40B4-BE49-F238E27FC236}">
-                <a16:creationId xmlns:a16="http://schemas.microsoft.com/office/drawing/2014/main" id="{1DB8AF28-8DB2-BBA8-1427-E61A79BFC192}"/>
+                <a16:creationId xmlns:a16="http://schemas.microsoft.com/office/drawing/2014/main" id="{63F06931-B822-4E01-8732-EF7B8505423D}"/>
               </a:ext>
             </a:extLst>
           </p:cNvPr>
@@ -5172,7 +5199,7 @@
           <p:cNvPr id="1257388043" name="Slide Number Placeholder 3">
             <a:extLst>
               <a:ext uri="{FF2B5EF4-FFF2-40B4-BE49-F238E27FC236}">
-                <a16:creationId xmlns:a16="http://schemas.microsoft.com/office/drawing/2014/main" id="{313F6753-B0A3-302F-A04C-03A379CE9458}"/>
+                <a16:creationId xmlns:a16="http://schemas.microsoft.com/office/drawing/2014/main" id="{4BBF9850-A72A-ACFD-7968-08C6DB530A1B}"/>
               </a:ext>
             </a:extLst>
           </p:cNvPr>
@@ -5257,7 +5284,7 @@
     </p:spTree>
     <p:extLst>
       <p:ext uri="{BB962C8B-B14F-4D97-AF65-F5344CB8AC3E}">
-        <p14:creationId xmlns:p14="http://schemas.microsoft.com/office/powerpoint/2010/main" val="1209080239"/>
+        <p14:creationId xmlns:p14="http://schemas.microsoft.com/office/powerpoint/2010/main" val="2928311505"/>
       </p:ext>
     </p:extLst>
   </p:cSld>
@@ -5275,7 +5302,7 @@
         <p:cNvPr id="1" name="">
           <a:extLst>
             <a:ext uri="{FF2B5EF4-FFF2-40B4-BE49-F238E27FC236}">
-              <a16:creationId xmlns:a16="http://schemas.microsoft.com/office/drawing/2014/main" id="{3B1FF912-D4B6-1CEC-3109-5A46A657F9A8}"/>
+              <a16:creationId xmlns:a16="http://schemas.microsoft.com/office/drawing/2014/main" id="{D54197A9-3A08-8138-3B9E-2BB85FA21840}"/>
             </a:ext>
           </a:extLst>
         </p:cNvPr>
@@ -5295,7 +5322,7 @@
           <p:cNvPr id="139090186" name="Slide Image Placeholder 1">
             <a:extLst>
               <a:ext uri="{FF2B5EF4-FFF2-40B4-BE49-F238E27FC236}">
-                <a16:creationId xmlns:a16="http://schemas.microsoft.com/office/drawing/2014/main" id="{2C804D89-D859-90B1-FA99-F2C6E3C8554F}"/>
+                <a16:creationId xmlns:a16="http://schemas.microsoft.com/office/drawing/2014/main" id="{8AA4346E-9454-E11B-994F-C04C794218AC}"/>
               </a:ext>
             </a:extLst>
           </p:cNvPr>
@@ -5313,7 +5340,7 @@
           <p:cNvPr id="400293583" name="Notes Placeholder 2">
             <a:extLst>
               <a:ext uri="{FF2B5EF4-FFF2-40B4-BE49-F238E27FC236}">
-                <a16:creationId xmlns:a16="http://schemas.microsoft.com/office/drawing/2014/main" id="{63F06931-B822-4E01-8732-EF7B8505423D}"/>
+                <a16:creationId xmlns:a16="http://schemas.microsoft.com/office/drawing/2014/main" id="{CC09FF6F-C58C-896A-5D0B-3D139EC960CC}"/>
               </a:ext>
             </a:extLst>
           </p:cNvPr>
@@ -5341,7 +5368,7 @@
           <p:cNvPr id="1257388043" name="Slide Number Placeholder 3">
             <a:extLst>
               <a:ext uri="{FF2B5EF4-FFF2-40B4-BE49-F238E27FC236}">
-                <a16:creationId xmlns:a16="http://schemas.microsoft.com/office/drawing/2014/main" id="{4BBF9850-A72A-ACFD-7968-08C6DB530A1B}"/>
+                <a16:creationId xmlns:a16="http://schemas.microsoft.com/office/drawing/2014/main" id="{6F4E5B97-2792-0614-BD4C-B57075754CE8}"/>
               </a:ext>
             </a:extLst>
           </p:cNvPr>
@@ -5426,7 +5453,7 @@
     </p:spTree>
     <p:extLst>
       <p:ext uri="{BB962C8B-B14F-4D97-AF65-F5344CB8AC3E}">
-        <p14:creationId xmlns:p14="http://schemas.microsoft.com/office/powerpoint/2010/main" val="2928311505"/>
+        <p14:creationId xmlns:p14="http://schemas.microsoft.com/office/powerpoint/2010/main" val="1724071367"/>
       </p:ext>
     </p:extLst>
   </p:cSld>
@@ -5444,7 +5471,7 @@
         <p:cNvPr id="1" name="">
           <a:extLst>
             <a:ext uri="{FF2B5EF4-FFF2-40B4-BE49-F238E27FC236}">
-              <a16:creationId xmlns:a16="http://schemas.microsoft.com/office/drawing/2014/main" id="{D54197A9-3A08-8138-3B9E-2BB85FA21840}"/>
+              <a16:creationId xmlns:a16="http://schemas.microsoft.com/office/drawing/2014/main" id="{A2E9F3D3-D5A2-453D-4054-1B6ABEA6DF19}"/>
             </a:ext>
           </a:extLst>
         </p:cNvPr>
@@ -5464,7 +5491,7 @@
           <p:cNvPr id="139090186" name="Slide Image Placeholder 1">
             <a:extLst>
               <a:ext uri="{FF2B5EF4-FFF2-40B4-BE49-F238E27FC236}">
-                <a16:creationId xmlns:a16="http://schemas.microsoft.com/office/drawing/2014/main" id="{8AA4346E-9454-E11B-994F-C04C794218AC}"/>
+                <a16:creationId xmlns:a16="http://schemas.microsoft.com/office/drawing/2014/main" id="{13F44863-AC7B-8ABD-AAA9-D819BC1D70C8}"/>
               </a:ext>
             </a:extLst>
           </p:cNvPr>
@@ -5482,7 +5509,7 @@
           <p:cNvPr id="400293583" name="Notes Placeholder 2">
             <a:extLst>
               <a:ext uri="{FF2B5EF4-FFF2-40B4-BE49-F238E27FC236}">
-                <a16:creationId xmlns:a16="http://schemas.microsoft.com/office/drawing/2014/main" id="{CC09FF6F-C58C-896A-5D0B-3D139EC960CC}"/>
+                <a16:creationId xmlns:a16="http://schemas.microsoft.com/office/drawing/2014/main" id="{13B76D12-19FF-91AA-4941-782F0B7996F1}"/>
               </a:ext>
             </a:extLst>
           </p:cNvPr>
@@ -5510,7 +5537,7 @@
           <p:cNvPr id="1257388043" name="Slide Number Placeholder 3">
             <a:extLst>
               <a:ext uri="{FF2B5EF4-FFF2-40B4-BE49-F238E27FC236}">
-                <a16:creationId xmlns:a16="http://schemas.microsoft.com/office/drawing/2014/main" id="{6F4E5B97-2792-0614-BD4C-B57075754CE8}"/>
+                <a16:creationId xmlns:a16="http://schemas.microsoft.com/office/drawing/2014/main" id="{2DB14216-72B6-587D-8E1A-5F4B7D7AA16C}"/>
               </a:ext>
             </a:extLst>
           </p:cNvPr>
@@ -5595,7 +5622,7 @@
     </p:spTree>
     <p:extLst>
       <p:ext uri="{BB962C8B-B14F-4D97-AF65-F5344CB8AC3E}">
-        <p14:creationId xmlns:p14="http://schemas.microsoft.com/office/powerpoint/2010/main" val="1724071367"/>
+        <p14:creationId xmlns:p14="http://schemas.microsoft.com/office/powerpoint/2010/main" val="3871987960"/>
       </p:ext>
     </p:extLst>
   </p:cSld>
@@ -5613,7 +5640,7 @@
         <p:cNvPr id="1" name="">
           <a:extLst>
             <a:ext uri="{FF2B5EF4-FFF2-40B4-BE49-F238E27FC236}">
-              <a16:creationId xmlns:a16="http://schemas.microsoft.com/office/drawing/2014/main" id="{A2E9F3D3-D5A2-453D-4054-1B6ABEA6DF19}"/>
+              <a16:creationId xmlns:a16="http://schemas.microsoft.com/office/drawing/2014/main" id="{83E06739-1567-B389-27EB-96890F9ECD30}"/>
             </a:ext>
           </a:extLst>
         </p:cNvPr>
@@ -5633,7 +5660,7 @@
           <p:cNvPr id="139090186" name="Slide Image Placeholder 1">
             <a:extLst>
               <a:ext uri="{FF2B5EF4-FFF2-40B4-BE49-F238E27FC236}">
-                <a16:creationId xmlns:a16="http://schemas.microsoft.com/office/drawing/2014/main" id="{13F44863-AC7B-8ABD-AAA9-D819BC1D70C8}"/>
+                <a16:creationId xmlns:a16="http://schemas.microsoft.com/office/drawing/2014/main" id="{932D7566-9A6D-225F-EA98-70101BF44016}"/>
               </a:ext>
             </a:extLst>
           </p:cNvPr>
@@ -5651,7 +5678,7 @@
           <p:cNvPr id="400293583" name="Notes Placeholder 2">
             <a:extLst>
               <a:ext uri="{FF2B5EF4-FFF2-40B4-BE49-F238E27FC236}">
-                <a16:creationId xmlns:a16="http://schemas.microsoft.com/office/drawing/2014/main" id="{13B76D12-19FF-91AA-4941-782F0B7996F1}"/>
+                <a16:creationId xmlns:a16="http://schemas.microsoft.com/office/drawing/2014/main" id="{F2073CA3-EE16-2C99-C6C6-07A0340AA00B}"/>
               </a:ext>
             </a:extLst>
           </p:cNvPr>
@@ -5679,7 +5706,7 @@
           <p:cNvPr id="1257388043" name="Slide Number Placeholder 3">
             <a:extLst>
               <a:ext uri="{FF2B5EF4-FFF2-40B4-BE49-F238E27FC236}">
-                <a16:creationId xmlns:a16="http://schemas.microsoft.com/office/drawing/2014/main" id="{2DB14216-72B6-587D-8E1A-5F4B7D7AA16C}"/>
+                <a16:creationId xmlns:a16="http://schemas.microsoft.com/office/drawing/2014/main" id="{C8578FD1-B651-4D44-4A9A-EAAF684110CF}"/>
               </a:ext>
             </a:extLst>
           </p:cNvPr>
@@ -5764,7 +5791,7 @@
     </p:spTree>
     <p:extLst>
       <p:ext uri="{BB962C8B-B14F-4D97-AF65-F5344CB8AC3E}">
-        <p14:creationId xmlns:p14="http://schemas.microsoft.com/office/powerpoint/2010/main" val="3871987960"/>
+        <p14:creationId xmlns:p14="http://schemas.microsoft.com/office/powerpoint/2010/main" val="1821547892"/>
       </p:ext>
     </p:extLst>
   </p:cSld>
@@ -5922,7 +5949,7 @@
         <p:cNvPr id="1" name="">
           <a:extLst>
             <a:ext uri="{FF2B5EF4-FFF2-40B4-BE49-F238E27FC236}">
-              <a16:creationId xmlns:a16="http://schemas.microsoft.com/office/drawing/2014/main" id="{83E06739-1567-B389-27EB-96890F9ECD30}"/>
+              <a16:creationId xmlns:a16="http://schemas.microsoft.com/office/drawing/2014/main" id="{071F79CF-CD17-6033-1FEF-05B17707F01A}"/>
             </a:ext>
           </a:extLst>
         </p:cNvPr>
@@ -5942,7 +5969,7 @@
           <p:cNvPr id="139090186" name="Slide Image Placeholder 1">
             <a:extLst>
               <a:ext uri="{FF2B5EF4-FFF2-40B4-BE49-F238E27FC236}">
-                <a16:creationId xmlns:a16="http://schemas.microsoft.com/office/drawing/2014/main" id="{932D7566-9A6D-225F-EA98-70101BF44016}"/>
+                <a16:creationId xmlns:a16="http://schemas.microsoft.com/office/drawing/2014/main" id="{EE683B9E-A0DE-86F4-BD95-319D8EBFE26F}"/>
               </a:ext>
             </a:extLst>
           </p:cNvPr>
@@ -5960,7 +5987,7 @@
           <p:cNvPr id="400293583" name="Notes Placeholder 2">
             <a:extLst>
               <a:ext uri="{FF2B5EF4-FFF2-40B4-BE49-F238E27FC236}">
-                <a16:creationId xmlns:a16="http://schemas.microsoft.com/office/drawing/2014/main" id="{F2073CA3-EE16-2C99-C6C6-07A0340AA00B}"/>
+                <a16:creationId xmlns:a16="http://schemas.microsoft.com/office/drawing/2014/main" id="{364C980E-94DA-1FD5-935B-F531D86CBDD4}"/>
               </a:ext>
             </a:extLst>
           </p:cNvPr>
@@ -5988,7 +6015,7 @@
           <p:cNvPr id="1257388043" name="Slide Number Placeholder 3">
             <a:extLst>
               <a:ext uri="{FF2B5EF4-FFF2-40B4-BE49-F238E27FC236}">
-                <a16:creationId xmlns:a16="http://schemas.microsoft.com/office/drawing/2014/main" id="{C8578FD1-B651-4D44-4A9A-EAAF684110CF}"/>
+                <a16:creationId xmlns:a16="http://schemas.microsoft.com/office/drawing/2014/main" id="{FFBE7416-06B8-8F75-A9EF-A9895DF8107A}"/>
               </a:ext>
             </a:extLst>
           </p:cNvPr>
@@ -6073,7 +6100,7 @@
     </p:spTree>
     <p:extLst>
       <p:ext uri="{BB962C8B-B14F-4D97-AF65-F5344CB8AC3E}">
-        <p14:creationId xmlns:p14="http://schemas.microsoft.com/office/powerpoint/2010/main" val="1821547892"/>
+        <p14:creationId xmlns:p14="http://schemas.microsoft.com/office/powerpoint/2010/main" val="2318382485"/>
       </p:ext>
     </p:extLst>
   </p:cSld>
@@ -6091,7 +6118,7 @@
         <p:cNvPr id="1" name="">
           <a:extLst>
             <a:ext uri="{FF2B5EF4-FFF2-40B4-BE49-F238E27FC236}">
-              <a16:creationId xmlns:a16="http://schemas.microsoft.com/office/drawing/2014/main" id="{071F79CF-CD17-6033-1FEF-05B17707F01A}"/>
+              <a16:creationId xmlns:a16="http://schemas.microsoft.com/office/drawing/2014/main" id="{DA3283D2-DBF6-D5A5-0A46-10E5E73BF7F5}"/>
             </a:ext>
           </a:extLst>
         </p:cNvPr>
@@ -6111,7 +6138,7 @@
           <p:cNvPr id="139090186" name="Slide Image Placeholder 1">
             <a:extLst>
               <a:ext uri="{FF2B5EF4-FFF2-40B4-BE49-F238E27FC236}">
-                <a16:creationId xmlns:a16="http://schemas.microsoft.com/office/drawing/2014/main" id="{EE683B9E-A0DE-86F4-BD95-319D8EBFE26F}"/>
+                <a16:creationId xmlns:a16="http://schemas.microsoft.com/office/drawing/2014/main" id="{0A1192E9-FB02-CB2D-DBEF-1A1C4CFD871D}"/>
               </a:ext>
             </a:extLst>
           </p:cNvPr>
@@ -6129,7 +6156,7 @@
           <p:cNvPr id="400293583" name="Notes Placeholder 2">
             <a:extLst>
               <a:ext uri="{FF2B5EF4-FFF2-40B4-BE49-F238E27FC236}">
-                <a16:creationId xmlns:a16="http://schemas.microsoft.com/office/drawing/2014/main" id="{364C980E-94DA-1FD5-935B-F531D86CBDD4}"/>
+                <a16:creationId xmlns:a16="http://schemas.microsoft.com/office/drawing/2014/main" id="{9A9D6D79-C617-A95F-CB9A-C7E9C3EEACA9}"/>
               </a:ext>
             </a:extLst>
           </p:cNvPr>
@@ -6157,7 +6184,7 @@
           <p:cNvPr id="1257388043" name="Slide Number Placeholder 3">
             <a:extLst>
               <a:ext uri="{FF2B5EF4-FFF2-40B4-BE49-F238E27FC236}">
-                <a16:creationId xmlns:a16="http://schemas.microsoft.com/office/drawing/2014/main" id="{FFBE7416-06B8-8F75-A9EF-A9895DF8107A}"/>
+                <a16:creationId xmlns:a16="http://schemas.microsoft.com/office/drawing/2014/main" id="{2E5FC565-6F52-C6E6-2CE6-21A3593D4DDC}"/>
               </a:ext>
             </a:extLst>
           </p:cNvPr>
@@ -6242,7 +6269,7 @@
     </p:spTree>
     <p:extLst>
       <p:ext uri="{BB962C8B-B14F-4D97-AF65-F5344CB8AC3E}">
-        <p14:creationId xmlns:p14="http://schemas.microsoft.com/office/powerpoint/2010/main" val="2318382485"/>
+        <p14:creationId xmlns:p14="http://schemas.microsoft.com/office/powerpoint/2010/main" val="284837936"/>
       </p:ext>
     </p:extLst>
   </p:cSld>
@@ -6260,7 +6287,7 @@
         <p:cNvPr id="1" name="">
           <a:extLst>
             <a:ext uri="{FF2B5EF4-FFF2-40B4-BE49-F238E27FC236}">
-              <a16:creationId xmlns:a16="http://schemas.microsoft.com/office/drawing/2014/main" id="{DA3283D2-DBF6-D5A5-0A46-10E5E73BF7F5}"/>
+              <a16:creationId xmlns:a16="http://schemas.microsoft.com/office/drawing/2014/main" id="{69F313CF-1FEC-98D5-3C31-CE6F4B8F6ABF}"/>
             </a:ext>
           </a:extLst>
         </p:cNvPr>
@@ -6280,7 +6307,7 @@
           <p:cNvPr id="139090186" name="Slide Image Placeholder 1">
             <a:extLst>
               <a:ext uri="{FF2B5EF4-FFF2-40B4-BE49-F238E27FC236}">
-                <a16:creationId xmlns:a16="http://schemas.microsoft.com/office/drawing/2014/main" id="{0A1192E9-FB02-CB2D-DBEF-1A1C4CFD871D}"/>
+                <a16:creationId xmlns:a16="http://schemas.microsoft.com/office/drawing/2014/main" id="{3E126841-CF9B-8112-14DF-EF343B2B21B4}"/>
               </a:ext>
             </a:extLst>
           </p:cNvPr>
@@ -6298,7 +6325,7 @@
           <p:cNvPr id="400293583" name="Notes Placeholder 2">
             <a:extLst>
               <a:ext uri="{FF2B5EF4-FFF2-40B4-BE49-F238E27FC236}">
-                <a16:creationId xmlns:a16="http://schemas.microsoft.com/office/drawing/2014/main" id="{9A9D6D79-C617-A95F-CB9A-C7E9C3EEACA9}"/>
+                <a16:creationId xmlns:a16="http://schemas.microsoft.com/office/drawing/2014/main" id="{BA1A9BCC-D8A0-8BD2-7F2A-D5FDE80127E6}"/>
               </a:ext>
             </a:extLst>
           </p:cNvPr>
@@ -6326,7 +6353,7 @@
           <p:cNvPr id="1257388043" name="Slide Number Placeholder 3">
             <a:extLst>
               <a:ext uri="{FF2B5EF4-FFF2-40B4-BE49-F238E27FC236}">
-                <a16:creationId xmlns:a16="http://schemas.microsoft.com/office/drawing/2014/main" id="{2E5FC565-6F52-C6E6-2CE6-21A3593D4DDC}"/>
+                <a16:creationId xmlns:a16="http://schemas.microsoft.com/office/drawing/2014/main" id="{258DFE2D-F19D-0F43-B42D-F1713DB9637F}"/>
               </a:ext>
             </a:extLst>
           </p:cNvPr>
@@ -6411,7 +6438,7 @@
     </p:spTree>
     <p:extLst>
       <p:ext uri="{BB962C8B-B14F-4D97-AF65-F5344CB8AC3E}">
-        <p14:creationId xmlns:p14="http://schemas.microsoft.com/office/powerpoint/2010/main" val="284837936"/>
+        <p14:creationId xmlns:p14="http://schemas.microsoft.com/office/powerpoint/2010/main" val="785065613"/>
       </p:ext>
     </p:extLst>
   </p:cSld>
@@ -6422,175 +6449,6 @@
 </file>
 
 <file path=ppt/notesSlides/notesSlide43.xml><?xml version="1.0" encoding="utf-8"?>
-<p:notes xmlns:a="http://schemas.openxmlformats.org/drawingml/2006/main" xmlns:r="http://schemas.openxmlformats.org/officeDocument/2006/relationships" xmlns:p="http://schemas.openxmlformats.org/presentationml/2006/main">
-  <p:cSld>
-    <p:spTree>
-      <p:nvGrpSpPr>
-        <p:cNvPr id="1" name="">
-          <a:extLst>
-            <a:ext uri="{FF2B5EF4-FFF2-40B4-BE49-F238E27FC236}">
-              <a16:creationId xmlns:a16="http://schemas.microsoft.com/office/drawing/2014/main" id="{69F313CF-1FEC-98D5-3C31-CE6F4B8F6ABF}"/>
-            </a:ext>
-          </a:extLst>
-        </p:cNvPr>
-        <p:cNvGrpSpPr/>
-        <p:nvPr/>
-      </p:nvGrpSpPr>
-      <p:grpSpPr bwMode="auto">
-        <a:xfrm>
-          <a:off x="0" y="0"/>
-          <a:ext cx="0" cy="0"/>
-          <a:chOff x="0" y="0"/>
-          <a:chExt cx="0" cy="0"/>
-        </a:xfrm>
-      </p:grpSpPr>
-      <p:sp>
-        <p:nvSpPr>
-          <p:cNvPr id="139090186" name="Slide Image Placeholder 1">
-            <a:extLst>
-              <a:ext uri="{FF2B5EF4-FFF2-40B4-BE49-F238E27FC236}">
-                <a16:creationId xmlns:a16="http://schemas.microsoft.com/office/drawing/2014/main" id="{3E126841-CF9B-8112-14DF-EF343B2B21B4}"/>
-              </a:ext>
-            </a:extLst>
-          </p:cNvPr>
-          <p:cNvSpPr>
-            <a:spLocks noGrp="1" noRot="1" noChangeAspect="1"/>
-          </p:cNvSpPr>
-          <p:nvPr>
-            <p:ph type="sldImg"/>
-          </p:nvPr>
-        </p:nvSpPr>
-        <p:spPr bwMode="auto"/>
-      </p:sp>
-      <p:sp>
-        <p:nvSpPr>
-          <p:cNvPr id="400293583" name="Notes Placeholder 2">
-            <a:extLst>
-              <a:ext uri="{FF2B5EF4-FFF2-40B4-BE49-F238E27FC236}">
-                <a16:creationId xmlns:a16="http://schemas.microsoft.com/office/drawing/2014/main" id="{BA1A9BCC-D8A0-8BD2-7F2A-D5FDE80127E6}"/>
-              </a:ext>
-            </a:extLst>
-          </p:cNvPr>
-          <p:cNvSpPr>
-            <a:spLocks noGrp="1"/>
-          </p:cNvSpPr>
-          <p:nvPr>
-            <p:ph type="body" idx="1"/>
-          </p:nvPr>
-        </p:nvSpPr>
-        <p:spPr bwMode="auto"/>
-        <p:txBody>
-          <a:bodyPr/>
-          <a:lstStyle/>
-          <a:p>
-            <a:pPr>
-              <a:defRPr/>
-            </a:pPr>
-            <a:endParaRPr/>
-          </a:p>
-        </p:txBody>
-      </p:sp>
-      <p:sp>
-        <p:nvSpPr>
-          <p:cNvPr id="1257388043" name="Slide Number Placeholder 3">
-            <a:extLst>
-              <a:ext uri="{FF2B5EF4-FFF2-40B4-BE49-F238E27FC236}">
-                <a16:creationId xmlns:a16="http://schemas.microsoft.com/office/drawing/2014/main" id="{258DFE2D-F19D-0F43-B42D-F1713DB9637F}"/>
-              </a:ext>
-            </a:extLst>
-          </p:cNvPr>
-          <p:cNvSpPr>
-            <a:spLocks noGrp="1"/>
-          </p:cNvSpPr>
-          <p:nvPr>
-            <p:ph type="sldNum" sz="quarter" idx="10"/>
-          </p:nvPr>
-        </p:nvSpPr>
-        <p:spPr bwMode="auto"/>
-        <p:txBody>
-          <a:bodyPr/>
-          <a:lstStyle/>
-          <a:p>
-            <a:pPr marL="0" marR="0" lvl="0" indent="0" algn="r" defTabSz="914400" eaLnBrk="1" fontAlgn="auto" latinLnBrk="0" hangingPunct="1">
-              <a:lnSpc>
-                <a:spcPct val="100000"/>
-              </a:lnSpc>
-              <a:spcBef>
-                <a:spcPts val="0"/>
-              </a:spcBef>
-              <a:spcAft>
-                <a:spcPts val="0"/>
-              </a:spcAft>
-              <a:buClrTx/>
-              <a:buSzTx/>
-              <a:buFontTx/>
-              <a:buNone/>
-              <a:tabLst/>
-              <a:defRPr/>
-            </a:pPr>
-            <a:fld id="{20073075-213A-DC53-9B24-1C6EF3B6ADAB}" type="slidenum">
-              <a:rPr kumimoji="0" sz="1200" b="0" i="0" u="none" strike="noStrike" kern="0" cap="none" spc="0" normalizeH="0" baseline="0" noProof="0">
-                <a:ln>
-                  <a:noFill/>
-                </a:ln>
-                <a:solidFill>
-                  <a:prstClr val="black"/>
-                </a:solidFill>
-                <a:effectLst/>
-                <a:uLnTx/>
-                <a:uFillTx/>
-                <a:latin typeface="Calibri"/>
-                <a:cs typeface="Arial"/>
-              </a:rPr>
-              <a:pPr marL="0" marR="0" lvl="0" indent="0" algn="r" defTabSz="914400" eaLnBrk="1" fontAlgn="auto" latinLnBrk="0" hangingPunct="1">
-                <a:lnSpc>
-                  <a:spcPct val="100000"/>
-                </a:lnSpc>
-                <a:spcBef>
-                  <a:spcPts val="0"/>
-                </a:spcBef>
-                <a:spcAft>
-                  <a:spcPts val="0"/>
-                </a:spcAft>
-                <a:buClrTx/>
-                <a:buSzTx/>
-                <a:buFontTx/>
-                <a:buNone/>
-                <a:tabLst/>
-                <a:defRPr/>
-              </a:pPr>
-              <a:t>72</a:t>
-            </a:fld>
-            <a:endParaRPr kumimoji="0" sz="1200" b="0" i="0" u="none" strike="noStrike" kern="0" cap="none" spc="0" normalizeH="0" baseline="0" noProof="0">
-              <a:ln>
-                <a:noFill/>
-              </a:ln>
-              <a:solidFill>
-                <a:prstClr val="black"/>
-              </a:solidFill>
-              <a:effectLst/>
-              <a:uLnTx/>
-              <a:uFillTx/>
-              <a:latin typeface="Calibri"/>
-              <a:cs typeface="Arial"/>
-            </a:endParaRPr>
-          </a:p>
-        </p:txBody>
-      </p:sp>
-    </p:spTree>
-    <p:extLst>
-      <p:ext uri="{BB962C8B-B14F-4D97-AF65-F5344CB8AC3E}">
-        <p14:creationId xmlns:p14="http://schemas.microsoft.com/office/powerpoint/2010/main" val="785065613"/>
-      </p:ext>
-    </p:extLst>
-  </p:cSld>
-  <p:clrMapOvr>
-    <a:masterClrMapping/>
-  </p:clrMapOvr>
-</p:notes>
-</file>
-
-<file path=ppt/notesSlides/notesSlide44.xml><?xml version="1.0" encoding="utf-8"?>
 <p:notes xmlns:a="http://schemas.openxmlformats.org/drawingml/2006/main" xmlns:r="http://schemas.openxmlformats.org/officeDocument/2006/relationships" xmlns:p="http://schemas.openxmlformats.org/presentationml/2006/main">
   <p:cSld>
     <p:spTree>
@@ -6681,7 +6539,7 @@
           <a:lstStyle/>
           <a:p>
             <a:fld id="{8C36BA74-7AA1-48ED-B9BC-0F570D47A936}" type="slidenum">
-              <a:t>73</a:t>
+              <a:t>72</a:t>
             </a:fld>
             <a:endParaRPr lang="de-DE"/>
           </a:p>
@@ -6700,7 +6558,7 @@
 </p:notes>
 </file>
 
-<file path=ppt/notesSlides/notesSlide45.xml><?xml version="1.0" encoding="utf-8"?>
+<file path=ppt/notesSlides/notesSlide44.xml><?xml version="1.0" encoding="utf-8"?>
 <p:notes xmlns:a="http://schemas.openxmlformats.org/drawingml/2006/main" xmlns:r="http://schemas.openxmlformats.org/officeDocument/2006/relationships" xmlns:p="http://schemas.openxmlformats.org/presentationml/2006/main">
   <p:cSld>
     <p:spTree>
@@ -6791,7 +6649,7 @@
           <a:lstStyle/>
           <a:p>
             <a:fld id="{8C36BA74-7AA1-48ED-B9BC-0F570D47A936}" type="slidenum">
-              <a:t>76</a:t>
+              <a:t>75</a:t>
             </a:fld>
             <a:endParaRPr lang="de-DE"/>
           </a:p>
@@ -7909,7 +7767,7 @@
           <a:p>
             <a:fld id="{4E96B16B-3D02-421E-9A22-E7AF4889F0FE}" type="datetime1">
               <a:rPr lang="en-US" smtClean="0"/>
-              <a:t>7/8/2025</a:t>
+              <a:t>7/9/2025</a:t>
             </a:fld>
             <a:endParaRPr lang="en-US"/>
           </a:p>
@@ -7967,7 +7825,7 @@
           <a:p>
             <a:fld id="{148CC95F-0247-41B6-91CF-DC97C76A7088}" type="slidenum">
               <a:rPr lang="en-US" smtClean="0"/>
-              <a:t>‹#›</a:t>
+              <a:t>‹Nr.›</a:t>
             </a:fld>
             <a:endParaRPr lang="en-US"/>
           </a:p>
@@ -8111,7 +7969,7 @@
           <a:p>
             <a:fld id="{DB775AC6-EFC6-47B7-8612-9DA8DD25D955}" type="datetime1">
               <a:rPr lang="en-US" smtClean="0"/>
-              <a:t>7/8/2025</a:t>
+              <a:t>7/9/2025</a:t>
             </a:fld>
             <a:endParaRPr lang="en-US"/>
           </a:p>
@@ -8169,7 +8027,7 @@
           <a:p>
             <a:fld id="{148CC95F-0247-41B6-91CF-DC97C76A7088}" type="slidenum">
               <a:rPr lang="en-US" smtClean="0"/>
-              <a:t>‹#›</a:t>
+              <a:t>‹Nr.›</a:t>
             </a:fld>
             <a:endParaRPr lang="en-US"/>
           </a:p>
@@ -8455,7 +8313,7 @@
           <a:p>
             <a:fld id="{6AA36526-50D6-4421-A203-614B20CF2703}" type="datetime1">
               <a:rPr lang="en-US" smtClean="0"/>
-              <a:t>7/8/2025</a:t>
+              <a:t>7/9/2025</a:t>
             </a:fld>
             <a:endParaRPr lang="en-US"/>
           </a:p>
@@ -8513,7 +8371,7 @@
           <a:p>
             <a:fld id="{148CC95F-0247-41B6-91CF-DC97C76A7088}" type="slidenum">
               <a:rPr lang="en-US" smtClean="0"/>
-              <a:t>‹#›</a:t>
+              <a:t>‹Nr.›</a:t>
             </a:fld>
             <a:endParaRPr lang="en-US"/>
           </a:p>
@@ -8714,7 +8572,7 @@
           <a:p>
             <a:fld id="{75E84928-FE16-43B9-BC25-2859501720EA}" type="datetime1">
               <a:rPr lang="en-US" smtClean="0"/>
-              <a:t>7/8/2025</a:t>
+              <a:t>7/9/2025</a:t>
             </a:fld>
             <a:endParaRPr lang="en-US"/>
           </a:p>
@@ -8777,7 +8635,7 @@
           <a:p>
             <a:fld id="{148CC95F-0247-41B6-91CF-DC97C76A7088}" type="slidenum">
               <a:rPr lang="en-US" smtClean="0"/>
-              <a:t>‹#›</a:t>
+              <a:t>‹Nr.›</a:t>
             </a:fld>
             <a:endParaRPr lang="en-US"/>
           </a:p>
@@ -9134,7 +8992,7 @@
           <a:p>
             <a:fld id="{52B94D21-0962-4C08-BB57-BC7507DEE084}" type="datetime1">
               <a:rPr lang="en-US" smtClean="0"/>
-              <a:t>7/8/2025</a:t>
+              <a:t>7/9/2025</a:t>
             </a:fld>
             <a:endParaRPr lang="en-US"/>
           </a:p>
@@ -9192,7 +9050,7 @@
           <a:p>
             <a:fld id="{148CC95F-0247-41B6-91CF-DC97C76A7088}" type="slidenum">
               <a:rPr lang="en-US" smtClean="0"/>
-              <a:t>‹#›</a:t>
+              <a:t>‹Nr.›</a:t>
             </a:fld>
             <a:endParaRPr lang="en-US"/>
           </a:p>
@@ -9587,7 +9445,7 @@
           <a:p>
             <a:fld id="{EF075700-B54E-437C-8A31-0CC21845C39D}" type="datetime1">
               <a:rPr lang="en-US" smtClean="0"/>
-              <a:t>7/8/2025</a:t>
+              <a:t>7/9/2025</a:t>
             </a:fld>
             <a:endParaRPr lang="en-US"/>
           </a:p>
@@ -9645,7 +9503,7 @@
           <a:p>
             <a:fld id="{148CC95F-0247-41B6-91CF-DC97C76A7088}" type="slidenum">
               <a:rPr lang="en-US" smtClean="0"/>
-              <a:t>‹#›</a:t>
+              <a:t>‹Nr.›</a:t>
             </a:fld>
             <a:endParaRPr lang="en-US"/>
           </a:p>
@@ -10139,7 +9997,7 @@
           <a:p>
             <a:fld id="{A7472505-C2E4-4560-87BD-F72139D98800}" type="datetime1">
               <a:rPr lang="en-US" smtClean="0"/>
-              <a:t>7/8/2025</a:t>
+              <a:t>7/9/2025</a:t>
             </a:fld>
             <a:endParaRPr lang="en-US"/>
           </a:p>
@@ -10197,7 +10055,7 @@
           <a:p>
             <a:fld id="{148CC95F-0247-41B6-91CF-DC97C76A7088}" type="slidenum">
               <a:rPr lang="en-US" smtClean="0"/>
-              <a:t>‹#›</a:t>
+              <a:t>‹Nr.›</a:t>
             </a:fld>
             <a:endParaRPr lang="en-US"/>
           </a:p>
@@ -10416,7 +10274,7 @@
           <a:p>
             <a:fld id="{688C6202-6C0C-4936-9181-C3BAC183F367}" type="datetime1">
               <a:rPr lang="en-US" smtClean="0"/>
-              <a:t>7/8/2025</a:t>
+              <a:t>7/9/2025</a:t>
             </a:fld>
             <a:endParaRPr lang="en-US"/>
           </a:p>
@@ -10474,7 +10332,7 @@
           <a:p>
             <a:fld id="{148CC95F-0247-41B6-91CF-DC97C76A7088}" type="slidenum">
               <a:rPr lang="en-US" smtClean="0"/>
-              <a:t>‹#›</a:t>
+              <a:t>‹Nr.›</a:t>
             </a:fld>
             <a:endParaRPr lang="en-US"/>
           </a:p>
@@ -10665,7 +10523,7 @@
           <a:p>
             <a:fld id="{B9C3A1C5-5A4D-40F5-AA30-2E2FA551A28A}" type="datetime1">
               <a:rPr lang="en-US" smtClean="0"/>
-              <a:t>7/8/2025</a:t>
+              <a:t>7/9/2025</a:t>
             </a:fld>
             <a:endParaRPr lang="en-US"/>
           </a:p>
@@ -10723,7 +10581,7 @@
           <a:p>
             <a:fld id="{148CC95F-0247-41B6-91CF-DC97C76A7088}" type="slidenum">
               <a:rPr lang="en-US" smtClean="0"/>
-              <a:t>‹#›</a:t>
+              <a:t>‹Nr.›</a:t>
             </a:fld>
             <a:endParaRPr lang="en-US"/>
           </a:p>
@@ -11118,7 +10976,7 @@
           <a:p>
             <a:fld id="{A3AFC84A-6073-47BB-AA17-B11F88B48FFC}" type="datetime1">
               <a:rPr lang="en-US" smtClean="0"/>
-              <a:t>7/8/2025</a:t>
+              <a:t>7/9/2025</a:t>
             </a:fld>
             <a:endParaRPr lang="en-US"/>
           </a:p>
@@ -11176,7 +11034,7 @@
           <a:p>
             <a:fld id="{148CC95F-0247-41B6-91CF-DC97C76A7088}" type="slidenum">
               <a:rPr lang="en-US" smtClean="0"/>
-              <a:t>‹#›</a:t>
+              <a:t>‹Nr.›</a:t>
             </a:fld>
             <a:endParaRPr lang="en-US"/>
           </a:p>
@@ -11546,7 +11404,7 @@
           <a:p>
             <a:fld id="{049970C6-98BD-4B9C-9DB4-A09FCA6FDD64}" type="datetime1">
               <a:rPr lang="en-US" smtClean="0"/>
-              <a:t>7/8/2025</a:t>
+              <a:t>7/9/2025</a:t>
             </a:fld>
             <a:endParaRPr lang="en-US"/>
           </a:p>
@@ -11604,7 +11462,7 @@
           <a:p>
             <a:fld id="{148CC95F-0247-41B6-91CF-DC97C76A7088}" type="slidenum">
               <a:rPr lang="en-US" smtClean="0"/>
-              <a:t>‹#›</a:t>
+              <a:t>‹Nr.›</a:t>
             </a:fld>
             <a:endParaRPr lang="en-US"/>
           </a:p>
@@ -11979,7 +11837,7 @@
             <a:fld id="{148CC95F-0247-41B6-91CF-DC97C76A7088}" type="slidenum">
               <a:rPr lang="en-US" smtClean="0"/>
               <a:pPr/>
-              <a:t>‹#›</a:t>
+              <a:t>‹Nr.›</a:t>
             </a:fld>
             <a:endParaRPr lang="en-US"/>
           </a:p>
@@ -12124,7 +11982,7 @@
           <a:p>
             <a:fld id="{F21DBC69-2876-4ACB-95B6-39F77D4C7E0D}" type="datetime1">
               <a:rPr lang="en-US" smtClean="0"/>
-              <a:t>7/8/2025</a:t>
+              <a:t>7/9/2025</a:t>
             </a:fld>
             <a:r>
               <a:rPr lang="en-US"/>
@@ -14430,22 +14288,57 @@
           <a:p>
             <a:r>
               <a:rPr lang="de-DE" dirty="0"/>
-              <a:t> 8.120 Produkte mit Eigenschaften </a:t>
+              <a:t> 8.120 Produkte aus 14 Kategorien</a:t>
             </a:r>
           </a:p>
           <a:p>
             <a:r>
               <a:rPr lang="de-DE" dirty="0"/>
-              <a:t>Kategorie, Preis, Gewicht, Beliebtheit, Altersfreigabe </a:t>
-            </a:r>
+              <a:t> Preis, Gewicht, Beliebtheit, </a:t>
+            </a:r>
+            <a:r>
+              <a:rPr lang="de-DE"/>
+              <a:t>Altersfreigabe …</a:t>
+            </a:r>
+            <a:endParaRPr lang="de-DE" dirty="0"/>
           </a:p>
           <a:p>
             <a:pPr marL="0" indent="0">
               <a:buNone/>
             </a:pPr>
             <a:r>
+              <a:rPr lang="de-DE" b="1" dirty="0"/>
+              <a:t>„stores.csv“</a:t>
+            </a:r>
+          </a:p>
+          <a:p>
+            <a:r>
               <a:rPr lang="de-DE" dirty="0"/>
-              <a:t> </a:t>
+              <a:t>  18 Filialen mit Standortinfos, Bundesland, Urbanisierungsgrad                           </a:t>
+            </a:r>
+            <a:r>
+              <a:rPr lang="de-DE" b="1" dirty="0"/>
+              <a:t>Unsere Gruppe:</a:t>
+            </a:r>
+            <a:r>
+              <a:rPr lang="de-DE" dirty="0"/>
+              <a:t>										          </a:t>
+            </a:r>
+            <a:r>
+              <a:rPr lang="de-DE" dirty="0" err="1"/>
+              <a:t>labeled</a:t>
+            </a:r>
+            <a:r>
+              <a:rPr lang="de-DE" dirty="0"/>
+              <a:t>:	      </a:t>
+            </a:r>
+            <a:r>
+              <a:rPr lang="de-DE" dirty="0" err="1"/>
+              <a:t>unlabeled</a:t>
+            </a:r>
+            <a:r>
+              <a:rPr lang="de-DE" dirty="0"/>
+              <a:t>:</a:t>
             </a:r>
           </a:p>
           <a:p>
@@ -14453,20 +14346,8 @@
               <a:buNone/>
             </a:pPr>
             <a:r>
-              <a:rPr lang="de-DE" b="1" dirty="0"/>
-              <a:t>„stores.csv“</a:t>
-            </a:r>
-          </a:p>
-          <a:p>
-            <a:r>
               <a:rPr lang="de-DE" dirty="0"/>
-              <a:t>  18 Filialen </a:t>
-            </a:r>
-          </a:p>
-          <a:p>
-            <a:r>
-              <a:rPr lang="de-DE" dirty="0"/>
-              <a:t>Standortinformationen, Bundesland, Urbanisierungsgrad 	</a:t>
+              <a:t> 	</a:t>
             </a:r>
           </a:p>
           <a:p>
@@ -14503,10 +14384,10 @@
       </p:sp>
       <p:pic>
         <p:nvPicPr>
-          <p:cNvPr id="4" name="Grafik 3">
-            <a:extLst>
-              <a:ext uri="{FF2B5EF4-FFF2-40B4-BE49-F238E27FC236}">
-                <a16:creationId xmlns:a16="http://schemas.microsoft.com/office/drawing/2014/main" id="{3731CF15-955E-C6AF-A125-33E9A23C1979}"/>
+          <p:cNvPr id="11" name="Grafik 10">
+            <a:extLst>
+              <a:ext uri="{FF2B5EF4-FFF2-40B4-BE49-F238E27FC236}">
+                <a16:creationId xmlns:a16="http://schemas.microsoft.com/office/drawing/2014/main" id="{3C583B48-F85D-4ED9-BA98-4716503A7519}"/>
               </a:ext>
             </a:extLst>
           </p:cNvPr>
@@ -14523,8 +14404,8 @@
         </p:blipFill>
         <p:spPr>
           <a:xfrm>
-            <a:off x="7030279" y="2357288"/>
-            <a:ext cx="2133898" cy="2143424"/>
+            <a:off x="8409592" y="4840483"/>
+            <a:ext cx="1324160" cy="733527"/>
           </a:xfrm>
           <a:prstGeom prst="rect">
             <a:avLst/>
@@ -14533,10 +14414,10 @@
       </p:pic>
       <p:pic>
         <p:nvPicPr>
-          <p:cNvPr id="6" name="Grafik 5">
-            <a:extLst>
-              <a:ext uri="{FF2B5EF4-FFF2-40B4-BE49-F238E27FC236}">
-                <a16:creationId xmlns:a16="http://schemas.microsoft.com/office/drawing/2014/main" id="{41FBF9FE-ABA3-C103-4DF1-930616DBA271}"/>
+          <p:cNvPr id="5" name="Grafik 4">
+            <a:extLst>
+              <a:ext uri="{FF2B5EF4-FFF2-40B4-BE49-F238E27FC236}">
+                <a16:creationId xmlns:a16="http://schemas.microsoft.com/office/drawing/2014/main" id="{0EE31664-24D8-0833-5DB5-FC1801BFDE4D}"/>
               </a:ext>
             </a:extLst>
           </p:cNvPr>
@@ -14553,8 +14434,68 @@
         </p:blipFill>
         <p:spPr>
           <a:xfrm>
-            <a:off x="7053469" y="4959753"/>
-            <a:ext cx="1524213" cy="1152686"/>
+            <a:off x="10112267" y="4840483"/>
+            <a:ext cx="1400370" cy="733527"/>
+          </a:xfrm>
+          <a:prstGeom prst="rect">
+            <a:avLst/>
+          </a:prstGeom>
+        </p:spPr>
+      </p:pic>
+      <p:pic>
+        <p:nvPicPr>
+          <p:cNvPr id="10" name="Grafik 9">
+            <a:extLst>
+              <a:ext uri="{FF2B5EF4-FFF2-40B4-BE49-F238E27FC236}">
+                <a16:creationId xmlns:a16="http://schemas.microsoft.com/office/drawing/2014/main" id="{A4CA30DC-606D-A5FE-25F1-EFC237375C85}"/>
+              </a:ext>
+            </a:extLst>
+          </p:cNvPr>
+          <p:cNvPicPr>
+            <a:picLocks noChangeAspect="1"/>
+          </p:cNvPicPr>
+          <p:nvPr/>
+        </p:nvPicPr>
+        <p:blipFill>
+          <a:blip r:embed="rId4"/>
+          <a:stretch>
+            <a:fillRect/>
+          </a:stretch>
+        </p:blipFill>
+        <p:spPr>
+          <a:xfrm>
+            <a:off x="934415" y="4649955"/>
+            <a:ext cx="1000265" cy="1114581"/>
+          </a:xfrm>
+          <a:prstGeom prst="rect">
+            <a:avLst/>
+          </a:prstGeom>
+        </p:spPr>
+      </p:pic>
+      <p:pic>
+        <p:nvPicPr>
+          <p:cNvPr id="14" name="Grafik 13">
+            <a:extLst>
+              <a:ext uri="{FF2B5EF4-FFF2-40B4-BE49-F238E27FC236}">
+                <a16:creationId xmlns:a16="http://schemas.microsoft.com/office/drawing/2014/main" id="{E857EFFD-F6E7-300F-674E-6B8BACCD4BA1}"/>
+              </a:ext>
+            </a:extLst>
+          </p:cNvPr>
+          <p:cNvPicPr>
+            <a:picLocks noChangeAspect="1"/>
+          </p:cNvPicPr>
+          <p:nvPr/>
+        </p:nvPicPr>
+        <p:blipFill>
+          <a:blip r:embed="rId5"/>
+          <a:stretch>
+            <a:fillRect/>
+          </a:stretch>
+        </p:blipFill>
+        <p:spPr>
+          <a:xfrm>
+            <a:off x="2471044" y="4649955"/>
+            <a:ext cx="1047896" cy="1009791"/>
           </a:xfrm>
           <a:prstGeom prst="rect">
             <a:avLst/>
@@ -14564,7 +14505,7 @@
     </p:spTree>
     <p:extLst>
       <p:ext uri="{BB962C8B-B14F-4D97-AF65-F5344CB8AC3E}">
-        <p14:creationId xmlns:p14="http://schemas.microsoft.com/office/powerpoint/2010/main" val="690359582"/>
+        <p14:creationId xmlns:p14="http://schemas.microsoft.com/office/powerpoint/2010/main" val="4217823414"/>
       </p:ext>
     </p:extLst>
   </p:cSld>
@@ -19982,7 +19923,7 @@
             </a:pPr>
             <a:r>
               <a:rPr lang="de-DE" sz="1900" dirty="0"/>
-              <a:t>enthalten häufiger </a:t>
+              <a:t>enthalten leicht häufiger </a:t>
             </a:r>
             <a:r>
               <a:rPr lang="de-DE" sz="1900" b="1" dirty="0"/>
@@ -20212,7 +20153,7 @@
         </p:spPr>
         <p:txBody>
           <a:bodyPr vertOverflow="overflow" horzOverflow="overflow" vert="horz" wrap="square" lIns="91440" tIns="45720" rIns="91440" bIns="45720" numCol="1" spcCol="0" rtlCol="0" fromWordArt="0" anchor="t" anchorCtr="0" forceAA="0" compatLnSpc="0">
-            <a:normAutofit fontScale="95000" lnSpcReduction="1000"/>
+            <a:normAutofit fontScale="95000" lnSpcReduction="11000"/>
           </a:bodyPr>
           <a:lstStyle>
             <a:lvl1pPr marL="228600" indent="-228600" algn="l" defTabSz="914400">
@@ -20486,6 +20427,35 @@
             <a:r>
               <a:rPr lang="de-DE" dirty="0"/>
               <a:t> anzusehen</a:t>
+            </a:r>
+          </a:p>
+          <a:p>
+            <a:pPr lvl="0">
+              <a:lnSpc>
+                <a:spcPct val="111000"/>
+              </a:lnSpc>
+              <a:defRPr/>
+            </a:pPr>
+            <a:endParaRPr lang="de-DE" dirty="0"/>
+          </a:p>
+          <a:p>
+            <a:pPr lvl="0">
+              <a:lnSpc>
+                <a:spcPct val="111000"/>
+              </a:lnSpc>
+              <a:defRPr/>
+            </a:pPr>
+            <a:r>
+              <a:rPr lang="de-DE" dirty="0"/>
+              <a:t>Aber: Extremwerte </a:t>
+            </a:r>
+            <a:r>
+              <a:rPr lang="de-DE" b="1" dirty="0"/>
+              <a:t>nicht systematisch häufiger </a:t>
+            </a:r>
+            <a:r>
+              <a:rPr lang="de-DE" dirty="0"/>
+              <a:t>bei FRAUD als bei NORMAL</a:t>
             </a:r>
           </a:p>
           <a:p>
@@ -20617,8 +20587,8 @@
         </p:nvSpPr>
         <p:spPr bwMode="auto">
           <a:xfrm>
-            <a:off x="592205" y="1842988"/>
-            <a:ext cx="7076956" cy="3767328"/>
+            <a:off x="592204" y="1842988"/>
+            <a:ext cx="10901705" cy="3767328"/>
           </a:xfrm>
         </p:spPr>
         <p:txBody>
@@ -20834,7 +20804,7 @@
             </a:pPr>
             <a:r>
               <a:rPr lang="de-DE" dirty="0"/>
-              <a:t>t-Test als Entscheidungskriterium, welche Prädiktoren signifikant sind</a:t>
+              <a:t>t-Test als Entscheidungskriterium, welche Prädiktoren signifikant sind </a:t>
             </a:r>
           </a:p>
           <a:p>
@@ -21515,83 +21485,6 @@
       </p:grpSpPr>
       <p:sp>
         <p:nvSpPr>
-          <p:cNvPr id="1861776648" name="Title 1"/>
-          <p:cNvSpPr>
-            <a:spLocks noGrp="1"/>
-          </p:cNvSpPr>
-          <p:nvPr>
-            <p:ph type="title"/>
-          </p:nvPr>
-        </p:nvSpPr>
-        <p:spPr bwMode="auto"/>
-        <p:txBody>
-          <a:bodyPr/>
-          <a:lstStyle/>
-          <a:p>
-            <a:pPr>
-              <a:defRPr/>
-            </a:pPr>
-            <a:r>
-              <a:rPr lang="de-DE" dirty="0"/>
-              <a:t>Kategoriale Merkmale: </a:t>
-            </a:r>
-            <a:r>
-              <a:rPr lang="de-CH" dirty="0"/>
-              <a:t>Wochentag</a:t>
-            </a:r>
-            <a:endParaRPr dirty="0"/>
-          </a:p>
-        </p:txBody>
-      </p:sp>
-      <p:pic>
-        <p:nvPicPr>
-          <p:cNvPr id="750932172" name="Grafik 750932171"/>
-          <p:cNvPicPr>
-            <a:picLocks noChangeAspect="1"/>
-          </p:cNvPicPr>
-          <p:nvPr/>
-        </p:nvPicPr>
-        <p:blipFill>
-          <a:blip r:embed="rId3"/>
-          <a:stretch/>
-        </p:blipFill>
-        <p:spPr bwMode="auto">
-          <a:xfrm>
-            <a:off x="2183204" y="2368093"/>
-            <a:ext cx="7620000" cy="3809999"/>
-          </a:xfrm>
-          <a:prstGeom prst="rect">
-            <a:avLst/>
-          </a:prstGeom>
-        </p:spPr>
-      </p:pic>
-    </p:spTree>
-  </p:cSld>
-  <p:clrMapOvr>
-    <a:masterClrMapping/>
-  </p:clrMapOvr>
-</p:sld>
-</file>
-
-<file path=ppt/slides/slide36.xml><?xml version="1.0" encoding="utf-8"?>
-<p:sld xmlns:a="http://schemas.openxmlformats.org/drawingml/2006/main" xmlns:r="http://schemas.openxmlformats.org/officeDocument/2006/relationships" xmlns:p="http://schemas.openxmlformats.org/presentationml/2006/main" showMasterPhAnim="0">
-  <p:cSld>
-    <p:spTree>
-      <p:nvGrpSpPr>
-        <p:cNvPr id="1" name=""/>
-        <p:cNvGrpSpPr/>
-        <p:nvPr/>
-      </p:nvGrpSpPr>
-      <p:grpSpPr bwMode="auto">
-        <a:xfrm>
-          <a:off x="0" y="0"/>
-          <a:ext cx="0" cy="0"/>
-          <a:chOff x="0" y="0"/>
-          <a:chExt cx="0" cy="0"/>
-        </a:xfrm>
-      </p:grpSpPr>
-      <p:sp>
-        <p:nvSpPr>
           <p:cNvPr id="1123850493" name="Title 1"/>
           <p:cNvSpPr>
             <a:spLocks noGrp="1"/>
@@ -21672,7 +21565,7 @@
 </p:sld>
 </file>
 
-<file path=ppt/slides/slide37.xml><?xml version="1.0" encoding="utf-8"?>
+<file path=ppt/slides/slide36.xml><?xml version="1.0" encoding="utf-8"?>
 <p:sld xmlns:a="http://schemas.openxmlformats.org/drawingml/2006/main" xmlns:r="http://schemas.openxmlformats.org/officeDocument/2006/relationships" xmlns:p="http://schemas.openxmlformats.org/presentationml/2006/main" showMasterPhAnim="0">
   <p:cSld>
     <p:spTree>
@@ -21772,7 +21665,7 @@
 </p:sld>
 </file>
 
-<file path=ppt/slides/slide38.xml><?xml version="1.0" encoding="utf-8"?>
+<file path=ppt/slides/slide37.xml><?xml version="1.0" encoding="utf-8"?>
 <p:sld xmlns:a="http://schemas.openxmlformats.org/drawingml/2006/main" xmlns:r="http://schemas.openxmlformats.org/officeDocument/2006/relationships" xmlns:p="http://schemas.openxmlformats.org/presentationml/2006/main" showMasterPhAnim="0">
   <p:cSld>
     <p:spTree>
@@ -21871,7 +21764,7 @@
 </p:sld>
 </file>
 
-<file path=ppt/slides/slide39.xml><?xml version="1.0" encoding="utf-8"?>
+<file path=ppt/slides/slide38.xml><?xml version="1.0" encoding="utf-8"?>
 <p:sld xmlns:a="http://schemas.openxmlformats.org/drawingml/2006/main" xmlns:r="http://schemas.openxmlformats.org/officeDocument/2006/relationships" xmlns:p="http://schemas.openxmlformats.org/presentationml/2006/main" showMasterPhAnim="0">
   <p:cSld>
     <p:spTree>
@@ -21948,201 +21841,7 @@
 </p:sld>
 </file>
 
-<file path=ppt/slides/slide4.xml><?xml version="1.0" encoding="utf-8"?>
-<p:sld xmlns:a="http://schemas.openxmlformats.org/drawingml/2006/main" xmlns:r="http://schemas.openxmlformats.org/officeDocument/2006/relationships" xmlns:p="http://schemas.openxmlformats.org/presentationml/2006/main">
-  <p:cSld>
-    <p:spTree>
-      <p:nvGrpSpPr>
-        <p:cNvPr id="1" name="">
-          <a:extLst>
-            <a:ext uri="{FF2B5EF4-FFF2-40B4-BE49-F238E27FC236}">
-              <a16:creationId xmlns:a16="http://schemas.microsoft.com/office/drawing/2014/main" id="{A45C9AA8-D6D3-0F24-D824-7EDA36AF2861}"/>
-            </a:ext>
-          </a:extLst>
-        </p:cNvPr>
-        <p:cNvGrpSpPr/>
-        <p:nvPr/>
-      </p:nvGrpSpPr>
-      <p:grpSpPr>
-        <a:xfrm>
-          <a:off x="0" y="0"/>
-          <a:ext cx="0" cy="0"/>
-          <a:chOff x="0" y="0"/>
-          <a:chExt cx="0" cy="0"/>
-        </a:xfrm>
-      </p:grpSpPr>
-      <p:sp>
-        <p:nvSpPr>
-          <p:cNvPr id="2" name="Titel 1">
-            <a:extLst>
-              <a:ext uri="{FF2B5EF4-FFF2-40B4-BE49-F238E27FC236}">
-                <a16:creationId xmlns:a16="http://schemas.microsoft.com/office/drawing/2014/main" id="{13EAFF2C-B7EA-B20C-EBAE-D27CC4198C7B}"/>
-              </a:ext>
-            </a:extLst>
-          </p:cNvPr>
-          <p:cNvSpPr>
-            <a:spLocks noGrp="1"/>
-          </p:cNvSpPr>
-          <p:nvPr>
-            <p:ph type="title"/>
-          </p:nvPr>
-        </p:nvSpPr>
-        <p:spPr/>
-        <p:txBody>
-          <a:bodyPr/>
-          <a:lstStyle/>
-          <a:p>
-            <a:r>
-              <a:rPr lang="de-DE" dirty="0"/>
-              <a:t>Meilenstein1: Projektauftrag</a:t>
-            </a:r>
-          </a:p>
-        </p:txBody>
-      </p:sp>
-      <p:sp>
-        <p:nvSpPr>
-          <p:cNvPr id="3" name="Inhaltsplatzhalter 2">
-            <a:extLst>
-              <a:ext uri="{FF2B5EF4-FFF2-40B4-BE49-F238E27FC236}">
-                <a16:creationId xmlns:a16="http://schemas.microsoft.com/office/drawing/2014/main" id="{C2B04436-9192-84A0-7E5E-8463FEAC08F3}"/>
-              </a:ext>
-            </a:extLst>
-          </p:cNvPr>
-          <p:cNvSpPr>
-            <a:spLocks noGrp="1"/>
-          </p:cNvSpPr>
-          <p:nvPr>
-            <p:ph idx="1"/>
-          </p:nvPr>
-        </p:nvSpPr>
-        <p:spPr>
-          <a:xfrm>
-            <a:off x="521208" y="2054103"/>
-            <a:ext cx="11155680" cy="3767328"/>
-          </a:xfrm>
-        </p:spPr>
-        <p:txBody>
-          <a:bodyPr>
-            <a:normAutofit/>
-          </a:bodyPr>
-          <a:lstStyle/>
-          <a:p>
-            <a:r>
-              <a:rPr lang="de-DE" b="1" dirty="0"/>
-              <a:t>Ziel des Projekts: Reduktion betriebswirtschaftlicher Schäden</a:t>
-            </a:r>
-          </a:p>
-          <a:p>
-            <a:pPr lvl="1"/>
-            <a:r>
-              <a:rPr lang="de-DE" b="1" dirty="0"/>
-              <a:t>Modell</a:t>
-            </a:r>
-            <a:r>
-              <a:rPr lang="de-DE" dirty="0"/>
-              <a:t> zur Erkennung </a:t>
-            </a:r>
-            <a:r>
-              <a:rPr lang="de-DE" b="1" dirty="0"/>
-              <a:t>auffälliger Muster/fehlerhafter Abläufe </a:t>
-            </a:r>
-            <a:endParaRPr lang="de-DE" dirty="0"/>
-          </a:p>
-          <a:p>
-            <a:pPr lvl="1"/>
-            <a:r>
-              <a:rPr lang="de-DE" dirty="0"/>
-              <a:t>Algorithmus zur </a:t>
-            </a:r>
-            <a:r>
-              <a:rPr lang="de-DE" b="1" dirty="0"/>
-              <a:t>Kennzeichnung verdächtiger Transaktionen</a:t>
-            </a:r>
-          </a:p>
-          <a:p>
-            <a:pPr lvl="1"/>
-            <a:r>
-              <a:rPr lang="de-DE" b="1" dirty="0"/>
-              <a:t>Konkreten Handlungsempfehlungen</a:t>
-            </a:r>
-          </a:p>
-          <a:p>
-            <a:pPr lvl="1"/>
-            <a:endParaRPr lang="de-DE" b="1" dirty="0"/>
-          </a:p>
-          <a:p>
-            <a:r>
-              <a:rPr lang="de-DE" b="1" dirty="0"/>
-              <a:t>Nebenbedingungen</a:t>
-            </a:r>
-            <a:r>
-              <a:rPr lang="de-DE" dirty="0"/>
-              <a:t>:</a:t>
-            </a:r>
-            <a:endParaRPr lang="de-DE" b="1" dirty="0"/>
-          </a:p>
-          <a:p>
-            <a:pPr lvl="1"/>
-            <a:r>
-              <a:rPr lang="de-DE" b="1" dirty="0"/>
-              <a:t>Technische Machbarkeit</a:t>
-            </a:r>
-          </a:p>
-          <a:p>
-            <a:pPr lvl="1"/>
-            <a:r>
-              <a:rPr lang="de-DE" b="1" dirty="0"/>
-              <a:t>Echtzeitbetrieb &amp; Skalierbarkeit</a:t>
-            </a:r>
-            <a:endParaRPr lang="de-DE" dirty="0"/>
-          </a:p>
-          <a:p>
-            <a:pPr lvl="1"/>
-            <a:r>
-              <a:rPr lang="de-DE" b="1" dirty="0"/>
-              <a:t>Betriebswirtschaftliche Sinnhaftigkeit </a:t>
-            </a:r>
-            <a:r>
-              <a:rPr lang="de-DE" dirty="0"/>
-              <a:t>der Lösung</a:t>
-            </a:r>
-          </a:p>
-          <a:p>
-            <a:pPr lvl="1"/>
-            <a:r>
-              <a:rPr lang="de-DE" b="1" dirty="0"/>
-              <a:t>Bewertungsfunktion</a:t>
-            </a:r>
-            <a:r>
-              <a:rPr lang="de-DE" dirty="0"/>
-              <a:t> zur wirtschaftlichen Bewertung von Kontrollentscheidungen</a:t>
-            </a:r>
-            <a:endParaRPr lang="de-DE" b="1" dirty="0"/>
-          </a:p>
-          <a:p>
-            <a:pPr lvl="1"/>
-            <a:endParaRPr lang="de-DE" b="1" dirty="0"/>
-          </a:p>
-          <a:p>
-            <a:pPr lvl="1"/>
-            <a:endParaRPr lang="de-DE" dirty="0"/>
-          </a:p>
-        </p:txBody>
-      </p:sp>
-    </p:spTree>
-    <p:extLst>
-      <p:ext uri="{BB962C8B-B14F-4D97-AF65-F5344CB8AC3E}">
-        <p14:creationId xmlns:p14="http://schemas.microsoft.com/office/powerpoint/2010/main" val="4126987183"/>
-      </p:ext>
-    </p:extLst>
-  </p:cSld>
-  <p:clrMapOvr>
-    <a:masterClrMapping/>
-  </p:clrMapOvr>
-</p:sld>
-</file>
-
-<file path=ppt/slides/slide40.xml><?xml version="1.0" encoding="utf-8"?>
+<file path=ppt/slides/slide39.xml><?xml version="1.0" encoding="utf-8"?>
 <p:sld xmlns:a="http://schemas.openxmlformats.org/drawingml/2006/main" xmlns:r="http://schemas.openxmlformats.org/officeDocument/2006/relationships" xmlns:p="http://schemas.openxmlformats.org/presentationml/2006/main" showMasterPhAnim="0">
   <p:cSld>
     <p:spTree>
@@ -22573,7 +22272,201 @@
 </p:sld>
 </file>
 
-<file path=ppt/slides/slide41.xml><?xml version="1.0" encoding="utf-8"?>
+<file path=ppt/slides/slide4.xml><?xml version="1.0" encoding="utf-8"?>
+<p:sld xmlns:a="http://schemas.openxmlformats.org/drawingml/2006/main" xmlns:r="http://schemas.openxmlformats.org/officeDocument/2006/relationships" xmlns:p="http://schemas.openxmlformats.org/presentationml/2006/main">
+  <p:cSld>
+    <p:spTree>
+      <p:nvGrpSpPr>
+        <p:cNvPr id="1" name="">
+          <a:extLst>
+            <a:ext uri="{FF2B5EF4-FFF2-40B4-BE49-F238E27FC236}">
+              <a16:creationId xmlns:a16="http://schemas.microsoft.com/office/drawing/2014/main" id="{A45C9AA8-D6D3-0F24-D824-7EDA36AF2861}"/>
+            </a:ext>
+          </a:extLst>
+        </p:cNvPr>
+        <p:cNvGrpSpPr/>
+        <p:nvPr/>
+      </p:nvGrpSpPr>
+      <p:grpSpPr>
+        <a:xfrm>
+          <a:off x="0" y="0"/>
+          <a:ext cx="0" cy="0"/>
+          <a:chOff x="0" y="0"/>
+          <a:chExt cx="0" cy="0"/>
+        </a:xfrm>
+      </p:grpSpPr>
+      <p:sp>
+        <p:nvSpPr>
+          <p:cNvPr id="2" name="Titel 1">
+            <a:extLst>
+              <a:ext uri="{FF2B5EF4-FFF2-40B4-BE49-F238E27FC236}">
+                <a16:creationId xmlns:a16="http://schemas.microsoft.com/office/drawing/2014/main" id="{13EAFF2C-B7EA-B20C-EBAE-D27CC4198C7B}"/>
+              </a:ext>
+            </a:extLst>
+          </p:cNvPr>
+          <p:cNvSpPr>
+            <a:spLocks noGrp="1"/>
+          </p:cNvSpPr>
+          <p:nvPr>
+            <p:ph type="title"/>
+          </p:nvPr>
+        </p:nvSpPr>
+        <p:spPr/>
+        <p:txBody>
+          <a:bodyPr/>
+          <a:lstStyle/>
+          <a:p>
+            <a:r>
+              <a:rPr lang="de-DE" dirty="0"/>
+              <a:t>Meilenstein1: Projektauftrag</a:t>
+            </a:r>
+          </a:p>
+        </p:txBody>
+      </p:sp>
+      <p:sp>
+        <p:nvSpPr>
+          <p:cNvPr id="3" name="Inhaltsplatzhalter 2">
+            <a:extLst>
+              <a:ext uri="{FF2B5EF4-FFF2-40B4-BE49-F238E27FC236}">
+                <a16:creationId xmlns:a16="http://schemas.microsoft.com/office/drawing/2014/main" id="{C2B04436-9192-84A0-7E5E-8463FEAC08F3}"/>
+              </a:ext>
+            </a:extLst>
+          </p:cNvPr>
+          <p:cNvSpPr>
+            <a:spLocks noGrp="1"/>
+          </p:cNvSpPr>
+          <p:nvPr>
+            <p:ph idx="1"/>
+          </p:nvPr>
+        </p:nvSpPr>
+        <p:spPr>
+          <a:xfrm>
+            <a:off x="521208" y="2054103"/>
+            <a:ext cx="11155680" cy="3767328"/>
+          </a:xfrm>
+        </p:spPr>
+        <p:txBody>
+          <a:bodyPr>
+            <a:normAutofit/>
+          </a:bodyPr>
+          <a:lstStyle/>
+          <a:p>
+            <a:r>
+              <a:rPr lang="de-DE" b="1" dirty="0"/>
+              <a:t>Ziel des Projekts: Reduktion betriebswirtschaftlicher Schäden</a:t>
+            </a:r>
+          </a:p>
+          <a:p>
+            <a:pPr lvl="1"/>
+            <a:r>
+              <a:rPr lang="de-DE" b="1" dirty="0"/>
+              <a:t>Modell</a:t>
+            </a:r>
+            <a:r>
+              <a:rPr lang="de-DE" dirty="0"/>
+              <a:t> zur Erkennung </a:t>
+            </a:r>
+            <a:r>
+              <a:rPr lang="de-DE" b="1" dirty="0"/>
+              <a:t>auffälliger Muster/fehlerhafter Abläufe </a:t>
+            </a:r>
+            <a:endParaRPr lang="de-DE" dirty="0"/>
+          </a:p>
+          <a:p>
+            <a:pPr lvl="1"/>
+            <a:r>
+              <a:rPr lang="de-DE" dirty="0"/>
+              <a:t>Algorithmus zur </a:t>
+            </a:r>
+            <a:r>
+              <a:rPr lang="de-DE" b="1" dirty="0"/>
+              <a:t>Kennzeichnung verdächtiger Transaktionen</a:t>
+            </a:r>
+          </a:p>
+          <a:p>
+            <a:pPr lvl="1"/>
+            <a:r>
+              <a:rPr lang="de-DE" b="1" dirty="0"/>
+              <a:t>Konkreten Handlungsempfehlungen</a:t>
+            </a:r>
+          </a:p>
+          <a:p>
+            <a:pPr lvl="1"/>
+            <a:endParaRPr lang="de-DE" b="1" dirty="0"/>
+          </a:p>
+          <a:p>
+            <a:r>
+              <a:rPr lang="de-DE" b="1" dirty="0"/>
+              <a:t>Nebenbedingungen</a:t>
+            </a:r>
+            <a:r>
+              <a:rPr lang="de-DE" dirty="0"/>
+              <a:t>:</a:t>
+            </a:r>
+            <a:endParaRPr lang="de-DE" b="1" dirty="0"/>
+          </a:p>
+          <a:p>
+            <a:pPr lvl="1"/>
+            <a:r>
+              <a:rPr lang="de-DE" b="1" dirty="0"/>
+              <a:t>Technische Machbarkeit</a:t>
+            </a:r>
+          </a:p>
+          <a:p>
+            <a:pPr lvl="1"/>
+            <a:r>
+              <a:rPr lang="de-DE" b="1" dirty="0"/>
+              <a:t>Echtzeitbetrieb &amp; Skalierbarkeit</a:t>
+            </a:r>
+            <a:endParaRPr lang="de-DE" dirty="0"/>
+          </a:p>
+          <a:p>
+            <a:pPr lvl="1"/>
+            <a:r>
+              <a:rPr lang="de-DE" b="1" dirty="0"/>
+              <a:t>Betriebswirtschaftliche Sinnhaftigkeit </a:t>
+            </a:r>
+            <a:r>
+              <a:rPr lang="de-DE" dirty="0"/>
+              <a:t>der Lösung</a:t>
+            </a:r>
+          </a:p>
+          <a:p>
+            <a:pPr lvl="1"/>
+            <a:r>
+              <a:rPr lang="de-DE" b="1" dirty="0"/>
+              <a:t>Bewertungsfunktion</a:t>
+            </a:r>
+            <a:r>
+              <a:rPr lang="de-DE" dirty="0"/>
+              <a:t> zur wirtschaftlichen Bewertung von Kontrollentscheidungen</a:t>
+            </a:r>
+            <a:endParaRPr lang="de-DE" b="1" dirty="0"/>
+          </a:p>
+          <a:p>
+            <a:pPr lvl="1"/>
+            <a:endParaRPr lang="de-DE" b="1" dirty="0"/>
+          </a:p>
+          <a:p>
+            <a:pPr lvl="1"/>
+            <a:endParaRPr lang="de-DE" dirty="0"/>
+          </a:p>
+        </p:txBody>
+      </p:sp>
+    </p:spTree>
+    <p:extLst>
+      <p:ext uri="{BB962C8B-B14F-4D97-AF65-F5344CB8AC3E}">
+        <p14:creationId xmlns:p14="http://schemas.microsoft.com/office/powerpoint/2010/main" val="4126987183"/>
+      </p:ext>
+    </p:extLst>
+  </p:cSld>
+  <p:clrMapOvr>
+    <a:masterClrMapping/>
+  </p:clrMapOvr>
+</p:sld>
+</file>
+
+<file path=ppt/slides/slide40.xml><?xml version="1.0" encoding="utf-8"?>
 <p:sld xmlns:a="http://schemas.openxmlformats.org/drawingml/2006/main" xmlns:r="http://schemas.openxmlformats.org/officeDocument/2006/relationships" xmlns:p="http://schemas.openxmlformats.org/presentationml/2006/main" showMasterPhAnim="0">
   <p:cSld>
     <p:spTree>
@@ -23043,7 +22936,7 @@
 </p:sld>
 </file>
 
-<file path=ppt/slides/slide42.xml><?xml version="1.0" encoding="utf-8"?>
+<file path=ppt/slides/slide41.xml><?xml version="1.0" encoding="utf-8"?>
 <p:sld xmlns:a="http://schemas.openxmlformats.org/drawingml/2006/main" xmlns:r="http://schemas.openxmlformats.org/officeDocument/2006/relationships" xmlns:p="http://schemas.openxmlformats.org/presentationml/2006/main" showMasterPhAnim="0">
   <p:cSld>
     <p:spTree>
@@ -23426,7 +23319,7 @@
 </p:sld>
 </file>
 
-<file path=ppt/slides/slide43.xml><?xml version="1.0" encoding="utf-8"?>
+<file path=ppt/slides/slide42.xml><?xml version="1.0" encoding="utf-8"?>
 <p:sld xmlns:a="http://schemas.openxmlformats.org/drawingml/2006/main" xmlns:r="http://schemas.openxmlformats.org/officeDocument/2006/relationships" xmlns:p="http://schemas.openxmlformats.org/presentationml/2006/main" showMasterPhAnim="0">
   <p:cSld>
     <p:spTree>
@@ -23973,7 +23866,7 @@
 </p:sld>
 </file>
 
-<file path=ppt/slides/slide44.xml><?xml version="1.0" encoding="utf-8"?>
+<file path=ppt/slides/slide43.xml><?xml version="1.0" encoding="utf-8"?>
 <p:sld xmlns:a="http://schemas.openxmlformats.org/drawingml/2006/main" xmlns:r="http://schemas.openxmlformats.org/officeDocument/2006/relationships" xmlns:p="http://schemas.openxmlformats.org/presentationml/2006/main">
   <p:cSld>
     <p:spTree>
@@ -24170,7 +24063,7 @@
 </p:sld>
 </file>
 
-<file path=ppt/slides/slide45.xml><?xml version="1.0" encoding="utf-8"?>
+<file path=ppt/slides/slide44.xml><?xml version="1.0" encoding="utf-8"?>
 <p:sld xmlns:a="http://schemas.openxmlformats.org/drawingml/2006/main" xmlns:r="http://schemas.openxmlformats.org/officeDocument/2006/relationships" xmlns:p="http://schemas.openxmlformats.org/presentationml/2006/main">
   <p:cSld>
     <p:spTree>
@@ -24390,7 +24283,7 @@
 </p:sld>
 </file>
 
-<file path=ppt/slides/slide46.xml><?xml version="1.0" encoding="utf-8"?>
+<file path=ppt/slides/slide45.xml><?xml version="1.0" encoding="utf-8"?>
 <p:sld xmlns:a="http://schemas.openxmlformats.org/drawingml/2006/main" xmlns:r="http://schemas.openxmlformats.org/officeDocument/2006/relationships" xmlns:p="http://schemas.openxmlformats.org/presentationml/2006/main">
   <p:cSld>
     <p:bg>
@@ -24793,7 +24686,7 @@
 </p:sld>
 </file>
 
-<file path=ppt/slides/slide47.xml><?xml version="1.0" encoding="utf-8"?>
+<file path=ppt/slides/slide46.xml><?xml version="1.0" encoding="utf-8"?>
 <p:sld xmlns:a="http://schemas.openxmlformats.org/drawingml/2006/main" xmlns:r="http://schemas.openxmlformats.org/officeDocument/2006/relationships" xmlns:p="http://schemas.openxmlformats.org/presentationml/2006/main">
   <p:cSld>
     <p:spTree>
@@ -25019,7 +24912,7 @@
 </p:sld>
 </file>
 
-<file path=ppt/slides/slide48.xml><?xml version="1.0" encoding="utf-8"?>
+<file path=ppt/slides/slide47.xml><?xml version="1.0" encoding="utf-8"?>
 <p:sld xmlns:a="http://schemas.openxmlformats.org/drawingml/2006/main" xmlns:r="http://schemas.openxmlformats.org/officeDocument/2006/relationships" xmlns:p="http://schemas.openxmlformats.org/presentationml/2006/main">
   <p:cSld>
     <p:spTree>
@@ -25192,7 +25085,7 @@
 </p:sld>
 </file>
 
-<file path=ppt/slides/slide49.xml><?xml version="1.0" encoding="utf-8"?>
+<file path=ppt/slides/slide48.xml><?xml version="1.0" encoding="utf-8"?>
 <p:sld xmlns:a="http://schemas.openxmlformats.org/drawingml/2006/main" xmlns:r="http://schemas.openxmlformats.org/officeDocument/2006/relationships" xmlns:p="http://schemas.openxmlformats.org/presentationml/2006/main">
   <p:cSld>
     <p:spTree>
@@ -25353,6 +25246,145 @@
     <p:extLst>
       <p:ext uri="{BB962C8B-B14F-4D97-AF65-F5344CB8AC3E}">
         <p14:creationId xmlns:p14="http://schemas.microsoft.com/office/powerpoint/2010/main" val="1901667240"/>
+      </p:ext>
+    </p:extLst>
+  </p:cSld>
+  <p:clrMapOvr>
+    <a:masterClrMapping/>
+  </p:clrMapOvr>
+</p:sld>
+</file>
+
+<file path=ppt/slides/slide49.xml><?xml version="1.0" encoding="utf-8"?>
+<p:sld xmlns:a="http://schemas.openxmlformats.org/drawingml/2006/main" xmlns:r="http://schemas.openxmlformats.org/officeDocument/2006/relationships" xmlns:p="http://schemas.openxmlformats.org/presentationml/2006/main">
+  <p:cSld>
+    <p:spTree>
+      <p:nvGrpSpPr>
+        <p:cNvPr id="1" name="">
+          <a:extLst>
+            <a:ext uri="{FF2B5EF4-FFF2-40B4-BE49-F238E27FC236}">
+              <a16:creationId xmlns:a16="http://schemas.microsoft.com/office/drawing/2014/main" id="{590D3595-CBCE-FDBD-4C2E-A73997F272D8}"/>
+            </a:ext>
+          </a:extLst>
+        </p:cNvPr>
+        <p:cNvGrpSpPr/>
+        <p:nvPr/>
+      </p:nvGrpSpPr>
+      <p:grpSpPr>
+        <a:xfrm>
+          <a:off x="0" y="0"/>
+          <a:ext cx="0" cy="0"/>
+          <a:chOff x="0" y="0"/>
+          <a:chExt cx="0" cy="0"/>
+        </a:xfrm>
+      </p:grpSpPr>
+      <p:sp>
+        <p:nvSpPr>
+          <p:cNvPr id="2" name="Title 1">
+            <a:extLst>
+              <a:ext uri="{FF2B5EF4-FFF2-40B4-BE49-F238E27FC236}">
+                <a16:creationId xmlns:a16="http://schemas.microsoft.com/office/drawing/2014/main" id="{88878CCE-922B-7070-D2C8-65B631686703}"/>
+              </a:ext>
+            </a:extLst>
+          </p:cNvPr>
+          <p:cNvSpPr>
+            <a:spLocks noGrp="1"/>
+          </p:cNvSpPr>
+          <p:nvPr>
+            <p:ph type="title"/>
+          </p:nvPr>
+        </p:nvSpPr>
+        <p:spPr/>
+        <p:txBody>
+          <a:bodyPr/>
+          <a:lstStyle/>
+          <a:p>
+            <a:r>
+              <a:rPr lang="de-DE" dirty="0"/>
+              <a:t>Stufe 1: Statische Regeln zur Vorfilterung</a:t>
+            </a:r>
+          </a:p>
+        </p:txBody>
+      </p:sp>
+      <p:sp>
+        <p:nvSpPr>
+          <p:cNvPr id="3" name="Content Placeholder 2">
+            <a:extLst>
+              <a:ext uri="{FF2B5EF4-FFF2-40B4-BE49-F238E27FC236}">
+                <a16:creationId xmlns:a16="http://schemas.microsoft.com/office/drawing/2014/main" id="{F8A14773-5DD0-4524-B1F5-DAA6ED939A26}"/>
+              </a:ext>
+            </a:extLst>
+          </p:cNvPr>
+          <p:cNvSpPr>
+            <a:spLocks noGrp="1"/>
+          </p:cNvSpPr>
+          <p:nvPr>
+            <p:ph idx="1"/>
+          </p:nvPr>
+        </p:nvSpPr>
+        <p:spPr>
+          <a:xfrm>
+            <a:off x="521208" y="2140527"/>
+            <a:ext cx="11155680" cy="4222082"/>
+          </a:xfrm>
+        </p:spPr>
+        <p:txBody>
+          <a:bodyPr>
+            <a:normAutofit/>
+          </a:bodyPr>
+          <a:lstStyle/>
+          <a:p>
+            <a:pPr marL="0" indent="0">
+              <a:buNone/>
+            </a:pPr>
+            <a:endParaRPr lang="de-DE" b="1" dirty="0"/>
+          </a:p>
+          <a:p>
+            <a:r>
+              <a:rPr lang="de-DE" dirty="0"/>
+              <a:t>Ziel: einfache, </a:t>
+            </a:r>
+            <a:r>
+              <a:rPr lang="de-DE" b="1" dirty="0"/>
+              <a:t>interpretierbare Regeln mit hoher Präzision bei minimaler Komplexität</a:t>
+            </a:r>
+          </a:p>
+          <a:p>
+            <a:endParaRPr lang="de-DE" dirty="0"/>
+          </a:p>
+          <a:p>
+            <a:r>
+              <a:rPr lang="de-DE" b="1" dirty="0"/>
+              <a:t>Methodik:</a:t>
+            </a:r>
+          </a:p>
+          <a:p>
+            <a:pPr lvl="1"/>
+            <a:r>
+              <a:rPr lang="de-DE" dirty="0"/>
+              <a:t>Daten kategorial / binär kodiert</a:t>
+            </a:r>
+          </a:p>
+          <a:p>
+            <a:pPr lvl="1"/>
+            <a:r>
+              <a:rPr lang="de-DE" dirty="0"/>
+              <a:t>Analyse von Regeln mit ein bis zwei Merkmalen, um Überanpassung zu vermeiden und Interpretierbarkeit zu gewährleisten</a:t>
+            </a:r>
+          </a:p>
+          <a:p>
+            <a:pPr lvl="1"/>
+            <a:r>
+              <a:rPr lang="de-DE" dirty="0"/>
+              <a:t>Bewertung: Güte der Vorhersage höher als bei dem anschließenden Klassifikationsmodell</a:t>
+            </a:r>
+          </a:p>
+        </p:txBody>
+      </p:sp>
+    </p:spTree>
+    <p:extLst>
+      <p:ext uri="{BB962C8B-B14F-4D97-AF65-F5344CB8AC3E}">
+        <p14:creationId xmlns:p14="http://schemas.microsoft.com/office/powerpoint/2010/main" val="1947142025"/>
       </p:ext>
     </p:extLst>
   </p:cSld>
@@ -25535,145 +25567,6 @@
 </file>
 
 <file path=ppt/slides/slide50.xml><?xml version="1.0" encoding="utf-8"?>
-<p:sld xmlns:a="http://schemas.openxmlformats.org/drawingml/2006/main" xmlns:r="http://schemas.openxmlformats.org/officeDocument/2006/relationships" xmlns:p="http://schemas.openxmlformats.org/presentationml/2006/main">
-  <p:cSld>
-    <p:spTree>
-      <p:nvGrpSpPr>
-        <p:cNvPr id="1" name="">
-          <a:extLst>
-            <a:ext uri="{FF2B5EF4-FFF2-40B4-BE49-F238E27FC236}">
-              <a16:creationId xmlns:a16="http://schemas.microsoft.com/office/drawing/2014/main" id="{590D3595-CBCE-FDBD-4C2E-A73997F272D8}"/>
-            </a:ext>
-          </a:extLst>
-        </p:cNvPr>
-        <p:cNvGrpSpPr/>
-        <p:nvPr/>
-      </p:nvGrpSpPr>
-      <p:grpSpPr>
-        <a:xfrm>
-          <a:off x="0" y="0"/>
-          <a:ext cx="0" cy="0"/>
-          <a:chOff x="0" y="0"/>
-          <a:chExt cx="0" cy="0"/>
-        </a:xfrm>
-      </p:grpSpPr>
-      <p:sp>
-        <p:nvSpPr>
-          <p:cNvPr id="2" name="Title 1">
-            <a:extLst>
-              <a:ext uri="{FF2B5EF4-FFF2-40B4-BE49-F238E27FC236}">
-                <a16:creationId xmlns:a16="http://schemas.microsoft.com/office/drawing/2014/main" id="{88878CCE-922B-7070-D2C8-65B631686703}"/>
-              </a:ext>
-            </a:extLst>
-          </p:cNvPr>
-          <p:cNvSpPr>
-            <a:spLocks noGrp="1"/>
-          </p:cNvSpPr>
-          <p:nvPr>
-            <p:ph type="title"/>
-          </p:nvPr>
-        </p:nvSpPr>
-        <p:spPr/>
-        <p:txBody>
-          <a:bodyPr/>
-          <a:lstStyle/>
-          <a:p>
-            <a:r>
-              <a:rPr lang="de-DE" dirty="0"/>
-              <a:t>Stufe 1: Statische Regeln zur Vorfilterung</a:t>
-            </a:r>
-          </a:p>
-        </p:txBody>
-      </p:sp>
-      <p:sp>
-        <p:nvSpPr>
-          <p:cNvPr id="3" name="Content Placeholder 2">
-            <a:extLst>
-              <a:ext uri="{FF2B5EF4-FFF2-40B4-BE49-F238E27FC236}">
-                <a16:creationId xmlns:a16="http://schemas.microsoft.com/office/drawing/2014/main" id="{F8A14773-5DD0-4524-B1F5-DAA6ED939A26}"/>
-              </a:ext>
-            </a:extLst>
-          </p:cNvPr>
-          <p:cNvSpPr>
-            <a:spLocks noGrp="1"/>
-          </p:cNvSpPr>
-          <p:nvPr>
-            <p:ph idx="1"/>
-          </p:nvPr>
-        </p:nvSpPr>
-        <p:spPr>
-          <a:xfrm>
-            <a:off x="521208" y="2140527"/>
-            <a:ext cx="11155680" cy="4222082"/>
-          </a:xfrm>
-        </p:spPr>
-        <p:txBody>
-          <a:bodyPr>
-            <a:normAutofit/>
-          </a:bodyPr>
-          <a:lstStyle/>
-          <a:p>
-            <a:pPr marL="0" indent="0">
-              <a:buNone/>
-            </a:pPr>
-            <a:endParaRPr lang="de-DE" b="1" dirty="0"/>
-          </a:p>
-          <a:p>
-            <a:r>
-              <a:rPr lang="de-DE" dirty="0"/>
-              <a:t>Ziel: einfache, </a:t>
-            </a:r>
-            <a:r>
-              <a:rPr lang="de-DE" b="1" dirty="0"/>
-              <a:t>interpretierbare Regeln mit hoher Präzision bei minimaler Komplexität</a:t>
-            </a:r>
-          </a:p>
-          <a:p>
-            <a:endParaRPr lang="de-DE" dirty="0"/>
-          </a:p>
-          <a:p>
-            <a:r>
-              <a:rPr lang="de-DE" b="1" dirty="0"/>
-              <a:t>Methodik:</a:t>
-            </a:r>
-          </a:p>
-          <a:p>
-            <a:pPr lvl="1"/>
-            <a:r>
-              <a:rPr lang="de-DE" dirty="0"/>
-              <a:t>Daten kategorial / binär kodiert</a:t>
-            </a:r>
-          </a:p>
-          <a:p>
-            <a:pPr lvl="1"/>
-            <a:r>
-              <a:rPr lang="de-DE" dirty="0"/>
-              <a:t>Analyse von Regeln mit ein bis zwei Merkmalen, um Überanpassung zu vermeiden und Interpretierbarkeit zu gewährleisten</a:t>
-            </a:r>
-          </a:p>
-          <a:p>
-            <a:pPr lvl="1"/>
-            <a:r>
-              <a:rPr lang="de-DE" dirty="0"/>
-              <a:t>Bewertung: Güte der Vorhersage höher als bei dem anschließenden Klassifikationsmodell</a:t>
-            </a:r>
-          </a:p>
-        </p:txBody>
-      </p:sp>
-    </p:spTree>
-    <p:extLst>
-      <p:ext uri="{BB962C8B-B14F-4D97-AF65-F5344CB8AC3E}">
-        <p14:creationId xmlns:p14="http://schemas.microsoft.com/office/powerpoint/2010/main" val="1947142025"/>
-      </p:ext>
-    </p:extLst>
-  </p:cSld>
-  <p:clrMapOvr>
-    <a:masterClrMapping/>
-  </p:clrMapOvr>
-</p:sld>
-</file>
-
-<file path=ppt/slides/slide51.xml><?xml version="1.0" encoding="utf-8"?>
 <p:sld xmlns:a="http://schemas.openxmlformats.org/drawingml/2006/main" xmlns:r="http://schemas.openxmlformats.org/officeDocument/2006/relationships" xmlns:p="http://schemas.openxmlformats.org/presentationml/2006/main">
   <p:cSld>
     <p:spTree>
@@ -25810,7 +25703,7 @@
 </p:sld>
 </file>
 
-<file path=ppt/slides/slide52.xml><?xml version="1.0" encoding="utf-8"?>
+<file path=ppt/slides/slide51.xml><?xml version="1.0" encoding="utf-8"?>
 <p:sld xmlns:a="http://schemas.openxmlformats.org/drawingml/2006/main" xmlns:r="http://schemas.openxmlformats.org/officeDocument/2006/relationships" xmlns:p="http://schemas.openxmlformats.org/presentationml/2006/main">
   <p:cSld>
     <p:spTree>
@@ -25985,7 +25878,7 @@
 </p:sld>
 </file>
 
-<file path=ppt/slides/slide53.xml><?xml version="1.0" encoding="utf-8"?>
+<file path=ppt/slides/slide52.xml><?xml version="1.0" encoding="utf-8"?>
 <p:sld xmlns:a="http://schemas.openxmlformats.org/drawingml/2006/main" xmlns:r="http://schemas.openxmlformats.org/officeDocument/2006/relationships" xmlns:p="http://schemas.openxmlformats.org/presentationml/2006/main">
   <p:cSld>
     <p:spTree>
@@ -26182,7 +26075,7 @@
 </p:sld>
 </file>
 
-<file path=ppt/slides/slide54.xml><?xml version="1.0" encoding="utf-8"?>
+<file path=ppt/slides/slide53.xml><?xml version="1.0" encoding="utf-8"?>
 <p:sld xmlns:a="http://schemas.openxmlformats.org/drawingml/2006/main" xmlns:r="http://schemas.openxmlformats.org/officeDocument/2006/relationships" xmlns:p="http://schemas.openxmlformats.org/presentationml/2006/main">
   <p:cSld>
     <p:spTree>
@@ -26369,7 +26262,7 @@
 </p:sld>
 </file>
 
-<file path=ppt/slides/slide55.xml><?xml version="1.0" encoding="utf-8"?>
+<file path=ppt/slides/slide54.xml><?xml version="1.0" encoding="utf-8"?>
 <p:sld xmlns:a="http://schemas.openxmlformats.org/drawingml/2006/main" xmlns:r="http://schemas.openxmlformats.org/officeDocument/2006/relationships" xmlns:p="http://schemas.openxmlformats.org/presentationml/2006/main" showMasterPhAnim="0">
   <p:cSld>
     <p:spTree>
@@ -26569,7 +26462,7 @@
 </p:sld>
 </file>
 
-<file path=ppt/slides/slide56.xml><?xml version="1.0" encoding="utf-8"?>
+<file path=ppt/slides/slide55.xml><?xml version="1.0" encoding="utf-8"?>
 <p:sld xmlns:a="http://schemas.openxmlformats.org/drawingml/2006/main" xmlns:r="http://schemas.openxmlformats.org/officeDocument/2006/relationships" xmlns:p="http://schemas.openxmlformats.org/presentationml/2006/main" showMasterPhAnim="0">
   <p:cSld>
     <p:spTree>
@@ -26837,7 +26730,7 @@
 </p:sld>
 </file>
 
-<file path=ppt/slides/slide57.xml><?xml version="1.0" encoding="utf-8"?>
+<file path=ppt/slides/slide56.xml><?xml version="1.0" encoding="utf-8"?>
 <p:sld xmlns:a="http://schemas.openxmlformats.org/drawingml/2006/main" xmlns:r="http://schemas.openxmlformats.org/officeDocument/2006/relationships" xmlns:p="http://schemas.openxmlformats.org/presentationml/2006/main" showMasterPhAnim="0">
   <p:cSld>
     <p:spTree>
@@ -27141,7 +27034,7 @@
 </p:sld>
 </file>
 
-<file path=ppt/slides/slide58.xml><?xml version="1.0" encoding="utf-8"?>
+<file path=ppt/slides/slide57.xml><?xml version="1.0" encoding="utf-8"?>
 <p:sld xmlns:a="http://schemas.openxmlformats.org/drawingml/2006/main" xmlns:r="http://schemas.openxmlformats.org/officeDocument/2006/relationships" xmlns:p="http://schemas.openxmlformats.org/presentationml/2006/main" showMasterPhAnim="0">
   <p:cSld>
     <p:spTree>
@@ -27442,7 +27335,7 @@
 </p:sld>
 </file>
 
-<file path=ppt/slides/slide59.xml><?xml version="1.0" encoding="utf-8"?>
+<file path=ppt/slides/slide58.xml><?xml version="1.0" encoding="utf-8"?>
 <p:sld xmlns:a="http://schemas.openxmlformats.org/drawingml/2006/main" xmlns:r="http://schemas.openxmlformats.org/officeDocument/2006/relationships" xmlns:p="http://schemas.openxmlformats.org/presentationml/2006/main" showMasterPhAnim="0">
   <p:cSld>
     <p:spTree>
@@ -27740,6 +27633,291 @@
 </p:sld>
 </file>
 
+<file path=ppt/slides/slide59.xml><?xml version="1.0" encoding="utf-8"?>
+<p:sld xmlns:a="http://schemas.openxmlformats.org/drawingml/2006/main" xmlns:r="http://schemas.openxmlformats.org/officeDocument/2006/relationships" xmlns:p="http://schemas.openxmlformats.org/presentationml/2006/main" showMasterPhAnim="0">
+  <p:cSld>
+    <p:spTree>
+      <p:nvGrpSpPr>
+        <p:cNvPr id="1" name="">
+          <a:extLst>
+            <a:ext uri="{FF2B5EF4-FFF2-40B4-BE49-F238E27FC236}">
+              <a16:creationId xmlns:a16="http://schemas.microsoft.com/office/drawing/2014/main" id="{C0C35550-AC60-B43F-8F4D-23F64BC83CB8}"/>
+            </a:ext>
+          </a:extLst>
+        </p:cNvPr>
+        <p:cNvGrpSpPr/>
+        <p:nvPr/>
+      </p:nvGrpSpPr>
+      <p:grpSpPr bwMode="auto">
+        <a:xfrm>
+          <a:off x="0" y="0"/>
+          <a:ext cx="0" cy="0"/>
+          <a:chOff x="0" y="0"/>
+          <a:chExt cx="0" cy="0"/>
+        </a:xfrm>
+      </p:grpSpPr>
+      <p:sp>
+        <p:nvSpPr>
+          <p:cNvPr id="1119884738" name="Title 1">
+            <a:extLst>
+              <a:ext uri="{FF2B5EF4-FFF2-40B4-BE49-F238E27FC236}">
+                <a16:creationId xmlns:a16="http://schemas.microsoft.com/office/drawing/2014/main" id="{A321F676-5C37-945E-4381-325236D9A646}"/>
+              </a:ext>
+            </a:extLst>
+          </p:cNvPr>
+          <p:cNvSpPr>
+            <a:spLocks noGrp="1"/>
+          </p:cNvSpPr>
+          <p:nvPr>
+            <p:ph type="title"/>
+          </p:nvPr>
+        </p:nvSpPr>
+        <p:spPr bwMode="auto"/>
+        <p:txBody>
+          <a:bodyPr/>
+          <a:lstStyle/>
+          <a:p>
+            <a:pPr>
+              <a:defRPr/>
+            </a:pPr>
+            <a:r>
+              <a:rPr lang="de-DE" dirty="0"/>
+              <a:t>Modellvergleich (3)</a:t>
+            </a:r>
+            <a:endParaRPr dirty="0"/>
+          </a:p>
+        </p:txBody>
+      </p:sp>
+      <p:sp>
+        <p:nvSpPr>
+          <p:cNvPr id="701458849" name="Content Placeholder 2">
+            <a:extLst>
+              <a:ext uri="{FF2B5EF4-FFF2-40B4-BE49-F238E27FC236}">
+                <a16:creationId xmlns:a16="http://schemas.microsoft.com/office/drawing/2014/main" id="{904FA809-3187-12C0-ECAF-888E7E7CFB90}"/>
+              </a:ext>
+            </a:extLst>
+          </p:cNvPr>
+          <p:cNvSpPr>
+            <a:spLocks noGrp="1"/>
+          </p:cNvSpPr>
+          <p:nvPr>
+            <p:ph idx="1"/>
+          </p:nvPr>
+        </p:nvSpPr>
+        <p:spPr bwMode="auto">
+          <a:xfrm>
+            <a:off x="518160" y="2161310"/>
+            <a:ext cx="11155680" cy="3927764"/>
+          </a:xfrm>
+        </p:spPr>
+        <p:txBody>
+          <a:bodyPr>
+            <a:normAutofit fontScale="85000" lnSpcReduction="10000"/>
+          </a:bodyPr>
+          <a:lstStyle/>
+          <a:p>
+            <a:pPr>
+              <a:defRPr/>
+            </a:pPr>
+            <a:r>
+              <a:rPr lang="de-DE" sz="1800" b="1" i="0" u="none" strike="noStrike" cap="none" spc="0" dirty="0" err="1">
+                <a:solidFill>
+                  <a:schemeClr val="tx1"/>
+                </a:solidFill>
+                <a:latin typeface="Bierstadt"/>
+                <a:cs typeface="Bierstadt"/>
+              </a:rPr>
+              <a:t>XGBoost</a:t>
+            </a:r>
+            <a:r>
+              <a:rPr lang="de-DE" sz="1800" b="1" i="0" u="none" strike="noStrike" cap="none" spc="0" dirty="0">
+                <a:solidFill>
+                  <a:schemeClr val="tx1"/>
+                </a:solidFill>
+                <a:latin typeface="Bierstadt"/>
+                <a:cs typeface="Bierstadt"/>
+              </a:rPr>
+              <a:t> mit besserem Recall, </a:t>
+            </a:r>
+            <a:r>
+              <a:rPr lang="de-DE" sz="1800" b="1" i="0" u="none" strike="noStrike" cap="none" spc="0" dirty="0" err="1">
+                <a:solidFill>
+                  <a:schemeClr val="tx1"/>
+                </a:solidFill>
+                <a:latin typeface="Bierstadt"/>
+                <a:cs typeface="Bierstadt"/>
+              </a:rPr>
+              <a:t>CatBoost</a:t>
+            </a:r>
+            <a:r>
+              <a:rPr lang="de-DE" sz="1800" b="1" i="0" u="none" strike="noStrike" cap="none" spc="0" dirty="0">
+                <a:solidFill>
+                  <a:schemeClr val="tx1"/>
+                </a:solidFill>
+                <a:latin typeface="Bierstadt"/>
+                <a:cs typeface="Bierstadt"/>
+              </a:rPr>
+              <a:t> mit höherer Präzision </a:t>
+            </a:r>
+            <a:r>
+              <a:rPr lang="de-DE" sz="1800" i="0" u="none" strike="noStrike" cap="none" spc="0" dirty="0">
+                <a:solidFill>
+                  <a:schemeClr val="tx1"/>
+                </a:solidFill>
+                <a:latin typeface="Bierstadt"/>
+                <a:cs typeface="Bierstadt"/>
+              </a:rPr>
+              <a:t>→ Trade-off zwischen Entdeckungsrate und Kontrollkosten</a:t>
+            </a:r>
+          </a:p>
+          <a:p>
+            <a:pPr>
+              <a:defRPr/>
+            </a:pPr>
+            <a:endParaRPr lang="de-DE" sz="1800" i="0" u="none" strike="noStrike" cap="none" spc="0" dirty="0">
+              <a:solidFill>
+                <a:schemeClr val="tx1"/>
+              </a:solidFill>
+              <a:latin typeface="Bierstadt"/>
+              <a:cs typeface="Bierstadt"/>
+            </a:endParaRPr>
+          </a:p>
+          <a:p>
+            <a:pPr>
+              <a:defRPr/>
+            </a:pPr>
+            <a:r>
+              <a:rPr lang="de-DE" sz="1800" i="0" u="none" strike="noStrike" cap="none" spc="0" dirty="0">
+                <a:solidFill>
+                  <a:schemeClr val="tx1"/>
+                </a:solidFill>
+                <a:latin typeface="Bierstadt"/>
+                <a:cs typeface="Bierstadt"/>
+              </a:rPr>
+              <a:t>Random Forest unterliegt dem Einzelbaum – trotz Theorievorteil</a:t>
+            </a:r>
+          </a:p>
+          <a:p>
+            <a:pPr lvl="1">
+              <a:defRPr/>
+            </a:pPr>
+            <a:r>
+              <a:rPr lang="de-DE" i="0" u="none" strike="noStrike" cap="none" spc="0" dirty="0">
+                <a:solidFill>
+                  <a:schemeClr val="tx1"/>
+                </a:solidFill>
+                <a:latin typeface="Bierstadt"/>
+                <a:cs typeface="Bierstadt"/>
+              </a:rPr>
+              <a:t>Ursache: fehlende Hyperparameter-Optimierung</a:t>
+            </a:r>
+          </a:p>
+          <a:p>
+            <a:pPr lvl="1">
+              <a:defRPr/>
+            </a:pPr>
+            <a:endParaRPr lang="de-DE" dirty="0"/>
+          </a:p>
+          <a:p>
+            <a:pPr>
+              <a:defRPr/>
+            </a:pPr>
+            <a:r>
+              <a:rPr lang="de-DE" dirty="0" err="1"/>
+              <a:t>CatBoost</a:t>
+            </a:r>
+            <a:r>
+              <a:rPr lang="de-DE" dirty="0"/>
+              <a:t> leicht besser, aber </a:t>
+            </a:r>
+            <a:r>
+              <a:rPr lang="de-DE" b="1" dirty="0"/>
+              <a:t>Entscheidung zugunsten </a:t>
+            </a:r>
+            <a:r>
+              <a:rPr lang="de-DE" b="1" dirty="0" err="1"/>
+              <a:t>XGBoost</a:t>
+            </a:r>
+            <a:r>
+              <a:rPr lang="de-DE" b="1" dirty="0"/>
+              <a:t> </a:t>
+            </a:r>
+            <a:r>
+              <a:rPr lang="de-DE" dirty="0"/>
+              <a:t>aus praktischen Gründen:</a:t>
+            </a:r>
+          </a:p>
+          <a:p>
+            <a:pPr lvl="1">
+              <a:defRPr/>
+            </a:pPr>
+            <a:r>
+              <a:rPr lang="de-DE" dirty="0"/>
+              <a:t>Starke Verbreitung</a:t>
+            </a:r>
+          </a:p>
+          <a:p>
+            <a:pPr lvl="1">
+              <a:defRPr/>
+            </a:pPr>
+            <a:r>
+              <a:rPr lang="de-DE" dirty="0"/>
+              <a:t>Gute Dokumentation</a:t>
+            </a:r>
+          </a:p>
+          <a:p>
+            <a:pPr lvl="1">
+              <a:defRPr/>
+            </a:pPr>
+            <a:r>
+              <a:rPr lang="de-DE" dirty="0"/>
+              <a:t>Effizientes Training</a:t>
+            </a:r>
+          </a:p>
+          <a:p>
+            <a:pPr lvl="1">
+              <a:defRPr/>
+            </a:pPr>
+            <a:r>
+              <a:rPr lang="de-DE" dirty="0"/>
+              <a:t>Besser wart- &amp; erweiterbar im operativen Einsatz</a:t>
+            </a:r>
+          </a:p>
+          <a:p>
+            <a:pPr>
+              <a:defRPr/>
+            </a:pPr>
+            <a:endParaRPr lang="de-DE" dirty="0"/>
+          </a:p>
+          <a:p>
+            <a:pPr>
+              <a:defRPr/>
+            </a:pPr>
+            <a:r>
+              <a:rPr lang="de-DE" b="1" dirty="0"/>
+              <a:t>Erfüllt alle Anforderungen</a:t>
+            </a:r>
+            <a:r>
+              <a:rPr lang="de-DE" dirty="0"/>
+              <a:t>: Verständlichkeit, Skalierbarkeit, Robustheit, Reproduzierbarkeit</a:t>
+            </a:r>
+            <a:endParaRPr dirty="0"/>
+          </a:p>
+        </p:txBody>
+      </p:sp>
+    </p:spTree>
+    <p:extLst>
+      <p:ext uri="{BB962C8B-B14F-4D97-AF65-F5344CB8AC3E}">
+        <p14:creationId xmlns:p14="http://schemas.microsoft.com/office/powerpoint/2010/main" val="3850368565"/>
+      </p:ext>
+    </p:extLst>
+  </p:cSld>
+  <p:clrMapOvr>
+    <a:masterClrMapping/>
+  </p:clrMapOvr>
+</p:sld>
+</file>
+
 <file path=ppt/slides/slide6.xml><?xml version="1.0" encoding="utf-8"?>
 <p:sld xmlns:a="http://schemas.openxmlformats.org/drawingml/2006/main" xmlns:r="http://schemas.openxmlformats.org/officeDocument/2006/relationships" xmlns:p="http://schemas.openxmlformats.org/presentationml/2006/main">
   <p:cSld>
@@ -27905,291 +28083,6 @@
 </file>
 
 <file path=ppt/slides/slide60.xml><?xml version="1.0" encoding="utf-8"?>
-<p:sld xmlns:a="http://schemas.openxmlformats.org/drawingml/2006/main" xmlns:r="http://schemas.openxmlformats.org/officeDocument/2006/relationships" xmlns:p="http://schemas.openxmlformats.org/presentationml/2006/main" showMasterPhAnim="0">
-  <p:cSld>
-    <p:spTree>
-      <p:nvGrpSpPr>
-        <p:cNvPr id="1" name="">
-          <a:extLst>
-            <a:ext uri="{FF2B5EF4-FFF2-40B4-BE49-F238E27FC236}">
-              <a16:creationId xmlns:a16="http://schemas.microsoft.com/office/drawing/2014/main" id="{C0C35550-AC60-B43F-8F4D-23F64BC83CB8}"/>
-            </a:ext>
-          </a:extLst>
-        </p:cNvPr>
-        <p:cNvGrpSpPr/>
-        <p:nvPr/>
-      </p:nvGrpSpPr>
-      <p:grpSpPr bwMode="auto">
-        <a:xfrm>
-          <a:off x="0" y="0"/>
-          <a:ext cx="0" cy="0"/>
-          <a:chOff x="0" y="0"/>
-          <a:chExt cx="0" cy="0"/>
-        </a:xfrm>
-      </p:grpSpPr>
-      <p:sp>
-        <p:nvSpPr>
-          <p:cNvPr id="1119884738" name="Title 1">
-            <a:extLst>
-              <a:ext uri="{FF2B5EF4-FFF2-40B4-BE49-F238E27FC236}">
-                <a16:creationId xmlns:a16="http://schemas.microsoft.com/office/drawing/2014/main" id="{A321F676-5C37-945E-4381-325236D9A646}"/>
-              </a:ext>
-            </a:extLst>
-          </p:cNvPr>
-          <p:cNvSpPr>
-            <a:spLocks noGrp="1"/>
-          </p:cNvSpPr>
-          <p:nvPr>
-            <p:ph type="title"/>
-          </p:nvPr>
-        </p:nvSpPr>
-        <p:spPr bwMode="auto"/>
-        <p:txBody>
-          <a:bodyPr/>
-          <a:lstStyle/>
-          <a:p>
-            <a:pPr>
-              <a:defRPr/>
-            </a:pPr>
-            <a:r>
-              <a:rPr lang="de-DE" dirty="0"/>
-              <a:t>Modellvergleich (3)</a:t>
-            </a:r>
-            <a:endParaRPr dirty="0"/>
-          </a:p>
-        </p:txBody>
-      </p:sp>
-      <p:sp>
-        <p:nvSpPr>
-          <p:cNvPr id="701458849" name="Content Placeholder 2">
-            <a:extLst>
-              <a:ext uri="{FF2B5EF4-FFF2-40B4-BE49-F238E27FC236}">
-                <a16:creationId xmlns:a16="http://schemas.microsoft.com/office/drawing/2014/main" id="{904FA809-3187-12C0-ECAF-888E7E7CFB90}"/>
-              </a:ext>
-            </a:extLst>
-          </p:cNvPr>
-          <p:cNvSpPr>
-            <a:spLocks noGrp="1"/>
-          </p:cNvSpPr>
-          <p:nvPr>
-            <p:ph idx="1"/>
-          </p:nvPr>
-        </p:nvSpPr>
-        <p:spPr bwMode="auto">
-          <a:xfrm>
-            <a:off x="518160" y="2161310"/>
-            <a:ext cx="11155680" cy="3927764"/>
-          </a:xfrm>
-        </p:spPr>
-        <p:txBody>
-          <a:bodyPr>
-            <a:normAutofit fontScale="85000" lnSpcReduction="10000"/>
-          </a:bodyPr>
-          <a:lstStyle/>
-          <a:p>
-            <a:pPr>
-              <a:defRPr/>
-            </a:pPr>
-            <a:r>
-              <a:rPr lang="de-DE" sz="1800" b="1" i="0" u="none" strike="noStrike" cap="none" spc="0" dirty="0" err="1">
-                <a:solidFill>
-                  <a:schemeClr val="tx1"/>
-                </a:solidFill>
-                <a:latin typeface="Bierstadt"/>
-                <a:cs typeface="Bierstadt"/>
-              </a:rPr>
-              <a:t>XGBoost</a:t>
-            </a:r>
-            <a:r>
-              <a:rPr lang="de-DE" sz="1800" b="1" i="0" u="none" strike="noStrike" cap="none" spc="0" dirty="0">
-                <a:solidFill>
-                  <a:schemeClr val="tx1"/>
-                </a:solidFill>
-                <a:latin typeface="Bierstadt"/>
-                <a:cs typeface="Bierstadt"/>
-              </a:rPr>
-              <a:t> mit besserem Recall, </a:t>
-            </a:r>
-            <a:r>
-              <a:rPr lang="de-DE" sz="1800" b="1" i="0" u="none" strike="noStrike" cap="none" spc="0" dirty="0" err="1">
-                <a:solidFill>
-                  <a:schemeClr val="tx1"/>
-                </a:solidFill>
-                <a:latin typeface="Bierstadt"/>
-                <a:cs typeface="Bierstadt"/>
-              </a:rPr>
-              <a:t>CatBoost</a:t>
-            </a:r>
-            <a:r>
-              <a:rPr lang="de-DE" sz="1800" b="1" i="0" u="none" strike="noStrike" cap="none" spc="0" dirty="0">
-                <a:solidFill>
-                  <a:schemeClr val="tx1"/>
-                </a:solidFill>
-                <a:latin typeface="Bierstadt"/>
-                <a:cs typeface="Bierstadt"/>
-              </a:rPr>
-              <a:t> mit höherer Präzision </a:t>
-            </a:r>
-            <a:r>
-              <a:rPr lang="de-DE" sz="1800" i="0" u="none" strike="noStrike" cap="none" spc="0" dirty="0">
-                <a:solidFill>
-                  <a:schemeClr val="tx1"/>
-                </a:solidFill>
-                <a:latin typeface="Bierstadt"/>
-                <a:cs typeface="Bierstadt"/>
-              </a:rPr>
-              <a:t>→ Trade-off zwischen Entdeckungsrate und Kontrollkosten</a:t>
-            </a:r>
-          </a:p>
-          <a:p>
-            <a:pPr>
-              <a:defRPr/>
-            </a:pPr>
-            <a:endParaRPr lang="de-DE" sz="1800" i="0" u="none" strike="noStrike" cap="none" spc="0" dirty="0">
-              <a:solidFill>
-                <a:schemeClr val="tx1"/>
-              </a:solidFill>
-              <a:latin typeface="Bierstadt"/>
-              <a:cs typeface="Bierstadt"/>
-            </a:endParaRPr>
-          </a:p>
-          <a:p>
-            <a:pPr>
-              <a:defRPr/>
-            </a:pPr>
-            <a:r>
-              <a:rPr lang="de-DE" sz="1800" i="0" u="none" strike="noStrike" cap="none" spc="0" dirty="0">
-                <a:solidFill>
-                  <a:schemeClr val="tx1"/>
-                </a:solidFill>
-                <a:latin typeface="Bierstadt"/>
-                <a:cs typeface="Bierstadt"/>
-              </a:rPr>
-              <a:t>Random Forest unterliegt dem Einzelbaum – trotz Theorievorteil</a:t>
-            </a:r>
-          </a:p>
-          <a:p>
-            <a:pPr lvl="1">
-              <a:defRPr/>
-            </a:pPr>
-            <a:r>
-              <a:rPr lang="de-DE" i="0" u="none" strike="noStrike" cap="none" spc="0" dirty="0">
-                <a:solidFill>
-                  <a:schemeClr val="tx1"/>
-                </a:solidFill>
-                <a:latin typeface="Bierstadt"/>
-                <a:cs typeface="Bierstadt"/>
-              </a:rPr>
-              <a:t>Ursache: fehlende Hyperparameter-Optimierung</a:t>
-            </a:r>
-          </a:p>
-          <a:p>
-            <a:pPr lvl="1">
-              <a:defRPr/>
-            </a:pPr>
-            <a:endParaRPr lang="de-DE" dirty="0"/>
-          </a:p>
-          <a:p>
-            <a:pPr>
-              <a:defRPr/>
-            </a:pPr>
-            <a:r>
-              <a:rPr lang="de-DE" dirty="0" err="1"/>
-              <a:t>CatBoost</a:t>
-            </a:r>
-            <a:r>
-              <a:rPr lang="de-DE" dirty="0"/>
-              <a:t> leicht besser, aber </a:t>
-            </a:r>
-            <a:r>
-              <a:rPr lang="de-DE" b="1" dirty="0"/>
-              <a:t>Entscheidung zugunsten </a:t>
-            </a:r>
-            <a:r>
-              <a:rPr lang="de-DE" b="1" dirty="0" err="1"/>
-              <a:t>XGBoost</a:t>
-            </a:r>
-            <a:r>
-              <a:rPr lang="de-DE" b="1" dirty="0"/>
-              <a:t> </a:t>
-            </a:r>
-            <a:r>
-              <a:rPr lang="de-DE" dirty="0"/>
-              <a:t>aus praktischen Gründen:</a:t>
-            </a:r>
-          </a:p>
-          <a:p>
-            <a:pPr lvl="1">
-              <a:defRPr/>
-            </a:pPr>
-            <a:r>
-              <a:rPr lang="de-DE" dirty="0"/>
-              <a:t>Starke Verbreitung</a:t>
-            </a:r>
-          </a:p>
-          <a:p>
-            <a:pPr lvl="1">
-              <a:defRPr/>
-            </a:pPr>
-            <a:r>
-              <a:rPr lang="de-DE" dirty="0"/>
-              <a:t>Gute Dokumentation</a:t>
-            </a:r>
-          </a:p>
-          <a:p>
-            <a:pPr lvl="1">
-              <a:defRPr/>
-            </a:pPr>
-            <a:r>
-              <a:rPr lang="de-DE" dirty="0"/>
-              <a:t>Effizientes Training</a:t>
-            </a:r>
-          </a:p>
-          <a:p>
-            <a:pPr lvl="1">
-              <a:defRPr/>
-            </a:pPr>
-            <a:r>
-              <a:rPr lang="de-DE" dirty="0"/>
-              <a:t>Besser wart- &amp; erweiterbar im operativen Einsatz</a:t>
-            </a:r>
-          </a:p>
-          <a:p>
-            <a:pPr>
-              <a:defRPr/>
-            </a:pPr>
-            <a:endParaRPr lang="de-DE" dirty="0"/>
-          </a:p>
-          <a:p>
-            <a:pPr>
-              <a:defRPr/>
-            </a:pPr>
-            <a:r>
-              <a:rPr lang="de-DE" b="1" dirty="0"/>
-              <a:t>Erfüllt alle Anforderungen</a:t>
-            </a:r>
-            <a:r>
-              <a:rPr lang="de-DE" dirty="0"/>
-              <a:t>: Verständlichkeit, Skalierbarkeit, Robustheit, Reproduzierbarkeit</a:t>
-            </a:r>
-            <a:endParaRPr dirty="0"/>
-          </a:p>
-        </p:txBody>
-      </p:sp>
-    </p:spTree>
-    <p:extLst>
-      <p:ext uri="{BB962C8B-B14F-4D97-AF65-F5344CB8AC3E}">
-        <p14:creationId xmlns:p14="http://schemas.microsoft.com/office/powerpoint/2010/main" val="3850368565"/>
-      </p:ext>
-    </p:extLst>
-  </p:cSld>
-  <p:clrMapOvr>
-    <a:masterClrMapping/>
-  </p:clrMapOvr>
-</p:sld>
-</file>
-
-<file path=ppt/slides/slide61.xml><?xml version="1.0" encoding="utf-8"?>
 <p:sld xmlns:a="http://schemas.openxmlformats.org/drawingml/2006/main" xmlns:r="http://schemas.openxmlformats.org/officeDocument/2006/relationships" xmlns:p="http://schemas.openxmlformats.org/presentationml/2006/main" showMasterPhAnim="0">
   <p:cSld>
     <p:spTree>
@@ -28442,7 +28335,7 @@
 </p:sld>
 </file>
 
-<file path=ppt/slides/slide62.xml><?xml version="1.0" encoding="utf-8"?>
+<file path=ppt/slides/slide61.xml><?xml version="1.0" encoding="utf-8"?>
 <p:sld xmlns:a="http://schemas.openxmlformats.org/drawingml/2006/main" xmlns:r="http://schemas.openxmlformats.org/officeDocument/2006/relationships" xmlns:p="http://schemas.openxmlformats.org/presentationml/2006/main" showMasterPhAnim="0">
   <p:cSld>
     <p:spTree>
@@ -28942,7 +28835,7 @@
 </p:sld>
 </file>
 
-<file path=ppt/slides/slide63.xml><?xml version="1.0" encoding="utf-8"?>
+<file path=ppt/slides/slide62.xml><?xml version="1.0" encoding="utf-8"?>
 <p:sld xmlns:a="http://schemas.openxmlformats.org/drawingml/2006/main" xmlns:r="http://schemas.openxmlformats.org/officeDocument/2006/relationships" xmlns:p="http://schemas.openxmlformats.org/presentationml/2006/main" showMasterPhAnim="0">
   <p:cSld>
     <p:spTree>
@@ -29401,7 +29294,7 @@
 </p:sld>
 </file>
 
-<file path=ppt/slides/slide64.xml><?xml version="1.0" encoding="utf-8"?>
+<file path=ppt/slides/slide63.xml><?xml version="1.0" encoding="utf-8"?>
 <p:sld xmlns:a="http://schemas.openxmlformats.org/drawingml/2006/main" xmlns:r="http://schemas.openxmlformats.org/officeDocument/2006/relationships" xmlns:p="http://schemas.openxmlformats.org/presentationml/2006/main" showMasterPhAnim="0">
   <p:cSld>
     <p:spTree>
@@ -29657,7 +29550,7 @@
 </p:sld>
 </file>
 
-<file path=ppt/slides/slide65.xml><?xml version="1.0" encoding="utf-8"?>
+<file path=ppt/slides/slide64.xml><?xml version="1.0" encoding="utf-8"?>
 <p:sld xmlns:a="http://schemas.openxmlformats.org/drawingml/2006/main" xmlns:r="http://schemas.openxmlformats.org/officeDocument/2006/relationships" xmlns:p="http://schemas.openxmlformats.org/presentationml/2006/main" showMasterPhAnim="0">
   <p:cSld>
     <p:spTree>
@@ -30185,7 +30078,7 @@
 </p:sld>
 </file>
 
-<file path=ppt/slides/slide66.xml><?xml version="1.0" encoding="utf-8"?>
+<file path=ppt/slides/slide65.xml><?xml version="1.0" encoding="utf-8"?>
 <p:sld xmlns:a="http://schemas.openxmlformats.org/drawingml/2006/main" xmlns:r="http://schemas.openxmlformats.org/officeDocument/2006/relationships" xmlns:p="http://schemas.openxmlformats.org/presentationml/2006/main" showMasterPhAnim="0">
   <p:cSld>
     <p:spTree>
@@ -30698,7 +30591,7 @@
 </p:sld>
 </file>
 
-<file path=ppt/slides/slide67.xml><?xml version="1.0" encoding="utf-8"?>
+<file path=ppt/slides/slide66.xml><?xml version="1.0" encoding="utf-8"?>
 <p:sld xmlns:a="http://schemas.openxmlformats.org/drawingml/2006/main" xmlns:r="http://schemas.openxmlformats.org/officeDocument/2006/relationships" xmlns:p="http://schemas.openxmlformats.org/presentationml/2006/main" showMasterPhAnim="0">
   <p:cSld>
     <p:spTree>
@@ -31146,7 +31039,7 @@
 </p:sld>
 </file>
 
-<file path=ppt/slides/slide68.xml><?xml version="1.0" encoding="utf-8"?>
+<file path=ppt/slides/slide67.xml><?xml version="1.0" encoding="utf-8"?>
 <p:sld xmlns:a="http://schemas.openxmlformats.org/drawingml/2006/main" xmlns:r="http://schemas.openxmlformats.org/officeDocument/2006/relationships" xmlns:p="http://schemas.openxmlformats.org/presentationml/2006/main" showMasterPhAnim="0">
   <p:cSld>
     <p:spTree>
@@ -31594,7 +31487,7 @@
 </p:sld>
 </file>
 
-<file path=ppt/slides/slide69.xml><?xml version="1.0" encoding="utf-8"?>
+<file path=ppt/slides/slide68.xml><?xml version="1.0" encoding="utf-8"?>
 <p:sld xmlns:a="http://schemas.openxmlformats.org/drawingml/2006/main" xmlns:r="http://schemas.openxmlformats.org/officeDocument/2006/relationships" xmlns:p="http://schemas.openxmlformats.org/presentationml/2006/main" showMasterPhAnim="0">
   <p:cSld>
     <p:spTree>
@@ -32111,131 +32004,7 @@
 </p:sld>
 </file>
 
-<file path=ppt/slides/slide7.xml><?xml version="1.0" encoding="utf-8"?>
-<p:sld xmlns:a="http://schemas.openxmlformats.org/drawingml/2006/main" xmlns:r="http://schemas.openxmlformats.org/officeDocument/2006/relationships" xmlns:p="http://schemas.openxmlformats.org/presentationml/2006/main">
-  <p:cSld>
-    <p:spTree>
-      <p:nvGrpSpPr>
-        <p:cNvPr id="1" name="">
-          <a:extLst>
-            <a:ext uri="{FF2B5EF4-FFF2-40B4-BE49-F238E27FC236}">
-              <a16:creationId xmlns:a16="http://schemas.microsoft.com/office/drawing/2014/main" id="{5CE2314C-9B89-9872-F854-56038D1AEEE2}"/>
-            </a:ext>
-          </a:extLst>
-        </p:cNvPr>
-        <p:cNvGrpSpPr/>
-        <p:nvPr/>
-      </p:nvGrpSpPr>
-      <p:grpSpPr>
-        <a:xfrm>
-          <a:off x="0" y="0"/>
-          <a:ext cx="0" cy="0"/>
-          <a:chOff x="0" y="0"/>
-          <a:chExt cx="0" cy="0"/>
-        </a:xfrm>
-      </p:grpSpPr>
-      <p:sp>
-        <p:nvSpPr>
-          <p:cNvPr id="2" name="Titel 1">
-            <a:extLst>
-              <a:ext uri="{FF2B5EF4-FFF2-40B4-BE49-F238E27FC236}">
-                <a16:creationId xmlns:a16="http://schemas.microsoft.com/office/drawing/2014/main" id="{8706C6E6-15D1-F9AD-4269-0A862883D6FB}"/>
-              </a:ext>
-            </a:extLst>
-          </p:cNvPr>
-          <p:cNvSpPr>
-            <a:spLocks noGrp="1"/>
-          </p:cNvSpPr>
-          <p:nvPr>
-            <p:ph type="title"/>
-          </p:nvPr>
-        </p:nvSpPr>
-        <p:spPr/>
-        <p:txBody>
-          <a:bodyPr/>
-          <a:lstStyle/>
-          <a:p>
-            <a:r>
-              <a:rPr lang="de-DE" dirty="0"/>
-              <a:t>Meilenstein 4: Dokumentation &amp; Übergabe</a:t>
-            </a:r>
-          </a:p>
-        </p:txBody>
-      </p:sp>
-      <p:sp>
-        <p:nvSpPr>
-          <p:cNvPr id="3" name="Inhaltsplatzhalter 2">
-            <a:extLst>
-              <a:ext uri="{FF2B5EF4-FFF2-40B4-BE49-F238E27FC236}">
-                <a16:creationId xmlns:a16="http://schemas.microsoft.com/office/drawing/2014/main" id="{966D9D40-DF89-E66F-5610-4A7D72833142}"/>
-              </a:ext>
-            </a:extLst>
-          </p:cNvPr>
-          <p:cNvSpPr>
-            <a:spLocks noGrp="1"/>
-          </p:cNvSpPr>
-          <p:nvPr>
-            <p:ph idx="1"/>
-          </p:nvPr>
-        </p:nvSpPr>
-        <p:spPr/>
-        <p:txBody>
-          <a:bodyPr>
-            <a:normAutofit/>
-          </a:bodyPr>
-          <a:lstStyle/>
-          <a:p>
-            <a:r>
-              <a:rPr lang="de-DE" dirty="0"/>
-              <a:t>Bereitstellung aller </a:t>
-            </a:r>
-            <a:r>
-              <a:rPr lang="de-DE" b="1" dirty="0"/>
-              <a:t>Skripte, Modellartefakte &amp; Visualisierungen</a:t>
-            </a:r>
-          </a:p>
-          <a:p>
-            <a:endParaRPr lang="de-DE" dirty="0"/>
-          </a:p>
-          <a:p>
-            <a:r>
-              <a:rPr lang="de-DE" dirty="0"/>
-              <a:t>Übergabe des </a:t>
-            </a:r>
-            <a:r>
-              <a:rPr lang="de-DE" b="1" dirty="0"/>
-              <a:t>Prototyps als Python-Paket</a:t>
-            </a:r>
-          </a:p>
-          <a:p>
-            <a:endParaRPr lang="de-DE" dirty="0"/>
-          </a:p>
-          <a:p>
-            <a:r>
-              <a:rPr lang="de-DE" b="1" dirty="0"/>
-              <a:t>Dokumentation der REST-Schnittstelle </a:t>
-            </a:r>
-            <a:r>
-              <a:rPr lang="de-DE" dirty="0"/>
-              <a:t>zur einfachen Integration</a:t>
-            </a:r>
-          </a:p>
-        </p:txBody>
-      </p:sp>
-    </p:spTree>
-    <p:extLst>
-      <p:ext uri="{BB962C8B-B14F-4D97-AF65-F5344CB8AC3E}">
-        <p14:creationId xmlns:p14="http://schemas.microsoft.com/office/powerpoint/2010/main" val="2603691343"/>
-      </p:ext>
-    </p:extLst>
-  </p:cSld>
-  <p:clrMapOvr>
-    <a:masterClrMapping/>
-  </p:clrMapOvr>
-</p:sld>
-</file>
-
-<file path=ppt/slides/slide70.xml><?xml version="1.0" encoding="utf-8"?>
+<file path=ppt/slides/slide69.xml><?xml version="1.0" encoding="utf-8"?>
 <p:sld xmlns:a="http://schemas.openxmlformats.org/drawingml/2006/main" xmlns:r="http://schemas.openxmlformats.org/officeDocument/2006/relationships" xmlns:p="http://schemas.openxmlformats.org/presentationml/2006/main" showMasterPhAnim="0">
   <p:cSld>
     <p:spTree>
@@ -32812,7 +32581,131 @@
 </p:sld>
 </file>
 
-<file path=ppt/slides/slide71.xml><?xml version="1.0" encoding="utf-8"?>
+<file path=ppt/slides/slide7.xml><?xml version="1.0" encoding="utf-8"?>
+<p:sld xmlns:a="http://schemas.openxmlformats.org/drawingml/2006/main" xmlns:r="http://schemas.openxmlformats.org/officeDocument/2006/relationships" xmlns:p="http://schemas.openxmlformats.org/presentationml/2006/main">
+  <p:cSld>
+    <p:spTree>
+      <p:nvGrpSpPr>
+        <p:cNvPr id="1" name="">
+          <a:extLst>
+            <a:ext uri="{FF2B5EF4-FFF2-40B4-BE49-F238E27FC236}">
+              <a16:creationId xmlns:a16="http://schemas.microsoft.com/office/drawing/2014/main" id="{5CE2314C-9B89-9872-F854-56038D1AEEE2}"/>
+            </a:ext>
+          </a:extLst>
+        </p:cNvPr>
+        <p:cNvGrpSpPr/>
+        <p:nvPr/>
+      </p:nvGrpSpPr>
+      <p:grpSpPr>
+        <a:xfrm>
+          <a:off x="0" y="0"/>
+          <a:ext cx="0" cy="0"/>
+          <a:chOff x="0" y="0"/>
+          <a:chExt cx="0" cy="0"/>
+        </a:xfrm>
+      </p:grpSpPr>
+      <p:sp>
+        <p:nvSpPr>
+          <p:cNvPr id="2" name="Titel 1">
+            <a:extLst>
+              <a:ext uri="{FF2B5EF4-FFF2-40B4-BE49-F238E27FC236}">
+                <a16:creationId xmlns:a16="http://schemas.microsoft.com/office/drawing/2014/main" id="{8706C6E6-15D1-F9AD-4269-0A862883D6FB}"/>
+              </a:ext>
+            </a:extLst>
+          </p:cNvPr>
+          <p:cNvSpPr>
+            <a:spLocks noGrp="1"/>
+          </p:cNvSpPr>
+          <p:nvPr>
+            <p:ph type="title"/>
+          </p:nvPr>
+        </p:nvSpPr>
+        <p:spPr/>
+        <p:txBody>
+          <a:bodyPr/>
+          <a:lstStyle/>
+          <a:p>
+            <a:r>
+              <a:rPr lang="de-DE" dirty="0"/>
+              <a:t>Meilenstein 4: Dokumentation &amp; Übergabe</a:t>
+            </a:r>
+          </a:p>
+        </p:txBody>
+      </p:sp>
+      <p:sp>
+        <p:nvSpPr>
+          <p:cNvPr id="3" name="Inhaltsplatzhalter 2">
+            <a:extLst>
+              <a:ext uri="{FF2B5EF4-FFF2-40B4-BE49-F238E27FC236}">
+                <a16:creationId xmlns:a16="http://schemas.microsoft.com/office/drawing/2014/main" id="{966D9D40-DF89-E66F-5610-4A7D72833142}"/>
+              </a:ext>
+            </a:extLst>
+          </p:cNvPr>
+          <p:cNvSpPr>
+            <a:spLocks noGrp="1"/>
+          </p:cNvSpPr>
+          <p:nvPr>
+            <p:ph idx="1"/>
+          </p:nvPr>
+        </p:nvSpPr>
+        <p:spPr/>
+        <p:txBody>
+          <a:bodyPr>
+            <a:normAutofit/>
+          </a:bodyPr>
+          <a:lstStyle/>
+          <a:p>
+            <a:r>
+              <a:rPr lang="de-DE" dirty="0"/>
+              <a:t>Bereitstellung aller </a:t>
+            </a:r>
+            <a:r>
+              <a:rPr lang="de-DE" b="1" dirty="0"/>
+              <a:t>Skripte, Modellartefakte &amp; Visualisierungen</a:t>
+            </a:r>
+          </a:p>
+          <a:p>
+            <a:endParaRPr lang="de-DE" dirty="0"/>
+          </a:p>
+          <a:p>
+            <a:r>
+              <a:rPr lang="de-DE" dirty="0"/>
+              <a:t>Übergabe des </a:t>
+            </a:r>
+            <a:r>
+              <a:rPr lang="de-DE" b="1" dirty="0"/>
+              <a:t>Prototyps als Python-Paket</a:t>
+            </a:r>
+          </a:p>
+          <a:p>
+            <a:endParaRPr lang="de-DE" dirty="0"/>
+          </a:p>
+          <a:p>
+            <a:r>
+              <a:rPr lang="de-DE" b="1" dirty="0"/>
+              <a:t>Dokumentation der REST-Schnittstelle </a:t>
+            </a:r>
+            <a:r>
+              <a:rPr lang="de-DE" dirty="0"/>
+              <a:t>zur einfachen Integration</a:t>
+            </a:r>
+          </a:p>
+        </p:txBody>
+      </p:sp>
+    </p:spTree>
+    <p:extLst>
+      <p:ext uri="{BB962C8B-B14F-4D97-AF65-F5344CB8AC3E}">
+        <p14:creationId xmlns:p14="http://schemas.microsoft.com/office/powerpoint/2010/main" val="2603691343"/>
+      </p:ext>
+    </p:extLst>
+  </p:cSld>
+  <p:clrMapOvr>
+    <a:masterClrMapping/>
+  </p:clrMapOvr>
+</p:sld>
+</file>
+
+<file path=ppt/slides/slide70.xml><?xml version="1.0" encoding="utf-8"?>
 <p:sld xmlns:a="http://schemas.openxmlformats.org/drawingml/2006/main" xmlns:r="http://schemas.openxmlformats.org/officeDocument/2006/relationships" xmlns:p="http://schemas.openxmlformats.org/presentationml/2006/main" showMasterPhAnim="0">
   <p:cSld>
     <p:spTree>
@@ -32983,7 +32876,7 @@
 </p:sld>
 </file>
 
-<file path=ppt/slides/slide72.xml><?xml version="1.0" encoding="utf-8"?>
+<file path=ppt/slides/slide71.xml><?xml version="1.0" encoding="utf-8"?>
 <p:sld xmlns:a="http://schemas.openxmlformats.org/drawingml/2006/main" xmlns:r="http://schemas.openxmlformats.org/officeDocument/2006/relationships" xmlns:p="http://schemas.openxmlformats.org/presentationml/2006/main" showMasterPhAnim="0">
   <p:cSld>
     <p:spTree>
@@ -33448,7 +33341,7 @@
 </p:sld>
 </file>
 
-<file path=ppt/slides/slide73.xml><?xml version="1.0" encoding="utf-8"?>
+<file path=ppt/slides/slide72.xml><?xml version="1.0" encoding="utf-8"?>
 <p:sld xmlns:a="http://schemas.openxmlformats.org/drawingml/2006/main" xmlns:r="http://schemas.openxmlformats.org/officeDocument/2006/relationships" xmlns:p="http://schemas.openxmlformats.org/presentationml/2006/main">
   <p:cSld>
     <p:bg>
@@ -33851,7 +33744,7 @@
 </p:sld>
 </file>
 
-<file path=ppt/slides/slide74.xml><?xml version="1.0" encoding="utf-8"?>
+<file path=ppt/slides/slide73.xml><?xml version="1.0" encoding="utf-8"?>
 <p:sld xmlns:a="http://schemas.openxmlformats.org/drawingml/2006/main" xmlns:r="http://schemas.openxmlformats.org/officeDocument/2006/relationships" xmlns:p="http://schemas.openxmlformats.org/presentationml/2006/main">
   <p:cSld>
     <p:spTree>
@@ -34057,7 +33950,7 @@
 </p:sld>
 </file>
 
-<file path=ppt/slides/slide75.xml><?xml version="1.0" encoding="utf-8"?>
+<file path=ppt/slides/slide74.xml><?xml version="1.0" encoding="utf-8"?>
 <p:sld xmlns:a="http://schemas.openxmlformats.org/drawingml/2006/main" xmlns:r="http://schemas.openxmlformats.org/officeDocument/2006/relationships" xmlns:p="http://schemas.openxmlformats.org/presentationml/2006/main">
   <p:cSld>
     <p:spTree>
@@ -34265,7 +34158,7 @@
 </p:sld>
 </file>
 
-<file path=ppt/slides/slide76.xml><?xml version="1.0" encoding="utf-8"?>
+<file path=ppt/slides/slide75.xml><?xml version="1.0" encoding="utf-8"?>
 <p:sld xmlns:a="http://schemas.openxmlformats.org/drawingml/2006/main" xmlns:r="http://schemas.openxmlformats.org/officeDocument/2006/relationships" xmlns:p="http://schemas.openxmlformats.org/presentationml/2006/main">
   <p:cSld>
     <p:bg>
@@ -34668,7 +34561,7 @@
 </p:sld>
 </file>
 
-<file path=ppt/slides/slide77.xml><?xml version="1.0" encoding="utf-8"?>
+<file path=ppt/slides/slide76.xml><?xml version="1.0" encoding="utf-8"?>
 <p:sld xmlns:a="http://schemas.openxmlformats.org/drawingml/2006/main" xmlns:r="http://schemas.openxmlformats.org/officeDocument/2006/relationships" xmlns:p="http://schemas.openxmlformats.org/presentationml/2006/main">
   <p:cSld>
     <p:spTree>
@@ -34954,7 +34847,7 @@
 </p:sld>
 </file>
 
-<file path=ppt/slides/slide78.xml><?xml version="1.0" encoding="utf-8"?>
+<file path=ppt/slides/slide77.xml><?xml version="1.0" encoding="utf-8"?>
 <p:sld xmlns:a="http://schemas.openxmlformats.org/drawingml/2006/main" xmlns:r="http://schemas.openxmlformats.org/officeDocument/2006/relationships" xmlns:p="http://schemas.openxmlformats.org/presentationml/2006/main">
   <p:cSld>
     <p:spTree>
@@ -35218,7 +35111,7 @@
 </p:sld>
 </file>
 
-<file path=ppt/slides/slide79.xml><?xml version="1.0" encoding="utf-8"?>
+<file path=ppt/slides/slide78.xml><?xml version="1.0" encoding="utf-8"?>
 <p:sld xmlns:a="http://schemas.openxmlformats.org/drawingml/2006/main" xmlns:r="http://schemas.openxmlformats.org/officeDocument/2006/relationships" xmlns:p="http://schemas.openxmlformats.org/presentationml/2006/main">
   <p:cSld>
     <p:spTree>
